--- a/mem/presentacion.pptx
+++ b/mem/presentacion.pptx
@@ -5,35 +5,36 @@
     <p:sldMasterId id="2147483885" r:id="rId1"/>
   </p:sldMasterIdLst>
   <p:notesMasterIdLst>
-    <p:notesMasterId r:id="rId25"/>
+    <p:notesMasterId r:id="rId26"/>
   </p:notesMasterIdLst>
   <p:handoutMasterIdLst>
-    <p:handoutMasterId r:id="rId26"/>
+    <p:handoutMasterId r:id="rId27"/>
   </p:handoutMasterIdLst>
   <p:sldIdLst>
     <p:sldId id="256" r:id="rId2"/>
     <p:sldId id="394" r:id="rId3"/>
     <p:sldId id="397" r:id="rId4"/>
     <p:sldId id="398" r:id="rId5"/>
-    <p:sldId id="399" r:id="rId6"/>
-    <p:sldId id="400" r:id="rId7"/>
-    <p:sldId id="404" r:id="rId8"/>
-    <p:sldId id="405" r:id="rId9"/>
-    <p:sldId id="406" r:id="rId10"/>
-    <p:sldId id="407" r:id="rId11"/>
-    <p:sldId id="402" r:id="rId12"/>
-    <p:sldId id="403" r:id="rId13"/>
-    <p:sldId id="410" r:id="rId14"/>
-    <p:sldId id="408" r:id="rId15"/>
-    <p:sldId id="409" r:id="rId16"/>
-    <p:sldId id="411" r:id="rId17"/>
-    <p:sldId id="412" r:id="rId18"/>
-    <p:sldId id="388" r:id="rId19"/>
-    <p:sldId id="389" r:id="rId20"/>
-    <p:sldId id="396" r:id="rId21"/>
-    <p:sldId id="347" r:id="rId22"/>
-    <p:sldId id="413" r:id="rId23"/>
-    <p:sldId id="401" r:id="rId24"/>
+    <p:sldId id="414" r:id="rId6"/>
+    <p:sldId id="399" r:id="rId7"/>
+    <p:sldId id="400" r:id="rId8"/>
+    <p:sldId id="404" r:id="rId9"/>
+    <p:sldId id="405" r:id="rId10"/>
+    <p:sldId id="406" r:id="rId11"/>
+    <p:sldId id="407" r:id="rId12"/>
+    <p:sldId id="402" r:id="rId13"/>
+    <p:sldId id="403" r:id="rId14"/>
+    <p:sldId id="410" r:id="rId15"/>
+    <p:sldId id="408" r:id="rId16"/>
+    <p:sldId id="409" r:id="rId17"/>
+    <p:sldId id="411" r:id="rId18"/>
+    <p:sldId id="412" r:id="rId19"/>
+    <p:sldId id="388" r:id="rId20"/>
+    <p:sldId id="389" r:id="rId21"/>
+    <p:sldId id="396" r:id="rId22"/>
+    <p:sldId id="347" r:id="rId23"/>
+    <p:sldId id="413" r:id="rId24"/>
+    <p:sldId id="401" r:id="rId25"/>
   </p:sldIdLst>
   <p:sldSz cx="9144000" cy="6858000" type="screen4x3"/>
   <p:notesSz cx="6858000" cy="9144000"/>
@@ -248,7 +249,7 @@
           <a:p>
             <a:fld id="{CC2DD168-CD50-4286-8441-9D660E02632E}" type="datetimeFigureOut">
               <a:rPr lang="es-ES" smtClean="0"/>
-              <a:t>26/08/2017</a:t>
+              <a:t>18/09/2017</a:t>
             </a:fld>
             <a:endParaRPr lang="es-ES" dirty="0"/>
           </a:p>
@@ -413,7 +414,7 @@
           <a:p>
             <a:fld id="{29785892-479F-4DA1-837F-2BFA7E37E9AD}" type="datetimeFigureOut">
               <a:rPr lang="es-ES" smtClean="0"/>
-              <a:t>26/08/2017</a:t>
+              <a:t>18/09/2017</a:t>
             </a:fld>
             <a:endParaRPr lang="es-ES" dirty="0"/>
           </a:p>
@@ -724,7 +725,58 @@
           <a:bodyPr/>
           <a:lstStyle/>
           <a:p>
-            <a:endParaRPr lang="es-ES" dirty="0"/>
+            <a:r>
+              <a:rPr lang="es-ES" dirty="0"/>
+              <a:t>Con la venia del tribunal voy a proceder a la defensa de mi </a:t>
+            </a:r>
+            <a:r>
+              <a:rPr lang="es-ES" dirty="0" err="1"/>
+              <a:t>proyeto</a:t>
+            </a:r>
+            <a:r>
+              <a:rPr lang="es-ES" dirty="0"/>
+              <a:t> de fin de carrera “Software de </a:t>
+            </a:r>
+            <a:r>
+              <a:rPr lang="es-ES" dirty="0" err="1"/>
+              <a:t>Preparacion</a:t>
+            </a:r>
+            <a:r>
+              <a:rPr lang="es-ES" dirty="0"/>
+              <a:t>, Procesado y </a:t>
+            </a:r>
+            <a:r>
+              <a:rPr lang="es-ES" dirty="0" err="1"/>
+              <a:t>Analisis</a:t>
+            </a:r>
+            <a:r>
+              <a:rPr lang="es-ES" dirty="0"/>
+              <a:t> de datos de la EPA”, codirigida por Elisa Guerrero </a:t>
+            </a:r>
+            <a:r>
+              <a:rPr lang="es-ES" dirty="0" err="1"/>
+              <a:t>Vazquez</a:t>
+            </a:r>
+            <a:r>
+              <a:rPr lang="es-ES" dirty="0"/>
+              <a:t> y </a:t>
+            </a:r>
+            <a:r>
+              <a:rPr lang="es-ES" dirty="0" err="1"/>
+              <a:t>Andres</a:t>
+            </a:r>
+            <a:r>
+              <a:rPr lang="es-ES" dirty="0"/>
+              <a:t> </a:t>
+            </a:r>
+            <a:r>
+              <a:rPr lang="es-ES" dirty="0" err="1"/>
+              <a:t>Yañez</a:t>
+            </a:r>
+            <a:r>
+              <a:rPr lang="es-ES" dirty="0"/>
+              <a:t> Escolano.</a:t>
+            </a:r>
           </a:p>
         </p:txBody>
       </p:sp>
@@ -808,7 +860,10 @@
           <a:bodyPr/>
           <a:lstStyle/>
           <a:p>
-            <a:endParaRPr lang="es-ES" dirty="0"/>
+            <a:r>
+              <a:rPr lang="es-ES" dirty="0"/>
+              <a:t>Aquí mostramos la misma información que en el punto anterior pero ilustrado en forma de diagrama de Gantt. En el puede observarse como dos iteraciones se solaparon en el tiempo, ya que tienen naturalezas similares. El exportador documental usa visualizaciones generadas por el Análisis de datos que podían aprovecharse.</a:t>
+            </a:r>
           </a:p>
         </p:txBody>
       </p:sp>
@@ -838,7 +893,7 @@
     </p:spTree>
     <p:extLst>
       <p:ext uri="{BB962C8B-B14F-4D97-AF65-F5344CB8AC3E}">
-        <p14:creationId xmlns:p14="http://schemas.microsoft.com/office/powerpoint/2010/main" val="1821026860"/>
+        <p14:creationId xmlns:p14="http://schemas.microsoft.com/office/powerpoint/2010/main" val="149280926"/>
       </p:ext>
     </p:extLst>
   </p:cSld>
@@ -892,7 +947,18 @@
           <a:bodyPr/>
           <a:lstStyle/>
           <a:p>
-            <a:endParaRPr lang="es-ES" dirty="0"/>
+            <a:r>
+              <a:rPr lang="es-ES" dirty="0"/>
+              <a:t>Aquí mostramos una estimación de costes del proyecto, incluyendo la </a:t>
+            </a:r>
+            <a:r>
+              <a:rPr lang="es-ES" dirty="0" err="1"/>
+              <a:t>infrastructura</a:t>
+            </a:r>
+            <a:r>
+              <a:rPr lang="es-ES" dirty="0"/>
+              <a:t> necesaria para su despliegue, de cuando podría haber costado el desarrollo del mismo.</a:t>
+            </a:r>
           </a:p>
         </p:txBody>
       </p:sp>
@@ -922,7 +988,7 @@
     </p:spTree>
     <p:extLst>
       <p:ext uri="{BB962C8B-B14F-4D97-AF65-F5344CB8AC3E}">
-        <p14:creationId xmlns:p14="http://schemas.microsoft.com/office/powerpoint/2010/main" val="2436157154"/>
+        <p14:creationId xmlns:p14="http://schemas.microsoft.com/office/powerpoint/2010/main" val="1821026860"/>
       </p:ext>
     </p:extLst>
   </p:cSld>
@@ -976,7 +1042,34 @@
           <a:bodyPr/>
           <a:lstStyle/>
           <a:p>
-            <a:endParaRPr lang="es-ES" dirty="0"/>
+            <a:r>
+              <a:rPr lang="es-ES" dirty="0"/>
+              <a:t>Para facilitar la estructura cliente servidor se ha utilizado el </a:t>
+            </a:r>
+            <a:r>
+              <a:rPr lang="es-ES" dirty="0" err="1"/>
+              <a:t>framework</a:t>
+            </a:r>
+            <a:r>
+              <a:rPr lang="es-ES" dirty="0"/>
+              <a:t> </a:t>
+            </a:r>
+            <a:r>
+              <a:rPr lang="es-ES" dirty="0" err="1"/>
+              <a:t>Shiny</a:t>
+            </a:r>
+            <a:r>
+              <a:rPr lang="es-ES" dirty="0"/>
+              <a:t> [7] del lenguaje R. </a:t>
+            </a:r>
+            <a:r>
+              <a:rPr lang="es-ES" dirty="0" err="1"/>
+              <a:t>Shiny</a:t>
+            </a:r>
+            <a:r>
+              <a:rPr lang="es-ES" dirty="0"/>
+              <a:t> nos permite definir y mantener una vista web, independiente del proceso que realiza el servidor, como queda ilustrado en la figura 4</a:t>
+            </a:r>
           </a:p>
         </p:txBody>
       </p:sp>
@@ -1006,7 +1099,7 @@
     </p:spTree>
     <p:extLst>
       <p:ext uri="{BB962C8B-B14F-4D97-AF65-F5344CB8AC3E}">
-        <p14:creationId xmlns:p14="http://schemas.microsoft.com/office/powerpoint/2010/main" val="1053461329"/>
+        <p14:creationId xmlns:p14="http://schemas.microsoft.com/office/powerpoint/2010/main" val="2436157154"/>
       </p:ext>
     </p:extLst>
   </p:cSld>
@@ -1060,6 +1153,85 @@
           <a:bodyPr/>
           <a:lstStyle/>
           <a:p>
+            <a:pPr marL="0" marR="0" lvl="0" indent="0" algn="l" defTabSz="914400" rtl="0" eaLnBrk="1" fontAlgn="auto" latinLnBrk="0" hangingPunct="1">
+              <a:lnSpc>
+                <a:spcPct val="100000"/>
+              </a:lnSpc>
+              <a:spcBef>
+                <a:spcPts val="0"/>
+              </a:spcBef>
+              <a:spcAft>
+                <a:spcPts val="0"/>
+              </a:spcAft>
+              <a:buClrTx/>
+              <a:buSzTx/>
+              <a:buFontTx/>
+              <a:buNone/>
+              <a:tabLst/>
+              <a:defRPr/>
+            </a:pPr>
+            <a:r>
+              <a:rPr lang="es-ES" sz="1200" kern="1200" dirty="0">
+                <a:solidFill>
+                  <a:schemeClr val="tx1"/>
+                </a:solidFill>
+                <a:effectLst/>
+                <a:latin typeface="+mn-lt"/>
+                <a:ea typeface="+mn-ea"/>
+                <a:cs typeface="+mn-cs"/>
+              </a:rPr>
+              <a:t>El servidor mantiene en ejecución varias sesiones de R que satisfacen las distintas peticiones de cálculo realizadas por navegadores de los usuarios. </a:t>
+            </a:r>
+            <a:r>
+              <a:rPr lang="es-ES" sz="1200" kern="1200" dirty="0" err="1">
+                <a:solidFill>
+                  <a:schemeClr val="tx1"/>
+                </a:solidFill>
+                <a:effectLst/>
+                <a:latin typeface="+mn-lt"/>
+                <a:ea typeface="+mn-ea"/>
+                <a:cs typeface="+mn-cs"/>
+              </a:rPr>
+              <a:t>Shiny</a:t>
+            </a:r>
+            <a:r>
+              <a:rPr lang="es-ES" sz="1200" kern="1200" dirty="0">
+                <a:solidFill>
+                  <a:schemeClr val="tx1"/>
+                </a:solidFill>
+                <a:effectLst/>
+                <a:latin typeface="+mn-lt"/>
+                <a:ea typeface="+mn-ea"/>
+                <a:cs typeface="+mn-cs"/>
+              </a:rPr>
+              <a:t> gestionará las sesiones de R (o </a:t>
+            </a:r>
+            <a:r>
+              <a:rPr lang="es-ES" sz="1200" kern="1200" dirty="0" err="1">
+                <a:solidFill>
+                  <a:schemeClr val="tx1"/>
+                </a:solidFill>
+                <a:effectLst/>
+                <a:latin typeface="+mn-lt"/>
+                <a:ea typeface="+mn-ea"/>
+                <a:cs typeface="+mn-cs"/>
+              </a:rPr>
+              <a:t>workers</a:t>
+            </a:r>
+            <a:r>
+              <a:rPr lang="es-ES" sz="1200" kern="1200" dirty="0">
+                <a:solidFill>
+                  <a:schemeClr val="tx1"/>
+                </a:solidFill>
+                <a:effectLst/>
+                <a:latin typeface="+mn-lt"/>
+                <a:ea typeface="+mn-ea"/>
+                <a:cs typeface="+mn-cs"/>
+              </a:rPr>
+              <a:t>) necesarias para satisfacer la demanda, como puede verse en la figura 5</a:t>
+            </a:r>
+          </a:p>
+          <a:p>
             <a:endParaRPr lang="es-ES" dirty="0"/>
           </a:p>
         </p:txBody>
@@ -1090,7 +1262,7 @@
     </p:spTree>
     <p:extLst>
       <p:ext uri="{BB962C8B-B14F-4D97-AF65-F5344CB8AC3E}">
-        <p14:creationId xmlns:p14="http://schemas.microsoft.com/office/powerpoint/2010/main" val="4219099"/>
+        <p14:creationId xmlns:p14="http://schemas.microsoft.com/office/powerpoint/2010/main" val="1053461329"/>
       </p:ext>
     </p:extLst>
   </p:cSld>
@@ -1144,6 +1316,190 @@
           <a:bodyPr/>
           <a:lstStyle/>
           <a:p>
+            <a:r>
+              <a:rPr lang="es-ES" sz="1200" kern="1200" dirty="0">
+                <a:solidFill>
+                  <a:schemeClr val="tx1"/>
+                </a:solidFill>
+                <a:effectLst/>
+                <a:latin typeface="+mn-lt"/>
+                <a:ea typeface="+mn-ea"/>
+                <a:cs typeface="+mn-cs"/>
+              </a:rPr>
+              <a:t>Un modelo aplicación que haga uso de </a:t>
+            </a:r>
+            <a:r>
+              <a:rPr lang="es-ES" sz="1200" kern="1200" dirty="0" err="1">
+                <a:solidFill>
+                  <a:schemeClr val="tx1"/>
+                </a:solidFill>
+                <a:effectLst/>
+                <a:latin typeface="+mn-lt"/>
+                <a:ea typeface="+mn-ea"/>
+                <a:cs typeface="+mn-cs"/>
+              </a:rPr>
+              <a:t>Shiny</a:t>
+            </a:r>
+            <a:r>
+              <a:rPr lang="es-ES" sz="1200" kern="1200" dirty="0">
+                <a:solidFill>
+                  <a:schemeClr val="tx1"/>
+                </a:solidFill>
+                <a:effectLst/>
+                <a:latin typeface="+mn-lt"/>
+                <a:ea typeface="+mn-ea"/>
+                <a:cs typeface="+mn-cs"/>
+              </a:rPr>
+              <a:t> se compone de varios ficheros de código fuente (scripts), donde destacan principalmente dos de ellos:</a:t>
+            </a:r>
+          </a:p>
+          <a:p>
+            <a:pPr marL="171450" lvl="0" indent="-171450">
+              <a:buFontTx/>
+              <a:buChar char="-"/>
+            </a:pPr>
+            <a:r>
+              <a:rPr lang="es-ES" sz="1200" kern="1200" dirty="0" err="1">
+                <a:solidFill>
+                  <a:schemeClr val="tx1"/>
+                </a:solidFill>
+                <a:effectLst/>
+                <a:latin typeface="+mn-lt"/>
+                <a:ea typeface="+mn-ea"/>
+                <a:cs typeface="+mn-cs"/>
+              </a:rPr>
+              <a:t>ui.R</a:t>
+            </a:r>
+            <a:r>
+              <a:rPr lang="es-ES" sz="1200" kern="1200" dirty="0">
+                <a:solidFill>
+                  <a:schemeClr val="tx1"/>
+                </a:solidFill>
+                <a:effectLst/>
+                <a:latin typeface="+mn-lt"/>
+                <a:ea typeface="+mn-ea"/>
+                <a:cs typeface="+mn-cs"/>
+              </a:rPr>
+              <a:t>: Script que define la interfaz de usuario. Encajando con la vista en nuestro patrón MVC, este fichero contendrá la información necesaria para construir la interfaz, la definición de los formularios de entradas para las distintas operaciones, así como las salidas devueltas por el modelo.</a:t>
+            </a:r>
+          </a:p>
+          <a:p>
+            <a:pPr marL="171450" lvl="0" indent="-171450">
+              <a:buFontTx/>
+              <a:buChar char="-"/>
+            </a:pPr>
+            <a:r>
+              <a:rPr lang="es-ES" sz="1200" kern="1200" dirty="0" err="1">
+                <a:solidFill>
+                  <a:schemeClr val="tx1"/>
+                </a:solidFill>
+                <a:effectLst/>
+                <a:latin typeface="+mn-lt"/>
+                <a:ea typeface="+mn-ea"/>
+                <a:cs typeface="+mn-cs"/>
+              </a:rPr>
+              <a:t>server.R</a:t>
+            </a:r>
+            <a:r>
+              <a:rPr lang="es-ES" sz="1200" kern="1200" dirty="0">
+                <a:solidFill>
+                  <a:schemeClr val="tx1"/>
+                </a:solidFill>
+                <a:effectLst/>
+                <a:latin typeface="+mn-lt"/>
+                <a:ea typeface="+mn-ea"/>
+                <a:cs typeface="+mn-cs"/>
+              </a:rPr>
+              <a:t>: Script de servidor. Correspondiendo a la parte Modelo del patrón MVC, el fichero </a:t>
+            </a:r>
+            <a:r>
+              <a:rPr lang="es-ES" sz="1200" kern="1200" dirty="0" err="1">
+                <a:solidFill>
+                  <a:schemeClr val="tx1"/>
+                </a:solidFill>
+                <a:effectLst/>
+                <a:latin typeface="+mn-lt"/>
+                <a:ea typeface="+mn-ea"/>
+                <a:cs typeface="+mn-cs"/>
+              </a:rPr>
+              <a:t>server.R</a:t>
+            </a:r>
+            <a:r>
+              <a:rPr lang="es-ES" sz="1200" kern="1200" dirty="0">
+                <a:solidFill>
+                  <a:schemeClr val="tx1"/>
+                </a:solidFill>
+                <a:effectLst/>
+                <a:latin typeface="+mn-lt"/>
+                <a:ea typeface="+mn-ea"/>
+                <a:cs typeface="+mn-cs"/>
+              </a:rPr>
+              <a:t> contiene los distintos scripts que serán ejecutados de forma reactiva a las acciones del usuario sobre la interfaz. </a:t>
+            </a:r>
+            <a:r>
+              <a:rPr lang="es-ES" sz="1200" kern="1200" dirty="0" err="1">
+                <a:solidFill>
+                  <a:schemeClr val="tx1"/>
+                </a:solidFill>
+                <a:effectLst/>
+                <a:latin typeface="+mn-lt"/>
+                <a:ea typeface="+mn-ea"/>
+                <a:cs typeface="+mn-cs"/>
+              </a:rPr>
+              <a:t>Shiny</a:t>
+            </a:r>
+            <a:r>
+              <a:rPr lang="es-ES" sz="1200" kern="1200" dirty="0">
+                <a:solidFill>
+                  <a:schemeClr val="tx1"/>
+                </a:solidFill>
+                <a:effectLst/>
+                <a:latin typeface="+mn-lt"/>
+                <a:ea typeface="+mn-ea"/>
+                <a:cs typeface="+mn-cs"/>
+              </a:rPr>
+              <a:t> ejecutará estos scripts devolviendo sus resultados a la interfaz que se encargará de mostrarlas al usuario.</a:t>
+            </a:r>
+          </a:p>
+          <a:p>
+            <a:r>
+              <a:rPr lang="es-ES" sz="1200" kern="1200" dirty="0">
+                <a:solidFill>
+                  <a:schemeClr val="tx1"/>
+                </a:solidFill>
+                <a:effectLst/>
+                <a:latin typeface="+mn-lt"/>
+                <a:ea typeface="+mn-ea"/>
+                <a:cs typeface="+mn-cs"/>
+              </a:rPr>
+              <a:t>En el MVC tradicional, el controlador es necesario y explícito. Este define qué hacer cuando se reciben las solicitudes de los usuarios y qué recursos se van a movilizar para llevar a cabo las tareas necesarias descritas en el modelo. En este entorno reactivo, el controlador se convierte en una caja negra controlado por el </a:t>
+            </a:r>
+            <a:r>
+              <a:rPr lang="es-ES" sz="1200" kern="1200" dirty="0" err="1">
+                <a:solidFill>
+                  <a:schemeClr val="tx1"/>
+                </a:solidFill>
+                <a:effectLst/>
+                <a:latin typeface="+mn-lt"/>
+                <a:ea typeface="+mn-ea"/>
+                <a:cs typeface="+mn-cs"/>
+              </a:rPr>
+              <a:t>framework</a:t>
+            </a:r>
+            <a:r>
+              <a:rPr lang="es-ES" sz="1200" kern="1200" dirty="0">
+                <a:solidFill>
+                  <a:schemeClr val="tx1"/>
+                </a:solidFill>
+                <a:effectLst/>
+                <a:latin typeface="+mn-lt"/>
+                <a:ea typeface="+mn-ea"/>
+                <a:cs typeface="+mn-cs"/>
+              </a:rPr>
+              <a:t>.</a:t>
+            </a:r>
+          </a:p>
+          <a:p>
             <a:endParaRPr lang="es-ES" dirty="0"/>
           </a:p>
         </p:txBody>
@@ -1174,7 +1530,7 @@
     </p:spTree>
     <p:extLst>
       <p:ext uri="{BB962C8B-B14F-4D97-AF65-F5344CB8AC3E}">
-        <p14:creationId xmlns:p14="http://schemas.microsoft.com/office/powerpoint/2010/main" val="100332036"/>
+        <p14:creationId xmlns:p14="http://schemas.microsoft.com/office/powerpoint/2010/main" val="4219099"/>
       </p:ext>
     </p:extLst>
   </p:cSld>
@@ -1228,7 +1584,10 @@
           <a:bodyPr/>
           <a:lstStyle/>
           <a:p>
-            <a:endParaRPr lang="es-ES" dirty="0"/>
+            <a:r>
+              <a:rPr lang="es-ES" dirty="0"/>
+              <a:t>En cuanto al diseño de la interfaz de la herramienta se plantea un menú distribuido en pestañas con las principales funcionalidades que ofrece.</a:t>
+            </a:r>
           </a:p>
         </p:txBody>
       </p:sp>
@@ -1258,7 +1617,7 @@
     </p:spTree>
     <p:extLst>
       <p:ext uri="{BB962C8B-B14F-4D97-AF65-F5344CB8AC3E}">
-        <p14:creationId xmlns:p14="http://schemas.microsoft.com/office/powerpoint/2010/main" val="4113531911"/>
+        <p14:creationId xmlns:p14="http://schemas.microsoft.com/office/powerpoint/2010/main" val="100332036"/>
       </p:ext>
     </p:extLst>
   </p:cSld>
@@ -1312,7 +1671,18 @@
           <a:bodyPr/>
           <a:lstStyle/>
           <a:p>
-            <a:endParaRPr lang="es-ES" dirty="0"/>
+            <a:r>
+              <a:rPr lang="es-ES" dirty="0"/>
+              <a:t>En el siguiente ejemplo vemos por ejemplo la vista de </a:t>
+            </a:r>
+            <a:r>
+              <a:rPr lang="es-ES" dirty="0" err="1"/>
+              <a:t>Exploracion</a:t>
+            </a:r>
+            <a:r>
+              <a:rPr lang="es-ES" dirty="0"/>
+              <a:t> de una única variable donde se solicitan entradas que provocan una visualización concreta en las salidas, y ciertos parámetros ajustables para variar la visualización actual.</a:t>
+            </a:r>
           </a:p>
         </p:txBody>
       </p:sp>
@@ -1342,7 +1712,7 @@
     </p:spTree>
     <p:extLst>
       <p:ext uri="{BB962C8B-B14F-4D97-AF65-F5344CB8AC3E}">
-        <p14:creationId xmlns:p14="http://schemas.microsoft.com/office/powerpoint/2010/main" val="4091670108"/>
+        <p14:creationId xmlns:p14="http://schemas.microsoft.com/office/powerpoint/2010/main" val="4113531911"/>
       </p:ext>
     </p:extLst>
   </p:cSld>
@@ -1396,6 +1766,232 @@
           <a:bodyPr/>
           <a:lstStyle/>
           <a:p>
+            <a:r>
+              <a:rPr lang="es-ES" dirty="0"/>
+              <a:t>Se hará uso del lenguaje de programación R [6] para el desarrollo de la misma por su creciente popularidad en el campo de la computación estadística y sus motores de visualización gráfica. R es un paquete GNU distribuido gratuitamente bajo la Licencia Publica General de GNU (GNU GPL).</a:t>
+            </a:r>
+          </a:p>
+          <a:p>
+            <a:r>
+              <a:rPr lang="es-ES" dirty="0"/>
+              <a:t>Se han utilizado varios paquetes adicionales de R para cubrir distintas necesidades dentro del proyecto. En concreto se ha hecho uso de </a:t>
+            </a:r>
+            <a:r>
+              <a:rPr lang="es-ES" dirty="0" err="1"/>
+              <a:t>Shiny</a:t>
+            </a:r>
+            <a:r>
+              <a:rPr lang="es-ES" dirty="0"/>
+              <a:t> [7] como </a:t>
+            </a:r>
+            <a:r>
+              <a:rPr lang="es-ES" dirty="0" err="1"/>
+              <a:t>framework</a:t>
+            </a:r>
+            <a:r>
+              <a:rPr lang="es-ES" dirty="0"/>
+              <a:t> para el desarrollo de una interfaz web fácil de usar y mantener.</a:t>
+            </a:r>
+          </a:p>
+          <a:p>
+            <a:r>
+              <a:rPr lang="es-ES" dirty="0"/>
+              <a:t>Como entorno de desarrollo se ha elegido </a:t>
+            </a:r>
+            <a:r>
+              <a:rPr lang="es-ES" dirty="0" err="1"/>
+              <a:t>RStudio</a:t>
+            </a:r>
+            <a:r>
+              <a:rPr lang="es-ES" dirty="0"/>
+              <a:t> [8], debido a su integración con paquetes de uso muy extendido de R, como pueden ser </a:t>
+            </a:r>
+            <a:r>
+              <a:rPr lang="es-ES" dirty="0" err="1"/>
+              <a:t>Shiny</a:t>
+            </a:r>
+            <a:r>
+              <a:rPr lang="es-ES" dirty="0"/>
+              <a:t> o </a:t>
+            </a:r>
+            <a:r>
+              <a:rPr lang="es-ES" dirty="0" err="1"/>
+              <a:t>RMarkdown</a:t>
+            </a:r>
+            <a:r>
+              <a:rPr lang="es-ES" dirty="0"/>
+              <a:t>.</a:t>
+            </a:r>
+          </a:p>
+          <a:p>
+            <a:endParaRPr lang="es-ES" dirty="0"/>
+          </a:p>
+          <a:p>
+            <a:endParaRPr lang="es-ES" dirty="0"/>
+          </a:p>
+          <a:p>
+            <a:r>
+              <a:rPr lang="es-ES" sz="1200" kern="1200" dirty="0">
+                <a:solidFill>
+                  <a:schemeClr val="tx1"/>
+                </a:solidFill>
+                <a:effectLst/>
+                <a:latin typeface="+mn-lt"/>
+                <a:ea typeface="+mn-ea"/>
+                <a:cs typeface="+mn-cs"/>
+              </a:rPr>
+              <a:t>En concreto, el sistema de gestión de base de datos seleccionado ha sido SQLite [16]. Los principales motivos para su elección han sido, ante todo:</a:t>
+            </a:r>
+          </a:p>
+          <a:p>
+            <a:pPr lvl="0"/>
+            <a:r>
+              <a:rPr lang="es-ES" sz="1200" kern="1200" dirty="0">
+                <a:solidFill>
+                  <a:schemeClr val="tx1"/>
+                </a:solidFill>
+                <a:effectLst/>
+                <a:latin typeface="+mn-lt"/>
+                <a:ea typeface="+mn-ea"/>
+                <a:cs typeface="+mn-cs"/>
+              </a:rPr>
+              <a:t>Funcionamiento sin ningún tipo de configuración ni instalación de ningún servidor dedicado.</a:t>
+            </a:r>
+          </a:p>
+          <a:p>
+            <a:pPr lvl="0"/>
+            <a:r>
+              <a:rPr lang="es-ES" sz="1200" kern="1200" dirty="0">
+                <a:solidFill>
+                  <a:schemeClr val="tx1"/>
+                </a:solidFill>
+                <a:effectLst/>
+                <a:latin typeface="+mn-lt"/>
+                <a:ea typeface="+mn-ea"/>
+                <a:cs typeface="+mn-cs"/>
+              </a:rPr>
+              <a:t>Base de datos </a:t>
+            </a:r>
+            <a:r>
+              <a:rPr lang="es-ES" sz="1200" kern="1200" dirty="0" err="1">
+                <a:solidFill>
+                  <a:schemeClr val="tx1"/>
+                </a:solidFill>
+                <a:effectLst/>
+                <a:latin typeface="+mn-lt"/>
+                <a:ea typeface="+mn-ea"/>
+                <a:cs typeface="+mn-cs"/>
+              </a:rPr>
+              <a:t>autocontenida</a:t>
+            </a:r>
+            <a:r>
+              <a:rPr lang="es-ES" sz="1200" kern="1200" dirty="0">
+                <a:solidFill>
+                  <a:schemeClr val="tx1"/>
+                </a:solidFill>
+                <a:effectLst/>
+                <a:latin typeface="+mn-lt"/>
+                <a:ea typeface="+mn-ea"/>
+                <a:cs typeface="+mn-cs"/>
+              </a:rPr>
+              <a:t> en un único fichero, siendo este trasladable y compatible entre distintas plataformas.</a:t>
+            </a:r>
+          </a:p>
+          <a:p>
+            <a:pPr lvl="0"/>
+            <a:r>
+              <a:rPr lang="es-ES" sz="1200" kern="1200" dirty="0">
+                <a:solidFill>
+                  <a:schemeClr val="tx1"/>
+                </a:solidFill>
+                <a:effectLst/>
+                <a:latin typeface="+mn-lt"/>
+                <a:ea typeface="+mn-ea"/>
+                <a:cs typeface="+mn-cs"/>
+              </a:rPr>
+              <a:t>Código bajo dominio público y libre de copyright.</a:t>
+            </a:r>
+          </a:p>
+          <a:p>
+            <a:pPr lvl="0"/>
+            <a:endParaRPr lang="es-ES" sz="1200" kern="1200" dirty="0">
+              <a:solidFill>
+                <a:schemeClr val="tx1"/>
+              </a:solidFill>
+              <a:effectLst/>
+              <a:latin typeface="+mn-lt"/>
+              <a:ea typeface="+mn-ea"/>
+              <a:cs typeface="+mn-cs"/>
+            </a:endParaRPr>
+          </a:p>
+          <a:p>
+            <a:pPr marL="0" marR="0" lvl="0" indent="0" algn="l" defTabSz="914400" rtl="0" eaLnBrk="1" fontAlgn="auto" latinLnBrk="0" hangingPunct="1">
+              <a:lnSpc>
+                <a:spcPct val="100000"/>
+              </a:lnSpc>
+              <a:spcBef>
+                <a:spcPts val="0"/>
+              </a:spcBef>
+              <a:spcAft>
+                <a:spcPts val="0"/>
+              </a:spcAft>
+              <a:buClrTx/>
+              <a:buSzTx/>
+              <a:buFontTx/>
+              <a:buNone/>
+              <a:tabLst/>
+              <a:defRPr/>
+            </a:pPr>
+            <a:r>
+              <a:rPr lang="es-ES" sz="1200" kern="1200" dirty="0">
+                <a:solidFill>
+                  <a:schemeClr val="tx1"/>
+                </a:solidFill>
+                <a:effectLst/>
+                <a:latin typeface="+mn-lt"/>
+                <a:ea typeface="+mn-ea"/>
+                <a:cs typeface="+mn-cs"/>
+              </a:rPr>
+              <a:t>Git [17] es uno de los sistemas de control de configuración más utilizados hoy día. Ha sido seleccionado entre otros candidatos principalmente por su integración con </a:t>
+            </a:r>
+            <a:r>
+              <a:rPr lang="es-ES" sz="1200" kern="1200" dirty="0" err="1">
+                <a:solidFill>
+                  <a:schemeClr val="tx1"/>
+                </a:solidFill>
+                <a:effectLst/>
+                <a:latin typeface="+mn-lt"/>
+                <a:ea typeface="+mn-ea"/>
+                <a:cs typeface="+mn-cs"/>
+              </a:rPr>
+              <a:t>RStudio</a:t>
+            </a:r>
+            <a:r>
+              <a:rPr lang="es-ES" sz="1200" kern="1200" dirty="0">
+                <a:solidFill>
+                  <a:schemeClr val="tx1"/>
+                </a:solidFill>
+                <a:effectLst/>
+                <a:latin typeface="+mn-lt"/>
+                <a:ea typeface="+mn-ea"/>
+                <a:cs typeface="+mn-cs"/>
+              </a:rPr>
+              <a:t> y por estar familiarizado con el uso del mismo. Git se distribuye como software libre bajo licencia GNU GPL versión 2.</a:t>
+            </a:r>
+          </a:p>
+          <a:p>
+            <a:pPr lvl="0"/>
+            <a:endParaRPr lang="es-ES" sz="1200" kern="1200" dirty="0">
+              <a:solidFill>
+                <a:schemeClr val="tx1"/>
+              </a:solidFill>
+              <a:effectLst/>
+              <a:latin typeface="+mn-lt"/>
+              <a:ea typeface="+mn-ea"/>
+              <a:cs typeface="+mn-cs"/>
+            </a:endParaRPr>
+          </a:p>
+          <a:p>
             <a:endParaRPr lang="es-ES" dirty="0"/>
           </a:p>
         </p:txBody>
@@ -1426,7 +2022,7 @@
     </p:spTree>
     <p:extLst>
       <p:ext uri="{BB962C8B-B14F-4D97-AF65-F5344CB8AC3E}">
-        <p14:creationId xmlns:p14="http://schemas.microsoft.com/office/powerpoint/2010/main" val="910101503"/>
+        <p14:creationId xmlns:p14="http://schemas.microsoft.com/office/powerpoint/2010/main" val="4091670108"/>
       </p:ext>
     </p:extLst>
   </p:cSld>
@@ -1480,12 +2076,7 @@
           <a:bodyPr/>
           <a:lstStyle/>
           <a:p>
-            <a:pPr>
-              <a:spcBef>
-                <a:spcPts val="1200"/>
-              </a:spcBef>
-            </a:pPr>
-            <a:endParaRPr lang="es-ES" sz="1200" dirty="0"/>
+            <a:endParaRPr lang="es-ES" dirty="0"/>
           </a:p>
         </p:txBody>
       </p:sp>
@@ -1515,7 +2106,7 @@
     </p:spTree>
     <p:extLst>
       <p:ext uri="{BB962C8B-B14F-4D97-AF65-F5344CB8AC3E}">
-        <p14:creationId xmlns:p14="http://schemas.microsoft.com/office/powerpoint/2010/main" val="933569878"/>
+        <p14:creationId xmlns:p14="http://schemas.microsoft.com/office/powerpoint/2010/main" val="910101503"/>
       </p:ext>
     </p:extLst>
   </p:cSld>
@@ -1604,7 +2195,7 @@
     </p:spTree>
     <p:extLst>
       <p:ext uri="{BB962C8B-B14F-4D97-AF65-F5344CB8AC3E}">
-        <p14:creationId xmlns:p14="http://schemas.microsoft.com/office/powerpoint/2010/main" val="2823750488"/>
+        <p14:creationId xmlns:p14="http://schemas.microsoft.com/office/powerpoint/2010/main" val="933569878"/>
       </p:ext>
     </p:extLst>
   </p:cSld>
@@ -1658,6 +2249,74 @@
           <a:bodyPr/>
           <a:lstStyle/>
           <a:p>
+            <a:r>
+              <a:rPr lang="es-ES" dirty="0"/>
+              <a:t>Aquí listamos los puntos que trataremos durante la presentación que serían:</a:t>
+            </a:r>
+          </a:p>
+          <a:p>
+            <a:pPr marL="171450" indent="-171450">
+              <a:buFontTx/>
+              <a:buChar char="-"/>
+            </a:pPr>
+            <a:r>
+              <a:rPr lang="es-ES" dirty="0"/>
+              <a:t>Un primer punto hablando sobre que ha servido como motivación para la realización de este proyecto, una breve descripción de que es la EPA, y que puntos nos planteamos como objetivos.</a:t>
+            </a:r>
+          </a:p>
+          <a:p>
+            <a:pPr marL="171450" indent="-171450">
+              <a:buFontTx/>
+              <a:buChar char="-"/>
+            </a:pPr>
+            <a:r>
+              <a:rPr lang="es-ES" dirty="0"/>
+              <a:t>A </a:t>
+            </a:r>
+            <a:r>
+              <a:rPr lang="es-ES" dirty="0" err="1"/>
+              <a:t>continuacion</a:t>
+            </a:r>
+            <a:r>
+              <a:rPr lang="es-ES" dirty="0"/>
+              <a:t> hablaremos brevemente de la planificación en la elaboración del proyecto.</a:t>
+            </a:r>
+          </a:p>
+          <a:p>
+            <a:pPr marL="171450" indent="-171450">
+              <a:buFontTx/>
+              <a:buChar char="-"/>
+            </a:pPr>
+            <a:r>
+              <a:rPr lang="es-ES" dirty="0"/>
+              <a:t>En un tercer punto comentaremos ciertos detalles relevantes en la implementación del mismo, como las tecnologías empleadas en el desarrollo.</a:t>
+            </a:r>
+          </a:p>
+          <a:p>
+            <a:pPr marL="171450" indent="-171450">
+              <a:buFontTx/>
+              <a:buChar char="-"/>
+            </a:pPr>
+            <a:r>
+              <a:rPr lang="es-ES" dirty="0"/>
+              <a:t>Posteriormente haremos uso de la herramienta desarrollada en una pequeña demostración.</a:t>
+            </a:r>
+          </a:p>
+          <a:p>
+            <a:pPr marL="171450" indent="-171450">
+              <a:buFontTx/>
+              <a:buChar char="-"/>
+            </a:pPr>
+            <a:r>
+              <a:rPr lang="es-ES" dirty="0"/>
+              <a:t>Y finalmente comentaremos varias conclusiones después del desarrollo del proyecto.</a:t>
+            </a:r>
+          </a:p>
+          <a:p>
+            <a:pPr marL="171450" indent="-171450">
+              <a:buFontTx/>
+              <a:buChar char="-"/>
+            </a:pPr>
             <a:endParaRPr lang="es-ES" dirty="0"/>
           </a:p>
         </p:txBody>
@@ -1777,7 +2436,7 @@
     </p:spTree>
     <p:extLst>
       <p:ext uri="{BB962C8B-B14F-4D97-AF65-F5344CB8AC3E}">
-        <p14:creationId xmlns:p14="http://schemas.microsoft.com/office/powerpoint/2010/main" val="943406906"/>
+        <p14:creationId xmlns:p14="http://schemas.microsoft.com/office/powerpoint/2010/main" val="2823750488"/>
       </p:ext>
     </p:extLst>
   </p:cSld>
@@ -1831,7 +2490,12 @@
           <a:bodyPr/>
           <a:lstStyle/>
           <a:p>
-            <a:endParaRPr lang="es-ES" dirty="0"/>
+            <a:pPr>
+              <a:spcBef>
+                <a:spcPts val="1200"/>
+              </a:spcBef>
+            </a:pPr>
+            <a:endParaRPr lang="es-ES" sz="1200" dirty="0"/>
           </a:p>
         </p:txBody>
       </p:sp>
@@ -1861,7 +2525,7 @@
     </p:spTree>
     <p:extLst>
       <p:ext uri="{BB962C8B-B14F-4D97-AF65-F5344CB8AC3E}">
-        <p14:creationId xmlns:p14="http://schemas.microsoft.com/office/powerpoint/2010/main" val="2657671209"/>
+        <p14:creationId xmlns:p14="http://schemas.microsoft.com/office/powerpoint/2010/main" val="943406906"/>
       </p:ext>
     </p:extLst>
   </p:cSld>
@@ -1945,7 +2609,7 @@
     </p:spTree>
     <p:extLst>
       <p:ext uri="{BB962C8B-B14F-4D97-AF65-F5344CB8AC3E}">
-        <p14:creationId xmlns:p14="http://schemas.microsoft.com/office/powerpoint/2010/main" val="2497132513"/>
+        <p14:creationId xmlns:p14="http://schemas.microsoft.com/office/powerpoint/2010/main" val="2657671209"/>
       </p:ext>
     </p:extLst>
   </p:cSld>
@@ -2021,6 +2685,90 @@
             <a:fld id="{DF4BDEB7-51E0-4F37-900C-D21B59A587AE}" type="slidenum">
               <a:rPr lang="es-ES" smtClean="0"/>
               <a:t>23</a:t>
+            </a:fld>
+            <a:endParaRPr lang="es-ES" dirty="0"/>
+          </a:p>
+        </p:txBody>
+      </p:sp>
+    </p:spTree>
+    <p:extLst>
+      <p:ext uri="{BB962C8B-B14F-4D97-AF65-F5344CB8AC3E}">
+        <p14:creationId xmlns:p14="http://schemas.microsoft.com/office/powerpoint/2010/main" val="2497132513"/>
+      </p:ext>
+    </p:extLst>
+  </p:cSld>
+  <p:clrMapOvr>
+    <a:masterClrMapping/>
+  </p:clrMapOvr>
+</p:notes>
+</file>
+
+<file path=ppt/notesSlides/notesSlide24.xml><?xml version="1.0" encoding="utf-8"?>
+<p:notes xmlns:a="http://schemas.openxmlformats.org/drawingml/2006/main" xmlns:r="http://schemas.openxmlformats.org/officeDocument/2006/relationships" xmlns:p="http://schemas.openxmlformats.org/presentationml/2006/main">
+  <p:cSld>
+    <p:spTree>
+      <p:nvGrpSpPr>
+        <p:cNvPr id="1" name=""/>
+        <p:cNvGrpSpPr/>
+        <p:nvPr/>
+      </p:nvGrpSpPr>
+      <p:grpSpPr>
+        <a:xfrm>
+          <a:off x="0" y="0"/>
+          <a:ext cx="0" cy="0"/>
+          <a:chOff x="0" y="0"/>
+          <a:chExt cx="0" cy="0"/>
+        </a:xfrm>
+      </p:grpSpPr>
+      <p:sp>
+        <p:nvSpPr>
+          <p:cNvPr id="2" name="Marcador de imagen de diapositiva 1"/>
+          <p:cNvSpPr>
+            <a:spLocks noGrp="1" noRot="1" noChangeAspect="1"/>
+          </p:cNvSpPr>
+          <p:nvPr>
+            <p:ph type="sldImg"/>
+          </p:nvPr>
+        </p:nvSpPr>
+        <p:spPr/>
+      </p:sp>
+      <p:sp>
+        <p:nvSpPr>
+          <p:cNvPr id="3" name="Marcador de notas 2"/>
+          <p:cNvSpPr>
+            <a:spLocks noGrp="1"/>
+          </p:cNvSpPr>
+          <p:nvPr>
+            <p:ph type="body" idx="1"/>
+          </p:nvPr>
+        </p:nvSpPr>
+        <p:spPr/>
+        <p:txBody>
+          <a:bodyPr/>
+          <a:lstStyle/>
+          <a:p>
+            <a:endParaRPr lang="es-ES" dirty="0"/>
+          </a:p>
+        </p:txBody>
+      </p:sp>
+      <p:sp>
+        <p:nvSpPr>
+          <p:cNvPr id="4" name="Marcador de número de diapositiva 3"/>
+          <p:cNvSpPr>
+            <a:spLocks noGrp="1"/>
+          </p:cNvSpPr>
+          <p:nvPr>
+            <p:ph type="sldNum" sz="quarter" idx="10"/>
+          </p:nvPr>
+        </p:nvSpPr>
+        <p:spPr/>
+        <p:txBody>
+          <a:bodyPr/>
+          <a:lstStyle/>
+          <a:p>
+            <a:fld id="{DF4BDEB7-51E0-4F37-900C-D21B59A587AE}" type="slidenum">
+              <a:rPr lang="es-ES" smtClean="0"/>
+              <a:t>24</a:t>
             </a:fld>
             <a:endParaRPr lang="es-ES" dirty="0"/>
           </a:p>
@@ -2083,6 +2831,46 @@
           <a:bodyPr/>
           <a:lstStyle/>
           <a:p>
+            <a:r>
+              <a:rPr lang="es-ES" dirty="0"/>
+              <a:t>La Encuesta de Población Activa (EPA), elaborada por el Instituto Nacional de Estadística, es un estudio estadístico destinado a capturar datos sobre el mercado de trabajo, que se utiliza para calcular la tasa de desempleo, tal y como la define la Organización Internacional del Trabajo (OIT). Aquí podemos observar un ejemplo de información extraída de la EPA.</a:t>
+            </a:r>
+          </a:p>
+          <a:p>
+            <a:endParaRPr lang="es-ES" dirty="0"/>
+          </a:p>
+          <a:p>
+            <a:pPr marL="0" marR="0" lvl="0" indent="0" algn="l" defTabSz="914400" rtl="0" eaLnBrk="1" fontAlgn="auto" latinLnBrk="0" hangingPunct="1">
+              <a:lnSpc>
+                <a:spcPct val="100000"/>
+              </a:lnSpc>
+              <a:spcBef>
+                <a:spcPts val="0"/>
+              </a:spcBef>
+              <a:spcAft>
+                <a:spcPts val="0"/>
+              </a:spcAft>
+              <a:buClrTx/>
+              <a:buSzTx/>
+              <a:buFontTx/>
+              <a:buNone/>
+              <a:tabLst/>
+              <a:defRPr/>
+            </a:pPr>
+            <a:r>
+              <a:rPr lang="es-ES" sz="1200" kern="1200" dirty="0">
+                <a:solidFill>
+                  <a:schemeClr val="tx1"/>
+                </a:solidFill>
+                <a:effectLst/>
+                <a:latin typeface="+mn-lt"/>
+                <a:ea typeface="+mn-ea"/>
+                <a:cs typeface="+mn-cs"/>
+              </a:rPr>
+              <a:t>Los datos se recogen con periodicidad trimestral mediante entrevista personal o telefónica.</a:t>
+            </a:r>
+          </a:p>
+          <a:p>
             <a:endParaRPr lang="es-ES" dirty="0"/>
           </a:p>
         </p:txBody>
@@ -2167,7 +2955,10 @@
           <a:bodyPr/>
           <a:lstStyle/>
           <a:p>
-            <a:endParaRPr lang="es-ES" dirty="0"/>
+            <a:r>
+              <a:rPr lang="es-ES" dirty="0"/>
+              <a:t>El INE publica los datos obtenidos en los distintos ejercicios de la EPA, en un formato de tabla donde cada fila corresponde a una persona encuestada, y cada columna a una de las preguntas que ha contestado en dicha encuesta. Esta imagen es una porción de uno de estos ficheros de datos.</a:t>
+            </a:r>
           </a:p>
         </p:txBody>
       </p:sp>
@@ -2251,7 +3042,10 @@
           <a:bodyPr/>
           <a:lstStyle/>
           <a:p>
-            <a:endParaRPr lang="es-ES" dirty="0"/>
+            <a:r>
+              <a:rPr lang="es-ES" dirty="0"/>
+              <a:t>El INE provee una guía de interpretación de dichos datos, así como descripciones de su significado. Esta información nos ha servido para poder interpretar los ficheros de datos anteriormente mencionados.</a:t>
+            </a:r>
           </a:p>
         </p:txBody>
       </p:sp>
@@ -2281,7 +3075,7 @@
     </p:spTree>
     <p:extLst>
       <p:ext uri="{BB962C8B-B14F-4D97-AF65-F5344CB8AC3E}">
-        <p14:creationId xmlns:p14="http://schemas.microsoft.com/office/powerpoint/2010/main" val="1790854763"/>
+        <p14:creationId xmlns:p14="http://schemas.microsoft.com/office/powerpoint/2010/main" val="2703192354"/>
       </p:ext>
     </p:extLst>
   </p:cSld>
@@ -2335,7 +3129,10 @@
           <a:bodyPr/>
           <a:lstStyle/>
           <a:p>
-            <a:endParaRPr lang="es-ES" dirty="0"/>
+            <a:r>
+              <a:rPr lang="es-ES" dirty="0"/>
+              <a:t>Desde la web del INE es posible descargar una herramienta de análisis de datos bajo Windows (PC-Axis), aunque esta herramienta se limita a cálculos y gráficas estadísticas básicas, sobre resultados que ya han sido procesados previamente. Esta pensado principalmente para preparar datos para volcar a una Excel.</a:t>
+            </a:r>
           </a:p>
         </p:txBody>
       </p:sp>
@@ -2365,7 +3162,7 @@
     </p:spTree>
     <p:extLst>
       <p:ext uri="{BB962C8B-B14F-4D97-AF65-F5344CB8AC3E}">
-        <p14:creationId xmlns:p14="http://schemas.microsoft.com/office/powerpoint/2010/main" val="2628330224"/>
+        <p14:creationId xmlns:p14="http://schemas.microsoft.com/office/powerpoint/2010/main" val="1790854763"/>
       </p:ext>
     </p:extLst>
   </p:cSld>
@@ -2419,6 +3216,90 @@
           <a:bodyPr/>
           <a:lstStyle/>
           <a:p>
+            <a:r>
+              <a:rPr lang="es-ES" dirty="0"/>
+              <a:t>Consideramos entonces interesante hacer el desarrollo de una herramienta que permita:</a:t>
+            </a:r>
+          </a:p>
+          <a:p>
+            <a:pPr marL="171450" indent="-171450">
+              <a:buFontTx/>
+              <a:buChar char="-"/>
+            </a:pPr>
+            <a:r>
+              <a:rPr lang="es-ES" dirty="0"/>
+              <a:t>Interpretar, almacenar, procesar y normalizar los datos</a:t>
+            </a:r>
+          </a:p>
+          <a:p>
+            <a:pPr marL="171450" indent="-171450">
+              <a:buFontTx/>
+              <a:buChar char="-"/>
+            </a:pPr>
+            <a:r>
+              <a:rPr lang="es-ES" dirty="0"/>
+              <a:t>Análisis exploratorio sobre los datos recogidos</a:t>
+            </a:r>
+          </a:p>
+          <a:p>
+            <a:pPr marL="171450" indent="-171450">
+              <a:buFontTx/>
+              <a:buChar char="-"/>
+            </a:pPr>
+            <a:r>
+              <a:rPr lang="es-ES" dirty="0"/>
+              <a:t>Aplicación de técnicas de aprendizaje computacional no supervisado, como </a:t>
+            </a:r>
+            <a:r>
+              <a:rPr lang="es-ES" dirty="0" err="1"/>
+              <a:t>clustering</a:t>
+            </a:r>
+            <a:r>
+              <a:rPr lang="es-ES" dirty="0"/>
+              <a:t> o reglas de asociación.</a:t>
+            </a:r>
+          </a:p>
+          <a:p>
+            <a:pPr marL="171450" indent="-171450">
+              <a:buFontTx/>
+              <a:buChar char="-"/>
+            </a:pPr>
+            <a:r>
+              <a:rPr lang="es-ES" dirty="0"/>
+              <a:t>Generación de informes</a:t>
+            </a:r>
+          </a:p>
+          <a:p>
+            <a:pPr marL="171450" indent="-171450">
+              <a:buFontTx/>
+              <a:buChar char="-"/>
+            </a:pPr>
+            <a:r>
+              <a:rPr lang="es-ES" dirty="0"/>
+              <a:t>Actualizable.</a:t>
+            </a:r>
+          </a:p>
+          <a:p>
+            <a:pPr marL="171450" indent="-171450">
+              <a:buFontTx/>
+              <a:buChar char="-"/>
+            </a:pPr>
+            <a:r>
+              <a:rPr lang="es-ES" dirty="0"/>
+              <a:t>Fácil de usar, amigable</a:t>
+            </a:r>
+          </a:p>
+          <a:p>
+            <a:pPr marL="171450" indent="-171450">
+              <a:buFontTx/>
+              <a:buChar char="-"/>
+            </a:pPr>
+            <a:r>
+              <a:rPr lang="es-ES" dirty="0"/>
+              <a:t>Basada en un entorno web.</a:t>
+            </a:r>
+          </a:p>
+          <a:p>
             <a:endParaRPr lang="es-ES" dirty="0"/>
           </a:p>
         </p:txBody>
@@ -2449,7 +3330,7 @@
     </p:spTree>
     <p:extLst>
       <p:ext uri="{BB962C8B-B14F-4D97-AF65-F5344CB8AC3E}">
-        <p14:creationId xmlns:p14="http://schemas.microsoft.com/office/powerpoint/2010/main" val="38163097"/>
+        <p14:creationId xmlns:p14="http://schemas.microsoft.com/office/powerpoint/2010/main" val="2628330224"/>
       </p:ext>
     </p:extLst>
   </p:cSld>
@@ -2503,7 +3384,57 @@
           <a:bodyPr/>
           <a:lstStyle/>
           <a:p>
+            <a:r>
+              <a:rPr lang="es-ES" dirty="0"/>
+              <a:t>Analizando el proyecto a desarrollar se determinó que seguir un modelo de desarrollo software de tipo incremental, sería la opción más apropiada para acometer el problema en cuestión. Este modelo de desarrollo se caracteriza por plantear la planificación de un proyecto en distintos bloques temporales que pasaremos a denominar iteración.</a:t>
+            </a:r>
+          </a:p>
+          <a:p>
+            <a:r>
+              <a:rPr lang="es-ES" dirty="0"/>
+              <a:t>En cada iteración repetiremos el mismo proceso definido para el resto. De esta forma obtendremos un producto que funciona desde la primera iteración con un conjunto limitado de funcionalidad.</a:t>
+            </a:r>
+          </a:p>
+          <a:p>
             <a:endParaRPr lang="es-ES" dirty="0"/>
+          </a:p>
+          <a:p>
+            <a:r>
+              <a:rPr lang="es-ES" sz="1200" kern="1200" dirty="0">
+                <a:solidFill>
+                  <a:schemeClr val="tx1"/>
+                </a:solidFill>
+                <a:effectLst/>
+                <a:latin typeface="+mn-lt"/>
+                <a:ea typeface="+mn-ea"/>
+                <a:cs typeface="+mn-cs"/>
+              </a:rPr>
+              <a:t>La elección de esta metodología de desarrollo se debe principalmente la naturaleza del proyecto, donde se plantean una serie de herramientas o aplicaciones independientes a modo de </a:t>
+            </a:r>
+            <a:r>
+              <a:rPr lang="es-ES" sz="1200" kern="1200" dirty="0" err="1">
+                <a:solidFill>
+                  <a:schemeClr val="tx1"/>
+                </a:solidFill>
+                <a:effectLst/>
+                <a:latin typeface="+mn-lt"/>
+                <a:ea typeface="+mn-ea"/>
+                <a:cs typeface="+mn-cs"/>
+              </a:rPr>
+              <a:t>toolbox</a:t>
+            </a:r>
+            <a:r>
+              <a:rPr lang="es-ES" sz="1200" kern="1200" dirty="0">
+                <a:solidFill>
+                  <a:schemeClr val="tx1"/>
+                </a:solidFill>
+                <a:effectLst/>
+                <a:latin typeface="+mn-lt"/>
+                <a:ea typeface="+mn-ea"/>
+                <a:cs typeface="+mn-cs"/>
+              </a:rPr>
+              <a:t>, pudiendo identificar un conjunto de estas dentro de la iteración.</a:t>
+            </a:r>
           </a:p>
         </p:txBody>
       </p:sp>
@@ -2533,7 +3464,7 @@
     </p:spTree>
     <p:extLst>
       <p:ext uri="{BB962C8B-B14F-4D97-AF65-F5344CB8AC3E}">
-        <p14:creationId xmlns:p14="http://schemas.microsoft.com/office/powerpoint/2010/main" val="2412937875"/>
+        <p14:creationId xmlns:p14="http://schemas.microsoft.com/office/powerpoint/2010/main" val="38163097"/>
       </p:ext>
     </p:extLst>
   </p:cSld>
@@ -2587,6 +3518,214 @@
           <a:bodyPr/>
           <a:lstStyle/>
           <a:p>
+            <a:r>
+              <a:rPr lang="es-ES" dirty="0"/>
+              <a:t>1.- Conceptualización e Interpretación de los datos</a:t>
+            </a:r>
+          </a:p>
+          <a:p>
+            <a:r>
+              <a:rPr lang="es-ES" dirty="0"/>
+              <a:t>estudia la viabilidad del proyecto, así como las tecnologías a utilizar. Aunque parecía claro el uso del lenguaje R, se barajaban distintas alternativas de como plantear la interfaz hombre-maquina. Después de un primer análisis de las posibles capacidades de la herramienta, se determina como prueba de viabilidad el poder hacer una interpretación de los datos a tratar de la EPA que ofrece el INE.</a:t>
+            </a:r>
+          </a:p>
+          <a:p>
+            <a:endParaRPr lang="es-ES" dirty="0"/>
+          </a:p>
+          <a:p>
+            <a:r>
+              <a:rPr lang="es-ES" dirty="0"/>
+              <a:t>Segunda iteración: Diseño de la base de datos</a:t>
+            </a:r>
+          </a:p>
+          <a:p>
+            <a:r>
+              <a:rPr lang="es-ES" dirty="0"/>
+              <a:t>Después de esta primera fase de interpretación de los datos se determina como necesario el almacenar los mismos en una base de datos local. Esto es debido a cuestiones de eficiencia y rendimiento por el gran volumen de datos a tratar.</a:t>
+            </a:r>
+          </a:p>
+          <a:p>
+            <a:r>
+              <a:rPr lang="es-ES" dirty="0"/>
+              <a:t>De esta forma en esta fase se diseñan las estrategias para hacer un uso eficiente de los datos, así como planear su captura y almacenamiento.</a:t>
+            </a:r>
+          </a:p>
+          <a:p>
+            <a:r>
+              <a:rPr lang="es-ES" dirty="0"/>
+              <a:t> </a:t>
+            </a:r>
+          </a:p>
+          <a:p>
+            <a:r>
+              <a:rPr lang="es-ES" dirty="0"/>
+              <a:t>Tercera iteración: Incorporación de Análisis Exploratorio de Datos</a:t>
+            </a:r>
+          </a:p>
+          <a:p>
+            <a:r>
+              <a:rPr lang="es-ES" dirty="0"/>
+              <a:t>En esta iteración los esfuerzos se vuelcan en estudiar las técnicas más usadas de Análisis Exploratorio de Datos o EDA (</a:t>
+            </a:r>
+            <a:r>
+              <a:rPr lang="es-ES" dirty="0" err="1"/>
+              <a:t>Exploratory</a:t>
+            </a:r>
+            <a:r>
+              <a:rPr lang="es-ES" dirty="0"/>
+              <a:t> Data </a:t>
+            </a:r>
+            <a:r>
+              <a:rPr lang="es-ES" dirty="0" err="1"/>
+              <a:t>Analisys</a:t>
+            </a:r>
+            <a:r>
+              <a:rPr lang="es-ES" dirty="0"/>
+              <a:t>), así como las posibilidades de uso de distintas visualizaciones de los datos y su encaje con la herramienta.</a:t>
+            </a:r>
+          </a:p>
+          <a:p>
+            <a:r>
+              <a:rPr lang="es-ES" dirty="0"/>
+              <a:t>Una vez realizado el estudio a través de distintos cursos y fuentes de referencia se procede a sintetizar las visualizaciones o análisis más interesantes en distintas categorías.</a:t>
+            </a:r>
+          </a:p>
+          <a:p>
+            <a:endParaRPr lang="es-ES" dirty="0"/>
+          </a:p>
+          <a:p>
+            <a:r>
+              <a:rPr lang="es-ES" dirty="0"/>
+              <a:t>Cuarta iteración: Incorporación del motor para exportación documental</a:t>
+            </a:r>
+          </a:p>
+          <a:p>
+            <a:r>
+              <a:rPr lang="es-ES" dirty="0"/>
+              <a:t>De forma paralela a la iteración anterior se lanza la incorporación de un exportador de documentación, capaz de automatizar la obtención de ciertos informes básicos haciendo uso de los datos almacenados de la EPA.</a:t>
+            </a:r>
+          </a:p>
+          <a:p>
+            <a:r>
+              <a:rPr lang="es-ES" dirty="0"/>
+              <a:t>Para esto se toman como ejemplo las notas de prensa que el propio INE genera en cada uno de sus ejercicios trimestrales, con el objetivo de automatizar lo máximo posible la generación de dichas notas de prensa.</a:t>
+            </a:r>
+          </a:p>
+          <a:p>
+            <a:endParaRPr lang="es-ES" dirty="0"/>
+          </a:p>
+          <a:p>
+            <a:r>
+              <a:rPr lang="es-ES" dirty="0"/>
+              <a:t>Quinta iteración: Incorporación de Actualización de la Base de Datos</a:t>
+            </a:r>
+          </a:p>
+          <a:p>
+            <a:r>
+              <a:rPr lang="es-ES" dirty="0"/>
+              <a:t>Una vez llegados a este punto se detecta como necesaria la incorporación de un mecanismo automatizado de detección de nuevas actualizaciones de los datos de la EPA por parte del INE, así como la importación y normalización de estos datos a la base de datos local.</a:t>
+            </a:r>
+          </a:p>
+          <a:p>
+            <a:r>
+              <a:rPr lang="es-ES" dirty="0"/>
+              <a:t>En esta iteración se implementa este mecanismo avisando al usuario de la existencia de estos nuevos ficheros publicados y de la posibilidad de incluirlos a su repositorio.</a:t>
+            </a:r>
+          </a:p>
+          <a:p>
+            <a:r>
+              <a:rPr lang="es-ES" dirty="0"/>
+              <a:t> </a:t>
+            </a:r>
+          </a:p>
+          <a:p>
+            <a:r>
+              <a:rPr lang="es-ES" dirty="0"/>
+              <a:t>Sexta iteración: Incorporación de Reglas de Asociación</a:t>
+            </a:r>
+          </a:p>
+          <a:p>
+            <a:r>
+              <a:rPr lang="es-ES" dirty="0"/>
+              <a:t>Llegados a este punto se estudia el posible uso y explotación de los datos haciendo uso de distintas técnicas de aprendizaje máquina, donde surgen como mejores candidatos técnicas de aprendizaje no supervisado como reglas de asociación o técnicas de agrupamiento (o </a:t>
+            </a:r>
+            <a:r>
+              <a:rPr lang="es-ES" dirty="0" err="1"/>
+              <a:t>clustering</a:t>
+            </a:r>
+            <a:r>
+              <a:rPr lang="es-ES" dirty="0"/>
+              <a:t>).</a:t>
+            </a:r>
+          </a:p>
+          <a:p>
+            <a:r>
+              <a:rPr lang="es-ES" dirty="0"/>
+              <a:t>Aquí se estudia que posibilidades de visualización y explotación de reglas de asociación son las más comunes entre la comunidad, y se hace una implementación de algunas de las mismas en la herramienta.</a:t>
+            </a:r>
+          </a:p>
+          <a:p>
+            <a:endParaRPr lang="es-ES" dirty="0"/>
+          </a:p>
+          <a:p>
+            <a:r>
+              <a:rPr lang="es-ES" dirty="0"/>
+              <a:t>Séptima iteración: Incorporación de Técnicas de Agrupamiento</a:t>
+            </a:r>
+          </a:p>
+          <a:p>
+            <a:r>
+              <a:rPr lang="es-ES" dirty="0"/>
+              <a:t>Por último, en esta iteración se continua con el esfuerzo por la implementación de técnicas de aprendizaje maquina sobre los datos de la EPA, considerando como interesante el uso de técnicas de agrupamiento (</a:t>
+            </a:r>
+            <a:r>
+              <a:rPr lang="es-ES" dirty="0" err="1"/>
+              <a:t>clustering</a:t>
+            </a:r>
+            <a:r>
+              <a:rPr lang="es-ES" dirty="0"/>
+              <a:t>).</a:t>
+            </a:r>
+          </a:p>
+          <a:p>
+            <a:r>
+              <a:rPr lang="es-ES" dirty="0"/>
+              <a:t>Debido a la naturaleza categórica de los datos se considera hacer uso de algoritmos alternativos a los clásicos de </a:t>
+            </a:r>
+            <a:r>
+              <a:rPr lang="es-ES" dirty="0" err="1"/>
+              <a:t>clustering</a:t>
+            </a:r>
+            <a:r>
+              <a:rPr lang="es-ES" dirty="0"/>
+              <a:t> como k-</a:t>
+            </a:r>
+            <a:r>
+              <a:rPr lang="es-ES" dirty="0" err="1"/>
+              <a:t>means</a:t>
+            </a:r>
+            <a:r>
+              <a:rPr lang="es-ES" dirty="0"/>
+              <a:t> (</a:t>
+            </a:r>
+            <a:r>
+              <a:rPr lang="es-ES" dirty="0" err="1"/>
+              <a:t>MacQueen</a:t>
+            </a:r>
+            <a:r>
+              <a:rPr lang="es-ES" dirty="0"/>
+              <a:t>, 1967) más basados en observaciones numéricas. Se presenta como mejor candidato el algoritmo de los k-</a:t>
+            </a:r>
+            <a:r>
+              <a:rPr lang="es-ES" dirty="0" err="1"/>
+              <a:t>modes</a:t>
+            </a:r>
+            <a:r>
+              <a:rPr lang="es-ES" dirty="0"/>
+              <a:t> [13].</a:t>
+            </a:r>
+          </a:p>
+          <a:p>
             <a:endParaRPr lang="es-ES" dirty="0"/>
           </a:p>
         </p:txBody>
@@ -2617,7 +3756,7 @@
     </p:spTree>
     <p:extLst>
       <p:ext uri="{BB962C8B-B14F-4D97-AF65-F5344CB8AC3E}">
-        <p14:creationId xmlns:p14="http://schemas.microsoft.com/office/powerpoint/2010/main" val="149280926"/>
+        <p14:creationId xmlns:p14="http://schemas.microsoft.com/office/powerpoint/2010/main" val="2412937875"/>
       </p:ext>
     </p:extLst>
   </p:cSld>
@@ -2816,7 +3955,7 @@
           <a:p>
             <a:fld id="{ECD19FB2-3AAB-4D03-B13A-2960828C78E3}" type="datetimeFigureOut">
               <a:rPr lang="en-US" smtClean="0"/>
-              <a:t>8/26/2017</a:t>
+              <a:t>9/18/2017</a:t>
             </a:fld>
             <a:endParaRPr lang="en-US" dirty="0"/>
           </a:p>
@@ -3151,7 +4290,7 @@
           <a:p>
             <a:fld id="{1B80C674-7DFC-42FE-B9CD-82963CDB1557}" type="datetimeFigureOut">
               <a:rPr lang="en-US" smtClean="0"/>
-              <a:t>8/26/2017</a:t>
+              <a:t>9/18/2017</a:t>
             </a:fld>
             <a:endParaRPr lang="en-US" dirty="0"/>
           </a:p>
@@ -3395,7 +4534,7 @@
           <a:p>
             <a:fld id="{2076456F-F47D-4F25-8053-2A695DA0CA7D}" type="datetimeFigureOut">
               <a:rPr lang="en-US" smtClean="0"/>
-              <a:t>8/26/2017</a:t>
+              <a:t>9/18/2017</a:t>
             </a:fld>
             <a:endParaRPr lang="en-US" dirty="0"/>
           </a:p>
@@ -3708,7 +4847,7 @@
           <a:p>
             <a:fld id="{5D6C7379-69CC-4837-9905-BEBA22830C8A}" type="datetimeFigureOut">
               <a:rPr lang="en-US" smtClean="0"/>
-              <a:t>8/26/2017</a:t>
+              <a:t>9/18/2017</a:t>
             </a:fld>
             <a:endParaRPr lang="en-US" dirty="0"/>
           </a:p>
@@ -4184,7 +5323,7 @@
           <a:p>
             <a:fld id="{49EB8B7E-8AEE-4F10-BFEE-C999AD004D36}" type="datetimeFigureOut">
               <a:rPr lang="en-US" smtClean="0"/>
-              <a:t>8/26/2017</a:t>
+              <a:t>9/18/2017</a:t>
             </a:fld>
             <a:endParaRPr lang="en-US" dirty="0"/>
           </a:p>
@@ -4782,7 +5921,7 @@
           <a:p>
             <a:fld id="{8668F3F9-58BC-440B-B37B-805B9055EF92}" type="datetimeFigureOut">
               <a:rPr lang="en-US" smtClean="0"/>
-              <a:t>8/26/2017</a:t>
+              <a:t>9/18/2017</a:t>
             </a:fld>
             <a:endParaRPr lang="en-US" dirty="0"/>
           </a:p>
@@ -5656,7 +6795,7 @@
           <a:p>
             <a:fld id="{0D5A53AF-48EA-489D-8260-9DCAB666386A}" type="datetimeFigureOut">
               <a:rPr lang="en-US" smtClean="0"/>
-              <a:t>8/26/2017</a:t>
+              <a:t>9/18/2017</a:t>
             </a:fld>
             <a:endParaRPr lang="en-US" dirty="0"/>
           </a:p>
@@ -5883,7 +7022,7 @@
           <a:p>
             <a:fld id="{0DED02AE-B9A4-47BD-AF8E-97E16144138B}" type="datetimeFigureOut">
               <a:rPr lang="en-US" smtClean="0"/>
-              <a:t>8/26/2017</a:t>
+              <a:t>9/18/2017</a:t>
             </a:fld>
             <a:endParaRPr lang="en-US" dirty="0"/>
           </a:p>
@@ -6149,7 +7288,7 @@
           <a:p>
             <a:fld id="{CF0FD78B-DB02-4362-BCDC-98A55456977C}" type="datetimeFigureOut">
               <a:rPr lang="en-US" smtClean="0"/>
-              <a:t>8/26/2017</a:t>
+              <a:t>9/18/2017</a:t>
             </a:fld>
             <a:endParaRPr lang="en-US" dirty="0"/>
           </a:p>
@@ -6376,7 +7515,7 @@
           <a:p>
             <a:fld id="{99916976-5D93-46E4-A98A-FAD63E4D0EA8}" type="datetimeFigureOut">
               <a:rPr lang="en-US" smtClean="0"/>
-              <a:t>8/26/2017</a:t>
+              <a:t>9/18/2017</a:t>
             </a:fld>
             <a:endParaRPr lang="en-US" dirty="0"/>
           </a:p>
@@ -6678,7 +7817,7 @@
           <a:p>
             <a:fld id="{0F39F4F5-F4D2-4D2A-AB60-88D37ADCB869}" type="datetimeFigureOut">
               <a:rPr lang="en-US" smtClean="0"/>
-              <a:t>8/26/2017</a:t>
+              <a:t>9/18/2017</a:t>
             </a:fld>
             <a:endParaRPr lang="en-US" dirty="0"/>
           </a:p>
@@ -6967,7 +8106,7 @@
           <a:p>
             <a:fld id="{D23BC6CE-6D1E-47E5-8859-F31AC5380EB2}" type="datetimeFigureOut">
               <a:rPr lang="en-US" smtClean="0"/>
-              <a:t>8/26/2017</a:t>
+              <a:t>9/18/2017</a:t>
             </a:fld>
             <a:endParaRPr lang="en-US" dirty="0"/>
           </a:p>
@@ -7404,7 +8543,7 @@
           <a:p>
             <a:fld id="{B1B4E7C4-4DA4-404D-9965-B13F2DD7D8BF}" type="datetimeFigureOut">
               <a:rPr lang="en-US" smtClean="0"/>
-              <a:t>8/26/2017</a:t>
+              <a:t>9/18/2017</a:t>
             </a:fld>
             <a:endParaRPr lang="en-US" dirty="0"/>
           </a:p>
@@ -7574,7 +8713,7 @@
           <a:p>
             <a:fld id="{476FB7AA-4A53-424F-AD41-70827B6504BA}" type="datetimeFigureOut">
               <a:rPr lang="en-US" smtClean="0"/>
-              <a:t>8/26/2017</a:t>
+              <a:t>9/18/2017</a:t>
             </a:fld>
             <a:endParaRPr lang="en-US" dirty="0"/>
           </a:p>
@@ -7721,7 +8860,7 @@
           <a:p>
             <a:fld id="{E7884882-FB12-4BC8-9960-9AD8104D7FAE}" type="datetimeFigureOut">
               <a:rPr lang="en-US" smtClean="0"/>
-              <a:t>8/26/2017</a:t>
+              <a:t>9/18/2017</a:t>
             </a:fld>
             <a:endParaRPr lang="en-US" dirty="0"/>
           </a:p>
@@ -8022,7 +9161,7 @@
           <a:p>
             <a:fld id="{F7D1BD23-6E54-4D9D-AD88-A2813C73CC25}" type="datetimeFigureOut">
               <a:rPr lang="en-US" smtClean="0"/>
-              <a:t>8/26/2017</a:t>
+              <a:t>9/18/2017</a:t>
             </a:fld>
             <a:endParaRPr lang="en-US" dirty="0"/>
           </a:p>
@@ -8356,7 +9495,7 @@
           <a:p>
             <a:fld id="{1471A834-4F3C-4AF9-9C74-05EC35A0F292}" type="datetimeFigureOut">
               <a:rPr lang="en-US" smtClean="0"/>
-              <a:t>8/26/2017</a:t>
+              <a:t>9/18/2017</a:t>
             </a:fld>
             <a:endParaRPr lang="en-US" dirty="0"/>
           </a:p>
@@ -8571,7 +9710,7 @@
           <a:p>
             <a:fld id="{51CF1133-3259-4C45-BABA-5B62D9C6F78D}" type="datetimeFigureOut">
               <a:rPr lang="en-US" smtClean="0"/>
-              <a:t>8/26/2017</a:t>
+              <a:t>9/18/2017</a:t>
             </a:fld>
             <a:endParaRPr lang="en-US" dirty="0"/>
           </a:p>
@@ -9819,7 +10958,7 @@
           <a:p>
             <a:r>
               <a:rPr lang="es-ES" dirty="0"/>
-              <a:t>PRESUPUESTO</a:t>
+              <a:t>ETAPAS DE DESARROLLO</a:t>
             </a:r>
           </a:p>
         </p:txBody>
@@ -10055,6 +11194,570 @@
                           </a:solidFill>
                         </a:rPr>
                         <a:t>10</a:t>
+                      </a:fld>
+                      <a:endParaRPr lang="es-ES" dirty="0">
+                        <a:solidFill>
+                          <a:schemeClr val="bg2">
+                            <a:lumMod val="60000"/>
+                            <a:lumOff val="40000"/>
+                          </a:schemeClr>
+                        </a:solidFill>
+                      </a:endParaRPr>
+                    </a:p>
+                  </a:txBody>
+                  <a:tcPr anchor="ctr">
+                    <a:lnL w="12700" cap="flat" cmpd="sng" algn="ctr">
+                      <a:solidFill>
+                        <a:schemeClr val="tx1"/>
+                      </a:solidFill>
+                      <a:prstDash val="solid"/>
+                      <a:round/>
+                      <a:headEnd type="none" w="med" len="med"/>
+                      <a:tailEnd type="none" w="med" len="med"/>
+                    </a:lnL>
+                  </a:tcPr>
+                </a:tc>
+                <a:extLst>
+                  <a:ext uri="{0D108BD9-81ED-4DB2-BD59-A6C34878D82A}">
+                    <a16:rowId xmlns:a16="http://schemas.microsoft.com/office/drawing/2014/main" val="862195207"/>
+                  </a:ext>
+                </a:extLst>
+              </a:tr>
+            </a:tbl>
+          </a:graphicData>
+        </a:graphic>
+      </p:graphicFrame>
+      <p:pic>
+        <p:nvPicPr>
+          <p:cNvPr id="11" name="Imagen 10">
+            <a:extLst>
+              <a:ext uri="{FF2B5EF4-FFF2-40B4-BE49-F238E27FC236}">
+                <a16:creationId xmlns:a16="http://schemas.microsoft.com/office/drawing/2014/main" id="{3E1898F8-C579-48B2-94A3-C062839A6E78}"/>
+              </a:ext>
+            </a:extLst>
+          </p:cNvPr>
+          <p:cNvPicPr/>
+          <p:nvPr/>
+        </p:nvPicPr>
+        <p:blipFill>
+          <a:blip r:embed="rId4">
+            <a:extLst>
+              <a:ext uri="{28A0092B-C50C-407E-A947-70E740481C1C}">
+                <a14:useLocalDpi xmlns:a14="http://schemas.microsoft.com/office/drawing/2010/main" val="0"/>
+              </a:ext>
+            </a:extLst>
+          </a:blip>
+          <a:srcRect/>
+          <a:stretch>
+            <a:fillRect/>
+          </a:stretch>
+        </p:blipFill>
+        <p:spPr bwMode="auto">
+          <a:xfrm rot="5400000">
+            <a:off x="4144342" y="-101734"/>
+            <a:ext cx="2598053" cy="6876415"/>
+          </a:xfrm>
+          <a:prstGeom prst="rect">
+            <a:avLst/>
+          </a:prstGeom>
+          <a:noFill/>
+          <a:ln>
+            <a:noFill/>
+          </a:ln>
+        </p:spPr>
+      </p:pic>
+      <p:sp>
+        <p:nvSpPr>
+          <p:cNvPr id="15" name="Rectángulo 14">
+            <a:extLst>
+              <a:ext uri="{FF2B5EF4-FFF2-40B4-BE49-F238E27FC236}">
+                <a16:creationId xmlns:a16="http://schemas.microsoft.com/office/drawing/2014/main" id="{9191C51B-FD2E-41AC-B28F-F2BE3FEA3646}"/>
+              </a:ext>
+            </a:extLst>
+          </p:cNvPr>
+          <p:cNvSpPr/>
+          <p:nvPr/>
+        </p:nvSpPr>
+        <p:spPr>
+          <a:xfrm>
+            <a:off x="0" y="873306"/>
+            <a:ext cx="1785769" cy="5215521"/>
+          </a:xfrm>
+          <a:prstGeom prst="rect">
+            <a:avLst/>
+          </a:prstGeom>
+          <a:solidFill>
+            <a:schemeClr val="dk1">
+              <a:alpha val="50000"/>
+            </a:schemeClr>
+          </a:solidFill>
+          <a:ln>
+            <a:noFill/>
+          </a:ln>
+        </p:spPr>
+        <p:style>
+          <a:lnRef idx="0">
+            <a:scrgbClr r="0" g="0" b="0"/>
+          </a:lnRef>
+          <a:fillRef idx="0">
+            <a:scrgbClr r="0" g="0" b="0"/>
+          </a:fillRef>
+          <a:effectRef idx="0">
+            <a:scrgbClr r="0" g="0" b="0"/>
+          </a:effectRef>
+          <a:fontRef idx="minor">
+            <a:schemeClr val="lt1"/>
+          </a:fontRef>
+        </p:style>
+        <p:txBody>
+          <a:bodyPr rtlCol="0" anchor="ctr"/>
+          <a:lstStyle/>
+          <a:p>
+            <a:r>
+              <a:rPr lang="es-ES" sz="1350" u="sng" dirty="0">
+                <a:solidFill>
+                  <a:schemeClr val="bg1"/>
+                </a:solidFill>
+              </a:rPr>
+              <a:t>Motivo del Proyecto</a:t>
+            </a:r>
+          </a:p>
+          <a:p>
+            <a:pPr marL="108000" indent="-72000">
+              <a:buFontTx/>
+              <a:buChar char="-"/>
+            </a:pPr>
+            <a:r>
+              <a:rPr lang="es-ES" sz="1350" dirty="0"/>
+              <a:t>EPA</a:t>
+            </a:r>
+          </a:p>
+          <a:p>
+            <a:pPr marL="108000" indent="-72000">
+              <a:buFontTx/>
+              <a:buChar char="-"/>
+            </a:pPr>
+            <a:r>
+              <a:rPr lang="es-ES" sz="1350" dirty="0"/>
+              <a:t>Objetivos</a:t>
+            </a:r>
+          </a:p>
+          <a:p>
+            <a:pPr marL="108000" indent="-72000">
+              <a:buFontTx/>
+              <a:buChar char="-"/>
+            </a:pPr>
+            <a:endParaRPr lang="es-ES" sz="1350" dirty="0"/>
+          </a:p>
+          <a:p>
+            <a:r>
+              <a:rPr lang="es-ES" sz="1350" b="1" u="sng" dirty="0">
+                <a:solidFill>
+                  <a:srgbClr val="FD9101"/>
+                </a:solidFill>
+              </a:rPr>
+              <a:t>Planificación</a:t>
+            </a:r>
+          </a:p>
+          <a:p>
+            <a:pPr marL="108000" indent="-72000">
+              <a:buFontTx/>
+              <a:buChar char="-"/>
+            </a:pPr>
+            <a:r>
+              <a:rPr lang="es-ES" sz="1350" dirty="0"/>
+              <a:t>Metodología</a:t>
+            </a:r>
+          </a:p>
+          <a:p>
+            <a:pPr marL="108000" indent="-72000">
+              <a:buFontTx/>
+              <a:buChar char="-"/>
+            </a:pPr>
+            <a:r>
+              <a:rPr lang="es-ES" sz="1350" b="1" dirty="0">
+                <a:solidFill>
+                  <a:srgbClr val="FD9101"/>
+                </a:solidFill>
+              </a:rPr>
+              <a:t>Etapas</a:t>
+            </a:r>
+          </a:p>
+          <a:p>
+            <a:pPr marL="108000" indent="-72000">
+              <a:buFontTx/>
+              <a:buChar char="-"/>
+            </a:pPr>
+            <a:r>
+              <a:rPr lang="es-ES" sz="1350" dirty="0"/>
+              <a:t>Presupuesto</a:t>
+            </a:r>
+          </a:p>
+          <a:p>
+            <a:endParaRPr lang="es-ES" sz="1350" b="1" u="sng" dirty="0"/>
+          </a:p>
+          <a:p>
+            <a:r>
+              <a:rPr lang="es-ES" sz="1350" u="sng" dirty="0">
+                <a:solidFill>
+                  <a:schemeClr val="bg1"/>
+                </a:solidFill>
+              </a:rPr>
+              <a:t>Desarrollo</a:t>
+            </a:r>
+          </a:p>
+          <a:p>
+            <a:pPr marL="108000" indent="-72000">
+              <a:buFontTx/>
+              <a:buChar char="-"/>
+            </a:pPr>
+            <a:r>
+              <a:rPr lang="es-ES" sz="1350" dirty="0"/>
+              <a:t>Framework Shiny</a:t>
+            </a:r>
+          </a:p>
+          <a:p>
+            <a:pPr marL="108000" indent="-72000">
+              <a:buFontTx/>
+              <a:buChar char="-"/>
+            </a:pPr>
+            <a:r>
+              <a:rPr lang="es-ES" sz="1350" dirty="0"/>
+              <a:t>Interfaz</a:t>
+            </a:r>
+          </a:p>
+          <a:p>
+            <a:pPr marL="108000" indent="-72000">
+              <a:buFontTx/>
+              <a:buChar char="-"/>
+            </a:pPr>
+            <a:r>
+              <a:rPr lang="es-ES" sz="1350" dirty="0"/>
+              <a:t>Tecnologías</a:t>
+            </a:r>
+          </a:p>
+          <a:p>
+            <a:endParaRPr lang="es-ES" sz="1350" dirty="0"/>
+          </a:p>
+          <a:p>
+            <a:r>
+              <a:rPr lang="es-ES" sz="1350" u="sng" dirty="0"/>
+              <a:t>Demostración</a:t>
+            </a:r>
+          </a:p>
+          <a:p>
+            <a:endParaRPr lang="es-ES" sz="1350" dirty="0"/>
+          </a:p>
+          <a:p>
+            <a:r>
+              <a:rPr lang="es-ES" sz="1350" u="sng" dirty="0"/>
+              <a:t>Conclusiones</a:t>
+            </a:r>
+          </a:p>
+        </p:txBody>
+      </p:sp>
+    </p:spTree>
+    <p:extLst>
+      <p:ext uri="{BB962C8B-B14F-4D97-AF65-F5344CB8AC3E}">
+        <p14:creationId xmlns:p14="http://schemas.microsoft.com/office/powerpoint/2010/main" val="274187268"/>
+      </p:ext>
+    </p:extLst>
+  </p:cSld>
+  <p:clrMapOvr>
+    <a:masterClrMapping/>
+  </p:clrMapOvr>
+  <mc:AlternateContent xmlns:mc="http://schemas.openxmlformats.org/markup-compatibility/2006" xmlns:p14="http://schemas.microsoft.com/office/powerpoint/2010/main">
+    <mc:Choice Requires="p14">
+      <p:transition spd="med" p14:dur="700">
+        <p:fade/>
+      </p:transition>
+    </mc:Choice>
+    <mc:Fallback xmlns="">
+      <p:transition spd="med">
+        <p:fade/>
+      </p:transition>
+    </mc:Fallback>
+  </mc:AlternateContent>
+</p:sld>
+</file>
+
+<file path=ppt/slides/slide11.xml><?xml version="1.0" encoding="utf-8"?>
+<p:sld xmlns:a="http://schemas.openxmlformats.org/drawingml/2006/main" xmlns:r="http://schemas.openxmlformats.org/officeDocument/2006/relationships" xmlns:p="http://schemas.openxmlformats.org/presentationml/2006/main">
+  <p:cSld>
+    <p:spTree>
+      <p:nvGrpSpPr>
+        <p:cNvPr id="1" name=""/>
+        <p:cNvGrpSpPr/>
+        <p:nvPr/>
+      </p:nvGrpSpPr>
+      <p:grpSpPr>
+        <a:xfrm>
+          <a:off x="0" y="0"/>
+          <a:ext cx="0" cy="0"/>
+          <a:chOff x="0" y="0"/>
+          <a:chExt cx="0" cy="0"/>
+        </a:xfrm>
+      </p:grpSpPr>
+      <p:sp>
+        <p:nvSpPr>
+          <p:cNvPr id="2" name="Título 1"/>
+          <p:cNvSpPr>
+            <a:spLocks noGrp="1"/>
+          </p:cNvSpPr>
+          <p:nvPr>
+            <p:ph type="title"/>
+          </p:nvPr>
+        </p:nvSpPr>
+        <p:spPr>
+          <a:xfrm>
+            <a:off x="2033195" y="198971"/>
+            <a:ext cx="6820349" cy="887552"/>
+          </a:xfrm>
+        </p:spPr>
+        <p:txBody>
+          <a:bodyPr>
+            <a:normAutofit/>
+          </a:bodyPr>
+          <a:lstStyle/>
+          <a:p>
+            <a:r>
+              <a:rPr lang="es-ES" dirty="0"/>
+              <a:t>PRESUPUESTO</a:t>
+            </a:r>
+          </a:p>
+        </p:txBody>
+      </p:sp>
+      <p:sp>
+        <p:nvSpPr>
+          <p:cNvPr id="9" name="Rectángulo 8"/>
+          <p:cNvSpPr/>
+          <p:nvPr/>
+        </p:nvSpPr>
+        <p:spPr>
+          <a:xfrm>
+            <a:off x="0" y="0"/>
+            <a:ext cx="1785769" cy="6088828"/>
+          </a:xfrm>
+          <a:prstGeom prst="rect">
+            <a:avLst/>
+          </a:prstGeom>
+          <a:solidFill>
+            <a:schemeClr val="dk1">
+              <a:alpha val="33000"/>
+            </a:schemeClr>
+          </a:solidFill>
+          <a:ln>
+            <a:noFill/>
+          </a:ln>
+        </p:spPr>
+        <p:style>
+          <a:lnRef idx="0">
+            <a:scrgbClr r="0" g="0" b="0"/>
+          </a:lnRef>
+          <a:fillRef idx="0">
+            <a:scrgbClr r="0" g="0" b="0"/>
+          </a:fillRef>
+          <a:effectRef idx="0">
+            <a:scrgbClr r="0" g="0" b="0"/>
+          </a:effectRef>
+          <a:fontRef idx="minor">
+            <a:schemeClr val="lt1"/>
+          </a:fontRef>
+        </p:style>
+        <p:txBody>
+          <a:bodyPr rtlCol="0" anchor="ctr"/>
+          <a:lstStyle/>
+          <a:p>
+            <a:pPr algn="ctr"/>
+            <a:endParaRPr lang="es-ES" dirty="0"/>
+          </a:p>
+        </p:txBody>
+      </p:sp>
+      <p:sp>
+        <p:nvSpPr>
+          <p:cNvPr id="13" name="Rectángulo 12"/>
+          <p:cNvSpPr/>
+          <p:nvPr/>
+        </p:nvSpPr>
+        <p:spPr>
+          <a:xfrm>
+            <a:off x="0" y="6088828"/>
+            <a:ext cx="9144000" cy="769172"/>
+          </a:xfrm>
+          <a:prstGeom prst="rect">
+            <a:avLst/>
+          </a:prstGeom>
+          <a:solidFill>
+            <a:schemeClr val="dk1">
+              <a:alpha val="33000"/>
+            </a:schemeClr>
+          </a:solidFill>
+          <a:ln>
+            <a:noFill/>
+          </a:ln>
+        </p:spPr>
+        <p:style>
+          <a:lnRef idx="0">
+            <a:scrgbClr r="0" g="0" b="0"/>
+          </a:lnRef>
+          <a:fillRef idx="0">
+            <a:scrgbClr r="0" g="0" b="0"/>
+          </a:fillRef>
+          <a:effectRef idx="0">
+            <a:scrgbClr r="0" g="0" b="0"/>
+          </a:effectRef>
+          <a:fontRef idx="minor">
+            <a:schemeClr val="lt1"/>
+          </a:fontRef>
+        </p:style>
+        <p:txBody>
+          <a:bodyPr rtlCol="0" anchor="ctr"/>
+          <a:lstStyle/>
+          <a:p>
+            <a:pPr algn="r"/>
+            <a:endParaRPr lang="es-ES" dirty="0"/>
+          </a:p>
+        </p:txBody>
+      </p:sp>
+      <p:pic>
+        <p:nvPicPr>
+          <p:cNvPr id="14" name="Picture 6" descr="Resultado de imagen de universidad de cádiz">
+            <a:extLst>
+              <a:ext uri="{FF2B5EF4-FFF2-40B4-BE49-F238E27FC236}">
+                <a16:creationId xmlns:a16="http://schemas.microsoft.com/office/drawing/2014/main" id="{39529BEF-3C5E-4413-9EC8-EB577F6C28C8}"/>
+              </a:ext>
+            </a:extLst>
+          </p:cNvPr>
+          <p:cNvPicPr>
+            <a:picLocks noChangeAspect="1" noChangeArrowheads="1"/>
+          </p:cNvPicPr>
+          <p:nvPr/>
+        </p:nvPicPr>
+        <p:blipFill>
+          <a:blip r:embed="rId3">
+            <a:extLst>
+              <a:ext uri="{28A0092B-C50C-407E-A947-70E740481C1C}">
+                <a14:useLocalDpi xmlns:a14="http://schemas.microsoft.com/office/drawing/2010/main" val="0"/>
+              </a:ext>
+            </a:extLst>
+          </a:blip>
+          <a:srcRect/>
+          <a:stretch>
+            <a:fillRect/>
+          </a:stretch>
+        </p:blipFill>
+        <p:spPr bwMode="auto">
+          <a:xfrm>
+            <a:off x="1143000" y="75302"/>
+            <a:ext cx="560419" cy="720539"/>
+          </a:xfrm>
+          <a:prstGeom prst="rect">
+            <a:avLst/>
+          </a:prstGeom>
+          <a:noFill/>
+          <a:extLst>
+            <a:ext uri="{909E8E84-426E-40DD-AFC4-6F175D3DCCD1}">
+              <a14:hiddenFill xmlns:a14="http://schemas.microsoft.com/office/drawing/2010/main">
+                <a:solidFill>
+                  <a:srgbClr val="FFFFFF"/>
+                </a:solidFill>
+              </a14:hiddenFill>
+            </a:ext>
+          </a:extLst>
+        </p:spPr>
+      </p:pic>
+      <p:graphicFrame>
+        <p:nvGraphicFramePr>
+          <p:cNvPr id="16" name="Tabla 15">
+            <a:extLst>
+              <a:ext uri="{FF2B5EF4-FFF2-40B4-BE49-F238E27FC236}">
+                <a16:creationId xmlns:a16="http://schemas.microsoft.com/office/drawing/2014/main" id="{9B1C7611-ED20-4E62-BD2E-4AF759F380F5}"/>
+              </a:ext>
+            </a:extLst>
+          </p:cNvPr>
+          <p:cNvGraphicFramePr>
+            <a:graphicFrameLocks noGrp="1"/>
+          </p:cNvGraphicFramePr>
+          <p:nvPr>
+            <p:extLst/>
+          </p:nvPr>
+        </p:nvGraphicFramePr>
+        <p:xfrm>
+          <a:off x="4711700" y="6153374"/>
+          <a:ext cx="4432300" cy="640080"/>
+        </p:xfrm>
+        <a:graphic>
+          <a:graphicData uri="http://schemas.openxmlformats.org/drawingml/2006/table">
+            <a:tbl>
+              <a:tblPr firstRow="1" bandRow="1">
+                <a:tableStyleId>{2D5ABB26-0587-4C30-8999-92F81FD0307C}</a:tableStyleId>
+              </a:tblPr>
+              <a:tblGrid>
+                <a:gridCol w="3729229">
+                  <a:extLst>
+                    <a:ext uri="{9D8B030D-6E8A-4147-A177-3AD203B41FA5}">
+                      <a16:colId xmlns:a16="http://schemas.microsoft.com/office/drawing/2014/main" val="1347896834"/>
+                    </a:ext>
+                  </a:extLst>
+                </a:gridCol>
+                <a:gridCol w="703071">
+                  <a:extLst>
+                    <a:ext uri="{9D8B030D-6E8A-4147-A177-3AD203B41FA5}">
+                      <a16:colId xmlns:a16="http://schemas.microsoft.com/office/drawing/2014/main" val="972821047"/>
+                    </a:ext>
+                  </a:extLst>
+                </a:gridCol>
+              </a:tblGrid>
+              <a:tr h="633819">
+                <a:tc>
+                  <a:txBody>
+                    <a:bodyPr/>
+                    <a:lstStyle/>
+                    <a:p>
+                      <a:pPr algn="r"/>
+                      <a:r>
+                        <a:rPr lang="es-ES" dirty="0">
+                          <a:solidFill>
+                            <a:schemeClr val="bg1"/>
+                          </a:solidFill>
+                        </a:rPr>
+                        <a:t>Software de preparación, procesado y análisis de datos de la EPA</a:t>
+                      </a:r>
+                      <a:endParaRPr lang="es-ES" b="0" dirty="0">
+                        <a:solidFill>
+                          <a:schemeClr val="bg1"/>
+                        </a:solidFill>
+                      </a:endParaRPr>
+                    </a:p>
+                  </a:txBody>
+                  <a:tcPr anchor="ctr">
+                    <a:lnR w="12700" cap="flat" cmpd="sng" algn="ctr">
+                      <a:solidFill>
+                        <a:schemeClr val="tx1"/>
+                      </a:solidFill>
+                      <a:prstDash val="solid"/>
+                      <a:round/>
+                      <a:headEnd type="none" w="med" len="med"/>
+                      <a:tailEnd type="none" w="med" len="med"/>
+                    </a:lnR>
+                  </a:tcPr>
+                </a:tc>
+                <a:tc>
+                  <a:txBody>
+                    <a:bodyPr/>
+                    <a:lstStyle/>
+                    <a:p>
+                      <a:pPr algn="ctr"/>
+                      <a:fld id="{0E1C8A44-DCA4-45BE-94D1-2AB25001A8D2}" type="slidenum">
+                        <a:rPr lang="es-ES" smtClean="0">
+                          <a:solidFill>
+                            <a:schemeClr val="bg2">
+                              <a:lumMod val="60000"/>
+                              <a:lumOff val="40000"/>
+                            </a:schemeClr>
+                          </a:solidFill>
+                        </a:rPr>
+                        <a:t>11</a:t>
                       </a:fld>
                       <a:endParaRPr lang="es-ES" dirty="0">
                         <a:solidFill>
@@ -10743,568 +12446,6 @@
 </p:sld>
 </file>
 
-<file path=ppt/slides/slide11.xml><?xml version="1.0" encoding="utf-8"?>
-<p:sld xmlns:a="http://schemas.openxmlformats.org/drawingml/2006/main" xmlns:r="http://schemas.openxmlformats.org/officeDocument/2006/relationships" xmlns:p="http://schemas.openxmlformats.org/presentationml/2006/main">
-  <p:cSld>
-    <p:spTree>
-      <p:nvGrpSpPr>
-        <p:cNvPr id="1" name=""/>
-        <p:cNvGrpSpPr/>
-        <p:nvPr/>
-      </p:nvGrpSpPr>
-      <p:grpSpPr>
-        <a:xfrm>
-          <a:off x="0" y="0"/>
-          <a:ext cx="0" cy="0"/>
-          <a:chOff x="0" y="0"/>
-          <a:chExt cx="0" cy="0"/>
-        </a:xfrm>
-      </p:grpSpPr>
-      <p:sp>
-        <p:nvSpPr>
-          <p:cNvPr id="2" name="Título 1"/>
-          <p:cNvSpPr>
-            <a:spLocks noGrp="1"/>
-          </p:cNvSpPr>
-          <p:nvPr>
-            <p:ph type="title"/>
-          </p:nvPr>
-        </p:nvSpPr>
-        <p:spPr>
-          <a:xfrm>
-            <a:off x="2033195" y="198971"/>
-            <a:ext cx="6820349" cy="887552"/>
-          </a:xfrm>
-        </p:spPr>
-        <p:txBody>
-          <a:bodyPr>
-            <a:normAutofit/>
-          </a:bodyPr>
-          <a:lstStyle/>
-          <a:p>
-            <a:r>
-              <a:rPr lang="es-ES" dirty="0"/>
-              <a:t>SHINY - Cliente-Servidor</a:t>
-            </a:r>
-          </a:p>
-        </p:txBody>
-      </p:sp>
-      <p:sp>
-        <p:nvSpPr>
-          <p:cNvPr id="9" name="Rectángulo 8"/>
-          <p:cNvSpPr/>
-          <p:nvPr/>
-        </p:nvSpPr>
-        <p:spPr>
-          <a:xfrm>
-            <a:off x="0" y="0"/>
-            <a:ext cx="1785769" cy="6088828"/>
-          </a:xfrm>
-          <a:prstGeom prst="rect">
-            <a:avLst/>
-          </a:prstGeom>
-          <a:solidFill>
-            <a:schemeClr val="dk1">
-              <a:alpha val="33000"/>
-            </a:schemeClr>
-          </a:solidFill>
-          <a:ln>
-            <a:noFill/>
-          </a:ln>
-        </p:spPr>
-        <p:style>
-          <a:lnRef idx="0">
-            <a:scrgbClr r="0" g="0" b="0"/>
-          </a:lnRef>
-          <a:fillRef idx="0">
-            <a:scrgbClr r="0" g="0" b="0"/>
-          </a:fillRef>
-          <a:effectRef idx="0">
-            <a:scrgbClr r="0" g="0" b="0"/>
-          </a:effectRef>
-          <a:fontRef idx="minor">
-            <a:schemeClr val="lt1"/>
-          </a:fontRef>
-        </p:style>
-        <p:txBody>
-          <a:bodyPr rtlCol="0" anchor="ctr"/>
-          <a:lstStyle/>
-          <a:p>
-            <a:pPr algn="ctr"/>
-            <a:endParaRPr lang="es-ES" dirty="0"/>
-          </a:p>
-        </p:txBody>
-      </p:sp>
-      <p:sp>
-        <p:nvSpPr>
-          <p:cNvPr id="13" name="Rectángulo 12"/>
-          <p:cNvSpPr/>
-          <p:nvPr/>
-        </p:nvSpPr>
-        <p:spPr>
-          <a:xfrm>
-            <a:off x="0" y="6088828"/>
-            <a:ext cx="9144000" cy="769172"/>
-          </a:xfrm>
-          <a:prstGeom prst="rect">
-            <a:avLst/>
-          </a:prstGeom>
-          <a:solidFill>
-            <a:schemeClr val="dk1">
-              <a:alpha val="33000"/>
-            </a:schemeClr>
-          </a:solidFill>
-          <a:ln>
-            <a:noFill/>
-          </a:ln>
-        </p:spPr>
-        <p:style>
-          <a:lnRef idx="0">
-            <a:scrgbClr r="0" g="0" b="0"/>
-          </a:lnRef>
-          <a:fillRef idx="0">
-            <a:scrgbClr r="0" g="0" b="0"/>
-          </a:fillRef>
-          <a:effectRef idx="0">
-            <a:scrgbClr r="0" g="0" b="0"/>
-          </a:effectRef>
-          <a:fontRef idx="minor">
-            <a:schemeClr val="lt1"/>
-          </a:fontRef>
-        </p:style>
-        <p:txBody>
-          <a:bodyPr rtlCol="0" anchor="ctr"/>
-          <a:lstStyle/>
-          <a:p>
-            <a:pPr algn="r"/>
-            <a:endParaRPr lang="es-ES" dirty="0"/>
-          </a:p>
-        </p:txBody>
-      </p:sp>
-      <p:pic>
-        <p:nvPicPr>
-          <p:cNvPr id="14" name="Picture 6" descr="Resultado de imagen de universidad de cádiz">
-            <a:extLst>
-              <a:ext uri="{FF2B5EF4-FFF2-40B4-BE49-F238E27FC236}">
-                <a16:creationId xmlns:a16="http://schemas.microsoft.com/office/drawing/2014/main" id="{39529BEF-3C5E-4413-9EC8-EB577F6C28C8}"/>
-              </a:ext>
-            </a:extLst>
-          </p:cNvPr>
-          <p:cNvPicPr>
-            <a:picLocks noChangeAspect="1" noChangeArrowheads="1"/>
-          </p:cNvPicPr>
-          <p:nvPr/>
-        </p:nvPicPr>
-        <p:blipFill>
-          <a:blip r:embed="rId3">
-            <a:extLst>
-              <a:ext uri="{28A0092B-C50C-407E-A947-70E740481C1C}">
-                <a14:useLocalDpi xmlns:a14="http://schemas.microsoft.com/office/drawing/2010/main" val="0"/>
-              </a:ext>
-            </a:extLst>
-          </a:blip>
-          <a:srcRect/>
-          <a:stretch>
-            <a:fillRect/>
-          </a:stretch>
-        </p:blipFill>
-        <p:spPr bwMode="auto">
-          <a:xfrm>
-            <a:off x="1143000" y="75302"/>
-            <a:ext cx="560419" cy="720539"/>
-          </a:xfrm>
-          <a:prstGeom prst="rect">
-            <a:avLst/>
-          </a:prstGeom>
-          <a:noFill/>
-          <a:extLst>
-            <a:ext uri="{909E8E84-426E-40DD-AFC4-6F175D3DCCD1}">
-              <a14:hiddenFill xmlns:a14="http://schemas.microsoft.com/office/drawing/2010/main">
-                <a:solidFill>
-                  <a:srgbClr val="FFFFFF"/>
-                </a:solidFill>
-              </a14:hiddenFill>
-            </a:ext>
-          </a:extLst>
-        </p:spPr>
-      </p:pic>
-      <p:graphicFrame>
-        <p:nvGraphicFramePr>
-          <p:cNvPr id="16" name="Tabla 15">
-            <a:extLst>
-              <a:ext uri="{FF2B5EF4-FFF2-40B4-BE49-F238E27FC236}">
-                <a16:creationId xmlns:a16="http://schemas.microsoft.com/office/drawing/2014/main" id="{9B1C7611-ED20-4E62-BD2E-4AF759F380F5}"/>
-              </a:ext>
-            </a:extLst>
-          </p:cNvPr>
-          <p:cNvGraphicFramePr>
-            <a:graphicFrameLocks noGrp="1"/>
-          </p:cNvGraphicFramePr>
-          <p:nvPr>
-            <p:extLst/>
-          </p:nvPr>
-        </p:nvGraphicFramePr>
-        <p:xfrm>
-          <a:off x="4711700" y="6153374"/>
-          <a:ext cx="4432300" cy="640080"/>
-        </p:xfrm>
-        <a:graphic>
-          <a:graphicData uri="http://schemas.openxmlformats.org/drawingml/2006/table">
-            <a:tbl>
-              <a:tblPr firstRow="1" bandRow="1">
-                <a:tableStyleId>{2D5ABB26-0587-4C30-8999-92F81FD0307C}</a:tableStyleId>
-              </a:tblPr>
-              <a:tblGrid>
-                <a:gridCol w="3729229">
-                  <a:extLst>
-                    <a:ext uri="{9D8B030D-6E8A-4147-A177-3AD203B41FA5}">
-                      <a16:colId xmlns:a16="http://schemas.microsoft.com/office/drawing/2014/main" val="1347896834"/>
-                    </a:ext>
-                  </a:extLst>
-                </a:gridCol>
-                <a:gridCol w="703071">
-                  <a:extLst>
-                    <a:ext uri="{9D8B030D-6E8A-4147-A177-3AD203B41FA5}">
-                      <a16:colId xmlns:a16="http://schemas.microsoft.com/office/drawing/2014/main" val="972821047"/>
-                    </a:ext>
-                  </a:extLst>
-                </a:gridCol>
-              </a:tblGrid>
-              <a:tr h="633819">
-                <a:tc>
-                  <a:txBody>
-                    <a:bodyPr/>
-                    <a:lstStyle/>
-                    <a:p>
-                      <a:pPr algn="r"/>
-                      <a:r>
-                        <a:rPr lang="es-ES" dirty="0">
-                          <a:solidFill>
-                            <a:schemeClr val="bg1"/>
-                          </a:solidFill>
-                        </a:rPr>
-                        <a:t>Software de preparación, procesado y análisis de datos de la EPA</a:t>
-                      </a:r>
-                      <a:endParaRPr lang="es-ES" b="0" dirty="0">
-                        <a:solidFill>
-                          <a:schemeClr val="bg1"/>
-                        </a:solidFill>
-                      </a:endParaRPr>
-                    </a:p>
-                  </a:txBody>
-                  <a:tcPr anchor="ctr">
-                    <a:lnR w="12700" cap="flat" cmpd="sng" algn="ctr">
-                      <a:solidFill>
-                        <a:schemeClr val="tx1"/>
-                      </a:solidFill>
-                      <a:prstDash val="solid"/>
-                      <a:round/>
-                      <a:headEnd type="none" w="med" len="med"/>
-                      <a:tailEnd type="none" w="med" len="med"/>
-                    </a:lnR>
-                  </a:tcPr>
-                </a:tc>
-                <a:tc>
-                  <a:txBody>
-                    <a:bodyPr/>
-                    <a:lstStyle/>
-                    <a:p>
-                      <a:pPr algn="ctr"/>
-                      <a:fld id="{0E1C8A44-DCA4-45BE-94D1-2AB25001A8D2}" type="slidenum">
-                        <a:rPr lang="es-ES" smtClean="0">
-                          <a:solidFill>
-                            <a:schemeClr val="bg2">
-                              <a:lumMod val="60000"/>
-                              <a:lumOff val="40000"/>
-                            </a:schemeClr>
-                          </a:solidFill>
-                        </a:rPr>
-                        <a:t>11</a:t>
-                      </a:fld>
-                      <a:endParaRPr lang="es-ES" dirty="0">
-                        <a:solidFill>
-                          <a:schemeClr val="bg2">
-                            <a:lumMod val="60000"/>
-                            <a:lumOff val="40000"/>
-                          </a:schemeClr>
-                        </a:solidFill>
-                      </a:endParaRPr>
-                    </a:p>
-                  </a:txBody>
-                  <a:tcPr anchor="ctr">
-                    <a:lnL w="12700" cap="flat" cmpd="sng" algn="ctr">
-                      <a:solidFill>
-                        <a:schemeClr val="tx1"/>
-                      </a:solidFill>
-                      <a:prstDash val="solid"/>
-                      <a:round/>
-                      <a:headEnd type="none" w="med" len="med"/>
-                      <a:tailEnd type="none" w="med" len="med"/>
-                    </a:lnL>
-                  </a:tcPr>
-                </a:tc>
-                <a:extLst>
-                  <a:ext uri="{0D108BD9-81ED-4DB2-BD59-A6C34878D82A}">
-                    <a16:rowId xmlns:a16="http://schemas.microsoft.com/office/drawing/2014/main" val="862195207"/>
-                  </a:ext>
-                </a:extLst>
-              </a:tr>
-            </a:tbl>
-          </a:graphicData>
-        </a:graphic>
-      </p:graphicFrame>
-      <p:pic>
-        <p:nvPicPr>
-          <p:cNvPr id="10" name="Imagen 9">
-            <a:extLst>
-              <a:ext uri="{FF2B5EF4-FFF2-40B4-BE49-F238E27FC236}">
-                <a16:creationId xmlns:a16="http://schemas.microsoft.com/office/drawing/2014/main" id="{B9F62473-4127-4BAF-9D44-D9A2457C8905}"/>
-              </a:ext>
-            </a:extLst>
-          </p:cNvPr>
-          <p:cNvPicPr>
-            <a:picLocks noChangeAspect="1"/>
-          </p:cNvPicPr>
-          <p:nvPr/>
-        </p:nvPicPr>
-        <p:blipFill>
-          <a:blip r:embed="rId4">
-            <a:extLst>
-              <a:ext uri="{28A0092B-C50C-407E-A947-70E740481C1C}">
-                <a14:useLocalDpi xmlns:a14="http://schemas.microsoft.com/office/drawing/2010/main" val="0"/>
-              </a:ext>
-            </a:extLst>
-          </a:blip>
-          <a:srcRect/>
-          <a:stretch>
-            <a:fillRect/>
-          </a:stretch>
-        </p:blipFill>
-        <p:spPr bwMode="auto">
-          <a:xfrm>
-            <a:off x="2310764" y="2040890"/>
-            <a:ext cx="6271316" cy="2048510"/>
-          </a:xfrm>
-          <a:prstGeom prst="rect">
-            <a:avLst/>
-          </a:prstGeom>
-          <a:noFill/>
-          <a:ln>
-            <a:noFill/>
-          </a:ln>
-        </p:spPr>
-      </p:pic>
-      <p:sp>
-        <p:nvSpPr>
-          <p:cNvPr id="11" name="Rectángulo 10">
-            <a:extLst>
-              <a:ext uri="{FF2B5EF4-FFF2-40B4-BE49-F238E27FC236}">
-                <a16:creationId xmlns:a16="http://schemas.microsoft.com/office/drawing/2014/main" id="{ADE621C9-E702-4E6F-BFB8-937B9652BD9D}"/>
-              </a:ext>
-            </a:extLst>
-          </p:cNvPr>
-          <p:cNvSpPr/>
-          <p:nvPr/>
-        </p:nvSpPr>
-        <p:spPr>
-          <a:xfrm>
-            <a:off x="0" y="873306"/>
-            <a:ext cx="1785769" cy="5215521"/>
-          </a:xfrm>
-          <a:prstGeom prst="rect">
-            <a:avLst/>
-          </a:prstGeom>
-          <a:solidFill>
-            <a:schemeClr val="dk1">
-              <a:alpha val="50000"/>
-            </a:schemeClr>
-          </a:solidFill>
-          <a:ln>
-            <a:noFill/>
-          </a:ln>
-        </p:spPr>
-        <p:style>
-          <a:lnRef idx="0">
-            <a:scrgbClr r="0" g="0" b="0"/>
-          </a:lnRef>
-          <a:fillRef idx="0">
-            <a:scrgbClr r="0" g="0" b="0"/>
-          </a:fillRef>
-          <a:effectRef idx="0">
-            <a:scrgbClr r="0" g="0" b="0"/>
-          </a:effectRef>
-          <a:fontRef idx="minor">
-            <a:schemeClr val="lt1"/>
-          </a:fontRef>
-        </p:style>
-        <p:txBody>
-          <a:bodyPr rtlCol="0" anchor="ctr"/>
-          <a:lstStyle/>
-          <a:p>
-            <a:r>
-              <a:rPr lang="es-ES" sz="1350" u="sng" dirty="0">
-                <a:solidFill>
-                  <a:schemeClr val="bg1"/>
-                </a:solidFill>
-              </a:rPr>
-              <a:t>Motivo del Proyecto</a:t>
-            </a:r>
-          </a:p>
-          <a:p>
-            <a:pPr marL="108000" indent="-72000">
-              <a:buFontTx/>
-              <a:buChar char="-"/>
-            </a:pPr>
-            <a:r>
-              <a:rPr lang="es-ES" sz="1350" dirty="0"/>
-              <a:t>EPA</a:t>
-            </a:r>
-          </a:p>
-          <a:p>
-            <a:pPr marL="108000" indent="-72000">
-              <a:buFontTx/>
-              <a:buChar char="-"/>
-            </a:pPr>
-            <a:r>
-              <a:rPr lang="es-ES" sz="1350" dirty="0"/>
-              <a:t>Objetivos</a:t>
-            </a:r>
-          </a:p>
-          <a:p>
-            <a:pPr marL="108000" indent="-72000">
-              <a:buFontTx/>
-              <a:buChar char="-"/>
-            </a:pPr>
-            <a:endParaRPr lang="es-ES" sz="1350" dirty="0"/>
-          </a:p>
-          <a:p>
-            <a:r>
-              <a:rPr lang="es-ES" sz="1350" u="sng" dirty="0"/>
-              <a:t>Planificación</a:t>
-            </a:r>
-          </a:p>
-          <a:p>
-            <a:pPr marL="108000" indent="-72000">
-              <a:buFontTx/>
-              <a:buChar char="-"/>
-            </a:pPr>
-            <a:r>
-              <a:rPr lang="es-ES" sz="1350" dirty="0"/>
-              <a:t>Metodología</a:t>
-            </a:r>
-          </a:p>
-          <a:p>
-            <a:pPr marL="108000" indent="-72000">
-              <a:buFontTx/>
-              <a:buChar char="-"/>
-            </a:pPr>
-            <a:r>
-              <a:rPr lang="es-ES" sz="1350" dirty="0"/>
-              <a:t>Etapas</a:t>
-            </a:r>
-          </a:p>
-          <a:p>
-            <a:pPr marL="108000" indent="-72000">
-              <a:buFontTx/>
-              <a:buChar char="-"/>
-            </a:pPr>
-            <a:r>
-              <a:rPr lang="es-ES" sz="1350" dirty="0"/>
-              <a:t>Presupuesto</a:t>
-            </a:r>
-          </a:p>
-          <a:p>
-            <a:endParaRPr lang="es-ES" sz="1350" b="1" u="sng" dirty="0"/>
-          </a:p>
-          <a:p>
-            <a:r>
-              <a:rPr lang="es-ES" sz="1350" b="1" u="sng" dirty="0">
-                <a:solidFill>
-                  <a:srgbClr val="FD9101"/>
-                </a:solidFill>
-              </a:rPr>
-              <a:t>Desarrollo</a:t>
-            </a:r>
-          </a:p>
-          <a:p>
-            <a:pPr marL="108000" indent="-72000">
-              <a:buFontTx/>
-              <a:buChar char="-"/>
-            </a:pPr>
-            <a:r>
-              <a:rPr lang="es-ES" sz="1350" b="1" dirty="0">
-                <a:solidFill>
-                  <a:srgbClr val="FD9101"/>
-                </a:solidFill>
-              </a:rPr>
-              <a:t>Framework Shiny</a:t>
-            </a:r>
-          </a:p>
-          <a:p>
-            <a:pPr marL="108000" indent="-72000">
-              <a:buFontTx/>
-              <a:buChar char="-"/>
-            </a:pPr>
-            <a:r>
-              <a:rPr lang="es-ES" sz="1350" dirty="0"/>
-              <a:t>Interfaz</a:t>
-            </a:r>
-          </a:p>
-          <a:p>
-            <a:pPr marL="108000" indent="-72000">
-              <a:buFontTx/>
-              <a:buChar char="-"/>
-            </a:pPr>
-            <a:r>
-              <a:rPr lang="es-ES" sz="1350" dirty="0"/>
-              <a:t>Tecnologías</a:t>
-            </a:r>
-          </a:p>
-          <a:p>
-            <a:endParaRPr lang="es-ES" sz="1350" dirty="0"/>
-          </a:p>
-          <a:p>
-            <a:r>
-              <a:rPr lang="es-ES" sz="1350" u="sng" dirty="0"/>
-              <a:t>Demostración</a:t>
-            </a:r>
-          </a:p>
-          <a:p>
-            <a:endParaRPr lang="es-ES" sz="1350" dirty="0"/>
-          </a:p>
-          <a:p>
-            <a:r>
-              <a:rPr lang="es-ES" sz="1350" u="sng" dirty="0"/>
-              <a:t>Conclusiones</a:t>
-            </a:r>
-          </a:p>
-        </p:txBody>
-      </p:sp>
-    </p:spTree>
-    <p:extLst>
-      <p:ext uri="{BB962C8B-B14F-4D97-AF65-F5344CB8AC3E}">
-        <p14:creationId xmlns:p14="http://schemas.microsoft.com/office/powerpoint/2010/main" val="501198715"/>
-      </p:ext>
-    </p:extLst>
-  </p:cSld>
-  <p:clrMapOvr>
-    <a:masterClrMapping/>
-  </p:clrMapOvr>
-  <mc:AlternateContent xmlns:mc="http://schemas.openxmlformats.org/markup-compatibility/2006" xmlns:p14="http://schemas.microsoft.com/office/powerpoint/2010/main">
-    <mc:Choice Requires="p14">
-      <p:transition spd="med" p14:dur="700">
-        <p:fade/>
-      </p:transition>
-    </mc:Choice>
-    <mc:Fallback xmlns="">
-      <p:transition spd="med">
-        <p:fade/>
-      </p:transition>
-    </mc:Fallback>
-  </mc:AlternateContent>
-</p:sld>
-</file>
-
 <file path=ppt/slides/slide12.xml><?xml version="1.0" encoding="utf-8"?>
 <p:sld xmlns:a="http://schemas.openxmlformats.org/drawingml/2006/main" xmlns:r="http://schemas.openxmlformats.org/officeDocument/2006/relationships" xmlns:p="http://schemas.openxmlformats.org/presentationml/2006/main">
   <p:cSld>
@@ -11346,7 +12487,7 @@
           <a:p>
             <a:r>
               <a:rPr lang="es-ES" dirty="0"/>
-              <a:t>SHINY - GESTION DE SESIONES</a:t>
+              <a:t>SHINY - Cliente-Servidor</a:t>
             </a:r>
           </a:p>
         </p:txBody>
@@ -11617,10 +12758,10 @@
       </p:graphicFrame>
       <p:pic>
         <p:nvPicPr>
-          <p:cNvPr id="11" name="Imagen 10">
+          <p:cNvPr id="10" name="Imagen 9">
             <a:extLst>
               <a:ext uri="{FF2B5EF4-FFF2-40B4-BE49-F238E27FC236}">
-                <a16:creationId xmlns:a16="http://schemas.microsoft.com/office/drawing/2014/main" id="{C5ECB09B-88E8-45E0-9950-212B0D5DBA46}"/>
+                <a16:creationId xmlns:a16="http://schemas.microsoft.com/office/drawing/2014/main" id="{B9F62473-4127-4BAF-9D44-D9A2457C8905}"/>
               </a:ext>
             </a:extLst>
           </p:cNvPr>
@@ -11630,7 +12771,7 @@
           <p:nvPr/>
         </p:nvPicPr>
         <p:blipFill>
-          <a:blip r:embed="rId4" cstate="print">
+          <a:blip r:embed="rId4">
             <a:extLst>
               <a:ext uri="{28A0092B-C50C-407E-A947-70E740481C1C}">
                 <a14:useLocalDpi xmlns:a14="http://schemas.microsoft.com/office/drawing/2010/main" val="0"/>
@@ -11644,8 +12785,8 @@
         </p:blipFill>
         <p:spPr bwMode="auto">
           <a:xfrm>
-            <a:off x="2127131" y="1295400"/>
-            <a:ext cx="6632476" cy="4172174"/>
+            <a:off x="2310764" y="2040890"/>
+            <a:ext cx="6271316" cy="2048510"/>
           </a:xfrm>
           <a:prstGeom prst="rect">
             <a:avLst/>
@@ -11658,10 +12799,10 @@
       </p:pic>
       <p:sp>
         <p:nvSpPr>
-          <p:cNvPr id="15" name="Rectángulo 14">
+          <p:cNvPr id="11" name="Rectángulo 10">
             <a:extLst>
               <a:ext uri="{FF2B5EF4-FFF2-40B4-BE49-F238E27FC236}">
-                <a16:creationId xmlns:a16="http://schemas.microsoft.com/office/drawing/2014/main" id="{3B5DDB07-231B-41BA-B3DF-5DA85D718A5F}"/>
+                <a16:creationId xmlns:a16="http://schemas.microsoft.com/office/drawing/2014/main" id="{ADE621C9-E702-4E6F-BFB8-937B9652BD9D}"/>
               </a:ext>
             </a:extLst>
           </p:cNvPr>
@@ -11845,7 +12986,7 @@
     </p:spTree>
     <p:extLst>
       <p:ext uri="{BB962C8B-B14F-4D97-AF65-F5344CB8AC3E}">
-        <p14:creationId xmlns:p14="http://schemas.microsoft.com/office/powerpoint/2010/main" val="2499689480"/>
+        <p14:creationId xmlns:p14="http://schemas.microsoft.com/office/powerpoint/2010/main" val="501198715"/>
       </p:ext>
     </p:extLst>
   </p:cSld>
@@ -11884,6 +13025,35 @@
           <a:chExt cx="0" cy="0"/>
         </a:xfrm>
       </p:grpSpPr>
+      <p:sp>
+        <p:nvSpPr>
+          <p:cNvPr id="2" name="Título 1"/>
+          <p:cNvSpPr>
+            <a:spLocks noGrp="1"/>
+          </p:cNvSpPr>
+          <p:nvPr>
+            <p:ph type="title"/>
+          </p:nvPr>
+        </p:nvSpPr>
+        <p:spPr>
+          <a:xfrm>
+            <a:off x="2033195" y="198971"/>
+            <a:ext cx="6820349" cy="887552"/>
+          </a:xfrm>
+        </p:spPr>
+        <p:txBody>
+          <a:bodyPr>
+            <a:normAutofit/>
+          </a:bodyPr>
+          <a:lstStyle/>
+          <a:p>
+            <a:r>
+              <a:rPr lang="es-ES" dirty="0"/>
+              <a:t>SHINY - GESTION DE SESIONES</a:t>
+            </a:r>
+          </a:p>
+        </p:txBody>
+      </p:sp>
       <p:sp>
         <p:nvSpPr>
           <p:cNvPr id="9" name="Rectángulo 8"/>
@@ -12150,10 +13320,10 @@
       </p:graphicFrame>
       <p:pic>
         <p:nvPicPr>
-          <p:cNvPr id="11" name="Imagen 10" descr="http://littleactuary.github.io/images/shiny_structure.png">
+          <p:cNvPr id="11" name="Imagen 10">
             <a:extLst>
               <a:ext uri="{FF2B5EF4-FFF2-40B4-BE49-F238E27FC236}">
-                <a16:creationId xmlns:a16="http://schemas.microsoft.com/office/drawing/2014/main" id="{5966AF96-0FAB-41B4-83B8-FE9261E2A338}"/>
+                <a16:creationId xmlns:a16="http://schemas.microsoft.com/office/drawing/2014/main" id="{C5ECB09B-88E8-45E0-9950-212B0D5DBA46}"/>
               </a:ext>
             </a:extLst>
           </p:cNvPr>
@@ -12163,7 +13333,7 @@
           <p:nvPr/>
         </p:nvPicPr>
         <p:blipFill>
-          <a:blip r:embed="rId4">
+          <a:blip r:embed="rId4" cstate="print">
             <a:extLst>
               <a:ext uri="{28A0092B-C50C-407E-A947-70E740481C1C}">
                 <a14:useLocalDpi xmlns:a14="http://schemas.microsoft.com/office/drawing/2010/main" val="0"/>
@@ -12177,8 +13347,8 @@
         </p:blipFill>
         <p:spPr bwMode="auto">
           <a:xfrm>
-            <a:off x="1911566" y="1691761"/>
-            <a:ext cx="7106637" cy="3578609"/>
+            <a:off x="2127131" y="1295400"/>
+            <a:ext cx="6632476" cy="4172174"/>
           </a:xfrm>
           <a:prstGeom prst="rect">
             <a:avLst/>
@@ -12191,45 +13361,10 @@
       </p:pic>
       <p:sp>
         <p:nvSpPr>
-          <p:cNvPr id="12" name="Título 1">
+          <p:cNvPr id="15" name="Rectángulo 14">
             <a:extLst>
               <a:ext uri="{FF2B5EF4-FFF2-40B4-BE49-F238E27FC236}">
-                <a16:creationId xmlns:a16="http://schemas.microsoft.com/office/drawing/2014/main" id="{57F65F59-F259-4B5D-9A76-51A66291F843}"/>
-              </a:ext>
-            </a:extLst>
-          </p:cNvPr>
-          <p:cNvSpPr>
-            <a:spLocks noGrp="1"/>
-          </p:cNvSpPr>
-          <p:nvPr>
-            <p:ph type="title"/>
-          </p:nvPr>
-        </p:nvSpPr>
-        <p:spPr>
-          <a:xfrm>
-            <a:off x="2033195" y="198971"/>
-            <a:ext cx="6820349" cy="887552"/>
-          </a:xfrm>
-        </p:spPr>
-        <p:txBody>
-          <a:bodyPr>
-            <a:normAutofit/>
-          </a:bodyPr>
-          <a:lstStyle/>
-          <a:p>
-            <a:r>
-              <a:rPr lang="es-ES" dirty="0"/>
-              <a:t>Shiny - ESTRUCTURA</a:t>
-            </a:r>
-          </a:p>
-        </p:txBody>
-      </p:sp>
-      <p:sp>
-        <p:nvSpPr>
-          <p:cNvPr id="17" name="Rectángulo 16">
-            <a:extLst>
-              <a:ext uri="{FF2B5EF4-FFF2-40B4-BE49-F238E27FC236}">
-                <a16:creationId xmlns:a16="http://schemas.microsoft.com/office/drawing/2014/main" id="{1AC28A9C-6E39-433C-8C55-51C8DDB69B9C}"/>
+                <a16:creationId xmlns:a16="http://schemas.microsoft.com/office/drawing/2014/main" id="{3B5DDB07-231B-41BA-B3DF-5DA85D718A5F}"/>
               </a:ext>
             </a:extLst>
           </p:cNvPr>
@@ -12413,7 +13548,7 @@
     </p:spTree>
     <p:extLst>
       <p:ext uri="{BB962C8B-B14F-4D97-AF65-F5344CB8AC3E}">
-        <p14:creationId xmlns:p14="http://schemas.microsoft.com/office/powerpoint/2010/main" val="1422894523"/>
+        <p14:creationId xmlns:p14="http://schemas.microsoft.com/office/powerpoint/2010/main" val="2499689480"/>
       </p:ext>
     </p:extLst>
   </p:cSld>
@@ -12452,35 +13587,6 @@
           <a:chExt cx="0" cy="0"/>
         </a:xfrm>
       </p:grpSpPr>
-      <p:sp>
-        <p:nvSpPr>
-          <p:cNvPr id="2" name="Título 1"/>
-          <p:cNvSpPr>
-            <a:spLocks noGrp="1"/>
-          </p:cNvSpPr>
-          <p:nvPr>
-            <p:ph type="title"/>
-          </p:nvPr>
-        </p:nvSpPr>
-        <p:spPr>
-          <a:xfrm>
-            <a:off x="2033195" y="198971"/>
-            <a:ext cx="6820349" cy="887552"/>
-          </a:xfrm>
-        </p:spPr>
-        <p:txBody>
-          <a:bodyPr>
-            <a:normAutofit/>
-          </a:bodyPr>
-          <a:lstStyle/>
-          <a:p>
-            <a:r>
-              <a:rPr lang="es-ES" dirty="0"/>
-              <a:t>INTERFAZ VISUAL</a:t>
-            </a:r>
-          </a:p>
-        </p:txBody>
-      </p:sp>
       <p:sp>
         <p:nvSpPr>
           <p:cNvPr id="9" name="Rectángulo 8"/>
@@ -12747,10 +13853,10 @@
       </p:graphicFrame>
       <p:pic>
         <p:nvPicPr>
-          <p:cNvPr id="11" name="Imagen 10">
+          <p:cNvPr id="11" name="Imagen 10" descr="http://littleactuary.github.io/images/shiny_structure.png">
             <a:extLst>
               <a:ext uri="{FF2B5EF4-FFF2-40B4-BE49-F238E27FC236}">
-                <a16:creationId xmlns:a16="http://schemas.microsoft.com/office/drawing/2014/main" id="{00289454-8DE3-4A97-B3F3-02F0874C1A82}"/>
+                <a16:creationId xmlns:a16="http://schemas.microsoft.com/office/drawing/2014/main" id="{5966AF96-0FAB-41B4-83B8-FE9261E2A338}"/>
               </a:ext>
             </a:extLst>
           </p:cNvPr>
@@ -12774,8 +13880,8 @@
         </p:blipFill>
         <p:spPr bwMode="auto">
           <a:xfrm>
-            <a:off x="2045601" y="2050158"/>
-            <a:ext cx="6807943" cy="1891222"/>
+            <a:off x="1911566" y="1691761"/>
+            <a:ext cx="7106637" cy="3578609"/>
           </a:xfrm>
           <a:prstGeom prst="rect">
             <a:avLst/>
@@ -12788,10 +13894,45 @@
       </p:pic>
       <p:sp>
         <p:nvSpPr>
-          <p:cNvPr id="12" name="Rectángulo 11">
+          <p:cNvPr id="12" name="Título 1">
             <a:extLst>
               <a:ext uri="{FF2B5EF4-FFF2-40B4-BE49-F238E27FC236}">
-                <a16:creationId xmlns:a16="http://schemas.microsoft.com/office/drawing/2014/main" id="{35E83367-7C7B-4F54-9C68-35A0C1320A2E}"/>
+                <a16:creationId xmlns:a16="http://schemas.microsoft.com/office/drawing/2014/main" id="{57F65F59-F259-4B5D-9A76-51A66291F843}"/>
+              </a:ext>
+            </a:extLst>
+          </p:cNvPr>
+          <p:cNvSpPr>
+            <a:spLocks noGrp="1"/>
+          </p:cNvSpPr>
+          <p:nvPr>
+            <p:ph type="title"/>
+          </p:nvPr>
+        </p:nvSpPr>
+        <p:spPr>
+          <a:xfrm>
+            <a:off x="2033195" y="198971"/>
+            <a:ext cx="6820349" cy="887552"/>
+          </a:xfrm>
+        </p:spPr>
+        <p:txBody>
+          <a:bodyPr>
+            <a:normAutofit/>
+          </a:bodyPr>
+          <a:lstStyle/>
+          <a:p>
+            <a:r>
+              <a:rPr lang="es-ES" dirty="0"/>
+              <a:t>Shiny - ESTRUCTURA</a:t>
+            </a:r>
+          </a:p>
+        </p:txBody>
+      </p:sp>
+      <p:sp>
+        <p:nvSpPr>
+          <p:cNvPr id="17" name="Rectángulo 16">
+            <a:extLst>
+              <a:ext uri="{FF2B5EF4-FFF2-40B4-BE49-F238E27FC236}">
+                <a16:creationId xmlns:a16="http://schemas.microsoft.com/office/drawing/2014/main" id="{1AC28A9C-6E39-433C-8C55-51C8DDB69B9C}"/>
               </a:ext>
             </a:extLst>
           </p:cNvPr>
@@ -12924,22 +14065,12 @@
               <a:buChar char="-"/>
             </a:pPr>
             <a:r>
-              <a:rPr lang="es-ES" sz="1350" dirty="0"/>
-              <a:t>Framework Shiny</a:t>
-            </a:r>
-          </a:p>
-          <a:p>
-            <a:pPr marL="108000" indent="-72000">
-              <a:buFontTx/>
-              <a:buChar char="-"/>
-            </a:pPr>
-            <a:r>
               <a:rPr lang="es-ES" sz="1350" b="1" dirty="0">
                 <a:solidFill>
                   <a:srgbClr val="FD9101"/>
                 </a:solidFill>
               </a:rPr>
-              <a:t>Interfaz</a:t>
+              <a:t>Framework Shiny</a:t>
             </a:r>
           </a:p>
           <a:p>
@@ -12949,6 +14080,16 @@
             </a:pPr>
             <a:r>
               <a:rPr lang="es-ES" sz="1350" dirty="0"/>
+              <a:t>Interfaz</a:t>
+            </a:r>
+          </a:p>
+          <a:p>
+            <a:pPr marL="108000" indent="-72000">
+              <a:buFontTx/>
+              <a:buChar char="-"/>
+            </a:pPr>
+            <a:r>
+              <a:rPr lang="es-ES" sz="1350" dirty="0"/>
               <a:t>Tecnologías</a:t>
             </a:r>
           </a:p>
@@ -12975,7 +14116,7 @@
     </p:spTree>
     <p:extLst>
       <p:ext uri="{BB962C8B-B14F-4D97-AF65-F5344CB8AC3E}">
-        <p14:creationId xmlns:p14="http://schemas.microsoft.com/office/powerpoint/2010/main" val="1610597392"/>
+        <p14:creationId xmlns:p14="http://schemas.microsoft.com/office/powerpoint/2010/main" val="1422894523"/>
       </p:ext>
     </p:extLst>
   </p:cSld>
@@ -13309,10 +14450,10 @@
       </p:graphicFrame>
       <p:pic>
         <p:nvPicPr>
-          <p:cNvPr id="15" name="Imagen 14">
+          <p:cNvPr id="11" name="Imagen 10">
             <a:extLst>
               <a:ext uri="{FF2B5EF4-FFF2-40B4-BE49-F238E27FC236}">
-                <a16:creationId xmlns:a16="http://schemas.microsoft.com/office/drawing/2014/main" id="{EB66C198-C161-4BB0-A7CE-87037EABF90C}"/>
+                <a16:creationId xmlns:a16="http://schemas.microsoft.com/office/drawing/2014/main" id="{00289454-8DE3-4A97-B3F3-02F0874C1A82}"/>
               </a:ext>
             </a:extLst>
           </p:cNvPr>
@@ -13336,8 +14477,8 @@
         </p:blipFill>
         <p:spPr bwMode="auto">
           <a:xfrm>
-            <a:off x="2310668" y="988280"/>
-            <a:ext cx="6266604" cy="4943535"/>
+            <a:off x="2045601" y="2050158"/>
+            <a:ext cx="6807943" cy="1891222"/>
           </a:xfrm>
           <a:prstGeom prst="rect">
             <a:avLst/>
@@ -13350,10 +14491,10 @@
       </p:pic>
       <p:sp>
         <p:nvSpPr>
-          <p:cNvPr id="11" name="Rectángulo 10">
+          <p:cNvPr id="12" name="Rectángulo 11">
             <a:extLst>
               <a:ext uri="{FF2B5EF4-FFF2-40B4-BE49-F238E27FC236}">
-                <a16:creationId xmlns:a16="http://schemas.microsoft.com/office/drawing/2014/main" id="{A95C38C1-0531-4C59-B723-DEEDDFF82CCD}"/>
+                <a16:creationId xmlns:a16="http://schemas.microsoft.com/office/drawing/2014/main" id="{35E83367-7C7B-4F54-9C68-35A0C1320A2E}"/>
               </a:ext>
             </a:extLst>
           </p:cNvPr>
@@ -13537,7 +14678,7 @@
     </p:spTree>
     <p:extLst>
       <p:ext uri="{BB962C8B-B14F-4D97-AF65-F5344CB8AC3E}">
-        <p14:creationId xmlns:p14="http://schemas.microsoft.com/office/powerpoint/2010/main" val="2702430240"/>
+        <p14:creationId xmlns:p14="http://schemas.microsoft.com/office/powerpoint/2010/main" val="1610597392"/>
       </p:ext>
     </p:extLst>
   </p:cSld>
@@ -13600,7 +14741,7 @@
           <a:p>
             <a:r>
               <a:rPr lang="es-ES" dirty="0"/>
-              <a:t>TECNOLOGIAS UTILIZADAS</a:t>
+              <a:t>INTERFAZ VISUAL</a:t>
             </a:r>
           </a:p>
         </p:txBody>
@@ -13836,6 +14977,568 @@
                           </a:solidFill>
                         </a:rPr>
                         <a:t>16</a:t>
+                      </a:fld>
+                      <a:endParaRPr lang="es-ES" dirty="0">
+                        <a:solidFill>
+                          <a:schemeClr val="bg2">
+                            <a:lumMod val="60000"/>
+                            <a:lumOff val="40000"/>
+                          </a:schemeClr>
+                        </a:solidFill>
+                      </a:endParaRPr>
+                    </a:p>
+                  </a:txBody>
+                  <a:tcPr anchor="ctr">
+                    <a:lnL w="12700" cap="flat" cmpd="sng" algn="ctr">
+                      <a:solidFill>
+                        <a:schemeClr val="tx1"/>
+                      </a:solidFill>
+                      <a:prstDash val="solid"/>
+                      <a:round/>
+                      <a:headEnd type="none" w="med" len="med"/>
+                      <a:tailEnd type="none" w="med" len="med"/>
+                    </a:lnL>
+                  </a:tcPr>
+                </a:tc>
+                <a:extLst>
+                  <a:ext uri="{0D108BD9-81ED-4DB2-BD59-A6C34878D82A}">
+                    <a16:rowId xmlns:a16="http://schemas.microsoft.com/office/drawing/2014/main" val="862195207"/>
+                  </a:ext>
+                </a:extLst>
+              </a:tr>
+            </a:tbl>
+          </a:graphicData>
+        </a:graphic>
+      </p:graphicFrame>
+      <p:pic>
+        <p:nvPicPr>
+          <p:cNvPr id="15" name="Imagen 14">
+            <a:extLst>
+              <a:ext uri="{FF2B5EF4-FFF2-40B4-BE49-F238E27FC236}">
+                <a16:creationId xmlns:a16="http://schemas.microsoft.com/office/drawing/2014/main" id="{EB66C198-C161-4BB0-A7CE-87037EABF90C}"/>
+              </a:ext>
+            </a:extLst>
+          </p:cNvPr>
+          <p:cNvPicPr>
+            <a:picLocks noChangeAspect="1"/>
+          </p:cNvPicPr>
+          <p:nvPr/>
+        </p:nvPicPr>
+        <p:blipFill>
+          <a:blip r:embed="rId4">
+            <a:extLst>
+              <a:ext uri="{28A0092B-C50C-407E-A947-70E740481C1C}">
+                <a14:useLocalDpi xmlns:a14="http://schemas.microsoft.com/office/drawing/2010/main" val="0"/>
+              </a:ext>
+            </a:extLst>
+          </a:blip>
+          <a:srcRect/>
+          <a:stretch>
+            <a:fillRect/>
+          </a:stretch>
+        </p:blipFill>
+        <p:spPr bwMode="auto">
+          <a:xfrm>
+            <a:off x="2310668" y="988280"/>
+            <a:ext cx="6266604" cy="4943535"/>
+          </a:xfrm>
+          <a:prstGeom prst="rect">
+            <a:avLst/>
+          </a:prstGeom>
+          <a:noFill/>
+          <a:ln>
+            <a:noFill/>
+          </a:ln>
+        </p:spPr>
+      </p:pic>
+      <p:sp>
+        <p:nvSpPr>
+          <p:cNvPr id="11" name="Rectángulo 10">
+            <a:extLst>
+              <a:ext uri="{FF2B5EF4-FFF2-40B4-BE49-F238E27FC236}">
+                <a16:creationId xmlns:a16="http://schemas.microsoft.com/office/drawing/2014/main" id="{A95C38C1-0531-4C59-B723-DEEDDFF82CCD}"/>
+              </a:ext>
+            </a:extLst>
+          </p:cNvPr>
+          <p:cNvSpPr/>
+          <p:nvPr/>
+        </p:nvSpPr>
+        <p:spPr>
+          <a:xfrm>
+            <a:off x="0" y="873306"/>
+            <a:ext cx="1785769" cy="5215521"/>
+          </a:xfrm>
+          <a:prstGeom prst="rect">
+            <a:avLst/>
+          </a:prstGeom>
+          <a:solidFill>
+            <a:schemeClr val="dk1">
+              <a:alpha val="50000"/>
+            </a:schemeClr>
+          </a:solidFill>
+          <a:ln>
+            <a:noFill/>
+          </a:ln>
+        </p:spPr>
+        <p:style>
+          <a:lnRef idx="0">
+            <a:scrgbClr r="0" g="0" b="0"/>
+          </a:lnRef>
+          <a:fillRef idx="0">
+            <a:scrgbClr r="0" g="0" b="0"/>
+          </a:fillRef>
+          <a:effectRef idx="0">
+            <a:scrgbClr r="0" g="0" b="0"/>
+          </a:effectRef>
+          <a:fontRef idx="minor">
+            <a:schemeClr val="lt1"/>
+          </a:fontRef>
+        </p:style>
+        <p:txBody>
+          <a:bodyPr rtlCol="0" anchor="ctr"/>
+          <a:lstStyle/>
+          <a:p>
+            <a:r>
+              <a:rPr lang="es-ES" sz="1350" u="sng" dirty="0">
+                <a:solidFill>
+                  <a:schemeClr val="bg1"/>
+                </a:solidFill>
+              </a:rPr>
+              <a:t>Motivo del Proyecto</a:t>
+            </a:r>
+          </a:p>
+          <a:p>
+            <a:pPr marL="108000" indent="-72000">
+              <a:buFontTx/>
+              <a:buChar char="-"/>
+            </a:pPr>
+            <a:r>
+              <a:rPr lang="es-ES" sz="1350" dirty="0"/>
+              <a:t>EPA</a:t>
+            </a:r>
+          </a:p>
+          <a:p>
+            <a:pPr marL="108000" indent="-72000">
+              <a:buFontTx/>
+              <a:buChar char="-"/>
+            </a:pPr>
+            <a:r>
+              <a:rPr lang="es-ES" sz="1350" dirty="0"/>
+              <a:t>Objetivos</a:t>
+            </a:r>
+          </a:p>
+          <a:p>
+            <a:pPr marL="108000" indent="-72000">
+              <a:buFontTx/>
+              <a:buChar char="-"/>
+            </a:pPr>
+            <a:endParaRPr lang="es-ES" sz="1350" dirty="0"/>
+          </a:p>
+          <a:p>
+            <a:r>
+              <a:rPr lang="es-ES" sz="1350" u="sng" dirty="0"/>
+              <a:t>Planificación</a:t>
+            </a:r>
+          </a:p>
+          <a:p>
+            <a:pPr marL="108000" indent="-72000">
+              <a:buFontTx/>
+              <a:buChar char="-"/>
+            </a:pPr>
+            <a:r>
+              <a:rPr lang="es-ES" sz="1350" dirty="0"/>
+              <a:t>Metodología</a:t>
+            </a:r>
+          </a:p>
+          <a:p>
+            <a:pPr marL="108000" indent="-72000">
+              <a:buFontTx/>
+              <a:buChar char="-"/>
+            </a:pPr>
+            <a:r>
+              <a:rPr lang="es-ES" sz="1350" dirty="0"/>
+              <a:t>Etapas</a:t>
+            </a:r>
+          </a:p>
+          <a:p>
+            <a:pPr marL="108000" indent="-72000">
+              <a:buFontTx/>
+              <a:buChar char="-"/>
+            </a:pPr>
+            <a:r>
+              <a:rPr lang="es-ES" sz="1350" dirty="0"/>
+              <a:t>Presupuesto</a:t>
+            </a:r>
+          </a:p>
+          <a:p>
+            <a:endParaRPr lang="es-ES" sz="1350" b="1" u="sng" dirty="0"/>
+          </a:p>
+          <a:p>
+            <a:r>
+              <a:rPr lang="es-ES" sz="1350" b="1" u="sng" dirty="0">
+                <a:solidFill>
+                  <a:srgbClr val="FD9101"/>
+                </a:solidFill>
+              </a:rPr>
+              <a:t>Desarrollo</a:t>
+            </a:r>
+          </a:p>
+          <a:p>
+            <a:pPr marL="108000" indent="-72000">
+              <a:buFontTx/>
+              <a:buChar char="-"/>
+            </a:pPr>
+            <a:r>
+              <a:rPr lang="es-ES" sz="1350" dirty="0"/>
+              <a:t>Framework Shiny</a:t>
+            </a:r>
+          </a:p>
+          <a:p>
+            <a:pPr marL="108000" indent="-72000">
+              <a:buFontTx/>
+              <a:buChar char="-"/>
+            </a:pPr>
+            <a:r>
+              <a:rPr lang="es-ES" sz="1350" b="1" dirty="0">
+                <a:solidFill>
+                  <a:srgbClr val="FD9101"/>
+                </a:solidFill>
+              </a:rPr>
+              <a:t>Interfaz</a:t>
+            </a:r>
+          </a:p>
+          <a:p>
+            <a:pPr marL="108000" indent="-72000">
+              <a:buFontTx/>
+              <a:buChar char="-"/>
+            </a:pPr>
+            <a:r>
+              <a:rPr lang="es-ES" sz="1350" dirty="0"/>
+              <a:t>Tecnologías</a:t>
+            </a:r>
+          </a:p>
+          <a:p>
+            <a:endParaRPr lang="es-ES" sz="1350" dirty="0"/>
+          </a:p>
+          <a:p>
+            <a:r>
+              <a:rPr lang="es-ES" sz="1350" u="sng" dirty="0"/>
+              <a:t>Demostración</a:t>
+            </a:r>
+          </a:p>
+          <a:p>
+            <a:endParaRPr lang="es-ES" sz="1350" dirty="0"/>
+          </a:p>
+          <a:p>
+            <a:r>
+              <a:rPr lang="es-ES" sz="1350" u="sng" dirty="0"/>
+              <a:t>Conclusiones</a:t>
+            </a:r>
+          </a:p>
+        </p:txBody>
+      </p:sp>
+    </p:spTree>
+    <p:extLst>
+      <p:ext uri="{BB962C8B-B14F-4D97-AF65-F5344CB8AC3E}">
+        <p14:creationId xmlns:p14="http://schemas.microsoft.com/office/powerpoint/2010/main" val="2702430240"/>
+      </p:ext>
+    </p:extLst>
+  </p:cSld>
+  <p:clrMapOvr>
+    <a:masterClrMapping/>
+  </p:clrMapOvr>
+  <mc:AlternateContent xmlns:mc="http://schemas.openxmlformats.org/markup-compatibility/2006" xmlns:p14="http://schemas.microsoft.com/office/powerpoint/2010/main">
+    <mc:Choice Requires="p14">
+      <p:transition spd="med" p14:dur="700">
+        <p:fade/>
+      </p:transition>
+    </mc:Choice>
+    <mc:Fallback xmlns="">
+      <p:transition spd="med">
+        <p:fade/>
+      </p:transition>
+    </mc:Fallback>
+  </mc:AlternateContent>
+</p:sld>
+</file>
+
+<file path=ppt/slides/slide17.xml><?xml version="1.0" encoding="utf-8"?>
+<p:sld xmlns:a="http://schemas.openxmlformats.org/drawingml/2006/main" xmlns:r="http://schemas.openxmlformats.org/officeDocument/2006/relationships" xmlns:p="http://schemas.openxmlformats.org/presentationml/2006/main">
+  <p:cSld>
+    <p:spTree>
+      <p:nvGrpSpPr>
+        <p:cNvPr id="1" name=""/>
+        <p:cNvGrpSpPr/>
+        <p:nvPr/>
+      </p:nvGrpSpPr>
+      <p:grpSpPr>
+        <a:xfrm>
+          <a:off x="0" y="0"/>
+          <a:ext cx="0" cy="0"/>
+          <a:chOff x="0" y="0"/>
+          <a:chExt cx="0" cy="0"/>
+        </a:xfrm>
+      </p:grpSpPr>
+      <p:sp>
+        <p:nvSpPr>
+          <p:cNvPr id="2" name="Título 1"/>
+          <p:cNvSpPr>
+            <a:spLocks noGrp="1"/>
+          </p:cNvSpPr>
+          <p:nvPr>
+            <p:ph type="title"/>
+          </p:nvPr>
+        </p:nvSpPr>
+        <p:spPr>
+          <a:xfrm>
+            <a:off x="2033195" y="198971"/>
+            <a:ext cx="6820349" cy="887552"/>
+          </a:xfrm>
+        </p:spPr>
+        <p:txBody>
+          <a:bodyPr>
+            <a:normAutofit/>
+          </a:bodyPr>
+          <a:lstStyle/>
+          <a:p>
+            <a:r>
+              <a:rPr lang="es-ES" dirty="0"/>
+              <a:t>TECNOLOGIAS UTILIZADAS</a:t>
+            </a:r>
+          </a:p>
+        </p:txBody>
+      </p:sp>
+      <p:sp>
+        <p:nvSpPr>
+          <p:cNvPr id="9" name="Rectángulo 8"/>
+          <p:cNvSpPr/>
+          <p:nvPr/>
+        </p:nvSpPr>
+        <p:spPr>
+          <a:xfrm>
+            <a:off x="0" y="0"/>
+            <a:ext cx="1785769" cy="6088828"/>
+          </a:xfrm>
+          <a:prstGeom prst="rect">
+            <a:avLst/>
+          </a:prstGeom>
+          <a:solidFill>
+            <a:schemeClr val="dk1">
+              <a:alpha val="33000"/>
+            </a:schemeClr>
+          </a:solidFill>
+          <a:ln>
+            <a:noFill/>
+          </a:ln>
+        </p:spPr>
+        <p:style>
+          <a:lnRef idx="0">
+            <a:scrgbClr r="0" g="0" b="0"/>
+          </a:lnRef>
+          <a:fillRef idx="0">
+            <a:scrgbClr r="0" g="0" b="0"/>
+          </a:fillRef>
+          <a:effectRef idx="0">
+            <a:scrgbClr r="0" g="0" b="0"/>
+          </a:effectRef>
+          <a:fontRef idx="minor">
+            <a:schemeClr val="lt1"/>
+          </a:fontRef>
+        </p:style>
+        <p:txBody>
+          <a:bodyPr rtlCol="0" anchor="ctr"/>
+          <a:lstStyle/>
+          <a:p>
+            <a:pPr algn="ctr"/>
+            <a:endParaRPr lang="es-ES" dirty="0"/>
+          </a:p>
+        </p:txBody>
+      </p:sp>
+      <p:sp>
+        <p:nvSpPr>
+          <p:cNvPr id="13" name="Rectángulo 12"/>
+          <p:cNvSpPr/>
+          <p:nvPr/>
+        </p:nvSpPr>
+        <p:spPr>
+          <a:xfrm>
+            <a:off x="0" y="6088828"/>
+            <a:ext cx="9144000" cy="769172"/>
+          </a:xfrm>
+          <a:prstGeom prst="rect">
+            <a:avLst/>
+          </a:prstGeom>
+          <a:solidFill>
+            <a:schemeClr val="dk1">
+              <a:alpha val="33000"/>
+            </a:schemeClr>
+          </a:solidFill>
+          <a:ln>
+            <a:noFill/>
+          </a:ln>
+        </p:spPr>
+        <p:style>
+          <a:lnRef idx="0">
+            <a:scrgbClr r="0" g="0" b="0"/>
+          </a:lnRef>
+          <a:fillRef idx="0">
+            <a:scrgbClr r="0" g="0" b="0"/>
+          </a:fillRef>
+          <a:effectRef idx="0">
+            <a:scrgbClr r="0" g="0" b="0"/>
+          </a:effectRef>
+          <a:fontRef idx="minor">
+            <a:schemeClr val="lt1"/>
+          </a:fontRef>
+        </p:style>
+        <p:txBody>
+          <a:bodyPr rtlCol="0" anchor="ctr"/>
+          <a:lstStyle/>
+          <a:p>
+            <a:pPr algn="r"/>
+            <a:endParaRPr lang="es-ES" dirty="0"/>
+          </a:p>
+        </p:txBody>
+      </p:sp>
+      <p:pic>
+        <p:nvPicPr>
+          <p:cNvPr id="14" name="Picture 6" descr="Resultado de imagen de universidad de cádiz">
+            <a:extLst>
+              <a:ext uri="{FF2B5EF4-FFF2-40B4-BE49-F238E27FC236}">
+                <a16:creationId xmlns:a16="http://schemas.microsoft.com/office/drawing/2014/main" id="{39529BEF-3C5E-4413-9EC8-EB577F6C28C8}"/>
+              </a:ext>
+            </a:extLst>
+          </p:cNvPr>
+          <p:cNvPicPr>
+            <a:picLocks noChangeAspect="1" noChangeArrowheads="1"/>
+          </p:cNvPicPr>
+          <p:nvPr/>
+        </p:nvPicPr>
+        <p:blipFill>
+          <a:blip r:embed="rId3">
+            <a:extLst>
+              <a:ext uri="{28A0092B-C50C-407E-A947-70E740481C1C}">
+                <a14:useLocalDpi xmlns:a14="http://schemas.microsoft.com/office/drawing/2010/main" val="0"/>
+              </a:ext>
+            </a:extLst>
+          </a:blip>
+          <a:srcRect/>
+          <a:stretch>
+            <a:fillRect/>
+          </a:stretch>
+        </p:blipFill>
+        <p:spPr bwMode="auto">
+          <a:xfrm>
+            <a:off x="1143000" y="75302"/>
+            <a:ext cx="560419" cy="720539"/>
+          </a:xfrm>
+          <a:prstGeom prst="rect">
+            <a:avLst/>
+          </a:prstGeom>
+          <a:noFill/>
+          <a:extLst>
+            <a:ext uri="{909E8E84-426E-40DD-AFC4-6F175D3DCCD1}">
+              <a14:hiddenFill xmlns:a14="http://schemas.microsoft.com/office/drawing/2010/main">
+                <a:solidFill>
+                  <a:srgbClr val="FFFFFF"/>
+                </a:solidFill>
+              </a14:hiddenFill>
+            </a:ext>
+          </a:extLst>
+        </p:spPr>
+      </p:pic>
+      <p:graphicFrame>
+        <p:nvGraphicFramePr>
+          <p:cNvPr id="16" name="Tabla 15">
+            <a:extLst>
+              <a:ext uri="{FF2B5EF4-FFF2-40B4-BE49-F238E27FC236}">
+                <a16:creationId xmlns:a16="http://schemas.microsoft.com/office/drawing/2014/main" id="{9B1C7611-ED20-4E62-BD2E-4AF759F380F5}"/>
+              </a:ext>
+            </a:extLst>
+          </p:cNvPr>
+          <p:cNvGraphicFramePr>
+            <a:graphicFrameLocks noGrp="1"/>
+          </p:cNvGraphicFramePr>
+          <p:nvPr>
+            <p:extLst/>
+          </p:nvPr>
+        </p:nvGraphicFramePr>
+        <p:xfrm>
+          <a:off x="4711700" y="6153374"/>
+          <a:ext cx="4432300" cy="640080"/>
+        </p:xfrm>
+        <a:graphic>
+          <a:graphicData uri="http://schemas.openxmlformats.org/drawingml/2006/table">
+            <a:tbl>
+              <a:tblPr firstRow="1" bandRow="1">
+                <a:tableStyleId>{2D5ABB26-0587-4C30-8999-92F81FD0307C}</a:tableStyleId>
+              </a:tblPr>
+              <a:tblGrid>
+                <a:gridCol w="3729229">
+                  <a:extLst>
+                    <a:ext uri="{9D8B030D-6E8A-4147-A177-3AD203B41FA5}">
+                      <a16:colId xmlns:a16="http://schemas.microsoft.com/office/drawing/2014/main" val="1347896834"/>
+                    </a:ext>
+                  </a:extLst>
+                </a:gridCol>
+                <a:gridCol w="703071">
+                  <a:extLst>
+                    <a:ext uri="{9D8B030D-6E8A-4147-A177-3AD203B41FA5}">
+                      <a16:colId xmlns:a16="http://schemas.microsoft.com/office/drawing/2014/main" val="972821047"/>
+                    </a:ext>
+                  </a:extLst>
+                </a:gridCol>
+              </a:tblGrid>
+              <a:tr h="633819">
+                <a:tc>
+                  <a:txBody>
+                    <a:bodyPr/>
+                    <a:lstStyle/>
+                    <a:p>
+                      <a:pPr algn="r"/>
+                      <a:r>
+                        <a:rPr lang="es-ES" dirty="0">
+                          <a:solidFill>
+                            <a:schemeClr val="bg1"/>
+                          </a:solidFill>
+                        </a:rPr>
+                        <a:t>Software de preparación, procesado y análisis de datos de la EPA</a:t>
+                      </a:r>
+                      <a:endParaRPr lang="es-ES" b="0" dirty="0">
+                        <a:solidFill>
+                          <a:schemeClr val="bg1"/>
+                        </a:solidFill>
+                      </a:endParaRPr>
+                    </a:p>
+                  </a:txBody>
+                  <a:tcPr anchor="ctr">
+                    <a:lnR w="12700" cap="flat" cmpd="sng" algn="ctr">
+                      <a:solidFill>
+                        <a:schemeClr val="tx1"/>
+                      </a:solidFill>
+                      <a:prstDash val="solid"/>
+                      <a:round/>
+                      <a:headEnd type="none" w="med" len="med"/>
+                      <a:tailEnd type="none" w="med" len="med"/>
+                    </a:lnR>
+                  </a:tcPr>
+                </a:tc>
+                <a:tc>
+                  <a:txBody>
+                    <a:bodyPr/>
+                    <a:lstStyle/>
+                    <a:p>
+                      <a:pPr algn="ctr"/>
+                      <a:fld id="{0E1C8A44-DCA4-45BE-94D1-2AB25001A8D2}" type="slidenum">
+                        <a:rPr lang="es-ES" smtClean="0">
+                          <a:solidFill>
+                            <a:schemeClr val="bg2">
+                              <a:lumMod val="60000"/>
+                              <a:lumOff val="40000"/>
+                            </a:schemeClr>
+                          </a:solidFill>
+                        </a:rPr>
+                        <a:t>17</a:t>
                       </a:fld>
                       <a:endParaRPr lang="es-ES" dirty="0">
                         <a:solidFill>
@@ -14413,7 +16116,7 @@
 </p:sld>
 </file>
 
-<file path=ppt/slides/slide17.xml><?xml version="1.0" encoding="utf-8"?>
+<file path=ppt/slides/slide18.xml><?xml version="1.0" encoding="utf-8"?>
 <p:sld xmlns:a="http://schemas.openxmlformats.org/drawingml/2006/main" xmlns:r="http://schemas.openxmlformats.org/officeDocument/2006/relationships" xmlns:p="http://schemas.openxmlformats.org/presentationml/2006/main">
   <p:cSld>
     <p:spTree>
@@ -14689,612 +16392,6 @@
                             </a:schemeClr>
                           </a:solidFill>
                         </a:rPr>
-                        <a:t>17</a:t>
-                      </a:fld>
-                      <a:endParaRPr lang="es-ES" dirty="0">
-                        <a:solidFill>
-                          <a:schemeClr val="bg2">
-                            <a:lumMod val="60000"/>
-                            <a:lumOff val="40000"/>
-                          </a:schemeClr>
-                        </a:solidFill>
-                      </a:endParaRPr>
-                    </a:p>
-                  </a:txBody>
-                  <a:tcPr anchor="ctr">
-                    <a:lnL w="12700" cap="flat" cmpd="sng" algn="ctr">
-                      <a:solidFill>
-                        <a:schemeClr val="tx1"/>
-                      </a:solidFill>
-                      <a:prstDash val="solid"/>
-                      <a:round/>
-                      <a:headEnd type="none" w="med" len="med"/>
-                      <a:tailEnd type="none" w="med" len="med"/>
-                    </a:lnL>
-                  </a:tcPr>
-                </a:tc>
-                <a:extLst>
-                  <a:ext uri="{0D108BD9-81ED-4DB2-BD59-A6C34878D82A}">
-                    <a16:rowId xmlns:a16="http://schemas.microsoft.com/office/drawing/2014/main" val="862195207"/>
-                  </a:ext>
-                </a:extLst>
-              </a:tr>
-            </a:tbl>
-          </a:graphicData>
-        </a:graphic>
-      </p:graphicFrame>
-      <p:sp>
-        <p:nvSpPr>
-          <p:cNvPr id="11" name="Rectángulo 10">
-            <a:extLst>
-              <a:ext uri="{FF2B5EF4-FFF2-40B4-BE49-F238E27FC236}">
-                <a16:creationId xmlns:a16="http://schemas.microsoft.com/office/drawing/2014/main" id="{2BFB1097-2BFE-4AB3-97A8-EA29B202634C}"/>
-              </a:ext>
-            </a:extLst>
-          </p:cNvPr>
-          <p:cNvSpPr/>
-          <p:nvPr/>
-        </p:nvSpPr>
-        <p:spPr>
-          <a:xfrm>
-            <a:off x="0" y="873306"/>
-            <a:ext cx="1785769" cy="5215521"/>
-          </a:xfrm>
-          <a:prstGeom prst="rect">
-            <a:avLst/>
-          </a:prstGeom>
-          <a:solidFill>
-            <a:schemeClr val="dk1">
-              <a:alpha val="50000"/>
-            </a:schemeClr>
-          </a:solidFill>
-          <a:ln>
-            <a:noFill/>
-          </a:ln>
-        </p:spPr>
-        <p:style>
-          <a:lnRef idx="0">
-            <a:scrgbClr r="0" g="0" b="0"/>
-          </a:lnRef>
-          <a:fillRef idx="0">
-            <a:scrgbClr r="0" g="0" b="0"/>
-          </a:fillRef>
-          <a:effectRef idx="0">
-            <a:scrgbClr r="0" g="0" b="0"/>
-          </a:effectRef>
-          <a:fontRef idx="minor">
-            <a:schemeClr val="lt1"/>
-          </a:fontRef>
-        </p:style>
-        <p:txBody>
-          <a:bodyPr rtlCol="0" anchor="ctr"/>
-          <a:lstStyle/>
-          <a:p>
-            <a:r>
-              <a:rPr lang="es-ES" sz="1350" u="sng" dirty="0">
-                <a:solidFill>
-                  <a:schemeClr val="bg1"/>
-                </a:solidFill>
-              </a:rPr>
-              <a:t>Motivo del Proyecto</a:t>
-            </a:r>
-          </a:p>
-          <a:p>
-            <a:pPr marL="108000" indent="-72000">
-              <a:buFontTx/>
-              <a:buChar char="-"/>
-            </a:pPr>
-            <a:r>
-              <a:rPr lang="es-ES" sz="1350" dirty="0"/>
-              <a:t>EPA</a:t>
-            </a:r>
-          </a:p>
-          <a:p>
-            <a:pPr marL="108000" indent="-72000">
-              <a:buFontTx/>
-              <a:buChar char="-"/>
-            </a:pPr>
-            <a:r>
-              <a:rPr lang="es-ES" sz="1350" dirty="0"/>
-              <a:t>Objetivos</a:t>
-            </a:r>
-          </a:p>
-          <a:p>
-            <a:pPr marL="108000" indent="-72000">
-              <a:buFontTx/>
-              <a:buChar char="-"/>
-            </a:pPr>
-            <a:endParaRPr lang="es-ES" sz="1350" dirty="0"/>
-          </a:p>
-          <a:p>
-            <a:r>
-              <a:rPr lang="es-ES" sz="1350" u="sng" dirty="0"/>
-              <a:t>Planificación</a:t>
-            </a:r>
-          </a:p>
-          <a:p>
-            <a:pPr marL="108000" indent="-72000">
-              <a:buFontTx/>
-              <a:buChar char="-"/>
-            </a:pPr>
-            <a:r>
-              <a:rPr lang="es-ES" sz="1350" dirty="0"/>
-              <a:t>Metodología</a:t>
-            </a:r>
-          </a:p>
-          <a:p>
-            <a:pPr marL="108000" indent="-72000">
-              <a:buFontTx/>
-              <a:buChar char="-"/>
-            </a:pPr>
-            <a:r>
-              <a:rPr lang="es-ES" sz="1350" dirty="0"/>
-              <a:t>Etapas</a:t>
-            </a:r>
-          </a:p>
-          <a:p>
-            <a:pPr marL="108000" indent="-72000">
-              <a:buFontTx/>
-              <a:buChar char="-"/>
-            </a:pPr>
-            <a:r>
-              <a:rPr lang="es-ES" sz="1350" dirty="0"/>
-              <a:t>Presupuesto</a:t>
-            </a:r>
-          </a:p>
-          <a:p>
-            <a:endParaRPr lang="es-ES" sz="1350" b="1" u="sng" dirty="0"/>
-          </a:p>
-          <a:p>
-            <a:r>
-              <a:rPr lang="es-ES" sz="1350" u="sng" dirty="0">
-                <a:solidFill>
-                  <a:schemeClr val="bg1"/>
-                </a:solidFill>
-              </a:rPr>
-              <a:t>Desarrollo</a:t>
-            </a:r>
-          </a:p>
-          <a:p>
-            <a:pPr marL="108000" indent="-72000">
-              <a:buFontTx/>
-              <a:buChar char="-"/>
-            </a:pPr>
-            <a:r>
-              <a:rPr lang="es-ES" sz="1350" dirty="0"/>
-              <a:t>Framework Shiny</a:t>
-            </a:r>
-          </a:p>
-          <a:p>
-            <a:pPr marL="108000" indent="-72000">
-              <a:buFontTx/>
-              <a:buChar char="-"/>
-            </a:pPr>
-            <a:r>
-              <a:rPr lang="es-ES" sz="1350" dirty="0"/>
-              <a:t>Interfaz</a:t>
-            </a:r>
-          </a:p>
-          <a:p>
-            <a:pPr marL="108000" indent="-72000">
-              <a:buFontTx/>
-              <a:buChar char="-"/>
-            </a:pPr>
-            <a:r>
-              <a:rPr lang="es-ES" sz="1350" dirty="0"/>
-              <a:t>Tecnologías</a:t>
-            </a:r>
-          </a:p>
-          <a:p>
-            <a:endParaRPr lang="es-ES" sz="1350" dirty="0"/>
-          </a:p>
-          <a:p>
-            <a:r>
-              <a:rPr lang="es-ES" sz="1350" b="1" u="sng" dirty="0">
-                <a:solidFill>
-                  <a:srgbClr val="FD9101"/>
-                </a:solidFill>
-              </a:rPr>
-              <a:t>Demostración</a:t>
-            </a:r>
-          </a:p>
-          <a:p>
-            <a:endParaRPr lang="es-ES" sz="1350" dirty="0"/>
-          </a:p>
-          <a:p>
-            <a:r>
-              <a:rPr lang="es-ES" sz="1350" u="sng" dirty="0"/>
-              <a:t>Conclusiones</a:t>
-            </a:r>
-          </a:p>
-        </p:txBody>
-      </p:sp>
-    </p:spTree>
-    <p:extLst>
-      <p:ext uri="{BB962C8B-B14F-4D97-AF65-F5344CB8AC3E}">
-        <p14:creationId xmlns:p14="http://schemas.microsoft.com/office/powerpoint/2010/main" val="3563986354"/>
-      </p:ext>
-    </p:extLst>
-  </p:cSld>
-  <p:clrMapOvr>
-    <a:masterClrMapping/>
-  </p:clrMapOvr>
-  <mc:AlternateContent xmlns:mc="http://schemas.openxmlformats.org/markup-compatibility/2006" xmlns:p14="http://schemas.microsoft.com/office/powerpoint/2010/main">
-    <mc:Choice Requires="p14">
-      <p:transition spd="med" p14:dur="700">
-        <p:fade/>
-      </p:transition>
-    </mc:Choice>
-    <mc:Fallback xmlns="">
-      <p:transition spd="med">
-        <p:fade/>
-      </p:transition>
-    </mc:Fallback>
-  </mc:AlternateContent>
-</p:sld>
-</file>
-
-<file path=ppt/slides/slide18.xml><?xml version="1.0" encoding="utf-8"?>
-<p:sld xmlns:a="http://schemas.openxmlformats.org/drawingml/2006/main" xmlns:r="http://schemas.openxmlformats.org/officeDocument/2006/relationships" xmlns:p="http://schemas.openxmlformats.org/presentationml/2006/main">
-  <p:cSld>
-    <p:spTree>
-      <p:nvGrpSpPr>
-        <p:cNvPr id="1" name=""/>
-        <p:cNvGrpSpPr/>
-        <p:nvPr/>
-      </p:nvGrpSpPr>
-      <p:grpSpPr>
-        <a:xfrm>
-          <a:off x="0" y="0"/>
-          <a:ext cx="0" cy="0"/>
-          <a:chOff x="0" y="0"/>
-          <a:chExt cx="0" cy="0"/>
-        </a:xfrm>
-      </p:grpSpPr>
-      <p:sp>
-        <p:nvSpPr>
-          <p:cNvPr id="8" name="Rectángulo 7"/>
-          <p:cNvSpPr/>
-          <p:nvPr/>
-        </p:nvSpPr>
-        <p:spPr>
-          <a:xfrm>
-            <a:off x="0" y="6088828"/>
-            <a:ext cx="9144000" cy="769172"/>
-          </a:xfrm>
-          <a:prstGeom prst="rect">
-            <a:avLst/>
-          </a:prstGeom>
-          <a:solidFill>
-            <a:schemeClr val="dk1">
-              <a:alpha val="33000"/>
-            </a:schemeClr>
-          </a:solidFill>
-          <a:ln>
-            <a:noFill/>
-          </a:ln>
-        </p:spPr>
-        <p:style>
-          <a:lnRef idx="0">
-            <a:scrgbClr r="0" g="0" b="0"/>
-          </a:lnRef>
-          <a:fillRef idx="0">
-            <a:scrgbClr r="0" g="0" b="0"/>
-          </a:fillRef>
-          <a:effectRef idx="0">
-            <a:scrgbClr r="0" g="0" b="0"/>
-          </a:effectRef>
-          <a:fontRef idx="minor">
-            <a:schemeClr val="lt1"/>
-          </a:fontRef>
-        </p:style>
-        <p:txBody>
-          <a:bodyPr rtlCol="0" anchor="ctr"/>
-          <a:lstStyle/>
-          <a:p>
-            <a:pPr algn="r"/>
-            <a:endParaRPr lang="es-ES" dirty="0"/>
-          </a:p>
-        </p:txBody>
-      </p:sp>
-      <p:sp>
-        <p:nvSpPr>
-          <p:cNvPr id="9" name="Rectángulo 8"/>
-          <p:cNvSpPr/>
-          <p:nvPr/>
-        </p:nvSpPr>
-        <p:spPr>
-          <a:xfrm>
-            <a:off x="0" y="0"/>
-            <a:ext cx="1785769" cy="6088828"/>
-          </a:xfrm>
-          <a:prstGeom prst="rect">
-            <a:avLst/>
-          </a:prstGeom>
-          <a:solidFill>
-            <a:schemeClr val="dk1">
-              <a:alpha val="33000"/>
-            </a:schemeClr>
-          </a:solidFill>
-          <a:ln>
-            <a:noFill/>
-          </a:ln>
-        </p:spPr>
-        <p:style>
-          <a:lnRef idx="0">
-            <a:scrgbClr r="0" g="0" b="0"/>
-          </a:lnRef>
-          <a:fillRef idx="0">
-            <a:scrgbClr r="0" g="0" b="0"/>
-          </a:fillRef>
-          <a:effectRef idx="0">
-            <a:scrgbClr r="0" g="0" b="0"/>
-          </a:effectRef>
-          <a:fontRef idx="minor">
-            <a:schemeClr val="lt1"/>
-          </a:fontRef>
-        </p:style>
-        <p:txBody>
-          <a:bodyPr rtlCol="0" anchor="ctr"/>
-          <a:lstStyle/>
-          <a:p>
-            <a:pPr algn="ctr"/>
-            <a:endParaRPr lang="es-ES" dirty="0"/>
-          </a:p>
-        </p:txBody>
-      </p:sp>
-      <p:sp>
-        <p:nvSpPr>
-          <p:cNvPr id="17" name="Título 1">
-            <a:extLst>
-              <a:ext uri="{FF2B5EF4-FFF2-40B4-BE49-F238E27FC236}">
-                <a16:creationId xmlns:a16="http://schemas.microsoft.com/office/drawing/2014/main" id="{E6BDCEEE-1383-41DE-8109-024FFC9938E2}"/>
-              </a:ext>
-            </a:extLst>
-          </p:cNvPr>
-          <p:cNvSpPr txBox="1">
-            <a:spLocks/>
-          </p:cNvSpPr>
-          <p:nvPr/>
-        </p:nvSpPr>
-        <p:spPr>
-          <a:xfrm>
-            <a:off x="2033195" y="198971"/>
-            <a:ext cx="6820349" cy="887552"/>
-          </a:xfrm>
-          <a:prstGeom prst="rect">
-            <a:avLst/>
-          </a:prstGeom>
-        </p:spPr>
-        <p:txBody>
-          <a:bodyPr vert="horz" lIns="91440" tIns="45720" rIns="91440" bIns="45720" rtlCol="0" anchor="ctr">
-            <a:normAutofit/>
-          </a:bodyPr>
-          <a:lstStyle>
-            <a:lvl1pPr algn="ctr" defTabSz="914400" rtl="0" eaLnBrk="1" latinLnBrk="0" hangingPunct="1">
-              <a:lnSpc>
-                <a:spcPct val="90000"/>
-              </a:lnSpc>
-              <a:spcBef>
-                <a:spcPct val="0"/>
-              </a:spcBef>
-              <a:buNone/>
-              <a:defRPr sz="3600" kern="1200" cap="all" baseline="0">
-                <a:solidFill>
-                  <a:schemeClr val="tx1"/>
-                </a:solidFill>
-                <a:effectLst/>
-                <a:latin typeface="+mj-lt"/>
-                <a:ea typeface="+mj-ea"/>
-                <a:cs typeface="+mj-cs"/>
-              </a:defRPr>
-            </a:lvl1pPr>
-          </a:lstStyle>
-          <a:p>
-            <a:r>
-              <a:rPr lang="es-ES" dirty="0"/>
-              <a:t>Objetivos Cumplidos</a:t>
-            </a:r>
-          </a:p>
-        </p:txBody>
-      </p:sp>
-      <p:sp>
-        <p:nvSpPr>
-          <p:cNvPr id="26" name="Rectángulo 25">
-            <a:extLst>
-              <a:ext uri="{FF2B5EF4-FFF2-40B4-BE49-F238E27FC236}">
-                <a16:creationId xmlns:a16="http://schemas.microsoft.com/office/drawing/2014/main" id="{B1F964E8-0B08-401C-B36A-F23414B10A0A}"/>
-              </a:ext>
-            </a:extLst>
-          </p:cNvPr>
-          <p:cNvSpPr/>
-          <p:nvPr/>
-        </p:nvSpPr>
-        <p:spPr>
-          <a:xfrm>
-            <a:off x="2300324" y="1671845"/>
-            <a:ext cx="6553220" cy="2600712"/>
-          </a:xfrm>
-          <a:prstGeom prst="rect">
-            <a:avLst/>
-          </a:prstGeom>
-        </p:spPr>
-        <p:txBody>
-          <a:bodyPr wrap="square">
-            <a:spAutoFit/>
-          </a:bodyPr>
-          <a:lstStyle/>
-          <a:p>
-            <a:pPr marL="285750" indent="-285750">
-              <a:spcBef>
-                <a:spcPts val="1800"/>
-              </a:spcBef>
-              <a:buFontTx/>
-              <a:buChar char="-"/>
-            </a:pPr>
-            <a:r>
-              <a:rPr lang="es-ES" dirty="0"/>
-              <a:t>Soporte al análisis de datos sobre los datos extraídos de la EPA</a:t>
-            </a:r>
-          </a:p>
-          <a:p>
-            <a:pPr marL="285750" indent="-285750">
-              <a:spcBef>
-                <a:spcPts val="1800"/>
-              </a:spcBef>
-              <a:buFontTx/>
-              <a:buChar char="-"/>
-            </a:pPr>
-            <a:r>
-              <a:rPr lang="es-ES" dirty="0"/>
-              <a:t>Incluir ciertas capacidades de minería de datos</a:t>
-            </a:r>
-          </a:p>
-          <a:p>
-            <a:pPr marL="285750" indent="-285750">
-              <a:spcBef>
-                <a:spcPts val="1800"/>
-              </a:spcBef>
-              <a:buFontTx/>
-              <a:buChar char="-"/>
-            </a:pPr>
-            <a:r>
-              <a:rPr lang="es-ES" dirty="0"/>
-              <a:t>Interfaz realmente simple de usar y manipular</a:t>
-            </a:r>
-          </a:p>
-          <a:p>
-            <a:pPr marL="285750" indent="-285750">
-              <a:spcBef>
-                <a:spcPts val="1800"/>
-              </a:spcBef>
-              <a:buFontTx/>
-              <a:buChar char="-"/>
-            </a:pPr>
-            <a:r>
-              <a:rPr lang="es-ES" dirty="0"/>
-              <a:t>Adicionalmente</a:t>
-            </a:r>
-          </a:p>
-          <a:p>
-            <a:pPr marL="742950" lvl="1" indent="-285750">
-              <a:spcBef>
-                <a:spcPts val="600"/>
-              </a:spcBef>
-              <a:buFont typeface="Arial" panose="020B0604020202020204" pitchFamily="34" charset="0"/>
-              <a:buChar char="•"/>
-            </a:pPr>
-            <a:r>
-              <a:rPr lang="es-ES" dirty="0"/>
-              <a:t>Generación de informes</a:t>
-            </a:r>
-          </a:p>
-          <a:p>
-            <a:pPr marL="742950" lvl="1" indent="-285750">
-              <a:spcBef>
-                <a:spcPts val="600"/>
-              </a:spcBef>
-              <a:buFont typeface="Arial" panose="020B0604020202020204" pitchFamily="34" charset="0"/>
-              <a:buChar char="•"/>
-            </a:pPr>
-            <a:r>
-              <a:rPr lang="es-ES" dirty="0"/>
-              <a:t>Actualización automática de los datos</a:t>
-            </a:r>
-          </a:p>
-        </p:txBody>
-      </p:sp>
-      <p:graphicFrame>
-        <p:nvGraphicFramePr>
-          <p:cNvPr id="13" name="Tabla 12">
-            <a:extLst>
-              <a:ext uri="{FF2B5EF4-FFF2-40B4-BE49-F238E27FC236}">
-                <a16:creationId xmlns:a16="http://schemas.microsoft.com/office/drawing/2014/main" id="{1B8807FD-6FCA-40FE-A59F-8560C7394ECD}"/>
-              </a:ext>
-            </a:extLst>
-          </p:cNvPr>
-          <p:cNvGraphicFramePr>
-            <a:graphicFrameLocks noGrp="1"/>
-          </p:cNvGraphicFramePr>
-          <p:nvPr>
-            <p:extLst/>
-          </p:nvPr>
-        </p:nvGraphicFramePr>
-        <p:xfrm>
-          <a:off x="4711700" y="6153374"/>
-          <a:ext cx="4432300" cy="640080"/>
-        </p:xfrm>
-        <a:graphic>
-          <a:graphicData uri="http://schemas.openxmlformats.org/drawingml/2006/table">
-            <a:tbl>
-              <a:tblPr firstRow="1" bandRow="1">
-                <a:tableStyleId>{2D5ABB26-0587-4C30-8999-92F81FD0307C}</a:tableStyleId>
-              </a:tblPr>
-              <a:tblGrid>
-                <a:gridCol w="3729229">
-                  <a:extLst>
-                    <a:ext uri="{9D8B030D-6E8A-4147-A177-3AD203B41FA5}">
-                      <a16:colId xmlns:a16="http://schemas.microsoft.com/office/drawing/2014/main" val="1347896834"/>
-                    </a:ext>
-                  </a:extLst>
-                </a:gridCol>
-                <a:gridCol w="703071">
-                  <a:extLst>
-                    <a:ext uri="{9D8B030D-6E8A-4147-A177-3AD203B41FA5}">
-                      <a16:colId xmlns:a16="http://schemas.microsoft.com/office/drawing/2014/main" val="972821047"/>
-                    </a:ext>
-                  </a:extLst>
-                </a:gridCol>
-              </a:tblGrid>
-              <a:tr h="633819">
-                <a:tc>
-                  <a:txBody>
-                    <a:bodyPr/>
-                    <a:lstStyle/>
-                    <a:p>
-                      <a:pPr algn="r"/>
-                      <a:r>
-                        <a:rPr lang="es-ES" dirty="0">
-                          <a:solidFill>
-                            <a:schemeClr val="bg1"/>
-                          </a:solidFill>
-                        </a:rPr>
-                        <a:t>Software de preparación, procesado y análisis de datos de la EPA</a:t>
-                      </a:r>
-                      <a:endParaRPr lang="es-ES" b="0" dirty="0">
-                        <a:solidFill>
-                          <a:schemeClr val="bg1"/>
-                        </a:solidFill>
-                      </a:endParaRPr>
-                    </a:p>
-                  </a:txBody>
-                  <a:tcPr anchor="ctr">
-                    <a:lnR w="12700" cap="flat" cmpd="sng" algn="ctr">
-                      <a:solidFill>
-                        <a:schemeClr val="tx1"/>
-                      </a:solidFill>
-                      <a:prstDash val="solid"/>
-                      <a:round/>
-                      <a:headEnd type="none" w="med" len="med"/>
-                      <a:tailEnd type="none" w="med" len="med"/>
-                    </a:lnR>
-                  </a:tcPr>
-                </a:tc>
-                <a:tc>
-                  <a:txBody>
-                    <a:bodyPr/>
-                    <a:lstStyle/>
-                    <a:p>
-                      <a:pPr algn="ctr"/>
-                      <a:fld id="{0E1C8A44-DCA4-45BE-94D1-2AB25001A8D2}" type="slidenum">
-                        <a:rPr lang="es-ES" smtClean="0">
-                          <a:solidFill>
-                            <a:schemeClr val="bg2">
-                              <a:lumMod val="60000"/>
-                              <a:lumOff val="40000"/>
-                            </a:schemeClr>
-                          </a:solidFill>
-                        </a:rPr>
                         <a:t>18</a:t>
                       </a:fld>
                       <a:endParaRPr lang="es-ES" dirty="0">
@@ -15329,59 +16426,12 @@
           </a:graphicData>
         </a:graphic>
       </p:graphicFrame>
-      <p:pic>
-        <p:nvPicPr>
-          <p:cNvPr id="14" name="Picture 6" descr="Resultado de imagen de universidad de cádiz">
+      <p:sp>
+        <p:nvSpPr>
+          <p:cNvPr id="11" name="Rectángulo 10">
             <a:extLst>
               <a:ext uri="{FF2B5EF4-FFF2-40B4-BE49-F238E27FC236}">
-                <a16:creationId xmlns:a16="http://schemas.microsoft.com/office/drawing/2014/main" id="{5F03993A-1B43-46F7-B2D0-5E9A64257D57}"/>
-              </a:ext>
-            </a:extLst>
-          </p:cNvPr>
-          <p:cNvPicPr>
-            <a:picLocks noChangeAspect="1" noChangeArrowheads="1"/>
-          </p:cNvPicPr>
-          <p:nvPr/>
-        </p:nvPicPr>
-        <p:blipFill>
-          <a:blip r:embed="rId3">
-            <a:extLst>
-              <a:ext uri="{28A0092B-C50C-407E-A947-70E740481C1C}">
-                <a14:useLocalDpi xmlns:a14="http://schemas.microsoft.com/office/drawing/2010/main" val="0"/>
-              </a:ext>
-            </a:extLst>
-          </a:blip>
-          <a:srcRect/>
-          <a:stretch>
-            <a:fillRect/>
-          </a:stretch>
-        </p:blipFill>
-        <p:spPr bwMode="auto">
-          <a:xfrm>
-            <a:off x="1143000" y="75302"/>
-            <a:ext cx="560419" cy="720539"/>
-          </a:xfrm>
-          <a:prstGeom prst="rect">
-            <a:avLst/>
-          </a:prstGeom>
-          <a:noFill/>
-          <a:extLst>
-            <a:ext uri="{909E8E84-426E-40DD-AFC4-6F175D3DCCD1}">
-              <a14:hiddenFill xmlns:a14="http://schemas.microsoft.com/office/drawing/2010/main">
-                <a:solidFill>
-                  <a:srgbClr val="FFFFFF"/>
-                </a:solidFill>
-              </a14:hiddenFill>
-            </a:ext>
-          </a:extLst>
-        </p:spPr>
-      </p:pic>
-      <p:sp>
-        <p:nvSpPr>
-          <p:cNvPr id="10" name="Rectángulo 9">
-            <a:extLst>
-              <a:ext uri="{FF2B5EF4-FFF2-40B4-BE49-F238E27FC236}">
-                <a16:creationId xmlns:a16="http://schemas.microsoft.com/office/drawing/2014/main" id="{71C1A5DD-4254-4BE6-8C76-FB23516BEF4A}"/>
+                <a16:creationId xmlns:a16="http://schemas.microsoft.com/office/drawing/2014/main" id="{2BFB1097-2BFE-4AB3-97A8-EA29B202634C}"/>
               </a:ext>
             </a:extLst>
           </p:cNvPr>
@@ -15543,20 +16593,20 @@
           </a:p>
           <a:p>
             <a:r>
-              <a:rPr lang="es-ES" sz="1350" u="sng" dirty="0"/>
-              <a:t>Demostración</a:t>
-            </a:r>
-          </a:p>
-          <a:p>
-            <a:endParaRPr lang="es-ES" sz="1350" dirty="0"/>
-          </a:p>
-          <a:p>
-            <a:r>
               <a:rPr lang="es-ES" sz="1350" b="1" u="sng" dirty="0">
                 <a:solidFill>
                   <a:srgbClr val="FD9101"/>
                 </a:solidFill>
               </a:rPr>
+              <a:t>Demostración</a:t>
+            </a:r>
+          </a:p>
+          <a:p>
+            <a:endParaRPr lang="es-ES" sz="1350" dirty="0"/>
+          </a:p>
+          <a:p>
+            <a:r>
+              <a:rPr lang="es-ES" sz="1350" u="sng" dirty="0"/>
               <a:t>Conclusiones</a:t>
             </a:r>
           </a:p>
@@ -15565,7 +16615,7 @@
     </p:spTree>
     <p:extLst>
       <p:ext uri="{BB962C8B-B14F-4D97-AF65-F5344CB8AC3E}">
-        <p14:creationId xmlns:p14="http://schemas.microsoft.com/office/powerpoint/2010/main" val="3736027932"/>
+        <p14:creationId xmlns:p14="http://schemas.microsoft.com/office/powerpoint/2010/main" val="3563986354"/>
       </p:ext>
     </p:extLst>
   </p:cSld>
@@ -15746,17 +16796,17 @@
           <a:p>
             <a:r>
               <a:rPr lang="es-ES" dirty="0"/>
-              <a:t>Ampliaciones Futuras</a:t>
-            </a:r>
-          </a:p>
-        </p:txBody>
-      </p:sp>
-      <p:sp>
-        <p:nvSpPr>
-          <p:cNvPr id="107" name="Rectángulo 106">
+              <a:t>Objetivos Cumplidos</a:t>
+            </a:r>
+          </a:p>
+        </p:txBody>
+      </p:sp>
+      <p:sp>
+        <p:nvSpPr>
+          <p:cNvPr id="26" name="Rectángulo 25">
             <a:extLst>
               <a:ext uri="{FF2B5EF4-FFF2-40B4-BE49-F238E27FC236}">
-                <a16:creationId xmlns:a16="http://schemas.microsoft.com/office/drawing/2014/main" id="{15FAE631-960C-4000-926E-688120063C9D}"/>
+                <a16:creationId xmlns:a16="http://schemas.microsoft.com/office/drawing/2014/main" id="{B1F964E8-0B08-401C-B36A-F23414B10A0A}"/>
               </a:ext>
             </a:extLst>
           </p:cNvPr>
@@ -15765,8 +16815,8 @@
         </p:nvSpPr>
         <p:spPr>
           <a:xfrm>
-            <a:off x="2071360" y="1857517"/>
-            <a:ext cx="6782184" cy="2400657"/>
+            <a:off x="2300324" y="1671845"/>
+            <a:ext cx="6553220" cy="2600712"/>
           </a:xfrm>
           <a:prstGeom prst="rect">
             <a:avLst/>
@@ -15787,7 +16837,7 @@
             </a:pPr>
             <a:r>
               <a:rPr lang="es-ES" dirty="0"/>
-              <a:t>Generalizar a otras fuentes de datos</a:t>
+              <a:t>Soporte al análisis de datos sobre los datos extraídos de la EPA</a:t>
             </a:r>
           </a:p>
           <a:p>
@@ -15800,7 +16850,7 @@
             </a:pPr>
             <a:r>
               <a:rPr lang="es-ES" dirty="0"/>
-              <a:t>Inclusión de otros algoritmos de aprendizaje máquina</a:t>
+              <a:t>Incluir ciertas capacidades de minería de datos</a:t>
             </a:r>
           </a:p>
           <a:p>
@@ -15813,7 +16863,7 @@
             </a:pPr>
             <a:r>
               <a:rPr lang="es-ES" dirty="0"/>
-              <a:t>Inclusión de más tipos de informes</a:t>
+              <a:t>Interfaz realmente simple de usar y manipular</a:t>
             </a:r>
           </a:p>
           <a:p>
@@ -15826,31 +16876,43 @@
             </a:pPr>
             <a:r>
               <a:rPr lang="es-ES" dirty="0"/>
-              <a:t>Sistema de gestión de usuarios</a:t>
-            </a:r>
-          </a:p>
-          <a:p>
-            <a:pPr marL="285750" indent="-285750">
+              <a:t>Adicionalmente</a:t>
+            </a:r>
+          </a:p>
+          <a:p>
+            <a:pPr marL="742950" lvl="1" indent="-285750">
               <a:spcBef>
-                <a:spcPts val="1800"/>
+                <a:spcPts val="600"/>
               </a:spcBef>
-              <a:buFontTx/>
-              <a:buChar char="-"/>
+              <a:buFont typeface="Arial" panose="020B0604020202020204" pitchFamily="34" charset="0"/>
+              <a:buChar char="•"/>
             </a:pPr>
             <a:r>
               <a:rPr lang="es-ES" dirty="0"/>
-              <a:t>Gestión de proceso en paralelo</a:t>
-            </a:r>
-            <a:endParaRPr lang="es-ES" u="sng" dirty="0"/>
+              <a:t>Generación de informes</a:t>
+            </a:r>
+          </a:p>
+          <a:p>
+            <a:pPr marL="742950" lvl="1" indent="-285750">
+              <a:spcBef>
+                <a:spcPts val="600"/>
+              </a:spcBef>
+              <a:buFont typeface="Arial" panose="020B0604020202020204" pitchFamily="34" charset="0"/>
+              <a:buChar char="•"/>
+            </a:pPr>
+            <a:r>
+              <a:rPr lang="es-ES" dirty="0"/>
+              <a:t>Actualización automática de los datos</a:t>
+            </a:r>
           </a:p>
         </p:txBody>
       </p:sp>
       <p:graphicFrame>
         <p:nvGraphicFramePr>
-          <p:cNvPr id="48" name="Tabla 47">
+          <p:cNvPr id="13" name="Tabla 12">
             <a:extLst>
               <a:ext uri="{FF2B5EF4-FFF2-40B4-BE49-F238E27FC236}">
-                <a16:creationId xmlns:a16="http://schemas.microsoft.com/office/drawing/2014/main" id="{380DF088-902D-4B60-995B-B2880ECD6138}"/>
+                <a16:creationId xmlns:a16="http://schemas.microsoft.com/office/drawing/2014/main" id="{1B8807FD-6FCA-40FE-A59F-8560C7394ECD}"/>
               </a:ext>
             </a:extLst>
           </p:cNvPr>
@@ -15972,10 +17034,10 @@
       </p:graphicFrame>
       <p:pic>
         <p:nvPicPr>
-          <p:cNvPr id="49" name="Picture 6" descr="Resultado de imagen de universidad de cádiz">
+          <p:cNvPr id="14" name="Picture 6" descr="Resultado de imagen de universidad de cádiz">
             <a:extLst>
               <a:ext uri="{FF2B5EF4-FFF2-40B4-BE49-F238E27FC236}">
-                <a16:creationId xmlns:a16="http://schemas.microsoft.com/office/drawing/2014/main" id="{743B702B-8C43-4E51-9719-AB2C6B948D6A}"/>
+                <a16:creationId xmlns:a16="http://schemas.microsoft.com/office/drawing/2014/main" id="{5F03993A-1B43-46F7-B2D0-5E9A64257D57}"/>
               </a:ext>
             </a:extLst>
           </p:cNvPr>
@@ -16019,10 +17081,10 @@
       </p:pic>
       <p:sp>
         <p:nvSpPr>
-          <p:cNvPr id="11" name="Rectángulo 10">
+          <p:cNvPr id="10" name="Rectángulo 9">
             <a:extLst>
               <a:ext uri="{FF2B5EF4-FFF2-40B4-BE49-F238E27FC236}">
-                <a16:creationId xmlns:a16="http://schemas.microsoft.com/office/drawing/2014/main" id="{C18B6496-E79C-46AD-82E4-FB33D58EEAB1}"/>
+                <a16:creationId xmlns:a16="http://schemas.microsoft.com/office/drawing/2014/main" id="{71C1A5DD-4254-4BE6-8C76-FB23516BEF4A}"/>
               </a:ext>
             </a:extLst>
           </p:cNvPr>
@@ -16206,7 +17268,7 @@
     </p:spTree>
     <p:extLst>
       <p:ext uri="{BB962C8B-B14F-4D97-AF65-F5344CB8AC3E}">
-        <p14:creationId xmlns:p14="http://schemas.microsoft.com/office/powerpoint/2010/main" val="1120392230"/>
+        <p14:creationId xmlns:p14="http://schemas.microsoft.com/office/powerpoint/2010/main" val="3736027932"/>
       </p:ext>
     </p:extLst>
   </p:cSld>
@@ -17008,7 +18070,7 @@
           <a:p>
             <a:r>
               <a:rPr lang="es-ES" dirty="0"/>
-              <a:t>Valoración Personal</a:t>
+              <a:t>Ampliaciones Futuras</a:t>
             </a:r>
           </a:p>
         </p:txBody>
@@ -17028,7 +18090,7 @@
         <p:spPr>
           <a:xfrm>
             <a:off x="2071360" y="1857517"/>
-            <a:ext cx="6782184" cy="1892826"/>
+            <a:ext cx="6782184" cy="2400657"/>
           </a:xfrm>
           <a:prstGeom prst="rect">
             <a:avLst/>
@@ -17049,7 +18111,7 @@
             </a:pPr>
             <a:r>
               <a:rPr lang="es-ES" dirty="0"/>
-              <a:t>Descubrimiento y exploración de R y Shiny</a:t>
+              <a:t>Generalizar a otras fuentes de datos</a:t>
             </a:r>
           </a:p>
           <a:p>
@@ -17062,7 +18124,7 @@
             </a:pPr>
             <a:r>
               <a:rPr lang="es-ES" dirty="0"/>
-              <a:t>Valor de la información</a:t>
+              <a:t>Inclusión de otros algoritmos de aprendizaje máquina</a:t>
             </a:r>
           </a:p>
           <a:p>
@@ -17075,7 +18137,7 @@
             </a:pPr>
             <a:r>
               <a:rPr lang="es-ES" dirty="0"/>
-              <a:t>Aplicabilidad en el ámbito profesional</a:t>
+              <a:t>Inclusión de más tipos de informes</a:t>
             </a:r>
           </a:p>
           <a:p>
@@ -17088,17 +18150,31 @@
             </a:pPr>
             <a:r>
               <a:rPr lang="es-ES" dirty="0"/>
-              <a:t>Satisfacción personal</a:t>
-            </a:r>
+              <a:t>Sistema de gestión de usuarios</a:t>
+            </a:r>
+          </a:p>
+          <a:p>
+            <a:pPr marL="285750" indent="-285750">
+              <a:spcBef>
+                <a:spcPts val="1800"/>
+              </a:spcBef>
+              <a:buFontTx/>
+              <a:buChar char="-"/>
+            </a:pPr>
+            <a:r>
+              <a:rPr lang="es-ES" dirty="0"/>
+              <a:t>Gestión de proceso en paralelo</a:t>
+            </a:r>
+            <a:endParaRPr lang="es-ES" u="sng" dirty="0"/>
           </a:p>
         </p:txBody>
       </p:sp>
       <p:graphicFrame>
         <p:nvGraphicFramePr>
-          <p:cNvPr id="10" name="Tabla 9">
+          <p:cNvPr id="48" name="Tabla 47">
             <a:extLst>
               <a:ext uri="{FF2B5EF4-FFF2-40B4-BE49-F238E27FC236}">
-                <a16:creationId xmlns:a16="http://schemas.microsoft.com/office/drawing/2014/main" id="{267B3C9C-1E3A-4BF3-92E6-03581FDF312C}"/>
+                <a16:creationId xmlns:a16="http://schemas.microsoft.com/office/drawing/2014/main" id="{380DF088-902D-4B60-995B-B2880ECD6138}"/>
               </a:ext>
             </a:extLst>
           </p:cNvPr>
@@ -17220,6 +18296,633 @@
       </p:graphicFrame>
       <p:pic>
         <p:nvPicPr>
+          <p:cNvPr id="49" name="Picture 6" descr="Resultado de imagen de universidad de cádiz">
+            <a:extLst>
+              <a:ext uri="{FF2B5EF4-FFF2-40B4-BE49-F238E27FC236}">
+                <a16:creationId xmlns:a16="http://schemas.microsoft.com/office/drawing/2014/main" id="{743B702B-8C43-4E51-9719-AB2C6B948D6A}"/>
+              </a:ext>
+            </a:extLst>
+          </p:cNvPr>
+          <p:cNvPicPr>
+            <a:picLocks noChangeAspect="1" noChangeArrowheads="1"/>
+          </p:cNvPicPr>
+          <p:nvPr/>
+        </p:nvPicPr>
+        <p:blipFill>
+          <a:blip r:embed="rId3">
+            <a:extLst>
+              <a:ext uri="{28A0092B-C50C-407E-A947-70E740481C1C}">
+                <a14:useLocalDpi xmlns:a14="http://schemas.microsoft.com/office/drawing/2010/main" val="0"/>
+              </a:ext>
+            </a:extLst>
+          </a:blip>
+          <a:srcRect/>
+          <a:stretch>
+            <a:fillRect/>
+          </a:stretch>
+        </p:blipFill>
+        <p:spPr bwMode="auto">
+          <a:xfrm>
+            <a:off x="1143000" y="75302"/>
+            <a:ext cx="560419" cy="720539"/>
+          </a:xfrm>
+          <a:prstGeom prst="rect">
+            <a:avLst/>
+          </a:prstGeom>
+          <a:noFill/>
+          <a:extLst>
+            <a:ext uri="{909E8E84-426E-40DD-AFC4-6F175D3DCCD1}">
+              <a14:hiddenFill xmlns:a14="http://schemas.microsoft.com/office/drawing/2010/main">
+                <a:solidFill>
+                  <a:srgbClr val="FFFFFF"/>
+                </a:solidFill>
+              </a14:hiddenFill>
+            </a:ext>
+          </a:extLst>
+        </p:spPr>
+      </p:pic>
+      <p:sp>
+        <p:nvSpPr>
+          <p:cNvPr id="11" name="Rectángulo 10">
+            <a:extLst>
+              <a:ext uri="{FF2B5EF4-FFF2-40B4-BE49-F238E27FC236}">
+                <a16:creationId xmlns:a16="http://schemas.microsoft.com/office/drawing/2014/main" id="{C18B6496-E79C-46AD-82E4-FB33D58EEAB1}"/>
+              </a:ext>
+            </a:extLst>
+          </p:cNvPr>
+          <p:cNvSpPr/>
+          <p:nvPr/>
+        </p:nvSpPr>
+        <p:spPr>
+          <a:xfrm>
+            <a:off x="0" y="873306"/>
+            <a:ext cx="1785769" cy="5215521"/>
+          </a:xfrm>
+          <a:prstGeom prst="rect">
+            <a:avLst/>
+          </a:prstGeom>
+          <a:solidFill>
+            <a:schemeClr val="dk1">
+              <a:alpha val="50000"/>
+            </a:schemeClr>
+          </a:solidFill>
+          <a:ln>
+            <a:noFill/>
+          </a:ln>
+        </p:spPr>
+        <p:style>
+          <a:lnRef idx="0">
+            <a:scrgbClr r="0" g="0" b="0"/>
+          </a:lnRef>
+          <a:fillRef idx="0">
+            <a:scrgbClr r="0" g="0" b="0"/>
+          </a:fillRef>
+          <a:effectRef idx="0">
+            <a:scrgbClr r="0" g="0" b="0"/>
+          </a:effectRef>
+          <a:fontRef idx="minor">
+            <a:schemeClr val="lt1"/>
+          </a:fontRef>
+        </p:style>
+        <p:txBody>
+          <a:bodyPr rtlCol="0" anchor="ctr"/>
+          <a:lstStyle/>
+          <a:p>
+            <a:r>
+              <a:rPr lang="es-ES" sz="1350" u="sng" dirty="0">
+                <a:solidFill>
+                  <a:schemeClr val="bg1"/>
+                </a:solidFill>
+              </a:rPr>
+              <a:t>Motivo del Proyecto</a:t>
+            </a:r>
+          </a:p>
+          <a:p>
+            <a:pPr marL="108000" indent="-72000">
+              <a:buFontTx/>
+              <a:buChar char="-"/>
+            </a:pPr>
+            <a:r>
+              <a:rPr lang="es-ES" sz="1350" dirty="0"/>
+              <a:t>EPA</a:t>
+            </a:r>
+          </a:p>
+          <a:p>
+            <a:pPr marL="108000" indent="-72000">
+              <a:buFontTx/>
+              <a:buChar char="-"/>
+            </a:pPr>
+            <a:r>
+              <a:rPr lang="es-ES" sz="1350" dirty="0"/>
+              <a:t>Objetivos</a:t>
+            </a:r>
+          </a:p>
+          <a:p>
+            <a:pPr marL="108000" indent="-72000">
+              <a:buFontTx/>
+              <a:buChar char="-"/>
+            </a:pPr>
+            <a:endParaRPr lang="es-ES" sz="1350" dirty="0"/>
+          </a:p>
+          <a:p>
+            <a:r>
+              <a:rPr lang="es-ES" sz="1350" u="sng" dirty="0"/>
+              <a:t>Planificación</a:t>
+            </a:r>
+          </a:p>
+          <a:p>
+            <a:pPr marL="108000" indent="-72000">
+              <a:buFontTx/>
+              <a:buChar char="-"/>
+            </a:pPr>
+            <a:r>
+              <a:rPr lang="es-ES" sz="1350" dirty="0"/>
+              <a:t>Metodología</a:t>
+            </a:r>
+          </a:p>
+          <a:p>
+            <a:pPr marL="108000" indent="-72000">
+              <a:buFontTx/>
+              <a:buChar char="-"/>
+            </a:pPr>
+            <a:r>
+              <a:rPr lang="es-ES" sz="1350" dirty="0"/>
+              <a:t>Etapas</a:t>
+            </a:r>
+          </a:p>
+          <a:p>
+            <a:pPr marL="108000" indent="-72000">
+              <a:buFontTx/>
+              <a:buChar char="-"/>
+            </a:pPr>
+            <a:r>
+              <a:rPr lang="es-ES" sz="1350" dirty="0"/>
+              <a:t>Presupuesto</a:t>
+            </a:r>
+          </a:p>
+          <a:p>
+            <a:endParaRPr lang="es-ES" sz="1350" b="1" u="sng" dirty="0"/>
+          </a:p>
+          <a:p>
+            <a:r>
+              <a:rPr lang="es-ES" sz="1350" u="sng" dirty="0">
+                <a:solidFill>
+                  <a:schemeClr val="bg1"/>
+                </a:solidFill>
+              </a:rPr>
+              <a:t>Desarrollo</a:t>
+            </a:r>
+          </a:p>
+          <a:p>
+            <a:pPr marL="108000" indent="-72000">
+              <a:buFontTx/>
+              <a:buChar char="-"/>
+            </a:pPr>
+            <a:r>
+              <a:rPr lang="es-ES" sz="1350" dirty="0"/>
+              <a:t>Framework Shiny</a:t>
+            </a:r>
+          </a:p>
+          <a:p>
+            <a:pPr marL="108000" indent="-72000">
+              <a:buFontTx/>
+              <a:buChar char="-"/>
+            </a:pPr>
+            <a:r>
+              <a:rPr lang="es-ES" sz="1350" dirty="0"/>
+              <a:t>Interfaz</a:t>
+            </a:r>
+          </a:p>
+          <a:p>
+            <a:pPr marL="108000" indent="-72000">
+              <a:buFontTx/>
+              <a:buChar char="-"/>
+            </a:pPr>
+            <a:r>
+              <a:rPr lang="es-ES" sz="1350" dirty="0"/>
+              <a:t>Tecnologías</a:t>
+            </a:r>
+          </a:p>
+          <a:p>
+            <a:endParaRPr lang="es-ES" sz="1350" dirty="0"/>
+          </a:p>
+          <a:p>
+            <a:r>
+              <a:rPr lang="es-ES" sz="1350" u="sng" dirty="0"/>
+              <a:t>Demostración</a:t>
+            </a:r>
+          </a:p>
+          <a:p>
+            <a:endParaRPr lang="es-ES" sz="1350" dirty="0"/>
+          </a:p>
+          <a:p>
+            <a:r>
+              <a:rPr lang="es-ES" sz="1350" b="1" u="sng" dirty="0">
+                <a:solidFill>
+                  <a:srgbClr val="FD9101"/>
+                </a:solidFill>
+              </a:rPr>
+              <a:t>Conclusiones</a:t>
+            </a:r>
+          </a:p>
+        </p:txBody>
+      </p:sp>
+    </p:spTree>
+    <p:extLst>
+      <p:ext uri="{BB962C8B-B14F-4D97-AF65-F5344CB8AC3E}">
+        <p14:creationId xmlns:p14="http://schemas.microsoft.com/office/powerpoint/2010/main" val="1120392230"/>
+      </p:ext>
+    </p:extLst>
+  </p:cSld>
+  <p:clrMapOvr>
+    <a:masterClrMapping/>
+  </p:clrMapOvr>
+  <mc:AlternateContent xmlns:mc="http://schemas.openxmlformats.org/markup-compatibility/2006" xmlns:p14="http://schemas.microsoft.com/office/powerpoint/2010/main">
+    <mc:Choice Requires="p14">
+      <p:transition spd="med" p14:dur="700">
+        <p:fade/>
+      </p:transition>
+    </mc:Choice>
+    <mc:Fallback xmlns="">
+      <p:transition spd="med">
+        <p:fade/>
+      </p:transition>
+    </mc:Fallback>
+  </mc:AlternateContent>
+</p:sld>
+</file>
+
+<file path=ppt/slides/slide21.xml><?xml version="1.0" encoding="utf-8"?>
+<p:sld xmlns:a="http://schemas.openxmlformats.org/drawingml/2006/main" xmlns:r="http://schemas.openxmlformats.org/officeDocument/2006/relationships" xmlns:p="http://schemas.openxmlformats.org/presentationml/2006/main">
+  <p:cSld>
+    <p:spTree>
+      <p:nvGrpSpPr>
+        <p:cNvPr id="1" name=""/>
+        <p:cNvGrpSpPr/>
+        <p:nvPr/>
+      </p:nvGrpSpPr>
+      <p:grpSpPr>
+        <a:xfrm>
+          <a:off x="0" y="0"/>
+          <a:ext cx="0" cy="0"/>
+          <a:chOff x="0" y="0"/>
+          <a:chExt cx="0" cy="0"/>
+        </a:xfrm>
+      </p:grpSpPr>
+      <p:sp>
+        <p:nvSpPr>
+          <p:cNvPr id="8" name="Rectángulo 7"/>
+          <p:cNvSpPr/>
+          <p:nvPr/>
+        </p:nvSpPr>
+        <p:spPr>
+          <a:xfrm>
+            <a:off x="0" y="6088828"/>
+            <a:ext cx="9144000" cy="769172"/>
+          </a:xfrm>
+          <a:prstGeom prst="rect">
+            <a:avLst/>
+          </a:prstGeom>
+          <a:solidFill>
+            <a:schemeClr val="dk1">
+              <a:alpha val="33000"/>
+            </a:schemeClr>
+          </a:solidFill>
+          <a:ln>
+            <a:noFill/>
+          </a:ln>
+        </p:spPr>
+        <p:style>
+          <a:lnRef idx="0">
+            <a:scrgbClr r="0" g="0" b="0"/>
+          </a:lnRef>
+          <a:fillRef idx="0">
+            <a:scrgbClr r="0" g="0" b="0"/>
+          </a:fillRef>
+          <a:effectRef idx="0">
+            <a:scrgbClr r="0" g="0" b="0"/>
+          </a:effectRef>
+          <a:fontRef idx="minor">
+            <a:schemeClr val="lt1"/>
+          </a:fontRef>
+        </p:style>
+        <p:txBody>
+          <a:bodyPr rtlCol="0" anchor="ctr"/>
+          <a:lstStyle/>
+          <a:p>
+            <a:pPr algn="r"/>
+            <a:endParaRPr lang="es-ES" dirty="0"/>
+          </a:p>
+        </p:txBody>
+      </p:sp>
+      <p:sp>
+        <p:nvSpPr>
+          <p:cNvPr id="9" name="Rectángulo 8"/>
+          <p:cNvSpPr/>
+          <p:nvPr/>
+        </p:nvSpPr>
+        <p:spPr>
+          <a:xfrm>
+            <a:off x="0" y="0"/>
+            <a:ext cx="1785769" cy="6088828"/>
+          </a:xfrm>
+          <a:prstGeom prst="rect">
+            <a:avLst/>
+          </a:prstGeom>
+          <a:solidFill>
+            <a:schemeClr val="dk1">
+              <a:alpha val="33000"/>
+            </a:schemeClr>
+          </a:solidFill>
+          <a:ln>
+            <a:noFill/>
+          </a:ln>
+        </p:spPr>
+        <p:style>
+          <a:lnRef idx="0">
+            <a:scrgbClr r="0" g="0" b="0"/>
+          </a:lnRef>
+          <a:fillRef idx="0">
+            <a:scrgbClr r="0" g="0" b="0"/>
+          </a:fillRef>
+          <a:effectRef idx="0">
+            <a:scrgbClr r="0" g="0" b="0"/>
+          </a:effectRef>
+          <a:fontRef idx="minor">
+            <a:schemeClr val="lt1"/>
+          </a:fontRef>
+        </p:style>
+        <p:txBody>
+          <a:bodyPr rtlCol="0" anchor="ctr"/>
+          <a:lstStyle/>
+          <a:p>
+            <a:pPr algn="ctr"/>
+            <a:endParaRPr lang="es-ES" dirty="0"/>
+          </a:p>
+        </p:txBody>
+      </p:sp>
+      <p:sp>
+        <p:nvSpPr>
+          <p:cNvPr id="17" name="Título 1">
+            <a:extLst>
+              <a:ext uri="{FF2B5EF4-FFF2-40B4-BE49-F238E27FC236}">
+                <a16:creationId xmlns:a16="http://schemas.microsoft.com/office/drawing/2014/main" id="{E6BDCEEE-1383-41DE-8109-024FFC9938E2}"/>
+              </a:ext>
+            </a:extLst>
+          </p:cNvPr>
+          <p:cNvSpPr txBox="1">
+            <a:spLocks/>
+          </p:cNvSpPr>
+          <p:nvPr/>
+        </p:nvSpPr>
+        <p:spPr>
+          <a:xfrm>
+            <a:off x="2033195" y="198971"/>
+            <a:ext cx="6820349" cy="887552"/>
+          </a:xfrm>
+          <a:prstGeom prst="rect">
+            <a:avLst/>
+          </a:prstGeom>
+        </p:spPr>
+        <p:txBody>
+          <a:bodyPr vert="horz" lIns="91440" tIns="45720" rIns="91440" bIns="45720" rtlCol="0" anchor="ctr">
+            <a:normAutofit/>
+          </a:bodyPr>
+          <a:lstStyle>
+            <a:lvl1pPr algn="ctr" defTabSz="914400" rtl="0" eaLnBrk="1" latinLnBrk="0" hangingPunct="1">
+              <a:lnSpc>
+                <a:spcPct val="90000"/>
+              </a:lnSpc>
+              <a:spcBef>
+                <a:spcPct val="0"/>
+              </a:spcBef>
+              <a:buNone/>
+              <a:defRPr sz="3600" kern="1200" cap="all" baseline="0">
+                <a:solidFill>
+                  <a:schemeClr val="tx1"/>
+                </a:solidFill>
+                <a:effectLst/>
+                <a:latin typeface="+mj-lt"/>
+                <a:ea typeface="+mj-ea"/>
+                <a:cs typeface="+mj-cs"/>
+              </a:defRPr>
+            </a:lvl1pPr>
+          </a:lstStyle>
+          <a:p>
+            <a:r>
+              <a:rPr lang="es-ES" dirty="0"/>
+              <a:t>Valoración Personal</a:t>
+            </a:r>
+          </a:p>
+        </p:txBody>
+      </p:sp>
+      <p:sp>
+        <p:nvSpPr>
+          <p:cNvPr id="107" name="Rectángulo 106">
+            <a:extLst>
+              <a:ext uri="{FF2B5EF4-FFF2-40B4-BE49-F238E27FC236}">
+                <a16:creationId xmlns:a16="http://schemas.microsoft.com/office/drawing/2014/main" id="{15FAE631-960C-4000-926E-688120063C9D}"/>
+              </a:ext>
+            </a:extLst>
+          </p:cNvPr>
+          <p:cNvSpPr/>
+          <p:nvPr/>
+        </p:nvSpPr>
+        <p:spPr>
+          <a:xfrm>
+            <a:off x="2071360" y="1857517"/>
+            <a:ext cx="6782184" cy="1892826"/>
+          </a:xfrm>
+          <a:prstGeom prst="rect">
+            <a:avLst/>
+          </a:prstGeom>
+        </p:spPr>
+        <p:txBody>
+          <a:bodyPr wrap="square">
+            <a:spAutoFit/>
+          </a:bodyPr>
+          <a:lstStyle/>
+          <a:p>
+            <a:pPr marL="285750" indent="-285750">
+              <a:spcBef>
+                <a:spcPts val="1800"/>
+              </a:spcBef>
+              <a:buFontTx/>
+              <a:buChar char="-"/>
+            </a:pPr>
+            <a:r>
+              <a:rPr lang="es-ES" dirty="0"/>
+              <a:t>Descubrimiento y exploración de R y Shiny</a:t>
+            </a:r>
+          </a:p>
+          <a:p>
+            <a:pPr marL="285750" indent="-285750">
+              <a:spcBef>
+                <a:spcPts val="1800"/>
+              </a:spcBef>
+              <a:buFontTx/>
+              <a:buChar char="-"/>
+            </a:pPr>
+            <a:r>
+              <a:rPr lang="es-ES" dirty="0"/>
+              <a:t>Valor de la información</a:t>
+            </a:r>
+          </a:p>
+          <a:p>
+            <a:pPr marL="285750" indent="-285750">
+              <a:spcBef>
+                <a:spcPts val="1800"/>
+              </a:spcBef>
+              <a:buFontTx/>
+              <a:buChar char="-"/>
+            </a:pPr>
+            <a:r>
+              <a:rPr lang="es-ES" dirty="0"/>
+              <a:t>Aplicabilidad en el ámbito profesional</a:t>
+            </a:r>
+          </a:p>
+          <a:p>
+            <a:pPr marL="285750" indent="-285750">
+              <a:spcBef>
+                <a:spcPts val="1800"/>
+              </a:spcBef>
+              <a:buFontTx/>
+              <a:buChar char="-"/>
+            </a:pPr>
+            <a:r>
+              <a:rPr lang="es-ES" dirty="0"/>
+              <a:t>Satisfacción personal</a:t>
+            </a:r>
+          </a:p>
+        </p:txBody>
+      </p:sp>
+      <p:graphicFrame>
+        <p:nvGraphicFramePr>
+          <p:cNvPr id="10" name="Tabla 9">
+            <a:extLst>
+              <a:ext uri="{FF2B5EF4-FFF2-40B4-BE49-F238E27FC236}">
+                <a16:creationId xmlns:a16="http://schemas.microsoft.com/office/drawing/2014/main" id="{267B3C9C-1E3A-4BF3-92E6-03581FDF312C}"/>
+              </a:ext>
+            </a:extLst>
+          </p:cNvPr>
+          <p:cNvGraphicFramePr>
+            <a:graphicFrameLocks noGrp="1"/>
+          </p:cNvGraphicFramePr>
+          <p:nvPr>
+            <p:extLst/>
+          </p:nvPr>
+        </p:nvGraphicFramePr>
+        <p:xfrm>
+          <a:off x="4711700" y="6153374"/>
+          <a:ext cx="4432300" cy="640080"/>
+        </p:xfrm>
+        <a:graphic>
+          <a:graphicData uri="http://schemas.openxmlformats.org/drawingml/2006/table">
+            <a:tbl>
+              <a:tblPr firstRow="1" bandRow="1">
+                <a:tableStyleId>{2D5ABB26-0587-4C30-8999-92F81FD0307C}</a:tableStyleId>
+              </a:tblPr>
+              <a:tblGrid>
+                <a:gridCol w="3729229">
+                  <a:extLst>
+                    <a:ext uri="{9D8B030D-6E8A-4147-A177-3AD203B41FA5}">
+                      <a16:colId xmlns:a16="http://schemas.microsoft.com/office/drawing/2014/main" val="1347896834"/>
+                    </a:ext>
+                  </a:extLst>
+                </a:gridCol>
+                <a:gridCol w="703071">
+                  <a:extLst>
+                    <a:ext uri="{9D8B030D-6E8A-4147-A177-3AD203B41FA5}">
+                      <a16:colId xmlns:a16="http://schemas.microsoft.com/office/drawing/2014/main" val="972821047"/>
+                    </a:ext>
+                  </a:extLst>
+                </a:gridCol>
+              </a:tblGrid>
+              <a:tr h="633819">
+                <a:tc>
+                  <a:txBody>
+                    <a:bodyPr/>
+                    <a:lstStyle/>
+                    <a:p>
+                      <a:pPr algn="r"/>
+                      <a:r>
+                        <a:rPr lang="es-ES" dirty="0">
+                          <a:solidFill>
+                            <a:schemeClr val="bg1"/>
+                          </a:solidFill>
+                        </a:rPr>
+                        <a:t>Software de preparación, procesado y análisis de datos de la EPA</a:t>
+                      </a:r>
+                      <a:endParaRPr lang="es-ES" b="0" dirty="0">
+                        <a:solidFill>
+                          <a:schemeClr val="bg1"/>
+                        </a:solidFill>
+                      </a:endParaRPr>
+                    </a:p>
+                  </a:txBody>
+                  <a:tcPr anchor="ctr">
+                    <a:lnR w="12700" cap="flat" cmpd="sng" algn="ctr">
+                      <a:solidFill>
+                        <a:schemeClr val="tx1"/>
+                      </a:solidFill>
+                      <a:prstDash val="solid"/>
+                      <a:round/>
+                      <a:headEnd type="none" w="med" len="med"/>
+                      <a:tailEnd type="none" w="med" len="med"/>
+                    </a:lnR>
+                  </a:tcPr>
+                </a:tc>
+                <a:tc>
+                  <a:txBody>
+                    <a:bodyPr/>
+                    <a:lstStyle/>
+                    <a:p>
+                      <a:pPr algn="ctr"/>
+                      <a:fld id="{0E1C8A44-DCA4-45BE-94D1-2AB25001A8D2}" type="slidenum">
+                        <a:rPr lang="es-ES" smtClean="0">
+                          <a:solidFill>
+                            <a:schemeClr val="bg2">
+                              <a:lumMod val="60000"/>
+                              <a:lumOff val="40000"/>
+                            </a:schemeClr>
+                          </a:solidFill>
+                        </a:rPr>
+                        <a:t>21</a:t>
+                      </a:fld>
+                      <a:endParaRPr lang="es-ES" dirty="0">
+                        <a:solidFill>
+                          <a:schemeClr val="bg2">
+                            <a:lumMod val="60000"/>
+                            <a:lumOff val="40000"/>
+                          </a:schemeClr>
+                        </a:solidFill>
+                      </a:endParaRPr>
+                    </a:p>
+                  </a:txBody>
+                  <a:tcPr anchor="ctr">
+                    <a:lnL w="12700" cap="flat" cmpd="sng" algn="ctr">
+                      <a:solidFill>
+                        <a:schemeClr val="tx1"/>
+                      </a:solidFill>
+                      <a:prstDash val="solid"/>
+                      <a:round/>
+                      <a:headEnd type="none" w="med" len="med"/>
+                      <a:tailEnd type="none" w="med" len="med"/>
+                    </a:lnL>
+                  </a:tcPr>
+                </a:tc>
+                <a:extLst>
+                  <a:ext uri="{0D108BD9-81ED-4DB2-BD59-A6C34878D82A}">
+                    <a16:rowId xmlns:a16="http://schemas.microsoft.com/office/drawing/2014/main" val="862195207"/>
+                  </a:ext>
+                </a:extLst>
+              </a:tr>
+            </a:tbl>
+          </a:graphicData>
+        </a:graphic>
+      </p:graphicFrame>
+      <p:pic>
+        <p:nvPicPr>
           <p:cNvPr id="13" name="Picture 6" descr="Resultado de imagen de universidad de cádiz">
             <a:extLst>
               <a:ext uri="{FF2B5EF4-FFF2-40B4-BE49-F238E27FC236}">
@@ -17476,7 +19179,7 @@
 </p:sld>
 </file>
 
-<file path=ppt/slides/slide21.xml><?xml version="1.0" encoding="utf-8"?>
+<file path=ppt/slides/slide22.xml><?xml version="1.0" encoding="utf-8"?>
 <p:sld xmlns:a="http://schemas.openxmlformats.org/drawingml/2006/main" xmlns:r="http://schemas.openxmlformats.org/officeDocument/2006/relationships" xmlns:p="http://schemas.openxmlformats.org/presentationml/2006/main">
   <p:cSld>
     <p:spTree>
@@ -17933,7 +19636,7 @@
 </p:sld>
 </file>
 
-<file path=ppt/slides/slide22.xml><?xml version="1.0" encoding="utf-8"?>
+<file path=ppt/slides/slide23.xml><?xml version="1.0" encoding="utf-8"?>
 <p:sld xmlns:a="http://schemas.openxmlformats.org/drawingml/2006/main" xmlns:r="http://schemas.openxmlformats.org/officeDocument/2006/relationships" xmlns:p="http://schemas.openxmlformats.org/presentationml/2006/main">
   <p:cSld>
     <p:spTree>
@@ -18004,7 +19707,7 @@
 </p:sld>
 </file>
 
-<file path=ppt/slides/slide23.xml><?xml version="1.0" encoding="utf-8"?>
+<file path=ppt/slides/slide24.xml><?xml version="1.0" encoding="utf-8"?>
 <p:sld xmlns:a="http://schemas.openxmlformats.org/drawingml/2006/main" xmlns:r="http://schemas.openxmlformats.org/officeDocument/2006/relationships" xmlns:p="http://schemas.openxmlformats.org/presentationml/2006/main">
   <p:cSld>
     <p:spTree>
@@ -18323,7 +20026,7 @@
                             </a:schemeClr>
                           </a:solidFill>
                         </a:rPr>
-                        <a:t>23</a:t>
+                        <a:t>24</a:t>
                       </a:fld>
                       <a:endParaRPr lang="es-ES" dirty="0">
                         <a:solidFill>
@@ -19682,6 +21385,555 @@
           </a:extLst>
         </p:spPr>
       </p:pic>
+      <p:graphicFrame>
+        <p:nvGraphicFramePr>
+          <p:cNvPr id="17" name="Tabla 16">
+            <a:extLst>
+              <a:ext uri="{FF2B5EF4-FFF2-40B4-BE49-F238E27FC236}">
+                <a16:creationId xmlns:a16="http://schemas.microsoft.com/office/drawing/2014/main" id="{2D191C93-2BC9-4F33-B45E-9C2C1E47A7D0}"/>
+              </a:ext>
+            </a:extLst>
+          </p:cNvPr>
+          <p:cNvGraphicFramePr>
+            <a:graphicFrameLocks noGrp="1"/>
+          </p:cNvGraphicFramePr>
+          <p:nvPr>
+            <p:extLst/>
+          </p:nvPr>
+        </p:nvGraphicFramePr>
+        <p:xfrm>
+          <a:off x="4711700" y="6153374"/>
+          <a:ext cx="4432300" cy="640080"/>
+        </p:xfrm>
+        <a:graphic>
+          <a:graphicData uri="http://schemas.openxmlformats.org/drawingml/2006/table">
+            <a:tbl>
+              <a:tblPr firstRow="1" bandRow="1">
+                <a:tableStyleId>{2D5ABB26-0587-4C30-8999-92F81FD0307C}</a:tableStyleId>
+              </a:tblPr>
+              <a:tblGrid>
+                <a:gridCol w="3729229">
+                  <a:extLst>
+                    <a:ext uri="{9D8B030D-6E8A-4147-A177-3AD203B41FA5}">
+                      <a16:colId xmlns:a16="http://schemas.microsoft.com/office/drawing/2014/main" val="1347896834"/>
+                    </a:ext>
+                  </a:extLst>
+                </a:gridCol>
+                <a:gridCol w="703071">
+                  <a:extLst>
+                    <a:ext uri="{9D8B030D-6E8A-4147-A177-3AD203B41FA5}">
+                      <a16:colId xmlns:a16="http://schemas.microsoft.com/office/drawing/2014/main" val="972821047"/>
+                    </a:ext>
+                  </a:extLst>
+                </a:gridCol>
+              </a:tblGrid>
+              <a:tr h="633819">
+                <a:tc>
+                  <a:txBody>
+                    <a:bodyPr/>
+                    <a:lstStyle/>
+                    <a:p>
+                      <a:pPr algn="r"/>
+                      <a:r>
+                        <a:rPr lang="es-ES" dirty="0">
+                          <a:solidFill>
+                            <a:schemeClr val="bg1"/>
+                          </a:solidFill>
+                        </a:rPr>
+                        <a:t>Software de preparación, procesado y análisis de datos de la EPA</a:t>
+                      </a:r>
+                      <a:endParaRPr lang="es-ES" b="0" dirty="0">
+                        <a:solidFill>
+                          <a:schemeClr val="bg1"/>
+                        </a:solidFill>
+                      </a:endParaRPr>
+                    </a:p>
+                  </a:txBody>
+                  <a:tcPr anchor="ctr">
+                    <a:lnR w="12700" cap="flat" cmpd="sng" algn="ctr">
+                      <a:solidFill>
+                        <a:schemeClr val="tx1"/>
+                      </a:solidFill>
+                      <a:prstDash val="solid"/>
+                      <a:round/>
+                      <a:headEnd type="none" w="med" len="med"/>
+                      <a:tailEnd type="none" w="med" len="med"/>
+                    </a:lnR>
+                  </a:tcPr>
+                </a:tc>
+                <a:tc>
+                  <a:txBody>
+                    <a:bodyPr/>
+                    <a:lstStyle/>
+                    <a:p>
+                      <a:pPr algn="ctr"/>
+                      <a:fld id="{0E1C8A44-DCA4-45BE-94D1-2AB25001A8D2}" type="slidenum">
+                        <a:rPr lang="es-ES" smtClean="0">
+                          <a:solidFill>
+                            <a:schemeClr val="bg2">
+                              <a:lumMod val="60000"/>
+                              <a:lumOff val="40000"/>
+                            </a:schemeClr>
+                          </a:solidFill>
+                        </a:rPr>
+                        <a:t>5</a:t>
+                      </a:fld>
+                      <a:endParaRPr lang="es-ES" dirty="0">
+                        <a:solidFill>
+                          <a:schemeClr val="bg2">
+                            <a:lumMod val="60000"/>
+                            <a:lumOff val="40000"/>
+                          </a:schemeClr>
+                        </a:solidFill>
+                      </a:endParaRPr>
+                    </a:p>
+                  </a:txBody>
+                  <a:tcPr anchor="ctr">
+                    <a:lnL w="12700" cap="flat" cmpd="sng" algn="ctr">
+                      <a:solidFill>
+                        <a:schemeClr val="tx1"/>
+                      </a:solidFill>
+                      <a:prstDash val="solid"/>
+                      <a:round/>
+                      <a:headEnd type="none" w="med" len="med"/>
+                      <a:tailEnd type="none" w="med" len="med"/>
+                    </a:lnL>
+                  </a:tcPr>
+                </a:tc>
+                <a:extLst>
+                  <a:ext uri="{0D108BD9-81ED-4DB2-BD59-A6C34878D82A}">
+                    <a16:rowId xmlns:a16="http://schemas.microsoft.com/office/drawing/2014/main" val="862195207"/>
+                  </a:ext>
+                </a:extLst>
+              </a:tr>
+            </a:tbl>
+          </a:graphicData>
+        </a:graphic>
+      </p:graphicFrame>
+      <p:sp>
+        <p:nvSpPr>
+          <p:cNvPr id="12" name="Rectángulo 11">
+            <a:extLst>
+              <a:ext uri="{FF2B5EF4-FFF2-40B4-BE49-F238E27FC236}">
+                <a16:creationId xmlns:a16="http://schemas.microsoft.com/office/drawing/2014/main" id="{F28EF12E-E462-47A3-9D73-B163061DFE02}"/>
+              </a:ext>
+            </a:extLst>
+          </p:cNvPr>
+          <p:cNvSpPr/>
+          <p:nvPr/>
+        </p:nvSpPr>
+        <p:spPr>
+          <a:xfrm>
+            <a:off x="0" y="873306"/>
+            <a:ext cx="1785769" cy="5215521"/>
+          </a:xfrm>
+          <a:prstGeom prst="rect">
+            <a:avLst/>
+          </a:prstGeom>
+          <a:solidFill>
+            <a:schemeClr val="dk1">
+              <a:alpha val="50000"/>
+            </a:schemeClr>
+          </a:solidFill>
+          <a:ln>
+            <a:noFill/>
+          </a:ln>
+        </p:spPr>
+        <p:style>
+          <a:lnRef idx="0">
+            <a:scrgbClr r="0" g="0" b="0"/>
+          </a:lnRef>
+          <a:fillRef idx="0">
+            <a:scrgbClr r="0" g="0" b="0"/>
+          </a:fillRef>
+          <a:effectRef idx="0">
+            <a:scrgbClr r="0" g="0" b="0"/>
+          </a:effectRef>
+          <a:fontRef idx="minor">
+            <a:schemeClr val="lt1"/>
+          </a:fontRef>
+        </p:style>
+        <p:txBody>
+          <a:bodyPr rtlCol="0" anchor="ctr"/>
+          <a:lstStyle/>
+          <a:p>
+            <a:r>
+              <a:rPr lang="es-ES" sz="1350" b="1" u="sng" dirty="0">
+                <a:solidFill>
+                  <a:srgbClr val="FD9101"/>
+                </a:solidFill>
+              </a:rPr>
+              <a:t>Motivo del Proyecto</a:t>
+            </a:r>
+          </a:p>
+          <a:p>
+            <a:pPr marL="108000" indent="-72000">
+              <a:buFontTx/>
+              <a:buChar char="-"/>
+            </a:pPr>
+            <a:r>
+              <a:rPr lang="es-ES" sz="1350" b="1" dirty="0">
+                <a:solidFill>
+                  <a:srgbClr val="FD9101"/>
+                </a:solidFill>
+              </a:rPr>
+              <a:t>EPA</a:t>
+            </a:r>
+          </a:p>
+          <a:p>
+            <a:pPr marL="108000" indent="-72000">
+              <a:buFontTx/>
+              <a:buChar char="-"/>
+            </a:pPr>
+            <a:r>
+              <a:rPr lang="es-ES" sz="1350" dirty="0"/>
+              <a:t>Objetivos</a:t>
+            </a:r>
+          </a:p>
+          <a:p>
+            <a:pPr marL="108000" indent="-72000">
+              <a:buFontTx/>
+              <a:buChar char="-"/>
+            </a:pPr>
+            <a:endParaRPr lang="es-ES" sz="1350" dirty="0"/>
+          </a:p>
+          <a:p>
+            <a:r>
+              <a:rPr lang="es-ES" sz="1350" u="sng" dirty="0"/>
+              <a:t>Planificación</a:t>
+            </a:r>
+          </a:p>
+          <a:p>
+            <a:pPr marL="108000" indent="-72000">
+              <a:buFontTx/>
+              <a:buChar char="-"/>
+            </a:pPr>
+            <a:r>
+              <a:rPr lang="es-ES" sz="1350" dirty="0"/>
+              <a:t>Metodología</a:t>
+            </a:r>
+          </a:p>
+          <a:p>
+            <a:pPr marL="108000" indent="-72000">
+              <a:buFontTx/>
+              <a:buChar char="-"/>
+            </a:pPr>
+            <a:r>
+              <a:rPr lang="es-ES" sz="1350" dirty="0"/>
+              <a:t>Etapas</a:t>
+            </a:r>
+          </a:p>
+          <a:p>
+            <a:pPr marL="108000" indent="-72000">
+              <a:buFontTx/>
+              <a:buChar char="-"/>
+            </a:pPr>
+            <a:r>
+              <a:rPr lang="es-ES" sz="1350" dirty="0"/>
+              <a:t>Presupuesto</a:t>
+            </a:r>
+          </a:p>
+          <a:p>
+            <a:endParaRPr lang="es-ES" sz="1350" b="1" u="sng" dirty="0"/>
+          </a:p>
+          <a:p>
+            <a:r>
+              <a:rPr lang="es-ES" sz="1350" u="sng" dirty="0">
+                <a:solidFill>
+                  <a:schemeClr val="bg1"/>
+                </a:solidFill>
+              </a:rPr>
+              <a:t>Desarrollo</a:t>
+            </a:r>
+          </a:p>
+          <a:p>
+            <a:pPr marL="108000" indent="-72000">
+              <a:buFontTx/>
+              <a:buChar char="-"/>
+            </a:pPr>
+            <a:r>
+              <a:rPr lang="es-ES" sz="1350" dirty="0"/>
+              <a:t>Framework Shiny</a:t>
+            </a:r>
+          </a:p>
+          <a:p>
+            <a:pPr marL="108000" indent="-72000">
+              <a:buFontTx/>
+              <a:buChar char="-"/>
+            </a:pPr>
+            <a:r>
+              <a:rPr lang="es-ES" sz="1350" dirty="0"/>
+              <a:t>Interfaz</a:t>
+            </a:r>
+          </a:p>
+          <a:p>
+            <a:pPr marL="108000" indent="-72000">
+              <a:buFontTx/>
+              <a:buChar char="-"/>
+            </a:pPr>
+            <a:r>
+              <a:rPr lang="es-ES" sz="1350" dirty="0"/>
+              <a:t>Tecnologías</a:t>
+            </a:r>
+          </a:p>
+          <a:p>
+            <a:endParaRPr lang="es-ES" sz="1350" dirty="0"/>
+          </a:p>
+          <a:p>
+            <a:r>
+              <a:rPr lang="es-ES" sz="1350" u="sng" dirty="0"/>
+              <a:t>Demostración</a:t>
+            </a:r>
+          </a:p>
+          <a:p>
+            <a:endParaRPr lang="es-ES" sz="1350" dirty="0"/>
+          </a:p>
+          <a:p>
+            <a:r>
+              <a:rPr lang="es-ES" sz="1350" u="sng" dirty="0"/>
+              <a:t>Conclusiones</a:t>
+            </a:r>
+          </a:p>
+        </p:txBody>
+      </p:sp>
+      <p:pic>
+        <p:nvPicPr>
+          <p:cNvPr id="3" name="Imagen 2">
+            <a:extLst>
+              <a:ext uri="{FF2B5EF4-FFF2-40B4-BE49-F238E27FC236}">
+                <a16:creationId xmlns:a16="http://schemas.microsoft.com/office/drawing/2014/main" id="{F4577A6F-2E79-4E7B-B255-1BFED77A8714}"/>
+              </a:ext>
+            </a:extLst>
+          </p:cNvPr>
+          <p:cNvPicPr>
+            <a:picLocks noChangeAspect="1"/>
+          </p:cNvPicPr>
+          <p:nvPr/>
+        </p:nvPicPr>
+        <p:blipFill>
+          <a:blip r:embed="rId4"/>
+          <a:stretch>
+            <a:fillRect/>
+          </a:stretch>
+        </p:blipFill>
+        <p:spPr>
+          <a:xfrm>
+            <a:off x="2919955" y="1098555"/>
+            <a:ext cx="5046828" cy="4736761"/>
+          </a:xfrm>
+          <a:prstGeom prst="rect">
+            <a:avLst/>
+          </a:prstGeom>
+        </p:spPr>
+      </p:pic>
+    </p:spTree>
+    <p:extLst>
+      <p:ext uri="{BB962C8B-B14F-4D97-AF65-F5344CB8AC3E}">
+        <p14:creationId xmlns:p14="http://schemas.microsoft.com/office/powerpoint/2010/main" val="33021235"/>
+      </p:ext>
+    </p:extLst>
+  </p:cSld>
+  <p:clrMapOvr>
+    <a:masterClrMapping/>
+  </p:clrMapOvr>
+  <mc:AlternateContent xmlns:mc="http://schemas.openxmlformats.org/markup-compatibility/2006" xmlns:p14="http://schemas.microsoft.com/office/powerpoint/2010/main">
+    <mc:Choice Requires="p14">
+      <p:transition spd="med" p14:dur="700">
+        <p:fade/>
+      </p:transition>
+    </mc:Choice>
+    <mc:Fallback xmlns="">
+      <p:transition spd="med">
+        <p:fade/>
+      </p:transition>
+    </mc:Fallback>
+  </mc:AlternateContent>
+</p:sld>
+</file>
+
+<file path=ppt/slides/slide6.xml><?xml version="1.0" encoding="utf-8"?>
+<p:sld xmlns:a="http://schemas.openxmlformats.org/drawingml/2006/main" xmlns:r="http://schemas.openxmlformats.org/officeDocument/2006/relationships" xmlns:p="http://schemas.openxmlformats.org/presentationml/2006/main">
+  <p:cSld>
+    <p:spTree>
+      <p:nvGrpSpPr>
+        <p:cNvPr id="1" name=""/>
+        <p:cNvGrpSpPr/>
+        <p:nvPr/>
+      </p:nvGrpSpPr>
+      <p:grpSpPr>
+        <a:xfrm>
+          <a:off x="0" y="0"/>
+          <a:ext cx="0" cy="0"/>
+          <a:chOff x="0" y="0"/>
+          <a:chExt cx="0" cy="0"/>
+        </a:xfrm>
+      </p:grpSpPr>
+      <p:sp>
+        <p:nvSpPr>
+          <p:cNvPr id="2" name="Título 1"/>
+          <p:cNvSpPr>
+            <a:spLocks noGrp="1"/>
+          </p:cNvSpPr>
+          <p:nvPr>
+            <p:ph type="title"/>
+          </p:nvPr>
+        </p:nvSpPr>
+        <p:spPr>
+          <a:xfrm>
+            <a:off x="2033195" y="198971"/>
+            <a:ext cx="6820349" cy="887552"/>
+          </a:xfrm>
+        </p:spPr>
+        <p:txBody>
+          <a:bodyPr/>
+          <a:lstStyle/>
+          <a:p>
+            <a:r>
+              <a:rPr lang="es-ES" dirty="0"/>
+              <a:t>Encuesta de población activa</a:t>
+            </a:r>
+          </a:p>
+        </p:txBody>
+      </p:sp>
+      <p:sp>
+        <p:nvSpPr>
+          <p:cNvPr id="9" name="Rectángulo 8"/>
+          <p:cNvSpPr/>
+          <p:nvPr/>
+        </p:nvSpPr>
+        <p:spPr>
+          <a:xfrm>
+            <a:off x="0" y="0"/>
+            <a:ext cx="1785769" cy="6088828"/>
+          </a:xfrm>
+          <a:prstGeom prst="rect">
+            <a:avLst/>
+          </a:prstGeom>
+          <a:solidFill>
+            <a:schemeClr val="dk1">
+              <a:alpha val="33000"/>
+            </a:schemeClr>
+          </a:solidFill>
+          <a:ln>
+            <a:noFill/>
+          </a:ln>
+        </p:spPr>
+        <p:style>
+          <a:lnRef idx="0">
+            <a:scrgbClr r="0" g="0" b="0"/>
+          </a:lnRef>
+          <a:fillRef idx="0">
+            <a:scrgbClr r="0" g="0" b="0"/>
+          </a:fillRef>
+          <a:effectRef idx="0">
+            <a:scrgbClr r="0" g="0" b="0"/>
+          </a:effectRef>
+          <a:fontRef idx="minor">
+            <a:schemeClr val="lt1"/>
+          </a:fontRef>
+        </p:style>
+        <p:txBody>
+          <a:bodyPr rtlCol="0" anchor="ctr"/>
+          <a:lstStyle/>
+          <a:p>
+            <a:pPr algn="ctr"/>
+            <a:endParaRPr lang="es-ES" dirty="0"/>
+          </a:p>
+        </p:txBody>
+      </p:sp>
+      <p:sp>
+        <p:nvSpPr>
+          <p:cNvPr id="13" name="Rectángulo 12"/>
+          <p:cNvSpPr/>
+          <p:nvPr/>
+        </p:nvSpPr>
+        <p:spPr>
+          <a:xfrm>
+            <a:off x="0" y="6088828"/>
+            <a:ext cx="9144000" cy="769172"/>
+          </a:xfrm>
+          <a:prstGeom prst="rect">
+            <a:avLst/>
+          </a:prstGeom>
+          <a:solidFill>
+            <a:schemeClr val="dk1">
+              <a:alpha val="33000"/>
+            </a:schemeClr>
+          </a:solidFill>
+          <a:ln>
+            <a:noFill/>
+          </a:ln>
+        </p:spPr>
+        <p:style>
+          <a:lnRef idx="0">
+            <a:scrgbClr r="0" g="0" b="0"/>
+          </a:lnRef>
+          <a:fillRef idx="0">
+            <a:scrgbClr r="0" g="0" b="0"/>
+          </a:fillRef>
+          <a:effectRef idx="0">
+            <a:scrgbClr r="0" g="0" b="0"/>
+          </a:effectRef>
+          <a:fontRef idx="minor">
+            <a:schemeClr val="lt1"/>
+          </a:fontRef>
+        </p:style>
+        <p:txBody>
+          <a:bodyPr rtlCol="0" anchor="ctr"/>
+          <a:lstStyle/>
+          <a:p>
+            <a:pPr algn="r"/>
+            <a:endParaRPr lang="es-ES" dirty="0"/>
+          </a:p>
+        </p:txBody>
+      </p:sp>
+      <p:pic>
+        <p:nvPicPr>
+          <p:cNvPr id="14" name="Picture 6" descr="Resultado de imagen de universidad de cádiz">
+            <a:extLst>
+              <a:ext uri="{FF2B5EF4-FFF2-40B4-BE49-F238E27FC236}">
+                <a16:creationId xmlns:a16="http://schemas.microsoft.com/office/drawing/2014/main" id="{39529BEF-3C5E-4413-9EC8-EB577F6C28C8}"/>
+              </a:ext>
+            </a:extLst>
+          </p:cNvPr>
+          <p:cNvPicPr>
+            <a:picLocks noChangeAspect="1" noChangeArrowheads="1"/>
+          </p:cNvPicPr>
+          <p:nvPr/>
+        </p:nvPicPr>
+        <p:blipFill>
+          <a:blip r:embed="rId3">
+            <a:extLst>
+              <a:ext uri="{28A0092B-C50C-407E-A947-70E740481C1C}">
+                <a14:useLocalDpi xmlns:a14="http://schemas.microsoft.com/office/drawing/2010/main" val="0"/>
+              </a:ext>
+            </a:extLst>
+          </a:blip>
+          <a:srcRect/>
+          <a:stretch>
+            <a:fillRect/>
+          </a:stretch>
+        </p:blipFill>
+        <p:spPr bwMode="auto">
+          <a:xfrm>
+            <a:off x="1143000" y="75302"/>
+            <a:ext cx="560419" cy="720539"/>
+          </a:xfrm>
+          <a:prstGeom prst="rect">
+            <a:avLst/>
+          </a:prstGeom>
+          <a:noFill/>
+          <a:extLst>
+            <a:ext uri="{909E8E84-426E-40DD-AFC4-6F175D3DCCD1}">
+              <a14:hiddenFill xmlns:a14="http://schemas.microsoft.com/office/drawing/2010/main">
+                <a:solidFill>
+                  <a:srgbClr val="FFFFFF"/>
+                </a:solidFill>
+              </a14:hiddenFill>
+            </a:ext>
+          </a:extLst>
+        </p:spPr>
+      </p:pic>
       <p:pic>
         <p:nvPicPr>
           <p:cNvPr id="12" name="Imagen 11">
@@ -19818,7 +22070,7 @@
                             </a:schemeClr>
                           </a:solidFill>
                         </a:rPr>
-                        <a:t>5</a:t>
+                        <a:t>6</a:t>
                       </a:fld>
                       <a:endParaRPr lang="es-ES" dirty="0">
                         <a:solidFill>
@@ -20063,7 +22315,7 @@
 </p:sld>
 </file>
 
-<file path=ppt/slides/slide6.xml><?xml version="1.0" encoding="utf-8"?>
+<file path=ppt/slides/slide7.xml><?xml version="1.0" encoding="utf-8"?>
 <p:sld xmlns:a="http://schemas.openxmlformats.org/drawingml/2006/main" xmlns:r="http://schemas.openxmlformats.org/officeDocument/2006/relationships" xmlns:p="http://schemas.openxmlformats.org/presentationml/2006/main">
   <p:cSld>
     <p:spTree>
@@ -20408,527 +22660,6 @@
                 <p14:modId xmlns:p14="http://schemas.microsoft.com/office/powerpoint/2010/main" val="1793794412"/>
               </p:ext>
             </p:extLst>
-          </p:nvPr>
-        </p:nvGraphicFramePr>
-        <p:xfrm>
-          <a:off x="4711700" y="6153374"/>
-          <a:ext cx="4432300" cy="640080"/>
-        </p:xfrm>
-        <a:graphic>
-          <a:graphicData uri="http://schemas.openxmlformats.org/drawingml/2006/table">
-            <a:tbl>
-              <a:tblPr firstRow="1" bandRow="1">
-                <a:tableStyleId>{2D5ABB26-0587-4C30-8999-92F81FD0307C}</a:tableStyleId>
-              </a:tblPr>
-              <a:tblGrid>
-                <a:gridCol w="3729229">
-                  <a:extLst>
-                    <a:ext uri="{9D8B030D-6E8A-4147-A177-3AD203B41FA5}">
-                      <a16:colId xmlns:a16="http://schemas.microsoft.com/office/drawing/2014/main" val="1347896834"/>
-                    </a:ext>
-                  </a:extLst>
-                </a:gridCol>
-                <a:gridCol w="703071">
-                  <a:extLst>
-                    <a:ext uri="{9D8B030D-6E8A-4147-A177-3AD203B41FA5}">
-                      <a16:colId xmlns:a16="http://schemas.microsoft.com/office/drawing/2014/main" val="972821047"/>
-                    </a:ext>
-                  </a:extLst>
-                </a:gridCol>
-              </a:tblGrid>
-              <a:tr h="633819">
-                <a:tc>
-                  <a:txBody>
-                    <a:bodyPr/>
-                    <a:lstStyle/>
-                    <a:p>
-                      <a:pPr algn="r"/>
-                      <a:r>
-                        <a:rPr lang="es-ES" dirty="0">
-                          <a:solidFill>
-                            <a:schemeClr val="bg1"/>
-                          </a:solidFill>
-                        </a:rPr>
-                        <a:t>Software de preparación, procesado y análisis de datos de la EPA</a:t>
-                      </a:r>
-                      <a:endParaRPr lang="es-ES" b="0" dirty="0">
-                        <a:solidFill>
-                          <a:schemeClr val="bg1"/>
-                        </a:solidFill>
-                      </a:endParaRPr>
-                    </a:p>
-                  </a:txBody>
-                  <a:tcPr anchor="ctr">
-                    <a:lnR w="12700" cap="flat" cmpd="sng" algn="ctr">
-                      <a:solidFill>
-                        <a:schemeClr val="tx1"/>
-                      </a:solidFill>
-                      <a:prstDash val="solid"/>
-                      <a:round/>
-                      <a:headEnd type="none" w="med" len="med"/>
-                      <a:tailEnd type="none" w="med" len="med"/>
-                    </a:lnR>
-                  </a:tcPr>
-                </a:tc>
-                <a:tc>
-                  <a:txBody>
-                    <a:bodyPr/>
-                    <a:lstStyle/>
-                    <a:p>
-                      <a:pPr algn="ctr"/>
-                      <a:fld id="{0E1C8A44-DCA4-45BE-94D1-2AB25001A8D2}" type="slidenum">
-                        <a:rPr lang="es-ES" smtClean="0">
-                          <a:solidFill>
-                            <a:schemeClr val="bg2">
-                              <a:lumMod val="60000"/>
-                              <a:lumOff val="40000"/>
-                            </a:schemeClr>
-                          </a:solidFill>
-                        </a:rPr>
-                        <a:t>6</a:t>
-                      </a:fld>
-                      <a:endParaRPr lang="es-ES" dirty="0">
-                        <a:solidFill>
-                          <a:schemeClr val="bg2">
-                            <a:lumMod val="60000"/>
-                            <a:lumOff val="40000"/>
-                          </a:schemeClr>
-                        </a:solidFill>
-                      </a:endParaRPr>
-                    </a:p>
-                  </a:txBody>
-                  <a:tcPr anchor="ctr">
-                    <a:lnL w="12700" cap="flat" cmpd="sng" algn="ctr">
-                      <a:solidFill>
-                        <a:schemeClr val="tx1"/>
-                      </a:solidFill>
-                      <a:prstDash val="solid"/>
-                      <a:round/>
-                      <a:headEnd type="none" w="med" len="med"/>
-                      <a:tailEnd type="none" w="med" len="med"/>
-                    </a:lnL>
-                  </a:tcPr>
-                </a:tc>
-                <a:extLst>
-                  <a:ext uri="{0D108BD9-81ED-4DB2-BD59-A6C34878D82A}">
-                    <a16:rowId xmlns:a16="http://schemas.microsoft.com/office/drawing/2014/main" val="862195207"/>
-                  </a:ext>
-                </a:extLst>
-              </a:tr>
-            </a:tbl>
-          </a:graphicData>
-        </a:graphic>
-      </p:graphicFrame>
-      <p:sp>
-        <p:nvSpPr>
-          <p:cNvPr id="20" name="Rectángulo 19">
-            <a:extLst>
-              <a:ext uri="{FF2B5EF4-FFF2-40B4-BE49-F238E27FC236}">
-                <a16:creationId xmlns:a16="http://schemas.microsoft.com/office/drawing/2014/main" id="{3F02F676-49E4-4567-AC9D-748E6ECE744C}"/>
-              </a:ext>
-            </a:extLst>
-          </p:cNvPr>
-          <p:cNvSpPr/>
-          <p:nvPr/>
-        </p:nvSpPr>
-        <p:spPr>
-          <a:xfrm>
-            <a:off x="0" y="873306"/>
-            <a:ext cx="1785769" cy="5215521"/>
-          </a:xfrm>
-          <a:prstGeom prst="rect">
-            <a:avLst/>
-          </a:prstGeom>
-          <a:solidFill>
-            <a:schemeClr val="dk1">
-              <a:alpha val="50000"/>
-            </a:schemeClr>
-          </a:solidFill>
-          <a:ln>
-            <a:noFill/>
-          </a:ln>
-        </p:spPr>
-        <p:style>
-          <a:lnRef idx="0">
-            <a:scrgbClr r="0" g="0" b="0"/>
-          </a:lnRef>
-          <a:fillRef idx="0">
-            <a:scrgbClr r="0" g="0" b="0"/>
-          </a:fillRef>
-          <a:effectRef idx="0">
-            <a:scrgbClr r="0" g="0" b="0"/>
-          </a:effectRef>
-          <a:fontRef idx="minor">
-            <a:schemeClr val="lt1"/>
-          </a:fontRef>
-        </p:style>
-        <p:txBody>
-          <a:bodyPr rtlCol="0" anchor="ctr"/>
-          <a:lstStyle/>
-          <a:p>
-            <a:r>
-              <a:rPr lang="es-ES" sz="1350" b="1" u="sng" dirty="0">
-                <a:solidFill>
-                  <a:srgbClr val="FD9101"/>
-                </a:solidFill>
-              </a:rPr>
-              <a:t>Motivo del Proyecto</a:t>
-            </a:r>
-          </a:p>
-          <a:p>
-            <a:pPr marL="108000" indent="-72000">
-              <a:buFontTx/>
-              <a:buChar char="-"/>
-            </a:pPr>
-            <a:r>
-              <a:rPr lang="es-ES" sz="1350" dirty="0"/>
-              <a:t>EPA</a:t>
-            </a:r>
-          </a:p>
-          <a:p>
-            <a:pPr marL="108000" indent="-72000">
-              <a:buFontTx/>
-              <a:buChar char="-"/>
-            </a:pPr>
-            <a:r>
-              <a:rPr lang="es-ES" sz="1350" b="1" dirty="0">
-                <a:solidFill>
-                  <a:srgbClr val="FD9101"/>
-                </a:solidFill>
-              </a:rPr>
-              <a:t>Objetivos</a:t>
-            </a:r>
-          </a:p>
-          <a:p>
-            <a:pPr marL="108000" indent="-72000">
-              <a:buFontTx/>
-              <a:buChar char="-"/>
-            </a:pPr>
-            <a:endParaRPr lang="es-ES" sz="1350" dirty="0"/>
-          </a:p>
-          <a:p>
-            <a:r>
-              <a:rPr lang="es-ES" sz="1350" u="sng" dirty="0"/>
-              <a:t>Planificación</a:t>
-            </a:r>
-          </a:p>
-          <a:p>
-            <a:pPr marL="108000" indent="-72000">
-              <a:buFontTx/>
-              <a:buChar char="-"/>
-            </a:pPr>
-            <a:r>
-              <a:rPr lang="es-ES" sz="1350" dirty="0"/>
-              <a:t>Metodología</a:t>
-            </a:r>
-          </a:p>
-          <a:p>
-            <a:pPr marL="108000" indent="-72000">
-              <a:buFontTx/>
-              <a:buChar char="-"/>
-            </a:pPr>
-            <a:r>
-              <a:rPr lang="es-ES" sz="1350" dirty="0"/>
-              <a:t>Etapas</a:t>
-            </a:r>
-          </a:p>
-          <a:p>
-            <a:pPr marL="108000" indent="-72000">
-              <a:buFontTx/>
-              <a:buChar char="-"/>
-            </a:pPr>
-            <a:r>
-              <a:rPr lang="es-ES" sz="1350" dirty="0"/>
-              <a:t>Presupuesto</a:t>
-            </a:r>
-          </a:p>
-          <a:p>
-            <a:endParaRPr lang="es-ES" sz="1350" b="1" u="sng" dirty="0"/>
-          </a:p>
-          <a:p>
-            <a:r>
-              <a:rPr lang="es-ES" sz="1350" u="sng" dirty="0">
-                <a:solidFill>
-                  <a:schemeClr val="bg1"/>
-                </a:solidFill>
-              </a:rPr>
-              <a:t>Desarrollo</a:t>
-            </a:r>
-          </a:p>
-          <a:p>
-            <a:pPr marL="108000" indent="-72000">
-              <a:buFontTx/>
-              <a:buChar char="-"/>
-            </a:pPr>
-            <a:r>
-              <a:rPr lang="es-ES" sz="1350" dirty="0"/>
-              <a:t>Framework Shiny</a:t>
-            </a:r>
-          </a:p>
-          <a:p>
-            <a:pPr marL="108000" indent="-72000">
-              <a:buFontTx/>
-              <a:buChar char="-"/>
-            </a:pPr>
-            <a:r>
-              <a:rPr lang="es-ES" sz="1350" dirty="0"/>
-              <a:t>Interfaz</a:t>
-            </a:r>
-          </a:p>
-          <a:p>
-            <a:pPr marL="108000" indent="-72000">
-              <a:buFontTx/>
-              <a:buChar char="-"/>
-            </a:pPr>
-            <a:r>
-              <a:rPr lang="es-ES" sz="1350" dirty="0"/>
-              <a:t>Tecnologías</a:t>
-            </a:r>
-          </a:p>
-          <a:p>
-            <a:endParaRPr lang="es-ES" sz="1350" dirty="0"/>
-          </a:p>
-          <a:p>
-            <a:r>
-              <a:rPr lang="es-ES" sz="1350" u="sng" dirty="0"/>
-              <a:t>Demostración</a:t>
-            </a:r>
-          </a:p>
-          <a:p>
-            <a:endParaRPr lang="es-ES" sz="1350" dirty="0"/>
-          </a:p>
-          <a:p>
-            <a:r>
-              <a:rPr lang="es-ES" sz="1350" u="sng" dirty="0"/>
-              <a:t>Conclusiones</a:t>
-            </a:r>
-          </a:p>
-        </p:txBody>
-      </p:sp>
-    </p:spTree>
-    <p:extLst>
-      <p:ext uri="{BB962C8B-B14F-4D97-AF65-F5344CB8AC3E}">
-        <p14:creationId xmlns:p14="http://schemas.microsoft.com/office/powerpoint/2010/main" val="3214579386"/>
-      </p:ext>
-    </p:extLst>
-  </p:cSld>
-  <p:clrMapOvr>
-    <a:masterClrMapping/>
-  </p:clrMapOvr>
-  <mc:AlternateContent xmlns:mc="http://schemas.openxmlformats.org/markup-compatibility/2006" xmlns:p14="http://schemas.microsoft.com/office/powerpoint/2010/main">
-    <mc:Choice Requires="p14">
-      <p:transition spd="med" p14:dur="700">
-        <p:fade/>
-      </p:transition>
-    </mc:Choice>
-    <mc:Fallback xmlns="">
-      <p:transition spd="med">
-        <p:fade/>
-      </p:transition>
-    </mc:Fallback>
-  </mc:AlternateContent>
-</p:sld>
-</file>
-
-<file path=ppt/slides/slide7.xml><?xml version="1.0" encoding="utf-8"?>
-<p:sld xmlns:a="http://schemas.openxmlformats.org/drawingml/2006/main" xmlns:r="http://schemas.openxmlformats.org/officeDocument/2006/relationships" xmlns:p="http://schemas.openxmlformats.org/presentationml/2006/main">
-  <p:cSld>
-    <p:spTree>
-      <p:nvGrpSpPr>
-        <p:cNvPr id="1" name=""/>
-        <p:cNvGrpSpPr/>
-        <p:nvPr/>
-      </p:nvGrpSpPr>
-      <p:grpSpPr>
-        <a:xfrm>
-          <a:off x="0" y="0"/>
-          <a:ext cx="0" cy="0"/>
-          <a:chOff x="0" y="0"/>
-          <a:chExt cx="0" cy="0"/>
-        </a:xfrm>
-      </p:grpSpPr>
-      <p:sp>
-        <p:nvSpPr>
-          <p:cNvPr id="2" name="Título 1"/>
-          <p:cNvSpPr>
-            <a:spLocks noGrp="1"/>
-          </p:cNvSpPr>
-          <p:nvPr>
-            <p:ph type="title"/>
-          </p:nvPr>
-        </p:nvSpPr>
-        <p:spPr>
-          <a:xfrm>
-            <a:off x="2033195" y="198971"/>
-            <a:ext cx="6820349" cy="887552"/>
-          </a:xfrm>
-        </p:spPr>
-        <p:txBody>
-          <a:bodyPr>
-            <a:normAutofit/>
-          </a:bodyPr>
-          <a:lstStyle/>
-          <a:p>
-            <a:r>
-              <a:rPr lang="es-ES" dirty="0"/>
-              <a:t>Metodología de desarrollo</a:t>
-            </a:r>
-          </a:p>
-        </p:txBody>
-      </p:sp>
-      <p:sp>
-        <p:nvSpPr>
-          <p:cNvPr id="9" name="Rectángulo 8"/>
-          <p:cNvSpPr/>
-          <p:nvPr/>
-        </p:nvSpPr>
-        <p:spPr>
-          <a:xfrm>
-            <a:off x="0" y="0"/>
-            <a:ext cx="1785769" cy="6088828"/>
-          </a:xfrm>
-          <a:prstGeom prst="rect">
-            <a:avLst/>
-          </a:prstGeom>
-          <a:solidFill>
-            <a:schemeClr val="dk1">
-              <a:alpha val="33000"/>
-            </a:schemeClr>
-          </a:solidFill>
-          <a:ln>
-            <a:noFill/>
-          </a:ln>
-        </p:spPr>
-        <p:style>
-          <a:lnRef idx="0">
-            <a:scrgbClr r="0" g="0" b="0"/>
-          </a:lnRef>
-          <a:fillRef idx="0">
-            <a:scrgbClr r="0" g="0" b="0"/>
-          </a:fillRef>
-          <a:effectRef idx="0">
-            <a:scrgbClr r="0" g="0" b="0"/>
-          </a:effectRef>
-          <a:fontRef idx="minor">
-            <a:schemeClr val="lt1"/>
-          </a:fontRef>
-        </p:style>
-        <p:txBody>
-          <a:bodyPr rtlCol="0" anchor="ctr"/>
-          <a:lstStyle/>
-          <a:p>
-            <a:pPr algn="ctr"/>
-            <a:endParaRPr lang="es-ES" dirty="0"/>
-          </a:p>
-        </p:txBody>
-      </p:sp>
-      <p:sp>
-        <p:nvSpPr>
-          <p:cNvPr id="13" name="Rectángulo 12"/>
-          <p:cNvSpPr/>
-          <p:nvPr/>
-        </p:nvSpPr>
-        <p:spPr>
-          <a:xfrm>
-            <a:off x="0" y="6088828"/>
-            <a:ext cx="9144000" cy="769172"/>
-          </a:xfrm>
-          <a:prstGeom prst="rect">
-            <a:avLst/>
-          </a:prstGeom>
-          <a:solidFill>
-            <a:schemeClr val="dk1">
-              <a:alpha val="33000"/>
-            </a:schemeClr>
-          </a:solidFill>
-          <a:ln>
-            <a:noFill/>
-          </a:ln>
-        </p:spPr>
-        <p:style>
-          <a:lnRef idx="0">
-            <a:scrgbClr r="0" g="0" b="0"/>
-          </a:lnRef>
-          <a:fillRef idx="0">
-            <a:scrgbClr r="0" g="0" b="0"/>
-          </a:fillRef>
-          <a:effectRef idx="0">
-            <a:scrgbClr r="0" g="0" b="0"/>
-          </a:effectRef>
-          <a:fontRef idx="minor">
-            <a:schemeClr val="lt1"/>
-          </a:fontRef>
-        </p:style>
-        <p:txBody>
-          <a:bodyPr rtlCol="0" anchor="ctr"/>
-          <a:lstStyle/>
-          <a:p>
-            <a:pPr algn="r"/>
-            <a:endParaRPr lang="es-ES" dirty="0"/>
-          </a:p>
-        </p:txBody>
-      </p:sp>
-      <p:pic>
-        <p:nvPicPr>
-          <p:cNvPr id="14" name="Picture 6" descr="Resultado de imagen de universidad de cádiz">
-            <a:extLst>
-              <a:ext uri="{FF2B5EF4-FFF2-40B4-BE49-F238E27FC236}">
-                <a16:creationId xmlns:a16="http://schemas.microsoft.com/office/drawing/2014/main" id="{39529BEF-3C5E-4413-9EC8-EB577F6C28C8}"/>
-              </a:ext>
-            </a:extLst>
-          </p:cNvPr>
-          <p:cNvPicPr>
-            <a:picLocks noChangeAspect="1" noChangeArrowheads="1"/>
-          </p:cNvPicPr>
-          <p:nvPr/>
-        </p:nvPicPr>
-        <p:blipFill>
-          <a:blip r:embed="rId3">
-            <a:extLst>
-              <a:ext uri="{28A0092B-C50C-407E-A947-70E740481C1C}">
-                <a14:useLocalDpi xmlns:a14="http://schemas.microsoft.com/office/drawing/2010/main" val="0"/>
-              </a:ext>
-            </a:extLst>
-          </a:blip>
-          <a:srcRect/>
-          <a:stretch>
-            <a:fillRect/>
-          </a:stretch>
-        </p:blipFill>
-        <p:spPr bwMode="auto">
-          <a:xfrm>
-            <a:off x="1143000" y="75302"/>
-            <a:ext cx="560419" cy="720539"/>
-          </a:xfrm>
-          <a:prstGeom prst="rect">
-            <a:avLst/>
-          </a:prstGeom>
-          <a:noFill/>
-          <a:extLst>
-            <a:ext uri="{909E8E84-426E-40DD-AFC4-6F175D3DCCD1}">
-              <a14:hiddenFill xmlns:a14="http://schemas.microsoft.com/office/drawing/2010/main">
-                <a:solidFill>
-                  <a:srgbClr val="FFFFFF"/>
-                </a:solidFill>
-              </a14:hiddenFill>
-            </a:ext>
-          </a:extLst>
-        </p:spPr>
-      </p:pic>
-      <p:graphicFrame>
-        <p:nvGraphicFramePr>
-          <p:cNvPr id="16" name="Tabla 15">
-            <a:extLst>
-              <a:ext uri="{FF2B5EF4-FFF2-40B4-BE49-F238E27FC236}">
-                <a16:creationId xmlns:a16="http://schemas.microsoft.com/office/drawing/2014/main" id="{9B1C7611-ED20-4E62-BD2E-4AF759F380F5}"/>
-              </a:ext>
-            </a:extLst>
-          </p:cNvPr>
-          <p:cNvGraphicFramePr>
-            <a:graphicFrameLocks noGrp="1"/>
-          </p:cNvGraphicFramePr>
-          <p:nvPr>
-            <p:extLst/>
           </p:nvPr>
         </p:nvGraphicFramePr>
         <p:xfrm>
@@ -21040,53 +22771,12 @@
           </a:graphicData>
         </a:graphic>
       </p:graphicFrame>
-      <p:pic>
-        <p:nvPicPr>
-          <p:cNvPr id="12" name="Imagen 11" descr="http://3.bp.blogspot.com/-ODVA-vjGrKU/VCD0aPHTrlI/AAAAAAAAAF8/cQ6kgjSO8Xc/s1600/Modelo%2BIterativo.png">
+      <p:sp>
+        <p:nvSpPr>
+          <p:cNvPr id="20" name="Rectángulo 19">
             <a:extLst>
               <a:ext uri="{FF2B5EF4-FFF2-40B4-BE49-F238E27FC236}">
-                <a16:creationId xmlns:a16="http://schemas.microsoft.com/office/drawing/2014/main" id="{B70E04E2-3808-41D5-8434-113EE5C7CE42}"/>
-              </a:ext>
-            </a:extLst>
-          </p:cNvPr>
-          <p:cNvPicPr>
-            <a:picLocks noChangeAspect="1"/>
-          </p:cNvPicPr>
-          <p:nvPr/>
-        </p:nvPicPr>
-        <p:blipFill>
-          <a:blip r:embed="rId4">
-            <a:extLst>
-              <a:ext uri="{28A0092B-C50C-407E-A947-70E740481C1C}">
-                <a14:useLocalDpi xmlns:a14="http://schemas.microsoft.com/office/drawing/2010/main" val="0"/>
-              </a:ext>
-            </a:extLst>
-          </a:blip>
-          <a:srcRect/>
-          <a:stretch>
-            <a:fillRect/>
-          </a:stretch>
-        </p:blipFill>
-        <p:spPr bwMode="auto">
-          <a:xfrm>
-            <a:off x="1996976" y="1866489"/>
-            <a:ext cx="6892786" cy="2355850"/>
-          </a:xfrm>
-          <a:prstGeom prst="rect">
-            <a:avLst/>
-          </a:prstGeom>
-          <a:noFill/>
-          <a:ln>
-            <a:noFill/>
-          </a:ln>
-        </p:spPr>
-      </p:pic>
-      <p:sp>
-        <p:nvSpPr>
-          <p:cNvPr id="11" name="Rectángulo 10">
-            <a:extLst>
-              <a:ext uri="{FF2B5EF4-FFF2-40B4-BE49-F238E27FC236}">
-                <a16:creationId xmlns:a16="http://schemas.microsoft.com/office/drawing/2014/main" id="{83BA2C1E-E4D4-4C69-8114-DA8B8E2CF831}"/>
+                <a16:creationId xmlns:a16="http://schemas.microsoft.com/office/drawing/2014/main" id="{3F02F676-49E4-4567-AC9D-748E6ECE744C}"/>
               </a:ext>
             </a:extLst>
           </p:cNvPr>
@@ -21129,9 +22819,9 @@
           <a:lstStyle/>
           <a:p>
             <a:r>
-              <a:rPr lang="es-ES" sz="1350" u="sng" dirty="0">
+              <a:rPr lang="es-ES" sz="1350" b="1" u="sng" dirty="0">
                 <a:solidFill>
-                  <a:schemeClr val="bg1"/>
+                  <a:srgbClr val="FD9101"/>
                 </a:solidFill>
               </a:rPr>
               <a:t>Motivo del Proyecto</a:t>
@@ -21153,7 +22843,11 @@
               <a:buChar char="-"/>
             </a:pPr>
             <a:r>
-              <a:rPr lang="es-ES" sz="1350" dirty="0"/>
+              <a:rPr lang="es-ES" sz="1350" b="1" dirty="0">
+                <a:solidFill>
+                  <a:srgbClr val="FD9101"/>
+                </a:solidFill>
+              </a:rPr>
               <a:t>Objetivos</a:t>
             </a:r>
           </a:p>
@@ -21166,11 +22860,7 @@
           </a:p>
           <a:p>
             <a:r>
-              <a:rPr lang="es-ES" sz="1350" b="1" u="sng" dirty="0">
-                <a:solidFill>
-                  <a:srgbClr val="FD9101"/>
-                </a:solidFill>
-              </a:rPr>
+              <a:rPr lang="es-ES" sz="1350" u="sng" dirty="0"/>
               <a:t>Planificación</a:t>
             </a:r>
           </a:p>
@@ -21180,11 +22870,7 @@
               <a:buChar char="-"/>
             </a:pPr>
             <a:r>
-              <a:rPr lang="es-ES" sz="1350" b="1" dirty="0">
-                <a:solidFill>
-                  <a:srgbClr val="FD9101"/>
-                </a:solidFill>
-              </a:rPr>
+              <a:rPr lang="es-ES" sz="1350" dirty="0"/>
               <a:t>Metodología</a:t>
             </a:r>
           </a:p>
@@ -21274,7 +22960,7 @@
     </p:spTree>
     <p:extLst>
       <p:ext uri="{BB962C8B-B14F-4D97-AF65-F5344CB8AC3E}">
-        <p14:creationId xmlns:p14="http://schemas.microsoft.com/office/powerpoint/2010/main" val="3774586064"/>
+        <p14:creationId xmlns:p14="http://schemas.microsoft.com/office/powerpoint/2010/main" val="3214579386"/>
       </p:ext>
     </p:extLst>
   </p:cSld>
@@ -21337,7 +23023,7 @@
           <a:p>
             <a:r>
               <a:rPr lang="es-ES" dirty="0"/>
-              <a:t>ETAPAS DE DESARROLLO</a:t>
+              <a:t>Metodología de desarrollo</a:t>
             </a:r>
           </a:p>
         </p:txBody>
@@ -21608,10 +23294,10 @@
       </p:graphicFrame>
       <p:pic>
         <p:nvPicPr>
-          <p:cNvPr id="15" name="Imagen 14">
+          <p:cNvPr id="12" name="Imagen 11" descr="http://3.bp.blogspot.com/-ODVA-vjGrKU/VCD0aPHTrlI/AAAAAAAAAF8/cQ6kgjSO8Xc/s1600/Modelo%2BIterativo.png">
             <a:extLst>
               <a:ext uri="{FF2B5EF4-FFF2-40B4-BE49-F238E27FC236}">
-                <a16:creationId xmlns:a16="http://schemas.microsoft.com/office/drawing/2014/main" id="{2EF9A8BF-3178-4296-ACD8-4DE4B9A3F0CE}"/>
+                <a16:creationId xmlns:a16="http://schemas.microsoft.com/office/drawing/2014/main" id="{B70E04E2-3808-41D5-8434-113EE5C7CE42}"/>
               </a:ext>
             </a:extLst>
           </p:cNvPr>
@@ -21635,8 +23321,8 @@
         </p:blipFill>
         <p:spPr bwMode="auto">
           <a:xfrm>
-            <a:off x="2033195" y="1265327"/>
-            <a:ext cx="6694866" cy="4431477"/>
+            <a:off x="1996976" y="1866489"/>
+            <a:ext cx="6892786" cy="2355850"/>
           </a:xfrm>
           <a:prstGeom prst="rect">
             <a:avLst/>
@@ -21652,7 +23338,7 @@
           <p:cNvPr id="11" name="Rectángulo 10">
             <a:extLst>
               <a:ext uri="{FF2B5EF4-FFF2-40B4-BE49-F238E27FC236}">
-                <a16:creationId xmlns:a16="http://schemas.microsoft.com/office/drawing/2014/main" id="{2E445EF6-B4BE-4692-9D2C-6CC51D898914}"/>
+                <a16:creationId xmlns:a16="http://schemas.microsoft.com/office/drawing/2014/main" id="{83BA2C1E-E4D4-4C69-8114-DA8B8E2CF831}"/>
               </a:ext>
             </a:extLst>
           </p:cNvPr>
@@ -21746,21 +23432,21 @@
               <a:buChar char="-"/>
             </a:pPr>
             <a:r>
-              <a:rPr lang="es-ES" sz="1350" dirty="0"/>
-              <a:t>Metodología</a:t>
-            </a:r>
-          </a:p>
-          <a:p>
-            <a:pPr marL="108000" indent="-72000">
-              <a:buFontTx/>
-              <a:buChar char="-"/>
-            </a:pPr>
-            <a:r>
               <a:rPr lang="es-ES" sz="1350" b="1" dirty="0">
                 <a:solidFill>
                   <a:srgbClr val="FD9101"/>
                 </a:solidFill>
               </a:rPr>
+              <a:t>Metodología</a:t>
+            </a:r>
+          </a:p>
+          <a:p>
+            <a:pPr marL="108000" indent="-72000">
+              <a:buFontTx/>
+              <a:buChar char="-"/>
+            </a:pPr>
+            <a:r>
+              <a:rPr lang="es-ES" sz="1350" dirty="0"/>
               <a:t>Etapas</a:t>
             </a:r>
           </a:p>
@@ -21840,7 +23526,7 @@
     </p:spTree>
     <p:extLst>
       <p:ext uri="{BB962C8B-B14F-4D97-AF65-F5344CB8AC3E}">
-        <p14:creationId xmlns:p14="http://schemas.microsoft.com/office/powerpoint/2010/main" val="1682788456"/>
+        <p14:creationId xmlns:p14="http://schemas.microsoft.com/office/powerpoint/2010/main" val="3774586064"/>
       </p:ext>
     </p:extLst>
   </p:cSld>
@@ -22174,14 +23860,16 @@
       </p:graphicFrame>
       <p:pic>
         <p:nvPicPr>
-          <p:cNvPr id="11" name="Imagen 10">
+          <p:cNvPr id="15" name="Imagen 14">
             <a:extLst>
               <a:ext uri="{FF2B5EF4-FFF2-40B4-BE49-F238E27FC236}">
-                <a16:creationId xmlns:a16="http://schemas.microsoft.com/office/drawing/2014/main" id="{3E1898F8-C579-48B2-94A3-C062839A6E78}"/>
+                <a16:creationId xmlns:a16="http://schemas.microsoft.com/office/drawing/2014/main" id="{2EF9A8BF-3178-4296-ACD8-4DE4B9A3F0CE}"/>
               </a:ext>
             </a:extLst>
           </p:cNvPr>
-          <p:cNvPicPr/>
+          <p:cNvPicPr>
+            <a:picLocks noChangeAspect="1"/>
+          </p:cNvPicPr>
           <p:nvPr/>
         </p:nvPicPr>
         <p:blipFill>
@@ -22198,9 +23886,9 @@
           </a:stretch>
         </p:blipFill>
         <p:spPr bwMode="auto">
-          <a:xfrm rot="5400000">
-            <a:off x="4144342" y="-101734"/>
-            <a:ext cx="2598053" cy="6876415"/>
+          <a:xfrm>
+            <a:off x="2033195" y="1265327"/>
+            <a:ext cx="6694866" cy="4431477"/>
           </a:xfrm>
           <a:prstGeom prst="rect">
             <a:avLst/>
@@ -22213,10 +23901,10 @@
       </p:pic>
       <p:sp>
         <p:nvSpPr>
-          <p:cNvPr id="15" name="Rectángulo 14">
+          <p:cNvPr id="11" name="Rectángulo 10">
             <a:extLst>
               <a:ext uri="{FF2B5EF4-FFF2-40B4-BE49-F238E27FC236}">
-                <a16:creationId xmlns:a16="http://schemas.microsoft.com/office/drawing/2014/main" id="{9191C51B-FD2E-41AC-B28F-F2BE3FEA3646}"/>
+                <a16:creationId xmlns:a16="http://schemas.microsoft.com/office/drawing/2014/main" id="{2E445EF6-B4BE-4692-9D2C-6CC51D898914}"/>
               </a:ext>
             </a:extLst>
           </p:cNvPr>
@@ -22404,7 +24092,7 @@
     </p:spTree>
     <p:extLst>
       <p:ext uri="{BB962C8B-B14F-4D97-AF65-F5344CB8AC3E}">
-        <p14:creationId xmlns:p14="http://schemas.microsoft.com/office/powerpoint/2010/main" val="274187268"/>
+        <p14:creationId xmlns:p14="http://schemas.microsoft.com/office/powerpoint/2010/main" val="1682788456"/>
       </p:ext>
     </p:extLst>
   </p:cSld>

--- a/mem/presentacion.pptx
+++ b/mem/presentacion.pptx
@@ -5,25 +5,25 @@
     <p:sldMasterId id="2147483903" r:id="rId1"/>
   </p:sldMasterIdLst>
   <p:notesMasterIdLst>
-    <p:notesMasterId r:id="rId28"/>
+    <p:notesMasterId r:id="rId29"/>
   </p:notesMasterIdLst>
   <p:handoutMasterIdLst>
-    <p:handoutMasterId r:id="rId29"/>
+    <p:handoutMasterId r:id="rId30"/>
   </p:handoutMasterIdLst>
   <p:sldIdLst>
     <p:sldId id="256" r:id="rId2"/>
     <p:sldId id="394" r:id="rId3"/>
     <p:sldId id="397" r:id="rId4"/>
-    <p:sldId id="415" r:id="rId5"/>
-    <p:sldId id="398" r:id="rId6"/>
-    <p:sldId id="414" r:id="rId7"/>
-    <p:sldId id="399" r:id="rId8"/>
-    <p:sldId id="400" r:id="rId9"/>
-    <p:sldId id="404" r:id="rId10"/>
-    <p:sldId id="405" r:id="rId11"/>
-    <p:sldId id="407" r:id="rId12"/>
-    <p:sldId id="411" r:id="rId13"/>
-    <p:sldId id="402" r:id="rId14"/>
+    <p:sldId id="399" r:id="rId5"/>
+    <p:sldId id="400" r:id="rId6"/>
+    <p:sldId id="398" r:id="rId7"/>
+    <p:sldId id="414" r:id="rId8"/>
+    <p:sldId id="404" r:id="rId9"/>
+    <p:sldId id="405" r:id="rId10"/>
+    <p:sldId id="407" r:id="rId11"/>
+    <p:sldId id="411" r:id="rId12"/>
+    <p:sldId id="421" r:id="rId13"/>
+    <p:sldId id="420" r:id="rId14"/>
     <p:sldId id="416" r:id="rId15"/>
     <p:sldId id="412" r:id="rId16"/>
     <p:sldId id="388" r:id="rId17"/>
@@ -36,7 +36,8 @@
     <p:sldId id="410" r:id="rId24"/>
     <p:sldId id="409" r:id="rId25"/>
     <p:sldId id="406" r:id="rId26"/>
-    <p:sldId id="403" r:id="rId27"/>
+    <p:sldId id="402" r:id="rId27"/>
+    <p:sldId id="403" r:id="rId28"/>
   </p:sldIdLst>
   <p:sldSz cx="12192000" cy="6858000"/>
   <p:notesSz cx="6858000" cy="9144000"/>
@@ -251,7 +252,7 @@
           <a:p>
             <a:fld id="{CC2DD168-CD50-4286-8441-9D660E02632E}" type="datetimeFigureOut">
               <a:rPr lang="es-ES" smtClean="0"/>
-              <a:t>19/09/2017</a:t>
+              <a:t>22/09/2017</a:t>
             </a:fld>
             <a:endParaRPr lang="es-ES" dirty="0"/>
           </a:p>
@@ -416,7 +417,7 @@
           <a:p>
             <a:fld id="{29785892-479F-4DA1-837F-2BFA7E37E9AD}" type="datetimeFigureOut">
               <a:rPr lang="es-ES" smtClean="0"/>
-              <a:t>19/09/2017</a:t>
+              <a:t>22/09/2017</a:t>
             </a:fld>
             <a:endParaRPr lang="es-ES" dirty="0"/>
           </a:p>
@@ -826,213 +827,16 @@
           <a:p>
             <a:r>
               <a:rPr lang="es-ES" dirty="0"/>
-              <a:t>1.- Conceptualización e Interpretación de los datos</a:t>
-            </a:r>
-          </a:p>
-          <a:p>
+              <a:t>Aquí mostramos una estimación de costes del proyecto, incluyendo la </a:t>
+            </a:r>
+            <a:r>
+              <a:rPr lang="es-ES" dirty="0" err="1"/>
+              <a:t>infrastructura</a:t>
+            </a:r>
             <a:r>
               <a:rPr lang="es-ES" dirty="0"/>
-              <a:t>estudia la viabilidad del proyecto, así como las tecnologías a utilizar. Aunque parecía claro el uso del lenguaje R, se barajaban distintas alternativas de como plantear la interfaz hombre-maquina. Después de un primer análisis de las posibles capacidades de la herramienta, se determina como prueba de viabilidad el poder hacer una interpretación de los datos a tratar de la EPA que ofrece el INE.</a:t>
-            </a:r>
-          </a:p>
-          <a:p>
-            <a:endParaRPr lang="es-ES" dirty="0"/>
-          </a:p>
-          <a:p>
-            <a:r>
-              <a:rPr lang="es-ES" dirty="0"/>
-              <a:t>Segunda iteración: Diseño de la base de datos</a:t>
-            </a:r>
-          </a:p>
-          <a:p>
-            <a:r>
-              <a:rPr lang="es-ES" dirty="0"/>
-              <a:t>Después de esta primera fase de interpretación de los datos se determina como necesario el almacenar los mismos en una base de datos local. Esto es debido a cuestiones de eficiencia y rendimiento por el gran volumen de datos a tratar.</a:t>
-            </a:r>
-          </a:p>
-          <a:p>
-            <a:r>
-              <a:rPr lang="es-ES" dirty="0"/>
-              <a:t>De esta forma en esta fase se diseñan las estrategias para hacer un uso eficiente de los datos, así como planear su captura y almacenamiento.</a:t>
-            </a:r>
-          </a:p>
-          <a:p>
-            <a:r>
-              <a:rPr lang="es-ES" dirty="0"/>
-              <a:t> </a:t>
-            </a:r>
-          </a:p>
-          <a:p>
-            <a:r>
-              <a:rPr lang="es-ES" dirty="0"/>
-              <a:t>Tercera iteración: Incorporación de Análisis Exploratorio de Datos</a:t>
-            </a:r>
-          </a:p>
-          <a:p>
-            <a:r>
-              <a:rPr lang="es-ES" dirty="0"/>
-              <a:t>En esta iteración los esfuerzos se vuelcan en estudiar las técnicas más usadas de Análisis Exploratorio de Datos o EDA (</a:t>
-            </a:r>
-            <a:r>
-              <a:rPr lang="es-ES" dirty="0" err="1"/>
-              <a:t>Exploratory</a:t>
-            </a:r>
-            <a:r>
-              <a:rPr lang="es-ES" dirty="0"/>
-              <a:t> Data </a:t>
-            </a:r>
-            <a:r>
-              <a:rPr lang="es-ES" dirty="0" err="1"/>
-              <a:t>Analisys</a:t>
-            </a:r>
-            <a:r>
-              <a:rPr lang="es-ES" dirty="0"/>
-              <a:t>), así como las posibilidades de uso de distintas visualizaciones de los datos y su encaje con la herramienta.</a:t>
-            </a:r>
-          </a:p>
-          <a:p>
-            <a:r>
-              <a:rPr lang="es-ES" dirty="0"/>
-              <a:t>Una vez realizado el estudio a través de distintos cursos y fuentes de referencia se procede a sintetizar las visualizaciones o análisis más interesantes en distintas categorías.</a:t>
-            </a:r>
-          </a:p>
-          <a:p>
-            <a:endParaRPr lang="es-ES" dirty="0"/>
-          </a:p>
-          <a:p>
-            <a:r>
-              <a:rPr lang="es-ES" dirty="0"/>
-              <a:t>Cuarta iteración: Incorporación del motor para exportación documental</a:t>
-            </a:r>
-          </a:p>
-          <a:p>
-            <a:r>
-              <a:rPr lang="es-ES" dirty="0"/>
-              <a:t>De forma paralela a la iteración anterior se lanza la incorporación de un exportador de documentación, capaz de automatizar la obtención de ciertos informes básicos haciendo uso de los datos almacenados de la EPA.</a:t>
-            </a:r>
-          </a:p>
-          <a:p>
-            <a:r>
-              <a:rPr lang="es-ES" dirty="0"/>
-              <a:t>Para esto se toman como ejemplo las notas de prensa que el propio INE genera en cada uno de sus ejercicios trimestrales, con el objetivo de automatizar lo máximo posible la generación de dichas notas de prensa.</a:t>
-            </a:r>
-          </a:p>
-          <a:p>
-            <a:endParaRPr lang="es-ES" dirty="0"/>
-          </a:p>
-          <a:p>
-            <a:r>
-              <a:rPr lang="es-ES" dirty="0"/>
-              <a:t>Quinta iteración: Incorporación de Actualización de la Base de Datos</a:t>
-            </a:r>
-          </a:p>
-          <a:p>
-            <a:r>
-              <a:rPr lang="es-ES" dirty="0"/>
-              <a:t>Una vez llegados a este punto se detecta como necesaria la incorporación de un mecanismo automatizado de detección de nuevas actualizaciones de los datos de la EPA por parte del INE, así como la importación y normalización de estos datos a la base de datos local.</a:t>
-            </a:r>
-          </a:p>
-          <a:p>
-            <a:r>
-              <a:rPr lang="es-ES" dirty="0"/>
-              <a:t>En esta iteración se implementa este mecanismo avisando al usuario de la existencia de estos nuevos ficheros publicados y de la posibilidad de incluirlos a su repositorio.</a:t>
-            </a:r>
-          </a:p>
-          <a:p>
-            <a:r>
-              <a:rPr lang="es-ES" dirty="0"/>
-              <a:t> </a:t>
-            </a:r>
-          </a:p>
-          <a:p>
-            <a:r>
-              <a:rPr lang="es-ES" dirty="0"/>
-              <a:t>Sexta iteración: Incorporación de Reglas de Asociación</a:t>
-            </a:r>
-          </a:p>
-          <a:p>
-            <a:r>
-              <a:rPr lang="es-ES" dirty="0"/>
-              <a:t>Llegados a este punto se estudia el posible uso y explotación de los datos haciendo uso de distintas técnicas de aprendizaje máquina, donde surgen como mejores candidatos técnicas de aprendizaje no supervisado como reglas de asociación o técnicas de agrupamiento (o </a:t>
-            </a:r>
-            <a:r>
-              <a:rPr lang="es-ES" dirty="0" err="1"/>
-              <a:t>clustering</a:t>
-            </a:r>
-            <a:r>
-              <a:rPr lang="es-ES" dirty="0"/>
-              <a:t>).</a:t>
-            </a:r>
-          </a:p>
-          <a:p>
-            <a:r>
-              <a:rPr lang="es-ES" dirty="0"/>
-              <a:t>Aquí se estudia que posibilidades de visualización y explotación de reglas de asociación son las más comunes entre la comunidad, y se hace una implementación de algunas de las mismas en la herramienta.</a:t>
-            </a:r>
-          </a:p>
-          <a:p>
-            <a:endParaRPr lang="es-ES" dirty="0"/>
-          </a:p>
-          <a:p>
-            <a:r>
-              <a:rPr lang="es-ES" dirty="0"/>
-              <a:t>Séptima iteración: Incorporación de Técnicas de Agrupamiento</a:t>
-            </a:r>
-          </a:p>
-          <a:p>
-            <a:r>
-              <a:rPr lang="es-ES" dirty="0"/>
-              <a:t>Por último, en esta iteración se continua con el esfuerzo por la implementación de técnicas de aprendizaje maquina sobre los datos de la EPA, considerando como interesante el uso de técnicas de agrupamiento (</a:t>
-            </a:r>
-            <a:r>
-              <a:rPr lang="es-ES" dirty="0" err="1"/>
-              <a:t>clustering</a:t>
-            </a:r>
-            <a:r>
-              <a:rPr lang="es-ES" dirty="0"/>
-              <a:t>).</a:t>
-            </a:r>
-          </a:p>
-          <a:p>
-            <a:r>
-              <a:rPr lang="es-ES" dirty="0"/>
-              <a:t>Debido a la naturaleza categórica de los datos se considera hacer uso de algoritmos alternativos a los clásicos de </a:t>
-            </a:r>
-            <a:r>
-              <a:rPr lang="es-ES" dirty="0" err="1"/>
-              <a:t>clustering</a:t>
-            </a:r>
-            <a:r>
-              <a:rPr lang="es-ES" dirty="0"/>
-              <a:t> como k-</a:t>
-            </a:r>
-            <a:r>
-              <a:rPr lang="es-ES" dirty="0" err="1"/>
-              <a:t>means</a:t>
-            </a:r>
-            <a:r>
-              <a:rPr lang="es-ES" dirty="0"/>
-              <a:t> (</a:t>
-            </a:r>
-            <a:r>
-              <a:rPr lang="es-ES" dirty="0" err="1"/>
-              <a:t>MacQueen</a:t>
-            </a:r>
-            <a:r>
-              <a:rPr lang="es-ES" dirty="0"/>
-              <a:t>, 1967) más basados en observaciones numéricas. Se presenta como mejor candidato el algoritmo de los k-</a:t>
-            </a:r>
-            <a:r>
-              <a:rPr lang="es-ES" dirty="0" err="1"/>
-              <a:t>modes</a:t>
-            </a:r>
-            <a:r>
-              <a:rPr lang="es-ES" dirty="0"/>
-              <a:t> [13].</a:t>
-            </a:r>
-          </a:p>
-          <a:p>
-            <a:endParaRPr lang="es-ES" dirty="0"/>
+              <a:t> necesaria para su despliegue, de cuando podría haber costado el desarrollo del mismo.</a:t>
+            </a:r>
           </a:p>
         </p:txBody>
       </p:sp>
@@ -1062,7 +866,7 @@
     </p:spTree>
     <p:extLst>
       <p:ext uri="{BB962C8B-B14F-4D97-AF65-F5344CB8AC3E}">
-        <p14:creationId xmlns:p14="http://schemas.microsoft.com/office/powerpoint/2010/main" val="2412937875"/>
+        <p14:creationId xmlns:p14="http://schemas.microsoft.com/office/powerpoint/2010/main" val="1821026860"/>
       </p:ext>
     </p:extLst>
   </p:cSld>
@@ -1123,16 +927,231 @@
           <a:p>
             <a:r>
               <a:rPr lang="es-ES" dirty="0"/>
-              <a:t>Aquí mostramos una estimación de costes del proyecto, incluyendo la </a:t>
+              <a:t>Se hará uso del lenguaje de programación R [6] para el desarrollo de la misma por su creciente popularidad en el campo de la computación estadística y sus motores de visualización gráfica. R es un paquete GNU distribuido gratuitamente bajo la Licencia Publica General de GNU (GNU GPL).</a:t>
+            </a:r>
+          </a:p>
+          <a:p>
+            <a:r>
+              <a:rPr lang="es-ES" dirty="0"/>
+              <a:t>Se han utilizado varios paquetes adicionales de R para cubrir distintas necesidades dentro del proyecto. En concreto se ha hecho uso de </a:t>
             </a:r>
             <a:r>
               <a:rPr lang="es-ES" dirty="0" err="1"/>
-              <a:t>infrastructura</a:t>
+              <a:t>Shiny</a:t>
             </a:r>
             <a:r>
               <a:rPr lang="es-ES" dirty="0"/>
-              <a:t> necesaria para su despliegue, de cuando podría haber costado el desarrollo del mismo.</a:t>
-            </a:r>
+              <a:t> [7] como </a:t>
+            </a:r>
+            <a:r>
+              <a:rPr lang="es-ES" dirty="0" err="1"/>
+              <a:t>framework</a:t>
+            </a:r>
+            <a:r>
+              <a:rPr lang="es-ES" dirty="0"/>
+              <a:t> para el desarrollo de una interfaz web fácil de usar y mantener.</a:t>
+            </a:r>
+          </a:p>
+          <a:p>
+            <a:r>
+              <a:rPr lang="es-ES" dirty="0"/>
+              <a:t>Como entorno de desarrollo se ha elegido </a:t>
+            </a:r>
+            <a:r>
+              <a:rPr lang="es-ES" dirty="0" err="1"/>
+              <a:t>RStudio</a:t>
+            </a:r>
+            <a:r>
+              <a:rPr lang="es-ES" dirty="0"/>
+              <a:t> [8], debido a su integración con paquetes de uso muy extendido de R, como pueden ser </a:t>
+            </a:r>
+            <a:r>
+              <a:rPr lang="es-ES" dirty="0" err="1"/>
+              <a:t>Shiny</a:t>
+            </a:r>
+            <a:r>
+              <a:rPr lang="es-ES" dirty="0"/>
+              <a:t> o </a:t>
+            </a:r>
+            <a:r>
+              <a:rPr lang="es-ES" dirty="0" err="1"/>
+              <a:t>RMarkdown</a:t>
+            </a:r>
+            <a:r>
+              <a:rPr lang="es-ES" dirty="0"/>
+              <a:t>.</a:t>
+            </a:r>
+          </a:p>
+          <a:p>
+            <a:endParaRPr lang="es-ES" dirty="0"/>
+          </a:p>
+          <a:p>
+            <a:endParaRPr lang="es-ES" dirty="0"/>
+          </a:p>
+          <a:p>
+            <a:r>
+              <a:rPr lang="es-ES" sz="1200" kern="1200" dirty="0">
+                <a:solidFill>
+                  <a:schemeClr val="tx1"/>
+                </a:solidFill>
+                <a:effectLst/>
+                <a:latin typeface="+mn-lt"/>
+                <a:ea typeface="+mn-ea"/>
+                <a:cs typeface="+mn-cs"/>
+              </a:rPr>
+              <a:t>En concreto, el sistema de gestión de base de datos seleccionado ha sido SQLite [16]. Los principales motivos para su elección han sido, ante todo:</a:t>
+            </a:r>
+          </a:p>
+          <a:p>
+            <a:pPr lvl="0"/>
+            <a:r>
+              <a:rPr lang="es-ES" sz="1200" kern="1200" dirty="0">
+                <a:solidFill>
+                  <a:schemeClr val="tx1"/>
+                </a:solidFill>
+                <a:effectLst/>
+                <a:latin typeface="+mn-lt"/>
+                <a:ea typeface="+mn-ea"/>
+                <a:cs typeface="+mn-cs"/>
+              </a:rPr>
+              <a:t>Funcionamiento sin ningún tipo de configuración ni instalación de ningún servidor dedicado.</a:t>
+            </a:r>
+          </a:p>
+          <a:p>
+            <a:pPr lvl="0"/>
+            <a:r>
+              <a:rPr lang="es-ES" sz="1200" kern="1200" dirty="0">
+                <a:solidFill>
+                  <a:schemeClr val="tx1"/>
+                </a:solidFill>
+                <a:effectLst/>
+                <a:latin typeface="+mn-lt"/>
+                <a:ea typeface="+mn-ea"/>
+                <a:cs typeface="+mn-cs"/>
+              </a:rPr>
+              <a:t>Base de datos </a:t>
+            </a:r>
+            <a:r>
+              <a:rPr lang="es-ES" sz="1200" kern="1200" dirty="0" err="1">
+                <a:solidFill>
+                  <a:schemeClr val="tx1"/>
+                </a:solidFill>
+                <a:effectLst/>
+                <a:latin typeface="+mn-lt"/>
+                <a:ea typeface="+mn-ea"/>
+                <a:cs typeface="+mn-cs"/>
+              </a:rPr>
+              <a:t>autocontenida</a:t>
+            </a:r>
+            <a:r>
+              <a:rPr lang="es-ES" sz="1200" kern="1200" dirty="0">
+                <a:solidFill>
+                  <a:schemeClr val="tx1"/>
+                </a:solidFill>
+                <a:effectLst/>
+                <a:latin typeface="+mn-lt"/>
+                <a:ea typeface="+mn-ea"/>
+                <a:cs typeface="+mn-cs"/>
+              </a:rPr>
+              <a:t> en un único fichero, siendo este trasladable y compatible entre distintas plataformas.</a:t>
+            </a:r>
+          </a:p>
+          <a:p>
+            <a:pPr lvl="0"/>
+            <a:r>
+              <a:rPr lang="es-ES" sz="1200" kern="1200" dirty="0">
+                <a:solidFill>
+                  <a:schemeClr val="tx1"/>
+                </a:solidFill>
+                <a:effectLst/>
+                <a:latin typeface="+mn-lt"/>
+                <a:ea typeface="+mn-ea"/>
+                <a:cs typeface="+mn-cs"/>
+              </a:rPr>
+              <a:t>Código bajo dominio público y libre de copyright.</a:t>
+            </a:r>
+          </a:p>
+          <a:p>
+            <a:pPr lvl="0"/>
+            <a:endParaRPr lang="es-ES" sz="1200" kern="1200" dirty="0">
+              <a:solidFill>
+                <a:schemeClr val="tx1"/>
+              </a:solidFill>
+              <a:effectLst/>
+              <a:latin typeface="+mn-lt"/>
+              <a:ea typeface="+mn-ea"/>
+              <a:cs typeface="+mn-cs"/>
+            </a:endParaRPr>
+          </a:p>
+          <a:p>
+            <a:pPr marL="0" marR="0" lvl="0" indent="0" algn="l" defTabSz="914400" rtl="0" eaLnBrk="1" fontAlgn="auto" latinLnBrk="0" hangingPunct="1">
+              <a:lnSpc>
+                <a:spcPct val="100000"/>
+              </a:lnSpc>
+              <a:spcBef>
+                <a:spcPts val="0"/>
+              </a:spcBef>
+              <a:spcAft>
+                <a:spcPts val="0"/>
+              </a:spcAft>
+              <a:buClrTx/>
+              <a:buSzTx/>
+              <a:buFontTx/>
+              <a:buNone/>
+              <a:tabLst/>
+              <a:defRPr/>
+            </a:pPr>
+            <a:r>
+              <a:rPr lang="es-ES" sz="1200" kern="1200" dirty="0">
+                <a:solidFill>
+                  <a:schemeClr val="tx1"/>
+                </a:solidFill>
+                <a:effectLst/>
+                <a:latin typeface="+mn-lt"/>
+                <a:ea typeface="+mn-ea"/>
+                <a:cs typeface="+mn-cs"/>
+              </a:rPr>
+              <a:t>Git [17] es uno de los sistemas de control de configuración más utilizados hoy día. Ha sido seleccionado entre otros candidatos principalmente por su integración con </a:t>
+            </a:r>
+            <a:r>
+              <a:rPr lang="es-ES" sz="1200" kern="1200" dirty="0" err="1">
+                <a:solidFill>
+                  <a:schemeClr val="tx1"/>
+                </a:solidFill>
+                <a:effectLst/>
+                <a:latin typeface="+mn-lt"/>
+                <a:ea typeface="+mn-ea"/>
+                <a:cs typeface="+mn-cs"/>
+              </a:rPr>
+              <a:t>RStudio</a:t>
+            </a:r>
+            <a:r>
+              <a:rPr lang="es-ES" sz="1200" kern="1200" dirty="0">
+                <a:solidFill>
+                  <a:schemeClr val="tx1"/>
+                </a:solidFill>
+                <a:effectLst/>
+                <a:latin typeface="+mn-lt"/>
+                <a:ea typeface="+mn-ea"/>
+                <a:cs typeface="+mn-cs"/>
+              </a:rPr>
+              <a:t> y por estar familiarizado con el uso del mismo. Git se distribuye como software libre bajo licencia GNU GPL versión 2.</a:t>
+            </a:r>
+          </a:p>
+          <a:p>
+            <a:pPr lvl="0"/>
+            <a:endParaRPr lang="es-ES" sz="1200" kern="1200" dirty="0">
+              <a:solidFill>
+                <a:schemeClr val="tx1"/>
+              </a:solidFill>
+              <a:effectLst/>
+              <a:latin typeface="+mn-lt"/>
+              <a:ea typeface="+mn-ea"/>
+              <a:cs typeface="+mn-cs"/>
+            </a:endParaRPr>
+          </a:p>
+          <a:p>
+            <a:endParaRPr lang="es-ES" dirty="0"/>
           </a:p>
         </p:txBody>
       </p:sp>
@@ -1162,7 +1181,7 @@
     </p:spTree>
     <p:extLst>
       <p:ext uri="{BB962C8B-B14F-4D97-AF65-F5344CB8AC3E}">
-        <p14:creationId xmlns:p14="http://schemas.microsoft.com/office/powerpoint/2010/main" val="1821026860"/>
+        <p14:creationId xmlns:p14="http://schemas.microsoft.com/office/powerpoint/2010/main" val="4091670108"/>
       </p:ext>
     </p:extLst>
   </p:cSld>
@@ -1223,13 +1242,15 @@
           <a:p>
             <a:r>
               <a:rPr lang="es-ES" dirty="0"/>
-              <a:t>Se hará uso del lenguaje de programación R [6] para el desarrollo de la misma por su creciente popularidad en el campo de la computación estadística y sus motores de visualización gráfica. R es un paquete GNU distribuido gratuitamente bajo la Licencia Publica General de GNU (GNU GPL).</a:t>
-            </a:r>
-          </a:p>
-          <a:p>
+              <a:t>Para facilitar la estructura cliente servidor se ha utilizado el </a:t>
+            </a:r>
+            <a:r>
+              <a:rPr lang="es-ES" dirty="0" err="1"/>
+              <a:t>framework</a:t>
+            </a:r>
             <a:r>
               <a:rPr lang="es-ES" dirty="0"/>
-              <a:t>Se han utilizado varios paquetes adicionales de R para cubrir distintas necesidades dentro del proyecto. En concreto se ha hecho uso de </a:t>
+              <a:t> </a:t>
             </a:r>
             <a:r>
               <a:rPr lang="es-ES" dirty="0" err="1"/>
@@ -1237,29 +1258,7 @@
             </a:r>
             <a:r>
               <a:rPr lang="es-ES" dirty="0"/>
-              <a:t> [7] como </a:t>
-            </a:r>
-            <a:r>
-              <a:rPr lang="es-ES" dirty="0" err="1"/>
-              <a:t>framework</a:t>
-            </a:r>
-            <a:r>
-              <a:rPr lang="es-ES" dirty="0"/>
-              <a:t> para el desarrollo de una interfaz web fácil de usar y mantener.</a:t>
-            </a:r>
-          </a:p>
-          <a:p>
-            <a:r>
-              <a:rPr lang="es-ES" dirty="0"/>
-              <a:t>Como entorno de desarrollo se ha elegido </a:t>
-            </a:r>
-            <a:r>
-              <a:rPr lang="es-ES" dirty="0" err="1"/>
-              <a:t>RStudio</a:t>
-            </a:r>
-            <a:r>
-              <a:rPr lang="es-ES" dirty="0"/>
-              <a:t> [8], debido a su integración con paquetes de uso muy extendido de R, como pueden ser </a:t>
+              <a:t> [7] del lenguaje R. </a:t>
             </a:r>
             <a:r>
               <a:rPr lang="es-ES" dirty="0" err="1"/>
@@ -1267,187 +1266,8 @@
             </a:r>
             <a:r>
               <a:rPr lang="es-ES" dirty="0"/>
-              <a:t> o </a:t>
-            </a:r>
-            <a:r>
-              <a:rPr lang="es-ES" dirty="0" err="1"/>
-              <a:t>RMarkdown</a:t>
-            </a:r>
-            <a:r>
-              <a:rPr lang="es-ES" dirty="0"/>
-              <a:t>.</a:t>
-            </a:r>
-          </a:p>
-          <a:p>
-            <a:endParaRPr lang="es-ES" dirty="0"/>
-          </a:p>
-          <a:p>
-            <a:endParaRPr lang="es-ES" dirty="0"/>
-          </a:p>
-          <a:p>
-            <a:r>
-              <a:rPr lang="es-ES" sz="1200" kern="1200" dirty="0">
-                <a:solidFill>
-                  <a:schemeClr val="tx1"/>
-                </a:solidFill>
-                <a:effectLst/>
-                <a:latin typeface="+mn-lt"/>
-                <a:ea typeface="+mn-ea"/>
-                <a:cs typeface="+mn-cs"/>
-              </a:rPr>
-              <a:t>En concreto, el sistema de gestión de base de datos seleccionado ha sido SQLite [16]. Los principales motivos para su elección han sido, ante todo:</a:t>
-            </a:r>
-          </a:p>
-          <a:p>
-            <a:pPr lvl="0"/>
-            <a:r>
-              <a:rPr lang="es-ES" sz="1200" kern="1200" dirty="0">
-                <a:solidFill>
-                  <a:schemeClr val="tx1"/>
-                </a:solidFill>
-                <a:effectLst/>
-                <a:latin typeface="+mn-lt"/>
-                <a:ea typeface="+mn-ea"/>
-                <a:cs typeface="+mn-cs"/>
-              </a:rPr>
-              <a:t>Funcionamiento sin ningún tipo de configuración ni instalación de ningún servidor dedicado.</a:t>
-            </a:r>
-          </a:p>
-          <a:p>
-            <a:pPr lvl="0"/>
-            <a:r>
-              <a:rPr lang="es-ES" sz="1200" kern="1200" dirty="0">
-                <a:solidFill>
-                  <a:schemeClr val="tx1"/>
-                </a:solidFill>
-                <a:effectLst/>
-                <a:latin typeface="+mn-lt"/>
-                <a:ea typeface="+mn-ea"/>
-                <a:cs typeface="+mn-cs"/>
-              </a:rPr>
-              <a:t>Base de datos </a:t>
-            </a:r>
-            <a:r>
-              <a:rPr lang="es-ES" sz="1200" kern="1200" dirty="0" err="1">
-                <a:solidFill>
-                  <a:schemeClr val="tx1"/>
-                </a:solidFill>
-                <a:effectLst/>
-                <a:latin typeface="+mn-lt"/>
-                <a:ea typeface="+mn-ea"/>
-                <a:cs typeface="+mn-cs"/>
-              </a:rPr>
-              <a:t>autocontenida</a:t>
-            </a:r>
-            <a:r>
-              <a:rPr lang="es-ES" sz="1200" kern="1200" dirty="0">
-                <a:solidFill>
-                  <a:schemeClr val="tx1"/>
-                </a:solidFill>
-                <a:effectLst/>
-                <a:latin typeface="+mn-lt"/>
-                <a:ea typeface="+mn-ea"/>
-                <a:cs typeface="+mn-cs"/>
-              </a:rPr>
-              <a:t> en un único fichero, siendo este trasladable y compatible entre distintas plataformas.</a:t>
-            </a:r>
-          </a:p>
-          <a:p>
-            <a:pPr lvl="0"/>
-            <a:r>
-              <a:rPr lang="es-ES" sz="1200" kern="1200" dirty="0">
-                <a:solidFill>
-                  <a:schemeClr val="tx1"/>
-                </a:solidFill>
-                <a:effectLst/>
-                <a:latin typeface="+mn-lt"/>
-                <a:ea typeface="+mn-ea"/>
-                <a:cs typeface="+mn-cs"/>
-              </a:rPr>
-              <a:t>Código bajo dominio público y libre de copyright.</a:t>
-            </a:r>
-          </a:p>
-          <a:p>
-            <a:pPr lvl="0"/>
-            <a:endParaRPr lang="es-ES" sz="1200" kern="1200" dirty="0">
-              <a:solidFill>
-                <a:schemeClr val="tx1"/>
-              </a:solidFill>
-              <a:effectLst/>
-              <a:latin typeface="+mn-lt"/>
-              <a:ea typeface="+mn-ea"/>
-              <a:cs typeface="+mn-cs"/>
-            </a:endParaRPr>
-          </a:p>
-          <a:p>
-            <a:pPr marL="0" marR="0" lvl="0" indent="0" algn="l" defTabSz="914400" rtl="0" eaLnBrk="1" fontAlgn="auto" latinLnBrk="0" hangingPunct="1">
-              <a:lnSpc>
-                <a:spcPct val="100000"/>
-              </a:lnSpc>
-              <a:spcBef>
-                <a:spcPts val="0"/>
-              </a:spcBef>
-              <a:spcAft>
-                <a:spcPts val="0"/>
-              </a:spcAft>
-              <a:buClrTx/>
-              <a:buSzTx/>
-              <a:buFontTx/>
-              <a:buNone/>
-              <a:tabLst/>
-              <a:defRPr/>
-            </a:pPr>
-            <a:r>
-              <a:rPr lang="es-ES" sz="1200" kern="1200" dirty="0">
-                <a:solidFill>
-                  <a:schemeClr val="tx1"/>
-                </a:solidFill>
-                <a:effectLst/>
-                <a:latin typeface="+mn-lt"/>
-                <a:ea typeface="+mn-ea"/>
-                <a:cs typeface="+mn-cs"/>
-              </a:rPr>
-              <a:t>Git [17] es uno de los sistemas de control de configuración más utilizados hoy día. Ha sido seleccionado entre otros candidatos principalmente por su integración con </a:t>
-            </a:r>
-            <a:r>
-              <a:rPr lang="es-ES" sz="1200" kern="1200" dirty="0" err="1">
-                <a:solidFill>
-                  <a:schemeClr val="tx1"/>
-                </a:solidFill>
-                <a:effectLst/>
-                <a:latin typeface="+mn-lt"/>
-                <a:ea typeface="+mn-ea"/>
-                <a:cs typeface="+mn-cs"/>
-              </a:rPr>
-              <a:t>RStudio</a:t>
-            </a:r>
-            <a:r>
-              <a:rPr lang="es-ES" sz="1200" kern="1200" dirty="0">
-                <a:solidFill>
-                  <a:schemeClr val="tx1"/>
-                </a:solidFill>
-                <a:effectLst/>
-                <a:latin typeface="+mn-lt"/>
-                <a:ea typeface="+mn-ea"/>
-                <a:cs typeface="+mn-cs"/>
-              </a:rPr>
-              <a:t> y por estar familiarizado con el uso del mismo. Git se distribuye como software libre bajo licencia GNU GPL versión 2.</a:t>
-            </a:r>
-          </a:p>
-          <a:p>
-            <a:pPr lvl="0"/>
-            <a:endParaRPr lang="es-ES" sz="1200" kern="1200" dirty="0">
-              <a:solidFill>
-                <a:schemeClr val="tx1"/>
-              </a:solidFill>
-              <a:effectLst/>
-              <a:latin typeface="+mn-lt"/>
-              <a:ea typeface="+mn-ea"/>
-              <a:cs typeface="+mn-cs"/>
-            </a:endParaRPr>
-          </a:p>
-          <a:p>
-            <a:endParaRPr lang="es-ES" dirty="0"/>
+              <a:t> nos permite definir y mantener una vista web, independiente del proceso que realiza el servidor, como queda ilustrado en la figura 4</a:t>
+            </a:r>
           </a:p>
         </p:txBody>
       </p:sp>
@@ -1477,7 +1297,7 @@
     </p:spTree>
     <p:extLst>
       <p:ext uri="{BB962C8B-B14F-4D97-AF65-F5344CB8AC3E}">
-        <p14:creationId xmlns:p14="http://schemas.microsoft.com/office/powerpoint/2010/main" val="4091670108"/>
+        <p14:creationId xmlns:p14="http://schemas.microsoft.com/office/powerpoint/2010/main" val="336255293"/>
       </p:ext>
     </p:extLst>
   </p:cSld>
@@ -1593,7 +1413,7 @@
     </p:spTree>
     <p:extLst>
       <p:ext uri="{BB962C8B-B14F-4D97-AF65-F5344CB8AC3E}">
-        <p14:creationId xmlns:p14="http://schemas.microsoft.com/office/powerpoint/2010/main" val="2436157154"/>
+        <p14:creationId xmlns:p14="http://schemas.microsoft.com/office/powerpoint/2010/main" val="3210092437"/>
       </p:ext>
     </p:extLst>
   </p:cSld>
@@ -3169,6 +2989,122 @@
           <a:bodyPr/>
           <a:lstStyle/>
           <a:p>
+            <a:r>
+              <a:rPr lang="es-ES" dirty="0"/>
+              <a:t>Para facilitar la estructura cliente servidor se ha utilizado el </a:t>
+            </a:r>
+            <a:r>
+              <a:rPr lang="es-ES" dirty="0" err="1"/>
+              <a:t>framework</a:t>
+            </a:r>
+            <a:r>
+              <a:rPr lang="es-ES" dirty="0"/>
+              <a:t> </a:t>
+            </a:r>
+            <a:r>
+              <a:rPr lang="es-ES" dirty="0" err="1"/>
+              <a:t>Shiny</a:t>
+            </a:r>
+            <a:r>
+              <a:rPr lang="es-ES" dirty="0"/>
+              <a:t> [7] del lenguaje R. </a:t>
+            </a:r>
+            <a:r>
+              <a:rPr lang="es-ES" dirty="0" err="1"/>
+              <a:t>Shiny</a:t>
+            </a:r>
+            <a:r>
+              <a:rPr lang="es-ES" dirty="0"/>
+              <a:t> nos permite definir y mantener una vista web, independiente del proceso que realiza el servidor, como queda ilustrado en la figura 4</a:t>
+            </a:r>
+          </a:p>
+        </p:txBody>
+      </p:sp>
+      <p:sp>
+        <p:nvSpPr>
+          <p:cNvPr id="4" name="Marcador de número de diapositiva 3"/>
+          <p:cNvSpPr>
+            <a:spLocks noGrp="1"/>
+          </p:cNvSpPr>
+          <p:nvPr>
+            <p:ph type="sldNum" sz="quarter" idx="10"/>
+          </p:nvPr>
+        </p:nvSpPr>
+        <p:spPr/>
+        <p:txBody>
+          <a:bodyPr/>
+          <a:lstStyle/>
+          <a:p>
+            <a:fld id="{DF4BDEB7-51E0-4F37-900C-D21B59A587AE}" type="slidenum">
+              <a:rPr lang="es-ES" smtClean="0"/>
+              <a:t>26</a:t>
+            </a:fld>
+            <a:endParaRPr lang="es-ES" dirty="0"/>
+          </a:p>
+        </p:txBody>
+      </p:sp>
+    </p:spTree>
+    <p:extLst>
+      <p:ext uri="{BB962C8B-B14F-4D97-AF65-F5344CB8AC3E}">
+        <p14:creationId xmlns:p14="http://schemas.microsoft.com/office/powerpoint/2010/main" val="2436157154"/>
+      </p:ext>
+    </p:extLst>
+  </p:cSld>
+  <p:clrMapOvr>
+    <a:masterClrMapping/>
+  </p:clrMapOvr>
+</p:notes>
+</file>
+
+<file path=ppt/notesSlides/notesSlide27.xml><?xml version="1.0" encoding="utf-8"?>
+<p:notes xmlns:a="http://schemas.openxmlformats.org/drawingml/2006/main" xmlns:r="http://schemas.openxmlformats.org/officeDocument/2006/relationships" xmlns:p="http://schemas.openxmlformats.org/presentationml/2006/main">
+  <p:cSld>
+    <p:spTree>
+      <p:nvGrpSpPr>
+        <p:cNvPr id="1" name=""/>
+        <p:cNvGrpSpPr/>
+        <p:nvPr/>
+      </p:nvGrpSpPr>
+      <p:grpSpPr>
+        <a:xfrm>
+          <a:off x="0" y="0"/>
+          <a:ext cx="0" cy="0"/>
+          <a:chOff x="0" y="0"/>
+          <a:chExt cx="0" cy="0"/>
+        </a:xfrm>
+      </p:grpSpPr>
+      <p:sp>
+        <p:nvSpPr>
+          <p:cNvPr id="2" name="Marcador de imagen de diapositiva 1"/>
+          <p:cNvSpPr>
+            <a:spLocks noGrp="1" noRot="1" noChangeAspect="1"/>
+          </p:cNvSpPr>
+          <p:nvPr>
+            <p:ph type="sldImg"/>
+          </p:nvPr>
+        </p:nvSpPr>
+        <p:spPr>
+          <a:xfrm>
+            <a:off x="685800" y="1143000"/>
+            <a:ext cx="5486400" cy="3086100"/>
+          </a:xfrm>
+        </p:spPr>
+      </p:sp>
+      <p:sp>
+        <p:nvSpPr>
+          <p:cNvPr id="3" name="Marcador de notas 2"/>
+          <p:cNvSpPr>
+            <a:spLocks noGrp="1"/>
+          </p:cNvSpPr>
+          <p:nvPr>
+            <p:ph type="body" idx="1"/>
+          </p:nvPr>
+        </p:nvSpPr>
+        <p:spPr/>
+        <p:txBody>
+          <a:bodyPr/>
+          <a:lstStyle/>
+          <a:p>
             <a:pPr marL="0" marR="0" lvl="0" indent="0" algn="l" defTabSz="914400" rtl="0" eaLnBrk="1" fontAlgn="auto" latinLnBrk="0" hangingPunct="1">
               <a:lnSpc>
                 <a:spcPct val="100000"/>
@@ -3269,7 +3205,7 @@
           <a:p>
             <a:fld id="{DF4BDEB7-51E0-4F37-900C-D21B59A587AE}" type="slidenum">
               <a:rPr lang="es-ES" smtClean="0"/>
-              <a:t>26</a:t>
+              <a:t>27</a:t>
             </a:fld>
             <a:endParaRPr lang="es-ES" dirty="0"/>
           </a:p>
@@ -3468,89 +3404,8 @@
           <a:p>
             <a:r>
               <a:rPr lang="es-ES" dirty="0"/>
-              <a:t>Consideramos entonces interesante hacer el desarrollo de una herramienta que permita:</a:t>
-            </a:r>
-          </a:p>
-          <a:p>
-            <a:pPr marL="171450" indent="-171450">
-              <a:buFontTx/>
-              <a:buChar char="-"/>
-            </a:pPr>
-            <a:r>
-              <a:rPr lang="es-ES" dirty="0"/>
-              <a:t>Interpretar, almacenar, procesar y normalizar los datos</a:t>
-            </a:r>
-          </a:p>
-          <a:p>
-            <a:pPr marL="171450" indent="-171450">
-              <a:buFontTx/>
-              <a:buChar char="-"/>
-            </a:pPr>
-            <a:r>
-              <a:rPr lang="es-ES" dirty="0"/>
-              <a:t>Análisis exploratorio sobre los datos recogidos</a:t>
-            </a:r>
-          </a:p>
-          <a:p>
-            <a:pPr marL="171450" indent="-171450">
-              <a:buFontTx/>
-              <a:buChar char="-"/>
-            </a:pPr>
-            <a:r>
-              <a:rPr lang="es-ES" dirty="0"/>
-              <a:t>Aplicación de técnicas de aprendizaje computacional no supervisado, como </a:t>
-            </a:r>
-            <a:r>
-              <a:rPr lang="es-ES" dirty="0" err="1"/>
-              <a:t>clustering</a:t>
-            </a:r>
-            <a:r>
-              <a:rPr lang="es-ES" dirty="0"/>
-              <a:t> o reglas de asociación.</a:t>
-            </a:r>
-          </a:p>
-          <a:p>
-            <a:pPr marL="171450" indent="-171450">
-              <a:buFontTx/>
-              <a:buChar char="-"/>
-            </a:pPr>
-            <a:r>
-              <a:rPr lang="es-ES" dirty="0"/>
-              <a:t>Generación de informes</a:t>
-            </a:r>
-          </a:p>
-          <a:p>
-            <a:pPr marL="171450" indent="-171450">
-              <a:buFontTx/>
-              <a:buChar char="-"/>
-            </a:pPr>
-            <a:r>
-              <a:rPr lang="es-ES" dirty="0"/>
-              <a:t>Actualizable.</a:t>
-            </a:r>
-          </a:p>
-          <a:p>
-            <a:pPr marL="171450" indent="-171450">
-              <a:buFontTx/>
-              <a:buChar char="-"/>
-            </a:pPr>
-            <a:r>
-              <a:rPr lang="es-ES" dirty="0"/>
-              <a:t>Fácil de usar, amigable</a:t>
-            </a:r>
-          </a:p>
-          <a:p>
-            <a:pPr marL="171450" indent="-171450">
-              <a:buFontTx/>
-              <a:buChar char="-"/>
-            </a:pPr>
-            <a:r>
-              <a:rPr lang="es-ES" dirty="0"/>
-              <a:t>Basada en un entorno web.</a:t>
-            </a:r>
-          </a:p>
-          <a:p>
-            <a:endParaRPr lang="es-ES" dirty="0"/>
+              <a:t>Desde la web del INE es posible descargar una herramienta de análisis de datos bajo Windows (PC-Axis), aunque esta herramienta se limita a cálculos y gráficas estadísticas básicas, sobre resultados que ya han sido procesados previamente. Esta pensado principalmente para preparar datos para volcar a una Excel.</a:t>
+            </a:r>
           </a:p>
         </p:txBody>
       </p:sp>
@@ -3580,7 +3435,7 @@
     </p:spTree>
     <p:extLst>
       <p:ext uri="{BB962C8B-B14F-4D97-AF65-F5344CB8AC3E}">
-        <p14:creationId xmlns:p14="http://schemas.microsoft.com/office/powerpoint/2010/main" val="3912919297"/>
+        <p14:creationId xmlns:p14="http://schemas.microsoft.com/office/powerpoint/2010/main" val="1790854763"/>
       </p:ext>
     </p:extLst>
   </p:cSld>
@@ -3641,8 +3496,89 @@
           <a:p>
             <a:r>
               <a:rPr lang="es-ES" dirty="0"/>
-              <a:t>El INE publica los datos obtenidos en los distintos ejercicios de la EPA, en un formato de tabla donde cada fila corresponde a una persona encuestada, y cada columna a una de las preguntas que ha contestado en dicha encuesta. Esta imagen es una porción de uno de estos ficheros de datos.</a:t>
-            </a:r>
+              <a:t>Consideramos entonces interesante hacer el desarrollo de una herramienta que permita:</a:t>
+            </a:r>
+          </a:p>
+          <a:p>
+            <a:pPr marL="171450" indent="-171450">
+              <a:buFontTx/>
+              <a:buChar char="-"/>
+            </a:pPr>
+            <a:r>
+              <a:rPr lang="es-ES" dirty="0"/>
+              <a:t>Interpretar, almacenar, procesar y normalizar los datos</a:t>
+            </a:r>
+          </a:p>
+          <a:p>
+            <a:pPr marL="171450" indent="-171450">
+              <a:buFontTx/>
+              <a:buChar char="-"/>
+            </a:pPr>
+            <a:r>
+              <a:rPr lang="es-ES" dirty="0"/>
+              <a:t>Análisis exploratorio sobre los datos recogidos</a:t>
+            </a:r>
+          </a:p>
+          <a:p>
+            <a:pPr marL="171450" indent="-171450">
+              <a:buFontTx/>
+              <a:buChar char="-"/>
+            </a:pPr>
+            <a:r>
+              <a:rPr lang="es-ES" dirty="0"/>
+              <a:t>Aplicación de técnicas de aprendizaje computacional no supervisado, como </a:t>
+            </a:r>
+            <a:r>
+              <a:rPr lang="es-ES" dirty="0" err="1"/>
+              <a:t>clustering</a:t>
+            </a:r>
+            <a:r>
+              <a:rPr lang="es-ES" dirty="0"/>
+              <a:t> o reglas de asociación.</a:t>
+            </a:r>
+          </a:p>
+          <a:p>
+            <a:pPr marL="171450" indent="-171450">
+              <a:buFontTx/>
+              <a:buChar char="-"/>
+            </a:pPr>
+            <a:r>
+              <a:rPr lang="es-ES" dirty="0"/>
+              <a:t>Generación de informes</a:t>
+            </a:r>
+          </a:p>
+          <a:p>
+            <a:pPr marL="171450" indent="-171450">
+              <a:buFontTx/>
+              <a:buChar char="-"/>
+            </a:pPr>
+            <a:r>
+              <a:rPr lang="es-ES" dirty="0"/>
+              <a:t>Actualizable.</a:t>
+            </a:r>
+          </a:p>
+          <a:p>
+            <a:pPr marL="171450" indent="-171450">
+              <a:buFontTx/>
+              <a:buChar char="-"/>
+            </a:pPr>
+            <a:r>
+              <a:rPr lang="es-ES" dirty="0"/>
+              <a:t>Fácil de usar, amigable</a:t>
+            </a:r>
+          </a:p>
+          <a:p>
+            <a:pPr marL="171450" indent="-171450">
+              <a:buFontTx/>
+              <a:buChar char="-"/>
+            </a:pPr>
+            <a:r>
+              <a:rPr lang="es-ES" dirty="0"/>
+              <a:t>Basada en un entorno web.</a:t>
+            </a:r>
+          </a:p>
+          <a:p>
+            <a:endParaRPr lang="es-ES" dirty="0"/>
           </a:p>
         </p:txBody>
       </p:sp>
@@ -3672,7 +3608,7 @@
     </p:spTree>
     <p:extLst>
       <p:ext uri="{BB962C8B-B14F-4D97-AF65-F5344CB8AC3E}">
-        <p14:creationId xmlns:p14="http://schemas.microsoft.com/office/powerpoint/2010/main" val="1890851853"/>
+        <p14:creationId xmlns:p14="http://schemas.microsoft.com/office/powerpoint/2010/main" val="2628330224"/>
       </p:ext>
     </p:extLst>
   </p:cSld>
@@ -3733,7 +3669,7 @@
           <a:p>
             <a:r>
               <a:rPr lang="es-ES" dirty="0"/>
-              <a:t>El INE provee una guía de interpretación de dichos datos, así como descripciones de su significado. Esta información nos ha servido para poder interpretar los ficheros de datos anteriormente mencionados.</a:t>
+              <a:t>El INE publica los datos obtenidos en los distintos ejercicios de la EPA, en un formato de tabla donde cada fila corresponde a una persona encuestada, y cada columna a una de las preguntas que ha contestado en dicha encuesta. Esta imagen es una porción de uno de estos ficheros de datos.</a:t>
             </a:r>
           </a:p>
         </p:txBody>
@@ -3764,7 +3700,7 @@
     </p:spTree>
     <p:extLst>
       <p:ext uri="{BB962C8B-B14F-4D97-AF65-F5344CB8AC3E}">
-        <p14:creationId xmlns:p14="http://schemas.microsoft.com/office/powerpoint/2010/main" val="2703192354"/>
+        <p14:creationId xmlns:p14="http://schemas.microsoft.com/office/powerpoint/2010/main" val="1890851853"/>
       </p:ext>
     </p:extLst>
   </p:cSld>
@@ -3825,7 +3761,7 @@
           <a:p>
             <a:r>
               <a:rPr lang="es-ES" dirty="0"/>
-              <a:t>Desde la web del INE es posible descargar una herramienta de análisis de datos bajo Windows (PC-Axis), aunque esta herramienta se limita a cálculos y gráficas estadísticas básicas, sobre resultados que ya han sido procesados previamente. Esta pensado principalmente para preparar datos para volcar a una Excel.</a:t>
+              <a:t>El INE provee una guía de interpretación de dichos datos, así como descripciones de su significado. Esta información nos ha servido para poder interpretar los ficheros de datos anteriormente mencionados.</a:t>
             </a:r>
           </a:p>
         </p:txBody>
@@ -3856,7 +3792,7 @@
     </p:spTree>
     <p:extLst>
       <p:ext uri="{BB962C8B-B14F-4D97-AF65-F5344CB8AC3E}">
-        <p14:creationId xmlns:p14="http://schemas.microsoft.com/office/powerpoint/2010/main" val="1790854763"/>
+        <p14:creationId xmlns:p14="http://schemas.microsoft.com/office/powerpoint/2010/main" val="2703192354"/>
       </p:ext>
     </p:extLst>
   </p:cSld>
@@ -3917,89 +3853,55 @@
           <a:p>
             <a:r>
               <a:rPr lang="es-ES" dirty="0"/>
-              <a:t>Consideramos entonces interesante hacer el desarrollo de una herramienta que permita:</a:t>
-            </a:r>
-          </a:p>
-          <a:p>
-            <a:pPr marL="171450" indent="-171450">
-              <a:buFontTx/>
-              <a:buChar char="-"/>
-            </a:pPr>
+              <a:t>Analizando el proyecto a desarrollar se determinó que seguir un modelo de desarrollo software de tipo incremental, sería la opción más apropiada para acometer el problema en cuestión. Este modelo de desarrollo se caracteriza por plantear la planificación de un proyecto en distintos bloques temporales que pasaremos a denominar iteración.</a:t>
+            </a:r>
+          </a:p>
+          <a:p>
             <a:r>
               <a:rPr lang="es-ES" dirty="0"/>
-              <a:t>Interpretar, almacenar, procesar y normalizar los datos</a:t>
-            </a:r>
-          </a:p>
-          <a:p>
-            <a:pPr marL="171450" indent="-171450">
-              <a:buFontTx/>
-              <a:buChar char="-"/>
-            </a:pPr>
-            <a:r>
-              <a:rPr lang="es-ES" dirty="0"/>
-              <a:t>Análisis exploratorio sobre los datos recogidos</a:t>
-            </a:r>
-          </a:p>
-          <a:p>
-            <a:pPr marL="171450" indent="-171450">
-              <a:buFontTx/>
-              <a:buChar char="-"/>
-            </a:pPr>
-            <a:r>
-              <a:rPr lang="es-ES" dirty="0"/>
-              <a:t>Aplicación de técnicas de aprendizaje computacional no supervisado, como </a:t>
-            </a:r>
-            <a:r>
-              <a:rPr lang="es-ES" dirty="0" err="1"/>
-              <a:t>clustering</a:t>
-            </a:r>
-            <a:r>
-              <a:rPr lang="es-ES" dirty="0"/>
-              <a:t> o reglas de asociación.</a:t>
-            </a:r>
-          </a:p>
-          <a:p>
-            <a:pPr marL="171450" indent="-171450">
-              <a:buFontTx/>
-              <a:buChar char="-"/>
-            </a:pPr>
-            <a:r>
-              <a:rPr lang="es-ES" dirty="0"/>
-              <a:t>Generación de informes</a:t>
-            </a:r>
-          </a:p>
-          <a:p>
-            <a:pPr marL="171450" indent="-171450">
-              <a:buFontTx/>
-              <a:buChar char="-"/>
-            </a:pPr>
-            <a:r>
-              <a:rPr lang="es-ES" dirty="0"/>
-              <a:t>Actualizable.</a:t>
-            </a:r>
-          </a:p>
-          <a:p>
-            <a:pPr marL="171450" indent="-171450">
-              <a:buFontTx/>
-              <a:buChar char="-"/>
-            </a:pPr>
-            <a:r>
-              <a:rPr lang="es-ES" dirty="0"/>
-              <a:t>Fácil de usar, amigable</a:t>
-            </a:r>
-          </a:p>
-          <a:p>
-            <a:pPr marL="171450" indent="-171450">
-              <a:buFontTx/>
-              <a:buChar char="-"/>
-            </a:pPr>
-            <a:r>
-              <a:rPr lang="es-ES" dirty="0"/>
-              <a:t>Basada en un entorno web.</a:t>
+              <a:t>En cada iteración repetiremos el mismo proceso definido para el resto. De esta forma obtendremos un producto que funciona desde la primera iteración con un conjunto limitado de funcionalidad.</a:t>
             </a:r>
           </a:p>
           <a:p>
             <a:endParaRPr lang="es-ES" dirty="0"/>
+          </a:p>
+          <a:p>
+            <a:r>
+              <a:rPr lang="es-ES" sz="1200" kern="1200" dirty="0">
+                <a:solidFill>
+                  <a:schemeClr val="tx1"/>
+                </a:solidFill>
+                <a:effectLst/>
+                <a:latin typeface="+mn-lt"/>
+                <a:ea typeface="+mn-ea"/>
+                <a:cs typeface="+mn-cs"/>
+              </a:rPr>
+              <a:t>La elección de esta metodología de desarrollo se debe principalmente la naturaleza del proyecto, donde se plantean una serie de herramientas o aplicaciones independientes a modo de </a:t>
+            </a:r>
+            <a:r>
+              <a:rPr lang="es-ES" sz="1200" kern="1200" dirty="0" err="1">
+                <a:solidFill>
+                  <a:schemeClr val="tx1"/>
+                </a:solidFill>
+                <a:effectLst/>
+                <a:latin typeface="+mn-lt"/>
+                <a:ea typeface="+mn-ea"/>
+                <a:cs typeface="+mn-cs"/>
+              </a:rPr>
+              <a:t>toolbox</a:t>
+            </a:r>
+            <a:r>
+              <a:rPr lang="es-ES" sz="1200" kern="1200" dirty="0">
+                <a:solidFill>
+                  <a:schemeClr val="tx1"/>
+                </a:solidFill>
+                <a:effectLst/>
+                <a:latin typeface="+mn-lt"/>
+                <a:ea typeface="+mn-ea"/>
+                <a:cs typeface="+mn-cs"/>
+              </a:rPr>
+              <a:t>, pudiendo identificar un conjunto de estas dentro de la iteración.</a:t>
+            </a:r>
           </a:p>
         </p:txBody>
       </p:sp>
@@ -4029,7 +3931,7 @@
     </p:spTree>
     <p:extLst>
       <p:ext uri="{BB962C8B-B14F-4D97-AF65-F5344CB8AC3E}">
-        <p14:creationId xmlns:p14="http://schemas.microsoft.com/office/powerpoint/2010/main" val="2628330224"/>
+        <p14:creationId xmlns:p14="http://schemas.microsoft.com/office/powerpoint/2010/main" val="38163097"/>
       </p:ext>
     </p:extLst>
   </p:cSld>
@@ -4090,13 +3992,13 @@
           <a:p>
             <a:r>
               <a:rPr lang="es-ES" dirty="0"/>
-              <a:t>Analizando el proyecto a desarrollar se determinó que seguir un modelo de desarrollo software de tipo incremental, sería la opción más apropiada para acometer el problema en cuestión. Este modelo de desarrollo se caracteriza por plantear la planificación de un proyecto en distintos bloques temporales que pasaremos a denominar iteración.</a:t>
+              <a:t>1.- Conceptualización e Interpretación de los datos</a:t>
             </a:r>
           </a:p>
           <a:p>
             <a:r>
               <a:rPr lang="es-ES" dirty="0"/>
-              <a:t>En cada iteración repetiremos el mismo proceso definido para el resto. De esta forma obtendremos un producto que funciona desde la primera iteración con un conjunto limitado de funcionalidad.</a:t>
+              <a:t>estudia la viabilidad del proyecto, así como las tecnologías a utilizar. Aunque parecía claro el uso del lenguaje R, se barajaban distintas alternativas de como plantear la interfaz hombre-maquina. Después de un primer análisis de las posibles capacidades de la herramienta, se determina como prueba de viabilidad el poder hacer una interpretación de los datos a tratar de la EPA que ofrece el INE.</a:t>
             </a:r>
           </a:p>
           <a:p>
@@ -4104,41 +4006,199 @@
           </a:p>
           <a:p>
             <a:r>
-              <a:rPr lang="es-ES" sz="1200" kern="1200" dirty="0">
-                <a:solidFill>
-                  <a:schemeClr val="tx1"/>
-                </a:solidFill>
-                <a:effectLst/>
-                <a:latin typeface="+mn-lt"/>
-                <a:ea typeface="+mn-ea"/>
-                <a:cs typeface="+mn-cs"/>
-              </a:rPr>
-              <a:t>La elección de esta metodología de desarrollo se debe principalmente la naturaleza del proyecto, donde se plantean una serie de herramientas o aplicaciones independientes a modo de </a:t>
-            </a:r>
-            <a:r>
-              <a:rPr lang="es-ES" sz="1200" kern="1200" dirty="0" err="1">
-                <a:solidFill>
-                  <a:schemeClr val="tx1"/>
-                </a:solidFill>
-                <a:effectLst/>
-                <a:latin typeface="+mn-lt"/>
-                <a:ea typeface="+mn-ea"/>
-                <a:cs typeface="+mn-cs"/>
-              </a:rPr>
-              <a:t>toolbox</a:t>
-            </a:r>
-            <a:r>
-              <a:rPr lang="es-ES" sz="1200" kern="1200" dirty="0">
-                <a:solidFill>
-                  <a:schemeClr val="tx1"/>
-                </a:solidFill>
-                <a:effectLst/>
-                <a:latin typeface="+mn-lt"/>
-                <a:ea typeface="+mn-ea"/>
-                <a:cs typeface="+mn-cs"/>
-              </a:rPr>
-              <a:t>, pudiendo identificar un conjunto de estas dentro de la iteración.</a:t>
-            </a:r>
+              <a:rPr lang="es-ES" dirty="0"/>
+              <a:t>Segunda iteración: Diseño de la base de datos</a:t>
+            </a:r>
+          </a:p>
+          <a:p>
+            <a:r>
+              <a:rPr lang="es-ES" dirty="0"/>
+              <a:t>Después de esta primera fase de interpretación de los datos se determina como necesario el almacenar los mismos en una base de datos local. Esto es debido a cuestiones de eficiencia y rendimiento por el gran volumen de datos a tratar.</a:t>
+            </a:r>
+          </a:p>
+          <a:p>
+            <a:r>
+              <a:rPr lang="es-ES" dirty="0"/>
+              <a:t>De esta forma en esta fase se diseñan las estrategias para hacer un uso eficiente de los datos, así como planear su captura y almacenamiento.</a:t>
+            </a:r>
+          </a:p>
+          <a:p>
+            <a:r>
+              <a:rPr lang="es-ES" dirty="0"/>
+              <a:t> </a:t>
+            </a:r>
+          </a:p>
+          <a:p>
+            <a:r>
+              <a:rPr lang="es-ES" dirty="0"/>
+              <a:t>Tercera iteración: Incorporación de Análisis Exploratorio de Datos</a:t>
+            </a:r>
+          </a:p>
+          <a:p>
+            <a:r>
+              <a:rPr lang="es-ES" dirty="0"/>
+              <a:t>En esta iteración los esfuerzos se vuelcan en estudiar las técnicas más usadas de Análisis Exploratorio de Datos o EDA (</a:t>
+            </a:r>
+            <a:r>
+              <a:rPr lang="es-ES" dirty="0" err="1"/>
+              <a:t>Exploratory</a:t>
+            </a:r>
+            <a:r>
+              <a:rPr lang="es-ES" dirty="0"/>
+              <a:t> Data </a:t>
+            </a:r>
+            <a:r>
+              <a:rPr lang="es-ES" dirty="0" err="1"/>
+              <a:t>Analisys</a:t>
+            </a:r>
+            <a:r>
+              <a:rPr lang="es-ES" dirty="0"/>
+              <a:t>), así como las posibilidades de uso de distintas visualizaciones de los datos y su encaje con la herramienta.</a:t>
+            </a:r>
+          </a:p>
+          <a:p>
+            <a:r>
+              <a:rPr lang="es-ES" dirty="0"/>
+              <a:t>Una vez realizado el estudio a través de distintos cursos y fuentes de referencia se procede a sintetizar las visualizaciones o análisis más interesantes en distintas categorías.</a:t>
+            </a:r>
+          </a:p>
+          <a:p>
+            <a:endParaRPr lang="es-ES" dirty="0"/>
+          </a:p>
+          <a:p>
+            <a:r>
+              <a:rPr lang="es-ES" dirty="0"/>
+              <a:t>Cuarta iteración: Incorporación del motor para exportación documental</a:t>
+            </a:r>
+          </a:p>
+          <a:p>
+            <a:r>
+              <a:rPr lang="es-ES" dirty="0"/>
+              <a:t>De forma paralela a la iteración anterior se lanza la incorporación de un exportador de documentación, capaz de automatizar la obtención de ciertos informes básicos haciendo uso de los datos almacenados de la EPA.</a:t>
+            </a:r>
+          </a:p>
+          <a:p>
+            <a:r>
+              <a:rPr lang="es-ES" dirty="0"/>
+              <a:t>Para esto se toman como ejemplo las notas de prensa que el propio INE genera en cada uno de sus ejercicios trimestrales, con el objetivo de automatizar lo máximo posible la generación de dichas notas de prensa.</a:t>
+            </a:r>
+          </a:p>
+          <a:p>
+            <a:endParaRPr lang="es-ES" dirty="0"/>
+          </a:p>
+          <a:p>
+            <a:r>
+              <a:rPr lang="es-ES" dirty="0"/>
+              <a:t>Quinta iteración: Incorporación de Actualización de la Base de Datos</a:t>
+            </a:r>
+          </a:p>
+          <a:p>
+            <a:r>
+              <a:rPr lang="es-ES" dirty="0"/>
+              <a:t>Una vez llegados a este punto se detecta como necesaria la incorporación de un mecanismo automatizado de detección de nuevas actualizaciones de los datos de la EPA por parte del INE, así como la importación y normalización de estos datos a la base de datos local.</a:t>
+            </a:r>
+          </a:p>
+          <a:p>
+            <a:r>
+              <a:rPr lang="es-ES" dirty="0"/>
+              <a:t>En esta iteración se implementa este mecanismo avisando al usuario de la existencia de estos nuevos ficheros publicados y de la posibilidad de incluirlos a su repositorio.</a:t>
+            </a:r>
+          </a:p>
+          <a:p>
+            <a:r>
+              <a:rPr lang="es-ES" dirty="0"/>
+              <a:t> </a:t>
+            </a:r>
+          </a:p>
+          <a:p>
+            <a:r>
+              <a:rPr lang="es-ES" dirty="0"/>
+              <a:t>Sexta iteración: Incorporación de Reglas de Asociación</a:t>
+            </a:r>
+          </a:p>
+          <a:p>
+            <a:r>
+              <a:rPr lang="es-ES" dirty="0"/>
+              <a:t>Llegados a este punto se estudia el posible uso y explotación de los datos haciendo uso de distintas técnicas de aprendizaje máquina, donde surgen como mejores candidatos técnicas de aprendizaje no supervisado como reglas de asociación o técnicas de agrupamiento (o </a:t>
+            </a:r>
+            <a:r>
+              <a:rPr lang="es-ES" dirty="0" err="1"/>
+              <a:t>clustering</a:t>
+            </a:r>
+            <a:r>
+              <a:rPr lang="es-ES" dirty="0"/>
+              <a:t>).</a:t>
+            </a:r>
+          </a:p>
+          <a:p>
+            <a:r>
+              <a:rPr lang="es-ES" dirty="0"/>
+              <a:t>Aquí se estudia que posibilidades de visualización y explotación de reglas de asociación son las más comunes entre la comunidad, y se hace una implementación de algunas de las mismas en la herramienta.</a:t>
+            </a:r>
+          </a:p>
+          <a:p>
+            <a:endParaRPr lang="es-ES" dirty="0"/>
+          </a:p>
+          <a:p>
+            <a:r>
+              <a:rPr lang="es-ES" dirty="0"/>
+              <a:t>Séptima iteración: Incorporación de Técnicas de Agrupamiento</a:t>
+            </a:r>
+          </a:p>
+          <a:p>
+            <a:r>
+              <a:rPr lang="es-ES" dirty="0"/>
+              <a:t>Por último, en esta iteración se continua con el esfuerzo por la implementación de técnicas de aprendizaje maquina sobre los datos de la EPA, considerando como interesante el uso de técnicas de agrupamiento (</a:t>
+            </a:r>
+            <a:r>
+              <a:rPr lang="es-ES" dirty="0" err="1"/>
+              <a:t>clustering</a:t>
+            </a:r>
+            <a:r>
+              <a:rPr lang="es-ES" dirty="0"/>
+              <a:t>).</a:t>
+            </a:r>
+          </a:p>
+          <a:p>
+            <a:r>
+              <a:rPr lang="es-ES" dirty="0"/>
+              <a:t>Debido a la naturaleza categórica de los datos se considera hacer uso de algoritmos alternativos a los clásicos de </a:t>
+            </a:r>
+            <a:r>
+              <a:rPr lang="es-ES" dirty="0" err="1"/>
+              <a:t>clustering</a:t>
+            </a:r>
+            <a:r>
+              <a:rPr lang="es-ES" dirty="0"/>
+              <a:t> como k-</a:t>
+            </a:r>
+            <a:r>
+              <a:rPr lang="es-ES" dirty="0" err="1"/>
+              <a:t>means</a:t>
+            </a:r>
+            <a:r>
+              <a:rPr lang="es-ES" dirty="0"/>
+              <a:t> (</a:t>
+            </a:r>
+            <a:r>
+              <a:rPr lang="es-ES" dirty="0" err="1"/>
+              <a:t>MacQueen</a:t>
+            </a:r>
+            <a:r>
+              <a:rPr lang="es-ES" dirty="0"/>
+              <a:t>, 1967) más basados en observaciones numéricas. Se presenta como mejor candidato el algoritmo de los k-</a:t>
+            </a:r>
+            <a:r>
+              <a:rPr lang="es-ES" dirty="0" err="1"/>
+              <a:t>modes</a:t>
+            </a:r>
+            <a:r>
+              <a:rPr lang="es-ES" dirty="0"/>
+              <a:t> [13].</a:t>
+            </a:r>
+          </a:p>
+          <a:p>
+            <a:endParaRPr lang="es-ES" dirty="0"/>
           </a:p>
         </p:txBody>
       </p:sp>
@@ -4168,7 +4228,7 @@
     </p:spTree>
     <p:extLst>
       <p:ext uri="{BB962C8B-B14F-4D97-AF65-F5344CB8AC3E}">
-        <p14:creationId xmlns:p14="http://schemas.microsoft.com/office/powerpoint/2010/main" val="38163097"/>
+        <p14:creationId xmlns:p14="http://schemas.microsoft.com/office/powerpoint/2010/main" val="2412937875"/>
       </p:ext>
     </p:extLst>
   </p:cSld>
@@ -4319,7 +4379,7 @@
           <a:p>
             <a:fld id="{ECD19FB2-3AAB-4D03-B13A-2960828C78E3}" type="datetimeFigureOut">
               <a:rPr lang="en-US" smtClean="0"/>
-              <a:t>9/19/2017</a:t>
+              <a:t>9/22/2017</a:t>
             </a:fld>
             <a:endParaRPr lang="en-US" dirty="0"/>
           </a:p>
@@ -4685,7 +4745,7 @@
           <a:p>
             <a:fld id="{1B80C674-7DFC-42FE-B9CD-82963CDB1557}" type="datetimeFigureOut">
               <a:rPr lang="en-US" smtClean="0"/>
-              <a:t>9/19/2017</a:t>
+              <a:t>9/22/2017</a:t>
             </a:fld>
             <a:endParaRPr lang="en-US" dirty="0"/>
           </a:p>
@@ -4960,7 +5020,7 @@
           <a:p>
             <a:fld id="{2076456F-F47D-4F25-8053-2A695DA0CA7D}" type="datetimeFigureOut">
               <a:rPr lang="en-US" smtClean="0"/>
-              <a:t>9/19/2017</a:t>
+              <a:t>9/22/2017</a:t>
             </a:fld>
             <a:endParaRPr lang="en-US" dirty="0"/>
           </a:p>
@@ -5304,7 +5364,7 @@
           <a:p>
             <a:fld id="{5D6C7379-69CC-4837-9905-BEBA22830C8A}" type="datetimeFigureOut">
               <a:rPr lang="en-US" smtClean="0"/>
-              <a:t>9/19/2017</a:t>
+              <a:t>9/22/2017</a:t>
             </a:fld>
             <a:endParaRPr lang="en-US" dirty="0"/>
           </a:p>
@@ -5811,7 +5871,7 @@
           <a:p>
             <a:fld id="{49EB8B7E-8AEE-4F10-BFEE-C999AD004D36}" type="datetimeFigureOut">
               <a:rPr lang="en-US" smtClean="0"/>
-              <a:t>9/19/2017</a:t>
+              <a:t>9/22/2017</a:t>
             </a:fld>
             <a:endParaRPr lang="en-US" dirty="0"/>
           </a:p>
@@ -6440,7 +6500,7 @@
           <a:p>
             <a:fld id="{8668F3F9-58BC-440B-B37B-805B9055EF92}" type="datetimeFigureOut">
               <a:rPr lang="en-US" smtClean="0"/>
-              <a:t>9/19/2017</a:t>
+              <a:t>9/22/2017</a:t>
             </a:fld>
             <a:endParaRPr lang="en-US" dirty="0"/>
           </a:p>
@@ -7345,7 +7405,7 @@
           <a:p>
             <a:fld id="{0D5A53AF-48EA-489D-8260-9DCAB666386A}" type="datetimeFigureOut">
               <a:rPr lang="en-US" smtClean="0"/>
-              <a:t>9/19/2017</a:t>
+              <a:t>9/22/2017</a:t>
             </a:fld>
             <a:endParaRPr lang="en-US" dirty="0"/>
           </a:p>
@@ -7603,7 +7663,7 @@
           <a:p>
             <a:fld id="{0DED02AE-B9A4-47BD-AF8E-97E16144138B}" type="datetimeFigureOut">
               <a:rPr lang="en-US" smtClean="0"/>
-              <a:t>9/19/2017</a:t>
+              <a:t>9/22/2017</a:t>
             </a:fld>
             <a:endParaRPr lang="en-US" dirty="0"/>
           </a:p>
@@ -7870,7 +7930,7 @@
           <a:p>
             <a:fld id="{CF0FD78B-DB02-4362-BCDC-98A55456977C}" type="datetimeFigureOut">
               <a:rPr lang="en-US" smtClean="0"/>
-              <a:t>9/19/2017</a:t>
+              <a:t>9/22/2017</a:t>
             </a:fld>
             <a:endParaRPr lang="en-US" dirty="0"/>
           </a:p>
@@ -8134,7 +8194,7 @@
           <a:p>
             <a:fld id="{99916976-5D93-46E4-A98A-FAD63E4D0EA8}" type="datetimeFigureOut">
               <a:rPr lang="en-US" smtClean="0"/>
-              <a:t>9/19/2017</a:t>
+              <a:t>9/22/2017</a:t>
             </a:fld>
             <a:endParaRPr lang="en-US" dirty="0"/>
           </a:p>
@@ -8467,7 +8527,7 @@
           <a:p>
             <a:fld id="{0F39F4F5-F4D2-4D2A-AB60-88D37ADCB869}" type="datetimeFigureOut">
               <a:rPr lang="en-US" smtClean="0"/>
-              <a:t>9/19/2017</a:t>
+              <a:t>9/22/2017</a:t>
             </a:fld>
             <a:endParaRPr lang="en-US" dirty="0"/>
           </a:p>
@@ -8787,7 +8847,7 @@
           <a:p>
             <a:fld id="{D23BC6CE-6D1E-47E5-8859-F31AC5380EB2}" type="datetimeFigureOut">
               <a:rPr lang="en-US" smtClean="0"/>
-              <a:t>9/19/2017</a:t>
+              <a:t>9/22/2017</a:t>
             </a:fld>
             <a:endParaRPr lang="en-US" dirty="0"/>
           </a:p>
@@ -9255,7 +9315,7 @@
           <a:p>
             <a:fld id="{B1B4E7C4-4DA4-404D-9965-B13F2DD7D8BF}" type="datetimeFigureOut">
               <a:rPr lang="en-US" smtClean="0"/>
-              <a:t>9/19/2017</a:t>
+              <a:t>9/22/2017</a:t>
             </a:fld>
             <a:endParaRPr lang="en-US" dirty="0"/>
           </a:p>
@@ -9456,7 +9516,7 @@
           <a:p>
             <a:fld id="{476FB7AA-4A53-424F-AD41-70827B6504BA}" type="datetimeFigureOut">
               <a:rPr lang="en-US" smtClean="0"/>
-              <a:t>9/19/2017</a:t>
+              <a:t>9/22/2017</a:t>
             </a:fld>
             <a:endParaRPr lang="en-US" dirty="0"/>
           </a:p>
@@ -9634,7 +9694,7 @@
           <a:p>
             <a:fld id="{E7884882-FB12-4BC8-9960-9AD8104D7FAE}" type="datetimeFigureOut">
               <a:rPr lang="en-US" smtClean="0"/>
-              <a:t>9/19/2017</a:t>
+              <a:t>9/22/2017</a:t>
             </a:fld>
             <a:endParaRPr lang="en-US" dirty="0"/>
           </a:p>
@@ -9966,7 +10026,7 @@
           <a:p>
             <a:fld id="{F7D1BD23-6E54-4D9D-AD88-A2813C73CC25}" type="datetimeFigureOut">
               <a:rPr lang="en-US" smtClean="0"/>
-              <a:t>9/19/2017</a:t>
+              <a:t>9/22/2017</a:t>
             </a:fld>
             <a:endParaRPr lang="en-US" dirty="0"/>
           </a:p>
@@ -10331,7 +10391,7 @@
           <a:p>
             <a:fld id="{1471A834-4F3C-4AF9-9C74-05EC35A0F292}" type="datetimeFigureOut">
               <a:rPr lang="en-US" smtClean="0"/>
-              <a:t>9/19/2017</a:t>
+              <a:t>9/22/2017</a:t>
             </a:fld>
             <a:endParaRPr lang="en-US" dirty="0"/>
           </a:p>
@@ -10637,7 +10697,7 @@
           <a:p>
             <a:fld id="{51CF1133-3259-4C45-BABA-5B62D9C6F78D}" type="datetimeFigureOut">
               <a:rPr lang="en-US" smtClean="0"/>
-              <a:t>9/19/2017</a:t>
+              <a:t>9/22/2017</a:t>
             </a:fld>
             <a:endParaRPr lang="en-US" dirty="0"/>
           </a:p>
@@ -11864,640 +11924,6 @@
       </p:grpSpPr>
       <p:sp>
         <p:nvSpPr>
-          <p:cNvPr id="20" name="Rectángulo 19">
-            <a:extLst>
-              <a:ext uri="{FF2B5EF4-FFF2-40B4-BE49-F238E27FC236}">
-                <a16:creationId xmlns:a16="http://schemas.microsoft.com/office/drawing/2014/main" id="{F72260E3-2C1B-4ABC-9B85-7B7224D01AB6}"/>
-              </a:ext>
-            </a:extLst>
-          </p:cNvPr>
-          <p:cNvSpPr/>
-          <p:nvPr/>
-        </p:nvSpPr>
-        <p:spPr>
-          <a:xfrm>
-            <a:off x="0" y="0"/>
-            <a:ext cx="1785769" cy="6088828"/>
-          </a:xfrm>
-          <a:prstGeom prst="rect">
-            <a:avLst/>
-          </a:prstGeom>
-          <a:solidFill>
-            <a:schemeClr val="dk1">
-              <a:alpha val="33000"/>
-            </a:schemeClr>
-          </a:solidFill>
-          <a:ln>
-            <a:noFill/>
-          </a:ln>
-        </p:spPr>
-        <p:style>
-          <a:lnRef idx="0">
-            <a:scrgbClr r="0" g="0" b="0"/>
-          </a:lnRef>
-          <a:fillRef idx="0">
-            <a:scrgbClr r="0" g="0" b="0"/>
-          </a:fillRef>
-          <a:effectRef idx="0">
-            <a:scrgbClr r="0" g="0" b="0"/>
-          </a:effectRef>
-          <a:fontRef idx="minor">
-            <a:schemeClr val="lt1"/>
-          </a:fontRef>
-        </p:style>
-        <p:txBody>
-          <a:bodyPr rtlCol="0" anchor="ctr"/>
-          <a:lstStyle/>
-          <a:p>
-            <a:pPr algn="ctr"/>
-            <a:endParaRPr lang="es-ES" dirty="0"/>
-          </a:p>
-        </p:txBody>
-      </p:sp>
-      <p:sp>
-        <p:nvSpPr>
-          <p:cNvPr id="2" name="Título 1"/>
-          <p:cNvSpPr>
-            <a:spLocks noGrp="1"/>
-          </p:cNvSpPr>
-          <p:nvPr>
-            <p:ph type="title"/>
-          </p:nvPr>
-        </p:nvSpPr>
-        <p:spPr>
-          <a:xfrm>
-            <a:off x="3557204" y="198971"/>
-            <a:ext cx="6820349" cy="887552"/>
-          </a:xfrm>
-        </p:spPr>
-        <p:txBody>
-          <a:bodyPr>
-            <a:normAutofit/>
-          </a:bodyPr>
-          <a:lstStyle/>
-          <a:p>
-            <a:r>
-              <a:rPr lang="es-ES" dirty="0"/>
-              <a:t>ETAPAS DE DESARROLLO</a:t>
-            </a:r>
-          </a:p>
-        </p:txBody>
-      </p:sp>
-      <p:pic>
-        <p:nvPicPr>
-          <p:cNvPr id="15" name="Imagen 14">
-            <a:extLst>
-              <a:ext uri="{FF2B5EF4-FFF2-40B4-BE49-F238E27FC236}">
-                <a16:creationId xmlns:a16="http://schemas.microsoft.com/office/drawing/2014/main" id="{2EF9A8BF-3178-4296-ACD8-4DE4B9A3F0CE}"/>
-              </a:ext>
-            </a:extLst>
-          </p:cNvPr>
-          <p:cNvPicPr>
-            <a:picLocks noChangeAspect="1"/>
-          </p:cNvPicPr>
-          <p:nvPr/>
-        </p:nvPicPr>
-        <p:blipFill>
-          <a:blip r:embed="rId3">
-            <a:extLst>
-              <a:ext uri="{28A0092B-C50C-407E-A947-70E740481C1C}">
-                <a14:useLocalDpi xmlns:a14="http://schemas.microsoft.com/office/drawing/2010/main" val="0"/>
-              </a:ext>
-            </a:extLst>
-          </a:blip>
-          <a:srcRect/>
-          <a:stretch>
-            <a:fillRect/>
-          </a:stretch>
-        </p:blipFill>
-        <p:spPr bwMode="auto">
-          <a:xfrm>
-            <a:off x="3557195" y="1265336"/>
-            <a:ext cx="6694866" cy="4431477"/>
-          </a:xfrm>
-          <a:prstGeom prst="rect">
-            <a:avLst/>
-          </a:prstGeom>
-          <a:noFill/>
-          <a:ln>
-            <a:noFill/>
-          </a:ln>
-        </p:spPr>
-      </p:pic>
-      <p:sp>
-        <p:nvSpPr>
-          <p:cNvPr id="10" name="Rectángulo 9">
-            <a:extLst>
-              <a:ext uri="{FF2B5EF4-FFF2-40B4-BE49-F238E27FC236}">
-                <a16:creationId xmlns:a16="http://schemas.microsoft.com/office/drawing/2014/main" id="{6EA308CA-9C3C-4659-B1AB-0C6BF0F780BC}"/>
-              </a:ext>
-            </a:extLst>
-          </p:cNvPr>
-          <p:cNvSpPr/>
-          <p:nvPr/>
-        </p:nvSpPr>
-        <p:spPr>
-          <a:xfrm>
-            <a:off x="0" y="6088828"/>
-            <a:ext cx="12192000" cy="769172"/>
-          </a:xfrm>
-          <a:prstGeom prst="rect">
-            <a:avLst/>
-          </a:prstGeom>
-          <a:solidFill>
-            <a:schemeClr val="dk1">
-              <a:alpha val="33000"/>
-            </a:schemeClr>
-          </a:solidFill>
-          <a:ln>
-            <a:noFill/>
-          </a:ln>
-        </p:spPr>
-        <p:style>
-          <a:lnRef idx="0">
-            <a:scrgbClr r="0" g="0" b="0"/>
-          </a:lnRef>
-          <a:fillRef idx="0">
-            <a:scrgbClr r="0" g="0" b="0"/>
-          </a:fillRef>
-          <a:effectRef idx="0">
-            <a:scrgbClr r="0" g="0" b="0"/>
-          </a:effectRef>
-          <a:fontRef idx="minor">
-            <a:schemeClr val="lt1"/>
-          </a:fontRef>
-        </p:style>
-        <p:txBody>
-          <a:bodyPr rtlCol="0" anchor="ctr"/>
-          <a:lstStyle/>
-          <a:p>
-            <a:pPr algn="r"/>
-            <a:endParaRPr lang="es-ES" dirty="0"/>
-          </a:p>
-        </p:txBody>
-      </p:sp>
-      <p:graphicFrame>
-        <p:nvGraphicFramePr>
-          <p:cNvPr id="12" name="Tabla 11">
-            <a:extLst>
-              <a:ext uri="{FF2B5EF4-FFF2-40B4-BE49-F238E27FC236}">
-                <a16:creationId xmlns:a16="http://schemas.microsoft.com/office/drawing/2014/main" id="{B910092A-A255-4547-BB17-E12335125EAB}"/>
-              </a:ext>
-            </a:extLst>
-          </p:cNvPr>
-          <p:cNvGraphicFramePr>
-            <a:graphicFrameLocks noGrp="1"/>
-          </p:cNvGraphicFramePr>
-          <p:nvPr>
-            <p:extLst>
-              <p:ext uri="{D42A27DB-BD31-4B8C-83A1-F6EECF244321}">
-                <p14:modId xmlns:p14="http://schemas.microsoft.com/office/powerpoint/2010/main" val="4148314491"/>
-              </p:ext>
-            </p:extLst>
-          </p:nvPr>
-        </p:nvGraphicFramePr>
-        <p:xfrm>
-          <a:off x="7670800" y="6153374"/>
-          <a:ext cx="4432300" cy="640080"/>
-        </p:xfrm>
-        <a:graphic>
-          <a:graphicData uri="http://schemas.openxmlformats.org/drawingml/2006/table">
-            <a:tbl>
-              <a:tblPr firstRow="1" bandRow="1">
-                <a:tableStyleId>{2D5ABB26-0587-4C30-8999-92F81FD0307C}</a:tableStyleId>
-              </a:tblPr>
-              <a:tblGrid>
-                <a:gridCol w="3729229">
-                  <a:extLst>
-                    <a:ext uri="{9D8B030D-6E8A-4147-A177-3AD203B41FA5}">
-                      <a16:colId xmlns:a16="http://schemas.microsoft.com/office/drawing/2014/main" val="1347896834"/>
-                    </a:ext>
-                  </a:extLst>
-                </a:gridCol>
-                <a:gridCol w="703071">
-                  <a:extLst>
-                    <a:ext uri="{9D8B030D-6E8A-4147-A177-3AD203B41FA5}">
-                      <a16:colId xmlns:a16="http://schemas.microsoft.com/office/drawing/2014/main" val="972821047"/>
-                    </a:ext>
-                  </a:extLst>
-                </a:gridCol>
-              </a:tblGrid>
-              <a:tr h="633819">
-                <a:tc>
-                  <a:txBody>
-                    <a:bodyPr/>
-                    <a:lstStyle/>
-                    <a:p>
-                      <a:pPr algn="r"/>
-                      <a:r>
-                        <a:rPr lang="es-ES" dirty="0">
-                          <a:solidFill>
-                            <a:schemeClr val="bg1"/>
-                          </a:solidFill>
-                        </a:rPr>
-                        <a:t>Software de preparación, procesado y análisis de datos de la EPA</a:t>
-                      </a:r>
-                      <a:endParaRPr lang="es-ES" b="0" dirty="0">
-                        <a:solidFill>
-                          <a:schemeClr val="bg1"/>
-                        </a:solidFill>
-                      </a:endParaRPr>
-                    </a:p>
-                  </a:txBody>
-                  <a:tcPr anchor="ctr">
-                    <a:lnR w="12700" cap="flat" cmpd="sng" algn="ctr">
-                      <a:solidFill>
-                        <a:schemeClr val="tx1"/>
-                      </a:solidFill>
-                      <a:prstDash val="solid"/>
-                      <a:round/>
-                      <a:headEnd type="none" w="med" len="med"/>
-                      <a:tailEnd type="none" w="med" len="med"/>
-                    </a:lnR>
-                  </a:tcPr>
-                </a:tc>
-                <a:tc>
-                  <a:txBody>
-                    <a:bodyPr/>
-                    <a:lstStyle/>
-                    <a:p>
-                      <a:pPr algn="ctr"/>
-                      <a:fld id="{0E1C8A44-DCA4-45BE-94D1-2AB25001A8D2}" type="slidenum">
-                        <a:rPr lang="es-ES" smtClean="0">
-                          <a:solidFill>
-                            <a:schemeClr val="bg2">
-                              <a:lumMod val="60000"/>
-                              <a:lumOff val="40000"/>
-                            </a:schemeClr>
-                          </a:solidFill>
-                        </a:rPr>
-                        <a:t>10</a:t>
-                      </a:fld>
-                      <a:endParaRPr lang="es-ES" dirty="0">
-                        <a:solidFill>
-                          <a:schemeClr val="bg2">
-                            <a:lumMod val="60000"/>
-                            <a:lumOff val="40000"/>
-                          </a:schemeClr>
-                        </a:solidFill>
-                      </a:endParaRPr>
-                    </a:p>
-                  </a:txBody>
-                  <a:tcPr anchor="ctr">
-                    <a:lnL w="12700" cap="flat" cmpd="sng" algn="ctr">
-                      <a:solidFill>
-                        <a:schemeClr val="tx1"/>
-                      </a:solidFill>
-                      <a:prstDash val="solid"/>
-                      <a:round/>
-                      <a:headEnd type="none" w="med" len="med"/>
-                      <a:tailEnd type="none" w="med" len="med"/>
-                    </a:lnL>
-                  </a:tcPr>
-                </a:tc>
-                <a:extLst>
-                  <a:ext uri="{0D108BD9-81ED-4DB2-BD59-A6C34878D82A}">
-                    <a16:rowId xmlns:a16="http://schemas.microsoft.com/office/drawing/2014/main" val="862195207"/>
-                  </a:ext>
-                </a:extLst>
-              </a:tr>
-            </a:tbl>
-          </a:graphicData>
-        </a:graphic>
-      </p:graphicFrame>
-      <p:sp>
-        <p:nvSpPr>
-          <p:cNvPr id="17" name="Rectángulo 16">
-            <a:extLst>
-              <a:ext uri="{FF2B5EF4-FFF2-40B4-BE49-F238E27FC236}">
-                <a16:creationId xmlns:a16="http://schemas.microsoft.com/office/drawing/2014/main" id="{3B661DBB-4EB7-4290-A777-D5705EBD8A0F}"/>
-              </a:ext>
-            </a:extLst>
-          </p:cNvPr>
-          <p:cNvSpPr/>
-          <p:nvPr/>
-        </p:nvSpPr>
-        <p:spPr>
-          <a:xfrm>
-            <a:off x="0" y="927101"/>
-            <a:ext cx="1785769" cy="5161727"/>
-          </a:xfrm>
-          <a:prstGeom prst="rect">
-            <a:avLst/>
-          </a:prstGeom>
-          <a:solidFill>
-            <a:schemeClr val="dk1">
-              <a:alpha val="50000"/>
-            </a:schemeClr>
-          </a:solidFill>
-          <a:ln>
-            <a:noFill/>
-          </a:ln>
-        </p:spPr>
-        <p:style>
-          <a:lnRef idx="0">
-            <a:scrgbClr r="0" g="0" b="0"/>
-          </a:lnRef>
-          <a:fillRef idx="0">
-            <a:scrgbClr r="0" g="0" b="0"/>
-          </a:fillRef>
-          <a:effectRef idx="0">
-            <a:scrgbClr r="0" g="0" b="0"/>
-          </a:effectRef>
-          <a:fontRef idx="minor">
-            <a:schemeClr val="lt1"/>
-          </a:fontRef>
-        </p:style>
-        <p:txBody>
-          <a:bodyPr rtlCol="0" anchor="ctr"/>
-          <a:lstStyle/>
-          <a:p>
-            <a:r>
-              <a:rPr lang="es-ES" sz="1350" u="sng" dirty="0">
-                <a:solidFill>
-                  <a:schemeClr val="bg1"/>
-                </a:solidFill>
-              </a:rPr>
-              <a:t>Motivo del Proyecto</a:t>
-            </a:r>
-          </a:p>
-          <a:p>
-            <a:pPr marL="108000" indent="-72000">
-              <a:buFontTx/>
-              <a:buChar char="-"/>
-            </a:pPr>
-            <a:r>
-              <a:rPr lang="es-ES" sz="1350" dirty="0"/>
-              <a:t>EPA</a:t>
-            </a:r>
-          </a:p>
-          <a:p>
-            <a:pPr marL="108000" indent="-72000">
-              <a:buFontTx/>
-              <a:buChar char="-"/>
-            </a:pPr>
-            <a:r>
-              <a:rPr lang="es-ES" sz="1350" dirty="0"/>
-              <a:t>Objetivos</a:t>
-            </a:r>
-          </a:p>
-          <a:p>
-            <a:pPr marL="108000" indent="-72000">
-              <a:buFontTx/>
-              <a:buChar char="-"/>
-            </a:pPr>
-            <a:endParaRPr lang="es-ES" sz="1350" dirty="0"/>
-          </a:p>
-          <a:p>
-            <a:r>
-              <a:rPr lang="es-ES" sz="1350" u="sng" dirty="0"/>
-              <a:t>Planificación</a:t>
-            </a:r>
-          </a:p>
-          <a:p>
-            <a:pPr marL="108000" indent="-72000">
-              <a:buFontTx/>
-              <a:buChar char="-"/>
-            </a:pPr>
-            <a:r>
-              <a:rPr lang="es-ES" sz="1350" dirty="0"/>
-              <a:t>Metodología</a:t>
-            </a:r>
-          </a:p>
-          <a:p>
-            <a:pPr marL="108000" indent="-72000">
-              <a:buFontTx/>
-              <a:buChar char="-"/>
-            </a:pPr>
-            <a:r>
-              <a:rPr lang="es-ES" sz="1350" dirty="0"/>
-              <a:t>Etapas</a:t>
-            </a:r>
-          </a:p>
-          <a:p>
-            <a:pPr marL="108000" indent="-72000">
-              <a:buFontTx/>
-              <a:buChar char="-"/>
-            </a:pPr>
-            <a:r>
-              <a:rPr lang="es-ES" sz="1350" dirty="0"/>
-              <a:t>Presupuesto</a:t>
-            </a:r>
-          </a:p>
-          <a:p>
-            <a:endParaRPr lang="es-ES" sz="1350" b="1" u="sng" dirty="0"/>
-          </a:p>
-          <a:p>
-            <a:r>
-              <a:rPr lang="es-ES" sz="1350" u="sng" dirty="0">
-                <a:solidFill>
-                  <a:schemeClr val="bg1"/>
-                </a:solidFill>
-              </a:rPr>
-              <a:t>Tecnologías Empleadas</a:t>
-            </a:r>
-          </a:p>
-          <a:p>
-            <a:pPr marL="108000" indent="-72000">
-              <a:buFontTx/>
-              <a:buChar char="-"/>
-            </a:pPr>
-            <a:r>
-              <a:rPr lang="es-ES" sz="1350" dirty="0"/>
-              <a:t>Framework Shiny</a:t>
-            </a:r>
-          </a:p>
-          <a:p>
-            <a:endParaRPr lang="es-ES" sz="1350" dirty="0"/>
-          </a:p>
-          <a:p>
-            <a:r>
-              <a:rPr lang="es-ES" sz="1350" u="sng" dirty="0"/>
-              <a:t>Desarrollo</a:t>
-            </a:r>
-          </a:p>
-          <a:p>
-            <a:pPr marL="108000" indent="-72000">
-              <a:buFontTx/>
-              <a:buChar char="-"/>
-            </a:pPr>
-            <a:r>
-              <a:rPr lang="es-ES" sz="1350" dirty="0"/>
-              <a:t>Requisitos Funcionales</a:t>
-            </a:r>
-          </a:p>
-          <a:p>
-            <a:endParaRPr lang="es-ES" sz="1350" dirty="0"/>
-          </a:p>
-          <a:p>
-            <a:r>
-              <a:rPr lang="es-ES" sz="1350" u="sng" dirty="0"/>
-              <a:t>Demostración</a:t>
-            </a:r>
-          </a:p>
-          <a:p>
-            <a:endParaRPr lang="es-ES" sz="1350" dirty="0"/>
-          </a:p>
-          <a:p>
-            <a:r>
-              <a:rPr lang="es-ES" sz="1350" u="sng" dirty="0"/>
-              <a:t>Conclusiones</a:t>
-            </a:r>
-          </a:p>
-        </p:txBody>
-      </p:sp>
-      <p:pic>
-        <p:nvPicPr>
-          <p:cNvPr id="18" name="Picture 6" descr="Resultado de imagen de universidad de cádiz">
-            <a:extLst>
-              <a:ext uri="{FF2B5EF4-FFF2-40B4-BE49-F238E27FC236}">
-                <a16:creationId xmlns:a16="http://schemas.microsoft.com/office/drawing/2014/main" id="{235394A8-7844-4EC3-9194-3553A9D21F88}"/>
-              </a:ext>
-            </a:extLst>
-          </p:cNvPr>
-          <p:cNvPicPr>
-            <a:picLocks noChangeAspect="1" noChangeArrowheads="1"/>
-          </p:cNvPicPr>
-          <p:nvPr/>
-        </p:nvPicPr>
-        <p:blipFill>
-          <a:blip r:embed="rId4">
-            <a:extLst>
-              <a:ext uri="{28A0092B-C50C-407E-A947-70E740481C1C}">
-                <a14:useLocalDpi xmlns:a14="http://schemas.microsoft.com/office/drawing/2010/main" val="0"/>
-              </a:ext>
-            </a:extLst>
-          </a:blip>
-          <a:srcRect/>
-          <a:stretch>
-            <a:fillRect/>
-          </a:stretch>
-        </p:blipFill>
-        <p:spPr bwMode="auto">
-          <a:xfrm>
-            <a:off x="93653" y="6162356"/>
-            <a:ext cx="483868" cy="622116"/>
-          </a:xfrm>
-          <a:prstGeom prst="rect">
-            <a:avLst/>
-          </a:prstGeom>
-          <a:noFill/>
-          <a:extLst>
-            <a:ext uri="{909E8E84-426E-40DD-AFC4-6F175D3DCCD1}">
-              <a14:hiddenFill xmlns:a14="http://schemas.microsoft.com/office/drawing/2010/main">
-                <a:solidFill>
-                  <a:srgbClr val="FFFFFF"/>
-                </a:solidFill>
-              </a14:hiddenFill>
-            </a:ext>
-          </a:extLst>
-        </p:spPr>
-      </p:pic>
-      <p:sp>
-        <p:nvSpPr>
-          <p:cNvPr id="19" name="Título 1">
-            <a:extLst>
-              <a:ext uri="{FF2B5EF4-FFF2-40B4-BE49-F238E27FC236}">
-                <a16:creationId xmlns:a16="http://schemas.microsoft.com/office/drawing/2014/main" id="{7BE2A2EC-6709-4A86-B953-2E1A90440F67}"/>
-              </a:ext>
-            </a:extLst>
-          </p:cNvPr>
-          <p:cNvSpPr txBox="1">
-            <a:spLocks/>
-          </p:cNvSpPr>
-          <p:nvPr/>
-        </p:nvSpPr>
-        <p:spPr>
-          <a:xfrm>
-            <a:off x="0" y="1"/>
-            <a:ext cx="1785770" cy="927100"/>
-          </a:xfrm>
-          <a:prstGeom prst="rect">
-            <a:avLst/>
-          </a:prstGeom>
-        </p:spPr>
-        <p:txBody>
-          <a:bodyPr vert="horz" lIns="91440" tIns="45720" rIns="91440" bIns="45720" rtlCol="0" anchor="ctr">
-            <a:normAutofit/>
-          </a:bodyPr>
-          <a:lstStyle>
-            <a:lvl1pPr algn="ctr" defTabSz="914400" rtl="0" eaLnBrk="1" latinLnBrk="0" hangingPunct="1">
-              <a:lnSpc>
-                <a:spcPct val="90000"/>
-              </a:lnSpc>
-              <a:spcBef>
-                <a:spcPct val="0"/>
-              </a:spcBef>
-              <a:buNone/>
-              <a:defRPr sz="3600" kern="1200" cap="all" baseline="0">
-                <a:solidFill>
-                  <a:schemeClr val="tx1"/>
-                </a:solidFill>
-                <a:effectLst/>
-                <a:latin typeface="+mj-lt"/>
-                <a:ea typeface="+mj-ea"/>
-                <a:cs typeface="+mj-cs"/>
-              </a:defRPr>
-            </a:lvl1pPr>
-          </a:lstStyle>
-          <a:p>
-            <a:r>
-              <a:rPr lang="es-ES" dirty="0"/>
-              <a:t>EPA</a:t>
-            </a:r>
-          </a:p>
-          <a:p>
-            <a:r>
-              <a:rPr lang="es-ES" sz="2000" dirty="0"/>
-              <a:t>Explorer</a:t>
-            </a:r>
-          </a:p>
-        </p:txBody>
-      </p:sp>
-    </p:spTree>
-    <p:extLst>
-      <p:ext uri="{BB962C8B-B14F-4D97-AF65-F5344CB8AC3E}">
-        <p14:creationId xmlns:p14="http://schemas.microsoft.com/office/powerpoint/2010/main" val="1682788456"/>
-      </p:ext>
-    </p:extLst>
-  </p:cSld>
-  <p:clrMapOvr>
-    <a:masterClrMapping/>
-  </p:clrMapOvr>
-  <mc:AlternateContent xmlns:mc="http://schemas.openxmlformats.org/markup-compatibility/2006" xmlns:p14="http://schemas.microsoft.com/office/powerpoint/2010/main">
-    <mc:Choice Requires="p14">
-      <p:transition spd="med" p14:dur="700">
-        <p:fade/>
-      </p:transition>
-    </mc:Choice>
-    <mc:Fallback xmlns="">
-      <p:transition spd="med">
-        <p:fade/>
-      </p:transition>
-    </mc:Fallback>
-  </mc:AlternateContent>
-</p:sld>
-</file>
-
-<file path=ppt/slides/slide11.xml><?xml version="1.0" encoding="utf-8"?>
-<p:sld xmlns:a="http://schemas.openxmlformats.org/drawingml/2006/main" xmlns:r="http://schemas.openxmlformats.org/officeDocument/2006/relationships" xmlns:p="http://schemas.openxmlformats.org/presentationml/2006/main">
-  <p:cSld>
-    <p:spTree>
-      <p:nvGrpSpPr>
-        <p:cNvPr id="1" name=""/>
-        <p:cNvGrpSpPr/>
-        <p:nvPr/>
-      </p:nvGrpSpPr>
-      <p:grpSpPr>
-        <a:xfrm>
-          <a:off x="0" y="0"/>
-          <a:ext cx="0" cy="0"/>
-          <a:chOff x="0" y="0"/>
-          <a:chExt cx="0" cy="0"/>
-        </a:xfrm>
-      </p:grpSpPr>
-      <p:sp>
-        <p:nvSpPr>
           <p:cNvPr id="19" name="Rectángulo 18">
             <a:extLst>
               <a:ext uri="{FF2B5EF4-FFF2-40B4-BE49-F238E27FC236}">
@@ -12592,13 +12018,13 @@
           <p:nvPr>
             <p:extLst>
               <p:ext uri="{D42A27DB-BD31-4B8C-83A1-F6EECF244321}">
-                <p14:modId xmlns:p14="http://schemas.microsoft.com/office/powerpoint/2010/main" val="19825198"/>
+                <p14:modId xmlns:p14="http://schemas.microsoft.com/office/powerpoint/2010/main" val="3499709410"/>
               </p:ext>
             </p:extLst>
           </p:nvPr>
         </p:nvGraphicFramePr>
         <p:xfrm>
-          <a:off x="4188450" y="1917287"/>
+          <a:off x="4188450" y="2081674"/>
           <a:ext cx="5557838" cy="2254254"/>
         </p:xfrm>
         <a:graphic>
@@ -13164,6 +12590,1020 @@
                             </a:schemeClr>
                           </a:solidFill>
                         </a:rPr>
+                        <a:t>10</a:t>
+                      </a:fld>
+                      <a:endParaRPr lang="es-ES" dirty="0">
+                        <a:solidFill>
+                          <a:schemeClr val="bg2">
+                            <a:lumMod val="60000"/>
+                            <a:lumOff val="40000"/>
+                          </a:schemeClr>
+                        </a:solidFill>
+                      </a:endParaRPr>
+                    </a:p>
+                  </a:txBody>
+                  <a:tcPr anchor="ctr">
+                    <a:lnL w="12700" cap="flat" cmpd="sng" algn="ctr">
+                      <a:solidFill>
+                        <a:schemeClr val="tx1"/>
+                      </a:solidFill>
+                      <a:prstDash val="solid"/>
+                      <a:round/>
+                      <a:headEnd type="none" w="med" len="med"/>
+                      <a:tailEnd type="none" w="med" len="med"/>
+                    </a:lnL>
+                  </a:tcPr>
+                </a:tc>
+                <a:extLst>
+                  <a:ext uri="{0D108BD9-81ED-4DB2-BD59-A6C34878D82A}">
+                    <a16:rowId xmlns:a16="http://schemas.microsoft.com/office/drawing/2014/main" val="862195207"/>
+                  </a:ext>
+                </a:extLst>
+              </a:tr>
+            </a:tbl>
+          </a:graphicData>
+        </a:graphic>
+      </p:graphicFrame>
+      <p:sp>
+        <p:nvSpPr>
+          <p:cNvPr id="15" name="Rectángulo 14">
+            <a:extLst>
+              <a:ext uri="{FF2B5EF4-FFF2-40B4-BE49-F238E27FC236}">
+                <a16:creationId xmlns:a16="http://schemas.microsoft.com/office/drawing/2014/main" id="{E696205F-68B6-442C-A35D-731BD6DF253B}"/>
+              </a:ext>
+            </a:extLst>
+          </p:cNvPr>
+          <p:cNvSpPr/>
+          <p:nvPr/>
+        </p:nvSpPr>
+        <p:spPr>
+          <a:xfrm>
+            <a:off x="0" y="927101"/>
+            <a:ext cx="1785769" cy="5161727"/>
+          </a:xfrm>
+          <a:prstGeom prst="rect">
+            <a:avLst/>
+          </a:prstGeom>
+          <a:solidFill>
+            <a:schemeClr val="dk1">
+              <a:alpha val="50000"/>
+            </a:schemeClr>
+          </a:solidFill>
+          <a:ln>
+            <a:noFill/>
+          </a:ln>
+        </p:spPr>
+        <p:style>
+          <a:lnRef idx="0">
+            <a:scrgbClr r="0" g="0" b="0"/>
+          </a:lnRef>
+          <a:fillRef idx="0">
+            <a:scrgbClr r="0" g="0" b="0"/>
+          </a:fillRef>
+          <a:effectRef idx="0">
+            <a:scrgbClr r="0" g="0" b="0"/>
+          </a:effectRef>
+          <a:fontRef idx="minor">
+            <a:schemeClr val="lt1"/>
+          </a:fontRef>
+        </p:style>
+        <p:txBody>
+          <a:bodyPr rtlCol="0" anchor="ctr"/>
+          <a:lstStyle/>
+          <a:p>
+            <a:r>
+              <a:rPr lang="es-ES" sz="1350" u="sng" dirty="0">
+                <a:solidFill>
+                  <a:schemeClr val="bg1"/>
+                </a:solidFill>
+              </a:rPr>
+              <a:t>Motivo del Proyecto</a:t>
+            </a:r>
+          </a:p>
+          <a:p>
+            <a:pPr marL="108000" indent="-72000">
+              <a:buFontTx/>
+              <a:buChar char="-"/>
+            </a:pPr>
+            <a:r>
+              <a:rPr lang="es-ES" sz="1350" dirty="0"/>
+              <a:t>EPA</a:t>
+            </a:r>
+          </a:p>
+          <a:p>
+            <a:pPr marL="108000" indent="-72000">
+              <a:buFontTx/>
+              <a:buChar char="-"/>
+            </a:pPr>
+            <a:r>
+              <a:rPr lang="es-ES" sz="1350" dirty="0"/>
+              <a:t>Objetivos</a:t>
+            </a:r>
+          </a:p>
+          <a:p>
+            <a:pPr marL="108000" indent="-72000">
+              <a:buFontTx/>
+              <a:buChar char="-"/>
+            </a:pPr>
+            <a:endParaRPr lang="es-ES" sz="1350" dirty="0"/>
+          </a:p>
+          <a:p>
+            <a:r>
+              <a:rPr lang="es-ES" sz="1350" u="sng" dirty="0"/>
+              <a:t>Planificación</a:t>
+            </a:r>
+          </a:p>
+          <a:p>
+            <a:pPr marL="108000" indent="-72000">
+              <a:buFontTx/>
+              <a:buChar char="-"/>
+            </a:pPr>
+            <a:r>
+              <a:rPr lang="es-ES" sz="1350" dirty="0"/>
+              <a:t>Metodología</a:t>
+            </a:r>
+          </a:p>
+          <a:p>
+            <a:pPr marL="108000" indent="-72000">
+              <a:buFontTx/>
+              <a:buChar char="-"/>
+            </a:pPr>
+            <a:r>
+              <a:rPr lang="es-ES" sz="1350" dirty="0"/>
+              <a:t>Etapas</a:t>
+            </a:r>
+          </a:p>
+          <a:p>
+            <a:pPr marL="108000" indent="-72000">
+              <a:buFontTx/>
+              <a:buChar char="-"/>
+            </a:pPr>
+            <a:r>
+              <a:rPr lang="es-ES" sz="1350" dirty="0"/>
+              <a:t>Presupuesto</a:t>
+            </a:r>
+          </a:p>
+          <a:p>
+            <a:endParaRPr lang="es-ES" sz="1350" b="1" u="sng" dirty="0"/>
+          </a:p>
+          <a:p>
+            <a:r>
+              <a:rPr lang="es-ES" sz="1350" u="sng" dirty="0">
+                <a:solidFill>
+                  <a:schemeClr val="bg1"/>
+                </a:solidFill>
+              </a:rPr>
+              <a:t>Tecnologías Empleadas</a:t>
+            </a:r>
+          </a:p>
+          <a:p>
+            <a:pPr marL="108000" indent="-72000">
+              <a:buFontTx/>
+              <a:buChar char="-"/>
+            </a:pPr>
+            <a:r>
+              <a:rPr lang="es-ES" sz="1350" dirty="0"/>
+              <a:t>Framework Shiny</a:t>
+            </a:r>
+          </a:p>
+          <a:p>
+            <a:endParaRPr lang="es-ES" sz="1350" dirty="0"/>
+          </a:p>
+          <a:p>
+            <a:r>
+              <a:rPr lang="es-ES" sz="1350" u="sng" dirty="0"/>
+              <a:t>Desarrollo</a:t>
+            </a:r>
+          </a:p>
+          <a:p>
+            <a:pPr marL="108000" indent="-72000">
+              <a:buFontTx/>
+              <a:buChar char="-"/>
+            </a:pPr>
+            <a:r>
+              <a:rPr lang="es-ES" sz="1350" dirty="0"/>
+              <a:t>Requisitos Funcionales</a:t>
+            </a:r>
+          </a:p>
+          <a:p>
+            <a:endParaRPr lang="es-ES" sz="1350" dirty="0"/>
+          </a:p>
+          <a:p>
+            <a:r>
+              <a:rPr lang="es-ES" sz="1350" u="sng" dirty="0"/>
+              <a:t>Demostración</a:t>
+            </a:r>
+          </a:p>
+          <a:p>
+            <a:endParaRPr lang="es-ES" sz="1350" dirty="0"/>
+          </a:p>
+          <a:p>
+            <a:r>
+              <a:rPr lang="es-ES" sz="1350" u="sng" dirty="0"/>
+              <a:t>Conclusiones</a:t>
+            </a:r>
+          </a:p>
+        </p:txBody>
+      </p:sp>
+      <p:pic>
+        <p:nvPicPr>
+          <p:cNvPr id="17" name="Picture 6" descr="Resultado de imagen de universidad de cádiz">
+            <a:extLst>
+              <a:ext uri="{FF2B5EF4-FFF2-40B4-BE49-F238E27FC236}">
+                <a16:creationId xmlns:a16="http://schemas.microsoft.com/office/drawing/2014/main" id="{755852E1-36DA-4B00-B93B-C78228AE35C3}"/>
+              </a:ext>
+            </a:extLst>
+          </p:cNvPr>
+          <p:cNvPicPr>
+            <a:picLocks noChangeAspect="1" noChangeArrowheads="1"/>
+          </p:cNvPicPr>
+          <p:nvPr/>
+        </p:nvPicPr>
+        <p:blipFill>
+          <a:blip r:embed="rId3">
+            <a:extLst>
+              <a:ext uri="{28A0092B-C50C-407E-A947-70E740481C1C}">
+                <a14:useLocalDpi xmlns:a14="http://schemas.microsoft.com/office/drawing/2010/main" val="0"/>
+              </a:ext>
+            </a:extLst>
+          </a:blip>
+          <a:srcRect/>
+          <a:stretch>
+            <a:fillRect/>
+          </a:stretch>
+        </p:blipFill>
+        <p:spPr bwMode="auto">
+          <a:xfrm>
+            <a:off x="93653" y="6162356"/>
+            <a:ext cx="483868" cy="622116"/>
+          </a:xfrm>
+          <a:prstGeom prst="rect">
+            <a:avLst/>
+          </a:prstGeom>
+          <a:noFill/>
+          <a:extLst>
+            <a:ext uri="{909E8E84-426E-40DD-AFC4-6F175D3DCCD1}">
+              <a14:hiddenFill xmlns:a14="http://schemas.microsoft.com/office/drawing/2010/main">
+                <a:solidFill>
+                  <a:srgbClr val="FFFFFF"/>
+                </a:solidFill>
+              </a14:hiddenFill>
+            </a:ext>
+          </a:extLst>
+        </p:spPr>
+      </p:pic>
+      <p:sp>
+        <p:nvSpPr>
+          <p:cNvPr id="18" name="Título 1">
+            <a:extLst>
+              <a:ext uri="{FF2B5EF4-FFF2-40B4-BE49-F238E27FC236}">
+                <a16:creationId xmlns:a16="http://schemas.microsoft.com/office/drawing/2014/main" id="{6A5B6BD4-169D-43A5-A591-355729F0C918}"/>
+              </a:ext>
+            </a:extLst>
+          </p:cNvPr>
+          <p:cNvSpPr txBox="1">
+            <a:spLocks/>
+          </p:cNvSpPr>
+          <p:nvPr/>
+        </p:nvSpPr>
+        <p:spPr>
+          <a:xfrm>
+            <a:off x="0" y="1"/>
+            <a:ext cx="1785770" cy="927100"/>
+          </a:xfrm>
+          <a:prstGeom prst="rect">
+            <a:avLst/>
+          </a:prstGeom>
+        </p:spPr>
+        <p:txBody>
+          <a:bodyPr vert="horz" lIns="91440" tIns="45720" rIns="91440" bIns="45720" rtlCol="0" anchor="ctr">
+            <a:normAutofit/>
+          </a:bodyPr>
+          <a:lstStyle>
+            <a:lvl1pPr algn="ctr" defTabSz="914400" rtl="0" eaLnBrk="1" latinLnBrk="0" hangingPunct="1">
+              <a:lnSpc>
+                <a:spcPct val="90000"/>
+              </a:lnSpc>
+              <a:spcBef>
+                <a:spcPct val="0"/>
+              </a:spcBef>
+              <a:buNone/>
+              <a:defRPr sz="3600" kern="1200" cap="all" baseline="0">
+                <a:solidFill>
+                  <a:schemeClr val="tx1"/>
+                </a:solidFill>
+                <a:effectLst/>
+                <a:latin typeface="+mj-lt"/>
+                <a:ea typeface="+mj-ea"/>
+                <a:cs typeface="+mj-cs"/>
+              </a:defRPr>
+            </a:lvl1pPr>
+          </a:lstStyle>
+          <a:p>
+            <a:r>
+              <a:rPr lang="es-ES" dirty="0"/>
+              <a:t>EPA</a:t>
+            </a:r>
+          </a:p>
+          <a:p>
+            <a:r>
+              <a:rPr lang="es-ES" sz="2000" dirty="0"/>
+              <a:t>Explorer</a:t>
+            </a:r>
+          </a:p>
+        </p:txBody>
+      </p:sp>
+      <p:sp>
+        <p:nvSpPr>
+          <p:cNvPr id="11" name="Rectángulo 10">
+            <a:extLst>
+              <a:ext uri="{FF2B5EF4-FFF2-40B4-BE49-F238E27FC236}">
+                <a16:creationId xmlns:a16="http://schemas.microsoft.com/office/drawing/2014/main" id="{B9AF272F-5B6B-41F2-9E41-51DB81C39DB2}"/>
+              </a:ext>
+            </a:extLst>
+          </p:cNvPr>
+          <p:cNvSpPr/>
+          <p:nvPr/>
+        </p:nvSpPr>
+        <p:spPr>
+          <a:xfrm>
+            <a:off x="2438400" y="993762"/>
+            <a:ext cx="8521700" cy="830997"/>
+          </a:xfrm>
+          <a:prstGeom prst="rect">
+            <a:avLst/>
+          </a:prstGeom>
+        </p:spPr>
+        <p:txBody>
+          <a:bodyPr wrap="square">
+            <a:spAutoFit/>
+          </a:bodyPr>
+          <a:lstStyle/>
+          <a:p>
+            <a:pPr marL="285750" indent="-285750">
+              <a:spcBef>
+                <a:spcPts val="1800"/>
+              </a:spcBef>
+              <a:buFontTx/>
+              <a:buChar char="-"/>
+            </a:pPr>
+            <a:r>
+              <a:rPr lang="es-ES" sz="2400" dirty="0"/>
+              <a:t>Se dedicó un periodo aproximado de 1 mes en tareas de análisis y 5 desarrollo del software, ambos periodos en media jornada:</a:t>
+            </a:r>
+          </a:p>
+        </p:txBody>
+      </p:sp>
+      <p:sp>
+        <p:nvSpPr>
+          <p:cNvPr id="13" name="Rectángulo 12">
+            <a:extLst>
+              <a:ext uri="{FF2B5EF4-FFF2-40B4-BE49-F238E27FC236}">
+                <a16:creationId xmlns:a16="http://schemas.microsoft.com/office/drawing/2014/main" id="{01C0BEBD-D0BF-4F81-B867-066734CE337B}"/>
+              </a:ext>
+            </a:extLst>
+          </p:cNvPr>
+          <p:cNvSpPr/>
+          <p:nvPr/>
+        </p:nvSpPr>
+        <p:spPr>
+          <a:xfrm>
+            <a:off x="2438400" y="4762666"/>
+            <a:ext cx="8521700" cy="707886"/>
+          </a:xfrm>
+          <a:prstGeom prst="rect">
+            <a:avLst/>
+          </a:prstGeom>
+        </p:spPr>
+        <p:txBody>
+          <a:bodyPr wrap="square">
+            <a:spAutoFit/>
+          </a:bodyPr>
+          <a:lstStyle/>
+          <a:p>
+            <a:pPr>
+              <a:spcBef>
+                <a:spcPts val="1800"/>
+              </a:spcBef>
+            </a:pPr>
+            <a:r>
+              <a:rPr lang="es-ES" sz="2000" dirty="0"/>
+              <a:t>NOTA: Sueldo de analista y programador extraídos del “</a:t>
+            </a:r>
+            <a:r>
+              <a:rPr lang="es-ES" sz="2000" i="1" dirty="0"/>
+              <a:t>Convenio colectivo nacional de empresas de ingeniería y oficinas de estudios técnicos</a:t>
+            </a:r>
+            <a:r>
+              <a:rPr lang="es-ES" sz="2000" dirty="0"/>
+              <a:t>”.</a:t>
+            </a:r>
+          </a:p>
+        </p:txBody>
+      </p:sp>
+    </p:spTree>
+    <p:extLst>
+      <p:ext uri="{BB962C8B-B14F-4D97-AF65-F5344CB8AC3E}">
+        <p14:creationId xmlns:p14="http://schemas.microsoft.com/office/powerpoint/2010/main" val="1679402448"/>
+      </p:ext>
+    </p:extLst>
+  </p:cSld>
+  <p:clrMapOvr>
+    <a:masterClrMapping/>
+  </p:clrMapOvr>
+  <mc:AlternateContent xmlns:mc="http://schemas.openxmlformats.org/markup-compatibility/2006" xmlns:p14="http://schemas.microsoft.com/office/powerpoint/2010/main">
+    <mc:Choice Requires="p14">
+      <p:transition spd="med" p14:dur="700">
+        <p:fade/>
+      </p:transition>
+    </mc:Choice>
+    <mc:Fallback xmlns="">
+      <p:transition spd="med">
+        <p:fade/>
+      </p:transition>
+    </mc:Fallback>
+  </mc:AlternateContent>
+</p:sld>
+</file>
+
+<file path=ppt/slides/slide11.xml><?xml version="1.0" encoding="utf-8"?>
+<p:sld xmlns:a="http://schemas.openxmlformats.org/drawingml/2006/main" xmlns:r="http://schemas.openxmlformats.org/officeDocument/2006/relationships" xmlns:p="http://schemas.openxmlformats.org/presentationml/2006/main">
+  <p:cSld>
+    <p:spTree>
+      <p:nvGrpSpPr>
+        <p:cNvPr id="1" name=""/>
+        <p:cNvGrpSpPr/>
+        <p:nvPr/>
+      </p:nvGrpSpPr>
+      <p:grpSpPr>
+        <a:xfrm>
+          <a:off x="0" y="0"/>
+          <a:ext cx="0" cy="0"/>
+          <a:chOff x="0" y="0"/>
+          <a:chExt cx="0" cy="0"/>
+        </a:xfrm>
+      </p:grpSpPr>
+      <p:sp>
+        <p:nvSpPr>
+          <p:cNvPr id="22" name="Rectángulo 21">
+            <a:extLst>
+              <a:ext uri="{FF2B5EF4-FFF2-40B4-BE49-F238E27FC236}">
+                <a16:creationId xmlns:a16="http://schemas.microsoft.com/office/drawing/2014/main" id="{545EBB1B-E341-4AF5-AFFF-648C70AD4AE9}"/>
+              </a:ext>
+            </a:extLst>
+          </p:cNvPr>
+          <p:cNvSpPr/>
+          <p:nvPr/>
+        </p:nvSpPr>
+        <p:spPr>
+          <a:xfrm>
+            <a:off x="0" y="0"/>
+            <a:ext cx="1785769" cy="6088828"/>
+          </a:xfrm>
+          <a:prstGeom prst="rect">
+            <a:avLst/>
+          </a:prstGeom>
+          <a:solidFill>
+            <a:schemeClr val="dk1">
+              <a:alpha val="33000"/>
+            </a:schemeClr>
+          </a:solidFill>
+          <a:ln>
+            <a:noFill/>
+          </a:ln>
+        </p:spPr>
+        <p:style>
+          <a:lnRef idx="0">
+            <a:scrgbClr r="0" g="0" b="0"/>
+          </a:lnRef>
+          <a:fillRef idx="0">
+            <a:scrgbClr r="0" g="0" b="0"/>
+          </a:fillRef>
+          <a:effectRef idx="0">
+            <a:scrgbClr r="0" g="0" b="0"/>
+          </a:effectRef>
+          <a:fontRef idx="minor">
+            <a:schemeClr val="lt1"/>
+          </a:fontRef>
+        </p:style>
+        <p:txBody>
+          <a:bodyPr rtlCol="0" anchor="ctr"/>
+          <a:lstStyle/>
+          <a:p>
+            <a:pPr algn="ctr"/>
+            <a:endParaRPr lang="es-ES" dirty="0"/>
+          </a:p>
+        </p:txBody>
+      </p:sp>
+      <p:sp>
+        <p:nvSpPr>
+          <p:cNvPr id="2" name="Título 1"/>
+          <p:cNvSpPr>
+            <a:spLocks noGrp="1"/>
+          </p:cNvSpPr>
+          <p:nvPr>
+            <p:ph type="title"/>
+          </p:nvPr>
+        </p:nvSpPr>
+        <p:spPr>
+          <a:xfrm>
+            <a:off x="3557204" y="198971"/>
+            <a:ext cx="6820349" cy="887552"/>
+          </a:xfrm>
+        </p:spPr>
+        <p:txBody>
+          <a:bodyPr>
+            <a:normAutofit/>
+          </a:bodyPr>
+          <a:lstStyle/>
+          <a:p>
+            <a:r>
+              <a:rPr lang="es-ES" dirty="0"/>
+              <a:t>TECNOLOGIAS UTILIZADAS</a:t>
+            </a:r>
+          </a:p>
+        </p:txBody>
+      </p:sp>
+      <p:sp>
+        <p:nvSpPr>
+          <p:cNvPr id="12" name="Rectángulo 11">
+            <a:extLst>
+              <a:ext uri="{FF2B5EF4-FFF2-40B4-BE49-F238E27FC236}">
+                <a16:creationId xmlns:a16="http://schemas.microsoft.com/office/drawing/2014/main" id="{90E585D4-0ACA-4D12-857C-2F7C50F9EFCE}"/>
+              </a:ext>
+            </a:extLst>
+          </p:cNvPr>
+          <p:cNvSpPr/>
+          <p:nvPr/>
+        </p:nvSpPr>
+        <p:spPr>
+          <a:xfrm>
+            <a:off x="4443995" y="1086532"/>
+            <a:ext cx="6693193" cy="4603311"/>
+          </a:xfrm>
+          <a:prstGeom prst="rect">
+            <a:avLst/>
+          </a:prstGeom>
+        </p:spPr>
+        <p:txBody>
+          <a:bodyPr wrap="square">
+            <a:spAutoFit/>
+          </a:bodyPr>
+          <a:lstStyle/>
+          <a:p>
+            <a:pPr>
+              <a:lnSpc>
+                <a:spcPct val="200000"/>
+              </a:lnSpc>
+              <a:spcBef>
+                <a:spcPts val="1800"/>
+              </a:spcBef>
+            </a:pPr>
+            <a:r>
+              <a:rPr lang="es-ES" sz="2400" dirty="0"/>
+              <a:t>Lenguaje de programación para análisis estadístico</a:t>
+            </a:r>
+          </a:p>
+          <a:p>
+            <a:pPr>
+              <a:lnSpc>
+                <a:spcPct val="200000"/>
+              </a:lnSpc>
+              <a:spcBef>
+                <a:spcPts val="1800"/>
+              </a:spcBef>
+            </a:pPr>
+            <a:r>
+              <a:rPr lang="es-ES" sz="2400" dirty="0"/>
+              <a:t>Varios paquetes extensiones del Lenguaje R</a:t>
+            </a:r>
+          </a:p>
+          <a:p>
+            <a:pPr>
+              <a:lnSpc>
+                <a:spcPct val="200000"/>
+              </a:lnSpc>
+              <a:spcBef>
+                <a:spcPts val="1800"/>
+              </a:spcBef>
+            </a:pPr>
+            <a:r>
+              <a:rPr lang="es-ES" sz="2400" dirty="0"/>
+              <a:t>Entorno de desarrollo diseñado para su uso con R</a:t>
+            </a:r>
+          </a:p>
+          <a:p>
+            <a:pPr>
+              <a:lnSpc>
+                <a:spcPct val="200000"/>
+              </a:lnSpc>
+              <a:spcBef>
+                <a:spcPts val="1800"/>
+              </a:spcBef>
+            </a:pPr>
+            <a:r>
+              <a:rPr lang="es-ES" sz="2400" dirty="0"/>
+              <a:t>Sistema de gestión de base de datos</a:t>
+            </a:r>
+          </a:p>
+          <a:p>
+            <a:pPr>
+              <a:lnSpc>
+                <a:spcPct val="200000"/>
+              </a:lnSpc>
+              <a:spcBef>
+                <a:spcPts val="1800"/>
+              </a:spcBef>
+            </a:pPr>
+            <a:r>
+              <a:rPr lang="es-ES" sz="2400" dirty="0"/>
+              <a:t>Sistema de control de configuración</a:t>
+            </a:r>
+          </a:p>
+        </p:txBody>
+      </p:sp>
+      <p:pic>
+        <p:nvPicPr>
+          <p:cNvPr id="2050" name="Picture 2" descr="Resultado de imagen de r language icon">
+            <a:extLst>
+              <a:ext uri="{FF2B5EF4-FFF2-40B4-BE49-F238E27FC236}">
+                <a16:creationId xmlns:a16="http://schemas.microsoft.com/office/drawing/2014/main" id="{A55B891A-D116-49AA-BC7C-9FC51A9CACB0}"/>
+              </a:ext>
+            </a:extLst>
+          </p:cNvPr>
+          <p:cNvPicPr>
+            <a:picLocks noChangeAspect="1" noChangeArrowheads="1"/>
+          </p:cNvPicPr>
+          <p:nvPr/>
+        </p:nvPicPr>
+        <p:blipFill>
+          <a:blip r:embed="rId3">
+            <a:extLst>
+              <a:ext uri="{28A0092B-C50C-407E-A947-70E740481C1C}">
+                <a14:useLocalDpi xmlns:a14="http://schemas.microsoft.com/office/drawing/2010/main" val="0"/>
+              </a:ext>
+            </a:extLst>
+          </a:blip>
+          <a:srcRect/>
+          <a:stretch>
+            <a:fillRect/>
+          </a:stretch>
+        </p:blipFill>
+        <p:spPr bwMode="auto">
+          <a:xfrm>
+            <a:off x="3220390" y="1300197"/>
+            <a:ext cx="687223" cy="532598"/>
+          </a:xfrm>
+          <a:prstGeom prst="rect">
+            <a:avLst/>
+          </a:prstGeom>
+          <a:noFill/>
+          <a:extLst>
+            <a:ext uri="{909E8E84-426E-40DD-AFC4-6F175D3DCCD1}">
+              <a14:hiddenFill xmlns:a14="http://schemas.microsoft.com/office/drawing/2010/main">
+                <a:solidFill>
+                  <a:srgbClr val="FFFFFF"/>
+                </a:solidFill>
+              </a14:hiddenFill>
+            </a:ext>
+          </a:extLst>
+        </p:spPr>
+      </p:pic>
+      <p:pic>
+        <p:nvPicPr>
+          <p:cNvPr id="2052" name="Picture 4" descr="Resultado de imagen de r studio">
+            <a:extLst>
+              <a:ext uri="{FF2B5EF4-FFF2-40B4-BE49-F238E27FC236}">
+                <a16:creationId xmlns:a16="http://schemas.microsoft.com/office/drawing/2014/main" id="{F1B8E7B7-00F1-41C1-AF84-689E1DFDCEC2}"/>
+              </a:ext>
+            </a:extLst>
+          </p:cNvPr>
+          <p:cNvPicPr>
+            <a:picLocks noChangeAspect="1" noChangeArrowheads="1"/>
+          </p:cNvPicPr>
+          <p:nvPr/>
+        </p:nvPicPr>
+        <p:blipFill>
+          <a:blip r:embed="rId4">
+            <a:extLst>
+              <a:ext uri="{28A0092B-C50C-407E-A947-70E740481C1C}">
+                <a14:useLocalDpi xmlns:a14="http://schemas.microsoft.com/office/drawing/2010/main" val="0"/>
+              </a:ext>
+            </a:extLst>
+          </a:blip>
+          <a:srcRect/>
+          <a:stretch>
+            <a:fillRect/>
+          </a:stretch>
+        </p:blipFill>
+        <p:spPr bwMode="auto">
+          <a:xfrm>
+            <a:off x="2952796" y="3271633"/>
+            <a:ext cx="1330325" cy="468274"/>
+          </a:xfrm>
+          <a:prstGeom prst="rect">
+            <a:avLst/>
+          </a:prstGeom>
+          <a:noFill/>
+          <a:extLst>
+            <a:ext uri="{909E8E84-426E-40DD-AFC4-6F175D3DCCD1}">
+              <a14:hiddenFill xmlns:a14="http://schemas.microsoft.com/office/drawing/2010/main">
+                <a:solidFill>
+                  <a:srgbClr val="FFFFFF"/>
+                </a:solidFill>
+              </a14:hiddenFill>
+            </a:ext>
+          </a:extLst>
+        </p:spPr>
+      </p:pic>
+      <p:pic>
+        <p:nvPicPr>
+          <p:cNvPr id="2056" name="Picture 8" descr="Resultado de imagen de sqlite">
+            <a:extLst>
+              <a:ext uri="{FF2B5EF4-FFF2-40B4-BE49-F238E27FC236}">
+                <a16:creationId xmlns:a16="http://schemas.microsoft.com/office/drawing/2014/main" id="{C31BD88C-AD1D-4E1F-989E-248B73597989}"/>
+              </a:ext>
+            </a:extLst>
+          </p:cNvPr>
+          <p:cNvPicPr>
+            <a:picLocks noChangeAspect="1" noChangeArrowheads="1"/>
+          </p:cNvPicPr>
+          <p:nvPr/>
+        </p:nvPicPr>
+        <p:blipFill>
+          <a:blip r:embed="rId5">
+            <a:extLst>
+              <a:ext uri="{28A0092B-C50C-407E-A947-70E740481C1C}">
+                <a14:useLocalDpi xmlns:a14="http://schemas.microsoft.com/office/drawing/2010/main" val="0"/>
+              </a:ext>
+            </a:extLst>
+          </a:blip>
+          <a:srcRect/>
+          <a:stretch>
+            <a:fillRect/>
+          </a:stretch>
+        </p:blipFill>
+        <p:spPr bwMode="auto">
+          <a:xfrm>
+            <a:off x="3070894" y="4185971"/>
+            <a:ext cx="1120970" cy="532461"/>
+          </a:xfrm>
+          <a:prstGeom prst="rect">
+            <a:avLst/>
+          </a:prstGeom>
+          <a:noFill/>
+          <a:extLst>
+            <a:ext uri="{909E8E84-426E-40DD-AFC4-6F175D3DCCD1}">
+              <a14:hiddenFill xmlns:a14="http://schemas.microsoft.com/office/drawing/2010/main">
+                <a:solidFill>
+                  <a:srgbClr val="FFFFFF"/>
+                </a:solidFill>
+              </a14:hiddenFill>
+            </a:ext>
+          </a:extLst>
+        </p:spPr>
+      </p:pic>
+      <p:pic>
+        <p:nvPicPr>
+          <p:cNvPr id="2058" name="Picture 10" descr="Resultado de imagen de git">
+            <a:extLst>
+              <a:ext uri="{FF2B5EF4-FFF2-40B4-BE49-F238E27FC236}">
+                <a16:creationId xmlns:a16="http://schemas.microsoft.com/office/drawing/2014/main" id="{8DD8B382-A625-4A72-B51E-75F6A38929F9}"/>
+              </a:ext>
+            </a:extLst>
+          </p:cNvPr>
+          <p:cNvPicPr>
+            <a:picLocks noChangeAspect="1" noChangeArrowheads="1"/>
+          </p:cNvPicPr>
+          <p:nvPr/>
+        </p:nvPicPr>
+        <p:blipFill>
+          <a:blip r:embed="rId6">
+            <a:extLst>
+              <a:ext uri="{28A0092B-C50C-407E-A947-70E740481C1C}">
+                <a14:useLocalDpi xmlns:a14="http://schemas.microsoft.com/office/drawing/2010/main" val="0"/>
+              </a:ext>
+            </a:extLst>
+          </a:blip>
+          <a:srcRect/>
+          <a:stretch>
+            <a:fillRect/>
+          </a:stretch>
+        </p:blipFill>
+        <p:spPr bwMode="auto">
+          <a:xfrm>
+            <a:off x="3171904" y="5215848"/>
+            <a:ext cx="951457" cy="397312"/>
+          </a:xfrm>
+          <a:prstGeom prst="rect">
+            <a:avLst/>
+          </a:prstGeom>
+          <a:noFill/>
+          <a:extLst>
+            <a:ext uri="{909E8E84-426E-40DD-AFC4-6F175D3DCCD1}">
+              <a14:hiddenFill xmlns:a14="http://schemas.microsoft.com/office/drawing/2010/main">
+                <a:solidFill>
+                  <a:srgbClr val="FFFFFF"/>
+                </a:solidFill>
+              </a14:hiddenFill>
+            </a:ext>
+          </a:extLst>
+        </p:spPr>
+      </p:pic>
+      <p:pic>
+        <p:nvPicPr>
+          <p:cNvPr id="2062" name="Picture 14" descr="\\debora-pc\Mis videos de juegos\r-packages new.png">
+            <a:extLst>
+              <a:ext uri="{FF2B5EF4-FFF2-40B4-BE49-F238E27FC236}">
+                <a16:creationId xmlns:a16="http://schemas.microsoft.com/office/drawing/2014/main" id="{BEA8242B-153E-446C-BA6B-8D8536E9E753}"/>
+              </a:ext>
+            </a:extLst>
+          </p:cNvPr>
+          <p:cNvPicPr>
+            <a:picLocks noChangeAspect="1" noChangeArrowheads="1"/>
+          </p:cNvPicPr>
+          <p:nvPr/>
+        </p:nvPicPr>
+        <p:blipFill>
+          <a:blip r:embed="rId7">
+            <a:extLst>
+              <a:ext uri="{28A0092B-C50C-407E-A947-70E740481C1C}">
+                <a14:useLocalDpi xmlns:a14="http://schemas.microsoft.com/office/drawing/2010/main" val="0"/>
+              </a:ext>
+            </a:extLst>
+          </a:blip>
+          <a:srcRect/>
+          <a:stretch>
+            <a:fillRect/>
+          </a:stretch>
+        </p:blipFill>
+        <p:spPr bwMode="auto">
+          <a:xfrm>
+            <a:off x="2943456" y="2101173"/>
+            <a:ext cx="1335305" cy="882503"/>
+          </a:xfrm>
+          <a:prstGeom prst="rect">
+            <a:avLst/>
+          </a:prstGeom>
+          <a:noFill/>
+          <a:extLst>
+            <a:ext uri="{909E8E84-426E-40DD-AFC4-6F175D3DCCD1}">
+              <a14:hiddenFill xmlns:a14="http://schemas.microsoft.com/office/drawing/2010/main">
+                <a:solidFill>
+                  <a:srgbClr val="FFFFFF"/>
+                </a:solidFill>
+              </a14:hiddenFill>
+            </a:ext>
+          </a:extLst>
+        </p:spPr>
+      </p:pic>
+      <p:sp>
+        <p:nvSpPr>
+          <p:cNvPr id="17" name="Rectángulo 16">
+            <a:extLst>
+              <a:ext uri="{FF2B5EF4-FFF2-40B4-BE49-F238E27FC236}">
+                <a16:creationId xmlns:a16="http://schemas.microsoft.com/office/drawing/2014/main" id="{63026AE6-FA47-4F91-8FC3-6CAB7DF51E2B}"/>
+              </a:ext>
+            </a:extLst>
+          </p:cNvPr>
+          <p:cNvSpPr/>
+          <p:nvPr/>
+        </p:nvSpPr>
+        <p:spPr>
+          <a:xfrm>
+            <a:off x="0" y="6088828"/>
+            <a:ext cx="12192000" cy="769172"/>
+          </a:xfrm>
+          <a:prstGeom prst="rect">
+            <a:avLst/>
+          </a:prstGeom>
+          <a:solidFill>
+            <a:schemeClr val="dk1">
+              <a:alpha val="33000"/>
+            </a:schemeClr>
+          </a:solidFill>
+          <a:ln>
+            <a:noFill/>
+          </a:ln>
+        </p:spPr>
+        <p:style>
+          <a:lnRef idx="0">
+            <a:scrgbClr r="0" g="0" b="0"/>
+          </a:lnRef>
+          <a:fillRef idx="0">
+            <a:scrgbClr r="0" g="0" b="0"/>
+          </a:fillRef>
+          <a:effectRef idx="0">
+            <a:scrgbClr r="0" g="0" b="0"/>
+          </a:effectRef>
+          <a:fontRef idx="minor">
+            <a:schemeClr val="lt1"/>
+          </a:fontRef>
+        </p:style>
+        <p:txBody>
+          <a:bodyPr rtlCol="0" anchor="ctr"/>
+          <a:lstStyle/>
+          <a:p>
+            <a:pPr algn="r"/>
+            <a:endParaRPr lang="es-ES" dirty="0"/>
+          </a:p>
+        </p:txBody>
+      </p:sp>
+      <p:graphicFrame>
+        <p:nvGraphicFramePr>
+          <p:cNvPr id="18" name="Tabla 17">
+            <a:extLst>
+              <a:ext uri="{FF2B5EF4-FFF2-40B4-BE49-F238E27FC236}">
+                <a16:creationId xmlns:a16="http://schemas.microsoft.com/office/drawing/2014/main" id="{C9AC818E-B486-4B6F-B32B-030DEACA99B9}"/>
+              </a:ext>
+            </a:extLst>
+          </p:cNvPr>
+          <p:cNvGraphicFramePr>
+            <a:graphicFrameLocks noGrp="1"/>
+          </p:cNvGraphicFramePr>
+          <p:nvPr>
+            <p:extLst>
+              <p:ext uri="{D42A27DB-BD31-4B8C-83A1-F6EECF244321}">
+                <p14:modId xmlns:p14="http://schemas.microsoft.com/office/powerpoint/2010/main" val="4148314491"/>
+              </p:ext>
+            </p:extLst>
+          </p:nvPr>
+        </p:nvGraphicFramePr>
+        <p:xfrm>
+          <a:off x="7670800" y="6153374"/>
+          <a:ext cx="4432300" cy="640080"/>
+        </p:xfrm>
+        <a:graphic>
+          <a:graphicData uri="http://schemas.openxmlformats.org/drawingml/2006/table">
+            <a:tbl>
+              <a:tblPr firstRow="1" bandRow="1">
+                <a:tableStyleId>{2D5ABB26-0587-4C30-8999-92F81FD0307C}</a:tableStyleId>
+              </a:tblPr>
+              <a:tblGrid>
+                <a:gridCol w="3729229">
+                  <a:extLst>
+                    <a:ext uri="{9D8B030D-6E8A-4147-A177-3AD203B41FA5}">
+                      <a16:colId xmlns:a16="http://schemas.microsoft.com/office/drawing/2014/main" val="1347896834"/>
+                    </a:ext>
+                  </a:extLst>
+                </a:gridCol>
+                <a:gridCol w="703071">
+                  <a:extLst>
+                    <a:ext uri="{9D8B030D-6E8A-4147-A177-3AD203B41FA5}">
+                      <a16:colId xmlns:a16="http://schemas.microsoft.com/office/drawing/2014/main" val="972821047"/>
+                    </a:ext>
+                  </a:extLst>
+                </a:gridCol>
+              </a:tblGrid>
+              <a:tr h="633819">
+                <a:tc>
+                  <a:txBody>
+                    <a:bodyPr/>
+                    <a:lstStyle/>
+                    <a:p>
+                      <a:pPr algn="r"/>
+                      <a:r>
+                        <a:rPr lang="es-ES" dirty="0">
+                          <a:solidFill>
+                            <a:schemeClr val="bg1"/>
+                          </a:solidFill>
+                        </a:rPr>
+                        <a:t>Software de preparación, procesado y análisis de datos de la EPA</a:t>
+                      </a:r>
+                      <a:endParaRPr lang="es-ES" b="0" dirty="0">
+                        <a:solidFill>
+                          <a:schemeClr val="bg1"/>
+                        </a:solidFill>
+                      </a:endParaRPr>
+                    </a:p>
+                  </a:txBody>
+                  <a:tcPr anchor="ctr">
+                    <a:lnR w="12700" cap="flat" cmpd="sng" algn="ctr">
+                      <a:solidFill>
+                        <a:schemeClr val="tx1"/>
+                      </a:solidFill>
+                      <a:prstDash val="solid"/>
+                      <a:round/>
+                      <a:headEnd type="none" w="med" len="med"/>
+                      <a:tailEnd type="none" w="med" len="med"/>
+                    </a:lnR>
+                  </a:tcPr>
+                </a:tc>
+                <a:tc>
+                  <a:txBody>
+                    <a:bodyPr/>
+                    <a:lstStyle/>
+                    <a:p>
+                      <a:pPr algn="ctr"/>
+                      <a:fld id="{0E1C8A44-DCA4-45BE-94D1-2AB25001A8D2}" type="slidenum">
+                        <a:rPr lang="es-ES" smtClean="0">
+                          <a:solidFill>
+                            <a:schemeClr val="bg2">
+                              <a:lumMod val="60000"/>
+                              <a:lumOff val="40000"/>
+                            </a:schemeClr>
+                          </a:solidFill>
+                        </a:rPr>
                         <a:t>11</a:t>
                       </a:fld>
                       <a:endParaRPr lang="es-ES" dirty="0">
@@ -13200,10 +13640,10 @@
       </p:graphicFrame>
       <p:sp>
         <p:nvSpPr>
-          <p:cNvPr id="15" name="Rectángulo 14">
+          <p:cNvPr id="19" name="Rectángulo 18">
             <a:extLst>
               <a:ext uri="{FF2B5EF4-FFF2-40B4-BE49-F238E27FC236}">
-                <a16:creationId xmlns:a16="http://schemas.microsoft.com/office/drawing/2014/main" id="{E696205F-68B6-442C-A35D-731BD6DF253B}"/>
+                <a16:creationId xmlns:a16="http://schemas.microsoft.com/office/drawing/2014/main" id="{EF5DD801-4689-441D-AA27-95D51F19337B}"/>
               </a:ext>
             </a:extLst>
           </p:cNvPr>
@@ -13381,10 +13821,10 @@
       </p:sp>
       <p:pic>
         <p:nvPicPr>
-          <p:cNvPr id="17" name="Picture 6" descr="Resultado de imagen de universidad de cádiz">
+          <p:cNvPr id="20" name="Picture 6" descr="Resultado de imagen de universidad de cádiz">
             <a:extLst>
               <a:ext uri="{FF2B5EF4-FFF2-40B4-BE49-F238E27FC236}">
-                <a16:creationId xmlns:a16="http://schemas.microsoft.com/office/drawing/2014/main" id="{755852E1-36DA-4B00-B93B-C78228AE35C3}"/>
+                <a16:creationId xmlns:a16="http://schemas.microsoft.com/office/drawing/2014/main" id="{A9C7D96D-FDBE-41FF-9EB4-B8E09D9782EC}"/>
               </a:ext>
             </a:extLst>
           </p:cNvPr>
@@ -13394,7 +13834,7 @@
           <p:nvPr/>
         </p:nvPicPr>
         <p:blipFill>
-          <a:blip r:embed="rId3">
+          <a:blip r:embed="rId8">
             <a:extLst>
               <a:ext uri="{28A0092B-C50C-407E-A947-70E740481C1C}">
                 <a14:useLocalDpi xmlns:a14="http://schemas.microsoft.com/office/drawing/2010/main" val="0"/>
@@ -13428,10 +13868,10 @@
       </p:pic>
       <p:sp>
         <p:nvSpPr>
-          <p:cNvPr id="18" name="Título 1">
+          <p:cNvPr id="21" name="Título 1">
             <a:extLst>
               <a:ext uri="{FF2B5EF4-FFF2-40B4-BE49-F238E27FC236}">
-                <a16:creationId xmlns:a16="http://schemas.microsoft.com/office/drawing/2014/main" id="{6A5B6BD4-169D-43A5-A591-355729F0C918}"/>
+                <a16:creationId xmlns:a16="http://schemas.microsoft.com/office/drawing/2014/main" id="{6F49164D-FA74-4B74-BA70-72CCCC20DAE3}"/>
               </a:ext>
             </a:extLst>
           </p:cNvPr>
@@ -13490,7 +13930,7 @@
     </p:spTree>
     <p:extLst>
       <p:ext uri="{BB962C8B-B14F-4D97-AF65-F5344CB8AC3E}">
-        <p14:creationId xmlns:p14="http://schemas.microsoft.com/office/powerpoint/2010/main" val="1679402448"/>
+        <p14:creationId xmlns:p14="http://schemas.microsoft.com/office/powerpoint/2010/main" val="318969896"/>
       </p:ext>
     </p:extLst>
   </p:cSld>
@@ -13531,10 +13971,10 @@
       </p:grpSpPr>
       <p:sp>
         <p:nvSpPr>
-          <p:cNvPr id="22" name="Rectángulo 21">
+          <p:cNvPr id="20" name="Rectángulo 19">
             <a:extLst>
               <a:ext uri="{FF2B5EF4-FFF2-40B4-BE49-F238E27FC236}">
-                <a16:creationId xmlns:a16="http://schemas.microsoft.com/office/drawing/2014/main" id="{545EBB1B-E341-4AF5-AFFF-648C70AD4AE9}"/>
+                <a16:creationId xmlns:a16="http://schemas.microsoft.com/office/drawing/2014/main" id="{907293A4-E76A-4C5C-BB70-1E468396DD65}"/>
               </a:ext>
             </a:extLst>
           </p:cNvPr>
@@ -13605,7 +14045,7 @@
           <a:p>
             <a:r>
               <a:rPr lang="es-ES" dirty="0"/>
-              <a:t>TECNOLOGIAS UTILIZADAS</a:t>
+              <a:t>SHINY - Cliente-Servidor</a:t>
             </a:r>
           </a:p>
         </p:txBody>
@@ -13615,340 +14055,7 @@
           <p:cNvPr id="12" name="Rectángulo 11">
             <a:extLst>
               <a:ext uri="{FF2B5EF4-FFF2-40B4-BE49-F238E27FC236}">
-                <a16:creationId xmlns:a16="http://schemas.microsoft.com/office/drawing/2014/main" id="{90E585D4-0ACA-4D12-857C-2F7C50F9EFCE}"/>
-              </a:ext>
-            </a:extLst>
-          </p:cNvPr>
-          <p:cNvSpPr/>
-          <p:nvPr/>
-        </p:nvSpPr>
-        <p:spPr>
-          <a:xfrm>
-            <a:off x="5296749" y="1086532"/>
-            <a:ext cx="5097069" cy="4478149"/>
-          </a:xfrm>
-          <a:prstGeom prst="rect">
-            <a:avLst/>
-          </a:prstGeom>
-        </p:spPr>
-        <p:txBody>
-          <a:bodyPr wrap="square">
-            <a:spAutoFit/>
-          </a:bodyPr>
-          <a:lstStyle/>
-          <a:p>
-            <a:pPr>
-              <a:lnSpc>
-                <a:spcPct val="250000"/>
-              </a:lnSpc>
-              <a:spcBef>
-                <a:spcPts val="1800"/>
-              </a:spcBef>
-            </a:pPr>
-            <a:r>
-              <a:rPr lang="es-ES" dirty="0"/>
-              <a:t>Lenguaje de programación para análisis estadístico</a:t>
-            </a:r>
-          </a:p>
-          <a:p>
-            <a:pPr>
-              <a:lnSpc>
-                <a:spcPct val="250000"/>
-              </a:lnSpc>
-              <a:spcBef>
-                <a:spcPts val="1800"/>
-              </a:spcBef>
-            </a:pPr>
-            <a:r>
-              <a:rPr lang="es-ES" dirty="0"/>
-              <a:t>Varios paquetes extensiones del Lenguaje R</a:t>
-            </a:r>
-          </a:p>
-          <a:p>
-            <a:pPr>
-              <a:lnSpc>
-                <a:spcPct val="250000"/>
-              </a:lnSpc>
-              <a:spcBef>
-                <a:spcPts val="1800"/>
-              </a:spcBef>
-            </a:pPr>
-            <a:r>
-              <a:rPr lang="es-ES" dirty="0"/>
-              <a:t>Entorno de desarrollo diseñado para su uso con R</a:t>
-            </a:r>
-          </a:p>
-          <a:p>
-            <a:pPr>
-              <a:lnSpc>
-                <a:spcPct val="250000"/>
-              </a:lnSpc>
-              <a:spcBef>
-                <a:spcPts val="1800"/>
-              </a:spcBef>
-            </a:pPr>
-            <a:r>
-              <a:rPr lang="es-ES" dirty="0"/>
-              <a:t>Sistema de gestión de base de datos</a:t>
-            </a:r>
-          </a:p>
-          <a:p>
-            <a:pPr>
-              <a:lnSpc>
-                <a:spcPct val="250000"/>
-              </a:lnSpc>
-              <a:spcBef>
-                <a:spcPts val="1800"/>
-              </a:spcBef>
-            </a:pPr>
-            <a:r>
-              <a:rPr lang="es-ES" dirty="0"/>
-              <a:t>Sistema de control de configuración</a:t>
-            </a:r>
-          </a:p>
-        </p:txBody>
-      </p:sp>
-      <p:pic>
-        <p:nvPicPr>
-          <p:cNvPr id="2050" name="Picture 2" descr="Resultado de imagen de r language icon">
-            <a:extLst>
-              <a:ext uri="{FF2B5EF4-FFF2-40B4-BE49-F238E27FC236}">
-                <a16:creationId xmlns:a16="http://schemas.microsoft.com/office/drawing/2014/main" id="{A55B891A-D116-49AA-BC7C-9FC51A9CACB0}"/>
-              </a:ext>
-            </a:extLst>
-          </p:cNvPr>
-          <p:cNvPicPr>
-            <a:picLocks noChangeAspect="1" noChangeArrowheads="1"/>
-          </p:cNvPicPr>
-          <p:nvPr/>
-        </p:nvPicPr>
-        <p:blipFill>
-          <a:blip r:embed="rId3">
-            <a:extLst>
-              <a:ext uri="{28A0092B-C50C-407E-A947-70E740481C1C}">
-                <a14:useLocalDpi xmlns:a14="http://schemas.microsoft.com/office/drawing/2010/main" val="0"/>
-              </a:ext>
-            </a:extLst>
-          </a:blip>
-          <a:srcRect/>
-          <a:stretch>
-            <a:fillRect/>
-          </a:stretch>
-        </p:blipFill>
-        <p:spPr bwMode="auto">
-          <a:xfrm>
-            <a:off x="4073144" y="1300197"/>
-            <a:ext cx="687223" cy="532598"/>
-          </a:xfrm>
-          <a:prstGeom prst="rect">
-            <a:avLst/>
-          </a:prstGeom>
-          <a:noFill/>
-          <a:extLst>
-            <a:ext uri="{909E8E84-426E-40DD-AFC4-6F175D3DCCD1}">
-              <a14:hiddenFill xmlns:a14="http://schemas.microsoft.com/office/drawing/2010/main">
-                <a:solidFill>
-                  <a:srgbClr val="FFFFFF"/>
-                </a:solidFill>
-              </a14:hiddenFill>
-            </a:ext>
-          </a:extLst>
-        </p:spPr>
-      </p:pic>
-      <p:pic>
-        <p:nvPicPr>
-          <p:cNvPr id="2052" name="Picture 4" descr="Resultado de imagen de r studio">
-            <a:extLst>
-              <a:ext uri="{FF2B5EF4-FFF2-40B4-BE49-F238E27FC236}">
-                <a16:creationId xmlns:a16="http://schemas.microsoft.com/office/drawing/2014/main" id="{F1B8E7B7-00F1-41C1-AF84-689E1DFDCEC2}"/>
-              </a:ext>
-            </a:extLst>
-          </p:cNvPr>
-          <p:cNvPicPr>
-            <a:picLocks noChangeAspect="1" noChangeArrowheads="1"/>
-          </p:cNvPicPr>
-          <p:nvPr/>
-        </p:nvPicPr>
-        <p:blipFill>
-          <a:blip r:embed="rId4">
-            <a:extLst>
-              <a:ext uri="{28A0092B-C50C-407E-A947-70E740481C1C}">
-                <a14:useLocalDpi xmlns:a14="http://schemas.microsoft.com/office/drawing/2010/main" val="0"/>
-              </a:ext>
-            </a:extLst>
-          </a:blip>
-          <a:srcRect/>
-          <a:stretch>
-            <a:fillRect/>
-          </a:stretch>
-        </p:blipFill>
-        <p:spPr bwMode="auto">
-          <a:xfrm>
-            <a:off x="3805550" y="3179167"/>
-            <a:ext cx="1330325" cy="468274"/>
-          </a:xfrm>
-          <a:prstGeom prst="rect">
-            <a:avLst/>
-          </a:prstGeom>
-          <a:noFill/>
-          <a:extLst>
-            <a:ext uri="{909E8E84-426E-40DD-AFC4-6F175D3DCCD1}">
-              <a14:hiddenFill xmlns:a14="http://schemas.microsoft.com/office/drawing/2010/main">
-                <a:solidFill>
-                  <a:srgbClr val="FFFFFF"/>
-                </a:solidFill>
-              </a14:hiddenFill>
-            </a:ext>
-          </a:extLst>
-        </p:spPr>
-      </p:pic>
-      <p:pic>
-        <p:nvPicPr>
-          <p:cNvPr id="2056" name="Picture 8" descr="Resultado de imagen de sqlite">
-            <a:extLst>
-              <a:ext uri="{FF2B5EF4-FFF2-40B4-BE49-F238E27FC236}">
-                <a16:creationId xmlns:a16="http://schemas.microsoft.com/office/drawing/2014/main" id="{C31BD88C-AD1D-4E1F-989E-248B73597989}"/>
-              </a:ext>
-            </a:extLst>
-          </p:cNvPr>
-          <p:cNvPicPr>
-            <a:picLocks noChangeAspect="1" noChangeArrowheads="1"/>
-          </p:cNvPicPr>
-          <p:nvPr/>
-        </p:nvPicPr>
-        <p:blipFill>
-          <a:blip r:embed="rId5">
-            <a:extLst>
-              <a:ext uri="{28A0092B-C50C-407E-A947-70E740481C1C}">
-                <a14:useLocalDpi xmlns:a14="http://schemas.microsoft.com/office/drawing/2010/main" val="0"/>
-              </a:ext>
-            </a:extLst>
-          </a:blip>
-          <a:srcRect/>
-          <a:stretch>
-            <a:fillRect/>
-          </a:stretch>
-        </p:blipFill>
-        <p:spPr bwMode="auto">
-          <a:xfrm>
-            <a:off x="3923648" y="4052409"/>
-            <a:ext cx="1120970" cy="532461"/>
-          </a:xfrm>
-          <a:prstGeom prst="rect">
-            <a:avLst/>
-          </a:prstGeom>
-          <a:noFill/>
-          <a:extLst>
-            <a:ext uri="{909E8E84-426E-40DD-AFC4-6F175D3DCCD1}">
-              <a14:hiddenFill xmlns:a14="http://schemas.microsoft.com/office/drawing/2010/main">
-                <a:solidFill>
-                  <a:srgbClr val="FFFFFF"/>
-                </a:solidFill>
-              </a14:hiddenFill>
-            </a:ext>
-          </a:extLst>
-        </p:spPr>
-      </p:pic>
-      <p:pic>
-        <p:nvPicPr>
-          <p:cNvPr id="2058" name="Picture 10" descr="Resultado de imagen de git">
-            <a:extLst>
-              <a:ext uri="{FF2B5EF4-FFF2-40B4-BE49-F238E27FC236}">
-                <a16:creationId xmlns:a16="http://schemas.microsoft.com/office/drawing/2014/main" id="{8DD8B382-A625-4A72-B51E-75F6A38929F9}"/>
-              </a:ext>
-            </a:extLst>
-          </p:cNvPr>
-          <p:cNvPicPr>
-            <a:picLocks noChangeAspect="1" noChangeArrowheads="1"/>
-          </p:cNvPicPr>
-          <p:nvPr/>
-        </p:nvPicPr>
-        <p:blipFill>
-          <a:blip r:embed="rId6">
-            <a:extLst>
-              <a:ext uri="{28A0092B-C50C-407E-A947-70E740481C1C}">
-                <a14:useLocalDpi xmlns:a14="http://schemas.microsoft.com/office/drawing/2010/main" val="0"/>
-              </a:ext>
-            </a:extLst>
-          </a:blip>
-          <a:srcRect/>
-          <a:stretch>
-            <a:fillRect/>
-          </a:stretch>
-        </p:blipFill>
-        <p:spPr bwMode="auto">
-          <a:xfrm>
-            <a:off x="4024658" y="5010368"/>
-            <a:ext cx="951457" cy="397312"/>
-          </a:xfrm>
-          <a:prstGeom prst="rect">
-            <a:avLst/>
-          </a:prstGeom>
-          <a:noFill/>
-          <a:extLst>
-            <a:ext uri="{909E8E84-426E-40DD-AFC4-6F175D3DCCD1}">
-              <a14:hiddenFill xmlns:a14="http://schemas.microsoft.com/office/drawing/2010/main">
-                <a:solidFill>
-                  <a:srgbClr val="FFFFFF"/>
-                </a:solidFill>
-              </a14:hiddenFill>
-            </a:ext>
-          </a:extLst>
-        </p:spPr>
-      </p:pic>
-      <p:pic>
-        <p:nvPicPr>
-          <p:cNvPr id="2062" name="Picture 14" descr="\\debora-pc\Mis videos de juegos\r-packages new.png">
-            <a:extLst>
-              <a:ext uri="{FF2B5EF4-FFF2-40B4-BE49-F238E27FC236}">
-                <a16:creationId xmlns:a16="http://schemas.microsoft.com/office/drawing/2014/main" id="{BEA8242B-153E-446C-BA6B-8D8536E9E753}"/>
-              </a:ext>
-            </a:extLst>
-          </p:cNvPr>
-          <p:cNvPicPr>
-            <a:picLocks noChangeAspect="1" noChangeArrowheads="1"/>
-          </p:cNvPicPr>
-          <p:nvPr/>
-        </p:nvPicPr>
-        <p:blipFill>
-          <a:blip r:embed="rId7">
-            <a:extLst>
-              <a:ext uri="{28A0092B-C50C-407E-A947-70E740481C1C}">
-                <a14:useLocalDpi xmlns:a14="http://schemas.microsoft.com/office/drawing/2010/main" val="0"/>
-              </a:ext>
-            </a:extLst>
-          </a:blip>
-          <a:srcRect/>
-          <a:stretch>
-            <a:fillRect/>
-          </a:stretch>
-        </p:blipFill>
-        <p:spPr bwMode="auto">
-          <a:xfrm>
-            <a:off x="3796210" y="2080625"/>
-            <a:ext cx="1335305" cy="882503"/>
-          </a:xfrm>
-          <a:prstGeom prst="rect">
-            <a:avLst/>
-          </a:prstGeom>
-          <a:noFill/>
-          <a:extLst>
-            <a:ext uri="{909E8E84-426E-40DD-AFC4-6F175D3DCCD1}">
-              <a14:hiddenFill xmlns:a14="http://schemas.microsoft.com/office/drawing/2010/main">
-                <a:solidFill>
-                  <a:srgbClr val="FFFFFF"/>
-                </a:solidFill>
-              </a14:hiddenFill>
-            </a:ext>
-          </a:extLst>
-        </p:spPr>
-      </p:pic>
-      <p:sp>
-        <p:nvSpPr>
-          <p:cNvPr id="17" name="Rectángulo 16">
-            <a:extLst>
-              <a:ext uri="{FF2B5EF4-FFF2-40B4-BE49-F238E27FC236}">
-                <a16:creationId xmlns:a16="http://schemas.microsoft.com/office/drawing/2014/main" id="{63026AE6-FA47-4F91-8FC3-6CAB7DF51E2B}"/>
+                <a16:creationId xmlns:a16="http://schemas.microsoft.com/office/drawing/2014/main" id="{726DB863-006A-489F-8EC6-8D152003EB92}"/>
               </a:ext>
             </a:extLst>
           </p:cNvPr>
@@ -13997,10 +14104,10 @@
       </p:sp>
       <p:graphicFrame>
         <p:nvGraphicFramePr>
-          <p:cNvPr id="18" name="Tabla 17">
+          <p:cNvPr id="15" name="Tabla 14">
             <a:extLst>
               <a:ext uri="{FF2B5EF4-FFF2-40B4-BE49-F238E27FC236}">
-                <a16:creationId xmlns:a16="http://schemas.microsoft.com/office/drawing/2014/main" id="{C9AC818E-B486-4B6F-B32B-030DEACA99B9}"/>
+                <a16:creationId xmlns:a16="http://schemas.microsoft.com/office/drawing/2014/main" id="{2A98A0C9-1D66-4248-AF0C-B296558735C6}"/>
               </a:ext>
             </a:extLst>
           </p:cNvPr>
@@ -14008,11 +14115,7 @@
             <a:graphicFrameLocks noGrp="1"/>
           </p:cNvGraphicFramePr>
           <p:nvPr>
-            <p:extLst>
-              <p:ext uri="{D42A27DB-BD31-4B8C-83A1-F6EECF244321}">
-                <p14:modId xmlns:p14="http://schemas.microsoft.com/office/powerpoint/2010/main" val="4148314491"/>
-              </p:ext>
-            </p:extLst>
+            <p:extLst/>
           </p:nvPr>
         </p:nvGraphicFramePr>
         <p:xfrm>
@@ -14126,10 +14229,10 @@
       </p:graphicFrame>
       <p:sp>
         <p:nvSpPr>
-          <p:cNvPr id="19" name="Rectángulo 18">
+          <p:cNvPr id="17" name="Rectángulo 16">
             <a:extLst>
               <a:ext uri="{FF2B5EF4-FFF2-40B4-BE49-F238E27FC236}">
-                <a16:creationId xmlns:a16="http://schemas.microsoft.com/office/drawing/2014/main" id="{EF5DD801-4689-441D-AA27-95D51F19337B}"/>
+                <a16:creationId xmlns:a16="http://schemas.microsoft.com/office/drawing/2014/main" id="{FD06E0A1-540E-432D-8A08-CD459D12BCBE}"/>
               </a:ext>
             </a:extLst>
           </p:cNvPr>
@@ -14307,10 +14410,10 @@
       </p:sp>
       <p:pic>
         <p:nvPicPr>
-          <p:cNvPr id="20" name="Picture 6" descr="Resultado de imagen de universidad de cádiz">
+          <p:cNvPr id="18" name="Picture 6" descr="Resultado de imagen de universidad de cádiz">
             <a:extLst>
               <a:ext uri="{FF2B5EF4-FFF2-40B4-BE49-F238E27FC236}">
-                <a16:creationId xmlns:a16="http://schemas.microsoft.com/office/drawing/2014/main" id="{A9C7D96D-FDBE-41FF-9EB4-B8E09D9782EC}"/>
+                <a16:creationId xmlns:a16="http://schemas.microsoft.com/office/drawing/2014/main" id="{FEE25DC6-3401-4106-9FFE-0E9FDB2A0817}"/>
               </a:ext>
             </a:extLst>
           </p:cNvPr>
@@ -14320,7 +14423,7 @@
           <p:nvPr/>
         </p:nvPicPr>
         <p:blipFill>
-          <a:blip r:embed="rId8">
+          <a:blip r:embed="rId3">
             <a:extLst>
               <a:ext uri="{28A0092B-C50C-407E-A947-70E740481C1C}">
                 <a14:useLocalDpi xmlns:a14="http://schemas.microsoft.com/office/drawing/2010/main" val="0"/>
@@ -14354,10 +14457,10 @@
       </p:pic>
       <p:sp>
         <p:nvSpPr>
-          <p:cNvPr id="21" name="Título 1">
+          <p:cNvPr id="19" name="Título 1">
             <a:extLst>
               <a:ext uri="{FF2B5EF4-FFF2-40B4-BE49-F238E27FC236}">
-                <a16:creationId xmlns:a16="http://schemas.microsoft.com/office/drawing/2014/main" id="{6F49164D-FA74-4B74-BA70-72CCCC20DAE3}"/>
+                <a16:creationId xmlns:a16="http://schemas.microsoft.com/office/drawing/2014/main" id="{FF4C4F21-9332-4A9F-9715-8CE46D3E8EF6}"/>
               </a:ext>
             </a:extLst>
           </p:cNvPr>
@@ -14413,10 +14516,90 @@
           </a:p>
         </p:txBody>
       </p:sp>
+      <p:pic>
+        <p:nvPicPr>
+          <p:cNvPr id="3" name="Imagen 2">
+            <a:extLst>
+              <a:ext uri="{FF2B5EF4-FFF2-40B4-BE49-F238E27FC236}">
+                <a16:creationId xmlns:a16="http://schemas.microsoft.com/office/drawing/2014/main" id="{78E0C896-2A96-47F3-99FB-481EF6291434}"/>
+              </a:ext>
+            </a:extLst>
+          </p:cNvPr>
+          <p:cNvPicPr>
+            <a:picLocks noChangeAspect="1"/>
+          </p:cNvPicPr>
+          <p:nvPr/>
+        </p:nvPicPr>
+        <p:blipFill>
+          <a:blip r:embed="rId4"/>
+          <a:stretch>
+            <a:fillRect/>
+          </a:stretch>
+        </p:blipFill>
+        <p:spPr>
+          <a:xfrm>
+            <a:off x="3912568" y="1703096"/>
+            <a:ext cx="6109619" cy="3769159"/>
+          </a:xfrm>
+          <a:prstGeom prst="rect">
+            <a:avLst/>
+          </a:prstGeom>
+        </p:spPr>
+      </p:pic>
+      <p:sp>
+        <p:nvSpPr>
+          <p:cNvPr id="11" name="Rectángulo 10">
+            <a:extLst>
+              <a:ext uri="{FF2B5EF4-FFF2-40B4-BE49-F238E27FC236}">
+                <a16:creationId xmlns:a16="http://schemas.microsoft.com/office/drawing/2014/main" id="{1BEE5EE5-4D81-48A6-8F11-F94B9CD7D3AC}"/>
+              </a:ext>
+            </a:extLst>
+          </p:cNvPr>
+          <p:cNvSpPr/>
+          <p:nvPr/>
+        </p:nvSpPr>
+        <p:spPr>
+          <a:xfrm>
+            <a:off x="2438400" y="993762"/>
+            <a:ext cx="8521700" cy="461665"/>
+          </a:xfrm>
+          <a:prstGeom prst="rect">
+            <a:avLst/>
+          </a:prstGeom>
+        </p:spPr>
+        <p:txBody>
+          <a:bodyPr wrap="square">
+            <a:spAutoFit/>
+          </a:bodyPr>
+          <a:lstStyle/>
+          <a:p>
+            <a:pPr marL="285750" indent="-285750">
+              <a:spcBef>
+                <a:spcPts val="1800"/>
+              </a:spcBef>
+              <a:buFontTx/>
+              <a:buChar char="-"/>
+            </a:pPr>
+            <a:r>
+              <a:rPr lang="es-ES" sz="2400" dirty="0"/>
+              <a:t>Toda aplicación </a:t>
+            </a:r>
+            <a:r>
+              <a:rPr lang="es-ES" sz="2400" dirty="0" err="1"/>
+              <a:t>Shiny</a:t>
+            </a:r>
+            <a:r>
+              <a:rPr lang="es-ES" sz="2400" dirty="0"/>
+              <a:t> está mantenida por un PC ejecutando R</a:t>
+            </a:r>
+            <a:endParaRPr lang="es-ES" dirty="0"/>
+          </a:p>
+        </p:txBody>
+      </p:sp>
     </p:spTree>
     <p:extLst>
       <p:ext uri="{BB962C8B-B14F-4D97-AF65-F5344CB8AC3E}">
-        <p14:creationId xmlns:p14="http://schemas.microsoft.com/office/powerpoint/2010/main" val="318969896"/>
+        <p14:creationId xmlns:p14="http://schemas.microsoft.com/office/powerpoint/2010/main" val="2246617825"/>
       </p:ext>
     </p:extLst>
   </p:cSld>
@@ -14457,6 +14640,126 @@
       </p:grpSpPr>
       <p:sp>
         <p:nvSpPr>
+          <p:cNvPr id="13" name="Rectángulo 12">
+            <a:extLst>
+              <a:ext uri="{FF2B5EF4-FFF2-40B4-BE49-F238E27FC236}">
+                <a16:creationId xmlns:a16="http://schemas.microsoft.com/office/drawing/2014/main" id="{EE4279AF-384E-46CE-8F59-ED4C765D24FC}"/>
+              </a:ext>
+            </a:extLst>
+          </p:cNvPr>
+          <p:cNvSpPr/>
+          <p:nvPr/>
+        </p:nvSpPr>
+        <p:spPr>
+          <a:xfrm>
+            <a:off x="2024009" y="3920919"/>
+            <a:ext cx="4458984" cy="1617222"/>
+          </a:xfrm>
+          <a:prstGeom prst="rect">
+            <a:avLst/>
+          </a:prstGeom>
+          <a:solidFill>
+            <a:schemeClr val="tx2">
+              <a:lumMod val="20000"/>
+              <a:lumOff val="80000"/>
+            </a:schemeClr>
+          </a:solidFill>
+        </p:spPr>
+        <p:style>
+          <a:lnRef idx="2">
+            <a:schemeClr val="accent1">
+              <a:shade val="50000"/>
+            </a:schemeClr>
+          </a:lnRef>
+          <a:fillRef idx="1">
+            <a:schemeClr val="accent1"/>
+          </a:fillRef>
+          <a:effectRef idx="0">
+            <a:schemeClr val="accent1"/>
+          </a:effectRef>
+          <a:fontRef idx="minor">
+            <a:schemeClr val="lt1"/>
+          </a:fontRef>
+        </p:style>
+        <p:txBody>
+          <a:bodyPr rtlCol="0" anchor="b"/>
+          <a:lstStyle/>
+          <a:p>
+            <a:pPr algn="r"/>
+            <a:r>
+              <a:rPr lang="es-ES" dirty="0">
+                <a:solidFill>
+                  <a:schemeClr val="accent1">
+                    <a:lumMod val="75000"/>
+                  </a:schemeClr>
+                </a:solidFill>
+              </a:rPr>
+              <a:t>SERVIDOR</a:t>
+            </a:r>
+          </a:p>
+        </p:txBody>
+      </p:sp>
+      <p:sp>
+        <p:nvSpPr>
+          <p:cNvPr id="3" name="Rectángulo 2">
+            <a:extLst>
+              <a:ext uri="{FF2B5EF4-FFF2-40B4-BE49-F238E27FC236}">
+                <a16:creationId xmlns:a16="http://schemas.microsoft.com/office/drawing/2014/main" id="{C88A0AD3-76B5-4739-B7CF-F807BE8B215E}"/>
+              </a:ext>
+            </a:extLst>
+          </p:cNvPr>
+          <p:cNvSpPr/>
+          <p:nvPr/>
+        </p:nvSpPr>
+        <p:spPr>
+          <a:xfrm>
+            <a:off x="2024009" y="1243173"/>
+            <a:ext cx="4458984" cy="2568539"/>
+          </a:xfrm>
+          <a:prstGeom prst="rect">
+            <a:avLst/>
+          </a:prstGeom>
+          <a:solidFill>
+            <a:schemeClr val="accent3">
+              <a:lumMod val="20000"/>
+              <a:lumOff val="80000"/>
+            </a:schemeClr>
+          </a:solidFill>
+        </p:spPr>
+        <p:style>
+          <a:lnRef idx="2">
+            <a:schemeClr val="accent1">
+              <a:shade val="50000"/>
+            </a:schemeClr>
+          </a:lnRef>
+          <a:fillRef idx="1">
+            <a:schemeClr val="accent1"/>
+          </a:fillRef>
+          <a:effectRef idx="0">
+            <a:schemeClr val="accent1"/>
+          </a:effectRef>
+          <a:fontRef idx="minor">
+            <a:schemeClr val="lt1"/>
+          </a:fontRef>
+        </p:style>
+        <p:txBody>
+          <a:bodyPr rtlCol="0" anchor="t"/>
+          <a:lstStyle/>
+          <a:p>
+            <a:pPr algn="r"/>
+            <a:r>
+              <a:rPr lang="es-ES" dirty="0">
+                <a:solidFill>
+                  <a:schemeClr val="accent3"/>
+                </a:solidFill>
+              </a:rPr>
+              <a:t>UI</a:t>
+            </a:r>
+          </a:p>
+        </p:txBody>
+      </p:sp>
+      <p:sp>
+        <p:nvSpPr>
           <p:cNvPr id="20" name="Rectángulo 19">
             <a:extLst>
               <a:ext uri="{FF2B5EF4-FFF2-40B4-BE49-F238E27FC236}">
@@ -14536,47 +14839,6 @@
           </a:p>
         </p:txBody>
       </p:sp>
-      <p:pic>
-        <p:nvPicPr>
-          <p:cNvPr id="10" name="Imagen 9">
-            <a:extLst>
-              <a:ext uri="{FF2B5EF4-FFF2-40B4-BE49-F238E27FC236}">
-                <a16:creationId xmlns:a16="http://schemas.microsoft.com/office/drawing/2014/main" id="{B9F62473-4127-4BAF-9D44-D9A2457C8905}"/>
-              </a:ext>
-            </a:extLst>
-          </p:cNvPr>
-          <p:cNvPicPr>
-            <a:picLocks noChangeAspect="1"/>
-          </p:cNvPicPr>
-          <p:nvPr/>
-        </p:nvPicPr>
-        <p:blipFill>
-          <a:blip r:embed="rId3">
-            <a:extLst>
-              <a:ext uri="{28A0092B-C50C-407E-A947-70E740481C1C}">
-                <a14:useLocalDpi xmlns:a14="http://schemas.microsoft.com/office/drawing/2010/main" val="0"/>
-              </a:ext>
-            </a:extLst>
-          </a:blip>
-          <a:srcRect/>
-          <a:stretch>
-            <a:fillRect/>
-          </a:stretch>
-        </p:blipFill>
-        <p:spPr bwMode="auto">
-          <a:xfrm>
-            <a:off x="3834764" y="2040890"/>
-            <a:ext cx="6271316" cy="2048510"/>
-          </a:xfrm>
-          <a:prstGeom prst="rect">
-            <a:avLst/>
-          </a:prstGeom>
-          <a:noFill/>
-          <a:ln>
-            <a:noFill/>
-          </a:ln>
-        </p:spPr>
-      </p:pic>
       <p:sp>
         <p:nvSpPr>
           <p:cNvPr id="12" name="Rectángulo 11">
@@ -14642,11 +14904,7 @@
             <a:graphicFrameLocks noGrp="1"/>
           </p:cNvGraphicFramePr>
           <p:nvPr>
-            <p:extLst>
-              <p:ext uri="{D42A27DB-BD31-4B8C-83A1-F6EECF244321}">
-                <p14:modId xmlns:p14="http://schemas.microsoft.com/office/powerpoint/2010/main" val="4148314491"/>
-              </p:ext>
-            </p:extLst>
+            <p:extLst/>
           </p:nvPr>
         </p:nvGraphicFramePr>
         <p:xfrm>
@@ -14954,7 +15212,7 @@
           <p:nvPr/>
         </p:nvPicPr>
         <p:blipFill>
-          <a:blip r:embed="rId4">
+          <a:blip r:embed="rId3">
             <a:extLst>
               <a:ext uri="{28A0092B-C50C-407E-A947-70E740481C1C}">
                 <a14:useLocalDpi xmlns:a14="http://schemas.microsoft.com/office/drawing/2010/main" val="0"/>
@@ -15047,10 +15305,413 @@
           </a:p>
         </p:txBody>
       </p:sp>
+      <p:sp>
+        <p:nvSpPr>
+          <p:cNvPr id="11" name="Rectángulo 10">
+            <a:extLst>
+              <a:ext uri="{FF2B5EF4-FFF2-40B4-BE49-F238E27FC236}">
+                <a16:creationId xmlns:a16="http://schemas.microsoft.com/office/drawing/2014/main" id="{8A4EE5B1-BC2F-4F61-ADBB-837513477C57}"/>
+              </a:ext>
+            </a:extLst>
+          </p:cNvPr>
+          <p:cNvSpPr/>
+          <p:nvPr/>
+        </p:nvSpPr>
+        <p:spPr>
+          <a:xfrm>
+            <a:off x="2191822" y="1352379"/>
+            <a:ext cx="4414463" cy="4185761"/>
+          </a:xfrm>
+          <a:prstGeom prst="rect">
+            <a:avLst/>
+          </a:prstGeom>
+        </p:spPr>
+        <p:txBody>
+          <a:bodyPr wrap="square">
+            <a:spAutoFit/>
+          </a:bodyPr>
+          <a:lstStyle/>
+          <a:p>
+            <a:r>
+              <a:rPr lang="es-ES" sz="1400" b="1" dirty="0" err="1">
+                <a:latin typeface="Courier New" panose="02070309020205020404" pitchFamily="49" charset="0"/>
+                <a:cs typeface="Courier New" panose="02070309020205020404" pitchFamily="49" charset="0"/>
+              </a:rPr>
+              <a:t>ui</a:t>
+            </a:r>
+            <a:r>
+              <a:rPr lang="es-ES" sz="1400" b="1" dirty="0">
+                <a:latin typeface="Courier New" panose="02070309020205020404" pitchFamily="49" charset="0"/>
+                <a:cs typeface="Courier New" panose="02070309020205020404" pitchFamily="49" charset="0"/>
+              </a:rPr>
+              <a:t> &lt;- </a:t>
+            </a:r>
+            <a:r>
+              <a:rPr lang="es-ES" sz="1400" b="1" dirty="0" err="1">
+                <a:latin typeface="Courier New" panose="02070309020205020404" pitchFamily="49" charset="0"/>
+                <a:cs typeface="Courier New" panose="02070309020205020404" pitchFamily="49" charset="0"/>
+              </a:rPr>
+              <a:t>fluidPage</a:t>
+            </a:r>
+            <a:r>
+              <a:rPr lang="es-ES" sz="1400" b="1" dirty="0">
+                <a:latin typeface="Courier New" panose="02070309020205020404" pitchFamily="49" charset="0"/>
+                <a:cs typeface="Courier New" panose="02070309020205020404" pitchFamily="49" charset="0"/>
+              </a:rPr>
+              <a:t>(</a:t>
+            </a:r>
+          </a:p>
+          <a:p>
+            <a:endParaRPr lang="es-ES" sz="1400" b="1" dirty="0">
+              <a:latin typeface="Courier New" panose="02070309020205020404" pitchFamily="49" charset="0"/>
+              <a:cs typeface="Courier New" panose="02070309020205020404" pitchFamily="49" charset="0"/>
+            </a:endParaRPr>
+          </a:p>
+          <a:p>
+            <a:r>
+              <a:rPr lang="es-ES" sz="1400" b="1" dirty="0">
+                <a:latin typeface="Courier New" panose="02070309020205020404" pitchFamily="49" charset="0"/>
+                <a:cs typeface="Courier New" panose="02070309020205020404" pitchFamily="49" charset="0"/>
+              </a:rPr>
+              <a:t>  </a:t>
+            </a:r>
+            <a:r>
+              <a:rPr lang="es-ES" sz="1400" b="1" dirty="0" err="1">
+                <a:latin typeface="Courier New" panose="02070309020205020404" pitchFamily="49" charset="0"/>
+                <a:cs typeface="Courier New" panose="02070309020205020404" pitchFamily="49" charset="0"/>
+              </a:rPr>
+              <a:t>sliderInput</a:t>
+            </a:r>
+            <a:r>
+              <a:rPr lang="es-ES" sz="1400" b="1" dirty="0">
+                <a:latin typeface="Courier New" panose="02070309020205020404" pitchFamily="49" charset="0"/>
+                <a:cs typeface="Courier New" panose="02070309020205020404" pitchFamily="49" charset="0"/>
+              </a:rPr>
+              <a:t>("</a:t>
+            </a:r>
+            <a:r>
+              <a:rPr lang="es-ES" sz="1400" b="1" dirty="0" err="1">
+                <a:latin typeface="Courier New" panose="02070309020205020404" pitchFamily="49" charset="0"/>
+                <a:cs typeface="Courier New" panose="02070309020205020404" pitchFamily="49" charset="0"/>
+              </a:rPr>
+              <a:t>num</a:t>
+            </a:r>
+            <a:r>
+              <a:rPr lang="es-ES" sz="1400" b="1" dirty="0">
+                <a:latin typeface="Courier New" panose="02070309020205020404" pitchFamily="49" charset="0"/>
+                <a:cs typeface="Courier New" panose="02070309020205020404" pitchFamily="49" charset="0"/>
+              </a:rPr>
+              <a:t>",</a:t>
+            </a:r>
+          </a:p>
+          <a:p>
+            <a:r>
+              <a:rPr lang="es-ES" sz="1400" b="1" dirty="0">
+                <a:latin typeface="Courier New" panose="02070309020205020404" pitchFamily="49" charset="0"/>
+                <a:cs typeface="Courier New" panose="02070309020205020404" pitchFamily="49" charset="0"/>
+              </a:rPr>
+              <a:t>              "Observaciones:",</a:t>
+            </a:r>
+          </a:p>
+          <a:p>
+            <a:r>
+              <a:rPr lang="es-ES" sz="1400" b="1" dirty="0">
+                <a:latin typeface="Courier New" panose="02070309020205020404" pitchFamily="49" charset="0"/>
+                <a:cs typeface="Courier New" panose="02070309020205020404" pitchFamily="49" charset="0"/>
+              </a:rPr>
+              <a:t>              min = 1,</a:t>
+            </a:r>
+          </a:p>
+          <a:p>
+            <a:r>
+              <a:rPr lang="es-ES" sz="1400" b="1" dirty="0">
+                <a:latin typeface="Courier New" panose="02070309020205020404" pitchFamily="49" charset="0"/>
+                <a:cs typeface="Courier New" panose="02070309020205020404" pitchFamily="49" charset="0"/>
+              </a:rPr>
+              <a:t>              </a:t>
+            </a:r>
+            <a:r>
+              <a:rPr lang="es-ES" sz="1400" b="1" dirty="0" err="1">
+                <a:latin typeface="Courier New" panose="02070309020205020404" pitchFamily="49" charset="0"/>
+                <a:cs typeface="Courier New" panose="02070309020205020404" pitchFamily="49" charset="0"/>
+              </a:rPr>
+              <a:t>max</a:t>
+            </a:r>
+            <a:r>
+              <a:rPr lang="es-ES" sz="1400" b="1" dirty="0">
+                <a:latin typeface="Courier New" panose="02070309020205020404" pitchFamily="49" charset="0"/>
+                <a:cs typeface="Courier New" panose="02070309020205020404" pitchFamily="49" charset="0"/>
+              </a:rPr>
+              <a:t> = 50,</a:t>
+            </a:r>
+          </a:p>
+          <a:p>
+            <a:r>
+              <a:rPr lang="es-ES" sz="1400" b="1" dirty="0">
+                <a:latin typeface="Courier New" panose="02070309020205020404" pitchFamily="49" charset="0"/>
+                <a:cs typeface="Courier New" panose="02070309020205020404" pitchFamily="49" charset="0"/>
+              </a:rPr>
+              <a:t>              </a:t>
+            </a:r>
+            <a:r>
+              <a:rPr lang="es-ES" sz="1400" b="1" dirty="0" err="1">
+                <a:latin typeface="Courier New" panose="02070309020205020404" pitchFamily="49" charset="0"/>
+                <a:cs typeface="Courier New" panose="02070309020205020404" pitchFamily="49" charset="0"/>
+              </a:rPr>
+              <a:t>value</a:t>
+            </a:r>
+            <a:r>
+              <a:rPr lang="es-ES" sz="1400" b="1" dirty="0">
+                <a:latin typeface="Courier New" panose="02070309020205020404" pitchFamily="49" charset="0"/>
+                <a:cs typeface="Courier New" panose="02070309020205020404" pitchFamily="49" charset="0"/>
+              </a:rPr>
+              <a:t> = 30),</a:t>
+            </a:r>
+          </a:p>
+          <a:p>
+            <a:endParaRPr lang="es-ES" sz="1400" b="1" dirty="0">
+              <a:latin typeface="Courier New" panose="02070309020205020404" pitchFamily="49" charset="0"/>
+              <a:cs typeface="Courier New" panose="02070309020205020404" pitchFamily="49" charset="0"/>
+            </a:endParaRPr>
+          </a:p>
+          <a:p>
+            <a:r>
+              <a:rPr lang="es-ES" sz="1400" b="1" dirty="0">
+                <a:latin typeface="Courier New" panose="02070309020205020404" pitchFamily="49" charset="0"/>
+                <a:cs typeface="Courier New" panose="02070309020205020404" pitchFamily="49" charset="0"/>
+              </a:rPr>
+              <a:t>  </a:t>
+            </a:r>
+            <a:r>
+              <a:rPr lang="es-ES" sz="1400" b="1" dirty="0" err="1">
+                <a:latin typeface="Courier New" panose="02070309020205020404" pitchFamily="49" charset="0"/>
+                <a:cs typeface="Courier New" panose="02070309020205020404" pitchFamily="49" charset="0"/>
+              </a:rPr>
+              <a:t>plotOutput</a:t>
+            </a:r>
+            <a:r>
+              <a:rPr lang="es-ES" sz="1400" b="1" dirty="0">
+                <a:latin typeface="Courier New" panose="02070309020205020404" pitchFamily="49" charset="0"/>
+                <a:cs typeface="Courier New" panose="02070309020205020404" pitchFamily="49" charset="0"/>
+              </a:rPr>
+              <a:t>("</a:t>
+            </a:r>
+            <a:r>
+              <a:rPr lang="es-ES" sz="1400" b="1" dirty="0" err="1">
+                <a:latin typeface="Courier New" panose="02070309020205020404" pitchFamily="49" charset="0"/>
+                <a:cs typeface="Courier New" panose="02070309020205020404" pitchFamily="49" charset="0"/>
+              </a:rPr>
+              <a:t>histPlot</a:t>
+            </a:r>
+            <a:r>
+              <a:rPr lang="es-ES" sz="1400" b="1" dirty="0">
+                <a:latin typeface="Courier New" panose="02070309020205020404" pitchFamily="49" charset="0"/>
+                <a:cs typeface="Courier New" panose="02070309020205020404" pitchFamily="49" charset="0"/>
+              </a:rPr>
+              <a:t>")</a:t>
+            </a:r>
+          </a:p>
+          <a:p>
+            <a:endParaRPr lang="es-ES" sz="1400" b="1" dirty="0">
+              <a:latin typeface="Courier New" panose="02070309020205020404" pitchFamily="49" charset="0"/>
+              <a:cs typeface="Courier New" panose="02070309020205020404" pitchFamily="49" charset="0"/>
+            </a:endParaRPr>
+          </a:p>
+          <a:p>
+            <a:r>
+              <a:rPr lang="es-ES" sz="1400" b="1" dirty="0">
+                <a:latin typeface="Courier New" panose="02070309020205020404" pitchFamily="49" charset="0"/>
+                <a:cs typeface="Courier New" panose="02070309020205020404" pitchFamily="49" charset="0"/>
+              </a:rPr>
+              <a:t>)</a:t>
+            </a:r>
+          </a:p>
+          <a:p>
+            <a:endParaRPr lang="es-ES" sz="1400" b="1" dirty="0">
+              <a:latin typeface="Courier New" panose="02070309020205020404" pitchFamily="49" charset="0"/>
+              <a:cs typeface="Courier New" panose="02070309020205020404" pitchFamily="49" charset="0"/>
+            </a:endParaRPr>
+          </a:p>
+          <a:p>
+            <a:r>
+              <a:rPr lang="es-ES" sz="1400" b="1" dirty="0">
+                <a:latin typeface="Courier New" panose="02070309020205020404" pitchFamily="49" charset="0"/>
+                <a:cs typeface="Courier New" panose="02070309020205020404" pitchFamily="49" charset="0"/>
+              </a:rPr>
+              <a:t>server &lt;- </a:t>
+            </a:r>
+            <a:r>
+              <a:rPr lang="es-ES" sz="1400" b="1" dirty="0" err="1">
+                <a:latin typeface="Courier New" panose="02070309020205020404" pitchFamily="49" charset="0"/>
+                <a:cs typeface="Courier New" panose="02070309020205020404" pitchFamily="49" charset="0"/>
+              </a:rPr>
+              <a:t>function</a:t>
+            </a:r>
+            <a:r>
+              <a:rPr lang="es-ES" sz="1400" b="1" dirty="0">
+                <a:latin typeface="Courier New" panose="02070309020205020404" pitchFamily="49" charset="0"/>
+                <a:cs typeface="Courier New" panose="02070309020205020404" pitchFamily="49" charset="0"/>
+              </a:rPr>
+              <a:t>(input, output){</a:t>
+            </a:r>
+          </a:p>
+          <a:p>
+            <a:r>
+              <a:rPr lang="es-ES" sz="1400" b="1" dirty="0">
+                <a:latin typeface="Courier New" panose="02070309020205020404" pitchFamily="49" charset="0"/>
+                <a:cs typeface="Courier New" panose="02070309020205020404" pitchFamily="49" charset="0"/>
+              </a:rPr>
+              <a:t>   </a:t>
+            </a:r>
+          </a:p>
+          <a:p>
+            <a:r>
+              <a:rPr lang="es-ES" sz="1400" b="1" dirty="0">
+                <a:latin typeface="Courier New" panose="02070309020205020404" pitchFamily="49" charset="0"/>
+                <a:cs typeface="Courier New" panose="02070309020205020404" pitchFamily="49" charset="0"/>
+              </a:rPr>
+              <a:t>   </a:t>
+            </a:r>
+            <a:r>
+              <a:rPr lang="es-ES" sz="1400" b="1" dirty="0" err="1">
+                <a:latin typeface="Courier New" panose="02070309020205020404" pitchFamily="49" charset="0"/>
+                <a:cs typeface="Courier New" panose="02070309020205020404" pitchFamily="49" charset="0"/>
+              </a:rPr>
+              <a:t>output$histPlot</a:t>
+            </a:r>
+            <a:r>
+              <a:rPr lang="es-ES" sz="1400" b="1" dirty="0">
+                <a:latin typeface="Courier New" panose="02070309020205020404" pitchFamily="49" charset="0"/>
+                <a:cs typeface="Courier New" panose="02070309020205020404" pitchFamily="49" charset="0"/>
+              </a:rPr>
+              <a:t> &lt;- </a:t>
+            </a:r>
+            <a:r>
+              <a:rPr lang="es-ES" sz="1400" b="1" dirty="0" err="1">
+                <a:latin typeface="Courier New" panose="02070309020205020404" pitchFamily="49" charset="0"/>
+                <a:cs typeface="Courier New" panose="02070309020205020404" pitchFamily="49" charset="0"/>
+              </a:rPr>
+              <a:t>renderPlot</a:t>
+            </a:r>
+            <a:r>
+              <a:rPr lang="es-ES" sz="1400" b="1" dirty="0">
+                <a:latin typeface="Courier New" panose="02070309020205020404" pitchFamily="49" charset="0"/>
+                <a:cs typeface="Courier New" panose="02070309020205020404" pitchFamily="49" charset="0"/>
+              </a:rPr>
+              <a:t>({</a:t>
+            </a:r>
+          </a:p>
+          <a:p>
+            <a:r>
+              <a:rPr lang="es-ES" sz="1400" b="1" dirty="0">
+                <a:latin typeface="Courier New" panose="02070309020205020404" pitchFamily="49" charset="0"/>
+                <a:cs typeface="Courier New" panose="02070309020205020404" pitchFamily="49" charset="0"/>
+              </a:rPr>
+              <a:t>      </a:t>
+            </a:r>
+            <a:r>
+              <a:rPr lang="es-ES" sz="1400" b="1" dirty="0" err="1">
+                <a:latin typeface="Courier New" panose="02070309020205020404" pitchFamily="49" charset="0"/>
+                <a:cs typeface="Courier New" panose="02070309020205020404" pitchFamily="49" charset="0"/>
+              </a:rPr>
+              <a:t>hist</a:t>
+            </a:r>
+            <a:r>
+              <a:rPr lang="es-ES" sz="1400" b="1" dirty="0">
+                <a:latin typeface="Courier New" panose="02070309020205020404" pitchFamily="49" charset="0"/>
+                <a:cs typeface="Courier New" panose="02070309020205020404" pitchFamily="49" charset="0"/>
+              </a:rPr>
+              <a:t>(</a:t>
+            </a:r>
+            <a:r>
+              <a:rPr lang="es-ES" sz="1400" b="1" dirty="0" err="1">
+                <a:latin typeface="Courier New" panose="02070309020205020404" pitchFamily="49" charset="0"/>
+                <a:cs typeface="Courier New" panose="02070309020205020404" pitchFamily="49" charset="0"/>
+              </a:rPr>
+              <a:t>rnorm</a:t>
+            </a:r>
+            <a:r>
+              <a:rPr lang="es-ES" sz="1400" b="1" dirty="0">
+                <a:latin typeface="Courier New" panose="02070309020205020404" pitchFamily="49" charset="0"/>
+                <a:cs typeface="Courier New" panose="02070309020205020404" pitchFamily="49" charset="0"/>
+              </a:rPr>
+              <a:t>(</a:t>
+            </a:r>
+            <a:r>
+              <a:rPr lang="es-ES" sz="1400" b="1" dirty="0" err="1">
+                <a:latin typeface="Courier New" panose="02070309020205020404" pitchFamily="49" charset="0"/>
+                <a:cs typeface="Courier New" panose="02070309020205020404" pitchFamily="49" charset="0"/>
+              </a:rPr>
+              <a:t>input$num</a:t>
+            </a:r>
+            <a:r>
+              <a:rPr lang="es-ES" sz="1400" b="1" dirty="0">
+                <a:latin typeface="Courier New" panose="02070309020205020404" pitchFamily="49" charset="0"/>
+                <a:cs typeface="Courier New" panose="02070309020205020404" pitchFamily="49" charset="0"/>
+              </a:rPr>
+              <a:t>))</a:t>
+            </a:r>
+          </a:p>
+          <a:p>
+            <a:r>
+              <a:rPr lang="es-ES" sz="1400" b="1" dirty="0">
+                <a:latin typeface="Courier New" panose="02070309020205020404" pitchFamily="49" charset="0"/>
+                <a:cs typeface="Courier New" panose="02070309020205020404" pitchFamily="49" charset="0"/>
+              </a:rPr>
+              <a:t>   })</a:t>
+            </a:r>
+          </a:p>
+          <a:p>
+            <a:endParaRPr lang="es-ES" sz="1400" b="1" dirty="0">
+              <a:latin typeface="Courier New" panose="02070309020205020404" pitchFamily="49" charset="0"/>
+              <a:cs typeface="Courier New" panose="02070309020205020404" pitchFamily="49" charset="0"/>
+            </a:endParaRPr>
+          </a:p>
+          <a:p>
+            <a:r>
+              <a:rPr lang="es-ES" sz="1400" b="1" dirty="0">
+                <a:latin typeface="Courier New" panose="02070309020205020404" pitchFamily="49" charset="0"/>
+                <a:cs typeface="Courier New" panose="02070309020205020404" pitchFamily="49" charset="0"/>
+              </a:rPr>
+              <a:t>}</a:t>
+            </a:r>
+          </a:p>
+        </p:txBody>
+      </p:sp>
+      <p:pic>
+        <p:nvPicPr>
+          <p:cNvPr id="5" name="Imagen 4">
+            <a:extLst>
+              <a:ext uri="{FF2B5EF4-FFF2-40B4-BE49-F238E27FC236}">
+                <a16:creationId xmlns:a16="http://schemas.microsoft.com/office/drawing/2014/main" id="{821EB40B-EA82-4C9F-AD4D-93E494E65248}"/>
+              </a:ext>
+            </a:extLst>
+          </p:cNvPr>
+          <p:cNvPicPr>
+            <a:picLocks noChangeAspect="1"/>
+          </p:cNvPicPr>
+          <p:nvPr/>
+        </p:nvPicPr>
+        <p:blipFill>
+          <a:blip r:embed="rId4"/>
+          <a:stretch>
+            <a:fillRect/>
+          </a:stretch>
+        </p:blipFill>
+        <p:spPr>
+          <a:xfrm>
+            <a:off x="6889046" y="971058"/>
+            <a:ext cx="4633592" cy="4948401"/>
+          </a:xfrm>
+          <a:prstGeom prst="rect">
+            <a:avLst/>
+          </a:prstGeom>
+        </p:spPr>
+      </p:pic>
     </p:spTree>
     <p:extLst>
       <p:ext uri="{BB962C8B-B14F-4D97-AF65-F5344CB8AC3E}">
-        <p14:creationId xmlns:p14="http://schemas.microsoft.com/office/powerpoint/2010/main" val="501198715"/>
+        <p14:creationId xmlns:p14="http://schemas.microsoft.com/office/powerpoint/2010/main" val="1868226210"/>
       </p:ext>
     </p:extLst>
   </p:cSld>
@@ -15069,6 +15730,182 @@
       </p:transition>
     </mc:Fallback>
   </mc:AlternateContent>
+  <p:timing>
+    <p:tnLst>
+      <p:par>
+        <p:cTn id="1" dur="indefinite" restart="never" nodeType="tmRoot">
+          <p:childTnLst>
+            <p:seq concurrent="1" nextAc="seek">
+              <p:cTn id="2" dur="indefinite" nodeType="mainSeq">
+                <p:childTnLst>
+                  <p:par>
+                    <p:cTn id="3" fill="hold">
+                      <p:stCondLst>
+                        <p:cond delay="indefinite"/>
+                      </p:stCondLst>
+                      <p:childTnLst>
+                        <p:par>
+                          <p:cTn id="4" fill="hold">
+                            <p:stCondLst>
+                              <p:cond delay="0"/>
+                            </p:stCondLst>
+                            <p:childTnLst>
+                              <p:par>
+                                <p:cTn id="5" presetID="10" presetClass="entr" presetSubtype="0" fill="hold" grpId="0" nodeType="clickEffect">
+                                  <p:stCondLst>
+                                    <p:cond delay="0"/>
+                                  </p:stCondLst>
+                                  <p:childTnLst>
+                                    <p:set>
+                                      <p:cBhvr>
+                                        <p:cTn id="6" dur="1" fill="hold">
+                                          <p:stCondLst>
+                                            <p:cond delay="0"/>
+                                          </p:stCondLst>
+                                        </p:cTn>
+                                        <p:tgtEl>
+                                          <p:spTgt spid="11"/>
+                                        </p:tgtEl>
+                                        <p:attrNameLst>
+                                          <p:attrName>style.visibility</p:attrName>
+                                        </p:attrNameLst>
+                                      </p:cBhvr>
+                                      <p:to>
+                                        <p:strVal val="visible"/>
+                                      </p:to>
+                                    </p:set>
+                                    <p:animEffect transition="in" filter="fade">
+                                      <p:cBhvr>
+                                        <p:cTn id="7" dur="500"/>
+                                        <p:tgtEl>
+                                          <p:spTgt spid="11"/>
+                                        </p:tgtEl>
+                                      </p:cBhvr>
+                                    </p:animEffect>
+                                  </p:childTnLst>
+                                </p:cTn>
+                              </p:par>
+                            </p:childTnLst>
+                          </p:cTn>
+                        </p:par>
+                      </p:childTnLst>
+                    </p:cTn>
+                  </p:par>
+                  <p:par>
+                    <p:cTn id="8" fill="hold">
+                      <p:stCondLst>
+                        <p:cond delay="indefinite"/>
+                      </p:stCondLst>
+                      <p:childTnLst>
+                        <p:par>
+                          <p:cTn id="9" fill="hold">
+                            <p:stCondLst>
+                              <p:cond delay="0"/>
+                            </p:stCondLst>
+                            <p:childTnLst>
+                              <p:par>
+                                <p:cTn id="10" presetID="10" presetClass="entr" presetSubtype="0" fill="hold" grpId="0" nodeType="clickEffect">
+                                  <p:stCondLst>
+                                    <p:cond delay="0"/>
+                                  </p:stCondLst>
+                                  <p:childTnLst>
+                                    <p:set>
+                                      <p:cBhvr>
+                                        <p:cTn id="11" dur="1" fill="hold">
+                                          <p:stCondLst>
+                                            <p:cond delay="0"/>
+                                          </p:stCondLst>
+                                        </p:cTn>
+                                        <p:tgtEl>
+                                          <p:spTgt spid="13"/>
+                                        </p:tgtEl>
+                                        <p:attrNameLst>
+                                          <p:attrName>style.visibility</p:attrName>
+                                        </p:attrNameLst>
+                                      </p:cBhvr>
+                                      <p:to>
+                                        <p:strVal val="visible"/>
+                                      </p:to>
+                                    </p:set>
+                                    <p:animEffect transition="in" filter="fade">
+                                      <p:cBhvr>
+                                        <p:cTn id="12" dur="500"/>
+                                        <p:tgtEl>
+                                          <p:spTgt spid="13"/>
+                                        </p:tgtEl>
+                                      </p:cBhvr>
+                                    </p:animEffect>
+                                  </p:childTnLst>
+                                </p:cTn>
+                              </p:par>
+                              <p:par>
+                                <p:cTn id="13" presetID="10" presetClass="entr" presetSubtype="0" fill="hold" grpId="0" nodeType="withEffect">
+                                  <p:stCondLst>
+                                    <p:cond delay="0"/>
+                                  </p:stCondLst>
+                                  <p:childTnLst>
+                                    <p:set>
+                                      <p:cBhvr>
+                                        <p:cTn id="14" dur="1" fill="hold">
+                                          <p:stCondLst>
+                                            <p:cond delay="0"/>
+                                          </p:stCondLst>
+                                        </p:cTn>
+                                        <p:tgtEl>
+                                          <p:spTgt spid="3"/>
+                                        </p:tgtEl>
+                                        <p:attrNameLst>
+                                          <p:attrName>style.visibility</p:attrName>
+                                        </p:attrNameLst>
+                                      </p:cBhvr>
+                                      <p:to>
+                                        <p:strVal val="visible"/>
+                                      </p:to>
+                                    </p:set>
+                                    <p:animEffect transition="in" filter="fade">
+                                      <p:cBhvr>
+                                        <p:cTn id="15" dur="500"/>
+                                        <p:tgtEl>
+                                          <p:spTgt spid="3"/>
+                                        </p:tgtEl>
+                                      </p:cBhvr>
+                                    </p:animEffect>
+                                  </p:childTnLst>
+                                </p:cTn>
+                              </p:par>
+                            </p:childTnLst>
+                          </p:cTn>
+                        </p:par>
+                      </p:childTnLst>
+                    </p:cTn>
+                  </p:par>
+                </p:childTnLst>
+              </p:cTn>
+              <p:prevCondLst>
+                <p:cond evt="onPrev" delay="0">
+                  <p:tgtEl>
+                    <p:sldTgt/>
+                  </p:tgtEl>
+                </p:cond>
+              </p:prevCondLst>
+              <p:nextCondLst>
+                <p:cond evt="onNext" delay="0">
+                  <p:tgtEl>
+                    <p:sldTgt/>
+                  </p:tgtEl>
+                </p:cond>
+              </p:nextCondLst>
+            </p:seq>
+          </p:childTnLst>
+        </p:cTn>
+      </p:par>
+    </p:tnLst>
+    <p:bldLst>
+      <p:bldP spid="13" grpId="0" animBg="1"/>
+      <p:bldP spid="3" grpId="0" animBg="1"/>
+      <p:bldP spid="11" grpId="0"/>
+    </p:bldLst>
+  </p:timing>
 </p:sld>
 </file>
 
@@ -15185,7 +16022,7 @@
         <p:spPr>
           <a:xfrm>
             <a:off x="2438400" y="993762"/>
-            <a:ext cx="8521700" cy="3508653"/>
+            <a:ext cx="8521700" cy="4616648"/>
           </a:xfrm>
           <a:prstGeom prst="rect">
             <a:avLst/>
@@ -15205,7 +16042,7 @@
               <a:buChar char="-"/>
             </a:pPr>
             <a:r>
-              <a:rPr lang="es-ES" dirty="0"/>
+              <a:rPr lang="es-ES" sz="2400" dirty="0"/>
               <a:t>Aquí toca vender la moto. Seguir los datos para contar los requisitos funcionales. También meter algo de pruebas.</a:t>
             </a:r>
           </a:p>
@@ -15217,7 +16054,7 @@
               <a:buFontTx/>
               <a:buChar char="-"/>
             </a:pPr>
-            <a:endParaRPr lang="es-ES" dirty="0"/>
+            <a:endParaRPr lang="es-ES" sz="2400" dirty="0"/>
           </a:p>
           <a:p>
             <a:pPr marL="285750" indent="-285750">
@@ -15228,63 +16065,63 @@
               <a:buChar char="-"/>
             </a:pPr>
             <a:r>
-              <a:rPr lang="es-ES" dirty="0"/>
+              <a:rPr lang="es-ES" sz="2400" dirty="0"/>
               <a:t>Aparte para la APP: Notas. Meter de alguna forma manual de usuario </a:t>
             </a:r>
             <a:r>
-              <a:rPr lang="es-ES" dirty="0" err="1"/>
+              <a:rPr lang="es-ES" sz="2400" dirty="0" err="1"/>
               <a:t>inapp</a:t>
             </a:r>
             <a:r>
-              <a:rPr lang="es-ES" dirty="0"/>
+              <a:rPr lang="es-ES" sz="2400" dirty="0"/>
               <a:t>. Meter selección de componentes para el </a:t>
             </a:r>
             <a:r>
-              <a:rPr lang="es-ES" dirty="0" err="1"/>
+              <a:rPr lang="es-ES" sz="2400" dirty="0" err="1"/>
               <a:t>clustering</a:t>
             </a:r>
             <a:r>
-              <a:rPr lang="es-ES" dirty="0"/>
+              <a:rPr lang="es-ES" sz="2400" dirty="0"/>
               <a:t> y tal. </a:t>
             </a:r>
             <a:r>
-              <a:rPr lang="es-ES" dirty="0" err="1"/>
+              <a:rPr lang="es-ES" sz="2400" dirty="0" err="1"/>
               <a:t>Parametro</a:t>
             </a:r>
             <a:r>
-              <a:rPr lang="es-ES" dirty="0"/>
+              <a:rPr lang="es-ES" sz="2400" dirty="0"/>
               <a:t> para el </a:t>
             </a:r>
             <a:r>
-              <a:rPr lang="es-ES" dirty="0" err="1"/>
+              <a:rPr lang="es-ES" sz="2400" dirty="0" err="1"/>
               <a:t>discretizado</a:t>
             </a:r>
             <a:r>
-              <a:rPr lang="es-ES" dirty="0"/>
+              <a:rPr lang="es-ES" sz="2400" dirty="0"/>
               <a:t> de variables numéricas. En el </a:t>
             </a:r>
             <a:r>
-              <a:rPr lang="es-ES" dirty="0" err="1"/>
+              <a:rPr lang="es-ES" sz="2400" dirty="0" err="1"/>
               <a:t>rmarkdown</a:t>
             </a:r>
             <a:r>
-              <a:rPr lang="es-ES" dirty="0"/>
+              <a:rPr lang="es-ES" sz="2400" dirty="0"/>
               <a:t> cambiar el texto por </a:t>
             </a:r>
             <a:r>
-              <a:rPr lang="es-ES" dirty="0" err="1"/>
+              <a:rPr lang="es-ES" sz="2400" dirty="0" err="1"/>
               <a:t>placeholder</a:t>
             </a:r>
             <a:r>
-              <a:rPr lang="es-ES" dirty="0"/>
+              <a:rPr lang="es-ES" sz="2400" dirty="0"/>
               <a:t> para hacer el </a:t>
             </a:r>
             <a:r>
-              <a:rPr lang="es-ES" dirty="0" err="1"/>
+              <a:rPr lang="es-ES" sz="2400" dirty="0" err="1"/>
               <a:t>analisis</a:t>
             </a:r>
             <a:r>
-              <a:rPr lang="es-ES" dirty="0"/>
+              <a:rPr lang="es-ES" sz="2400" dirty="0"/>
               <a:t>.</a:t>
             </a:r>
           </a:p>
@@ -15297,18 +16134,18 @@
               <a:buChar char="-"/>
             </a:pPr>
             <a:r>
-              <a:rPr lang="es-ES" dirty="0" err="1"/>
+              <a:rPr lang="es-ES" sz="2400" dirty="0" err="1"/>
               <a:t>Puff</a:t>
             </a:r>
             <a:r>
-              <a:rPr lang="es-ES" dirty="0"/>
+              <a:rPr lang="es-ES" sz="2400" dirty="0"/>
               <a:t> </a:t>
             </a:r>
             <a:r>
-              <a:rPr lang="es-ES" dirty="0" err="1"/>
+              <a:rPr lang="es-ES" sz="2400" dirty="0" err="1"/>
               <a:t>puff</a:t>
             </a:r>
-            <a:endParaRPr lang="es-ES" dirty="0"/>
+            <a:endParaRPr lang="es-ES" sz="2400" dirty="0"/>
           </a:p>
           <a:p>
             <a:pPr marL="285750" indent="-285750">
@@ -16544,8 +17381,8 @@
         </p:nvSpPr>
         <p:spPr>
           <a:xfrm>
-            <a:off x="3824324" y="1671845"/>
-            <a:ext cx="6553220" cy="2600712"/>
+            <a:off x="3557204" y="1373894"/>
+            <a:ext cx="6553220" cy="3524042"/>
           </a:xfrm>
           <a:prstGeom prst="rect">
             <a:avLst/>
@@ -16565,7 +17402,7 @@
               <a:buChar char="-"/>
             </a:pPr>
             <a:r>
-              <a:rPr lang="es-ES" dirty="0"/>
+              <a:rPr lang="es-ES" sz="2400" dirty="0"/>
               <a:t>Soporte al análisis de datos sobre los datos extraídos de la EPA</a:t>
             </a:r>
           </a:p>
@@ -16578,7 +17415,7 @@
               <a:buChar char="-"/>
             </a:pPr>
             <a:r>
-              <a:rPr lang="es-ES" dirty="0"/>
+              <a:rPr lang="es-ES" sz="2400" dirty="0"/>
               <a:t>Incluir ciertas capacidades de minería de datos</a:t>
             </a:r>
           </a:p>
@@ -16591,7 +17428,7 @@
               <a:buChar char="-"/>
             </a:pPr>
             <a:r>
-              <a:rPr lang="es-ES" dirty="0"/>
+              <a:rPr lang="es-ES" sz="2400" dirty="0"/>
               <a:t>Interfaz realmente simple de usar y manipular</a:t>
             </a:r>
           </a:p>
@@ -16604,7 +17441,7 @@
               <a:buChar char="-"/>
             </a:pPr>
             <a:r>
-              <a:rPr lang="es-ES" dirty="0"/>
+              <a:rPr lang="es-ES" sz="2400" dirty="0"/>
               <a:t>Adicionalmente</a:t>
             </a:r>
           </a:p>
@@ -16617,7 +17454,7 @@
               <a:buChar char="•"/>
             </a:pPr>
             <a:r>
-              <a:rPr lang="es-ES" dirty="0"/>
+              <a:rPr lang="es-ES" sz="2400" dirty="0"/>
               <a:t>Generación de informes</a:t>
             </a:r>
           </a:p>
@@ -16630,7 +17467,7 @@
               <a:buChar char="•"/>
             </a:pPr>
             <a:r>
-              <a:rPr lang="es-ES" dirty="0"/>
+              <a:rPr lang="es-ES" sz="2400" dirty="0"/>
               <a:t>Actualización automática de los datos</a:t>
             </a:r>
           </a:p>
@@ -17270,7 +18107,7 @@
         <p:spPr>
           <a:xfrm>
             <a:off x="3595360" y="1857526"/>
-            <a:ext cx="6782184" cy="2400657"/>
+            <a:ext cx="7264424" cy="2862322"/>
           </a:xfrm>
           <a:prstGeom prst="rect">
             <a:avLst/>
@@ -17290,7 +18127,7 @@
               <a:buChar char="-"/>
             </a:pPr>
             <a:r>
-              <a:rPr lang="es-ES" dirty="0"/>
+              <a:rPr lang="es-ES" sz="2400" dirty="0"/>
               <a:t>Generalizar a otras fuentes de datos</a:t>
             </a:r>
           </a:p>
@@ -17303,7 +18140,7 @@
               <a:buChar char="-"/>
             </a:pPr>
             <a:r>
-              <a:rPr lang="es-ES" dirty="0"/>
+              <a:rPr lang="es-ES" sz="2400" dirty="0"/>
               <a:t>Inclusión de otros algoritmos de aprendizaje máquina</a:t>
             </a:r>
           </a:p>
@@ -17316,7 +18153,7 @@
               <a:buChar char="-"/>
             </a:pPr>
             <a:r>
-              <a:rPr lang="es-ES" dirty="0"/>
+              <a:rPr lang="es-ES" sz="2400" dirty="0"/>
               <a:t>Inclusión de más tipos de informes</a:t>
             </a:r>
           </a:p>
@@ -17329,7 +18166,7 @@
               <a:buChar char="-"/>
             </a:pPr>
             <a:r>
-              <a:rPr lang="es-ES" dirty="0"/>
+              <a:rPr lang="es-ES" sz="2400" dirty="0"/>
               <a:t>Sistema de gestión de usuarios</a:t>
             </a:r>
           </a:p>
@@ -17342,10 +18179,10 @@
               <a:buChar char="-"/>
             </a:pPr>
             <a:r>
-              <a:rPr lang="es-ES" dirty="0"/>
+              <a:rPr lang="es-ES" sz="2400" dirty="0"/>
               <a:t>Gestión de proceso en paralelo</a:t>
             </a:r>
-            <a:endParaRPr lang="es-ES" u="sng" dirty="0"/>
+            <a:endParaRPr lang="es-ES" sz="2400" u="sng" dirty="0"/>
           </a:p>
         </p:txBody>
       </p:sp>
@@ -17983,7 +18820,7 @@
         <p:spPr>
           <a:xfrm>
             <a:off x="3595360" y="1857517"/>
-            <a:ext cx="6782184" cy="1892826"/>
+            <a:ext cx="6782184" cy="2262158"/>
           </a:xfrm>
           <a:prstGeom prst="rect">
             <a:avLst/>
@@ -18003,7 +18840,7 @@
               <a:buChar char="-"/>
             </a:pPr>
             <a:r>
-              <a:rPr lang="es-ES" dirty="0"/>
+              <a:rPr lang="es-ES" sz="2400" dirty="0"/>
               <a:t>Descubrimiento y exploración de R y Shiny</a:t>
             </a:r>
           </a:p>
@@ -18016,7 +18853,7 @@
               <a:buChar char="-"/>
             </a:pPr>
             <a:r>
-              <a:rPr lang="es-ES" dirty="0"/>
+              <a:rPr lang="es-ES" sz="2400" dirty="0"/>
               <a:t>Valor de la información</a:t>
             </a:r>
           </a:p>
@@ -18029,7 +18866,7 @@
               <a:buChar char="-"/>
             </a:pPr>
             <a:r>
-              <a:rPr lang="es-ES" dirty="0"/>
+              <a:rPr lang="es-ES" sz="2400" dirty="0"/>
               <a:t>Aplicabilidad en el ámbito profesional</a:t>
             </a:r>
           </a:p>
@@ -18042,7 +18879,7 @@
               <a:buChar char="-"/>
             </a:pPr>
             <a:r>
-              <a:rPr lang="es-ES" dirty="0"/>
+              <a:rPr lang="es-ES" sz="2400" dirty="0"/>
               <a:t>Satisfacción personal</a:t>
             </a:r>
           </a:p>
@@ -19068,93 +19905,86 @@
         </p:spPr>
         <p:txBody>
           <a:bodyPr>
-            <a:normAutofit lnSpcReduction="10000"/>
+            <a:normAutofit fontScale="92500" lnSpcReduction="20000"/>
           </a:bodyPr>
           <a:lstStyle/>
           <a:p>
             <a:pPr marL="457200" indent="-457200">
+              <a:lnSpc>
+                <a:spcPct val="200000"/>
+              </a:lnSpc>
               <a:buFont typeface="+mj-lt"/>
               <a:buAutoNum type="arabicPeriod"/>
             </a:pPr>
             <a:r>
-              <a:rPr lang="es-ES" dirty="0"/>
+              <a:rPr lang="es-ES" sz="2400" dirty="0"/>
               <a:t>Motivo del proyecto</a:t>
             </a:r>
           </a:p>
           <a:p>
             <a:pPr marL="457200" indent="-457200">
+              <a:lnSpc>
+                <a:spcPct val="200000"/>
+              </a:lnSpc>
               <a:buFont typeface="+mj-lt"/>
               <a:buAutoNum type="arabicPeriod"/>
             </a:pPr>
-            <a:endParaRPr lang="es-ES" dirty="0"/>
+            <a:r>
+              <a:rPr lang="es-ES" sz="2400" dirty="0"/>
+              <a:t>Planificación</a:t>
+            </a:r>
           </a:p>
           <a:p>
             <a:pPr marL="457200" indent="-457200">
+              <a:lnSpc>
+                <a:spcPct val="200000"/>
+              </a:lnSpc>
               <a:buFont typeface="+mj-lt"/>
               <a:buAutoNum type="arabicPeriod"/>
             </a:pPr>
             <a:r>
-              <a:rPr lang="es-ES" dirty="0"/>
-              <a:t>Planificación</a:t>
+              <a:rPr lang="es-ES" sz="2400" dirty="0"/>
+              <a:t>TECNOLOGIAS EMPLEADAS</a:t>
             </a:r>
           </a:p>
           <a:p>
             <a:pPr marL="457200" indent="-457200">
+              <a:lnSpc>
+                <a:spcPct val="200000"/>
+              </a:lnSpc>
               <a:buFont typeface="+mj-lt"/>
               <a:buAutoNum type="arabicPeriod"/>
             </a:pPr>
-            <a:endParaRPr lang="es-ES" dirty="0"/>
+            <a:r>
+              <a:rPr lang="es-ES" sz="2400" dirty="0"/>
+              <a:t>Desarrollo del proyecto</a:t>
+            </a:r>
           </a:p>
           <a:p>
             <a:pPr marL="457200" indent="-457200">
+              <a:lnSpc>
+                <a:spcPct val="200000"/>
+              </a:lnSpc>
               <a:buFont typeface="+mj-lt"/>
               <a:buAutoNum type="arabicPeriod"/>
             </a:pPr>
             <a:r>
-              <a:rPr lang="es-ES" dirty="0"/>
-              <a:t>Desarrollo del proyecto</a:t>
+              <a:rPr lang="es-ES" sz="2400" dirty="0"/>
+              <a:t>Demostración</a:t>
             </a:r>
           </a:p>
           <a:p>
             <a:pPr marL="457200" indent="-457200">
+              <a:lnSpc>
+                <a:spcPct val="200000"/>
+              </a:lnSpc>
               <a:buFont typeface="+mj-lt"/>
               <a:buAutoNum type="arabicPeriod"/>
             </a:pPr>
-            <a:endParaRPr lang="es-ES" dirty="0"/>
-          </a:p>
-          <a:p>
-            <a:pPr marL="457200" indent="-457200">
-              <a:buFont typeface="+mj-lt"/>
-              <a:buAutoNum type="arabicPeriod"/>
-            </a:pPr>
-            <a:r>
-              <a:rPr lang="es-ES" dirty="0"/>
-              <a:t>Demostración</a:t>
-            </a:r>
-          </a:p>
-          <a:p>
-            <a:pPr marL="457200" indent="-457200">
-              <a:buFont typeface="+mj-lt"/>
-              <a:buAutoNum type="arabicPeriod"/>
-            </a:pPr>
-            <a:endParaRPr lang="es-ES" dirty="0"/>
-          </a:p>
-          <a:p>
-            <a:pPr marL="457200" indent="-457200">
-              <a:buFont typeface="+mj-lt"/>
-              <a:buAutoNum type="arabicPeriod"/>
-            </a:pPr>
-            <a:r>
-              <a:rPr lang="es-ES" dirty="0"/>
+            <a:r>
+              <a:rPr lang="es-ES" sz="2400" dirty="0"/>
               <a:t>Conclusiones</a:t>
             </a:r>
-          </a:p>
-          <a:p>
-            <a:pPr marL="457200" indent="-457200">
-              <a:buFont typeface="+mj-lt"/>
-              <a:buAutoNum type="arabicPeriod"/>
-            </a:pPr>
-            <a:endParaRPr lang="es-ES" dirty="0"/>
           </a:p>
         </p:txBody>
       </p:sp>
@@ -22554,6 +23384,640 @@
           <p:cNvPr id="20" name="Rectángulo 19">
             <a:extLst>
               <a:ext uri="{FF2B5EF4-FFF2-40B4-BE49-F238E27FC236}">
+                <a16:creationId xmlns:a16="http://schemas.microsoft.com/office/drawing/2014/main" id="{907293A4-E76A-4C5C-BB70-1E468396DD65}"/>
+              </a:ext>
+            </a:extLst>
+          </p:cNvPr>
+          <p:cNvSpPr/>
+          <p:nvPr/>
+        </p:nvSpPr>
+        <p:spPr>
+          <a:xfrm>
+            <a:off x="0" y="0"/>
+            <a:ext cx="1785769" cy="6088828"/>
+          </a:xfrm>
+          <a:prstGeom prst="rect">
+            <a:avLst/>
+          </a:prstGeom>
+          <a:solidFill>
+            <a:schemeClr val="dk1">
+              <a:alpha val="33000"/>
+            </a:schemeClr>
+          </a:solidFill>
+          <a:ln>
+            <a:noFill/>
+          </a:ln>
+        </p:spPr>
+        <p:style>
+          <a:lnRef idx="0">
+            <a:scrgbClr r="0" g="0" b="0"/>
+          </a:lnRef>
+          <a:fillRef idx="0">
+            <a:scrgbClr r="0" g="0" b="0"/>
+          </a:fillRef>
+          <a:effectRef idx="0">
+            <a:scrgbClr r="0" g="0" b="0"/>
+          </a:effectRef>
+          <a:fontRef idx="minor">
+            <a:schemeClr val="lt1"/>
+          </a:fontRef>
+        </p:style>
+        <p:txBody>
+          <a:bodyPr rtlCol="0" anchor="ctr"/>
+          <a:lstStyle/>
+          <a:p>
+            <a:pPr algn="ctr"/>
+            <a:endParaRPr lang="es-ES" dirty="0"/>
+          </a:p>
+        </p:txBody>
+      </p:sp>
+      <p:sp>
+        <p:nvSpPr>
+          <p:cNvPr id="2" name="Título 1"/>
+          <p:cNvSpPr>
+            <a:spLocks noGrp="1"/>
+          </p:cNvSpPr>
+          <p:nvPr>
+            <p:ph type="title"/>
+          </p:nvPr>
+        </p:nvSpPr>
+        <p:spPr>
+          <a:xfrm>
+            <a:off x="3557204" y="198971"/>
+            <a:ext cx="6820349" cy="887552"/>
+          </a:xfrm>
+        </p:spPr>
+        <p:txBody>
+          <a:bodyPr>
+            <a:normAutofit/>
+          </a:bodyPr>
+          <a:lstStyle/>
+          <a:p>
+            <a:r>
+              <a:rPr lang="es-ES" dirty="0"/>
+              <a:t>SHINY - Cliente-Servidor</a:t>
+            </a:r>
+          </a:p>
+        </p:txBody>
+      </p:sp>
+      <p:pic>
+        <p:nvPicPr>
+          <p:cNvPr id="10" name="Imagen 9">
+            <a:extLst>
+              <a:ext uri="{FF2B5EF4-FFF2-40B4-BE49-F238E27FC236}">
+                <a16:creationId xmlns:a16="http://schemas.microsoft.com/office/drawing/2014/main" id="{B9F62473-4127-4BAF-9D44-D9A2457C8905}"/>
+              </a:ext>
+            </a:extLst>
+          </p:cNvPr>
+          <p:cNvPicPr>
+            <a:picLocks noChangeAspect="1"/>
+          </p:cNvPicPr>
+          <p:nvPr/>
+        </p:nvPicPr>
+        <p:blipFill>
+          <a:blip r:embed="rId3">
+            <a:extLst>
+              <a:ext uri="{28A0092B-C50C-407E-A947-70E740481C1C}">
+                <a14:useLocalDpi xmlns:a14="http://schemas.microsoft.com/office/drawing/2010/main" val="0"/>
+              </a:ext>
+            </a:extLst>
+          </a:blip>
+          <a:srcRect/>
+          <a:stretch>
+            <a:fillRect/>
+          </a:stretch>
+        </p:blipFill>
+        <p:spPr bwMode="auto">
+          <a:xfrm>
+            <a:off x="3834764" y="2040890"/>
+            <a:ext cx="6271316" cy="2048510"/>
+          </a:xfrm>
+          <a:prstGeom prst="rect">
+            <a:avLst/>
+          </a:prstGeom>
+          <a:noFill/>
+          <a:ln>
+            <a:noFill/>
+          </a:ln>
+        </p:spPr>
+      </p:pic>
+      <p:sp>
+        <p:nvSpPr>
+          <p:cNvPr id="12" name="Rectángulo 11">
+            <a:extLst>
+              <a:ext uri="{FF2B5EF4-FFF2-40B4-BE49-F238E27FC236}">
+                <a16:creationId xmlns:a16="http://schemas.microsoft.com/office/drawing/2014/main" id="{726DB863-006A-489F-8EC6-8D152003EB92}"/>
+              </a:ext>
+            </a:extLst>
+          </p:cNvPr>
+          <p:cNvSpPr/>
+          <p:nvPr/>
+        </p:nvSpPr>
+        <p:spPr>
+          <a:xfrm>
+            <a:off x="0" y="6088828"/>
+            <a:ext cx="12192000" cy="769172"/>
+          </a:xfrm>
+          <a:prstGeom prst="rect">
+            <a:avLst/>
+          </a:prstGeom>
+          <a:solidFill>
+            <a:schemeClr val="dk1">
+              <a:alpha val="33000"/>
+            </a:schemeClr>
+          </a:solidFill>
+          <a:ln>
+            <a:noFill/>
+          </a:ln>
+        </p:spPr>
+        <p:style>
+          <a:lnRef idx="0">
+            <a:scrgbClr r="0" g="0" b="0"/>
+          </a:lnRef>
+          <a:fillRef idx="0">
+            <a:scrgbClr r="0" g="0" b="0"/>
+          </a:fillRef>
+          <a:effectRef idx="0">
+            <a:scrgbClr r="0" g="0" b="0"/>
+          </a:effectRef>
+          <a:fontRef idx="minor">
+            <a:schemeClr val="lt1"/>
+          </a:fontRef>
+        </p:style>
+        <p:txBody>
+          <a:bodyPr rtlCol="0" anchor="ctr"/>
+          <a:lstStyle/>
+          <a:p>
+            <a:pPr algn="r"/>
+            <a:endParaRPr lang="es-ES" dirty="0"/>
+          </a:p>
+        </p:txBody>
+      </p:sp>
+      <p:graphicFrame>
+        <p:nvGraphicFramePr>
+          <p:cNvPr id="15" name="Tabla 14">
+            <a:extLst>
+              <a:ext uri="{FF2B5EF4-FFF2-40B4-BE49-F238E27FC236}">
+                <a16:creationId xmlns:a16="http://schemas.microsoft.com/office/drawing/2014/main" id="{2A98A0C9-1D66-4248-AF0C-B296558735C6}"/>
+              </a:ext>
+            </a:extLst>
+          </p:cNvPr>
+          <p:cNvGraphicFramePr>
+            <a:graphicFrameLocks noGrp="1"/>
+          </p:cNvGraphicFramePr>
+          <p:nvPr>
+            <p:extLst>
+              <p:ext uri="{D42A27DB-BD31-4B8C-83A1-F6EECF244321}">
+                <p14:modId xmlns:p14="http://schemas.microsoft.com/office/powerpoint/2010/main" val="4148314491"/>
+              </p:ext>
+            </p:extLst>
+          </p:nvPr>
+        </p:nvGraphicFramePr>
+        <p:xfrm>
+          <a:off x="7670800" y="6153374"/>
+          <a:ext cx="4432300" cy="640080"/>
+        </p:xfrm>
+        <a:graphic>
+          <a:graphicData uri="http://schemas.openxmlformats.org/drawingml/2006/table">
+            <a:tbl>
+              <a:tblPr firstRow="1" bandRow="1">
+                <a:tableStyleId>{2D5ABB26-0587-4C30-8999-92F81FD0307C}</a:tableStyleId>
+              </a:tblPr>
+              <a:tblGrid>
+                <a:gridCol w="3729229">
+                  <a:extLst>
+                    <a:ext uri="{9D8B030D-6E8A-4147-A177-3AD203B41FA5}">
+                      <a16:colId xmlns:a16="http://schemas.microsoft.com/office/drawing/2014/main" val="1347896834"/>
+                    </a:ext>
+                  </a:extLst>
+                </a:gridCol>
+                <a:gridCol w="703071">
+                  <a:extLst>
+                    <a:ext uri="{9D8B030D-6E8A-4147-A177-3AD203B41FA5}">
+                      <a16:colId xmlns:a16="http://schemas.microsoft.com/office/drawing/2014/main" val="972821047"/>
+                    </a:ext>
+                  </a:extLst>
+                </a:gridCol>
+              </a:tblGrid>
+              <a:tr h="633819">
+                <a:tc>
+                  <a:txBody>
+                    <a:bodyPr/>
+                    <a:lstStyle/>
+                    <a:p>
+                      <a:pPr algn="r"/>
+                      <a:r>
+                        <a:rPr lang="es-ES" dirty="0">
+                          <a:solidFill>
+                            <a:schemeClr val="bg1"/>
+                          </a:solidFill>
+                        </a:rPr>
+                        <a:t>Software de preparación, procesado y análisis de datos de la EPA</a:t>
+                      </a:r>
+                      <a:endParaRPr lang="es-ES" b="0" dirty="0">
+                        <a:solidFill>
+                          <a:schemeClr val="bg1"/>
+                        </a:solidFill>
+                      </a:endParaRPr>
+                    </a:p>
+                  </a:txBody>
+                  <a:tcPr anchor="ctr">
+                    <a:lnR w="12700" cap="flat" cmpd="sng" algn="ctr">
+                      <a:solidFill>
+                        <a:schemeClr val="tx1"/>
+                      </a:solidFill>
+                      <a:prstDash val="solid"/>
+                      <a:round/>
+                      <a:headEnd type="none" w="med" len="med"/>
+                      <a:tailEnd type="none" w="med" len="med"/>
+                    </a:lnR>
+                  </a:tcPr>
+                </a:tc>
+                <a:tc>
+                  <a:txBody>
+                    <a:bodyPr/>
+                    <a:lstStyle/>
+                    <a:p>
+                      <a:pPr algn="ctr"/>
+                      <a:fld id="{0E1C8A44-DCA4-45BE-94D1-2AB25001A8D2}" type="slidenum">
+                        <a:rPr lang="es-ES" smtClean="0">
+                          <a:solidFill>
+                            <a:schemeClr val="bg2">
+                              <a:lumMod val="60000"/>
+                              <a:lumOff val="40000"/>
+                            </a:schemeClr>
+                          </a:solidFill>
+                        </a:rPr>
+                        <a:t>26</a:t>
+                      </a:fld>
+                      <a:endParaRPr lang="es-ES" dirty="0">
+                        <a:solidFill>
+                          <a:schemeClr val="bg2">
+                            <a:lumMod val="60000"/>
+                            <a:lumOff val="40000"/>
+                          </a:schemeClr>
+                        </a:solidFill>
+                      </a:endParaRPr>
+                    </a:p>
+                  </a:txBody>
+                  <a:tcPr anchor="ctr">
+                    <a:lnL w="12700" cap="flat" cmpd="sng" algn="ctr">
+                      <a:solidFill>
+                        <a:schemeClr val="tx1"/>
+                      </a:solidFill>
+                      <a:prstDash val="solid"/>
+                      <a:round/>
+                      <a:headEnd type="none" w="med" len="med"/>
+                      <a:tailEnd type="none" w="med" len="med"/>
+                    </a:lnL>
+                  </a:tcPr>
+                </a:tc>
+                <a:extLst>
+                  <a:ext uri="{0D108BD9-81ED-4DB2-BD59-A6C34878D82A}">
+                    <a16:rowId xmlns:a16="http://schemas.microsoft.com/office/drawing/2014/main" val="862195207"/>
+                  </a:ext>
+                </a:extLst>
+              </a:tr>
+            </a:tbl>
+          </a:graphicData>
+        </a:graphic>
+      </p:graphicFrame>
+      <p:sp>
+        <p:nvSpPr>
+          <p:cNvPr id="17" name="Rectángulo 16">
+            <a:extLst>
+              <a:ext uri="{FF2B5EF4-FFF2-40B4-BE49-F238E27FC236}">
+                <a16:creationId xmlns:a16="http://schemas.microsoft.com/office/drawing/2014/main" id="{FD06E0A1-540E-432D-8A08-CD459D12BCBE}"/>
+              </a:ext>
+            </a:extLst>
+          </p:cNvPr>
+          <p:cNvSpPr/>
+          <p:nvPr/>
+        </p:nvSpPr>
+        <p:spPr>
+          <a:xfrm>
+            <a:off x="0" y="927101"/>
+            <a:ext cx="1785769" cy="5161727"/>
+          </a:xfrm>
+          <a:prstGeom prst="rect">
+            <a:avLst/>
+          </a:prstGeom>
+          <a:solidFill>
+            <a:schemeClr val="dk1">
+              <a:alpha val="50000"/>
+            </a:schemeClr>
+          </a:solidFill>
+          <a:ln>
+            <a:noFill/>
+          </a:ln>
+        </p:spPr>
+        <p:style>
+          <a:lnRef idx="0">
+            <a:scrgbClr r="0" g="0" b="0"/>
+          </a:lnRef>
+          <a:fillRef idx="0">
+            <a:scrgbClr r="0" g="0" b="0"/>
+          </a:fillRef>
+          <a:effectRef idx="0">
+            <a:scrgbClr r="0" g="0" b="0"/>
+          </a:effectRef>
+          <a:fontRef idx="minor">
+            <a:schemeClr val="lt1"/>
+          </a:fontRef>
+        </p:style>
+        <p:txBody>
+          <a:bodyPr rtlCol="0" anchor="ctr"/>
+          <a:lstStyle/>
+          <a:p>
+            <a:r>
+              <a:rPr lang="es-ES" sz="1350" u="sng" dirty="0">
+                <a:solidFill>
+                  <a:schemeClr val="bg1"/>
+                </a:solidFill>
+              </a:rPr>
+              <a:t>Motivo del Proyecto</a:t>
+            </a:r>
+          </a:p>
+          <a:p>
+            <a:pPr marL="108000" indent="-72000">
+              <a:buFontTx/>
+              <a:buChar char="-"/>
+            </a:pPr>
+            <a:r>
+              <a:rPr lang="es-ES" sz="1350" dirty="0"/>
+              <a:t>EPA</a:t>
+            </a:r>
+          </a:p>
+          <a:p>
+            <a:pPr marL="108000" indent="-72000">
+              <a:buFontTx/>
+              <a:buChar char="-"/>
+            </a:pPr>
+            <a:r>
+              <a:rPr lang="es-ES" sz="1350" dirty="0"/>
+              <a:t>Objetivos</a:t>
+            </a:r>
+          </a:p>
+          <a:p>
+            <a:pPr marL="108000" indent="-72000">
+              <a:buFontTx/>
+              <a:buChar char="-"/>
+            </a:pPr>
+            <a:endParaRPr lang="es-ES" sz="1350" dirty="0"/>
+          </a:p>
+          <a:p>
+            <a:r>
+              <a:rPr lang="es-ES" sz="1350" u="sng" dirty="0"/>
+              <a:t>Planificación</a:t>
+            </a:r>
+          </a:p>
+          <a:p>
+            <a:pPr marL="108000" indent="-72000">
+              <a:buFontTx/>
+              <a:buChar char="-"/>
+            </a:pPr>
+            <a:r>
+              <a:rPr lang="es-ES" sz="1350" dirty="0"/>
+              <a:t>Metodología</a:t>
+            </a:r>
+          </a:p>
+          <a:p>
+            <a:pPr marL="108000" indent="-72000">
+              <a:buFontTx/>
+              <a:buChar char="-"/>
+            </a:pPr>
+            <a:r>
+              <a:rPr lang="es-ES" sz="1350" dirty="0"/>
+              <a:t>Etapas</a:t>
+            </a:r>
+          </a:p>
+          <a:p>
+            <a:pPr marL="108000" indent="-72000">
+              <a:buFontTx/>
+              <a:buChar char="-"/>
+            </a:pPr>
+            <a:r>
+              <a:rPr lang="es-ES" sz="1350" dirty="0"/>
+              <a:t>Presupuesto</a:t>
+            </a:r>
+          </a:p>
+          <a:p>
+            <a:endParaRPr lang="es-ES" sz="1350" b="1" u="sng" dirty="0"/>
+          </a:p>
+          <a:p>
+            <a:r>
+              <a:rPr lang="es-ES" sz="1350" u="sng" dirty="0">
+                <a:solidFill>
+                  <a:schemeClr val="bg1"/>
+                </a:solidFill>
+              </a:rPr>
+              <a:t>Tecnologías Empleadas</a:t>
+            </a:r>
+          </a:p>
+          <a:p>
+            <a:pPr marL="108000" indent="-72000">
+              <a:buFontTx/>
+              <a:buChar char="-"/>
+            </a:pPr>
+            <a:r>
+              <a:rPr lang="es-ES" sz="1350" dirty="0"/>
+              <a:t>Framework Shiny</a:t>
+            </a:r>
+          </a:p>
+          <a:p>
+            <a:endParaRPr lang="es-ES" sz="1350" dirty="0"/>
+          </a:p>
+          <a:p>
+            <a:r>
+              <a:rPr lang="es-ES" sz="1350" u="sng" dirty="0"/>
+              <a:t>Desarrollo</a:t>
+            </a:r>
+          </a:p>
+          <a:p>
+            <a:pPr marL="108000" indent="-72000">
+              <a:buFontTx/>
+              <a:buChar char="-"/>
+            </a:pPr>
+            <a:r>
+              <a:rPr lang="es-ES" sz="1350" dirty="0"/>
+              <a:t>Requisitos Funcionales</a:t>
+            </a:r>
+          </a:p>
+          <a:p>
+            <a:endParaRPr lang="es-ES" sz="1350" dirty="0"/>
+          </a:p>
+          <a:p>
+            <a:r>
+              <a:rPr lang="es-ES" sz="1350" u="sng" dirty="0"/>
+              <a:t>Demostración</a:t>
+            </a:r>
+          </a:p>
+          <a:p>
+            <a:endParaRPr lang="es-ES" sz="1350" dirty="0"/>
+          </a:p>
+          <a:p>
+            <a:r>
+              <a:rPr lang="es-ES" sz="1350" u="sng" dirty="0"/>
+              <a:t>Conclusiones</a:t>
+            </a:r>
+          </a:p>
+        </p:txBody>
+      </p:sp>
+      <p:pic>
+        <p:nvPicPr>
+          <p:cNvPr id="18" name="Picture 6" descr="Resultado de imagen de universidad de cádiz">
+            <a:extLst>
+              <a:ext uri="{FF2B5EF4-FFF2-40B4-BE49-F238E27FC236}">
+                <a16:creationId xmlns:a16="http://schemas.microsoft.com/office/drawing/2014/main" id="{FEE25DC6-3401-4106-9FFE-0E9FDB2A0817}"/>
+              </a:ext>
+            </a:extLst>
+          </p:cNvPr>
+          <p:cNvPicPr>
+            <a:picLocks noChangeAspect="1" noChangeArrowheads="1"/>
+          </p:cNvPicPr>
+          <p:nvPr/>
+        </p:nvPicPr>
+        <p:blipFill>
+          <a:blip r:embed="rId4">
+            <a:extLst>
+              <a:ext uri="{28A0092B-C50C-407E-A947-70E740481C1C}">
+                <a14:useLocalDpi xmlns:a14="http://schemas.microsoft.com/office/drawing/2010/main" val="0"/>
+              </a:ext>
+            </a:extLst>
+          </a:blip>
+          <a:srcRect/>
+          <a:stretch>
+            <a:fillRect/>
+          </a:stretch>
+        </p:blipFill>
+        <p:spPr bwMode="auto">
+          <a:xfrm>
+            <a:off x="93653" y="6162356"/>
+            <a:ext cx="483868" cy="622116"/>
+          </a:xfrm>
+          <a:prstGeom prst="rect">
+            <a:avLst/>
+          </a:prstGeom>
+          <a:noFill/>
+          <a:extLst>
+            <a:ext uri="{909E8E84-426E-40DD-AFC4-6F175D3DCCD1}">
+              <a14:hiddenFill xmlns:a14="http://schemas.microsoft.com/office/drawing/2010/main">
+                <a:solidFill>
+                  <a:srgbClr val="FFFFFF"/>
+                </a:solidFill>
+              </a14:hiddenFill>
+            </a:ext>
+          </a:extLst>
+        </p:spPr>
+      </p:pic>
+      <p:sp>
+        <p:nvSpPr>
+          <p:cNvPr id="19" name="Título 1">
+            <a:extLst>
+              <a:ext uri="{FF2B5EF4-FFF2-40B4-BE49-F238E27FC236}">
+                <a16:creationId xmlns:a16="http://schemas.microsoft.com/office/drawing/2014/main" id="{FF4C4F21-9332-4A9F-9715-8CE46D3E8EF6}"/>
+              </a:ext>
+            </a:extLst>
+          </p:cNvPr>
+          <p:cNvSpPr txBox="1">
+            <a:spLocks/>
+          </p:cNvSpPr>
+          <p:nvPr/>
+        </p:nvSpPr>
+        <p:spPr>
+          <a:xfrm>
+            <a:off x="0" y="1"/>
+            <a:ext cx="1785770" cy="927100"/>
+          </a:xfrm>
+          <a:prstGeom prst="rect">
+            <a:avLst/>
+          </a:prstGeom>
+        </p:spPr>
+        <p:txBody>
+          <a:bodyPr vert="horz" lIns="91440" tIns="45720" rIns="91440" bIns="45720" rtlCol="0" anchor="ctr">
+            <a:normAutofit/>
+          </a:bodyPr>
+          <a:lstStyle>
+            <a:lvl1pPr algn="ctr" defTabSz="914400" rtl="0" eaLnBrk="1" latinLnBrk="0" hangingPunct="1">
+              <a:lnSpc>
+                <a:spcPct val="90000"/>
+              </a:lnSpc>
+              <a:spcBef>
+                <a:spcPct val="0"/>
+              </a:spcBef>
+              <a:buNone/>
+              <a:defRPr sz="3600" kern="1200" cap="all" baseline="0">
+                <a:solidFill>
+                  <a:schemeClr val="tx1"/>
+                </a:solidFill>
+                <a:effectLst/>
+                <a:latin typeface="+mj-lt"/>
+                <a:ea typeface="+mj-ea"/>
+                <a:cs typeface="+mj-cs"/>
+              </a:defRPr>
+            </a:lvl1pPr>
+          </a:lstStyle>
+          <a:p>
+            <a:r>
+              <a:rPr lang="es-ES" dirty="0"/>
+              <a:t>EPA</a:t>
+            </a:r>
+          </a:p>
+          <a:p>
+            <a:r>
+              <a:rPr lang="es-ES" sz="2000" dirty="0"/>
+              <a:t>Explorer</a:t>
+            </a:r>
+          </a:p>
+        </p:txBody>
+      </p:sp>
+    </p:spTree>
+    <p:extLst>
+      <p:ext uri="{BB962C8B-B14F-4D97-AF65-F5344CB8AC3E}">
+        <p14:creationId xmlns:p14="http://schemas.microsoft.com/office/powerpoint/2010/main" val="501198715"/>
+      </p:ext>
+    </p:extLst>
+  </p:cSld>
+  <p:clrMapOvr>
+    <a:masterClrMapping/>
+  </p:clrMapOvr>
+  <mc:AlternateContent xmlns:mc="http://schemas.openxmlformats.org/markup-compatibility/2006" xmlns:p14="http://schemas.microsoft.com/office/powerpoint/2010/main">
+    <mc:Choice Requires="p14">
+      <p:transition spd="med" p14:dur="700">
+        <p:fade/>
+      </p:transition>
+    </mc:Choice>
+    <mc:Fallback xmlns="">
+      <p:transition spd="med">
+        <p:fade/>
+      </p:transition>
+    </mc:Fallback>
+  </mc:AlternateContent>
+</p:sld>
+</file>
+
+<file path=ppt/slides/slide27.xml><?xml version="1.0" encoding="utf-8"?>
+<p:sld xmlns:a="http://schemas.openxmlformats.org/drawingml/2006/main" xmlns:r="http://schemas.openxmlformats.org/officeDocument/2006/relationships" xmlns:p="http://schemas.openxmlformats.org/presentationml/2006/main">
+  <p:cSld>
+    <p:spTree>
+      <p:nvGrpSpPr>
+        <p:cNvPr id="1" name=""/>
+        <p:cNvGrpSpPr/>
+        <p:nvPr/>
+      </p:nvGrpSpPr>
+      <p:grpSpPr>
+        <a:xfrm>
+          <a:off x="0" y="0"/>
+          <a:ext cx="0" cy="0"/>
+          <a:chOff x="0" y="0"/>
+          <a:chExt cx="0" cy="0"/>
+        </a:xfrm>
+      </p:grpSpPr>
+      <p:sp>
+        <p:nvSpPr>
+          <p:cNvPr id="20" name="Rectángulo 19">
+            <a:extLst>
+              <a:ext uri="{FF2B5EF4-FFF2-40B4-BE49-F238E27FC236}">
                 <a16:creationId xmlns:a16="http://schemas.microsoft.com/office/drawing/2014/main" id="{050599C0-E849-44BE-88C4-F7E7A1766C12}"/>
               </a:ext>
             </a:extLst>
@@ -22818,7 +24282,7 @@
                             </a:schemeClr>
                           </a:solidFill>
                         </a:rPr>
-                        <a:t>26</a:t>
+                        <a:t>27</a:t>
                       </a:fld>
                       <a:endParaRPr lang="es-ES" dirty="0">
                         <a:solidFill>
@@ -23817,10 +25281,10 @@
       </p:grpSpPr>
       <p:sp>
         <p:nvSpPr>
-          <p:cNvPr id="19" name="Rectángulo 18">
+          <p:cNvPr id="20" name="Rectángulo 19">
             <a:extLst>
               <a:ext uri="{FF2B5EF4-FFF2-40B4-BE49-F238E27FC236}">
-                <a16:creationId xmlns:a16="http://schemas.microsoft.com/office/drawing/2014/main" id="{93D0A458-3383-417F-A1C6-0C799012F6CF}"/>
+                <a16:creationId xmlns:a16="http://schemas.microsoft.com/office/drawing/2014/main" id="{385E04E9-A2C2-4539-8A82-71FB24A5FB10}"/>
               </a:ext>
             </a:extLst>
           </p:cNvPr>
@@ -23884,82 +25348,63 @@
           </a:xfrm>
         </p:spPr>
         <p:txBody>
-          <a:bodyPr>
-            <a:normAutofit/>
-          </a:bodyPr>
+          <a:bodyPr/>
           <a:lstStyle/>
           <a:p>
             <a:r>
               <a:rPr lang="es-ES" dirty="0"/>
-              <a:t>Motivación</a:t>
-            </a:r>
-          </a:p>
-        </p:txBody>
-      </p:sp>
-      <p:sp>
-        <p:nvSpPr>
-          <p:cNvPr id="11" name="Rectángulo 10">
+              <a:t>Encuesta de población activa</a:t>
+            </a:r>
+          </a:p>
+        </p:txBody>
+      </p:sp>
+      <p:pic>
+        <p:nvPicPr>
+          <p:cNvPr id="12" name="Imagen 11">
             <a:extLst>
               <a:ext uri="{FF2B5EF4-FFF2-40B4-BE49-F238E27FC236}">
-                <a16:creationId xmlns:a16="http://schemas.microsoft.com/office/drawing/2014/main" id="{974242C8-7D53-4777-BAFD-D39AE36DB37A}"/>
+                <a16:creationId xmlns:a16="http://schemas.microsoft.com/office/drawing/2014/main" id="{6D62F2C1-8F2C-4AAC-87F1-9BC8B3E74173}"/>
               </a:ext>
             </a:extLst>
           </p:cNvPr>
-          <p:cNvSpPr/>
+          <p:cNvPicPr>
+            <a:picLocks noChangeAspect="1"/>
+          </p:cNvPicPr>
           <p:nvPr/>
-        </p:nvSpPr>
-        <p:spPr>
-          <a:xfrm>
-            <a:off x="2438400" y="993762"/>
-            <a:ext cx="8521700" cy="1431161"/>
+        </p:nvPicPr>
+        <p:blipFill>
+          <a:blip r:embed="rId3">
+            <a:extLst>
+              <a:ext uri="{28A0092B-C50C-407E-A947-70E740481C1C}">
+                <a14:useLocalDpi xmlns:a14="http://schemas.microsoft.com/office/drawing/2010/main" val="0"/>
+              </a:ext>
+            </a:extLst>
+          </a:blip>
+          <a:srcRect/>
+          <a:stretch>
+            <a:fillRect/>
+          </a:stretch>
+        </p:blipFill>
+        <p:spPr bwMode="auto">
+          <a:xfrm>
+            <a:off x="3724601" y="1322459"/>
+            <a:ext cx="6486311" cy="4281207"/>
           </a:xfrm>
           <a:prstGeom prst="rect">
             <a:avLst/>
           </a:prstGeom>
-        </p:spPr>
-        <p:txBody>
-          <a:bodyPr wrap="square">
-            <a:spAutoFit/>
-          </a:bodyPr>
-          <a:lstStyle/>
-          <a:p>
-            <a:pPr marL="285750" indent="-285750">
-              <a:spcBef>
-                <a:spcPts val="1800"/>
-              </a:spcBef>
-              <a:buFontTx/>
-              <a:buChar char="-"/>
-            </a:pPr>
-            <a:r>
-              <a:rPr lang="es-ES" dirty="0"/>
-              <a:t>Llevar la capacidad de realizar análisis sobre los datos de la EPA a usuarios no necesariamente conocedores en materias avanzadas de computadores </a:t>
-            </a:r>
-            <a:r>
-              <a:rPr lang="es-ES" dirty="0">
-                <a:sym typeface="Wingdings" panose="05000000000000000000" pitchFamily="2" charset="2"/>
-              </a:rPr>
-              <a:t> a ver como pongo esto.</a:t>
-            </a:r>
-            <a:endParaRPr lang="es-ES" dirty="0"/>
-          </a:p>
-          <a:p>
-            <a:pPr marL="285750" indent="-285750">
-              <a:spcBef>
-                <a:spcPts val="1800"/>
-              </a:spcBef>
-              <a:buFontTx/>
-              <a:buChar char="-"/>
-            </a:pPr>
-            <a:endParaRPr lang="es-ES" dirty="0"/>
-          </a:p>
-        </p:txBody>
-      </p:sp>
+          <a:noFill/>
+          <a:ln>
+            <a:noFill/>
+          </a:ln>
+        </p:spPr>
+      </p:pic>
       <p:sp>
         <p:nvSpPr>
           <p:cNvPr id="10" name="Rectángulo 9">
             <a:extLst>
               <a:ext uri="{FF2B5EF4-FFF2-40B4-BE49-F238E27FC236}">
-                <a16:creationId xmlns:a16="http://schemas.microsoft.com/office/drawing/2014/main" id="{F72E42AB-F28D-48CD-867A-BA39DCBCA4B9}"/>
+                <a16:creationId xmlns:a16="http://schemas.microsoft.com/office/drawing/2014/main" id="{E61AF71F-1254-4749-A2F8-89C01E3143E8}"/>
               </a:ext>
             </a:extLst>
           </p:cNvPr>
@@ -24008,10 +25453,10 @@
       </p:sp>
       <p:graphicFrame>
         <p:nvGraphicFramePr>
-          <p:cNvPr id="12" name="Tabla 11">
+          <p:cNvPr id="15" name="Tabla 14">
             <a:extLst>
               <a:ext uri="{FF2B5EF4-FFF2-40B4-BE49-F238E27FC236}">
-                <a16:creationId xmlns:a16="http://schemas.microsoft.com/office/drawing/2014/main" id="{8E30230A-A720-4D59-991C-B92A84641AEB}"/>
+                <a16:creationId xmlns:a16="http://schemas.microsoft.com/office/drawing/2014/main" id="{3B4D4509-E467-452B-9923-1D8A0D4886DA}"/>
               </a:ext>
             </a:extLst>
           </p:cNvPr>
@@ -24019,7 +25464,11 @@
             <a:graphicFrameLocks noGrp="1"/>
           </p:cNvGraphicFramePr>
           <p:nvPr>
-            <p:extLst/>
+            <p:extLst>
+              <p:ext uri="{D42A27DB-BD31-4B8C-83A1-F6EECF244321}">
+                <p14:modId xmlns:p14="http://schemas.microsoft.com/office/powerpoint/2010/main" val="4148314491"/>
+              </p:ext>
+            </p:extLst>
           </p:nvPr>
         </p:nvGraphicFramePr>
         <p:xfrm>
@@ -24133,10 +25582,10 @@
       </p:graphicFrame>
       <p:sp>
         <p:nvSpPr>
-          <p:cNvPr id="15" name="Rectángulo 14">
+          <p:cNvPr id="17" name="Rectángulo 16">
             <a:extLst>
               <a:ext uri="{FF2B5EF4-FFF2-40B4-BE49-F238E27FC236}">
-                <a16:creationId xmlns:a16="http://schemas.microsoft.com/office/drawing/2014/main" id="{B3361E7B-E9EB-4A84-B313-19B89D9BB65B}"/>
+                <a16:creationId xmlns:a16="http://schemas.microsoft.com/office/drawing/2014/main" id="{5EC8B7CE-FBFA-434C-A092-21900A4D86D6}"/>
               </a:ext>
             </a:extLst>
           </p:cNvPr>
@@ -24314,10 +25763,10 @@
       </p:sp>
       <p:pic>
         <p:nvPicPr>
-          <p:cNvPr id="17" name="Picture 6" descr="Resultado de imagen de universidad de cádiz">
+          <p:cNvPr id="18" name="Picture 6" descr="Resultado de imagen de universidad de cádiz">
             <a:extLst>
               <a:ext uri="{FF2B5EF4-FFF2-40B4-BE49-F238E27FC236}">
-                <a16:creationId xmlns:a16="http://schemas.microsoft.com/office/drawing/2014/main" id="{9CFE5ACB-A3AB-4673-9D97-968EC583EB7B}"/>
+                <a16:creationId xmlns:a16="http://schemas.microsoft.com/office/drawing/2014/main" id="{81CF7D27-F963-46A8-ACB3-DAD486BB821C}"/>
               </a:ext>
             </a:extLst>
           </p:cNvPr>
@@ -24327,7 +25776,7 @@
           <p:nvPr/>
         </p:nvPicPr>
         <p:blipFill>
-          <a:blip r:embed="rId3">
+          <a:blip r:embed="rId4">
             <a:extLst>
               <a:ext uri="{28A0092B-C50C-407E-A947-70E740481C1C}">
                 <a14:useLocalDpi xmlns:a14="http://schemas.microsoft.com/office/drawing/2010/main" val="0"/>
@@ -24361,10 +25810,10 @@
       </p:pic>
       <p:sp>
         <p:nvSpPr>
-          <p:cNvPr id="18" name="Título 1">
+          <p:cNvPr id="19" name="Título 1">
             <a:extLst>
               <a:ext uri="{FF2B5EF4-FFF2-40B4-BE49-F238E27FC236}">
-                <a16:creationId xmlns:a16="http://schemas.microsoft.com/office/drawing/2014/main" id="{F436235B-FC80-4098-A2EA-2D0EFAC1369F}"/>
+                <a16:creationId xmlns:a16="http://schemas.microsoft.com/office/drawing/2014/main" id="{676914FE-7068-4DA1-8912-F9D41B697AEC}"/>
               </a:ext>
             </a:extLst>
           </p:cNvPr>
@@ -24423,7 +25872,7 @@
     </p:spTree>
     <p:extLst>
       <p:ext uri="{BB962C8B-B14F-4D97-AF65-F5344CB8AC3E}">
-        <p14:creationId xmlns:p14="http://schemas.microsoft.com/office/powerpoint/2010/main" val="3640208033"/>
+        <p14:creationId xmlns:p14="http://schemas.microsoft.com/office/powerpoint/2010/main" val="2777833868"/>
       </p:ext>
     </p:extLst>
   </p:cSld>
@@ -24464,10 +25913,10 @@
       </p:grpSpPr>
       <p:sp>
         <p:nvSpPr>
-          <p:cNvPr id="20" name="Rectángulo 19">
+          <p:cNvPr id="19" name="Rectángulo 18">
             <a:extLst>
               <a:ext uri="{FF2B5EF4-FFF2-40B4-BE49-F238E27FC236}">
-                <a16:creationId xmlns:a16="http://schemas.microsoft.com/office/drawing/2014/main" id="{2D35D79D-51ED-4C3C-A26B-2AFA09B98240}"/>
+                <a16:creationId xmlns:a16="http://schemas.microsoft.com/office/drawing/2014/main" id="{93D0A458-3383-417F-A1C6-0C799012F6CF}"/>
               </a:ext>
             </a:extLst>
           </p:cNvPr>
@@ -24531,52 +25980,65 @@
           </a:xfrm>
         </p:spPr>
         <p:txBody>
-          <a:bodyPr/>
+          <a:bodyPr>
+            <a:normAutofit/>
+          </a:bodyPr>
           <a:lstStyle/>
           <a:p>
             <a:r>
               <a:rPr lang="es-ES" dirty="0"/>
-              <a:t>Encuesta de población activa</a:t>
-            </a:r>
-          </a:p>
-        </p:txBody>
-      </p:sp>
-      <p:pic>
-        <p:nvPicPr>
-          <p:cNvPr id="11" name="Imagen 10">
+              <a:t>Objetivos</a:t>
+            </a:r>
+          </a:p>
+        </p:txBody>
+      </p:sp>
+      <p:sp>
+        <p:nvSpPr>
+          <p:cNvPr id="11" name="Rectángulo 10">
             <a:extLst>
               <a:ext uri="{FF2B5EF4-FFF2-40B4-BE49-F238E27FC236}">
-                <a16:creationId xmlns:a16="http://schemas.microsoft.com/office/drawing/2014/main" id="{B3DA47E8-33AC-4F00-8C14-6F03F0C5C285}"/>
+                <a16:creationId xmlns:a16="http://schemas.microsoft.com/office/drawing/2014/main" id="{974242C8-7D53-4777-BAFD-D39AE36DB37A}"/>
               </a:ext>
             </a:extLst>
           </p:cNvPr>
-          <p:cNvPicPr>
-            <a:picLocks noChangeAspect="1"/>
-          </p:cNvPicPr>
+          <p:cNvSpPr/>
           <p:nvPr/>
-        </p:nvPicPr>
-        <p:blipFill>
-          <a:blip r:embed="rId3"/>
-          <a:stretch>
-            <a:fillRect/>
-          </a:stretch>
-        </p:blipFill>
+        </p:nvSpPr>
         <p:spPr>
           <a:xfrm>
-            <a:off x="3721796" y="1289604"/>
-            <a:ext cx="6499469" cy="4471125"/>
+            <a:off x="2438400" y="993762"/>
+            <a:ext cx="8521700" cy="461665"/>
           </a:xfrm>
           <a:prstGeom prst="rect">
             <a:avLst/>
           </a:prstGeom>
         </p:spPr>
-      </p:pic>
+        <p:txBody>
+          <a:bodyPr wrap="square">
+            <a:spAutoFit/>
+          </a:bodyPr>
+          <a:lstStyle/>
+          <a:p>
+            <a:pPr marL="285750" indent="-285750">
+              <a:spcBef>
+                <a:spcPts val="1800"/>
+              </a:spcBef>
+              <a:buFontTx/>
+              <a:buChar char="-"/>
+            </a:pPr>
+            <a:r>
+              <a:rPr lang="es-ES" sz="2400" dirty="0"/>
+              <a:t>Motivación: Facilitar el acceso a la información.</a:t>
+            </a:r>
+          </a:p>
+        </p:txBody>
+      </p:sp>
       <p:sp>
         <p:nvSpPr>
           <p:cNvPr id="10" name="Rectángulo 9">
             <a:extLst>
               <a:ext uri="{FF2B5EF4-FFF2-40B4-BE49-F238E27FC236}">
-                <a16:creationId xmlns:a16="http://schemas.microsoft.com/office/drawing/2014/main" id="{DC43B3C9-52A7-46C4-B5E7-EDD8E6E10F01}"/>
+                <a16:creationId xmlns:a16="http://schemas.microsoft.com/office/drawing/2014/main" id="{F72E42AB-F28D-48CD-867A-BA39DCBCA4B9}"/>
               </a:ext>
             </a:extLst>
           </p:cNvPr>
@@ -24625,10 +26087,10 @@
       </p:sp>
       <p:graphicFrame>
         <p:nvGraphicFramePr>
-          <p:cNvPr id="15" name="Tabla 14">
+          <p:cNvPr id="12" name="Tabla 11">
             <a:extLst>
               <a:ext uri="{FF2B5EF4-FFF2-40B4-BE49-F238E27FC236}">
-                <a16:creationId xmlns:a16="http://schemas.microsoft.com/office/drawing/2014/main" id="{6BF6D068-732B-4E05-8F5D-A3D4AC5F4FEF}"/>
+                <a16:creationId xmlns:a16="http://schemas.microsoft.com/office/drawing/2014/main" id="{8E30230A-A720-4D59-991C-B92A84641AEB}"/>
               </a:ext>
             </a:extLst>
           </p:cNvPr>
@@ -24754,10 +26216,10 @@
       </p:graphicFrame>
       <p:sp>
         <p:nvSpPr>
-          <p:cNvPr id="16" name="Rectángulo 15">
+          <p:cNvPr id="15" name="Rectángulo 14">
             <a:extLst>
               <a:ext uri="{FF2B5EF4-FFF2-40B4-BE49-F238E27FC236}">
-                <a16:creationId xmlns:a16="http://schemas.microsoft.com/office/drawing/2014/main" id="{D88C587A-89E8-4328-81E9-081899F07D73}"/>
+                <a16:creationId xmlns:a16="http://schemas.microsoft.com/office/drawing/2014/main" id="{B3361E7B-E9EB-4A84-B313-19B89D9BB65B}"/>
               </a:ext>
             </a:extLst>
           </p:cNvPr>
@@ -24935,10 +26397,10 @@
       </p:sp>
       <p:pic>
         <p:nvPicPr>
-          <p:cNvPr id="18" name="Picture 6" descr="Resultado de imagen de universidad de cádiz">
+          <p:cNvPr id="17" name="Picture 6" descr="Resultado de imagen de universidad de cádiz">
             <a:extLst>
               <a:ext uri="{FF2B5EF4-FFF2-40B4-BE49-F238E27FC236}">
-                <a16:creationId xmlns:a16="http://schemas.microsoft.com/office/drawing/2014/main" id="{67C05CE7-76D9-4446-97FA-E9F496730ECA}"/>
+                <a16:creationId xmlns:a16="http://schemas.microsoft.com/office/drawing/2014/main" id="{9CFE5ACB-A3AB-4673-9D97-968EC583EB7B}"/>
               </a:ext>
             </a:extLst>
           </p:cNvPr>
@@ -24948,7 +26410,7 @@
           <p:nvPr/>
         </p:nvPicPr>
         <p:blipFill>
-          <a:blip r:embed="rId4">
+          <a:blip r:embed="rId3">
             <a:extLst>
               <a:ext uri="{28A0092B-C50C-407E-A947-70E740481C1C}">
                 <a14:useLocalDpi xmlns:a14="http://schemas.microsoft.com/office/drawing/2010/main" val="0"/>
@@ -24982,10 +26444,10 @@
       </p:pic>
       <p:sp>
         <p:nvSpPr>
-          <p:cNvPr id="19" name="Título 1">
+          <p:cNvPr id="18" name="Título 1">
             <a:extLst>
               <a:ext uri="{FF2B5EF4-FFF2-40B4-BE49-F238E27FC236}">
-                <a16:creationId xmlns:a16="http://schemas.microsoft.com/office/drawing/2014/main" id="{00474DD2-19B7-4983-9732-1DFB0D0FF7DF}"/>
+                <a16:creationId xmlns:a16="http://schemas.microsoft.com/office/drawing/2014/main" id="{F436235B-FC80-4098-A2EA-2D0EFAC1369F}"/>
               </a:ext>
             </a:extLst>
           </p:cNvPr>
@@ -25041,10 +26503,139 @@
           </a:p>
         </p:txBody>
       </p:sp>
+      <p:sp>
+        <p:nvSpPr>
+          <p:cNvPr id="13" name="Rectángulo 12">
+            <a:extLst>
+              <a:ext uri="{FF2B5EF4-FFF2-40B4-BE49-F238E27FC236}">
+                <a16:creationId xmlns:a16="http://schemas.microsoft.com/office/drawing/2014/main" id="{60CE9BEE-3F25-484E-9169-C245C436D472}"/>
+              </a:ext>
+            </a:extLst>
+          </p:cNvPr>
+          <p:cNvSpPr/>
+          <p:nvPr/>
+        </p:nvSpPr>
+        <p:spPr>
+          <a:xfrm>
+            <a:off x="2438400" y="1609997"/>
+            <a:ext cx="8521700" cy="4324261"/>
+          </a:xfrm>
+          <a:prstGeom prst="rect">
+            <a:avLst/>
+          </a:prstGeom>
+        </p:spPr>
+        <p:txBody>
+          <a:bodyPr wrap="square">
+            <a:spAutoFit/>
+          </a:bodyPr>
+          <a:lstStyle/>
+          <a:p>
+            <a:pPr marL="285750" indent="-285750">
+              <a:spcBef>
+                <a:spcPts val="1800"/>
+              </a:spcBef>
+              <a:buFontTx/>
+              <a:buChar char="-"/>
+            </a:pPr>
+            <a:r>
+              <a:rPr lang="es-ES" sz="2400" dirty="0"/>
+              <a:t>Desarrollo de una herramienta que sirva como soporte para:</a:t>
+            </a:r>
+          </a:p>
+          <a:p>
+            <a:pPr marL="742950" lvl="1" indent="-285750">
+              <a:spcBef>
+                <a:spcPts val="600"/>
+              </a:spcBef>
+              <a:buFont typeface="Arial" panose="020B0604020202020204" pitchFamily="34" charset="0"/>
+              <a:buChar char="•"/>
+            </a:pPr>
+            <a:r>
+              <a:rPr lang="es-ES" sz="2400" dirty="0"/>
+              <a:t>Interpretar, almacenar, procesar y normalizar los datos</a:t>
+            </a:r>
+          </a:p>
+          <a:p>
+            <a:pPr marL="742950" lvl="1" indent="-285750">
+              <a:spcBef>
+                <a:spcPts val="600"/>
+              </a:spcBef>
+              <a:buFont typeface="Arial" panose="020B0604020202020204" pitchFamily="34" charset="0"/>
+              <a:buChar char="•"/>
+            </a:pPr>
+            <a:r>
+              <a:rPr lang="es-ES" sz="2400" dirty="0"/>
+              <a:t>Análisis exploratorio sobre los datos recogidos</a:t>
+            </a:r>
+          </a:p>
+          <a:p>
+            <a:pPr marL="742950" lvl="1" indent="-285750">
+              <a:spcBef>
+                <a:spcPts val="600"/>
+              </a:spcBef>
+              <a:buFont typeface="Arial" panose="020B0604020202020204" pitchFamily="34" charset="0"/>
+              <a:buChar char="•"/>
+            </a:pPr>
+            <a:r>
+              <a:rPr lang="es-ES" sz="2400" dirty="0"/>
+              <a:t>Aplicación de técnicas de aprendizaje computacional no supervisado, como clustering o reglas de asociación.</a:t>
+            </a:r>
+          </a:p>
+          <a:p>
+            <a:pPr marL="742950" lvl="1" indent="-285750">
+              <a:spcBef>
+                <a:spcPts val="600"/>
+              </a:spcBef>
+              <a:buFont typeface="Arial" panose="020B0604020202020204" pitchFamily="34" charset="0"/>
+              <a:buChar char="•"/>
+            </a:pPr>
+            <a:r>
+              <a:rPr lang="es-ES" sz="2400" dirty="0"/>
+              <a:t>Generación de informes</a:t>
+            </a:r>
+          </a:p>
+          <a:p>
+            <a:pPr marL="285750" indent="-285750">
+              <a:spcBef>
+                <a:spcPts val="1800"/>
+              </a:spcBef>
+              <a:buFontTx/>
+              <a:buChar char="-"/>
+            </a:pPr>
+            <a:r>
+              <a:rPr lang="es-ES" sz="2400" dirty="0"/>
+              <a:t>Base de datos actualizable</a:t>
+            </a:r>
+          </a:p>
+          <a:p>
+            <a:pPr marL="285750" indent="-285750">
+              <a:spcBef>
+                <a:spcPts val="1800"/>
+              </a:spcBef>
+              <a:buFontTx/>
+              <a:buChar char="-"/>
+            </a:pPr>
+            <a:r>
+              <a:rPr lang="es-ES" sz="2400" dirty="0"/>
+              <a:t>Interfaz en entorno web: atractiva, visual y amigable.</a:t>
+            </a:r>
+          </a:p>
+          <a:p>
+            <a:pPr marL="285750" indent="-285750">
+              <a:spcBef>
+                <a:spcPts val="1800"/>
+              </a:spcBef>
+              <a:buFontTx/>
+              <a:buChar char="-"/>
+            </a:pPr>
+            <a:endParaRPr lang="es-ES" dirty="0"/>
+          </a:p>
+        </p:txBody>
+      </p:sp>
     </p:spTree>
     <p:extLst>
       <p:ext uri="{BB962C8B-B14F-4D97-AF65-F5344CB8AC3E}">
-        <p14:creationId xmlns:p14="http://schemas.microsoft.com/office/powerpoint/2010/main" val="3454742898"/>
+        <p14:creationId xmlns:p14="http://schemas.microsoft.com/office/powerpoint/2010/main" val="3214579386"/>
       </p:ext>
     </p:extLst>
   </p:cSld>
@@ -25063,6 +26654,92 @@
       </p:transition>
     </mc:Fallback>
   </mc:AlternateContent>
+  <p:timing>
+    <p:tnLst>
+      <p:par>
+        <p:cTn id="1" dur="indefinite" restart="never" nodeType="tmRoot">
+          <p:childTnLst>
+            <p:seq concurrent="1" nextAc="seek">
+              <p:cTn id="2" dur="indefinite" nodeType="mainSeq">
+                <p:childTnLst>
+                  <p:par>
+                    <p:cTn id="3" fill="hold">
+                      <p:stCondLst>
+                        <p:cond delay="indefinite"/>
+                      </p:stCondLst>
+                      <p:childTnLst>
+                        <p:par>
+                          <p:cTn id="4" fill="hold">
+                            <p:stCondLst>
+                              <p:cond delay="0"/>
+                            </p:stCondLst>
+                            <p:childTnLst>
+                              <p:par>
+                                <p:cTn id="5" presetID="10" presetClass="entr" presetSubtype="0" fill="hold" grpId="0" nodeType="clickEffect">
+                                  <p:stCondLst>
+                                    <p:cond delay="0"/>
+                                  </p:stCondLst>
+                                  <p:childTnLst>
+                                    <p:set>
+                                      <p:cBhvr>
+                                        <p:cTn id="6" dur="1" fill="hold">
+                                          <p:stCondLst>
+                                            <p:cond delay="0"/>
+                                          </p:stCondLst>
+                                        </p:cTn>
+                                        <p:tgtEl>
+                                          <p:spTgt spid="13"/>
+                                        </p:tgtEl>
+                                        <p:attrNameLst>
+                                          <p:attrName>style.visibility</p:attrName>
+                                        </p:attrNameLst>
+                                      </p:cBhvr>
+                                      <p:to>
+                                        <p:strVal val="visible"/>
+                                      </p:to>
+                                    </p:set>
+                                    <p:animEffect transition="in" filter="fade">
+                                      <p:cBhvr>
+                                        <p:cTn id="7" dur="500"/>
+                                        <p:tgtEl>
+                                          <p:spTgt spid="13"/>
+                                        </p:tgtEl>
+                                      </p:cBhvr>
+                                    </p:animEffect>
+                                  </p:childTnLst>
+                                </p:cTn>
+                              </p:par>
+                            </p:childTnLst>
+                          </p:cTn>
+                        </p:par>
+                      </p:childTnLst>
+                    </p:cTn>
+                  </p:par>
+                </p:childTnLst>
+              </p:cTn>
+              <p:prevCondLst>
+                <p:cond evt="onPrev" delay="0">
+                  <p:tgtEl>
+                    <p:sldTgt/>
+                  </p:tgtEl>
+                </p:cond>
+              </p:prevCondLst>
+              <p:nextCondLst>
+                <p:cond evt="onNext" delay="0">
+                  <p:tgtEl>
+                    <p:sldTgt/>
+                  </p:tgtEl>
+                </p:cond>
+              </p:nextCondLst>
+            </p:seq>
+          </p:childTnLst>
+        </p:cTn>
+      </p:par>
+    </p:tnLst>
+    <p:bldLst>
+      <p:bldP spid="13" grpId="0"/>
+    </p:bldLst>
+  </p:timing>
 </p:sld>
 </file>
 
@@ -25085,10 +26762,10 @@
       </p:grpSpPr>
       <p:sp>
         <p:nvSpPr>
-          <p:cNvPr id="19" name="Rectángulo 18">
+          <p:cNvPr id="20" name="Rectángulo 19">
             <a:extLst>
               <a:ext uri="{FF2B5EF4-FFF2-40B4-BE49-F238E27FC236}">
-                <a16:creationId xmlns:a16="http://schemas.microsoft.com/office/drawing/2014/main" id="{5F70A7B2-69EA-4014-AEDE-0F8E8F5C3836}"/>
+                <a16:creationId xmlns:a16="http://schemas.microsoft.com/office/drawing/2014/main" id="{2D35D79D-51ED-4C3C-A26B-2AFA09B98240}"/>
               </a:ext>
             </a:extLst>
           </p:cNvPr>
@@ -25164,10 +26841,10 @@
       </p:sp>
       <p:pic>
         <p:nvPicPr>
-          <p:cNvPr id="3" name="Imagen 2">
+          <p:cNvPr id="11" name="Imagen 10">
             <a:extLst>
               <a:ext uri="{FF2B5EF4-FFF2-40B4-BE49-F238E27FC236}">
-                <a16:creationId xmlns:a16="http://schemas.microsoft.com/office/drawing/2014/main" id="{F4577A6F-2E79-4E7B-B255-1BFED77A8714}"/>
+                <a16:creationId xmlns:a16="http://schemas.microsoft.com/office/drawing/2014/main" id="{B3DA47E8-33AC-4F00-8C14-6F03F0C5C285}"/>
               </a:ext>
             </a:extLst>
           </p:cNvPr>
@@ -25176,16 +26853,15 @@
           </p:cNvPicPr>
           <p:nvPr/>
         </p:nvPicPr>
-        <p:blipFill>
+        <p:blipFill rotWithShape="1">
           <a:blip r:embed="rId3"/>
-          <a:stretch>
-            <a:fillRect/>
-          </a:stretch>
+          <a:srcRect t="-2444" b="21327"/>
+          <a:stretch/>
         </p:blipFill>
         <p:spPr>
           <a:xfrm>
-            <a:off x="4443955" y="1098564"/>
-            <a:ext cx="5046828" cy="4736761"/>
+            <a:off x="2743734" y="943812"/>
+            <a:ext cx="8490301" cy="4737798"/>
           </a:xfrm>
           <a:prstGeom prst="rect">
             <a:avLst/>
@@ -25197,7 +26873,7 @@
           <p:cNvPr id="10" name="Rectángulo 9">
             <a:extLst>
               <a:ext uri="{FF2B5EF4-FFF2-40B4-BE49-F238E27FC236}">
-                <a16:creationId xmlns:a16="http://schemas.microsoft.com/office/drawing/2014/main" id="{BD56EC65-BD02-4A70-B83F-62310DCD42BB}"/>
+                <a16:creationId xmlns:a16="http://schemas.microsoft.com/office/drawing/2014/main" id="{DC43B3C9-52A7-46C4-B5E7-EDD8E6E10F01}"/>
               </a:ext>
             </a:extLst>
           </p:cNvPr>
@@ -25246,10 +26922,10 @@
       </p:sp>
       <p:graphicFrame>
         <p:nvGraphicFramePr>
-          <p:cNvPr id="11" name="Tabla 10">
+          <p:cNvPr id="15" name="Tabla 14">
             <a:extLst>
               <a:ext uri="{FF2B5EF4-FFF2-40B4-BE49-F238E27FC236}">
-                <a16:creationId xmlns:a16="http://schemas.microsoft.com/office/drawing/2014/main" id="{8F804D16-0E55-43BF-8B5E-BB77162D921F}"/>
+                <a16:creationId xmlns:a16="http://schemas.microsoft.com/office/drawing/2014/main" id="{6BF6D068-732B-4E05-8F5D-A3D4AC5F4FEF}"/>
               </a:ext>
             </a:extLst>
           </p:cNvPr>
@@ -25375,10 +27051,10 @@
       </p:graphicFrame>
       <p:sp>
         <p:nvSpPr>
-          <p:cNvPr id="15" name="Rectángulo 14">
+          <p:cNvPr id="16" name="Rectángulo 15">
             <a:extLst>
               <a:ext uri="{FF2B5EF4-FFF2-40B4-BE49-F238E27FC236}">
-                <a16:creationId xmlns:a16="http://schemas.microsoft.com/office/drawing/2014/main" id="{785D2D2F-221C-4EDF-A67B-725E6828710E}"/>
+                <a16:creationId xmlns:a16="http://schemas.microsoft.com/office/drawing/2014/main" id="{D88C587A-89E8-4328-81E9-081899F07D73}"/>
               </a:ext>
             </a:extLst>
           </p:cNvPr>
@@ -25556,10 +27232,10 @@
       </p:sp>
       <p:pic>
         <p:nvPicPr>
-          <p:cNvPr id="16" name="Picture 6" descr="Resultado de imagen de universidad de cádiz">
+          <p:cNvPr id="18" name="Picture 6" descr="Resultado de imagen de universidad de cádiz">
             <a:extLst>
               <a:ext uri="{FF2B5EF4-FFF2-40B4-BE49-F238E27FC236}">
-                <a16:creationId xmlns:a16="http://schemas.microsoft.com/office/drawing/2014/main" id="{F68FBD5A-0051-4D71-A988-1784117F67FF}"/>
+                <a16:creationId xmlns:a16="http://schemas.microsoft.com/office/drawing/2014/main" id="{67C05CE7-76D9-4446-97FA-E9F496730ECA}"/>
               </a:ext>
             </a:extLst>
           </p:cNvPr>
@@ -25603,10 +27279,10 @@
       </p:pic>
       <p:sp>
         <p:nvSpPr>
-          <p:cNvPr id="18" name="Título 1">
+          <p:cNvPr id="19" name="Título 1">
             <a:extLst>
               <a:ext uri="{FF2B5EF4-FFF2-40B4-BE49-F238E27FC236}">
-                <a16:creationId xmlns:a16="http://schemas.microsoft.com/office/drawing/2014/main" id="{56B26AA5-3C69-4AA6-91EE-6B5C27C34FF1}"/>
+                <a16:creationId xmlns:a16="http://schemas.microsoft.com/office/drawing/2014/main" id="{00474DD2-19B7-4983-9732-1DFB0D0FF7DF}"/>
               </a:ext>
             </a:extLst>
           </p:cNvPr>
@@ -25665,7 +27341,7 @@
     </p:spTree>
     <p:extLst>
       <p:ext uri="{BB962C8B-B14F-4D97-AF65-F5344CB8AC3E}">
-        <p14:creationId xmlns:p14="http://schemas.microsoft.com/office/powerpoint/2010/main" val="33021235"/>
+        <p14:creationId xmlns:p14="http://schemas.microsoft.com/office/powerpoint/2010/main" val="3454742898"/>
       </p:ext>
     </p:extLst>
   </p:cSld>
@@ -25706,10 +27382,10 @@
       </p:grpSpPr>
       <p:sp>
         <p:nvSpPr>
-          <p:cNvPr id="20" name="Rectángulo 19">
+          <p:cNvPr id="19" name="Rectángulo 18">
             <a:extLst>
               <a:ext uri="{FF2B5EF4-FFF2-40B4-BE49-F238E27FC236}">
-                <a16:creationId xmlns:a16="http://schemas.microsoft.com/office/drawing/2014/main" id="{385E04E9-A2C2-4539-8A82-71FB24A5FB10}"/>
+                <a16:creationId xmlns:a16="http://schemas.microsoft.com/office/drawing/2014/main" id="{5F70A7B2-69EA-4014-AEDE-0F8E8F5C3836}"/>
               </a:ext>
             </a:extLst>
           </p:cNvPr>
@@ -25785,10 +27461,10 @@
       </p:sp>
       <p:pic>
         <p:nvPicPr>
-          <p:cNvPr id="12" name="Imagen 11">
+          <p:cNvPr id="3" name="Imagen 2">
             <a:extLst>
               <a:ext uri="{FF2B5EF4-FFF2-40B4-BE49-F238E27FC236}">
-                <a16:creationId xmlns:a16="http://schemas.microsoft.com/office/drawing/2014/main" id="{6D62F2C1-8F2C-4AAC-87F1-9BC8B3E74173}"/>
+                <a16:creationId xmlns:a16="http://schemas.microsoft.com/office/drawing/2014/main" id="{F4577A6F-2E79-4E7B-B255-1BFED77A8714}"/>
               </a:ext>
             </a:extLst>
           </p:cNvPr>
@@ -25797,31 +27473,19 @@
           </p:cNvPicPr>
           <p:nvPr/>
         </p:nvPicPr>
-        <p:blipFill>
-          <a:blip r:embed="rId3">
-            <a:extLst>
-              <a:ext uri="{28A0092B-C50C-407E-A947-70E740481C1C}">
-                <a14:useLocalDpi xmlns:a14="http://schemas.microsoft.com/office/drawing/2010/main" val="0"/>
-              </a:ext>
-            </a:extLst>
-          </a:blip>
-          <a:srcRect/>
-          <a:stretch>
-            <a:fillRect/>
-          </a:stretch>
+        <p:blipFill rotWithShape="1">
+          <a:blip r:embed="rId3"/>
+          <a:srcRect b="31129"/>
+          <a:stretch/>
         </p:blipFill>
-        <p:spPr bwMode="auto">
-          <a:xfrm>
-            <a:off x="3724601" y="1322459"/>
-            <a:ext cx="6486311" cy="4281207"/>
+        <p:spPr>
+          <a:xfrm>
+            <a:off x="3449748" y="1234213"/>
+            <a:ext cx="7035259" cy="4547501"/>
           </a:xfrm>
           <a:prstGeom prst="rect">
             <a:avLst/>
           </a:prstGeom>
-          <a:noFill/>
-          <a:ln>
-            <a:noFill/>
-          </a:ln>
         </p:spPr>
       </p:pic>
       <p:sp>
@@ -25829,7 +27493,7 @@
           <p:cNvPr id="10" name="Rectángulo 9">
             <a:extLst>
               <a:ext uri="{FF2B5EF4-FFF2-40B4-BE49-F238E27FC236}">
-                <a16:creationId xmlns:a16="http://schemas.microsoft.com/office/drawing/2014/main" id="{E61AF71F-1254-4749-A2F8-89C01E3143E8}"/>
+                <a16:creationId xmlns:a16="http://schemas.microsoft.com/office/drawing/2014/main" id="{BD56EC65-BD02-4A70-B83F-62310DCD42BB}"/>
               </a:ext>
             </a:extLst>
           </p:cNvPr>
@@ -25878,10 +27542,10 @@
       </p:sp>
       <p:graphicFrame>
         <p:nvGraphicFramePr>
-          <p:cNvPr id="15" name="Tabla 14">
+          <p:cNvPr id="11" name="Tabla 10">
             <a:extLst>
               <a:ext uri="{FF2B5EF4-FFF2-40B4-BE49-F238E27FC236}">
-                <a16:creationId xmlns:a16="http://schemas.microsoft.com/office/drawing/2014/main" id="{3B4D4509-E467-452B-9923-1D8A0D4886DA}"/>
+                <a16:creationId xmlns:a16="http://schemas.microsoft.com/office/drawing/2014/main" id="{8F804D16-0E55-43BF-8B5E-BB77162D921F}"/>
               </a:ext>
             </a:extLst>
           </p:cNvPr>
@@ -26007,10 +27671,10 @@
       </p:graphicFrame>
       <p:sp>
         <p:nvSpPr>
-          <p:cNvPr id="17" name="Rectángulo 16">
+          <p:cNvPr id="15" name="Rectángulo 14">
             <a:extLst>
               <a:ext uri="{FF2B5EF4-FFF2-40B4-BE49-F238E27FC236}">
-                <a16:creationId xmlns:a16="http://schemas.microsoft.com/office/drawing/2014/main" id="{5EC8B7CE-FBFA-434C-A092-21900A4D86D6}"/>
+                <a16:creationId xmlns:a16="http://schemas.microsoft.com/office/drawing/2014/main" id="{785D2D2F-221C-4EDF-A67B-725E6828710E}"/>
               </a:ext>
             </a:extLst>
           </p:cNvPr>
@@ -26188,10 +27852,10 @@
       </p:sp>
       <p:pic>
         <p:nvPicPr>
-          <p:cNvPr id="18" name="Picture 6" descr="Resultado de imagen de universidad de cádiz">
+          <p:cNvPr id="16" name="Picture 6" descr="Resultado de imagen de universidad de cádiz">
             <a:extLst>
               <a:ext uri="{FF2B5EF4-FFF2-40B4-BE49-F238E27FC236}">
-                <a16:creationId xmlns:a16="http://schemas.microsoft.com/office/drawing/2014/main" id="{81CF7D27-F963-46A8-ACB3-DAD486BB821C}"/>
+                <a16:creationId xmlns:a16="http://schemas.microsoft.com/office/drawing/2014/main" id="{F68FBD5A-0051-4D71-A988-1784117F67FF}"/>
               </a:ext>
             </a:extLst>
           </p:cNvPr>
@@ -26235,10 +27899,10 @@
       </p:pic>
       <p:sp>
         <p:nvSpPr>
-          <p:cNvPr id="19" name="Título 1">
+          <p:cNvPr id="18" name="Título 1">
             <a:extLst>
               <a:ext uri="{FF2B5EF4-FFF2-40B4-BE49-F238E27FC236}">
-                <a16:creationId xmlns:a16="http://schemas.microsoft.com/office/drawing/2014/main" id="{676914FE-7068-4DA1-8912-F9D41B697AEC}"/>
+                <a16:creationId xmlns:a16="http://schemas.microsoft.com/office/drawing/2014/main" id="{56B26AA5-3C69-4AA6-91EE-6B5C27C34FF1}"/>
               </a:ext>
             </a:extLst>
           </p:cNvPr>
@@ -26297,7 +27961,7 @@
     </p:spTree>
     <p:extLst>
       <p:ext uri="{BB962C8B-B14F-4D97-AF65-F5344CB8AC3E}">
-        <p14:creationId xmlns:p14="http://schemas.microsoft.com/office/powerpoint/2010/main" val="2777833868"/>
+        <p14:creationId xmlns:p14="http://schemas.microsoft.com/office/powerpoint/2010/main" val="33021235"/>
       </p:ext>
     </p:extLst>
   </p:cSld>
@@ -26338,10 +28002,10 @@
       </p:grpSpPr>
       <p:sp>
         <p:nvSpPr>
-          <p:cNvPr id="19" name="Rectángulo 18">
+          <p:cNvPr id="20" name="Rectángulo 19">
             <a:extLst>
               <a:ext uri="{FF2B5EF4-FFF2-40B4-BE49-F238E27FC236}">
-                <a16:creationId xmlns:a16="http://schemas.microsoft.com/office/drawing/2014/main" id="{93D0A458-3383-417F-A1C6-0C799012F6CF}"/>
+                <a16:creationId xmlns:a16="http://schemas.microsoft.com/office/drawing/2014/main" id="{4880209F-0073-4529-952C-7054B2D13962}"/>
               </a:ext>
             </a:extLst>
           </p:cNvPr>
@@ -26412,159 +28076,58 @@
           <a:p>
             <a:r>
               <a:rPr lang="es-ES" dirty="0"/>
-              <a:t>Objetivos</a:t>
-            </a:r>
-          </a:p>
-        </p:txBody>
-      </p:sp>
-      <p:sp>
-        <p:nvSpPr>
-          <p:cNvPr id="11" name="Rectángulo 10">
+              <a:t>Metodología de desarrollo</a:t>
+            </a:r>
+          </a:p>
+        </p:txBody>
+      </p:sp>
+      <p:pic>
+        <p:nvPicPr>
+          <p:cNvPr id="12" name="Imagen 11" descr="http://3.bp.blogspot.com/-ODVA-vjGrKU/VCD0aPHTrlI/AAAAAAAAAF8/cQ6kgjSO8Xc/s1600/Modelo%2BIterativo.png">
             <a:extLst>
               <a:ext uri="{FF2B5EF4-FFF2-40B4-BE49-F238E27FC236}">
-                <a16:creationId xmlns:a16="http://schemas.microsoft.com/office/drawing/2014/main" id="{974242C8-7D53-4777-BAFD-D39AE36DB37A}"/>
+                <a16:creationId xmlns:a16="http://schemas.microsoft.com/office/drawing/2014/main" id="{B70E04E2-3808-41D5-8434-113EE5C7CE42}"/>
               </a:ext>
             </a:extLst>
           </p:cNvPr>
-          <p:cNvSpPr/>
+          <p:cNvPicPr>
+            <a:picLocks noChangeAspect="1"/>
+          </p:cNvPicPr>
           <p:nvPr/>
-        </p:nvSpPr>
-        <p:spPr>
-          <a:xfrm>
-            <a:off x="2438400" y="993762"/>
-            <a:ext cx="8521700" cy="4370427"/>
+        </p:nvPicPr>
+        <p:blipFill>
+          <a:blip r:embed="rId3">
+            <a:extLst>
+              <a:ext uri="{28A0092B-C50C-407E-A947-70E740481C1C}">
+                <a14:useLocalDpi xmlns:a14="http://schemas.microsoft.com/office/drawing/2010/main" val="0"/>
+              </a:ext>
+            </a:extLst>
+          </a:blip>
+          <a:srcRect/>
+          <a:stretch>
+            <a:fillRect/>
+          </a:stretch>
+        </p:blipFill>
+        <p:spPr bwMode="auto">
+          <a:xfrm>
+            <a:off x="1976278" y="1596408"/>
+            <a:ext cx="9982200" cy="3411765"/>
           </a:xfrm>
           <a:prstGeom prst="rect">
             <a:avLst/>
           </a:prstGeom>
-        </p:spPr>
-        <p:txBody>
-          <a:bodyPr wrap="square">
-            <a:spAutoFit/>
-          </a:bodyPr>
-          <a:lstStyle/>
-          <a:p>
-            <a:pPr marL="285750" indent="-285750">
-              <a:spcBef>
-                <a:spcPts val="1800"/>
-              </a:spcBef>
-              <a:buFontTx/>
-              <a:buChar char="-"/>
-            </a:pPr>
-            <a:r>
-              <a:rPr lang="es-ES" dirty="0"/>
-              <a:t>Desarrollo de una herramienta que sirva como soporte para:</a:t>
-            </a:r>
-          </a:p>
-          <a:p>
-            <a:pPr marL="742950" lvl="1" indent="-285750">
-              <a:spcBef>
-                <a:spcPts val="600"/>
-              </a:spcBef>
-              <a:buFont typeface="Arial" panose="020B0604020202020204" pitchFamily="34" charset="0"/>
-              <a:buChar char="•"/>
-            </a:pPr>
-            <a:r>
-              <a:rPr lang="es-ES" dirty="0"/>
-              <a:t>Interpretar, almacenar, procesar y normalizar los datos</a:t>
-            </a:r>
-          </a:p>
-          <a:p>
-            <a:pPr marL="742950" lvl="1" indent="-285750">
-              <a:spcBef>
-                <a:spcPts val="600"/>
-              </a:spcBef>
-              <a:buFont typeface="Arial" panose="020B0604020202020204" pitchFamily="34" charset="0"/>
-              <a:buChar char="•"/>
-            </a:pPr>
-            <a:r>
-              <a:rPr lang="es-ES" dirty="0"/>
-              <a:t>Análisis exploratorio sobre los datos recogidos</a:t>
-            </a:r>
-          </a:p>
-          <a:p>
-            <a:pPr marL="742950" lvl="1" indent="-285750">
-              <a:spcBef>
-                <a:spcPts val="600"/>
-              </a:spcBef>
-              <a:buFont typeface="Arial" panose="020B0604020202020204" pitchFamily="34" charset="0"/>
-              <a:buChar char="•"/>
-            </a:pPr>
-            <a:r>
-              <a:rPr lang="es-ES" dirty="0"/>
-              <a:t>Aplicación de técnicas de aprendizaje computacional no supervisado, como clustering o reglas de asociación.</a:t>
-            </a:r>
-          </a:p>
-          <a:p>
-            <a:pPr marL="742950" lvl="1" indent="-285750">
-              <a:spcBef>
-                <a:spcPts val="600"/>
-              </a:spcBef>
-              <a:buFont typeface="Arial" panose="020B0604020202020204" pitchFamily="34" charset="0"/>
-              <a:buChar char="•"/>
-            </a:pPr>
-            <a:r>
-              <a:rPr lang="es-ES" dirty="0"/>
-              <a:t>Generación de informes</a:t>
-            </a:r>
-          </a:p>
-          <a:p>
-            <a:pPr marL="285750" indent="-285750">
-              <a:spcBef>
-                <a:spcPts val="1800"/>
-              </a:spcBef>
-              <a:buFontTx/>
-              <a:buChar char="-"/>
-            </a:pPr>
-            <a:r>
-              <a:rPr lang="es-ES" dirty="0"/>
-              <a:t>Base de datos actualizable con la información trimestral de cada ejercicio, obtenida del repositorio oficial de la EPA.</a:t>
-            </a:r>
-          </a:p>
-          <a:p>
-            <a:pPr marL="285750" indent="-285750">
-              <a:spcBef>
-                <a:spcPts val="1800"/>
-              </a:spcBef>
-              <a:buFontTx/>
-              <a:buChar char="-"/>
-            </a:pPr>
-            <a:r>
-              <a:rPr lang="es-ES" dirty="0"/>
-              <a:t>Interfaz de usuario debe ser atractiva, visual y amigable.</a:t>
-            </a:r>
-          </a:p>
-          <a:p>
-            <a:pPr marL="285750" indent="-285750">
-              <a:spcBef>
-                <a:spcPts val="1800"/>
-              </a:spcBef>
-              <a:buFontTx/>
-              <a:buChar char="-"/>
-            </a:pPr>
-            <a:r>
-              <a:rPr lang="es-ES" dirty="0"/>
-              <a:t>Basada en un entorno web.</a:t>
-            </a:r>
-          </a:p>
-          <a:p>
-            <a:pPr marL="285750" indent="-285750">
-              <a:spcBef>
-                <a:spcPts val="1800"/>
-              </a:spcBef>
-              <a:buFontTx/>
-              <a:buChar char="-"/>
-            </a:pPr>
-            <a:endParaRPr lang="es-ES" dirty="0"/>
-          </a:p>
-        </p:txBody>
-      </p:sp>
+          <a:noFill/>
+          <a:ln>
+            <a:noFill/>
+          </a:ln>
+        </p:spPr>
+      </p:pic>
       <p:sp>
         <p:nvSpPr>
           <p:cNvPr id="10" name="Rectángulo 9">
             <a:extLst>
               <a:ext uri="{FF2B5EF4-FFF2-40B4-BE49-F238E27FC236}">
-                <a16:creationId xmlns:a16="http://schemas.microsoft.com/office/drawing/2014/main" id="{F72E42AB-F28D-48CD-867A-BA39DCBCA4B9}"/>
+                <a16:creationId xmlns:a16="http://schemas.microsoft.com/office/drawing/2014/main" id="{BC60AC0D-4196-43F8-9BC3-1CBB0A77BF95}"/>
               </a:ext>
             </a:extLst>
           </p:cNvPr>
@@ -26613,10 +28176,10 @@
       </p:sp>
       <p:graphicFrame>
         <p:nvGraphicFramePr>
-          <p:cNvPr id="12" name="Tabla 11">
+          <p:cNvPr id="15" name="Tabla 14">
             <a:extLst>
               <a:ext uri="{FF2B5EF4-FFF2-40B4-BE49-F238E27FC236}">
-                <a16:creationId xmlns:a16="http://schemas.microsoft.com/office/drawing/2014/main" id="{8E30230A-A720-4D59-991C-B92A84641AEB}"/>
+                <a16:creationId xmlns:a16="http://schemas.microsoft.com/office/drawing/2014/main" id="{4E42434B-C29D-4CA6-913B-EF6D13D4550E}"/>
               </a:ext>
             </a:extLst>
           </p:cNvPr>
@@ -26742,10 +28305,10 @@
       </p:graphicFrame>
       <p:sp>
         <p:nvSpPr>
-          <p:cNvPr id="15" name="Rectángulo 14">
+          <p:cNvPr id="17" name="Rectángulo 16">
             <a:extLst>
               <a:ext uri="{FF2B5EF4-FFF2-40B4-BE49-F238E27FC236}">
-                <a16:creationId xmlns:a16="http://schemas.microsoft.com/office/drawing/2014/main" id="{B3361E7B-E9EB-4A84-B313-19B89D9BB65B}"/>
+                <a16:creationId xmlns:a16="http://schemas.microsoft.com/office/drawing/2014/main" id="{B7EE39FB-39EF-48BB-9C5E-D290753140BA}"/>
               </a:ext>
             </a:extLst>
           </p:cNvPr>
@@ -26923,10 +28486,10 @@
       </p:sp>
       <p:pic>
         <p:nvPicPr>
-          <p:cNvPr id="17" name="Picture 6" descr="Resultado de imagen de universidad de cádiz">
+          <p:cNvPr id="18" name="Picture 6" descr="Resultado de imagen de universidad de cádiz">
             <a:extLst>
               <a:ext uri="{FF2B5EF4-FFF2-40B4-BE49-F238E27FC236}">
-                <a16:creationId xmlns:a16="http://schemas.microsoft.com/office/drawing/2014/main" id="{9CFE5ACB-A3AB-4673-9D97-968EC583EB7B}"/>
+                <a16:creationId xmlns:a16="http://schemas.microsoft.com/office/drawing/2014/main" id="{7517955D-E128-4CEE-B04B-EEBDCF3F241A}"/>
               </a:ext>
             </a:extLst>
           </p:cNvPr>
@@ -26936,7 +28499,7 @@
           <p:nvPr/>
         </p:nvPicPr>
         <p:blipFill>
-          <a:blip r:embed="rId3">
+          <a:blip r:embed="rId4">
             <a:extLst>
               <a:ext uri="{28A0092B-C50C-407E-A947-70E740481C1C}">
                 <a14:useLocalDpi xmlns:a14="http://schemas.microsoft.com/office/drawing/2010/main" val="0"/>
@@ -26970,10 +28533,10 @@
       </p:pic>
       <p:sp>
         <p:nvSpPr>
-          <p:cNvPr id="18" name="Título 1">
+          <p:cNvPr id="19" name="Título 1">
             <a:extLst>
               <a:ext uri="{FF2B5EF4-FFF2-40B4-BE49-F238E27FC236}">
-                <a16:creationId xmlns:a16="http://schemas.microsoft.com/office/drawing/2014/main" id="{F436235B-FC80-4098-A2EA-2D0EFAC1369F}"/>
+                <a16:creationId xmlns:a16="http://schemas.microsoft.com/office/drawing/2014/main" id="{08CC3965-11FA-4987-866C-90A746D57BBB}"/>
               </a:ext>
             </a:extLst>
           </p:cNvPr>
@@ -27032,7 +28595,7 @@
     </p:spTree>
     <p:extLst>
       <p:ext uri="{BB962C8B-B14F-4D97-AF65-F5344CB8AC3E}">
-        <p14:creationId xmlns:p14="http://schemas.microsoft.com/office/powerpoint/2010/main" val="3214579386"/>
+        <p14:creationId xmlns:p14="http://schemas.microsoft.com/office/powerpoint/2010/main" val="3774586064"/>
       </p:ext>
     </p:extLst>
   </p:cSld>
@@ -27076,7 +28639,7 @@
           <p:cNvPr id="20" name="Rectángulo 19">
             <a:extLst>
               <a:ext uri="{FF2B5EF4-FFF2-40B4-BE49-F238E27FC236}">
-                <a16:creationId xmlns:a16="http://schemas.microsoft.com/office/drawing/2014/main" id="{4880209F-0073-4529-952C-7054B2D13962}"/>
+                <a16:creationId xmlns:a16="http://schemas.microsoft.com/office/drawing/2014/main" id="{F72260E3-2C1B-4ABC-9B85-7B7224D01AB6}"/>
               </a:ext>
             </a:extLst>
           </p:cNvPr>
@@ -27147,17 +28710,17 @@
           <a:p>
             <a:r>
               <a:rPr lang="es-ES" dirty="0"/>
-              <a:t>Metodología de desarrollo</a:t>
+              <a:t>ETAPAS DE DESARROLLO</a:t>
             </a:r>
           </a:p>
         </p:txBody>
       </p:sp>
       <p:pic>
         <p:nvPicPr>
-          <p:cNvPr id="12" name="Imagen 11" descr="http://3.bp.blogspot.com/-ODVA-vjGrKU/VCD0aPHTrlI/AAAAAAAAAF8/cQ6kgjSO8Xc/s1600/Modelo%2BIterativo.png">
+          <p:cNvPr id="15" name="Imagen 14">
             <a:extLst>
               <a:ext uri="{FF2B5EF4-FFF2-40B4-BE49-F238E27FC236}">
-                <a16:creationId xmlns:a16="http://schemas.microsoft.com/office/drawing/2014/main" id="{B70E04E2-3808-41D5-8434-113EE5C7CE42}"/>
+                <a16:creationId xmlns:a16="http://schemas.microsoft.com/office/drawing/2014/main" id="{2EF9A8BF-3178-4296-ACD8-4DE4B9A3F0CE}"/>
               </a:ext>
             </a:extLst>
           </p:cNvPr>
@@ -27181,8 +28744,8 @@
         </p:blipFill>
         <p:spPr bwMode="auto">
           <a:xfrm>
-            <a:off x="1976278" y="1596408"/>
-            <a:ext cx="9982200" cy="3411765"/>
+            <a:off x="3557195" y="1265336"/>
+            <a:ext cx="6694866" cy="4431477"/>
           </a:xfrm>
           <a:prstGeom prst="rect">
             <a:avLst/>
@@ -27198,7 +28761,7 @@
           <p:cNvPr id="10" name="Rectángulo 9">
             <a:extLst>
               <a:ext uri="{FF2B5EF4-FFF2-40B4-BE49-F238E27FC236}">
-                <a16:creationId xmlns:a16="http://schemas.microsoft.com/office/drawing/2014/main" id="{BC60AC0D-4196-43F8-9BC3-1CBB0A77BF95}"/>
+                <a16:creationId xmlns:a16="http://schemas.microsoft.com/office/drawing/2014/main" id="{6EA308CA-9C3C-4659-B1AB-0C6BF0F780BC}"/>
               </a:ext>
             </a:extLst>
           </p:cNvPr>
@@ -27247,10 +28810,10 @@
       </p:sp>
       <p:graphicFrame>
         <p:nvGraphicFramePr>
-          <p:cNvPr id="15" name="Tabla 14">
+          <p:cNvPr id="12" name="Tabla 11">
             <a:extLst>
               <a:ext uri="{FF2B5EF4-FFF2-40B4-BE49-F238E27FC236}">
-                <a16:creationId xmlns:a16="http://schemas.microsoft.com/office/drawing/2014/main" id="{4E42434B-C29D-4CA6-913B-EF6D13D4550E}"/>
+                <a16:creationId xmlns:a16="http://schemas.microsoft.com/office/drawing/2014/main" id="{B910092A-A255-4547-BB17-E12335125EAB}"/>
               </a:ext>
             </a:extLst>
           </p:cNvPr>
@@ -27379,7 +28942,7 @@
           <p:cNvPr id="17" name="Rectángulo 16">
             <a:extLst>
               <a:ext uri="{FF2B5EF4-FFF2-40B4-BE49-F238E27FC236}">
-                <a16:creationId xmlns:a16="http://schemas.microsoft.com/office/drawing/2014/main" id="{B7EE39FB-39EF-48BB-9C5E-D290753140BA}"/>
+                <a16:creationId xmlns:a16="http://schemas.microsoft.com/office/drawing/2014/main" id="{3B661DBB-4EB7-4290-A777-D5705EBD8A0F}"/>
               </a:ext>
             </a:extLst>
           </p:cNvPr>
@@ -27560,7 +29123,7 @@
           <p:cNvPr id="18" name="Picture 6" descr="Resultado de imagen de universidad de cádiz">
             <a:extLst>
               <a:ext uri="{FF2B5EF4-FFF2-40B4-BE49-F238E27FC236}">
-                <a16:creationId xmlns:a16="http://schemas.microsoft.com/office/drawing/2014/main" id="{7517955D-E128-4CEE-B04B-EEBDCF3F241A}"/>
+                <a16:creationId xmlns:a16="http://schemas.microsoft.com/office/drawing/2014/main" id="{235394A8-7844-4EC3-9194-3553A9D21F88}"/>
               </a:ext>
             </a:extLst>
           </p:cNvPr>
@@ -27607,7 +29170,7 @@
           <p:cNvPr id="19" name="Título 1">
             <a:extLst>
               <a:ext uri="{FF2B5EF4-FFF2-40B4-BE49-F238E27FC236}">
-                <a16:creationId xmlns:a16="http://schemas.microsoft.com/office/drawing/2014/main" id="{08CC3965-11FA-4987-866C-90A746D57BBB}"/>
+                <a16:creationId xmlns:a16="http://schemas.microsoft.com/office/drawing/2014/main" id="{7BE2A2EC-6709-4A86-B953-2E1A90440F67}"/>
               </a:ext>
             </a:extLst>
           </p:cNvPr>
@@ -27666,7 +29229,7 @@
     </p:spTree>
     <p:extLst>
       <p:ext uri="{BB962C8B-B14F-4D97-AF65-F5344CB8AC3E}">
-        <p14:creationId xmlns:p14="http://schemas.microsoft.com/office/powerpoint/2010/main" val="3774586064"/>
+        <p14:creationId xmlns:p14="http://schemas.microsoft.com/office/powerpoint/2010/main" val="1682788456"/>
       </p:ext>
     </p:extLst>
   </p:cSld>

--- a/mem/presentacion.pptx
+++ b/mem/presentacion.pptx
@@ -256,7 +256,7 @@
           <a:p>
             <a:fld id="{CC2DD168-CD50-4286-8441-9D660E02632E}" type="datetimeFigureOut">
               <a:rPr lang="es-ES" smtClean="0"/>
-              <a:t>27/09/2017</a:t>
+              <a:t>28/09/2017</a:t>
             </a:fld>
             <a:endParaRPr lang="es-ES" dirty="0"/>
           </a:p>
@@ -421,7 +421,7 @@
           <a:p>
             <a:fld id="{29785892-479F-4DA1-837F-2BFA7E37E9AD}" type="datetimeFigureOut">
               <a:rPr lang="es-ES" smtClean="0"/>
-              <a:t>27/09/2017</a:t>
+              <a:t>28/09/2017</a:t>
             </a:fld>
             <a:endParaRPr lang="es-ES" dirty="0"/>
           </a:p>
@@ -5018,7 +5018,7 @@
           <a:p>
             <a:fld id="{ECD19FB2-3AAB-4D03-B13A-2960828C78E3}" type="datetimeFigureOut">
               <a:rPr lang="en-US" smtClean="0"/>
-              <a:t>9/27/2017</a:t>
+              <a:t>9/28/2017</a:t>
             </a:fld>
             <a:endParaRPr lang="en-US" dirty="0"/>
           </a:p>
@@ -5384,7 +5384,7 @@
           <a:p>
             <a:fld id="{1B80C674-7DFC-42FE-B9CD-82963CDB1557}" type="datetimeFigureOut">
               <a:rPr lang="en-US" smtClean="0"/>
-              <a:t>9/27/2017</a:t>
+              <a:t>9/28/2017</a:t>
             </a:fld>
             <a:endParaRPr lang="en-US" dirty="0"/>
           </a:p>
@@ -5659,7 +5659,7 @@
           <a:p>
             <a:fld id="{2076456F-F47D-4F25-8053-2A695DA0CA7D}" type="datetimeFigureOut">
               <a:rPr lang="en-US" smtClean="0"/>
-              <a:t>9/27/2017</a:t>
+              <a:t>9/28/2017</a:t>
             </a:fld>
             <a:endParaRPr lang="en-US" dirty="0"/>
           </a:p>
@@ -6003,7 +6003,7 @@
           <a:p>
             <a:fld id="{5D6C7379-69CC-4837-9905-BEBA22830C8A}" type="datetimeFigureOut">
               <a:rPr lang="en-US" smtClean="0"/>
-              <a:t>9/27/2017</a:t>
+              <a:t>9/28/2017</a:t>
             </a:fld>
             <a:endParaRPr lang="en-US" dirty="0"/>
           </a:p>
@@ -6510,7 +6510,7 @@
           <a:p>
             <a:fld id="{49EB8B7E-8AEE-4F10-BFEE-C999AD004D36}" type="datetimeFigureOut">
               <a:rPr lang="en-US" smtClean="0"/>
-              <a:t>9/27/2017</a:t>
+              <a:t>9/28/2017</a:t>
             </a:fld>
             <a:endParaRPr lang="en-US" dirty="0"/>
           </a:p>
@@ -7139,7 +7139,7 @@
           <a:p>
             <a:fld id="{8668F3F9-58BC-440B-B37B-805B9055EF92}" type="datetimeFigureOut">
               <a:rPr lang="en-US" smtClean="0"/>
-              <a:t>9/27/2017</a:t>
+              <a:t>9/28/2017</a:t>
             </a:fld>
             <a:endParaRPr lang="en-US" dirty="0"/>
           </a:p>
@@ -8044,7 +8044,7 @@
           <a:p>
             <a:fld id="{0D5A53AF-48EA-489D-8260-9DCAB666386A}" type="datetimeFigureOut">
               <a:rPr lang="en-US" smtClean="0"/>
-              <a:t>9/27/2017</a:t>
+              <a:t>9/28/2017</a:t>
             </a:fld>
             <a:endParaRPr lang="en-US" dirty="0"/>
           </a:p>
@@ -8302,7 +8302,7 @@
           <a:p>
             <a:fld id="{0DED02AE-B9A4-47BD-AF8E-97E16144138B}" type="datetimeFigureOut">
               <a:rPr lang="en-US" smtClean="0"/>
-              <a:t>9/27/2017</a:t>
+              <a:t>9/28/2017</a:t>
             </a:fld>
             <a:endParaRPr lang="en-US" dirty="0"/>
           </a:p>
@@ -8569,7 +8569,7 @@
           <a:p>
             <a:fld id="{CF0FD78B-DB02-4362-BCDC-98A55456977C}" type="datetimeFigureOut">
               <a:rPr lang="en-US" smtClean="0"/>
-              <a:t>9/27/2017</a:t>
+              <a:t>9/28/2017</a:t>
             </a:fld>
             <a:endParaRPr lang="en-US" dirty="0"/>
           </a:p>
@@ -8833,7 +8833,7 @@
           <a:p>
             <a:fld id="{99916976-5D93-46E4-A98A-FAD63E4D0EA8}" type="datetimeFigureOut">
               <a:rPr lang="en-US" smtClean="0"/>
-              <a:t>9/27/2017</a:t>
+              <a:t>9/28/2017</a:t>
             </a:fld>
             <a:endParaRPr lang="en-US" dirty="0"/>
           </a:p>
@@ -9166,7 +9166,7 @@
           <a:p>
             <a:fld id="{0F39F4F5-F4D2-4D2A-AB60-88D37ADCB869}" type="datetimeFigureOut">
               <a:rPr lang="en-US" smtClean="0"/>
-              <a:t>9/27/2017</a:t>
+              <a:t>9/28/2017</a:t>
             </a:fld>
             <a:endParaRPr lang="en-US" dirty="0"/>
           </a:p>
@@ -9486,7 +9486,7 @@
           <a:p>
             <a:fld id="{D23BC6CE-6D1E-47E5-8859-F31AC5380EB2}" type="datetimeFigureOut">
               <a:rPr lang="en-US" smtClean="0"/>
-              <a:t>9/27/2017</a:t>
+              <a:t>9/28/2017</a:t>
             </a:fld>
             <a:endParaRPr lang="en-US" dirty="0"/>
           </a:p>
@@ -9954,7 +9954,7 @@
           <a:p>
             <a:fld id="{B1B4E7C4-4DA4-404D-9965-B13F2DD7D8BF}" type="datetimeFigureOut">
               <a:rPr lang="en-US" smtClean="0"/>
-              <a:t>9/27/2017</a:t>
+              <a:t>9/28/2017</a:t>
             </a:fld>
             <a:endParaRPr lang="en-US" dirty="0"/>
           </a:p>
@@ -10155,7 +10155,7 @@
           <a:p>
             <a:fld id="{476FB7AA-4A53-424F-AD41-70827B6504BA}" type="datetimeFigureOut">
               <a:rPr lang="en-US" smtClean="0"/>
-              <a:t>9/27/2017</a:t>
+              <a:t>9/28/2017</a:t>
             </a:fld>
             <a:endParaRPr lang="en-US" dirty="0"/>
           </a:p>
@@ -10333,7 +10333,7 @@
           <a:p>
             <a:fld id="{E7884882-FB12-4BC8-9960-9AD8104D7FAE}" type="datetimeFigureOut">
               <a:rPr lang="en-US" smtClean="0"/>
-              <a:t>9/27/2017</a:t>
+              <a:t>9/28/2017</a:t>
             </a:fld>
             <a:endParaRPr lang="en-US" dirty="0"/>
           </a:p>
@@ -10665,7 +10665,7 @@
           <a:p>
             <a:fld id="{F7D1BD23-6E54-4D9D-AD88-A2813C73CC25}" type="datetimeFigureOut">
               <a:rPr lang="en-US" smtClean="0"/>
-              <a:t>9/27/2017</a:t>
+              <a:t>9/28/2017</a:t>
             </a:fld>
             <a:endParaRPr lang="en-US" dirty="0"/>
           </a:p>
@@ -11030,7 +11030,7 @@
           <a:p>
             <a:fld id="{1471A834-4F3C-4AF9-9C74-05EC35A0F292}" type="datetimeFigureOut">
               <a:rPr lang="en-US" smtClean="0"/>
-              <a:t>9/27/2017</a:t>
+              <a:t>9/28/2017</a:t>
             </a:fld>
             <a:endParaRPr lang="en-US" dirty="0"/>
           </a:p>
@@ -11336,7 +11336,7 @@
           <a:p>
             <a:fld id="{51CF1133-3259-4C45-BABA-5B62D9C6F78D}" type="datetimeFigureOut">
               <a:rPr lang="en-US" smtClean="0"/>
-              <a:t>9/27/2017</a:t>
+              <a:t>9/28/2017</a:t>
             </a:fld>
             <a:endParaRPr lang="en-US" dirty="0"/>
           </a:p>
@@ -21206,12 +21206,8 @@
               <a:buChar char="-"/>
             </a:pPr>
             <a:r>
-              <a:rPr lang="es-ES" sz="2400" dirty="0" err="1"/>
-              <a:t>Visualizacion</a:t>
-            </a:r>
-            <a:r>
               <a:rPr lang="es-ES" sz="2400" dirty="0"/>
-              <a:t> de </a:t>
+              <a:t>Visualización de </a:t>
             </a:r>
             <a:r>
               <a:rPr lang="es-ES" sz="2400" dirty="0" err="1"/>

--- a/mem/presentacion.pptx
+++ b/mem/presentacion.pptx
@@ -30,8 +30,8 @@
     <p:sldId id="427" r:id="rId18"/>
     <p:sldId id="428" r:id="rId19"/>
     <p:sldId id="412" r:id="rId20"/>
-    <p:sldId id="396" r:id="rId21"/>
-    <p:sldId id="389" r:id="rId22"/>
+    <p:sldId id="389" r:id="rId21"/>
+    <p:sldId id="396" r:id="rId22"/>
     <p:sldId id="347" r:id="rId23"/>
     <p:sldId id="413" r:id="rId24"/>
     <p:sldId id="422" r:id="rId25"/>
@@ -142,7 +142,7 @@
   </p:defaultTextStyle>
   <p:extLst>
     <p:ext uri="{EFAFB233-063F-42B5-8137-9DF3F51BA10A}">
-      <p15:sldGuideLst xmlns:p15="http://schemas.microsoft.com/office/powerpoint/2012/main">
+      <p15:sldGuideLst xmlns:p15="http://schemas.microsoft.com/office/powerpoint/2012/main" xmlns="">
         <p15:guide id="1" orient="horz" pos="2160" userDrawn="1">
           <p15:clr>
             <a:srgbClr val="A4A3A4"/>
@@ -156,7 +156,7 @@
       </p15:sldGuideLst>
     </p:ext>
     <p:ext uri="{2D200454-40CA-4A62-9FC3-DE9A4176ACB9}">
-      <p15:notesGuideLst xmlns:p15="http://schemas.microsoft.com/office/powerpoint/2012/main"/>
+      <p15:notesGuideLst xmlns:p15="http://schemas.microsoft.com/office/powerpoint/2012/main" xmlns=""/>
     </p:ext>
   </p:extLst>
 </p:presentation>
@@ -256,7 +256,7 @@
           <a:p>
             <a:fld id="{CC2DD168-CD50-4286-8441-9D660E02632E}" type="datetimeFigureOut">
               <a:rPr lang="es-ES" smtClean="0"/>
-              <a:t>28/09/2017</a:t>
+              <a:t>03/10/2017</a:t>
             </a:fld>
             <a:endParaRPr lang="es-ES" dirty="0"/>
           </a:p>
@@ -421,7 +421,7 @@
           <a:p>
             <a:fld id="{29785892-479F-4DA1-837F-2BFA7E37E9AD}" type="datetimeFigureOut">
               <a:rPr lang="es-ES" smtClean="0"/>
-              <a:t>28/09/2017</a:t>
+              <a:t>03/10/2017</a:t>
             </a:fld>
             <a:endParaRPr lang="es-ES" dirty="0"/>
           </a:p>
@@ -739,7 +739,15 @@
           <a:p>
             <a:r>
               <a:rPr lang="es-ES" dirty="0"/>
-              <a:t>Con el permiso del tribunal procedo a la lectura de mi proyecto de fin de carrera “Software de Preparación, Procesado y Análisis de datos de la EPA”, codirigida por Elisa Guerrero Vázquez y Andrés Yáñez Escolano.</a:t>
+              <a:t>Con el permiso del tribunal procedo a la lectura de mi proyecto de fin de carrera “Software de Preparación, Procesado y Análisis de datos de la EPA”, </a:t>
+            </a:r>
+            <a:r>
+              <a:rPr lang="es-ES" dirty="0" smtClean="0"/>
+              <a:t>realizada con la ayuda de los tutores Elisa </a:t>
+            </a:r>
+            <a:r>
+              <a:rPr lang="es-ES" dirty="0"/>
+              <a:t>Guerrero Vázquez y Andrés Yáñez Escolano.</a:t>
             </a:r>
           </a:p>
         </p:txBody>
@@ -930,23 +938,118 @@
           <a:lstStyle/>
           <a:p>
             <a:r>
+              <a:rPr lang="es-ES_tradnl" dirty="0" smtClean="0"/>
+              <a:t>Se plantea el uso de R por</a:t>
+            </a:r>
+            <a:r>
+              <a:rPr lang="es-ES_tradnl" baseline="0" dirty="0" smtClean="0"/>
+              <a:t> su creciente </a:t>
+            </a:r>
+            <a:r>
+              <a:rPr lang="es-ES" dirty="0" smtClean="0"/>
+              <a:t>popularidad </a:t>
+            </a:r>
+            <a:r>
               <a:rPr lang="es-ES" dirty="0"/>
-              <a:t>Se hará uso del lenguaje de programación R [6] para el desarrollo de la misma por su creciente popularidad en el campo de la computación estadística y sus motores de visualización gráfica. R es un paquete GNU distribuido gratuitamente bajo la Licencia Publica General de GNU (GNU GPL).</a:t>
-            </a:r>
-          </a:p>
-          <a:p>
-            <a:r>
-              <a:rPr lang="es-ES" dirty="0"/>
-              <a:t>Se han utilizado varios paquetes adicionales de R para cubrir distintas necesidades dentro del proyecto. En concreto se ha hecho uso de Shiny [7] como </a:t>
-            </a:r>
-            <a:r>
-              <a:rPr lang="es-ES" dirty="0" err="1"/>
-              <a:t>framework</a:t>
-            </a:r>
-            <a:r>
-              <a:rPr lang="es-ES" dirty="0"/>
-              <a:t> para el desarrollo de una interfaz web fácil de usar y mantener.</a:t>
-            </a:r>
+              <a:t>en el campo de la computación estadística y sus motores de visualización </a:t>
+            </a:r>
+            <a:r>
+              <a:rPr lang="es-ES" dirty="0" smtClean="0"/>
+              <a:t>gráfica.</a:t>
+            </a:r>
+          </a:p>
+          <a:p>
+            <a:endParaRPr lang="es-ES" dirty="0" smtClean="0"/>
+          </a:p>
+          <a:p>
+            <a:r>
+              <a:rPr lang="es-ES" dirty="0" smtClean="0"/>
+              <a:t>R</a:t>
+            </a:r>
+            <a:r>
+              <a:rPr lang="es-ES" baseline="0" dirty="0" smtClean="0"/>
+              <a:t> es extensible </a:t>
+            </a:r>
+            <a:r>
+              <a:rPr lang="es-ES" baseline="0" dirty="0" err="1" smtClean="0"/>
+              <a:t>atraves</a:t>
+            </a:r>
+            <a:r>
+              <a:rPr lang="es-ES" baseline="0" dirty="0" smtClean="0"/>
+              <a:t> de paquetes desarrollados por la comunidad, de los cuales en este proyecto usamos varios de ellos en este proyecto.</a:t>
+            </a:r>
+          </a:p>
+          <a:p>
+            <a:endParaRPr lang="es-ES_tradnl" baseline="0" dirty="0" smtClean="0"/>
+          </a:p>
+          <a:p>
+            <a:r>
+              <a:rPr lang="es-ES_tradnl" baseline="0" dirty="0" smtClean="0"/>
+              <a:t>Como entorno de desarrollo hemos seleccionado </a:t>
+            </a:r>
+            <a:r>
+              <a:rPr lang="es-ES_tradnl" baseline="0" dirty="0" err="1" smtClean="0"/>
+              <a:t>Rstudio</a:t>
+            </a:r>
+            <a:r>
+              <a:rPr lang="es-ES_tradnl" baseline="0" dirty="0" smtClean="0"/>
+              <a:t> por su </a:t>
+            </a:r>
+            <a:r>
+              <a:rPr lang="es-ES_tradnl" baseline="0" dirty="0" err="1" smtClean="0"/>
+              <a:t>integracion</a:t>
+            </a:r>
+            <a:r>
+              <a:rPr lang="es-ES_tradnl" baseline="0" dirty="0" smtClean="0"/>
+              <a:t> con muchos de los paquetes mas conocidos de R.</a:t>
+            </a:r>
+          </a:p>
+          <a:p>
+            <a:endParaRPr lang="es-ES_tradnl" baseline="0" dirty="0" smtClean="0"/>
+          </a:p>
+          <a:p>
+            <a:r>
+              <a:rPr lang="es-ES_tradnl" baseline="0" dirty="0" smtClean="0"/>
+              <a:t>Para el almacenamiento de los datos de la EPA hacemos uso de una base de datos </a:t>
+            </a:r>
+            <a:r>
+              <a:rPr lang="es-ES_tradnl" baseline="0" dirty="0" err="1" smtClean="0"/>
+              <a:t>SQLite</a:t>
+            </a:r>
+            <a:r>
+              <a:rPr lang="es-ES_tradnl" baseline="0" dirty="0" smtClean="0"/>
+              <a:t>.</a:t>
+            </a:r>
+          </a:p>
+          <a:p>
+            <a:endParaRPr lang="es-ES_tradnl" baseline="0" dirty="0" smtClean="0"/>
+          </a:p>
+          <a:p>
+            <a:r>
+              <a:rPr lang="es-ES_tradnl" baseline="0" dirty="0" smtClean="0"/>
+              <a:t>Y como sistema de control de versiones de fichero usamos </a:t>
+            </a:r>
+            <a:r>
+              <a:rPr lang="es-ES_tradnl" baseline="0" dirty="0" err="1" smtClean="0"/>
+              <a:t>git</a:t>
+            </a:r>
+            <a:r>
+              <a:rPr lang="es-ES_tradnl" baseline="0" dirty="0" smtClean="0"/>
+              <a:t>.</a:t>
+            </a:r>
+            <a:endParaRPr lang="es-ES" baseline="0" dirty="0" smtClean="0"/>
+          </a:p>
+          <a:p>
+            <a:endParaRPr lang="es-ES_tradnl" baseline="0" dirty="0" smtClean="0"/>
+          </a:p>
+          <a:p>
+            <a:endParaRPr lang="es-ES_tradnl" baseline="0" dirty="0" smtClean="0"/>
+          </a:p>
+          <a:p>
+            <a:endParaRPr lang="es-ES_tradnl" baseline="0" dirty="0" smtClean="0"/>
+          </a:p>
+          <a:p>
+            <a:endParaRPr lang="es-ES" dirty="0"/>
           </a:p>
           <a:p>
             <a:r>
@@ -1229,16 +1332,82 @@
           <a:lstStyle/>
           <a:p>
             <a:r>
-              <a:rPr lang="es-ES" dirty="0"/>
-              <a:t>Para facilitar la estructura cliente servidor se ha utilizado el </a:t>
-            </a:r>
-            <a:r>
-              <a:rPr lang="es-ES" dirty="0" err="1"/>
+              <a:rPr lang="es-ES_tradnl" dirty="0" smtClean="0"/>
+              <a:t>En concreto,</a:t>
+            </a:r>
+            <a:r>
+              <a:rPr lang="es-ES_tradnl" baseline="0" dirty="0" smtClean="0"/>
+              <a:t> dentro de los paquetes de R utilizados destaca </a:t>
+            </a:r>
+            <a:r>
+              <a:rPr lang="es-ES_tradnl" baseline="0" dirty="0" err="1" smtClean="0"/>
+              <a:t>Shiny</a:t>
+            </a:r>
+            <a:r>
+              <a:rPr lang="es-ES_tradnl" baseline="0" dirty="0" smtClean="0"/>
+              <a:t>.</a:t>
+            </a:r>
+          </a:p>
+          <a:p>
+            <a:endParaRPr lang="es-ES_tradnl" baseline="0" dirty="0" smtClean="0"/>
+          </a:p>
+          <a:p>
+            <a:r>
+              <a:rPr lang="es-ES_tradnl" baseline="0" dirty="0" err="1" smtClean="0"/>
+              <a:t>Shiny</a:t>
+            </a:r>
+            <a:r>
+              <a:rPr lang="es-ES_tradnl" baseline="0" dirty="0" smtClean="0"/>
+              <a:t> es un </a:t>
+            </a:r>
+            <a:r>
+              <a:rPr lang="es-ES_tradnl" baseline="0" dirty="0" err="1" smtClean="0"/>
               <a:t>framework</a:t>
             </a:r>
             <a:r>
-              <a:rPr lang="es-ES" dirty="0"/>
-              <a:t> Shiny [7] del lenguaje R. Shiny nos permite definir y mantener una vista web, independiente del proceso que realiza el servidor, como queda ilustrado en la figura 4</a:t>
+              <a:rPr lang="es-ES_tradnl" baseline="0" dirty="0" smtClean="0"/>
+              <a:t> que nos permite definir en R por un lado una interfaz web de usuario y por otro la </a:t>
+            </a:r>
+            <a:r>
+              <a:rPr lang="es-ES_tradnl" baseline="0" dirty="0" err="1" smtClean="0"/>
+              <a:t>logica</a:t>
+            </a:r>
+            <a:r>
+              <a:rPr lang="es-ES_tradnl" baseline="0" dirty="0" smtClean="0"/>
+              <a:t> de como reaccionará la aplicación a las acciones del usuario.</a:t>
+            </a:r>
+          </a:p>
+          <a:p>
+            <a:endParaRPr lang="es-ES_tradnl" baseline="0" dirty="0" smtClean="0"/>
+          </a:p>
+          <a:p>
+            <a:r>
+              <a:rPr lang="es-ES_tradnl" baseline="0" dirty="0" smtClean="0"/>
+              <a:t>De esta forma, una aplicación escrita con </a:t>
+            </a:r>
+            <a:r>
+              <a:rPr lang="es-ES_tradnl" baseline="0" dirty="0" err="1" smtClean="0"/>
+              <a:t>Shiny</a:t>
+            </a:r>
+            <a:r>
+              <a:rPr lang="es-ES_tradnl" baseline="0" dirty="0" smtClean="0"/>
+              <a:t> permanece en </a:t>
+            </a:r>
+            <a:r>
+              <a:rPr lang="es-ES_tradnl" baseline="0" dirty="0" err="1" smtClean="0"/>
+              <a:t>ejecucion</a:t>
+            </a:r>
+            <a:r>
+              <a:rPr lang="es-ES_tradnl" baseline="0" dirty="0" smtClean="0"/>
+              <a:t> en un equipo que hace de servidor, accesible a </a:t>
+            </a:r>
+            <a:r>
+              <a:rPr lang="es-ES_tradnl" baseline="0" dirty="0" err="1" smtClean="0"/>
+              <a:t>traves</a:t>
+            </a:r>
+            <a:r>
+              <a:rPr lang="es-ES_tradnl" baseline="0" dirty="0" smtClean="0"/>
+              <a:t> de un navegador web.</a:t>
             </a:r>
           </a:p>
         </p:txBody>
@@ -1329,8 +1498,34 @@
           <a:lstStyle/>
           <a:p>
             <a:r>
+              <a:rPr lang="es-ES" dirty="0" smtClean="0"/>
+              <a:t>Para</a:t>
+            </a:r>
+            <a:r>
+              <a:rPr lang="es-ES" baseline="0" dirty="0" smtClean="0"/>
+              <a:t> ilustrar el funcionamiento de </a:t>
+            </a:r>
+            <a:r>
+              <a:rPr lang="es-ES" baseline="0" dirty="0" err="1" smtClean="0"/>
+              <a:t>Shiny</a:t>
+            </a:r>
+            <a:r>
+              <a:rPr lang="es-ES" baseline="0" dirty="0" smtClean="0"/>
+              <a:t> mostramos en el siguiente ejemplo…</a:t>
+            </a:r>
+            <a:endParaRPr lang="es-ES" dirty="0" smtClean="0"/>
+          </a:p>
+          <a:p>
+            <a:endParaRPr lang="es-ES" dirty="0" smtClean="0"/>
+          </a:p>
+          <a:p>
+            <a:r>
+              <a:rPr lang="es-ES" dirty="0" smtClean="0"/>
+              <a:t>facilitar </a:t>
+            </a:r>
+            <a:r>
               <a:rPr lang="es-ES" dirty="0"/>
-              <a:t>Para facilitar la estructura cliente servidor se ha utilizado el </a:t>
+              <a:t>la estructura cliente servidor se ha utilizado el </a:t>
             </a:r>
             <a:r>
               <a:rPr lang="es-ES" dirty="0" err="1"/>
@@ -1429,89 +1624,21 @@
           <a:lstStyle/>
           <a:p>
             <a:r>
-              <a:rPr lang="es-ES" dirty="0"/>
-              <a:t>Consideramos entonces interesante hacer el desarrollo de una herramienta que permita:</a:t>
-            </a:r>
-          </a:p>
-          <a:p>
-            <a:pPr marL="171450" indent="-171450">
-              <a:buFontTx/>
-              <a:buChar char="-"/>
-            </a:pPr>
-            <a:r>
-              <a:rPr lang="es-ES" dirty="0"/>
-              <a:t>Interpretar, almacenar, procesar y normalizar los datos</a:t>
-            </a:r>
-          </a:p>
-          <a:p>
-            <a:pPr marL="171450" indent="-171450">
-              <a:buFontTx/>
-              <a:buChar char="-"/>
-            </a:pPr>
-            <a:r>
-              <a:rPr lang="es-ES" dirty="0"/>
-              <a:t>Análisis exploratorio sobre los datos recogidos</a:t>
-            </a:r>
-          </a:p>
-          <a:p>
-            <a:pPr marL="171450" indent="-171450">
-              <a:buFontTx/>
-              <a:buChar char="-"/>
-            </a:pPr>
-            <a:r>
-              <a:rPr lang="es-ES" dirty="0"/>
-              <a:t>Aplicación de técnicas de aprendizaje computacional no supervisado, como </a:t>
-            </a:r>
-            <a:r>
-              <a:rPr lang="es-ES" dirty="0" err="1"/>
-              <a:t>clustering</a:t>
-            </a:r>
-            <a:r>
-              <a:rPr lang="es-ES" dirty="0"/>
-              <a:t> o reglas de asociación.</a:t>
-            </a:r>
-          </a:p>
-          <a:p>
-            <a:pPr marL="171450" indent="-171450">
-              <a:buFontTx/>
-              <a:buChar char="-"/>
-            </a:pPr>
-            <a:r>
-              <a:rPr lang="es-ES" dirty="0"/>
-              <a:t>Generación de informes</a:t>
-            </a:r>
-          </a:p>
-          <a:p>
-            <a:pPr marL="171450" indent="-171450">
-              <a:buFontTx/>
-              <a:buChar char="-"/>
-            </a:pPr>
-            <a:r>
-              <a:rPr lang="es-ES" dirty="0"/>
-              <a:t>Actualizable.</a:t>
-            </a:r>
-          </a:p>
-          <a:p>
-            <a:pPr marL="171450" indent="-171450">
-              <a:buFontTx/>
-              <a:buChar char="-"/>
-            </a:pPr>
-            <a:r>
-              <a:rPr lang="es-ES" dirty="0"/>
-              <a:t>Fácil de usar, amigable</a:t>
-            </a:r>
-          </a:p>
-          <a:p>
-            <a:pPr marL="171450" indent="-171450">
-              <a:buFontTx/>
-              <a:buChar char="-"/>
-            </a:pPr>
-            <a:r>
-              <a:rPr lang="es-ES" dirty="0"/>
-              <a:t>Basada en un entorno web.</a:t>
-            </a:r>
-          </a:p>
-          <a:p>
+              <a:rPr lang="es-ES" dirty="0" smtClean="0"/>
+              <a:t>Entrando en una </a:t>
+            </a:r>
+            <a:r>
+              <a:rPr lang="es-ES" dirty="0" err="1" smtClean="0"/>
+              <a:t>descripcion</a:t>
+            </a:r>
+            <a:r>
+              <a:rPr lang="es-ES" dirty="0" smtClean="0"/>
+              <a:t> de las funciones de la herramienta</a:t>
+            </a:r>
+            <a:r>
+              <a:rPr lang="es-ES" baseline="0" dirty="0" smtClean="0"/>
+              <a:t> empezamos con la entrada de datos a la misma.</a:t>
+            </a:r>
             <a:endParaRPr lang="es-ES" dirty="0"/>
           </a:p>
         </p:txBody>
@@ -2293,6 +2420,77 @@
           <a:bodyPr/>
           <a:lstStyle/>
           <a:p>
+            <a:endParaRPr lang="es-ES" dirty="0" smtClean="0"/>
+          </a:p>
+          <a:p>
+            <a:r>
+              <a:rPr lang="es-ES" dirty="0" smtClean="0"/>
+              <a:t>DEMO:</a:t>
+            </a:r>
+          </a:p>
+          <a:p>
+            <a:endParaRPr lang="es-ES" dirty="0" smtClean="0"/>
+          </a:p>
+          <a:p>
+            <a:r>
+              <a:rPr lang="es-ES" dirty="0" smtClean="0"/>
+              <a:t>1.- Actualizar para incluir el trimestre 2017T2.</a:t>
+            </a:r>
+          </a:p>
+          <a:p>
+            <a:endParaRPr lang="es-ES" dirty="0" smtClean="0"/>
+          </a:p>
+          <a:p>
+            <a:r>
+              <a:rPr lang="es-ES" dirty="0" smtClean="0"/>
+              <a:t>2.- ¿Distribución de la cantidad de meses desde la </a:t>
+            </a:r>
+            <a:r>
+              <a:rPr lang="es-ES" dirty="0" err="1" smtClean="0"/>
+              <a:t>renovacion</a:t>
+            </a:r>
+            <a:r>
+              <a:rPr lang="es-ES" dirty="0" smtClean="0"/>
+              <a:t> del contrato?</a:t>
+            </a:r>
+          </a:p>
+          <a:p>
+            <a:r>
+              <a:rPr lang="es-ES" dirty="0" smtClean="0"/>
+              <a:t>    ¿Como varia el numero de horas pactadas por contrato entre hombres y mujeres?</a:t>
+            </a:r>
+          </a:p>
+          <a:p>
+            <a:r>
+              <a:rPr lang="es-ES" dirty="0" smtClean="0"/>
+              <a:t>    ¿Diferencias entre la edad de fin de estudios dependiendo del nivel de estudio?</a:t>
+            </a:r>
+          </a:p>
+          <a:p>
+            <a:endParaRPr lang="es-ES" dirty="0" smtClean="0"/>
+          </a:p>
+          <a:p>
+            <a:r>
+              <a:rPr lang="es-ES" dirty="0" smtClean="0"/>
+              <a:t>3.- Dos variables: ¿Comparar Horas pactadas con horas que </a:t>
+            </a:r>
+            <a:r>
+              <a:rPr lang="es-ES" dirty="0" err="1" smtClean="0"/>
+              <a:t>desearia</a:t>
+            </a:r>
+            <a:r>
+              <a:rPr lang="es-ES" dirty="0" smtClean="0"/>
+              <a:t> trabajar?</a:t>
+            </a:r>
+          </a:p>
+          <a:p>
+            <a:endParaRPr lang="es-ES" dirty="0" smtClean="0"/>
+          </a:p>
+          <a:p>
+            <a:r>
+              <a:rPr lang="es-ES" dirty="0" smtClean="0"/>
+              <a:t>?.- Generar nota de prensa del periodo 2016T3.</a:t>
+            </a:r>
             <a:endParaRPr lang="es-ES" dirty="0"/>
           </a:p>
         </p:txBody>
@@ -2382,9 +2580,17 @@
           <a:bodyPr/>
           <a:lstStyle/>
           <a:p>
-            <a:r>
-              <a:rPr lang="es-ES" dirty="0"/>
-              <a:t>Aquí listamos los puntos que trataremos durante la presentación que serían:</a:t>
+            <a:pPr marL="0" indent="0">
+              <a:buFontTx/>
+              <a:buNone/>
+            </a:pPr>
+            <a:r>
+              <a:rPr lang="es-ES_tradnl" dirty="0" smtClean="0"/>
+              <a:t>Esta presentación</a:t>
+            </a:r>
+            <a:r>
+              <a:rPr lang="es-ES_tradnl" baseline="0" dirty="0" smtClean="0"/>
+              <a:t> se ha planteado con los siguientes puntos:</a:t>
             </a:r>
           </a:p>
           <a:p>
@@ -2393,8 +2599,16 @@
               <a:buChar char="-"/>
             </a:pPr>
             <a:r>
-              <a:rPr lang="es-ES" dirty="0"/>
-              <a:t>Un primer punto hablando sobre que ha servido como motivación para la realización de este proyecto, una breve descripción de que es la EPA, y que puntos nos planteamos como objetivos.</a:t>
+              <a:rPr lang="es-ES_tradnl" baseline="0" dirty="0" smtClean="0"/>
+              <a:t>Hablaremos de la </a:t>
+            </a:r>
+            <a:r>
+              <a:rPr lang="es-ES_tradnl" baseline="0" dirty="0" err="1" smtClean="0"/>
+              <a:t>motivacion</a:t>
+            </a:r>
+            <a:r>
+              <a:rPr lang="es-ES_tradnl" baseline="0" dirty="0" smtClean="0"/>
+              <a:t> del proyecto, así como los objetivos planteados.</a:t>
             </a:r>
           </a:p>
           <a:p>
@@ -2403,8 +2617,16 @@
               <a:buChar char="-"/>
             </a:pPr>
             <a:r>
-              <a:rPr lang="es-ES" dirty="0"/>
-              <a:t>A continuación hablaremos brevemente de la planificación en la elaboración del proyecto.</a:t>
+              <a:rPr lang="es-ES_tradnl" baseline="0" dirty="0" smtClean="0"/>
+              <a:t>Otro punto sobre ciertos detalles de la </a:t>
+            </a:r>
+            <a:r>
+              <a:rPr lang="es-ES_tradnl" baseline="0" dirty="0" err="1" smtClean="0"/>
+              <a:t>planificacion</a:t>
+            </a:r>
+            <a:r>
+              <a:rPr lang="es-ES_tradnl" baseline="0" dirty="0" smtClean="0"/>
+              <a:t> del mismo.</a:t>
             </a:r>
           </a:p>
           <a:p>
@@ -2413,8 +2635,8 @@
               <a:buChar char="-"/>
             </a:pPr>
             <a:r>
-              <a:rPr lang="es-ES" dirty="0"/>
-              <a:t>En un tercer punto comentaremos ciertos detalles relevantes en la implementación del mismo, como las tecnologías empleadas en el desarrollo.</a:t>
+              <a:rPr lang="es-ES_tradnl" baseline="0" dirty="0" smtClean="0"/>
+              <a:t>En un tercer punto hablaremos de ciertos puntos clave del desarrollo del proyecto.</a:t>
             </a:r>
           </a:p>
           <a:p>
@@ -2423,8 +2645,24 @@
               <a:buChar char="-"/>
             </a:pPr>
             <a:r>
-              <a:rPr lang="es-ES" dirty="0"/>
-              <a:t>Posteriormente haremos uso de la herramienta desarrollada en una pequeña demostración.</a:t>
+              <a:rPr lang="es-ES_tradnl" baseline="0" dirty="0" smtClean="0"/>
+              <a:t>A </a:t>
+            </a:r>
+            <a:r>
+              <a:rPr lang="es-ES_tradnl" baseline="0" dirty="0" err="1" smtClean="0"/>
+              <a:t>continuacion</a:t>
+            </a:r>
+            <a:r>
+              <a:rPr lang="es-ES_tradnl" baseline="0" dirty="0" smtClean="0"/>
+              <a:t>, haremos una pequeña </a:t>
+            </a:r>
+            <a:r>
+              <a:rPr lang="es-ES_tradnl" baseline="0" dirty="0" err="1" smtClean="0"/>
+              <a:t>demostracion</a:t>
+            </a:r>
+            <a:r>
+              <a:rPr lang="es-ES_tradnl" baseline="0" dirty="0" smtClean="0"/>
+              <a:t> de la herramienta desarrollada</a:t>
             </a:r>
           </a:p>
           <a:p>
@@ -2433,8 +2671,8 @@
               <a:buChar char="-"/>
             </a:pPr>
             <a:r>
-              <a:rPr lang="es-ES" dirty="0"/>
-              <a:t>Y finalmente comentaremos varias conclusiones después del desarrollo del proyecto.</a:t>
+              <a:rPr lang="es-ES_tradnl" baseline="0" dirty="0" smtClean="0"/>
+              <a:t>Y finalizaremos con algunas conclusiones.</a:t>
             </a:r>
           </a:p>
           <a:p>
@@ -2566,7 +2804,7 @@
     </p:spTree>
     <p:extLst>
       <p:ext uri="{BB962C8B-B14F-4D97-AF65-F5344CB8AC3E}">
-        <p14:creationId xmlns:p14="http://schemas.microsoft.com/office/powerpoint/2010/main" val="943406906"/>
+        <p14:creationId xmlns:p14="http://schemas.microsoft.com/office/powerpoint/2010/main" val="2823750488"/>
       </p:ext>
     </p:extLst>
   </p:cSld>
@@ -2660,7 +2898,7 @@
     </p:spTree>
     <p:extLst>
       <p:ext uri="{BB962C8B-B14F-4D97-AF65-F5344CB8AC3E}">
-        <p14:creationId xmlns:p14="http://schemas.microsoft.com/office/powerpoint/2010/main" val="2823750488"/>
+        <p14:creationId xmlns:p14="http://schemas.microsoft.com/office/powerpoint/2010/main" val="943406906"/>
       </p:ext>
     </p:extLst>
   </p:cSld>
@@ -3669,12 +3907,20 @@
           <a:lstStyle/>
           <a:p>
             <a:r>
-              <a:rPr lang="es-ES" dirty="0"/>
-              <a:t>La Encuesta de Población Activa (EPA), elaborada por el Instituto Nacional de Estadística, es un estudio estadístico destinado a capturar datos sobre el mercado de trabajo, que se utiliza para calcular la tasa de desempleo, tal y como la define la Organización Internacional del Trabajo (OIT). Aquí podemos observar un ejemplo de información extraída de la EPA.</a:t>
-            </a:r>
-          </a:p>
-          <a:p>
-            <a:endParaRPr lang="es-ES" dirty="0"/>
+              <a:rPr lang="es-ES_tradnl" dirty="0" smtClean="0"/>
+              <a:t>Para empezar, para poner un poco en contexto, hablaremos de la encuesta de </a:t>
+            </a:r>
+            <a:r>
+              <a:rPr lang="es-ES_tradnl" dirty="0" err="1" smtClean="0"/>
+              <a:t>poblacion</a:t>
+            </a:r>
+            <a:r>
+              <a:rPr lang="es-ES_tradnl" dirty="0" smtClean="0"/>
+              <a:t> activa (o EPA).</a:t>
+            </a:r>
+          </a:p>
+          <a:p>
+            <a:endParaRPr lang="es-ES_tradnl" dirty="0" smtClean="0"/>
           </a:p>
           <a:p>
             <a:pPr marL="0" marR="0" lvl="0" indent="0" algn="l" defTabSz="914400" rtl="0" eaLnBrk="1" fontAlgn="auto" latinLnBrk="0" hangingPunct="1">
@@ -3695,7 +3941,23 @@
               <a:defRPr/>
             </a:pPr>
             <a:r>
-              <a:rPr lang="es-ES" sz="1200" kern="1200" dirty="0">
+              <a:rPr lang="es-ES_tradnl" dirty="0" smtClean="0"/>
+              <a:t>Esta Encuesta,</a:t>
+            </a:r>
+            <a:r>
+              <a:rPr lang="es-ES_tradnl" baseline="0" dirty="0" smtClean="0"/>
+              <a:t> elaborada por el Instituto Nacional de </a:t>
+            </a:r>
+            <a:r>
+              <a:rPr lang="es-ES_tradnl" baseline="0" dirty="0" err="1" smtClean="0"/>
+              <a:t>Estadistica</a:t>
+            </a:r>
+            <a:r>
+              <a:rPr lang="es-ES_tradnl" baseline="0" dirty="0" smtClean="0"/>
+              <a:t>, es un estudio destinado a capturar datos sobre el mercado de trabajo. </a:t>
+            </a:r>
+            <a:r>
+              <a:rPr lang="es-ES" sz="1200" kern="1200" dirty="0" smtClean="0">
                 <a:solidFill>
                   <a:schemeClr val="tx1"/>
                 </a:solidFill>
@@ -3704,8 +3966,40 @@
                 <a:ea typeface="+mn-ea"/>
                 <a:cs typeface="+mn-cs"/>
               </a:rPr>
-              <a:t>Los datos se recogen con periodicidad trimestral mediante entrevista personal o telefónica.</a:t>
-            </a:r>
+              <a:t>Los datos se recogen con periodicidad trimestral mediante entrevista personal o telefónica, y s</a:t>
+            </a:r>
+            <a:r>
+              <a:rPr lang="es-ES_tradnl" baseline="0" dirty="0" smtClean="0"/>
+              <a:t>e </a:t>
+            </a:r>
+            <a:r>
+              <a:rPr lang="es-ES_tradnl" baseline="0" dirty="0" err="1" smtClean="0"/>
+              <a:t>ultiliza</a:t>
+            </a:r>
+            <a:r>
+              <a:rPr lang="es-ES_tradnl" baseline="0" dirty="0" smtClean="0"/>
+              <a:t> principalmente para calcular la tasa de desempleo. Este seria un ejemplo de </a:t>
+            </a:r>
+            <a:r>
+              <a:rPr lang="es-ES_tradnl" baseline="0" dirty="0" err="1" smtClean="0"/>
+              <a:t>informacion</a:t>
+            </a:r>
+            <a:r>
+              <a:rPr lang="es-ES_tradnl" baseline="0" dirty="0" smtClean="0"/>
+              <a:t> </a:t>
+            </a:r>
+            <a:r>
+              <a:rPr lang="es-ES_tradnl" baseline="0" dirty="0" err="1" smtClean="0"/>
+              <a:t>extraida</a:t>
+            </a:r>
+            <a:r>
+              <a:rPr lang="es-ES_tradnl" baseline="0" dirty="0" smtClean="0"/>
+              <a:t> de la EPA</a:t>
+            </a:r>
+            <a:endParaRPr lang="es-ES" dirty="0"/>
+          </a:p>
+          <a:p>
+            <a:endParaRPr lang="es-ES" dirty="0"/>
           </a:p>
           <a:p>
             <a:endParaRPr lang="es-ES" dirty="0"/>
@@ -4042,9 +4336,26 @@
           <a:lstStyle/>
           <a:p>
             <a:r>
-              <a:rPr lang="es-ES" dirty="0"/>
-              <a:t>Desde la web del INE es posible descargar una herramienta de análisis de datos bajo Windows (PC-Axis), aunque esta herramienta se limita a cálculos y gráficas estadísticas básicas, sobre resultados que ya han sido procesados previamente. Esta pensado principalmente para preparar datos para volcar a una Excel.</a:t>
-            </a:r>
+              <a:rPr lang="es-ES_tradnl" dirty="0" smtClean="0"/>
+              <a:t>El INE ofrece en su web una herramienta simple de </a:t>
+            </a:r>
+            <a:r>
+              <a:rPr lang="es-ES_tradnl" dirty="0" err="1" smtClean="0"/>
+              <a:t>analisis</a:t>
+            </a:r>
+            <a:r>
+              <a:rPr lang="es-ES_tradnl" baseline="0" dirty="0" smtClean="0"/>
+              <a:t> de datos para Windows llamada PC-Axis. Esta herramienta se limita a presentar tablas y </a:t>
+            </a:r>
+            <a:r>
+              <a:rPr lang="es-ES_tradnl" baseline="0" dirty="0" err="1" smtClean="0"/>
+              <a:t>graficos</a:t>
+            </a:r>
+            <a:r>
+              <a:rPr lang="es-ES_tradnl" baseline="0" dirty="0" smtClean="0"/>
+              <a:t> simples, pensado principalmente para terminar volcando los datos en una Excel.</a:t>
+            </a:r>
+            <a:endParaRPr lang="es-ES" dirty="0" smtClean="0"/>
           </a:p>
         </p:txBody>
       </p:sp>
@@ -4134,90 +4445,150 @@
           <a:lstStyle/>
           <a:p>
             <a:r>
-              <a:rPr lang="es-ES" dirty="0"/>
-              <a:t>Consideramos entonces interesante hacer el desarrollo de una herramienta que permita:</a:t>
-            </a:r>
-          </a:p>
-          <a:p>
-            <a:pPr marL="171450" indent="-171450">
-              <a:buFontTx/>
-              <a:buChar char="-"/>
+              <a:rPr lang="es-ES_tradnl" dirty="0" smtClean="0"/>
+              <a:t>Nos planteamos entonces como motivación</a:t>
+            </a:r>
+            <a:r>
+              <a:rPr lang="es-ES_tradnl" baseline="0" dirty="0" smtClean="0"/>
+              <a:t> el </a:t>
+            </a:r>
+            <a:r>
+              <a:rPr lang="es-ES_tradnl" baseline="0" dirty="0" err="1" smtClean="0"/>
+              <a:t>permir</a:t>
+            </a:r>
+            <a:r>
+              <a:rPr lang="es-ES_tradnl" baseline="0" dirty="0" smtClean="0"/>
+              <a:t> un acceso mas simple a la </a:t>
+            </a:r>
+            <a:r>
+              <a:rPr lang="es-ES_tradnl" baseline="0" dirty="0" err="1" smtClean="0"/>
+              <a:t>informacion</a:t>
+            </a:r>
+            <a:r>
+              <a:rPr lang="es-ES_tradnl" baseline="0" dirty="0" smtClean="0"/>
+              <a:t>, sin la necesidad de tener conocimientos profundos de </a:t>
+            </a:r>
+            <a:r>
+              <a:rPr lang="es-ES_tradnl" baseline="0" dirty="0" err="1" smtClean="0"/>
+              <a:t>computacion</a:t>
+            </a:r>
+            <a:r>
+              <a:rPr lang="es-ES_tradnl" baseline="0" dirty="0" smtClean="0"/>
+              <a:t>.</a:t>
+            </a:r>
+          </a:p>
+          <a:p>
+            <a:endParaRPr lang="es-ES_tradnl" baseline="0" dirty="0" smtClean="0"/>
+          </a:p>
+          <a:p>
+            <a:r>
+              <a:rPr lang="es-ES_tradnl" baseline="0" dirty="0" smtClean="0"/>
+              <a:t>Para ello nos planteamos el desarrollar una herramienta que nos permita estos puntos:</a:t>
+            </a:r>
+          </a:p>
+          <a:p>
+            <a:pPr marL="742950" lvl="1" indent="-285750">
+              <a:spcBef>
+                <a:spcPts val="600"/>
+              </a:spcBef>
+              <a:buFont typeface="Arial" panose="020B0604020202020204" pitchFamily="34" charset="0"/>
+              <a:buChar char="•"/>
             </a:pPr>
             <a:r>
-              <a:rPr lang="es-ES" dirty="0"/>
-              <a:t>Interpretar, almacenar, procesar y normalizar los datos</a:t>
-            </a:r>
-          </a:p>
-          <a:p>
-            <a:pPr marL="171450" indent="-171450">
-              <a:buFontTx/>
-              <a:buChar char="-"/>
+              <a:rPr lang="es-ES" sz="2400" dirty="0" smtClean="0"/>
+              <a:t>Interpretar, almacenar y procesar los datos recogidos de la EPA.</a:t>
+            </a:r>
+          </a:p>
+          <a:p>
+            <a:pPr marL="742950" lvl="1" indent="-285750">
+              <a:spcBef>
+                <a:spcPts val="600"/>
+              </a:spcBef>
+              <a:buFont typeface="Arial" panose="020B0604020202020204" pitchFamily="34" charset="0"/>
+              <a:buChar char="•"/>
             </a:pPr>
             <a:r>
-              <a:rPr lang="es-ES" dirty="0"/>
-              <a:t>Análisis exploratorio sobre los datos recogidos</a:t>
-            </a:r>
-          </a:p>
-          <a:p>
-            <a:pPr marL="171450" indent="-171450">
-              <a:buFontTx/>
-              <a:buChar char="-"/>
+              <a:rPr lang="es-ES" sz="2400" dirty="0" smtClean="0"/>
+              <a:t>Realizar análisis exploratorio sobre los datos recogidos.</a:t>
+            </a:r>
+          </a:p>
+          <a:p>
+            <a:pPr marL="742950" lvl="1" indent="-285750">
+              <a:spcBef>
+                <a:spcPts val="600"/>
+              </a:spcBef>
+              <a:buFont typeface="Arial" panose="020B0604020202020204" pitchFamily="34" charset="0"/>
+              <a:buChar char="•"/>
             </a:pPr>
             <a:r>
-              <a:rPr lang="es-ES" dirty="0"/>
-              <a:t>Aplicación de técnicas de aprendizaje computacional no supervisado, como </a:t>
-            </a:r>
-            <a:r>
-              <a:rPr lang="es-ES" dirty="0" err="1"/>
+              <a:rPr lang="es-ES" sz="2400" dirty="0" smtClean="0"/>
+              <a:t>Aplicación de ciertas</a:t>
+            </a:r>
+            <a:r>
+              <a:rPr lang="es-ES" sz="2400" baseline="0" dirty="0" smtClean="0"/>
+              <a:t> </a:t>
+            </a:r>
+            <a:r>
+              <a:rPr lang="es-ES" sz="2400" dirty="0" smtClean="0"/>
+              <a:t>técnicas de aprendizaje computacional no supervisado, como </a:t>
+            </a:r>
+            <a:r>
+              <a:rPr lang="es-ES" sz="2400" dirty="0" err="1" smtClean="0"/>
               <a:t>clustering</a:t>
             </a:r>
             <a:r>
-              <a:rPr lang="es-ES" dirty="0"/>
+              <a:rPr lang="es-ES" sz="2400" dirty="0" smtClean="0"/>
               <a:t> o reglas de asociación.</a:t>
             </a:r>
           </a:p>
           <a:p>
-            <a:pPr marL="171450" indent="-171450">
-              <a:buFontTx/>
-              <a:buChar char="-"/>
+            <a:pPr marL="742950" lvl="1" indent="-285750">
+              <a:spcBef>
+                <a:spcPts val="600"/>
+              </a:spcBef>
+              <a:buFont typeface="Arial" panose="020B0604020202020204" pitchFamily="34" charset="0"/>
+              <a:buChar char="•"/>
             </a:pPr>
             <a:r>
-              <a:rPr lang="es-ES" dirty="0"/>
-              <a:t>Generación de informes</a:t>
-            </a:r>
-          </a:p>
-          <a:p>
-            <a:pPr marL="171450" indent="-171450">
-              <a:buFontTx/>
-              <a:buChar char="-"/>
-            </a:pPr>
-            <a:r>
-              <a:rPr lang="es-ES" dirty="0"/>
-              <a:t>Actualizable.</a:t>
-            </a:r>
-          </a:p>
-          <a:p>
-            <a:pPr marL="171450" indent="-171450">
-              <a:buFontTx/>
-              <a:buChar char="-"/>
-            </a:pPr>
-            <a:r>
-              <a:rPr lang="es-ES" dirty="0"/>
-              <a:t>Fácil de usar, amigable</a:t>
-            </a:r>
-          </a:p>
-          <a:p>
-            <a:pPr marL="171450" indent="-171450">
-              <a:buFontTx/>
-              <a:buChar char="-"/>
-            </a:pPr>
-            <a:r>
-              <a:rPr lang="es-ES" dirty="0"/>
-              <a:t>Basada en un entorno web.</a:t>
-            </a:r>
-          </a:p>
-          <a:p>
-            <a:endParaRPr lang="es-ES" dirty="0"/>
+              <a:rPr lang="es-ES" sz="2400" dirty="0" smtClean="0"/>
+              <a:t>Automatizar</a:t>
+            </a:r>
+            <a:r>
+              <a:rPr lang="es-ES" sz="2400" baseline="0" dirty="0" smtClean="0"/>
+              <a:t> la g</a:t>
+            </a:r>
+            <a:r>
+              <a:rPr lang="es-ES" sz="2400" dirty="0" smtClean="0"/>
+              <a:t>eneración de algunos informes extraídos de los datos almacenados.</a:t>
+            </a:r>
+          </a:p>
+          <a:p>
+            <a:endParaRPr lang="es-ES_tradnl" dirty="0" smtClean="0"/>
+          </a:p>
+          <a:p>
+            <a:r>
+              <a:rPr lang="es-ES_tradnl" dirty="0" smtClean="0"/>
+              <a:t>Además incluiremos la capacidad de</a:t>
+            </a:r>
+            <a:r>
+              <a:rPr lang="es-ES_tradnl" baseline="0" dirty="0" smtClean="0"/>
+              <a:t> poder utilizar los datos que el INE sigua publicando de la EPA.</a:t>
+            </a:r>
+            <a:endParaRPr lang="es-ES" dirty="0" smtClean="0"/>
+          </a:p>
+          <a:p>
+            <a:endParaRPr lang="es-ES_tradnl" dirty="0" smtClean="0"/>
+          </a:p>
+          <a:p>
+            <a:r>
+              <a:rPr lang="es-ES_tradnl" dirty="0" smtClean="0"/>
+              <a:t>Incluimos</a:t>
+            </a:r>
+            <a:r>
+              <a:rPr lang="es-ES_tradnl" baseline="0" dirty="0" smtClean="0"/>
+              <a:t> también que la interfaz de uso pues sea amigable, intuitiva, fácil de usar.</a:t>
+            </a:r>
+            <a:endParaRPr lang="es-ES_tradnl" dirty="0" smtClean="0"/>
           </a:p>
         </p:txBody>
       </p:sp>
@@ -4307,9 +4678,28 @@
           <a:lstStyle/>
           <a:p>
             <a:r>
-              <a:rPr lang="es-ES" dirty="0"/>
-              <a:t>El INE publica los datos obtenidos en los distintos ejercicios de la EPA, en un formato de tabla donde cada fila corresponde a una persona encuestada, y cada columna a una de las preguntas que ha contestado en dicha encuesta. Esta imagen es una porción de uno de estos ficheros de datos.</a:t>
-            </a:r>
+              <a:rPr lang="es-ES_tradnl" dirty="0" smtClean="0"/>
+              <a:t>El INE publica de forma trimestral la</a:t>
+            </a:r>
+            <a:r>
+              <a:rPr lang="es-ES_tradnl" baseline="0" dirty="0" smtClean="0"/>
+              <a:t> información recogida en el EPA en ficheros de texto plano en forma de tabla, donde cada file supone a un encuestado y las columnas corresponderían a las respuestas de dicho encuestado en la encuesta.</a:t>
+            </a:r>
+            <a:endParaRPr lang="es-ES_tradnl" dirty="0" smtClean="0"/>
+          </a:p>
+          <a:p>
+            <a:endParaRPr lang="es-ES_tradnl" dirty="0" smtClean="0"/>
+          </a:p>
+          <a:p>
+            <a:r>
+              <a:rPr lang="es-ES_tradnl" dirty="0" smtClean="0"/>
+              <a:t>Para trabajar con estos datos,</a:t>
+            </a:r>
+            <a:r>
+              <a:rPr lang="es-ES_tradnl" baseline="0" dirty="0" smtClean="0"/>
+              <a:t> la herramienta debe ser capaz de interpretar la información coleccionada en estos ficheros así como realizar ciertas operaciones de normalizado.</a:t>
+            </a:r>
+            <a:endParaRPr lang="es-ES" dirty="0" smtClean="0"/>
           </a:p>
         </p:txBody>
       </p:sp>
@@ -4399,9 +4789,34 @@
           <a:lstStyle/>
           <a:p>
             <a:r>
-              <a:rPr lang="es-ES" dirty="0"/>
-              <a:t>El INE provee una guía de interpretación de dichos datos, así como descripciones de su significado. Esta información nos ha servido para poder interpretar los ficheros de datos anteriormente mencionados.</a:t>
-            </a:r>
+              <a:rPr lang="es-ES_tradnl" dirty="0" smtClean="0"/>
+              <a:t>Para realizar esta </a:t>
+            </a:r>
+            <a:r>
+              <a:rPr lang="es-ES_tradnl" dirty="0" err="1" smtClean="0"/>
+              <a:t>innterpretacion</a:t>
+            </a:r>
+            <a:r>
+              <a:rPr lang="es-ES_tradnl" baseline="0" dirty="0" smtClean="0"/>
+              <a:t> tomaremos como entrada la </a:t>
+            </a:r>
+            <a:r>
+              <a:rPr lang="es-ES_tradnl" baseline="0" dirty="0" err="1" smtClean="0"/>
+              <a:t>guia</a:t>
+            </a:r>
+            <a:r>
+              <a:rPr lang="es-ES_tradnl" baseline="0" dirty="0" smtClean="0"/>
+              <a:t> de </a:t>
+            </a:r>
+            <a:r>
+              <a:rPr lang="es-ES_tradnl" baseline="0" dirty="0" err="1" smtClean="0"/>
+              <a:t>interpretacion</a:t>
+            </a:r>
+            <a:r>
+              <a:rPr lang="es-ES_tradnl" baseline="0" dirty="0" smtClean="0"/>
+              <a:t> de dichos datos disponible en la web del INE.</a:t>
+            </a:r>
+            <a:endParaRPr lang="es-ES" dirty="0" smtClean="0"/>
           </a:p>
         </p:txBody>
       </p:sp>
@@ -4491,55 +4906,53 @@
           <a:lstStyle/>
           <a:p>
             <a:r>
-              <a:rPr lang="es-ES" dirty="0"/>
-              <a:t>Analizando el proyecto a desarrollar se determinó que seguir un modelo de desarrollo software de tipo incremental, sería la opción más apropiada para acometer el problema en cuestión. Este modelo de desarrollo se caracteriza por plantear la planificación de un proyecto en distintos bloques temporales que pasaremos a denominar iteración.</a:t>
-            </a:r>
-          </a:p>
-          <a:p>
-            <a:r>
-              <a:rPr lang="es-ES" dirty="0"/>
-              <a:t>En cada iteración repetiremos el mismo proceso definido para el resto. De esta forma obtendremos un producto que funciona desde la primera iteración con un conjunto limitado de funcionalidad.</a:t>
-            </a:r>
-          </a:p>
-          <a:p>
-            <a:endParaRPr lang="es-ES" dirty="0"/>
-          </a:p>
-          <a:p>
-            <a:r>
-              <a:rPr lang="es-ES" sz="1200" kern="1200" dirty="0">
-                <a:solidFill>
-                  <a:schemeClr val="tx1"/>
-                </a:solidFill>
-                <a:effectLst/>
-                <a:latin typeface="+mn-lt"/>
-                <a:ea typeface="+mn-ea"/>
-                <a:cs typeface="+mn-cs"/>
-              </a:rPr>
-              <a:t>La elección de esta metodología de desarrollo se debe principalmente la naturaleza del proyecto, donde se plantean una serie de herramientas o aplicaciones independientes a modo de </a:t>
-            </a:r>
-            <a:r>
-              <a:rPr lang="es-ES" sz="1200" kern="1200" dirty="0" err="1">
-                <a:solidFill>
-                  <a:schemeClr val="tx1"/>
-                </a:solidFill>
-                <a:effectLst/>
-                <a:latin typeface="+mn-lt"/>
-                <a:ea typeface="+mn-ea"/>
-                <a:cs typeface="+mn-cs"/>
-              </a:rPr>
-              <a:t>toolbox</a:t>
-            </a:r>
-            <a:r>
-              <a:rPr lang="es-ES" sz="1200" kern="1200" dirty="0">
-                <a:solidFill>
-                  <a:schemeClr val="tx1"/>
-                </a:solidFill>
-                <a:effectLst/>
-                <a:latin typeface="+mn-lt"/>
-                <a:ea typeface="+mn-ea"/>
-                <a:cs typeface="+mn-cs"/>
-              </a:rPr>
-              <a:t>, pudiendo identificar un conjunto de estas dentro de la iteración.</a:t>
+              <a:rPr lang="es-ES" dirty="0" smtClean="0"/>
+              <a:t>Hablando de la planificación del proyecto,</a:t>
+            </a:r>
+            <a:r>
+              <a:rPr lang="es-ES" baseline="0" dirty="0" smtClean="0"/>
+              <a:t> en concreto de la </a:t>
+            </a:r>
+            <a:r>
+              <a:rPr lang="es-ES" baseline="0" dirty="0" err="1" smtClean="0"/>
+              <a:t>metodologia</a:t>
+            </a:r>
+            <a:r>
+              <a:rPr lang="es-ES" baseline="0" dirty="0" smtClean="0"/>
+              <a:t> de desarrollo utilizada, se ha optado por un modelo de desarrollo de tipo incremental. Este se </a:t>
+            </a:r>
+            <a:r>
+              <a:rPr lang="es-ES" baseline="0" dirty="0" err="1" smtClean="0"/>
+              <a:t>cartacteriza</a:t>
+            </a:r>
+            <a:r>
+              <a:rPr lang="es-ES" baseline="0" dirty="0" smtClean="0"/>
+              <a:t> por definir una serie de iteraciones donde al final de cada una se obtiene una </a:t>
+            </a:r>
+            <a:r>
+              <a:rPr lang="es-ES" baseline="0" dirty="0" err="1" smtClean="0"/>
+              <a:t>version</a:t>
+            </a:r>
+            <a:r>
+              <a:rPr lang="es-ES" baseline="0" dirty="0" smtClean="0"/>
+              <a:t> funcional de la aplicación con un conjunto concreto de funcionalidad.</a:t>
+            </a:r>
+          </a:p>
+          <a:p>
+            <a:endParaRPr lang="es-ES_tradnl" baseline="0" dirty="0" smtClean="0"/>
+          </a:p>
+          <a:p>
+            <a:r>
+              <a:rPr lang="es-ES_tradnl" baseline="0" dirty="0" smtClean="0"/>
+              <a:t>Este modelo parece adecuado para nuestro proyecto en </a:t>
+            </a:r>
+            <a:r>
+              <a:rPr lang="es-ES_tradnl" baseline="0" dirty="0" err="1" smtClean="0"/>
+              <a:t>cuestion</a:t>
+            </a:r>
+            <a:r>
+              <a:rPr lang="es-ES_tradnl" baseline="0" dirty="0" smtClean="0"/>
+              <a:t>, al estar planteado como un conjunto de herramientas aparentemente independientes sobre un mismo conjunto de datos</a:t>
             </a:r>
           </a:p>
         </p:txBody>
@@ -4630,213 +5043,53 @@
           <a:lstStyle/>
           <a:p>
             <a:r>
-              <a:rPr lang="es-ES" dirty="0"/>
-              <a:t>1.- Conceptualización e Interpretación de los datos</a:t>
-            </a:r>
-          </a:p>
-          <a:p>
-            <a:r>
-              <a:rPr lang="es-ES" dirty="0"/>
-              <a:t>estudia la viabilidad del proyecto, así como las tecnologías a utilizar. Aunque parecía claro el uso del lenguaje R, se barajaban distintas alternativas de como plantear la interfaz hombre-maquina. Después de un primer análisis de las posibles capacidades de la herramienta, se determina como prueba de viabilidad el poder hacer una interpretación de los datos a tratar de la EPA que ofrece el INE.</a:t>
-            </a:r>
-          </a:p>
-          <a:p>
-            <a:endParaRPr lang="es-ES" dirty="0"/>
-          </a:p>
-          <a:p>
-            <a:r>
-              <a:rPr lang="es-ES" dirty="0"/>
-              <a:t>Segunda iteración: Diseño de la base de datos</a:t>
-            </a:r>
-          </a:p>
-          <a:p>
-            <a:r>
-              <a:rPr lang="es-ES" dirty="0"/>
-              <a:t>Después de esta primera fase de interpretación de los datos se determina como necesario el almacenar los mismos en una base de datos local. Esto es debido a cuestiones de eficiencia y rendimiento por el gran volumen de datos a tratar.</a:t>
-            </a:r>
-          </a:p>
-          <a:p>
-            <a:r>
-              <a:rPr lang="es-ES" dirty="0"/>
-              <a:t>De esta forma en esta fase se diseñan las estrategias para hacer un uso eficiente de los datos, así como planear su captura y almacenamiento.</a:t>
-            </a:r>
-          </a:p>
-          <a:p>
-            <a:r>
-              <a:rPr lang="es-ES" dirty="0"/>
-              <a:t> </a:t>
-            </a:r>
-          </a:p>
-          <a:p>
-            <a:r>
-              <a:rPr lang="es-ES" dirty="0"/>
-              <a:t>Tercera iteración: Incorporación de Análisis Exploratorio de Datos</a:t>
-            </a:r>
-          </a:p>
-          <a:p>
-            <a:r>
-              <a:rPr lang="es-ES" dirty="0"/>
-              <a:t>En esta iteración los esfuerzos se vuelcan en estudiar las técnicas más usadas de Análisis Exploratorio de Datos o EDA (</a:t>
-            </a:r>
-            <a:r>
-              <a:rPr lang="es-ES" dirty="0" err="1"/>
-              <a:t>Exploratory</a:t>
-            </a:r>
-            <a:r>
-              <a:rPr lang="es-ES" dirty="0"/>
-              <a:t> Data </a:t>
-            </a:r>
-            <a:r>
-              <a:rPr lang="es-ES" dirty="0" err="1"/>
-              <a:t>Analisys</a:t>
-            </a:r>
-            <a:r>
-              <a:rPr lang="es-ES" dirty="0"/>
-              <a:t>), así como las posibilidades de uso de distintas visualizaciones de los datos y su encaje con la herramienta.</a:t>
-            </a:r>
-          </a:p>
-          <a:p>
-            <a:r>
-              <a:rPr lang="es-ES" dirty="0"/>
-              <a:t>Una vez realizado el estudio a través de distintos cursos y fuentes de referencia se procede a sintetizar las visualizaciones o análisis más interesantes en distintas categorías.</a:t>
-            </a:r>
-          </a:p>
-          <a:p>
-            <a:endParaRPr lang="es-ES" dirty="0"/>
-          </a:p>
-          <a:p>
-            <a:r>
-              <a:rPr lang="es-ES" dirty="0"/>
-              <a:t>Cuarta iteración: Incorporación del motor para exportación documental</a:t>
-            </a:r>
-          </a:p>
-          <a:p>
-            <a:r>
-              <a:rPr lang="es-ES" dirty="0"/>
-              <a:t>De forma paralela a la iteración anterior se lanza la incorporación de un exportador de documentación, capaz de automatizar la obtención de ciertos informes básicos haciendo uso de los datos almacenados de la EPA.</a:t>
-            </a:r>
-          </a:p>
-          <a:p>
-            <a:r>
-              <a:rPr lang="es-ES" dirty="0"/>
-              <a:t>Para esto se toman como ejemplo las notas de prensa que el propio INE genera en cada uno de sus ejercicios trimestrales, con el objetivo de automatizar lo máximo posible la generación de dichas notas de prensa.</a:t>
-            </a:r>
-          </a:p>
-          <a:p>
-            <a:endParaRPr lang="es-ES" dirty="0"/>
-          </a:p>
-          <a:p>
-            <a:r>
-              <a:rPr lang="es-ES" dirty="0"/>
-              <a:t>Quinta iteración: Incorporación de Actualización de la Base de Datos</a:t>
-            </a:r>
-          </a:p>
-          <a:p>
-            <a:r>
-              <a:rPr lang="es-ES" dirty="0"/>
-              <a:t>Una vez llegados a este punto se detecta como necesaria la incorporación de un mecanismo automatizado de detección de nuevas actualizaciones de los datos de la EPA por parte del INE, así como la importación y normalización de estos datos a la base de datos local.</a:t>
-            </a:r>
-          </a:p>
-          <a:p>
-            <a:r>
-              <a:rPr lang="es-ES" dirty="0"/>
-              <a:t>En esta iteración se implementa este mecanismo avisando al usuario de la existencia de estos nuevos ficheros publicados y de la posibilidad de incluirlos a su repositorio.</a:t>
-            </a:r>
-          </a:p>
-          <a:p>
-            <a:r>
-              <a:rPr lang="es-ES" dirty="0"/>
-              <a:t> </a:t>
-            </a:r>
-          </a:p>
-          <a:p>
-            <a:r>
-              <a:rPr lang="es-ES" dirty="0"/>
-              <a:t>Sexta iteración: Incorporación de Reglas de Asociación</a:t>
-            </a:r>
-          </a:p>
-          <a:p>
-            <a:r>
-              <a:rPr lang="es-ES" dirty="0"/>
-              <a:t>Llegados a este punto se estudia el posible uso y explotación de los datos haciendo uso de distintas técnicas de aprendizaje máquina, donde surgen como mejores candidatos técnicas de aprendizaje no supervisado como reglas de asociación o técnicas de agrupamiento (o </a:t>
-            </a:r>
-            <a:r>
-              <a:rPr lang="es-ES" dirty="0" err="1"/>
-              <a:t>clustering</a:t>
-            </a:r>
-            <a:r>
-              <a:rPr lang="es-ES" dirty="0"/>
-              <a:t>).</a:t>
-            </a:r>
-          </a:p>
-          <a:p>
-            <a:r>
-              <a:rPr lang="es-ES" dirty="0"/>
-              <a:t>Aquí se estudia que posibilidades de visualización y explotación de reglas de asociación son las más comunes entre la comunidad, y se hace una implementación de algunas de las mismas en la herramienta.</a:t>
-            </a:r>
-          </a:p>
-          <a:p>
-            <a:endParaRPr lang="es-ES" dirty="0"/>
-          </a:p>
-          <a:p>
-            <a:r>
-              <a:rPr lang="es-ES" dirty="0"/>
-              <a:t>Séptima iteración: Incorporación de Técnicas de Agrupamiento</a:t>
-            </a:r>
-          </a:p>
-          <a:p>
-            <a:r>
-              <a:rPr lang="es-ES" dirty="0"/>
-              <a:t>Por último, en esta iteración se continua con el esfuerzo por la implementación de técnicas de aprendizaje maquina sobre los datos de la EPA, considerando como interesante el uso de técnicas de agrupamiento (</a:t>
-            </a:r>
-            <a:r>
-              <a:rPr lang="es-ES" dirty="0" err="1"/>
-              <a:t>clustering</a:t>
-            </a:r>
-            <a:r>
-              <a:rPr lang="es-ES" dirty="0"/>
-              <a:t>).</a:t>
-            </a:r>
-          </a:p>
-          <a:p>
-            <a:r>
-              <a:rPr lang="es-ES" dirty="0"/>
-              <a:t>Debido a la naturaleza categórica de los datos se considera hacer uso de algoritmos alternativos a los clásicos de </a:t>
-            </a:r>
-            <a:r>
-              <a:rPr lang="es-ES" dirty="0" err="1"/>
-              <a:t>clustering</a:t>
-            </a:r>
-            <a:r>
-              <a:rPr lang="es-ES" dirty="0"/>
-              <a:t> como k-</a:t>
-            </a:r>
-            <a:r>
-              <a:rPr lang="es-ES" dirty="0" err="1"/>
-              <a:t>means</a:t>
-            </a:r>
-            <a:r>
-              <a:rPr lang="es-ES" dirty="0"/>
-              <a:t> (</a:t>
-            </a:r>
-            <a:r>
-              <a:rPr lang="es-ES" dirty="0" err="1"/>
-              <a:t>MacQueen</a:t>
-            </a:r>
-            <a:r>
-              <a:rPr lang="es-ES" dirty="0"/>
-              <a:t>, 1967) más basados en observaciones numéricas. Se presenta como mejor candidato el algoritmo de los k-</a:t>
-            </a:r>
-            <a:r>
-              <a:rPr lang="es-ES" dirty="0" err="1"/>
-              <a:t>modes</a:t>
-            </a:r>
-            <a:r>
-              <a:rPr lang="es-ES" dirty="0"/>
-              <a:t> [13].</a:t>
-            </a:r>
-          </a:p>
-          <a:p>
+              <a:rPr lang="es-ES_tradnl" dirty="0" smtClean="0"/>
+              <a:t>En esta</a:t>
+            </a:r>
+            <a:r>
+              <a:rPr lang="es-ES_tradnl" baseline="0" dirty="0" smtClean="0"/>
+              <a:t> podemos observar tanto las iteraciones definidas, como una </a:t>
+            </a:r>
+            <a:r>
+              <a:rPr lang="es-ES_tradnl" baseline="0" dirty="0" err="1" smtClean="0"/>
+              <a:t>relacion</a:t>
+            </a:r>
+            <a:r>
+              <a:rPr lang="es-ES_tradnl" baseline="0" dirty="0" smtClean="0"/>
+              <a:t> del tiempo estimado para el desarrollo para cada </a:t>
+            </a:r>
+            <a:r>
+              <a:rPr lang="es-ES_tradnl" baseline="0" dirty="0" err="1" smtClean="0"/>
+              <a:t>iteracion</a:t>
+            </a:r>
+            <a:r>
+              <a:rPr lang="es-ES_tradnl" baseline="0" dirty="0" smtClean="0"/>
+              <a:t> </a:t>
+            </a:r>
+            <a:r>
+              <a:rPr lang="es-ES_tradnl" baseline="0" dirty="0" err="1" smtClean="0"/>
+              <a:t>asi</a:t>
+            </a:r>
+            <a:r>
+              <a:rPr lang="es-ES_tradnl" baseline="0" dirty="0" smtClean="0"/>
+              <a:t> como su </a:t>
+            </a:r>
+            <a:r>
+              <a:rPr lang="es-ES_tradnl" baseline="0" dirty="0" err="1" smtClean="0"/>
+              <a:t>desviacion</a:t>
+            </a:r>
+            <a:r>
+              <a:rPr lang="es-ES_tradnl" baseline="0" dirty="0" smtClean="0"/>
+              <a:t> real. Se observan ciertas desviaciones importantes al inicio del proyecto por el tiempo invertido en el inicio a estudiar las </a:t>
+            </a:r>
+            <a:r>
+              <a:rPr lang="es-ES_tradnl" baseline="0" dirty="0" err="1" smtClean="0"/>
+              <a:t>tecnologias</a:t>
+            </a:r>
+            <a:r>
+              <a:rPr lang="es-ES_tradnl" baseline="0" dirty="0" smtClean="0"/>
+              <a:t> utilizadas.</a:t>
+            </a:r>
             <a:endParaRPr lang="es-ES" dirty="0"/>
           </a:p>
         </p:txBody>
@@ -5018,7 +5271,7 @@
           <a:p>
             <a:fld id="{ECD19FB2-3AAB-4D03-B13A-2960828C78E3}" type="datetimeFigureOut">
               <a:rPr lang="en-US" smtClean="0"/>
-              <a:t>9/28/2017</a:t>
+              <a:t>10/3/2017</a:t>
             </a:fld>
             <a:endParaRPr lang="en-US" dirty="0"/>
           </a:p>
@@ -5077,7 +5330,7 @@
           <p:cNvPr id="8" name="Picture 2" descr="\\DROBO-FS\QuickDrops\JB\PPTX NG\Droplets\LightingOverlay.png">
             <a:extLst>
               <a:ext uri="{FF2B5EF4-FFF2-40B4-BE49-F238E27FC236}">
-                <a16:creationId xmlns:a16="http://schemas.microsoft.com/office/drawing/2014/main" id="{BB2D9638-EDAA-452D-B8E9-76EDB852D265}"/>
+                <a16:creationId xmlns:a16="http://schemas.microsoft.com/office/drawing/2014/main" xmlns="" id="{BB2D9638-EDAA-452D-B8E9-76EDB852D265}"/>
               </a:ext>
             </a:extLst>
           </p:cNvPr>
@@ -5384,7 +5637,7 @@
           <a:p>
             <a:fld id="{1B80C674-7DFC-42FE-B9CD-82963CDB1557}" type="datetimeFigureOut">
               <a:rPr lang="en-US" smtClean="0"/>
-              <a:t>9/28/2017</a:t>
+              <a:t>10/3/2017</a:t>
             </a:fld>
             <a:endParaRPr lang="en-US" dirty="0"/>
           </a:p>
@@ -5442,7 +5695,7 @@
           <p:cNvPr id="9" name="Picture 2" descr="\\DROBO-FS\QuickDrops\JB\PPTX NG\Droplets\LightingOverlay.png">
             <a:extLst>
               <a:ext uri="{FF2B5EF4-FFF2-40B4-BE49-F238E27FC236}">
-                <a16:creationId xmlns:a16="http://schemas.microsoft.com/office/drawing/2014/main" id="{773916EC-B53F-4095-9EDD-26FC18F0654C}"/>
+                <a16:creationId xmlns:a16="http://schemas.microsoft.com/office/drawing/2014/main" xmlns="" id="{773916EC-B53F-4095-9EDD-26FC18F0654C}"/>
               </a:ext>
             </a:extLst>
           </p:cNvPr>
@@ -5659,7 +5912,7 @@
           <a:p>
             <a:fld id="{2076456F-F47D-4F25-8053-2A695DA0CA7D}" type="datetimeFigureOut">
               <a:rPr lang="en-US" smtClean="0"/>
-              <a:t>9/28/2017</a:t>
+              <a:t>10/3/2017</a:t>
             </a:fld>
             <a:endParaRPr lang="en-US" dirty="0"/>
           </a:p>
@@ -5717,7 +5970,7 @@
           <p:cNvPr id="9" name="Picture 2" descr="\\DROBO-FS\QuickDrops\JB\PPTX NG\Droplets\LightingOverlay.png">
             <a:extLst>
               <a:ext uri="{FF2B5EF4-FFF2-40B4-BE49-F238E27FC236}">
-                <a16:creationId xmlns:a16="http://schemas.microsoft.com/office/drawing/2014/main" id="{E59FC717-03B1-4EF9-8C14-64CCC0F5C5FD}"/>
+                <a16:creationId xmlns:a16="http://schemas.microsoft.com/office/drawing/2014/main" xmlns="" id="{E59FC717-03B1-4EF9-8C14-64CCC0F5C5FD}"/>
               </a:ext>
             </a:extLst>
           </p:cNvPr>
@@ -6003,7 +6256,7 @@
           <a:p>
             <a:fld id="{5D6C7379-69CC-4837-9905-BEBA22830C8A}" type="datetimeFigureOut">
               <a:rPr lang="en-US" smtClean="0"/>
-              <a:t>9/28/2017</a:t>
+              <a:t>10/3/2017</a:t>
             </a:fld>
             <a:endParaRPr lang="en-US" dirty="0"/>
           </a:p>
@@ -6293,7 +6546,7 @@
           <p:cNvPr id="15" name="Picture 2" descr="\\DROBO-FS\QuickDrops\JB\PPTX NG\Droplets\LightingOverlay.png">
             <a:extLst>
               <a:ext uri="{FF2B5EF4-FFF2-40B4-BE49-F238E27FC236}">
-                <a16:creationId xmlns:a16="http://schemas.microsoft.com/office/drawing/2014/main" id="{BCD924DC-8B74-4338-A94A-1C7FABD6244B}"/>
+                <a16:creationId xmlns:a16="http://schemas.microsoft.com/office/drawing/2014/main" xmlns="" id="{BCD924DC-8B74-4338-A94A-1C7FABD6244B}"/>
               </a:ext>
             </a:extLst>
           </p:cNvPr>
@@ -6510,7 +6763,7 @@
           <a:p>
             <a:fld id="{49EB8B7E-8AEE-4F10-BFEE-C999AD004D36}" type="datetimeFigureOut">
               <a:rPr lang="en-US" smtClean="0"/>
-              <a:t>9/28/2017</a:t>
+              <a:t>10/3/2017</a:t>
             </a:fld>
             <a:endParaRPr lang="en-US" dirty="0"/>
           </a:p>
@@ -6568,7 +6821,7 @@
           <p:cNvPr id="9" name="Picture 2" descr="\\DROBO-FS\QuickDrops\JB\PPTX NG\Droplets\LightingOverlay.png">
             <a:extLst>
               <a:ext uri="{FF2B5EF4-FFF2-40B4-BE49-F238E27FC236}">
-                <a16:creationId xmlns:a16="http://schemas.microsoft.com/office/drawing/2014/main" id="{287775C8-476D-453C-A5B5-DC48C825545B}"/>
+                <a16:creationId xmlns:a16="http://schemas.microsoft.com/office/drawing/2014/main" xmlns="" id="{287775C8-476D-453C-A5B5-DC48C825545B}"/>
               </a:ext>
             </a:extLst>
           </p:cNvPr>
@@ -7139,7 +7392,7 @@
           <a:p>
             <a:fld id="{8668F3F9-58BC-440B-B37B-805B9055EF92}" type="datetimeFigureOut">
               <a:rPr lang="en-US" smtClean="0"/>
-              <a:t>9/28/2017</a:t>
+              <a:t>10/3/2017</a:t>
             </a:fld>
             <a:endParaRPr lang="en-US" dirty="0"/>
           </a:p>
@@ -7197,7 +7450,7 @@
           <p:cNvPr id="14" name="Picture 2" descr="\\DROBO-FS\QuickDrops\JB\PPTX NG\Droplets\LightingOverlay.png">
             <a:extLst>
               <a:ext uri="{FF2B5EF4-FFF2-40B4-BE49-F238E27FC236}">
-                <a16:creationId xmlns:a16="http://schemas.microsoft.com/office/drawing/2014/main" id="{B4051DFC-68E6-4EAE-9204-D15EC9C64AE4}"/>
+                <a16:creationId xmlns:a16="http://schemas.microsoft.com/office/drawing/2014/main" xmlns="" id="{B4051DFC-68E6-4EAE-9204-D15EC9C64AE4}"/>
               </a:ext>
             </a:extLst>
           </p:cNvPr>
@@ -8044,7 +8297,7 @@
           <a:p>
             <a:fld id="{0D5A53AF-48EA-489D-8260-9DCAB666386A}" type="datetimeFigureOut">
               <a:rPr lang="en-US" smtClean="0"/>
-              <a:t>9/28/2017</a:t>
+              <a:t>10/3/2017</a:t>
             </a:fld>
             <a:endParaRPr lang="en-US" dirty="0"/>
           </a:p>
@@ -8102,7 +8355,7 @@
           <p:cNvPr id="17" name="Picture 2" descr="\\DROBO-FS\QuickDrops\JB\PPTX NG\Droplets\LightingOverlay.png">
             <a:extLst>
               <a:ext uri="{FF2B5EF4-FFF2-40B4-BE49-F238E27FC236}">
-                <a16:creationId xmlns:a16="http://schemas.microsoft.com/office/drawing/2014/main" id="{262D40C3-2F55-45C0-9D33-68B4872A0C7B}"/>
+                <a16:creationId xmlns:a16="http://schemas.microsoft.com/office/drawing/2014/main" xmlns="" id="{262D40C3-2F55-45C0-9D33-68B4872A0C7B}"/>
               </a:ext>
             </a:extLst>
           </p:cNvPr>
@@ -8302,7 +8555,7 @@
           <a:p>
             <a:fld id="{0DED02AE-B9A4-47BD-AF8E-97E16144138B}" type="datetimeFigureOut">
               <a:rPr lang="en-US" smtClean="0"/>
-              <a:t>9/28/2017</a:t>
+              <a:t>10/3/2017</a:t>
             </a:fld>
             <a:endParaRPr lang="en-US" dirty="0"/>
           </a:p>
@@ -8360,7 +8613,7 @@
           <p:cNvPr id="9" name="Picture 2" descr="\\DROBO-FS\QuickDrops\JB\PPTX NG\Droplets\LightingOverlay.png">
             <a:extLst>
               <a:ext uri="{FF2B5EF4-FFF2-40B4-BE49-F238E27FC236}">
-                <a16:creationId xmlns:a16="http://schemas.microsoft.com/office/drawing/2014/main" id="{1DE70837-6AB2-4EB4-95FE-1788667BFBBC}"/>
+                <a16:creationId xmlns:a16="http://schemas.microsoft.com/office/drawing/2014/main" xmlns="" id="{1DE70837-6AB2-4EB4-95FE-1788667BFBBC}"/>
               </a:ext>
             </a:extLst>
           </p:cNvPr>
@@ -8569,7 +8822,7 @@
           <a:p>
             <a:fld id="{CF0FD78B-DB02-4362-BCDC-98A55456977C}" type="datetimeFigureOut">
               <a:rPr lang="en-US" smtClean="0"/>
-              <a:t>9/28/2017</a:t>
+              <a:t>10/3/2017</a:t>
             </a:fld>
             <a:endParaRPr lang="en-US" dirty="0"/>
           </a:p>
@@ -8627,7 +8880,7 @@
           <p:cNvPr id="10" name="Picture 2" descr="\\DROBO-FS\QuickDrops\JB\PPTX NG\Droplets\LightingOverlay.png">
             <a:extLst>
               <a:ext uri="{FF2B5EF4-FFF2-40B4-BE49-F238E27FC236}">
-                <a16:creationId xmlns:a16="http://schemas.microsoft.com/office/drawing/2014/main" id="{A7263DB3-5F45-4A4E-A63B-2A39A8C2D969}"/>
+                <a16:creationId xmlns:a16="http://schemas.microsoft.com/office/drawing/2014/main" xmlns="" id="{A7263DB3-5F45-4A4E-A63B-2A39A8C2D969}"/>
               </a:ext>
             </a:extLst>
           </p:cNvPr>
@@ -8675,7 +8928,7 @@
           <p:cNvPr id="11" name="Picture 9" descr="Droplets-SD-Content-R1d.png">
             <a:extLst>
               <a:ext uri="{FF2B5EF4-FFF2-40B4-BE49-F238E27FC236}">
-                <a16:creationId xmlns:a16="http://schemas.microsoft.com/office/drawing/2014/main" id="{5CB1D05B-5BA2-435D-8EC2-C6382F45EF40}"/>
+                <a16:creationId xmlns:a16="http://schemas.microsoft.com/office/drawing/2014/main" xmlns="" id="{5CB1D05B-5BA2-435D-8EC2-C6382F45EF40}"/>
               </a:ext>
             </a:extLst>
           </p:cNvPr>
@@ -8833,7 +9086,7 @@
           <a:p>
             <a:fld id="{99916976-5D93-46E4-A98A-FAD63E4D0EA8}" type="datetimeFigureOut">
               <a:rPr lang="en-US" smtClean="0"/>
-              <a:t>9/28/2017</a:t>
+              <a:t>10/3/2017</a:t>
             </a:fld>
             <a:endParaRPr lang="en-US" dirty="0"/>
           </a:p>
@@ -8891,7 +9144,7 @@
           <p:cNvPr id="8" name="Picture 2" descr="\\DROBO-FS\QuickDrops\JB\PPTX NG\Droplets\LightingOverlay.png">
             <a:extLst>
               <a:ext uri="{FF2B5EF4-FFF2-40B4-BE49-F238E27FC236}">
-                <a16:creationId xmlns:a16="http://schemas.microsoft.com/office/drawing/2014/main" id="{4AE98F2D-F613-4F2A-BEA5-5E73007DD25C}"/>
+                <a16:creationId xmlns:a16="http://schemas.microsoft.com/office/drawing/2014/main" xmlns="" id="{4AE98F2D-F613-4F2A-BEA5-5E73007DD25C}"/>
               </a:ext>
             </a:extLst>
           </p:cNvPr>
@@ -9166,7 +9419,7 @@
           <a:p>
             <a:fld id="{0F39F4F5-F4D2-4D2A-AB60-88D37ADCB869}" type="datetimeFigureOut">
               <a:rPr lang="en-US" smtClean="0"/>
-              <a:t>9/28/2017</a:t>
+              <a:t>10/3/2017</a:t>
             </a:fld>
             <a:endParaRPr lang="en-US" dirty="0"/>
           </a:p>
@@ -9224,7 +9477,7 @@
           <p:cNvPr id="8" name="Picture 2" descr="\\DROBO-FS\QuickDrops\JB\PPTX NG\Droplets\LightingOverlay.png">
             <a:extLst>
               <a:ext uri="{FF2B5EF4-FFF2-40B4-BE49-F238E27FC236}">
-                <a16:creationId xmlns:a16="http://schemas.microsoft.com/office/drawing/2014/main" id="{E64C476D-6EA0-4DD8-BFD8-04539BCA98CA}"/>
+                <a16:creationId xmlns:a16="http://schemas.microsoft.com/office/drawing/2014/main" xmlns="" id="{E64C476D-6EA0-4DD8-BFD8-04539BCA98CA}"/>
               </a:ext>
             </a:extLst>
           </p:cNvPr>
@@ -9486,7 +9739,7 @@
           <a:p>
             <a:fld id="{D23BC6CE-6D1E-47E5-8859-F31AC5380EB2}" type="datetimeFigureOut">
               <a:rPr lang="en-US" smtClean="0"/>
-              <a:t>9/28/2017</a:t>
+              <a:t>10/3/2017</a:t>
             </a:fld>
             <a:endParaRPr lang="en-US" dirty="0"/>
           </a:p>
@@ -9544,7 +9797,7 @@
           <p:cNvPr id="9" name="Picture 2" descr="\\DROBO-FS\QuickDrops\JB\PPTX NG\Droplets\LightingOverlay.png">
             <a:extLst>
               <a:ext uri="{FF2B5EF4-FFF2-40B4-BE49-F238E27FC236}">
-                <a16:creationId xmlns:a16="http://schemas.microsoft.com/office/drawing/2014/main" id="{FAC113B1-0728-4CFA-9FD0-6F086F28038F}"/>
+                <a16:creationId xmlns:a16="http://schemas.microsoft.com/office/drawing/2014/main" xmlns="" id="{FAC113B1-0728-4CFA-9FD0-6F086F28038F}"/>
               </a:ext>
             </a:extLst>
           </p:cNvPr>
@@ -9954,7 +10207,7 @@
           <a:p>
             <a:fld id="{B1B4E7C4-4DA4-404D-9965-B13F2DD7D8BF}" type="datetimeFigureOut">
               <a:rPr lang="en-US" smtClean="0"/>
-              <a:t>9/28/2017</a:t>
+              <a:t>10/3/2017</a:t>
             </a:fld>
             <a:endParaRPr lang="en-US" dirty="0"/>
           </a:p>
@@ -10012,7 +10265,7 @@
           <p:cNvPr id="11" name="Picture 2" descr="\\DROBO-FS\QuickDrops\JB\PPTX NG\Droplets\LightingOverlay.png">
             <a:extLst>
               <a:ext uri="{FF2B5EF4-FFF2-40B4-BE49-F238E27FC236}">
-                <a16:creationId xmlns:a16="http://schemas.microsoft.com/office/drawing/2014/main" id="{9F483685-90B5-46AE-8B86-502564A856D6}"/>
+                <a16:creationId xmlns:a16="http://schemas.microsoft.com/office/drawing/2014/main" xmlns="" id="{9F483685-90B5-46AE-8B86-502564A856D6}"/>
               </a:ext>
             </a:extLst>
           </p:cNvPr>
@@ -10155,7 +10408,7 @@
           <a:p>
             <a:fld id="{476FB7AA-4A53-424F-AD41-70827B6504BA}" type="datetimeFigureOut">
               <a:rPr lang="en-US" smtClean="0"/>
-              <a:t>9/28/2017</a:t>
+              <a:t>10/3/2017</a:t>
             </a:fld>
             <a:endParaRPr lang="en-US" dirty="0"/>
           </a:p>
@@ -10213,7 +10466,7 @@
           <p:cNvPr id="7" name="Picture 2" descr="\\DROBO-FS\QuickDrops\JB\PPTX NG\Droplets\LightingOverlay.png">
             <a:extLst>
               <a:ext uri="{FF2B5EF4-FFF2-40B4-BE49-F238E27FC236}">
-                <a16:creationId xmlns:a16="http://schemas.microsoft.com/office/drawing/2014/main" id="{3B652FAF-E18A-44B8-8571-1CFE72785B2A}"/>
+                <a16:creationId xmlns:a16="http://schemas.microsoft.com/office/drawing/2014/main" xmlns="" id="{3B652FAF-E18A-44B8-8571-1CFE72785B2A}"/>
               </a:ext>
             </a:extLst>
           </p:cNvPr>
@@ -10333,7 +10586,7 @@
           <a:p>
             <a:fld id="{E7884882-FB12-4BC8-9960-9AD8104D7FAE}" type="datetimeFigureOut">
               <a:rPr lang="en-US" smtClean="0"/>
-              <a:t>9/28/2017</a:t>
+              <a:t>10/3/2017</a:t>
             </a:fld>
             <a:endParaRPr lang="en-US" dirty="0"/>
           </a:p>
@@ -10391,7 +10644,7 @@
           <p:cNvPr id="6" name="Picture 2" descr="\\DROBO-FS\QuickDrops\JB\PPTX NG\Droplets\LightingOverlay.png">
             <a:extLst>
               <a:ext uri="{FF2B5EF4-FFF2-40B4-BE49-F238E27FC236}">
-                <a16:creationId xmlns:a16="http://schemas.microsoft.com/office/drawing/2014/main" id="{7C6D86A9-83AE-489A-803C-E561AE2AA219}"/>
+                <a16:creationId xmlns:a16="http://schemas.microsoft.com/office/drawing/2014/main" xmlns="" id="{7C6D86A9-83AE-489A-803C-E561AE2AA219}"/>
               </a:ext>
             </a:extLst>
           </p:cNvPr>
@@ -10665,7 +10918,7 @@
           <a:p>
             <a:fld id="{F7D1BD23-6E54-4D9D-AD88-A2813C73CC25}" type="datetimeFigureOut">
               <a:rPr lang="en-US" smtClean="0"/>
-              <a:t>9/28/2017</a:t>
+              <a:t>10/3/2017</a:t>
             </a:fld>
             <a:endParaRPr lang="en-US" dirty="0"/>
           </a:p>
@@ -10723,7 +10976,7 @@
           <p:cNvPr id="9" name="Picture 2" descr="\\DROBO-FS\QuickDrops\JB\PPTX NG\Droplets\LightingOverlay.png">
             <a:extLst>
               <a:ext uri="{FF2B5EF4-FFF2-40B4-BE49-F238E27FC236}">
-                <a16:creationId xmlns:a16="http://schemas.microsoft.com/office/drawing/2014/main" id="{6BB96B7D-248E-491E-840E-F7EFDFC8D289}"/>
+                <a16:creationId xmlns:a16="http://schemas.microsoft.com/office/drawing/2014/main" xmlns="" id="{6BB96B7D-248E-491E-840E-F7EFDFC8D289}"/>
               </a:ext>
             </a:extLst>
           </p:cNvPr>
@@ -11030,7 +11283,7 @@
           <a:p>
             <a:fld id="{1471A834-4F3C-4AF9-9C74-05EC35A0F292}" type="datetimeFigureOut">
               <a:rPr lang="en-US" smtClean="0"/>
-              <a:t>9/28/2017</a:t>
+              <a:t>10/3/2017</a:t>
             </a:fld>
             <a:endParaRPr lang="en-US" dirty="0"/>
           </a:p>
@@ -11088,7 +11341,7 @@
           <p:cNvPr id="9" name="Picture 2" descr="\\DROBO-FS\QuickDrops\JB\PPTX NG\Droplets\LightingOverlay.png">
             <a:extLst>
               <a:ext uri="{FF2B5EF4-FFF2-40B4-BE49-F238E27FC236}">
-                <a16:creationId xmlns:a16="http://schemas.microsoft.com/office/drawing/2014/main" id="{F6B66F00-0400-47C9-9E89-88DE2A513FF0}"/>
+                <a16:creationId xmlns:a16="http://schemas.microsoft.com/office/drawing/2014/main" xmlns="" id="{F6B66F00-0400-47C9-9E89-88DE2A513FF0}"/>
               </a:ext>
             </a:extLst>
           </p:cNvPr>
@@ -11336,7 +11589,7 @@
           <a:p>
             <a:fld id="{51CF1133-3259-4C45-BABA-5B62D9C6F78D}" type="datetimeFigureOut">
               <a:rPr lang="en-US" smtClean="0"/>
-              <a:t>9/28/2017</a:t>
+              <a:t>10/3/2017</a:t>
             </a:fld>
             <a:endParaRPr lang="en-US" dirty="0"/>
           </a:p>
@@ -12207,7 +12460,7 @@
           <p:cNvPr id="7" name="Subtítulo 2">
             <a:extLst>
               <a:ext uri="{FF2B5EF4-FFF2-40B4-BE49-F238E27FC236}">
-                <a16:creationId xmlns:a16="http://schemas.microsoft.com/office/drawing/2014/main" id="{9719150C-A15C-468E-9E6D-794A35485442}"/>
+                <a16:creationId xmlns:a16="http://schemas.microsoft.com/office/drawing/2014/main" xmlns="" id="{9719150C-A15C-468E-9E6D-794A35485442}"/>
               </a:ext>
             </a:extLst>
           </p:cNvPr>
@@ -12495,15 +12748,22 @@
           </a:lstStyle>
           <a:p>
             <a:r>
-              <a:rPr lang="es-ES" b="1" dirty="0">
+              <a:rPr lang="es-ES" b="1" dirty="0" smtClean="0">
                 <a:solidFill>
                   <a:schemeClr val="tx1">
                     <a:lumMod val="95000"/>
                   </a:schemeClr>
                 </a:solidFill>
               </a:rPr>
-              <a:t>Directores</a:t>
-            </a:r>
+              <a:t>Tutores</a:t>
+            </a:r>
+            <a:endParaRPr lang="es-ES" b="1" dirty="0">
+              <a:solidFill>
+                <a:schemeClr val="tx1">
+                  <a:lumMod val="95000"/>
+                </a:schemeClr>
+              </a:solidFill>
+            </a:endParaRPr>
           </a:p>
           <a:p>
             <a:r>
@@ -12566,7 +12826,7 @@
           <p:cNvPr id="22" name="Rectángulo 21">
             <a:extLst>
               <a:ext uri="{FF2B5EF4-FFF2-40B4-BE49-F238E27FC236}">
-                <a16:creationId xmlns:a16="http://schemas.microsoft.com/office/drawing/2014/main" id="{B06810B5-A355-4542-AF94-4C0FD93B2A2B}"/>
+                <a16:creationId xmlns:a16="http://schemas.microsoft.com/office/drawing/2014/main" xmlns="" id="{B06810B5-A355-4542-AF94-4C0FD93B2A2B}"/>
               </a:ext>
             </a:extLst>
           </p:cNvPr>
@@ -12647,7 +12907,7 @@
           <p:cNvPr id="8" name="Tabla 7">
             <a:extLst>
               <a:ext uri="{FF2B5EF4-FFF2-40B4-BE49-F238E27FC236}">
-                <a16:creationId xmlns:a16="http://schemas.microsoft.com/office/drawing/2014/main" id="{9024CE8E-A5EA-4441-BAEC-7F1EDF93547E}"/>
+                <a16:creationId xmlns:a16="http://schemas.microsoft.com/office/drawing/2014/main" xmlns="" id="{9024CE8E-A5EA-4441-BAEC-7F1EDF93547E}"/>
               </a:ext>
             </a:extLst>
           </p:cNvPr>
@@ -12657,7 +12917,7 @@
           <p:nvPr>
             <p:extLst>
               <p:ext uri="{D42A27DB-BD31-4B8C-83A1-F6EECF244321}">
-                <p14:modId xmlns:p14="http://schemas.microsoft.com/office/powerpoint/2010/main" val="3499709410"/>
+                <p14:modId xmlns:p14="http://schemas.microsoft.com/office/powerpoint/2010/main" val="1717227641"/>
               </p:ext>
             </p:extLst>
           </p:nvPr>
@@ -12676,14 +12936,14 @@
                 <a:gridCol w="3081338">
                   <a:extLst>
                     <a:ext uri="{9D8B030D-6E8A-4147-A177-3AD203B41FA5}">
-                      <a16:colId xmlns:a16="http://schemas.microsoft.com/office/drawing/2014/main" val="3756444116"/>
+                      <a16:colId xmlns:a16="http://schemas.microsoft.com/office/drawing/2014/main" xmlns="" val="3756444116"/>
                     </a:ext>
                   </a:extLst>
                 </a:gridCol>
                 <a:gridCol w="2476500">
                   <a:extLst>
                     <a:ext uri="{9D8B030D-6E8A-4147-A177-3AD203B41FA5}">
-                      <a16:colId xmlns:a16="http://schemas.microsoft.com/office/drawing/2014/main" val="661221149"/>
+                      <a16:colId xmlns:a16="http://schemas.microsoft.com/office/drawing/2014/main" xmlns="" val="661221149"/>
                     </a:ext>
                   </a:extLst>
                 </a:gridCol>
@@ -12694,7 +12954,7 @@
                     <a:bodyPr/>
                     <a:lstStyle/>
                     <a:p>
-                      <a:pPr marL="0" algn="just">
+                      <a:pPr marL="0" algn="ctr">
                         <a:lnSpc>
                           <a:spcPct val="150000"/>
                         </a:lnSpc>
@@ -12723,7 +12983,7 @@
                     <a:bodyPr/>
                     <a:lstStyle/>
                     <a:p>
-                      <a:pPr marL="0" algn="just">
+                      <a:pPr marL="0" algn="ctr">
                         <a:lnSpc>
                           <a:spcPct val="150000"/>
                         </a:lnSpc>
@@ -12735,7 +12995,19 @@
                         <a:rPr lang="es-ES" sz="1600" dirty="0">
                           <a:effectLst/>
                         </a:rPr>
-                        <a:t>Coste estimado (euros)</a:t>
+                        <a:t>Coste </a:t>
+                      </a:r>
+                      <a:r>
+                        <a:rPr lang="es-ES" sz="1600" dirty="0" smtClean="0">
+                          <a:effectLst/>
+                        </a:rPr>
+                        <a:t>(</a:t>
+                      </a:r>
+                      <a:r>
+                        <a:rPr lang="es-ES" sz="1600" dirty="0">
+                          <a:effectLst/>
+                        </a:rPr>
+                        <a:t>euros)</a:t>
                       </a:r>
                       <a:endParaRPr lang="es-ES" sz="1600" dirty="0">
                         <a:effectLst/>
@@ -12749,7 +13021,7 @@
                 </a:tc>
                 <a:extLst>
                   <a:ext uri="{0D108BD9-81ED-4DB2-BD59-A6C34878D82A}">
-                    <a16:rowId xmlns:a16="http://schemas.microsoft.com/office/drawing/2014/main" val="2432673530"/>
+                    <a16:rowId xmlns:a16="http://schemas.microsoft.com/office/drawing/2014/main" xmlns="" val="2432673530"/>
                   </a:ext>
                 </a:extLst>
               </a:tr>
@@ -12797,10 +13069,16 @@
                         </a:spcAft>
                       </a:pPr>
                       <a:r>
+                        <a:rPr lang="es-ES" sz="1600" dirty="0" smtClean="0">
+                          <a:effectLst/>
+                        </a:rPr>
+                        <a:t>1.968,20 </a:t>
+                      </a:r>
+                      <a:r>
                         <a:rPr lang="es-ES" sz="1600" dirty="0">
                           <a:effectLst/>
                         </a:rPr>
-                        <a:t>984,10 €</a:t>
+                        <a:t>€</a:t>
                       </a:r>
                       <a:endParaRPr lang="es-ES" sz="1600" dirty="0">
                         <a:effectLst/>
@@ -12814,7 +13092,7 @@
                 </a:tc>
                 <a:extLst>
                   <a:ext uri="{0D108BD9-81ED-4DB2-BD59-A6C34878D82A}">
-                    <a16:rowId xmlns:a16="http://schemas.microsoft.com/office/drawing/2014/main" val="4115906051"/>
+                    <a16:rowId xmlns:a16="http://schemas.microsoft.com/office/drawing/2014/main" xmlns="" val="4115906051"/>
                   </a:ext>
                 </a:extLst>
               </a:tr>
@@ -12879,7 +13157,7 @@
                 </a:tc>
                 <a:extLst>
                   <a:ext uri="{0D108BD9-81ED-4DB2-BD59-A6C34878D82A}">
-                    <a16:rowId xmlns:a16="http://schemas.microsoft.com/office/drawing/2014/main" val="538078724"/>
+                    <a16:rowId xmlns:a16="http://schemas.microsoft.com/office/drawing/2014/main" xmlns="" val="538078724"/>
                   </a:ext>
                 </a:extLst>
               </a:tr>
@@ -12944,7 +13222,7 @@
                 </a:tc>
                 <a:extLst>
                   <a:ext uri="{0D108BD9-81ED-4DB2-BD59-A6C34878D82A}">
-                    <a16:rowId xmlns:a16="http://schemas.microsoft.com/office/drawing/2014/main" val="2583863154"/>
+                    <a16:rowId xmlns:a16="http://schemas.microsoft.com/office/drawing/2014/main" xmlns="" val="2583863154"/>
                   </a:ext>
                 </a:extLst>
               </a:tr>
@@ -13009,7 +13287,7 @@
                 </a:tc>
                 <a:extLst>
                   <a:ext uri="{0D108BD9-81ED-4DB2-BD59-A6C34878D82A}">
-                    <a16:rowId xmlns:a16="http://schemas.microsoft.com/office/drawing/2014/main" val="1665298459"/>
+                    <a16:rowId xmlns:a16="http://schemas.microsoft.com/office/drawing/2014/main" xmlns="" val="1665298459"/>
                   </a:ext>
                 </a:extLst>
               </a:tr>
@@ -13057,10 +13335,16 @@
                         </a:spcAft>
                       </a:pPr>
                       <a:r>
+                        <a:rPr lang="es-ES" sz="1600" dirty="0" smtClean="0">
+                          <a:effectLst/>
+                        </a:rPr>
+                        <a:t>8.694,34 </a:t>
+                      </a:r>
+                      <a:r>
                         <a:rPr lang="es-ES" sz="1600" dirty="0">
                           <a:effectLst/>
                         </a:rPr>
-                        <a:t>7.710,24 €</a:t>
+                        <a:t>€</a:t>
                       </a:r>
                       <a:endParaRPr lang="es-ES" sz="1600" dirty="0">
                         <a:effectLst/>
@@ -13074,7 +13358,7 @@
                 </a:tc>
                 <a:extLst>
                   <a:ext uri="{0D108BD9-81ED-4DB2-BD59-A6C34878D82A}">
-                    <a16:rowId xmlns:a16="http://schemas.microsoft.com/office/drawing/2014/main" val="333326071"/>
+                    <a16:rowId xmlns:a16="http://schemas.microsoft.com/office/drawing/2014/main" xmlns="" val="333326071"/>
                   </a:ext>
                 </a:extLst>
               </a:tr>
@@ -13087,7 +13371,7 @@
           <p:cNvPr id="10" name="Rectángulo 9">
             <a:extLst>
               <a:ext uri="{FF2B5EF4-FFF2-40B4-BE49-F238E27FC236}">
-                <a16:creationId xmlns:a16="http://schemas.microsoft.com/office/drawing/2014/main" id="{51ED2D57-2C48-4D38-AB0F-17B2CF3224F1}"/>
+                <a16:creationId xmlns:a16="http://schemas.microsoft.com/office/drawing/2014/main" xmlns="" id="{51ED2D57-2C48-4D38-AB0F-17B2CF3224F1}"/>
               </a:ext>
             </a:extLst>
           </p:cNvPr>
@@ -13139,7 +13423,7 @@
           <p:cNvPr id="12" name="Tabla 11">
             <a:extLst>
               <a:ext uri="{FF2B5EF4-FFF2-40B4-BE49-F238E27FC236}">
-                <a16:creationId xmlns:a16="http://schemas.microsoft.com/office/drawing/2014/main" id="{58513DFD-63E8-42E6-B011-4DE8BDF3429C}"/>
+                <a16:creationId xmlns:a16="http://schemas.microsoft.com/office/drawing/2014/main" xmlns="" id="{58513DFD-63E8-42E6-B011-4DE8BDF3429C}"/>
               </a:ext>
             </a:extLst>
           </p:cNvPr>
@@ -13168,14 +13452,14 @@
                 <a:gridCol w="3729229">
                   <a:extLst>
                     <a:ext uri="{9D8B030D-6E8A-4147-A177-3AD203B41FA5}">
-                      <a16:colId xmlns:a16="http://schemas.microsoft.com/office/drawing/2014/main" val="1347896834"/>
+                      <a16:colId xmlns:a16="http://schemas.microsoft.com/office/drawing/2014/main" xmlns="" val="1347896834"/>
                     </a:ext>
                   </a:extLst>
                 </a:gridCol>
                 <a:gridCol w="703071">
                   <a:extLst>
                     <a:ext uri="{9D8B030D-6E8A-4147-A177-3AD203B41FA5}">
-                      <a16:colId xmlns:a16="http://schemas.microsoft.com/office/drawing/2014/main" val="972821047"/>
+                      <a16:colId xmlns:a16="http://schemas.microsoft.com/office/drawing/2014/main" xmlns="" val="972821047"/>
                     </a:ext>
                   </a:extLst>
                 </a:gridCol>
@@ -13255,7 +13539,7 @@
                 </a:tc>
                 <a:extLst>
                   <a:ext uri="{0D108BD9-81ED-4DB2-BD59-A6C34878D82A}">
-                    <a16:rowId xmlns:a16="http://schemas.microsoft.com/office/drawing/2014/main" val="862195207"/>
+                    <a16:rowId xmlns:a16="http://schemas.microsoft.com/office/drawing/2014/main" xmlns="" val="862195207"/>
                   </a:ext>
                 </a:extLst>
               </a:tr>
@@ -13268,7 +13552,7 @@
           <p:cNvPr id="17" name="Picture 6" descr="Resultado de imagen de universidad de cádiz">
             <a:extLst>
               <a:ext uri="{FF2B5EF4-FFF2-40B4-BE49-F238E27FC236}">
-                <a16:creationId xmlns:a16="http://schemas.microsoft.com/office/drawing/2014/main" id="{755852E1-36DA-4B00-B93B-C78228AE35C3}"/>
+                <a16:creationId xmlns:a16="http://schemas.microsoft.com/office/drawing/2014/main" xmlns="" id="{755852E1-36DA-4B00-B93B-C78228AE35C3}"/>
               </a:ext>
             </a:extLst>
           </p:cNvPr>
@@ -13315,7 +13599,7 @@
           <p:cNvPr id="11" name="Rectángulo 10">
             <a:extLst>
               <a:ext uri="{FF2B5EF4-FFF2-40B4-BE49-F238E27FC236}">
-                <a16:creationId xmlns:a16="http://schemas.microsoft.com/office/drawing/2014/main" id="{B9AF272F-5B6B-41F2-9E41-51DB81C39DB2}"/>
+                <a16:creationId xmlns:a16="http://schemas.microsoft.com/office/drawing/2014/main" xmlns="" id="{B9AF272F-5B6B-41F2-9E41-51DB81C39DB2}"/>
               </a:ext>
             </a:extLst>
           </p:cNvPr>
@@ -13325,7 +13609,7 @@
         <p:spPr>
           <a:xfrm>
             <a:off x="2438400" y="993762"/>
-            <a:ext cx="8521700" cy="830997"/>
+            <a:ext cx="8944708" cy="830997"/>
           </a:xfrm>
           <a:prstGeom prst="rect">
             <a:avLst/>
@@ -13346,7 +13630,27 @@
             </a:pPr>
             <a:r>
               <a:rPr lang="es-ES" sz="2400" dirty="0"/>
-              <a:t>Se dedicó un periodo aproximado de 1 mes en tareas de análisis y 5 desarrollo del software, ambos periodos en media jornada:</a:t>
+              <a:t>Se dedicó un periodo aproximado de </a:t>
+            </a:r>
+            <a:r>
+              <a:rPr lang="es-ES" sz="2400" dirty="0"/>
+              <a:t>2</a:t>
+            </a:r>
+            <a:r>
+              <a:rPr lang="es-ES" sz="2400" dirty="0" smtClean="0"/>
+              <a:t> meses </a:t>
+            </a:r>
+            <a:r>
+              <a:rPr lang="es-ES" sz="2400" dirty="0"/>
+              <a:t>en tareas de análisis y 5 </a:t>
+            </a:r>
+            <a:r>
+              <a:rPr lang="es-ES" sz="2400" dirty="0" smtClean="0"/>
+              <a:t>en el desarrollo </a:t>
+            </a:r>
+            <a:r>
+              <a:rPr lang="es-ES" sz="2400" dirty="0"/>
+              <a:t>del software, ambos periodos en media jornada:</a:t>
             </a:r>
           </a:p>
         </p:txBody>
@@ -13356,7 +13660,7 @@
           <p:cNvPr id="13" name="Rectángulo 12">
             <a:extLst>
               <a:ext uri="{FF2B5EF4-FFF2-40B4-BE49-F238E27FC236}">
-                <a16:creationId xmlns:a16="http://schemas.microsoft.com/office/drawing/2014/main" id="{01C0BEBD-D0BF-4F81-B867-066734CE337B}"/>
+                <a16:creationId xmlns:a16="http://schemas.microsoft.com/office/drawing/2014/main" xmlns="" id="{01C0BEBD-D0BF-4F81-B867-066734CE337B}"/>
               </a:ext>
             </a:extLst>
           </p:cNvPr>
@@ -13403,7 +13707,7 @@
           <p:cNvPr id="21" name="Rectángulo 20">
             <a:extLst>
               <a:ext uri="{FF2B5EF4-FFF2-40B4-BE49-F238E27FC236}">
-                <a16:creationId xmlns:a16="http://schemas.microsoft.com/office/drawing/2014/main" id="{785FC858-85B2-4716-A144-4C5F8AD7E72A}"/>
+                <a16:creationId xmlns:a16="http://schemas.microsoft.com/office/drawing/2014/main" xmlns="" id="{785FC858-85B2-4716-A144-4C5F8AD7E72A}"/>
               </a:ext>
             </a:extLst>
           </p:cNvPr>
@@ -13589,7 +13893,7 @@
           <p:cNvPr id="23" name="Picture 2" descr="D:\workarea\epa_explorer\mem\logo\logo epa explorer final.png">
             <a:extLst>
               <a:ext uri="{FF2B5EF4-FFF2-40B4-BE49-F238E27FC236}">
-                <a16:creationId xmlns:a16="http://schemas.microsoft.com/office/drawing/2014/main" id="{3C9000C3-716E-443C-8A05-2CE21EDDBF35}"/>
+                <a16:creationId xmlns:a16="http://schemas.microsoft.com/office/drawing/2014/main" xmlns="" id="{3C9000C3-716E-443C-8A05-2CE21EDDBF35}"/>
               </a:ext>
             </a:extLst>
           </p:cNvPr>
@@ -13653,6 +13957,13 @@
       </p:transition>
     </mc:Fallback>
   </mc:AlternateContent>
+  <p:timing>
+    <p:tnLst>
+      <p:par>
+        <p:cTn id="1" dur="indefinite" restart="never" nodeType="tmRoot"/>
+      </p:par>
+    </p:tnLst>
+  </p:timing>
 </p:sld>
 </file>
 
@@ -13678,7 +13989,7 @@
           <p:cNvPr id="22" name="Rectángulo 21">
             <a:extLst>
               <a:ext uri="{FF2B5EF4-FFF2-40B4-BE49-F238E27FC236}">
-                <a16:creationId xmlns:a16="http://schemas.microsoft.com/office/drawing/2014/main" id="{545EBB1B-E341-4AF5-AFFF-648C70AD4AE9}"/>
+                <a16:creationId xmlns:a16="http://schemas.microsoft.com/office/drawing/2014/main" xmlns="" id="{545EBB1B-E341-4AF5-AFFF-648C70AD4AE9}"/>
               </a:ext>
             </a:extLst>
           </p:cNvPr>
@@ -13759,7 +14070,7 @@
           <p:cNvPr id="12" name="Rectángulo 11">
             <a:extLst>
               <a:ext uri="{FF2B5EF4-FFF2-40B4-BE49-F238E27FC236}">
-                <a16:creationId xmlns:a16="http://schemas.microsoft.com/office/drawing/2014/main" id="{90E585D4-0ACA-4D12-857C-2F7C50F9EFCE}"/>
+                <a16:creationId xmlns:a16="http://schemas.microsoft.com/office/drawing/2014/main" xmlns="" id="{90E585D4-0ACA-4D12-857C-2F7C50F9EFCE}"/>
               </a:ext>
             </a:extLst>
           </p:cNvPr>
@@ -13857,7 +14168,7 @@
           <p:cNvPr id="2050" name="Picture 2" descr="Resultado de imagen de r language icon">
             <a:extLst>
               <a:ext uri="{FF2B5EF4-FFF2-40B4-BE49-F238E27FC236}">
-                <a16:creationId xmlns:a16="http://schemas.microsoft.com/office/drawing/2014/main" id="{A55B891A-D116-49AA-BC7C-9FC51A9CACB0}"/>
+                <a16:creationId xmlns:a16="http://schemas.microsoft.com/office/drawing/2014/main" xmlns="" id="{A55B891A-D116-49AA-BC7C-9FC51A9CACB0}"/>
               </a:ext>
             </a:extLst>
           </p:cNvPr>
@@ -13904,7 +14215,7 @@
           <p:cNvPr id="2052" name="Picture 4" descr="Resultado de imagen de r studio">
             <a:extLst>
               <a:ext uri="{FF2B5EF4-FFF2-40B4-BE49-F238E27FC236}">
-                <a16:creationId xmlns:a16="http://schemas.microsoft.com/office/drawing/2014/main" id="{F1B8E7B7-00F1-41C1-AF84-689E1DFDCEC2}"/>
+                <a16:creationId xmlns:a16="http://schemas.microsoft.com/office/drawing/2014/main" xmlns="" id="{F1B8E7B7-00F1-41C1-AF84-689E1DFDCEC2}"/>
               </a:ext>
             </a:extLst>
           </p:cNvPr>
@@ -13951,7 +14262,7 @@
           <p:cNvPr id="2056" name="Picture 8" descr="Resultado de imagen de sqlite">
             <a:extLst>
               <a:ext uri="{FF2B5EF4-FFF2-40B4-BE49-F238E27FC236}">
-                <a16:creationId xmlns:a16="http://schemas.microsoft.com/office/drawing/2014/main" id="{C31BD88C-AD1D-4E1F-989E-248B73597989}"/>
+                <a16:creationId xmlns:a16="http://schemas.microsoft.com/office/drawing/2014/main" xmlns="" id="{C31BD88C-AD1D-4E1F-989E-248B73597989}"/>
               </a:ext>
             </a:extLst>
           </p:cNvPr>
@@ -13998,7 +14309,7 @@
           <p:cNvPr id="2058" name="Picture 10" descr="Resultado de imagen de git">
             <a:extLst>
               <a:ext uri="{FF2B5EF4-FFF2-40B4-BE49-F238E27FC236}">
-                <a16:creationId xmlns:a16="http://schemas.microsoft.com/office/drawing/2014/main" id="{8DD8B382-A625-4A72-B51E-75F6A38929F9}"/>
+                <a16:creationId xmlns:a16="http://schemas.microsoft.com/office/drawing/2014/main" xmlns="" id="{8DD8B382-A625-4A72-B51E-75F6A38929F9}"/>
               </a:ext>
             </a:extLst>
           </p:cNvPr>
@@ -14045,7 +14356,7 @@
           <p:cNvPr id="2062" name="Picture 14" descr="\\debora-pc\Mis videos de juegos\r-packages new.png">
             <a:extLst>
               <a:ext uri="{FF2B5EF4-FFF2-40B4-BE49-F238E27FC236}">
-                <a16:creationId xmlns:a16="http://schemas.microsoft.com/office/drawing/2014/main" id="{BEA8242B-153E-446C-BA6B-8D8536E9E753}"/>
+                <a16:creationId xmlns:a16="http://schemas.microsoft.com/office/drawing/2014/main" xmlns="" id="{BEA8242B-153E-446C-BA6B-8D8536E9E753}"/>
               </a:ext>
             </a:extLst>
           </p:cNvPr>
@@ -14092,7 +14403,7 @@
           <p:cNvPr id="17" name="Rectángulo 16">
             <a:extLst>
               <a:ext uri="{FF2B5EF4-FFF2-40B4-BE49-F238E27FC236}">
-                <a16:creationId xmlns:a16="http://schemas.microsoft.com/office/drawing/2014/main" id="{63026AE6-FA47-4F91-8FC3-6CAB7DF51E2B}"/>
+                <a16:creationId xmlns:a16="http://schemas.microsoft.com/office/drawing/2014/main" xmlns="" id="{63026AE6-FA47-4F91-8FC3-6CAB7DF51E2B}"/>
               </a:ext>
             </a:extLst>
           </p:cNvPr>
@@ -14144,7 +14455,7 @@
           <p:cNvPr id="18" name="Tabla 17">
             <a:extLst>
               <a:ext uri="{FF2B5EF4-FFF2-40B4-BE49-F238E27FC236}">
-                <a16:creationId xmlns:a16="http://schemas.microsoft.com/office/drawing/2014/main" id="{C9AC818E-B486-4B6F-B32B-030DEACA99B9}"/>
+                <a16:creationId xmlns:a16="http://schemas.microsoft.com/office/drawing/2014/main" xmlns="" id="{C9AC818E-B486-4B6F-B32B-030DEACA99B9}"/>
               </a:ext>
             </a:extLst>
           </p:cNvPr>
@@ -14173,14 +14484,14 @@
                 <a:gridCol w="3729229">
                   <a:extLst>
                     <a:ext uri="{9D8B030D-6E8A-4147-A177-3AD203B41FA5}">
-                      <a16:colId xmlns:a16="http://schemas.microsoft.com/office/drawing/2014/main" val="1347896834"/>
+                      <a16:colId xmlns:a16="http://schemas.microsoft.com/office/drawing/2014/main" xmlns="" val="1347896834"/>
                     </a:ext>
                   </a:extLst>
                 </a:gridCol>
                 <a:gridCol w="703071">
                   <a:extLst>
                     <a:ext uri="{9D8B030D-6E8A-4147-A177-3AD203B41FA5}">
-                      <a16:colId xmlns:a16="http://schemas.microsoft.com/office/drawing/2014/main" val="972821047"/>
+                      <a16:colId xmlns:a16="http://schemas.microsoft.com/office/drawing/2014/main" xmlns="" val="972821047"/>
                     </a:ext>
                   </a:extLst>
                 </a:gridCol>
@@ -14260,7 +14571,7 @@
                 </a:tc>
                 <a:extLst>
                   <a:ext uri="{0D108BD9-81ED-4DB2-BD59-A6C34878D82A}">
-                    <a16:rowId xmlns:a16="http://schemas.microsoft.com/office/drawing/2014/main" val="862195207"/>
+                    <a16:rowId xmlns:a16="http://schemas.microsoft.com/office/drawing/2014/main" xmlns="" val="862195207"/>
                   </a:ext>
                 </a:extLst>
               </a:tr>
@@ -14273,7 +14584,7 @@
           <p:cNvPr id="20" name="Picture 6" descr="Resultado de imagen de universidad de cádiz">
             <a:extLst>
               <a:ext uri="{FF2B5EF4-FFF2-40B4-BE49-F238E27FC236}">
-                <a16:creationId xmlns:a16="http://schemas.microsoft.com/office/drawing/2014/main" id="{A9C7D96D-FDBE-41FF-9EB4-B8E09D9782EC}"/>
+                <a16:creationId xmlns:a16="http://schemas.microsoft.com/office/drawing/2014/main" xmlns="" id="{A9C7D96D-FDBE-41FF-9EB4-B8E09D9782EC}"/>
               </a:ext>
             </a:extLst>
           </p:cNvPr>
@@ -14320,7 +14631,7 @@
           <p:cNvPr id="16" name="Picture 2" descr="D:\workarea\epa_explorer\mem\logo\logo epa explorer final.png">
             <a:extLst>
               <a:ext uri="{FF2B5EF4-FFF2-40B4-BE49-F238E27FC236}">
-                <a16:creationId xmlns:a16="http://schemas.microsoft.com/office/drawing/2014/main" id="{7BA184F5-AE8F-4287-8283-63ECD7F36067}"/>
+                <a16:creationId xmlns:a16="http://schemas.microsoft.com/office/drawing/2014/main" xmlns="" id="{7BA184F5-AE8F-4287-8283-63ECD7F36067}"/>
               </a:ext>
             </a:extLst>
           </p:cNvPr>
@@ -14367,7 +14678,7 @@
           <p:cNvPr id="24" name="Rectángulo 23">
             <a:extLst>
               <a:ext uri="{FF2B5EF4-FFF2-40B4-BE49-F238E27FC236}">
-                <a16:creationId xmlns:a16="http://schemas.microsoft.com/office/drawing/2014/main" id="{5B0F8A5C-D0D5-4678-9367-E50FC1D02C37}"/>
+                <a16:creationId xmlns:a16="http://schemas.microsoft.com/office/drawing/2014/main" xmlns="" id="{5B0F8A5C-D0D5-4678-9367-E50FC1D02C37}"/>
               </a:ext>
             </a:extLst>
           </p:cNvPr>
@@ -14570,6 +14881,13 @@
       </p:transition>
     </mc:Fallback>
   </mc:AlternateContent>
+  <p:timing>
+    <p:tnLst>
+      <p:par>
+        <p:cTn id="1" dur="indefinite" restart="never" nodeType="tmRoot"/>
+      </p:par>
+    </p:tnLst>
+  </p:timing>
 </p:sld>
 </file>
 
@@ -14595,7 +14913,7 @@
           <p:cNvPr id="22" name="Rectángulo 21">
             <a:extLst>
               <a:ext uri="{FF2B5EF4-FFF2-40B4-BE49-F238E27FC236}">
-                <a16:creationId xmlns:a16="http://schemas.microsoft.com/office/drawing/2014/main" id="{9803AD45-0FCB-44B1-8D72-6147D8CBAEBE}"/>
+                <a16:creationId xmlns:a16="http://schemas.microsoft.com/office/drawing/2014/main" xmlns="" id="{9803AD45-0FCB-44B1-8D72-6147D8CBAEBE}"/>
               </a:ext>
             </a:extLst>
           </p:cNvPr>
@@ -14676,7 +14994,7 @@
           <p:cNvPr id="12" name="Rectángulo 11">
             <a:extLst>
               <a:ext uri="{FF2B5EF4-FFF2-40B4-BE49-F238E27FC236}">
-                <a16:creationId xmlns:a16="http://schemas.microsoft.com/office/drawing/2014/main" id="{726DB863-006A-489F-8EC6-8D152003EB92}"/>
+                <a16:creationId xmlns:a16="http://schemas.microsoft.com/office/drawing/2014/main" xmlns="" id="{726DB863-006A-489F-8EC6-8D152003EB92}"/>
               </a:ext>
             </a:extLst>
           </p:cNvPr>
@@ -14728,7 +15046,7 @@
           <p:cNvPr id="15" name="Tabla 14">
             <a:extLst>
               <a:ext uri="{FF2B5EF4-FFF2-40B4-BE49-F238E27FC236}">
-                <a16:creationId xmlns:a16="http://schemas.microsoft.com/office/drawing/2014/main" id="{2A98A0C9-1D66-4248-AF0C-B296558735C6}"/>
+                <a16:creationId xmlns:a16="http://schemas.microsoft.com/office/drawing/2014/main" xmlns="" id="{2A98A0C9-1D66-4248-AF0C-B296558735C6}"/>
               </a:ext>
             </a:extLst>
           </p:cNvPr>
@@ -14753,14 +15071,14 @@
                 <a:gridCol w="3729229">
                   <a:extLst>
                     <a:ext uri="{9D8B030D-6E8A-4147-A177-3AD203B41FA5}">
-                      <a16:colId xmlns:a16="http://schemas.microsoft.com/office/drawing/2014/main" val="1347896834"/>
+                      <a16:colId xmlns:a16="http://schemas.microsoft.com/office/drawing/2014/main" xmlns="" val="1347896834"/>
                     </a:ext>
                   </a:extLst>
                 </a:gridCol>
                 <a:gridCol w="703071">
                   <a:extLst>
                     <a:ext uri="{9D8B030D-6E8A-4147-A177-3AD203B41FA5}">
-                      <a16:colId xmlns:a16="http://schemas.microsoft.com/office/drawing/2014/main" val="972821047"/>
+                      <a16:colId xmlns:a16="http://schemas.microsoft.com/office/drawing/2014/main" xmlns="" val="972821047"/>
                     </a:ext>
                   </a:extLst>
                 </a:gridCol>
@@ -14840,7 +15158,7 @@
                 </a:tc>
                 <a:extLst>
                   <a:ext uri="{0D108BD9-81ED-4DB2-BD59-A6C34878D82A}">
-                    <a16:rowId xmlns:a16="http://schemas.microsoft.com/office/drawing/2014/main" val="862195207"/>
+                    <a16:rowId xmlns:a16="http://schemas.microsoft.com/office/drawing/2014/main" xmlns="" val="862195207"/>
                   </a:ext>
                 </a:extLst>
               </a:tr>
@@ -14853,7 +15171,7 @@
           <p:cNvPr id="18" name="Picture 6" descr="Resultado de imagen de universidad de cádiz">
             <a:extLst>
               <a:ext uri="{FF2B5EF4-FFF2-40B4-BE49-F238E27FC236}">
-                <a16:creationId xmlns:a16="http://schemas.microsoft.com/office/drawing/2014/main" id="{FEE25DC6-3401-4106-9FFE-0E9FDB2A0817}"/>
+                <a16:creationId xmlns:a16="http://schemas.microsoft.com/office/drawing/2014/main" xmlns="" id="{FEE25DC6-3401-4106-9FFE-0E9FDB2A0817}"/>
               </a:ext>
             </a:extLst>
           </p:cNvPr>
@@ -14895,84 +15213,12 @@
           </a:extLst>
         </p:spPr>
       </p:pic>
-      <p:pic>
-        <p:nvPicPr>
-          <p:cNvPr id="3" name="Imagen 2">
+      <p:sp>
+        <p:nvSpPr>
+          <p:cNvPr id="21" name="Rectángulo 20">
             <a:extLst>
               <a:ext uri="{FF2B5EF4-FFF2-40B4-BE49-F238E27FC236}">
-                <a16:creationId xmlns:a16="http://schemas.microsoft.com/office/drawing/2014/main" id="{78E0C896-2A96-47F3-99FB-481EF6291434}"/>
-              </a:ext>
-            </a:extLst>
-          </p:cNvPr>
-          <p:cNvPicPr>
-            <a:picLocks noChangeAspect="1"/>
-          </p:cNvPicPr>
-          <p:nvPr/>
-        </p:nvPicPr>
-        <p:blipFill>
-          <a:blip r:embed="rId4"/>
-          <a:stretch>
-            <a:fillRect/>
-          </a:stretch>
-        </p:blipFill>
-        <p:spPr>
-          <a:xfrm>
-            <a:off x="3912568" y="1703096"/>
-            <a:ext cx="6109619" cy="3769159"/>
-          </a:xfrm>
-          <a:prstGeom prst="rect">
-            <a:avLst/>
-          </a:prstGeom>
-        </p:spPr>
-      </p:pic>
-      <p:sp>
-        <p:nvSpPr>
-          <p:cNvPr id="11" name="Rectángulo 10">
-            <a:extLst>
-              <a:ext uri="{FF2B5EF4-FFF2-40B4-BE49-F238E27FC236}">
-                <a16:creationId xmlns:a16="http://schemas.microsoft.com/office/drawing/2014/main" id="{1BEE5EE5-4D81-48A6-8F11-F94B9CD7D3AC}"/>
-              </a:ext>
-            </a:extLst>
-          </p:cNvPr>
-          <p:cNvSpPr/>
-          <p:nvPr/>
-        </p:nvSpPr>
-        <p:spPr>
-          <a:xfrm>
-            <a:off x="2438400" y="993762"/>
-            <a:ext cx="8521700" cy="461665"/>
-          </a:xfrm>
-          <a:prstGeom prst="rect">
-            <a:avLst/>
-          </a:prstGeom>
-        </p:spPr>
-        <p:txBody>
-          <a:bodyPr wrap="square">
-            <a:spAutoFit/>
-          </a:bodyPr>
-          <a:lstStyle/>
-          <a:p>
-            <a:pPr marL="285750" indent="-285750">
-              <a:spcBef>
-                <a:spcPts val="1800"/>
-              </a:spcBef>
-              <a:buFontTx/>
-              <a:buChar char="-"/>
-            </a:pPr>
-            <a:r>
-              <a:rPr lang="es-ES" sz="2400" dirty="0"/>
-              <a:t>Toda aplicación Shiny está mantenida por un PC ejecutando R</a:t>
-            </a:r>
-            <a:endParaRPr lang="es-ES" dirty="0"/>
-          </a:p>
-        </p:txBody>
-      </p:sp>
-      <p:sp>
-        <p:nvSpPr>
-          <p:cNvPr id="21" name="Rectángulo 20">
-            <a:extLst>
-              <a:ext uri="{FF2B5EF4-FFF2-40B4-BE49-F238E27FC236}">
-                <a16:creationId xmlns:a16="http://schemas.microsoft.com/office/drawing/2014/main" id="{CBDAF9E1-5F78-401D-AE58-E3A4D0EB5C94}"/>
+                <a16:creationId xmlns:a16="http://schemas.microsoft.com/office/drawing/2014/main" xmlns="" id="{CBDAF9E1-5F78-401D-AE58-E3A4D0EB5C94}"/>
               </a:ext>
             </a:extLst>
           </p:cNvPr>
@@ -15158,7 +15404,7 @@
           <p:cNvPr id="23" name="Picture 2" descr="D:\workarea\epa_explorer\mem\logo\logo epa explorer final.png">
             <a:extLst>
               <a:ext uri="{FF2B5EF4-FFF2-40B4-BE49-F238E27FC236}">
-                <a16:creationId xmlns:a16="http://schemas.microsoft.com/office/drawing/2014/main" id="{7BDB62DE-AA52-4E3F-B50F-9BB7A8E51AFF}"/>
+                <a16:creationId xmlns:a16="http://schemas.microsoft.com/office/drawing/2014/main" xmlns="" id="{7BDB62DE-AA52-4E3F-B50F-9BB7A8E51AFF}"/>
               </a:ext>
             </a:extLst>
           </p:cNvPr>
@@ -15168,7 +15414,7 @@
           <p:nvPr/>
         </p:nvPicPr>
         <p:blipFill>
-          <a:blip r:embed="rId5">
+          <a:blip r:embed="rId4">
             <a:extLst>
               <a:ext uri="{28A0092B-C50C-407E-A947-70E740481C1C}">
                 <a14:useLocalDpi xmlns:a14="http://schemas.microsoft.com/office/drawing/2010/main" val="0"/>
@@ -15196,6 +15442,60 @@
                   <a:srgbClr val="FFFFFF"/>
                 </a:solidFill>
               </a14:hiddenFill>
+            </a:ext>
+          </a:extLst>
+        </p:spPr>
+      </p:pic>
+      <p:pic>
+        <p:nvPicPr>
+          <p:cNvPr id="2050" name="Picture 2"/>
+          <p:cNvPicPr>
+            <a:picLocks noChangeAspect="1" noChangeArrowheads="1"/>
+          </p:cNvPicPr>
+          <p:nvPr/>
+        </p:nvPicPr>
+        <p:blipFill>
+          <a:blip r:embed="rId5">
+            <a:extLst>
+              <a:ext uri="{28A0092B-C50C-407E-A947-70E740481C1C}">
+                <a14:useLocalDpi xmlns:a14="http://schemas.microsoft.com/office/drawing/2010/main" val="0"/>
+              </a:ext>
+            </a:extLst>
+          </a:blip>
+          <a:srcRect/>
+          <a:stretch>
+            <a:fillRect/>
+          </a:stretch>
+        </p:blipFill>
+        <p:spPr bwMode="auto">
+          <a:xfrm>
+            <a:off x="3139952" y="1056054"/>
+            <a:ext cx="7131887" cy="4400526"/>
+          </a:xfrm>
+          <a:prstGeom prst="rect">
+            <a:avLst/>
+          </a:prstGeom>
+          <a:noFill/>
+          <a:ln>
+            <a:noFill/>
+          </a:ln>
+          <a:extLst>
+            <a:ext uri="{909E8E84-426E-40DD-AFC4-6F175D3DCCD1}">
+              <a14:hiddenFill xmlns:a14="http://schemas.microsoft.com/office/drawing/2010/main">
+                <a:solidFill>
+                  <a:schemeClr val="accent1"/>
+                </a:solidFill>
+              </a14:hiddenFill>
+            </a:ext>
+            <a:ext uri="{91240B29-F687-4F45-9708-019B960494DF}">
+              <a14:hiddenLine xmlns:a14="http://schemas.microsoft.com/office/drawing/2010/main" w="9525">
+                <a:solidFill>
+                  <a:schemeClr val="tx1"/>
+                </a:solidFill>
+                <a:miter lim="800000"/>
+                <a:headEnd/>
+                <a:tailEnd/>
+              </a14:hiddenLine>
             </a:ext>
           </a:extLst>
         </p:spPr>
@@ -15222,6 +15522,13 @@
       </p:transition>
     </mc:Fallback>
   </mc:AlternateContent>
+  <p:timing>
+    <p:tnLst>
+      <p:par>
+        <p:cTn id="1" dur="indefinite" restart="never" nodeType="tmRoot"/>
+      </p:par>
+    </p:tnLst>
+  </p:timing>
 </p:sld>
 </file>
 
@@ -15247,7 +15554,7 @@
           <p:cNvPr id="23" name="Rectángulo 22">
             <a:extLst>
               <a:ext uri="{FF2B5EF4-FFF2-40B4-BE49-F238E27FC236}">
-                <a16:creationId xmlns:a16="http://schemas.microsoft.com/office/drawing/2014/main" id="{4E6C89FC-9B87-4A33-AA38-1F25168A7C72}"/>
+                <a16:creationId xmlns:a16="http://schemas.microsoft.com/office/drawing/2014/main" xmlns="" id="{4E6C89FC-9B87-4A33-AA38-1F25168A7C72}"/>
               </a:ext>
             </a:extLst>
           </p:cNvPr>
@@ -15299,7 +15606,7 @@
           <p:cNvPr id="13" name="Rectángulo 12">
             <a:extLst>
               <a:ext uri="{FF2B5EF4-FFF2-40B4-BE49-F238E27FC236}">
-                <a16:creationId xmlns:a16="http://schemas.microsoft.com/office/drawing/2014/main" id="{EE4279AF-384E-46CE-8F59-ED4C765D24FC}"/>
+                <a16:creationId xmlns:a16="http://schemas.microsoft.com/office/drawing/2014/main" xmlns="" id="{EE4279AF-384E-46CE-8F59-ED4C765D24FC}"/>
               </a:ext>
             </a:extLst>
           </p:cNvPr>
@@ -15360,7 +15667,7 @@
           <p:cNvPr id="3" name="Rectángulo 2">
             <a:extLst>
               <a:ext uri="{FF2B5EF4-FFF2-40B4-BE49-F238E27FC236}">
-                <a16:creationId xmlns:a16="http://schemas.microsoft.com/office/drawing/2014/main" id="{C88A0AD3-76B5-4739-B7CF-F807BE8B215E}"/>
+                <a16:creationId xmlns:a16="http://schemas.microsoft.com/office/drawing/2014/main" xmlns="" id="{C88A0AD3-76B5-4739-B7CF-F807BE8B215E}"/>
               </a:ext>
             </a:extLst>
           </p:cNvPr>
@@ -15448,7 +15755,7 @@
           <p:cNvPr id="12" name="Rectángulo 11">
             <a:extLst>
               <a:ext uri="{FF2B5EF4-FFF2-40B4-BE49-F238E27FC236}">
-                <a16:creationId xmlns:a16="http://schemas.microsoft.com/office/drawing/2014/main" id="{726DB863-006A-489F-8EC6-8D152003EB92}"/>
+                <a16:creationId xmlns:a16="http://schemas.microsoft.com/office/drawing/2014/main" xmlns="" id="{726DB863-006A-489F-8EC6-8D152003EB92}"/>
               </a:ext>
             </a:extLst>
           </p:cNvPr>
@@ -15500,7 +15807,7 @@
           <p:cNvPr id="15" name="Tabla 14">
             <a:extLst>
               <a:ext uri="{FF2B5EF4-FFF2-40B4-BE49-F238E27FC236}">
-                <a16:creationId xmlns:a16="http://schemas.microsoft.com/office/drawing/2014/main" id="{2A98A0C9-1D66-4248-AF0C-B296558735C6}"/>
+                <a16:creationId xmlns:a16="http://schemas.microsoft.com/office/drawing/2014/main" xmlns="" id="{2A98A0C9-1D66-4248-AF0C-B296558735C6}"/>
               </a:ext>
             </a:extLst>
           </p:cNvPr>
@@ -15525,14 +15832,14 @@
                 <a:gridCol w="3729229">
                   <a:extLst>
                     <a:ext uri="{9D8B030D-6E8A-4147-A177-3AD203B41FA5}">
-                      <a16:colId xmlns:a16="http://schemas.microsoft.com/office/drawing/2014/main" val="1347896834"/>
+                      <a16:colId xmlns:a16="http://schemas.microsoft.com/office/drawing/2014/main" xmlns="" val="1347896834"/>
                     </a:ext>
                   </a:extLst>
                 </a:gridCol>
                 <a:gridCol w="703071">
                   <a:extLst>
                     <a:ext uri="{9D8B030D-6E8A-4147-A177-3AD203B41FA5}">
-                      <a16:colId xmlns:a16="http://schemas.microsoft.com/office/drawing/2014/main" val="972821047"/>
+                      <a16:colId xmlns:a16="http://schemas.microsoft.com/office/drawing/2014/main" xmlns="" val="972821047"/>
                     </a:ext>
                   </a:extLst>
                 </a:gridCol>
@@ -15612,7 +15919,7 @@
                 </a:tc>
                 <a:extLst>
                   <a:ext uri="{0D108BD9-81ED-4DB2-BD59-A6C34878D82A}">
-                    <a16:rowId xmlns:a16="http://schemas.microsoft.com/office/drawing/2014/main" val="862195207"/>
+                    <a16:rowId xmlns:a16="http://schemas.microsoft.com/office/drawing/2014/main" xmlns="" val="862195207"/>
                   </a:ext>
                 </a:extLst>
               </a:tr>
@@ -15625,7 +15932,7 @@
           <p:cNvPr id="18" name="Picture 6" descr="Resultado de imagen de universidad de cádiz">
             <a:extLst>
               <a:ext uri="{FF2B5EF4-FFF2-40B4-BE49-F238E27FC236}">
-                <a16:creationId xmlns:a16="http://schemas.microsoft.com/office/drawing/2014/main" id="{FEE25DC6-3401-4106-9FFE-0E9FDB2A0817}"/>
+                <a16:creationId xmlns:a16="http://schemas.microsoft.com/office/drawing/2014/main" xmlns="" id="{FEE25DC6-3401-4106-9FFE-0E9FDB2A0817}"/>
               </a:ext>
             </a:extLst>
           </p:cNvPr>
@@ -15672,7 +15979,7 @@
           <p:cNvPr id="11" name="Rectángulo 10">
             <a:extLst>
               <a:ext uri="{FF2B5EF4-FFF2-40B4-BE49-F238E27FC236}">
-                <a16:creationId xmlns:a16="http://schemas.microsoft.com/office/drawing/2014/main" id="{8A4EE5B1-BC2F-4F61-ADBB-837513477C57}"/>
+                <a16:creationId xmlns:a16="http://schemas.microsoft.com/office/drawing/2014/main" xmlns="" id="{8A4EE5B1-BC2F-4F61-ADBB-837513477C57}"/>
               </a:ext>
             </a:extLst>
           </p:cNvPr>
@@ -16045,7 +16352,7 @@
           <p:cNvPr id="5" name="Imagen 4">
             <a:extLst>
               <a:ext uri="{FF2B5EF4-FFF2-40B4-BE49-F238E27FC236}">
-                <a16:creationId xmlns:a16="http://schemas.microsoft.com/office/drawing/2014/main" id="{821EB40B-EA82-4C9F-AD4D-93E494E65248}"/>
+                <a16:creationId xmlns:a16="http://schemas.microsoft.com/office/drawing/2014/main" xmlns="" id="{821EB40B-EA82-4C9F-AD4D-93E494E65248}"/>
               </a:ext>
             </a:extLst>
           </p:cNvPr>
@@ -16075,7 +16382,7 @@
           <p:cNvPr id="22" name="Rectángulo 21">
             <a:extLst>
               <a:ext uri="{FF2B5EF4-FFF2-40B4-BE49-F238E27FC236}">
-                <a16:creationId xmlns:a16="http://schemas.microsoft.com/office/drawing/2014/main" id="{FDDDE9AC-5C65-4158-8E97-8D5AEB5AEC45}"/>
+                <a16:creationId xmlns:a16="http://schemas.microsoft.com/office/drawing/2014/main" xmlns="" id="{FDDDE9AC-5C65-4158-8E97-8D5AEB5AEC45}"/>
               </a:ext>
             </a:extLst>
           </p:cNvPr>
@@ -16261,7 +16568,7 @@
           <p:cNvPr id="24" name="Picture 2" descr="D:\workarea\epa_explorer\mem\logo\logo epa explorer final.png">
             <a:extLst>
               <a:ext uri="{FF2B5EF4-FFF2-40B4-BE49-F238E27FC236}">
-                <a16:creationId xmlns:a16="http://schemas.microsoft.com/office/drawing/2014/main" id="{D81073EA-207E-45BC-A58F-CB5B16FD16C8}"/>
+                <a16:creationId xmlns:a16="http://schemas.microsoft.com/office/drawing/2014/main" xmlns="" id="{D81073EA-207E-45BC-A58F-CB5B16FD16C8}"/>
               </a:ext>
             </a:extLst>
           </p:cNvPr>
@@ -16526,7 +16833,7 @@
           <p:cNvPr id="31" name="Rectángulo 30">
             <a:extLst>
               <a:ext uri="{FF2B5EF4-FFF2-40B4-BE49-F238E27FC236}">
-                <a16:creationId xmlns:a16="http://schemas.microsoft.com/office/drawing/2014/main" id="{98274B25-7F02-4E21-A894-7A4D5CDBC24D}"/>
+                <a16:creationId xmlns:a16="http://schemas.microsoft.com/office/drawing/2014/main" xmlns="" id="{98274B25-7F02-4E21-A894-7A4D5CDBC24D}"/>
               </a:ext>
             </a:extLst>
           </p:cNvPr>
@@ -16607,7 +16914,7 @@
           <p:cNvPr id="11" name="Rectángulo 10">
             <a:extLst>
               <a:ext uri="{FF2B5EF4-FFF2-40B4-BE49-F238E27FC236}">
-                <a16:creationId xmlns:a16="http://schemas.microsoft.com/office/drawing/2014/main" id="{974242C8-7D53-4777-BAFD-D39AE36DB37A}"/>
+                <a16:creationId xmlns:a16="http://schemas.microsoft.com/office/drawing/2014/main" xmlns="" id="{974242C8-7D53-4777-BAFD-D39AE36DB37A}"/>
               </a:ext>
             </a:extLst>
           </p:cNvPr>
@@ -16648,7 +16955,7 @@
           <p:cNvPr id="10" name="Rectángulo 9">
             <a:extLst>
               <a:ext uri="{FF2B5EF4-FFF2-40B4-BE49-F238E27FC236}">
-                <a16:creationId xmlns:a16="http://schemas.microsoft.com/office/drawing/2014/main" id="{F72E42AB-F28D-48CD-867A-BA39DCBCA4B9}"/>
+                <a16:creationId xmlns:a16="http://schemas.microsoft.com/office/drawing/2014/main" xmlns="" id="{F72E42AB-F28D-48CD-867A-BA39DCBCA4B9}"/>
               </a:ext>
             </a:extLst>
           </p:cNvPr>
@@ -16700,7 +17007,7 @@
           <p:cNvPr id="12" name="Tabla 11">
             <a:extLst>
               <a:ext uri="{FF2B5EF4-FFF2-40B4-BE49-F238E27FC236}">
-                <a16:creationId xmlns:a16="http://schemas.microsoft.com/office/drawing/2014/main" id="{8E30230A-A720-4D59-991C-B92A84641AEB}"/>
+                <a16:creationId xmlns:a16="http://schemas.microsoft.com/office/drawing/2014/main" xmlns="" id="{8E30230A-A720-4D59-991C-B92A84641AEB}"/>
               </a:ext>
             </a:extLst>
           </p:cNvPr>
@@ -16725,14 +17032,14 @@
                 <a:gridCol w="3729229">
                   <a:extLst>
                     <a:ext uri="{9D8B030D-6E8A-4147-A177-3AD203B41FA5}">
-                      <a16:colId xmlns:a16="http://schemas.microsoft.com/office/drawing/2014/main" val="1347896834"/>
+                      <a16:colId xmlns:a16="http://schemas.microsoft.com/office/drawing/2014/main" xmlns="" val="1347896834"/>
                     </a:ext>
                   </a:extLst>
                 </a:gridCol>
                 <a:gridCol w="703071">
                   <a:extLst>
                     <a:ext uri="{9D8B030D-6E8A-4147-A177-3AD203B41FA5}">
-                      <a16:colId xmlns:a16="http://schemas.microsoft.com/office/drawing/2014/main" val="972821047"/>
+                      <a16:colId xmlns:a16="http://schemas.microsoft.com/office/drawing/2014/main" xmlns="" val="972821047"/>
                     </a:ext>
                   </a:extLst>
                 </a:gridCol>
@@ -16812,7 +17119,7 @@
                 </a:tc>
                 <a:extLst>
                   <a:ext uri="{0D108BD9-81ED-4DB2-BD59-A6C34878D82A}">
-                    <a16:rowId xmlns:a16="http://schemas.microsoft.com/office/drawing/2014/main" val="862195207"/>
+                    <a16:rowId xmlns:a16="http://schemas.microsoft.com/office/drawing/2014/main" xmlns="" val="862195207"/>
                   </a:ext>
                 </a:extLst>
               </a:tr>
@@ -16825,7 +17132,7 @@
           <p:cNvPr id="17" name="Picture 6" descr="Resultado de imagen de universidad de cádiz">
             <a:extLst>
               <a:ext uri="{FF2B5EF4-FFF2-40B4-BE49-F238E27FC236}">
-                <a16:creationId xmlns:a16="http://schemas.microsoft.com/office/drawing/2014/main" id="{9CFE5ACB-A3AB-4673-9D97-968EC583EB7B}"/>
+                <a16:creationId xmlns:a16="http://schemas.microsoft.com/office/drawing/2014/main" xmlns="" id="{9CFE5ACB-A3AB-4673-9D97-968EC583EB7B}"/>
               </a:ext>
             </a:extLst>
           </p:cNvPr>
@@ -16872,7 +17179,7 @@
           <p:cNvPr id="1026" name="Picture 2" descr="Resultado de imagen de ftp icon">
             <a:extLst>
               <a:ext uri="{FF2B5EF4-FFF2-40B4-BE49-F238E27FC236}">
-                <a16:creationId xmlns:a16="http://schemas.microsoft.com/office/drawing/2014/main" id="{B89D86DC-76DA-486A-BC34-7BE6F0692569}"/>
+                <a16:creationId xmlns:a16="http://schemas.microsoft.com/office/drawing/2014/main" xmlns="" id="{B89D86DC-76DA-486A-BC34-7BE6F0692569}"/>
               </a:ext>
             </a:extLst>
           </p:cNvPr>
@@ -16919,7 +17226,7 @@
           <p:cNvPr id="1028" name="Picture 4" descr="https://s3.amazonaws.com/kinlane-productions/bw-icons/bw-database.png">
             <a:extLst>
               <a:ext uri="{FF2B5EF4-FFF2-40B4-BE49-F238E27FC236}">
-                <a16:creationId xmlns:a16="http://schemas.microsoft.com/office/drawing/2014/main" id="{ABB11DD1-A653-49D6-8B63-498B477711FD}"/>
+                <a16:creationId xmlns:a16="http://schemas.microsoft.com/office/drawing/2014/main" xmlns="" id="{ABB11DD1-A653-49D6-8B63-498B477711FD}"/>
               </a:ext>
             </a:extLst>
           </p:cNvPr>
@@ -16966,7 +17273,7 @@
           <p:cNvPr id="20" name="Flecha: hacia abajo 19">
             <a:extLst>
               <a:ext uri="{FF2B5EF4-FFF2-40B4-BE49-F238E27FC236}">
-                <a16:creationId xmlns:a16="http://schemas.microsoft.com/office/drawing/2014/main" id="{49CC09B0-B615-4F4F-85C9-1BE054533F53}"/>
+                <a16:creationId xmlns:a16="http://schemas.microsoft.com/office/drawing/2014/main" xmlns="" id="{49CC09B0-B615-4F4F-85C9-1BE054533F53}"/>
               </a:ext>
             </a:extLst>
           </p:cNvPr>
@@ -17023,7 +17330,7 @@
           <p:cNvPr id="21" name="Flecha: hacia abajo 20">
             <a:extLst>
               <a:ext uri="{FF2B5EF4-FFF2-40B4-BE49-F238E27FC236}">
-                <a16:creationId xmlns:a16="http://schemas.microsoft.com/office/drawing/2014/main" id="{82C58D3F-C0A6-4872-8131-C3680BBEEFA4}"/>
+                <a16:creationId xmlns:a16="http://schemas.microsoft.com/office/drawing/2014/main" xmlns="" id="{82C58D3F-C0A6-4872-8131-C3680BBEEFA4}"/>
               </a:ext>
             </a:extLst>
           </p:cNvPr>
@@ -17080,7 +17387,7 @@
           <p:cNvPr id="1032" name="Picture 8" descr="https://www.shareicon.net/data/512x512/2016/08/05/807400_document_512x512.png">
             <a:extLst>
               <a:ext uri="{FF2B5EF4-FFF2-40B4-BE49-F238E27FC236}">
-                <a16:creationId xmlns:a16="http://schemas.microsoft.com/office/drawing/2014/main" id="{15CCF72E-395E-4AF2-9DF3-C1483FD5FCB6}"/>
+                <a16:creationId xmlns:a16="http://schemas.microsoft.com/office/drawing/2014/main" xmlns="" id="{15CCF72E-395E-4AF2-9DF3-C1483FD5FCB6}"/>
               </a:ext>
             </a:extLst>
           </p:cNvPr>
@@ -17127,7 +17434,7 @@
           <p:cNvPr id="1034" name="Picture 10" descr="https://upload.wikimedia.org/wikipedia/commons/thumb/8/86/Microsoft_Excel_2013_logo.svg/1200px-Microsoft_Excel_2013_logo.svg.png">
             <a:extLst>
               <a:ext uri="{FF2B5EF4-FFF2-40B4-BE49-F238E27FC236}">
-                <a16:creationId xmlns:a16="http://schemas.microsoft.com/office/drawing/2014/main" id="{63375419-A141-4B0F-8642-65B1AB6A759B}"/>
+                <a16:creationId xmlns:a16="http://schemas.microsoft.com/office/drawing/2014/main" xmlns="" id="{63375419-A141-4B0F-8642-65B1AB6A759B}"/>
               </a:ext>
             </a:extLst>
           </p:cNvPr>
@@ -17174,7 +17481,7 @@
           <p:cNvPr id="23" name="Rectángulo 22">
             <a:extLst>
               <a:ext uri="{FF2B5EF4-FFF2-40B4-BE49-F238E27FC236}">
-                <a16:creationId xmlns:a16="http://schemas.microsoft.com/office/drawing/2014/main" id="{3827E979-9584-4648-8DE3-614A0E883567}"/>
+                <a16:creationId xmlns:a16="http://schemas.microsoft.com/office/drawing/2014/main" xmlns="" id="{3827E979-9584-4648-8DE3-614A0E883567}"/>
               </a:ext>
             </a:extLst>
           </p:cNvPr>
@@ -17216,7 +17523,7 @@
           <p:cNvPr id="24" name="Rectángulo 23">
             <a:extLst>
               <a:ext uri="{FF2B5EF4-FFF2-40B4-BE49-F238E27FC236}">
-                <a16:creationId xmlns:a16="http://schemas.microsoft.com/office/drawing/2014/main" id="{6052D181-28D7-48B0-99A2-9D1244D39F83}"/>
+                <a16:creationId xmlns:a16="http://schemas.microsoft.com/office/drawing/2014/main" xmlns="" id="{6052D181-28D7-48B0-99A2-9D1244D39F83}"/>
               </a:ext>
             </a:extLst>
           </p:cNvPr>
@@ -17258,7 +17565,7 @@
           <p:cNvPr id="25" name="Rectángulo 24">
             <a:extLst>
               <a:ext uri="{FF2B5EF4-FFF2-40B4-BE49-F238E27FC236}">
-                <a16:creationId xmlns:a16="http://schemas.microsoft.com/office/drawing/2014/main" id="{EA854A35-C440-4E69-A3C8-DF14F9F4AC1B}"/>
+                <a16:creationId xmlns:a16="http://schemas.microsoft.com/office/drawing/2014/main" xmlns="" id="{EA854A35-C440-4E69-A3C8-DF14F9F4AC1B}"/>
               </a:ext>
             </a:extLst>
           </p:cNvPr>
@@ -17293,7 +17600,7 @@
           <p:cNvPr id="8" name="Flecha: doblada hacia arriba 7">
             <a:extLst>
               <a:ext uri="{FF2B5EF4-FFF2-40B4-BE49-F238E27FC236}">
-                <a16:creationId xmlns:a16="http://schemas.microsoft.com/office/drawing/2014/main" id="{3764036F-C368-47C2-86EE-A29083A8CEF1}"/>
+                <a16:creationId xmlns:a16="http://schemas.microsoft.com/office/drawing/2014/main" xmlns="" id="{3764036F-C368-47C2-86EE-A29083A8CEF1}"/>
               </a:ext>
             </a:extLst>
           </p:cNvPr>
@@ -17351,7 +17658,7 @@
           <p:cNvPr id="27" name="Rectángulo 26">
             <a:extLst>
               <a:ext uri="{FF2B5EF4-FFF2-40B4-BE49-F238E27FC236}">
-                <a16:creationId xmlns:a16="http://schemas.microsoft.com/office/drawing/2014/main" id="{BEAC62FA-12C5-4400-943E-7DDAC97CAD5C}"/>
+                <a16:creationId xmlns:a16="http://schemas.microsoft.com/office/drawing/2014/main" xmlns="" id="{BEAC62FA-12C5-4400-943E-7DDAC97CAD5C}"/>
               </a:ext>
             </a:extLst>
           </p:cNvPr>
@@ -17386,7 +17693,7 @@
           <p:cNvPr id="28" name="Rectángulo 27">
             <a:extLst>
               <a:ext uri="{FF2B5EF4-FFF2-40B4-BE49-F238E27FC236}">
-                <a16:creationId xmlns:a16="http://schemas.microsoft.com/office/drawing/2014/main" id="{C509946F-63AE-4ED0-A6EF-88C92F12E3B5}"/>
+                <a16:creationId xmlns:a16="http://schemas.microsoft.com/office/drawing/2014/main" xmlns="" id="{C509946F-63AE-4ED0-A6EF-88C92F12E3B5}"/>
               </a:ext>
             </a:extLst>
           </p:cNvPr>
@@ -17421,7 +17728,7 @@
           <p:cNvPr id="3" name="Picture 2" descr="D:\workarea\epa_explorer\mem\logo\logo epa explorer final BN.png">
             <a:extLst>
               <a:ext uri="{FF2B5EF4-FFF2-40B4-BE49-F238E27FC236}">
-                <a16:creationId xmlns:a16="http://schemas.microsoft.com/office/drawing/2014/main" id="{8923348F-1D93-448B-A231-2888C2691263}"/>
+                <a16:creationId xmlns:a16="http://schemas.microsoft.com/office/drawing/2014/main" xmlns="" id="{8923348F-1D93-448B-A231-2888C2691263}"/>
               </a:ext>
             </a:extLst>
           </p:cNvPr>
@@ -17468,7 +17775,7 @@
           <p:cNvPr id="30" name="Rectángulo 29">
             <a:extLst>
               <a:ext uri="{FF2B5EF4-FFF2-40B4-BE49-F238E27FC236}">
-                <a16:creationId xmlns:a16="http://schemas.microsoft.com/office/drawing/2014/main" id="{EC3B575E-F64C-4908-B1F5-E1A66E699E99}"/>
+                <a16:creationId xmlns:a16="http://schemas.microsoft.com/office/drawing/2014/main" xmlns="" id="{EC3B575E-F64C-4908-B1F5-E1A66E699E99}"/>
               </a:ext>
             </a:extLst>
           </p:cNvPr>
@@ -17654,7 +17961,7 @@
           <p:cNvPr id="32" name="Picture 2" descr="D:\workarea\epa_explorer\mem\logo\logo epa explorer final.png">
             <a:extLst>
               <a:ext uri="{FF2B5EF4-FFF2-40B4-BE49-F238E27FC236}">
-                <a16:creationId xmlns:a16="http://schemas.microsoft.com/office/drawing/2014/main" id="{D9DDD4DA-E6F5-4A3D-8EC3-9FC780BEC7F8}"/>
+                <a16:creationId xmlns:a16="http://schemas.microsoft.com/office/drawing/2014/main" xmlns="" id="{D9DDD4DA-E6F5-4A3D-8EC3-9FC780BEC7F8}"/>
               </a:ext>
             </a:extLst>
           </p:cNvPr>
@@ -18061,7 +18368,7 @@
           <p:cNvPr id="35" name="Rectángulo 34">
             <a:extLst>
               <a:ext uri="{FF2B5EF4-FFF2-40B4-BE49-F238E27FC236}">
-                <a16:creationId xmlns:a16="http://schemas.microsoft.com/office/drawing/2014/main" id="{67C31B93-859C-4049-BCF9-8145A92D2296}"/>
+                <a16:creationId xmlns:a16="http://schemas.microsoft.com/office/drawing/2014/main" xmlns="" id="{67C31B93-859C-4049-BCF9-8145A92D2296}"/>
               </a:ext>
             </a:extLst>
           </p:cNvPr>
@@ -18142,7 +18449,7 @@
           <p:cNvPr id="11" name="Rectángulo 10">
             <a:extLst>
               <a:ext uri="{FF2B5EF4-FFF2-40B4-BE49-F238E27FC236}">
-                <a16:creationId xmlns:a16="http://schemas.microsoft.com/office/drawing/2014/main" id="{974242C8-7D53-4777-BAFD-D39AE36DB37A}"/>
+                <a16:creationId xmlns:a16="http://schemas.microsoft.com/office/drawing/2014/main" xmlns="" id="{974242C8-7D53-4777-BAFD-D39AE36DB37A}"/>
               </a:ext>
             </a:extLst>
           </p:cNvPr>
@@ -18183,7 +18490,7 @@
           <p:cNvPr id="10" name="Rectángulo 9">
             <a:extLst>
               <a:ext uri="{FF2B5EF4-FFF2-40B4-BE49-F238E27FC236}">
-                <a16:creationId xmlns:a16="http://schemas.microsoft.com/office/drawing/2014/main" id="{F72E42AB-F28D-48CD-867A-BA39DCBCA4B9}"/>
+                <a16:creationId xmlns:a16="http://schemas.microsoft.com/office/drawing/2014/main" xmlns="" id="{F72E42AB-F28D-48CD-867A-BA39DCBCA4B9}"/>
               </a:ext>
             </a:extLst>
           </p:cNvPr>
@@ -18235,7 +18542,7 @@
           <p:cNvPr id="12" name="Tabla 11">
             <a:extLst>
               <a:ext uri="{FF2B5EF4-FFF2-40B4-BE49-F238E27FC236}">
-                <a16:creationId xmlns:a16="http://schemas.microsoft.com/office/drawing/2014/main" id="{8E30230A-A720-4D59-991C-B92A84641AEB}"/>
+                <a16:creationId xmlns:a16="http://schemas.microsoft.com/office/drawing/2014/main" xmlns="" id="{8E30230A-A720-4D59-991C-B92A84641AEB}"/>
               </a:ext>
             </a:extLst>
           </p:cNvPr>
@@ -18260,14 +18567,14 @@
                 <a:gridCol w="3729229">
                   <a:extLst>
                     <a:ext uri="{9D8B030D-6E8A-4147-A177-3AD203B41FA5}">
-                      <a16:colId xmlns:a16="http://schemas.microsoft.com/office/drawing/2014/main" val="1347896834"/>
+                      <a16:colId xmlns:a16="http://schemas.microsoft.com/office/drawing/2014/main" xmlns="" val="1347896834"/>
                     </a:ext>
                   </a:extLst>
                 </a:gridCol>
                 <a:gridCol w="703071">
                   <a:extLst>
                     <a:ext uri="{9D8B030D-6E8A-4147-A177-3AD203B41FA5}">
-                      <a16:colId xmlns:a16="http://schemas.microsoft.com/office/drawing/2014/main" val="972821047"/>
+                      <a16:colId xmlns:a16="http://schemas.microsoft.com/office/drawing/2014/main" xmlns="" val="972821047"/>
                     </a:ext>
                   </a:extLst>
                 </a:gridCol>
@@ -18347,7 +18654,7 @@
                 </a:tc>
                 <a:extLst>
                   <a:ext uri="{0D108BD9-81ED-4DB2-BD59-A6C34878D82A}">
-                    <a16:rowId xmlns:a16="http://schemas.microsoft.com/office/drawing/2014/main" val="862195207"/>
+                    <a16:rowId xmlns:a16="http://schemas.microsoft.com/office/drawing/2014/main" xmlns="" val="862195207"/>
                   </a:ext>
                 </a:extLst>
               </a:tr>
@@ -18360,7 +18667,7 @@
           <p:cNvPr id="17" name="Picture 6" descr="Resultado de imagen de universidad de cádiz">
             <a:extLst>
               <a:ext uri="{FF2B5EF4-FFF2-40B4-BE49-F238E27FC236}">
-                <a16:creationId xmlns:a16="http://schemas.microsoft.com/office/drawing/2014/main" id="{9CFE5ACB-A3AB-4673-9D97-968EC583EB7B}"/>
+                <a16:creationId xmlns:a16="http://schemas.microsoft.com/office/drawing/2014/main" xmlns="" id="{9CFE5ACB-A3AB-4673-9D97-968EC583EB7B}"/>
               </a:ext>
             </a:extLst>
           </p:cNvPr>
@@ -18407,7 +18714,7 @@
           <p:cNvPr id="1028" name="Picture 4" descr="https://s3.amazonaws.com/kinlane-productions/bw-icons/bw-database.png">
             <a:extLst>
               <a:ext uri="{FF2B5EF4-FFF2-40B4-BE49-F238E27FC236}">
-                <a16:creationId xmlns:a16="http://schemas.microsoft.com/office/drawing/2014/main" id="{ABB11DD1-A653-49D6-8B63-498B477711FD}"/>
+                <a16:creationId xmlns:a16="http://schemas.microsoft.com/office/drawing/2014/main" xmlns="" id="{ABB11DD1-A653-49D6-8B63-498B477711FD}"/>
               </a:ext>
             </a:extLst>
           </p:cNvPr>
@@ -18454,7 +18761,7 @@
           <p:cNvPr id="25" name="Rectángulo 24">
             <a:extLst>
               <a:ext uri="{FF2B5EF4-FFF2-40B4-BE49-F238E27FC236}">
-                <a16:creationId xmlns:a16="http://schemas.microsoft.com/office/drawing/2014/main" id="{EA854A35-C440-4E69-A3C8-DF14F9F4AC1B}"/>
+                <a16:creationId xmlns:a16="http://schemas.microsoft.com/office/drawing/2014/main" xmlns="" id="{EA854A35-C440-4E69-A3C8-DF14F9F4AC1B}"/>
               </a:ext>
             </a:extLst>
           </p:cNvPr>
@@ -18489,7 +18796,7 @@
           <p:cNvPr id="2054" name="Picture 6" descr="https://d30y9cdsu7xlg0.cloudfront.net/png/546300-200.png">
             <a:extLst>
               <a:ext uri="{FF2B5EF4-FFF2-40B4-BE49-F238E27FC236}">
-                <a16:creationId xmlns:a16="http://schemas.microsoft.com/office/drawing/2014/main" id="{9BBB2806-2914-481A-BDA5-2198B485A322}"/>
+                <a16:creationId xmlns:a16="http://schemas.microsoft.com/office/drawing/2014/main" xmlns="" id="{9BBB2806-2914-481A-BDA5-2198B485A322}"/>
               </a:ext>
             </a:extLst>
           </p:cNvPr>
@@ -18536,7 +18843,7 @@
           <p:cNvPr id="26" name="Flecha: hacia abajo 25">
             <a:extLst>
               <a:ext uri="{FF2B5EF4-FFF2-40B4-BE49-F238E27FC236}">
-                <a16:creationId xmlns:a16="http://schemas.microsoft.com/office/drawing/2014/main" id="{F19881CC-E00B-4773-82F1-59C428241929}"/>
+                <a16:creationId xmlns:a16="http://schemas.microsoft.com/office/drawing/2014/main" xmlns="" id="{F19881CC-E00B-4773-82F1-59C428241929}"/>
               </a:ext>
             </a:extLst>
           </p:cNvPr>
@@ -18593,7 +18900,7 @@
           <p:cNvPr id="28" name="Flecha: hacia abajo 27">
             <a:extLst>
               <a:ext uri="{FF2B5EF4-FFF2-40B4-BE49-F238E27FC236}">
-                <a16:creationId xmlns:a16="http://schemas.microsoft.com/office/drawing/2014/main" id="{519BB24C-60D7-4803-843F-1ED877915060}"/>
+                <a16:creationId xmlns:a16="http://schemas.microsoft.com/office/drawing/2014/main" xmlns="" id="{519BB24C-60D7-4803-843F-1ED877915060}"/>
               </a:ext>
             </a:extLst>
           </p:cNvPr>
@@ -18650,7 +18957,7 @@
           <p:cNvPr id="30" name="Flecha: hacia abajo 29">
             <a:extLst>
               <a:ext uri="{FF2B5EF4-FFF2-40B4-BE49-F238E27FC236}">
-                <a16:creationId xmlns:a16="http://schemas.microsoft.com/office/drawing/2014/main" id="{E22C24B8-E9B7-42C5-BA95-6A210E8D9D76}"/>
+                <a16:creationId xmlns:a16="http://schemas.microsoft.com/office/drawing/2014/main" xmlns="" id="{E22C24B8-E9B7-42C5-BA95-6A210E8D9D76}"/>
               </a:ext>
             </a:extLst>
           </p:cNvPr>
@@ -18707,7 +19014,7 @@
           <p:cNvPr id="31" name="Rectángulo 30">
             <a:extLst>
               <a:ext uri="{FF2B5EF4-FFF2-40B4-BE49-F238E27FC236}">
-                <a16:creationId xmlns:a16="http://schemas.microsoft.com/office/drawing/2014/main" id="{1B80B17E-D29F-4F43-B416-7309EA40FFA7}"/>
+                <a16:creationId xmlns:a16="http://schemas.microsoft.com/office/drawing/2014/main" xmlns="" id="{1B80B17E-D29F-4F43-B416-7309EA40FFA7}"/>
               </a:ext>
             </a:extLst>
           </p:cNvPr>
@@ -18742,7 +19049,7 @@
           <p:cNvPr id="32" name="Rectángulo 31">
             <a:extLst>
               <a:ext uri="{FF2B5EF4-FFF2-40B4-BE49-F238E27FC236}">
-                <a16:creationId xmlns:a16="http://schemas.microsoft.com/office/drawing/2014/main" id="{7C5B2BEB-F822-4CAE-9AC6-2DA2D1715765}"/>
+                <a16:creationId xmlns:a16="http://schemas.microsoft.com/office/drawing/2014/main" xmlns="" id="{7C5B2BEB-F822-4CAE-9AC6-2DA2D1715765}"/>
               </a:ext>
             </a:extLst>
           </p:cNvPr>
@@ -18777,7 +19084,7 @@
           <p:cNvPr id="2056" name="Picture 8" descr="https://d30y9cdsu7xlg0.cloudfront.net/png/84177-200.png">
             <a:extLst>
               <a:ext uri="{FF2B5EF4-FFF2-40B4-BE49-F238E27FC236}">
-                <a16:creationId xmlns:a16="http://schemas.microsoft.com/office/drawing/2014/main" id="{AC590B88-632A-4343-845E-FF886883FC68}"/>
+                <a16:creationId xmlns:a16="http://schemas.microsoft.com/office/drawing/2014/main" xmlns="" id="{AC590B88-632A-4343-845E-FF886883FC68}"/>
               </a:ext>
             </a:extLst>
           </p:cNvPr>
@@ -18824,7 +19131,7 @@
           <p:cNvPr id="33" name="Rectángulo 32">
             <a:extLst>
               <a:ext uri="{FF2B5EF4-FFF2-40B4-BE49-F238E27FC236}">
-                <a16:creationId xmlns:a16="http://schemas.microsoft.com/office/drawing/2014/main" id="{6FF9FBC9-95FD-47C6-8A41-22C735457845}"/>
+                <a16:creationId xmlns:a16="http://schemas.microsoft.com/office/drawing/2014/main" xmlns="" id="{6FF9FBC9-95FD-47C6-8A41-22C735457845}"/>
               </a:ext>
             </a:extLst>
           </p:cNvPr>
@@ -18859,7 +19166,7 @@
           <p:cNvPr id="34" name="Rectángulo 33">
             <a:extLst>
               <a:ext uri="{FF2B5EF4-FFF2-40B4-BE49-F238E27FC236}">
-                <a16:creationId xmlns:a16="http://schemas.microsoft.com/office/drawing/2014/main" id="{E8ECB42A-D853-4341-B265-CD6160092F29}"/>
+                <a16:creationId xmlns:a16="http://schemas.microsoft.com/office/drawing/2014/main" xmlns="" id="{E8ECB42A-D853-4341-B265-CD6160092F29}"/>
               </a:ext>
             </a:extLst>
           </p:cNvPr>
@@ -18894,7 +19201,7 @@
           <p:cNvPr id="24" name="Picture 2" descr="D:\workarea\epa_explorer\mem\logo\logo epa explorer final BN.png">
             <a:extLst>
               <a:ext uri="{FF2B5EF4-FFF2-40B4-BE49-F238E27FC236}">
-                <a16:creationId xmlns:a16="http://schemas.microsoft.com/office/drawing/2014/main" id="{09DFCB45-A325-460E-B3F5-9EEDA9A421B5}"/>
+                <a16:creationId xmlns:a16="http://schemas.microsoft.com/office/drawing/2014/main" xmlns="" id="{09DFCB45-A325-460E-B3F5-9EEDA9A421B5}"/>
               </a:ext>
             </a:extLst>
           </p:cNvPr>
@@ -18941,7 +19248,7 @@
           <p:cNvPr id="36" name="Picture 2" descr="D:\workarea\epa_explorer\mem\logo\logo epa explorer final.png">
             <a:extLst>
               <a:ext uri="{FF2B5EF4-FFF2-40B4-BE49-F238E27FC236}">
-                <a16:creationId xmlns:a16="http://schemas.microsoft.com/office/drawing/2014/main" id="{90FB1D5C-3B53-4C61-B29C-053292FC8E41}"/>
+                <a16:creationId xmlns:a16="http://schemas.microsoft.com/office/drawing/2014/main" xmlns="" id="{90FB1D5C-3B53-4C61-B29C-053292FC8E41}"/>
               </a:ext>
             </a:extLst>
           </p:cNvPr>
@@ -18988,7 +19295,7 @@
           <p:cNvPr id="37" name="Rectángulo 36">
             <a:extLst>
               <a:ext uri="{FF2B5EF4-FFF2-40B4-BE49-F238E27FC236}">
-                <a16:creationId xmlns:a16="http://schemas.microsoft.com/office/drawing/2014/main" id="{408D5D89-C668-4DD2-BE96-6DE99AC9212D}"/>
+                <a16:creationId xmlns:a16="http://schemas.microsoft.com/office/drawing/2014/main" xmlns="" id="{408D5D89-C668-4DD2-BE96-6DE99AC9212D}"/>
               </a:ext>
             </a:extLst>
           </p:cNvPr>
@@ -19534,7 +19841,7 @@
           <p:cNvPr id="36" name="Rectángulo 35">
             <a:extLst>
               <a:ext uri="{FF2B5EF4-FFF2-40B4-BE49-F238E27FC236}">
-                <a16:creationId xmlns:a16="http://schemas.microsoft.com/office/drawing/2014/main" id="{DBF0311C-4BC7-4612-9E69-0BDCA3B64C48}"/>
+                <a16:creationId xmlns:a16="http://schemas.microsoft.com/office/drawing/2014/main" xmlns="" id="{DBF0311C-4BC7-4612-9E69-0BDCA3B64C48}"/>
               </a:ext>
             </a:extLst>
           </p:cNvPr>
@@ -19615,7 +19922,7 @@
           <p:cNvPr id="11" name="Rectángulo 10">
             <a:extLst>
               <a:ext uri="{FF2B5EF4-FFF2-40B4-BE49-F238E27FC236}">
-                <a16:creationId xmlns:a16="http://schemas.microsoft.com/office/drawing/2014/main" id="{974242C8-7D53-4777-BAFD-D39AE36DB37A}"/>
+                <a16:creationId xmlns:a16="http://schemas.microsoft.com/office/drawing/2014/main" xmlns="" id="{974242C8-7D53-4777-BAFD-D39AE36DB37A}"/>
               </a:ext>
             </a:extLst>
           </p:cNvPr>
@@ -19672,7 +19979,7 @@
           <p:cNvPr id="10" name="Rectángulo 9">
             <a:extLst>
               <a:ext uri="{FF2B5EF4-FFF2-40B4-BE49-F238E27FC236}">
-                <a16:creationId xmlns:a16="http://schemas.microsoft.com/office/drawing/2014/main" id="{F72E42AB-F28D-48CD-867A-BA39DCBCA4B9}"/>
+                <a16:creationId xmlns:a16="http://schemas.microsoft.com/office/drawing/2014/main" xmlns="" id="{F72E42AB-F28D-48CD-867A-BA39DCBCA4B9}"/>
               </a:ext>
             </a:extLst>
           </p:cNvPr>
@@ -19724,7 +20031,7 @@
           <p:cNvPr id="12" name="Tabla 11">
             <a:extLst>
               <a:ext uri="{FF2B5EF4-FFF2-40B4-BE49-F238E27FC236}">
-                <a16:creationId xmlns:a16="http://schemas.microsoft.com/office/drawing/2014/main" id="{8E30230A-A720-4D59-991C-B92A84641AEB}"/>
+                <a16:creationId xmlns:a16="http://schemas.microsoft.com/office/drawing/2014/main" xmlns="" id="{8E30230A-A720-4D59-991C-B92A84641AEB}"/>
               </a:ext>
             </a:extLst>
           </p:cNvPr>
@@ -19749,14 +20056,14 @@
                 <a:gridCol w="3729229">
                   <a:extLst>
                     <a:ext uri="{9D8B030D-6E8A-4147-A177-3AD203B41FA5}">
-                      <a16:colId xmlns:a16="http://schemas.microsoft.com/office/drawing/2014/main" val="1347896834"/>
+                      <a16:colId xmlns:a16="http://schemas.microsoft.com/office/drawing/2014/main" xmlns="" val="1347896834"/>
                     </a:ext>
                   </a:extLst>
                 </a:gridCol>
                 <a:gridCol w="703071">
                   <a:extLst>
                     <a:ext uri="{9D8B030D-6E8A-4147-A177-3AD203B41FA5}">
-                      <a16:colId xmlns:a16="http://schemas.microsoft.com/office/drawing/2014/main" val="972821047"/>
+                      <a16:colId xmlns:a16="http://schemas.microsoft.com/office/drawing/2014/main" xmlns="" val="972821047"/>
                     </a:ext>
                   </a:extLst>
                 </a:gridCol>
@@ -19836,7 +20143,7 @@
                 </a:tc>
                 <a:extLst>
                   <a:ext uri="{0D108BD9-81ED-4DB2-BD59-A6C34878D82A}">
-                    <a16:rowId xmlns:a16="http://schemas.microsoft.com/office/drawing/2014/main" val="862195207"/>
+                    <a16:rowId xmlns:a16="http://schemas.microsoft.com/office/drawing/2014/main" xmlns="" val="862195207"/>
                   </a:ext>
                 </a:extLst>
               </a:tr>
@@ -19849,7 +20156,7 @@
           <p:cNvPr id="17" name="Picture 6" descr="Resultado de imagen de universidad de cádiz">
             <a:extLst>
               <a:ext uri="{FF2B5EF4-FFF2-40B4-BE49-F238E27FC236}">
-                <a16:creationId xmlns:a16="http://schemas.microsoft.com/office/drawing/2014/main" id="{9CFE5ACB-A3AB-4673-9D97-968EC583EB7B}"/>
+                <a16:creationId xmlns:a16="http://schemas.microsoft.com/office/drawing/2014/main" xmlns="" id="{9CFE5ACB-A3AB-4673-9D97-968EC583EB7B}"/>
               </a:ext>
             </a:extLst>
           </p:cNvPr>
@@ -19896,7 +20203,7 @@
           <p:cNvPr id="1028" name="Picture 4" descr="https://s3.amazonaws.com/kinlane-productions/bw-icons/bw-database.png">
             <a:extLst>
               <a:ext uri="{FF2B5EF4-FFF2-40B4-BE49-F238E27FC236}">
-                <a16:creationId xmlns:a16="http://schemas.microsoft.com/office/drawing/2014/main" id="{ABB11DD1-A653-49D6-8B63-498B477711FD}"/>
+                <a16:creationId xmlns:a16="http://schemas.microsoft.com/office/drawing/2014/main" xmlns="" id="{ABB11DD1-A653-49D6-8B63-498B477711FD}"/>
               </a:ext>
             </a:extLst>
           </p:cNvPr>
@@ -19943,7 +20250,7 @@
           <p:cNvPr id="25" name="Rectángulo 24">
             <a:extLst>
               <a:ext uri="{FF2B5EF4-FFF2-40B4-BE49-F238E27FC236}">
-                <a16:creationId xmlns:a16="http://schemas.microsoft.com/office/drawing/2014/main" id="{EA854A35-C440-4E69-A3C8-DF14F9F4AC1B}"/>
+                <a16:creationId xmlns:a16="http://schemas.microsoft.com/office/drawing/2014/main" xmlns="" id="{EA854A35-C440-4E69-A3C8-DF14F9F4AC1B}"/>
               </a:ext>
             </a:extLst>
           </p:cNvPr>
@@ -19978,7 +20285,7 @@
           <p:cNvPr id="2054" name="Picture 6" descr="https://d30y9cdsu7xlg0.cloudfront.net/png/546300-200.png">
             <a:extLst>
               <a:ext uri="{FF2B5EF4-FFF2-40B4-BE49-F238E27FC236}">
-                <a16:creationId xmlns:a16="http://schemas.microsoft.com/office/drawing/2014/main" id="{9BBB2806-2914-481A-BDA5-2198B485A322}"/>
+                <a16:creationId xmlns:a16="http://schemas.microsoft.com/office/drawing/2014/main" xmlns="" id="{9BBB2806-2914-481A-BDA5-2198B485A322}"/>
               </a:ext>
             </a:extLst>
           </p:cNvPr>
@@ -20025,7 +20332,7 @@
           <p:cNvPr id="30" name="Flecha: hacia abajo 29">
             <a:extLst>
               <a:ext uri="{FF2B5EF4-FFF2-40B4-BE49-F238E27FC236}">
-                <a16:creationId xmlns:a16="http://schemas.microsoft.com/office/drawing/2014/main" id="{E22C24B8-E9B7-42C5-BA95-6A210E8D9D76}"/>
+                <a16:creationId xmlns:a16="http://schemas.microsoft.com/office/drawing/2014/main" xmlns="" id="{E22C24B8-E9B7-42C5-BA95-6A210E8D9D76}"/>
               </a:ext>
             </a:extLst>
           </p:cNvPr>
@@ -20082,7 +20389,7 @@
           <p:cNvPr id="31" name="Rectángulo 30">
             <a:extLst>
               <a:ext uri="{FF2B5EF4-FFF2-40B4-BE49-F238E27FC236}">
-                <a16:creationId xmlns:a16="http://schemas.microsoft.com/office/drawing/2014/main" id="{1B80B17E-D29F-4F43-B416-7309EA40FFA7}"/>
+                <a16:creationId xmlns:a16="http://schemas.microsoft.com/office/drawing/2014/main" xmlns="" id="{1B80B17E-D29F-4F43-B416-7309EA40FFA7}"/>
               </a:ext>
             </a:extLst>
           </p:cNvPr>
@@ -20117,7 +20424,7 @@
           <p:cNvPr id="32" name="Rectángulo 31">
             <a:extLst>
               <a:ext uri="{FF2B5EF4-FFF2-40B4-BE49-F238E27FC236}">
-                <a16:creationId xmlns:a16="http://schemas.microsoft.com/office/drawing/2014/main" id="{7C5B2BEB-F822-4CAE-9AC6-2DA2D1715765}"/>
+                <a16:creationId xmlns:a16="http://schemas.microsoft.com/office/drawing/2014/main" xmlns="" id="{7C5B2BEB-F822-4CAE-9AC6-2DA2D1715765}"/>
               </a:ext>
             </a:extLst>
           </p:cNvPr>
@@ -20152,7 +20459,7 @@
           <p:cNvPr id="34" name="Rectángulo 33">
             <a:extLst>
               <a:ext uri="{FF2B5EF4-FFF2-40B4-BE49-F238E27FC236}">
-                <a16:creationId xmlns:a16="http://schemas.microsoft.com/office/drawing/2014/main" id="{E8ECB42A-D853-4341-B265-CD6160092F29}"/>
+                <a16:creationId xmlns:a16="http://schemas.microsoft.com/office/drawing/2014/main" xmlns="" id="{E8ECB42A-D853-4341-B265-CD6160092F29}"/>
               </a:ext>
             </a:extLst>
           </p:cNvPr>
@@ -20187,7 +20494,7 @@
           <p:cNvPr id="22" name="Flecha: hacia abajo 21">
             <a:extLst>
               <a:ext uri="{FF2B5EF4-FFF2-40B4-BE49-F238E27FC236}">
-                <a16:creationId xmlns:a16="http://schemas.microsoft.com/office/drawing/2014/main" id="{1EC1C216-283D-41B3-8EC1-461FC11637AF}"/>
+                <a16:creationId xmlns:a16="http://schemas.microsoft.com/office/drawing/2014/main" xmlns="" id="{1EC1C216-283D-41B3-8EC1-461FC11637AF}"/>
               </a:ext>
             </a:extLst>
           </p:cNvPr>
@@ -20244,7 +20551,7 @@
           <p:cNvPr id="4098" name="Picture 2" descr="https://maxcdn.icons8.com/Share/icon/p1em/Very_Basic/folder1600.png">
             <a:extLst>
               <a:ext uri="{FF2B5EF4-FFF2-40B4-BE49-F238E27FC236}">
-                <a16:creationId xmlns:a16="http://schemas.microsoft.com/office/drawing/2014/main" id="{1488C889-106C-499D-B011-FCFE82145759}"/>
+                <a16:creationId xmlns:a16="http://schemas.microsoft.com/office/drawing/2014/main" xmlns="" id="{1488C889-106C-499D-B011-FCFE82145759}"/>
               </a:ext>
             </a:extLst>
           </p:cNvPr>
@@ -20291,7 +20598,7 @@
           <p:cNvPr id="24" name="Flecha: doblada hacia arriba 23">
             <a:extLst>
               <a:ext uri="{FF2B5EF4-FFF2-40B4-BE49-F238E27FC236}">
-                <a16:creationId xmlns:a16="http://schemas.microsoft.com/office/drawing/2014/main" id="{14972AC8-3510-418B-9537-B272512ECE05}"/>
+                <a16:creationId xmlns:a16="http://schemas.microsoft.com/office/drawing/2014/main" xmlns="" id="{14972AC8-3510-418B-9537-B272512ECE05}"/>
               </a:ext>
             </a:extLst>
           </p:cNvPr>
@@ -20349,7 +20656,7 @@
           <p:cNvPr id="27" name="Rectángulo 26">
             <a:extLst>
               <a:ext uri="{FF2B5EF4-FFF2-40B4-BE49-F238E27FC236}">
-                <a16:creationId xmlns:a16="http://schemas.microsoft.com/office/drawing/2014/main" id="{A9D9333A-5508-46D0-802C-6F6ECADC0A2A}"/>
+                <a16:creationId xmlns:a16="http://schemas.microsoft.com/office/drawing/2014/main" xmlns="" id="{A9D9333A-5508-46D0-802C-6F6ECADC0A2A}"/>
               </a:ext>
             </a:extLst>
           </p:cNvPr>
@@ -20384,7 +20691,7 @@
           <p:cNvPr id="29" name="Rectángulo 28">
             <a:extLst>
               <a:ext uri="{FF2B5EF4-FFF2-40B4-BE49-F238E27FC236}">
-                <a16:creationId xmlns:a16="http://schemas.microsoft.com/office/drawing/2014/main" id="{6AECE523-D320-49DB-B979-FF78CBBA9472}"/>
+                <a16:creationId xmlns:a16="http://schemas.microsoft.com/office/drawing/2014/main" xmlns="" id="{6AECE523-D320-49DB-B979-FF78CBBA9472}"/>
               </a:ext>
             </a:extLst>
           </p:cNvPr>
@@ -20419,7 +20726,7 @@
           <p:cNvPr id="28" name="Picture 2" descr="D:\workarea\epa_explorer\mem\logo\logo epa explorer final BN.png">
             <a:extLst>
               <a:ext uri="{FF2B5EF4-FFF2-40B4-BE49-F238E27FC236}">
-                <a16:creationId xmlns:a16="http://schemas.microsoft.com/office/drawing/2014/main" id="{09058D92-5188-487A-B0CE-F4474F20E0F2}"/>
+                <a16:creationId xmlns:a16="http://schemas.microsoft.com/office/drawing/2014/main" xmlns="" id="{09058D92-5188-487A-B0CE-F4474F20E0F2}"/>
               </a:ext>
             </a:extLst>
           </p:cNvPr>
@@ -20466,7 +20773,7 @@
           <p:cNvPr id="37" name="Picture 2" descr="D:\workarea\epa_explorer\mem\logo\logo epa explorer final.png">
             <a:extLst>
               <a:ext uri="{FF2B5EF4-FFF2-40B4-BE49-F238E27FC236}">
-                <a16:creationId xmlns:a16="http://schemas.microsoft.com/office/drawing/2014/main" id="{1720B96D-3EAC-4F84-A2B5-C2FCDFC31066}"/>
+                <a16:creationId xmlns:a16="http://schemas.microsoft.com/office/drawing/2014/main" xmlns="" id="{1720B96D-3EAC-4F84-A2B5-C2FCDFC31066}"/>
               </a:ext>
             </a:extLst>
           </p:cNvPr>
@@ -20513,7 +20820,7 @@
           <p:cNvPr id="38" name="Rectángulo 37">
             <a:extLst>
               <a:ext uri="{FF2B5EF4-FFF2-40B4-BE49-F238E27FC236}">
-                <a16:creationId xmlns:a16="http://schemas.microsoft.com/office/drawing/2014/main" id="{DC43FDC4-CCB0-47D7-8076-E734E7C07257}"/>
+                <a16:creationId xmlns:a16="http://schemas.microsoft.com/office/drawing/2014/main" xmlns="" id="{DC43FDC4-CCB0-47D7-8076-E734E7C07257}"/>
               </a:ext>
             </a:extLst>
           </p:cNvPr>
@@ -21095,7 +21402,7 @@
           <p:cNvPr id="36" name="Rectángulo 35">
             <a:extLst>
               <a:ext uri="{FF2B5EF4-FFF2-40B4-BE49-F238E27FC236}">
-                <a16:creationId xmlns:a16="http://schemas.microsoft.com/office/drawing/2014/main" id="{FAEA9034-F6F9-4493-8971-C7B6CEA21408}"/>
+                <a16:creationId xmlns:a16="http://schemas.microsoft.com/office/drawing/2014/main" xmlns="" id="{FAEA9034-F6F9-4493-8971-C7B6CEA21408}"/>
               </a:ext>
             </a:extLst>
           </p:cNvPr>
@@ -21176,7 +21483,7 @@
           <p:cNvPr id="11" name="Rectángulo 10">
             <a:extLst>
               <a:ext uri="{FF2B5EF4-FFF2-40B4-BE49-F238E27FC236}">
-                <a16:creationId xmlns:a16="http://schemas.microsoft.com/office/drawing/2014/main" id="{974242C8-7D53-4777-BAFD-D39AE36DB37A}"/>
+                <a16:creationId xmlns:a16="http://schemas.microsoft.com/office/drawing/2014/main" xmlns="" id="{974242C8-7D53-4777-BAFD-D39AE36DB37A}"/>
               </a:ext>
             </a:extLst>
           </p:cNvPr>
@@ -21233,7 +21540,7 @@
           <p:cNvPr id="10" name="Rectángulo 9">
             <a:extLst>
               <a:ext uri="{FF2B5EF4-FFF2-40B4-BE49-F238E27FC236}">
-                <a16:creationId xmlns:a16="http://schemas.microsoft.com/office/drawing/2014/main" id="{F72E42AB-F28D-48CD-867A-BA39DCBCA4B9}"/>
+                <a16:creationId xmlns:a16="http://schemas.microsoft.com/office/drawing/2014/main" xmlns="" id="{F72E42AB-F28D-48CD-867A-BA39DCBCA4B9}"/>
               </a:ext>
             </a:extLst>
           </p:cNvPr>
@@ -21285,7 +21592,7 @@
           <p:cNvPr id="12" name="Tabla 11">
             <a:extLst>
               <a:ext uri="{FF2B5EF4-FFF2-40B4-BE49-F238E27FC236}">
-                <a16:creationId xmlns:a16="http://schemas.microsoft.com/office/drawing/2014/main" id="{8E30230A-A720-4D59-991C-B92A84641AEB}"/>
+                <a16:creationId xmlns:a16="http://schemas.microsoft.com/office/drawing/2014/main" xmlns="" id="{8E30230A-A720-4D59-991C-B92A84641AEB}"/>
               </a:ext>
             </a:extLst>
           </p:cNvPr>
@@ -21310,14 +21617,14 @@
                 <a:gridCol w="3729229">
                   <a:extLst>
                     <a:ext uri="{9D8B030D-6E8A-4147-A177-3AD203B41FA5}">
-                      <a16:colId xmlns:a16="http://schemas.microsoft.com/office/drawing/2014/main" val="1347896834"/>
+                      <a16:colId xmlns:a16="http://schemas.microsoft.com/office/drawing/2014/main" xmlns="" val="1347896834"/>
                     </a:ext>
                   </a:extLst>
                 </a:gridCol>
                 <a:gridCol w="703071">
                   <a:extLst>
                     <a:ext uri="{9D8B030D-6E8A-4147-A177-3AD203B41FA5}">
-                      <a16:colId xmlns:a16="http://schemas.microsoft.com/office/drawing/2014/main" val="972821047"/>
+                      <a16:colId xmlns:a16="http://schemas.microsoft.com/office/drawing/2014/main" xmlns="" val="972821047"/>
                     </a:ext>
                   </a:extLst>
                 </a:gridCol>
@@ -21397,7 +21704,7 @@
                 </a:tc>
                 <a:extLst>
                   <a:ext uri="{0D108BD9-81ED-4DB2-BD59-A6C34878D82A}">
-                    <a16:rowId xmlns:a16="http://schemas.microsoft.com/office/drawing/2014/main" val="862195207"/>
+                    <a16:rowId xmlns:a16="http://schemas.microsoft.com/office/drawing/2014/main" xmlns="" val="862195207"/>
                   </a:ext>
                 </a:extLst>
               </a:tr>
@@ -21410,7 +21717,7 @@
           <p:cNvPr id="17" name="Picture 6" descr="Resultado de imagen de universidad de cádiz">
             <a:extLst>
               <a:ext uri="{FF2B5EF4-FFF2-40B4-BE49-F238E27FC236}">
-                <a16:creationId xmlns:a16="http://schemas.microsoft.com/office/drawing/2014/main" id="{9CFE5ACB-A3AB-4673-9D97-968EC583EB7B}"/>
+                <a16:creationId xmlns:a16="http://schemas.microsoft.com/office/drawing/2014/main" xmlns="" id="{9CFE5ACB-A3AB-4673-9D97-968EC583EB7B}"/>
               </a:ext>
             </a:extLst>
           </p:cNvPr>
@@ -21457,7 +21764,7 @@
           <p:cNvPr id="2054" name="Picture 6" descr="https://d30y9cdsu7xlg0.cloudfront.net/png/546300-200.png">
             <a:extLst>
               <a:ext uri="{FF2B5EF4-FFF2-40B4-BE49-F238E27FC236}">
-                <a16:creationId xmlns:a16="http://schemas.microsoft.com/office/drawing/2014/main" id="{9BBB2806-2914-481A-BDA5-2198B485A322}"/>
+                <a16:creationId xmlns:a16="http://schemas.microsoft.com/office/drawing/2014/main" xmlns="" id="{9BBB2806-2914-481A-BDA5-2198B485A322}"/>
               </a:ext>
             </a:extLst>
           </p:cNvPr>
@@ -21504,7 +21811,7 @@
           <p:cNvPr id="26" name="Flecha: hacia abajo 25">
             <a:extLst>
               <a:ext uri="{FF2B5EF4-FFF2-40B4-BE49-F238E27FC236}">
-                <a16:creationId xmlns:a16="http://schemas.microsoft.com/office/drawing/2014/main" id="{F19881CC-E00B-4773-82F1-59C428241929}"/>
+                <a16:creationId xmlns:a16="http://schemas.microsoft.com/office/drawing/2014/main" xmlns="" id="{F19881CC-E00B-4773-82F1-59C428241929}"/>
               </a:ext>
             </a:extLst>
           </p:cNvPr>
@@ -21561,7 +21868,7 @@
           <p:cNvPr id="28" name="Flecha: hacia abajo 27">
             <a:extLst>
               <a:ext uri="{FF2B5EF4-FFF2-40B4-BE49-F238E27FC236}">
-                <a16:creationId xmlns:a16="http://schemas.microsoft.com/office/drawing/2014/main" id="{519BB24C-60D7-4803-843F-1ED877915060}"/>
+                <a16:creationId xmlns:a16="http://schemas.microsoft.com/office/drawing/2014/main" xmlns="" id="{519BB24C-60D7-4803-843F-1ED877915060}"/>
               </a:ext>
             </a:extLst>
           </p:cNvPr>
@@ -21618,7 +21925,7 @@
           <p:cNvPr id="30" name="Flecha: hacia abajo 29">
             <a:extLst>
               <a:ext uri="{FF2B5EF4-FFF2-40B4-BE49-F238E27FC236}">
-                <a16:creationId xmlns:a16="http://schemas.microsoft.com/office/drawing/2014/main" id="{E22C24B8-E9B7-42C5-BA95-6A210E8D9D76}"/>
+                <a16:creationId xmlns:a16="http://schemas.microsoft.com/office/drawing/2014/main" xmlns="" id="{E22C24B8-E9B7-42C5-BA95-6A210E8D9D76}"/>
               </a:ext>
             </a:extLst>
           </p:cNvPr>
@@ -21675,7 +21982,7 @@
           <p:cNvPr id="31" name="Rectángulo 30">
             <a:extLst>
               <a:ext uri="{FF2B5EF4-FFF2-40B4-BE49-F238E27FC236}">
-                <a16:creationId xmlns:a16="http://schemas.microsoft.com/office/drawing/2014/main" id="{1B80B17E-D29F-4F43-B416-7309EA40FFA7}"/>
+                <a16:creationId xmlns:a16="http://schemas.microsoft.com/office/drawing/2014/main" xmlns="" id="{1B80B17E-D29F-4F43-B416-7309EA40FFA7}"/>
               </a:ext>
             </a:extLst>
           </p:cNvPr>
@@ -21710,7 +22017,7 @@
           <p:cNvPr id="32" name="Rectángulo 31">
             <a:extLst>
               <a:ext uri="{FF2B5EF4-FFF2-40B4-BE49-F238E27FC236}">
-                <a16:creationId xmlns:a16="http://schemas.microsoft.com/office/drawing/2014/main" id="{7C5B2BEB-F822-4CAE-9AC6-2DA2D1715765}"/>
+                <a16:creationId xmlns:a16="http://schemas.microsoft.com/office/drawing/2014/main" xmlns="" id="{7C5B2BEB-F822-4CAE-9AC6-2DA2D1715765}"/>
               </a:ext>
             </a:extLst>
           </p:cNvPr>
@@ -21745,7 +22052,7 @@
           <p:cNvPr id="2056" name="Picture 8" descr="https://d30y9cdsu7xlg0.cloudfront.net/png/84177-200.png">
             <a:extLst>
               <a:ext uri="{FF2B5EF4-FFF2-40B4-BE49-F238E27FC236}">
-                <a16:creationId xmlns:a16="http://schemas.microsoft.com/office/drawing/2014/main" id="{AC590B88-632A-4343-845E-FF886883FC68}"/>
+                <a16:creationId xmlns:a16="http://schemas.microsoft.com/office/drawing/2014/main" xmlns="" id="{AC590B88-632A-4343-845E-FF886883FC68}"/>
               </a:ext>
             </a:extLst>
           </p:cNvPr>
@@ -21792,7 +22099,7 @@
           <p:cNvPr id="33" name="Rectángulo 32">
             <a:extLst>
               <a:ext uri="{FF2B5EF4-FFF2-40B4-BE49-F238E27FC236}">
-                <a16:creationId xmlns:a16="http://schemas.microsoft.com/office/drawing/2014/main" id="{6FF9FBC9-95FD-47C6-8A41-22C735457845}"/>
+                <a16:creationId xmlns:a16="http://schemas.microsoft.com/office/drawing/2014/main" xmlns="" id="{6FF9FBC9-95FD-47C6-8A41-22C735457845}"/>
               </a:ext>
             </a:extLst>
           </p:cNvPr>
@@ -21827,7 +22134,7 @@
           <p:cNvPr id="34" name="Rectángulo 33">
             <a:extLst>
               <a:ext uri="{FF2B5EF4-FFF2-40B4-BE49-F238E27FC236}">
-                <a16:creationId xmlns:a16="http://schemas.microsoft.com/office/drawing/2014/main" id="{E8ECB42A-D853-4341-B265-CD6160092F29}"/>
+                <a16:creationId xmlns:a16="http://schemas.microsoft.com/office/drawing/2014/main" xmlns="" id="{E8ECB42A-D853-4341-B265-CD6160092F29}"/>
               </a:ext>
             </a:extLst>
           </p:cNvPr>
@@ -21862,7 +22169,7 @@
           <p:cNvPr id="22" name="Picture 2" descr="https://maxcdn.icons8.com/Share/icon/p1em/Very_Basic/folder1600.png">
             <a:extLst>
               <a:ext uri="{FF2B5EF4-FFF2-40B4-BE49-F238E27FC236}">
-                <a16:creationId xmlns:a16="http://schemas.microsoft.com/office/drawing/2014/main" id="{92EF6479-CA24-40A1-A40C-B4408C17CF01}"/>
+                <a16:creationId xmlns:a16="http://schemas.microsoft.com/office/drawing/2014/main" xmlns="" id="{92EF6479-CA24-40A1-A40C-B4408C17CF01}"/>
               </a:ext>
             </a:extLst>
           </p:cNvPr>
@@ -21909,7 +22216,7 @@
           <p:cNvPr id="23" name="Rectángulo 22">
             <a:extLst>
               <a:ext uri="{FF2B5EF4-FFF2-40B4-BE49-F238E27FC236}">
-                <a16:creationId xmlns:a16="http://schemas.microsoft.com/office/drawing/2014/main" id="{8E4CBF84-632A-4B2C-A811-CD139660DFA3}"/>
+                <a16:creationId xmlns:a16="http://schemas.microsoft.com/office/drawing/2014/main" xmlns="" id="{8E4CBF84-632A-4B2C-A811-CD139660DFA3}"/>
               </a:ext>
             </a:extLst>
           </p:cNvPr>
@@ -21944,7 +22251,7 @@
           <p:cNvPr id="27" name="Picture 2" descr="D:\workarea\epa_explorer\mem\logo\logo epa explorer final BN.png">
             <a:extLst>
               <a:ext uri="{FF2B5EF4-FFF2-40B4-BE49-F238E27FC236}">
-                <a16:creationId xmlns:a16="http://schemas.microsoft.com/office/drawing/2014/main" id="{DE352BB1-358B-43E8-995C-666DCAA187B7}"/>
+                <a16:creationId xmlns:a16="http://schemas.microsoft.com/office/drawing/2014/main" xmlns="" id="{DE352BB1-358B-43E8-995C-666DCAA187B7}"/>
               </a:ext>
             </a:extLst>
           </p:cNvPr>
@@ -21991,7 +22298,7 @@
           <p:cNvPr id="37" name="Picture 2" descr="D:\workarea\epa_explorer\mem\logo\logo epa explorer final.png">
             <a:extLst>
               <a:ext uri="{FF2B5EF4-FFF2-40B4-BE49-F238E27FC236}">
-                <a16:creationId xmlns:a16="http://schemas.microsoft.com/office/drawing/2014/main" id="{C6753F15-C209-471C-ADC4-E4B0473EC084}"/>
+                <a16:creationId xmlns:a16="http://schemas.microsoft.com/office/drawing/2014/main" xmlns="" id="{C6753F15-C209-471C-ADC4-E4B0473EC084}"/>
               </a:ext>
             </a:extLst>
           </p:cNvPr>
@@ -22038,7 +22345,7 @@
           <p:cNvPr id="38" name="Rectángulo 37">
             <a:extLst>
               <a:ext uri="{FF2B5EF4-FFF2-40B4-BE49-F238E27FC236}">
-                <a16:creationId xmlns:a16="http://schemas.microsoft.com/office/drawing/2014/main" id="{CEEBCE87-5793-4797-9389-11E711FFEE22}"/>
+                <a16:creationId xmlns:a16="http://schemas.microsoft.com/office/drawing/2014/main" xmlns="" id="{CEEBCE87-5793-4797-9389-11E711FFEE22}"/>
               </a:ext>
             </a:extLst>
           </p:cNvPr>
@@ -22584,7 +22891,7 @@
           <p:cNvPr id="39" name="Rectángulo 38">
             <a:extLst>
               <a:ext uri="{FF2B5EF4-FFF2-40B4-BE49-F238E27FC236}">
-                <a16:creationId xmlns:a16="http://schemas.microsoft.com/office/drawing/2014/main" id="{505D8D9B-7F6C-4727-8AC4-72959C26B7BC}"/>
+                <a16:creationId xmlns:a16="http://schemas.microsoft.com/office/drawing/2014/main" xmlns="" id="{505D8D9B-7F6C-4727-8AC4-72959C26B7BC}"/>
               </a:ext>
             </a:extLst>
           </p:cNvPr>
@@ -22665,7 +22972,7 @@
           <p:cNvPr id="11" name="Rectángulo 10">
             <a:extLst>
               <a:ext uri="{FF2B5EF4-FFF2-40B4-BE49-F238E27FC236}">
-                <a16:creationId xmlns:a16="http://schemas.microsoft.com/office/drawing/2014/main" id="{974242C8-7D53-4777-BAFD-D39AE36DB37A}"/>
+                <a16:creationId xmlns:a16="http://schemas.microsoft.com/office/drawing/2014/main" xmlns="" id="{974242C8-7D53-4777-BAFD-D39AE36DB37A}"/>
               </a:ext>
             </a:extLst>
           </p:cNvPr>
@@ -22706,7 +23013,7 @@
           <p:cNvPr id="10" name="Rectángulo 9">
             <a:extLst>
               <a:ext uri="{FF2B5EF4-FFF2-40B4-BE49-F238E27FC236}">
-                <a16:creationId xmlns:a16="http://schemas.microsoft.com/office/drawing/2014/main" id="{F72E42AB-F28D-48CD-867A-BA39DCBCA4B9}"/>
+                <a16:creationId xmlns:a16="http://schemas.microsoft.com/office/drawing/2014/main" xmlns="" id="{F72E42AB-F28D-48CD-867A-BA39DCBCA4B9}"/>
               </a:ext>
             </a:extLst>
           </p:cNvPr>
@@ -22758,7 +23065,7 @@
           <p:cNvPr id="12" name="Tabla 11">
             <a:extLst>
               <a:ext uri="{FF2B5EF4-FFF2-40B4-BE49-F238E27FC236}">
-                <a16:creationId xmlns:a16="http://schemas.microsoft.com/office/drawing/2014/main" id="{8E30230A-A720-4D59-991C-B92A84641AEB}"/>
+                <a16:creationId xmlns:a16="http://schemas.microsoft.com/office/drawing/2014/main" xmlns="" id="{8E30230A-A720-4D59-991C-B92A84641AEB}"/>
               </a:ext>
             </a:extLst>
           </p:cNvPr>
@@ -22783,14 +23090,14 @@
                 <a:gridCol w="3729229">
                   <a:extLst>
                     <a:ext uri="{9D8B030D-6E8A-4147-A177-3AD203B41FA5}">
-                      <a16:colId xmlns:a16="http://schemas.microsoft.com/office/drawing/2014/main" val="1347896834"/>
+                      <a16:colId xmlns:a16="http://schemas.microsoft.com/office/drawing/2014/main" xmlns="" val="1347896834"/>
                     </a:ext>
                   </a:extLst>
                 </a:gridCol>
                 <a:gridCol w="703071">
                   <a:extLst>
                     <a:ext uri="{9D8B030D-6E8A-4147-A177-3AD203B41FA5}">
-                      <a16:colId xmlns:a16="http://schemas.microsoft.com/office/drawing/2014/main" val="972821047"/>
+                      <a16:colId xmlns:a16="http://schemas.microsoft.com/office/drawing/2014/main" xmlns="" val="972821047"/>
                     </a:ext>
                   </a:extLst>
                 </a:gridCol>
@@ -22870,7 +23177,7 @@
                 </a:tc>
                 <a:extLst>
                   <a:ext uri="{0D108BD9-81ED-4DB2-BD59-A6C34878D82A}">
-                    <a16:rowId xmlns:a16="http://schemas.microsoft.com/office/drawing/2014/main" val="862195207"/>
+                    <a16:rowId xmlns:a16="http://schemas.microsoft.com/office/drawing/2014/main" xmlns="" val="862195207"/>
                   </a:ext>
                 </a:extLst>
               </a:tr>
@@ -22883,7 +23190,7 @@
           <p:cNvPr id="17" name="Picture 6" descr="Resultado de imagen de universidad de cádiz">
             <a:extLst>
               <a:ext uri="{FF2B5EF4-FFF2-40B4-BE49-F238E27FC236}">
-                <a16:creationId xmlns:a16="http://schemas.microsoft.com/office/drawing/2014/main" id="{9CFE5ACB-A3AB-4673-9D97-968EC583EB7B}"/>
+                <a16:creationId xmlns:a16="http://schemas.microsoft.com/office/drawing/2014/main" xmlns="" id="{9CFE5ACB-A3AB-4673-9D97-968EC583EB7B}"/>
               </a:ext>
             </a:extLst>
           </p:cNvPr>
@@ -22930,7 +23237,7 @@
           <p:cNvPr id="1028" name="Picture 4" descr="https://s3.amazonaws.com/kinlane-productions/bw-icons/bw-database.png">
             <a:extLst>
               <a:ext uri="{FF2B5EF4-FFF2-40B4-BE49-F238E27FC236}">
-                <a16:creationId xmlns:a16="http://schemas.microsoft.com/office/drawing/2014/main" id="{ABB11DD1-A653-49D6-8B63-498B477711FD}"/>
+                <a16:creationId xmlns:a16="http://schemas.microsoft.com/office/drawing/2014/main" xmlns="" id="{ABB11DD1-A653-49D6-8B63-498B477711FD}"/>
               </a:ext>
             </a:extLst>
           </p:cNvPr>
@@ -22977,7 +23284,7 @@
           <p:cNvPr id="25" name="Rectángulo 24">
             <a:extLst>
               <a:ext uri="{FF2B5EF4-FFF2-40B4-BE49-F238E27FC236}">
-                <a16:creationId xmlns:a16="http://schemas.microsoft.com/office/drawing/2014/main" id="{EA854A35-C440-4E69-A3C8-DF14F9F4AC1B}"/>
+                <a16:creationId xmlns:a16="http://schemas.microsoft.com/office/drawing/2014/main" xmlns="" id="{EA854A35-C440-4E69-A3C8-DF14F9F4AC1B}"/>
               </a:ext>
             </a:extLst>
           </p:cNvPr>
@@ -23012,7 +23319,7 @@
           <p:cNvPr id="2054" name="Picture 6" descr="https://d30y9cdsu7xlg0.cloudfront.net/png/546300-200.png">
             <a:extLst>
               <a:ext uri="{FF2B5EF4-FFF2-40B4-BE49-F238E27FC236}">
-                <a16:creationId xmlns:a16="http://schemas.microsoft.com/office/drawing/2014/main" id="{9BBB2806-2914-481A-BDA5-2198B485A322}"/>
+                <a16:creationId xmlns:a16="http://schemas.microsoft.com/office/drawing/2014/main" xmlns="" id="{9BBB2806-2914-481A-BDA5-2198B485A322}"/>
               </a:ext>
             </a:extLst>
           </p:cNvPr>
@@ -23059,7 +23366,7 @@
           <p:cNvPr id="26" name="Flecha: hacia abajo 25">
             <a:extLst>
               <a:ext uri="{FF2B5EF4-FFF2-40B4-BE49-F238E27FC236}">
-                <a16:creationId xmlns:a16="http://schemas.microsoft.com/office/drawing/2014/main" id="{F19881CC-E00B-4773-82F1-59C428241929}"/>
+                <a16:creationId xmlns:a16="http://schemas.microsoft.com/office/drawing/2014/main" xmlns="" id="{F19881CC-E00B-4773-82F1-59C428241929}"/>
               </a:ext>
             </a:extLst>
           </p:cNvPr>
@@ -23116,7 +23423,7 @@
           <p:cNvPr id="28" name="Flecha: hacia abajo 27">
             <a:extLst>
               <a:ext uri="{FF2B5EF4-FFF2-40B4-BE49-F238E27FC236}">
-                <a16:creationId xmlns:a16="http://schemas.microsoft.com/office/drawing/2014/main" id="{519BB24C-60D7-4803-843F-1ED877915060}"/>
+                <a16:creationId xmlns:a16="http://schemas.microsoft.com/office/drawing/2014/main" xmlns="" id="{519BB24C-60D7-4803-843F-1ED877915060}"/>
               </a:ext>
             </a:extLst>
           </p:cNvPr>
@@ -23173,7 +23480,7 @@
           <p:cNvPr id="30" name="Flecha: hacia abajo 29">
             <a:extLst>
               <a:ext uri="{FF2B5EF4-FFF2-40B4-BE49-F238E27FC236}">
-                <a16:creationId xmlns:a16="http://schemas.microsoft.com/office/drawing/2014/main" id="{E22C24B8-E9B7-42C5-BA95-6A210E8D9D76}"/>
+                <a16:creationId xmlns:a16="http://schemas.microsoft.com/office/drawing/2014/main" xmlns="" id="{E22C24B8-E9B7-42C5-BA95-6A210E8D9D76}"/>
               </a:ext>
             </a:extLst>
           </p:cNvPr>
@@ -23230,7 +23537,7 @@
           <p:cNvPr id="31" name="Rectángulo 30">
             <a:extLst>
               <a:ext uri="{FF2B5EF4-FFF2-40B4-BE49-F238E27FC236}">
-                <a16:creationId xmlns:a16="http://schemas.microsoft.com/office/drawing/2014/main" id="{1B80B17E-D29F-4F43-B416-7309EA40FFA7}"/>
+                <a16:creationId xmlns:a16="http://schemas.microsoft.com/office/drawing/2014/main" xmlns="" id="{1B80B17E-D29F-4F43-B416-7309EA40FFA7}"/>
               </a:ext>
             </a:extLst>
           </p:cNvPr>
@@ -23265,7 +23572,7 @@
           <p:cNvPr id="32" name="Rectángulo 31">
             <a:extLst>
               <a:ext uri="{FF2B5EF4-FFF2-40B4-BE49-F238E27FC236}">
-                <a16:creationId xmlns:a16="http://schemas.microsoft.com/office/drawing/2014/main" id="{7C5B2BEB-F822-4CAE-9AC6-2DA2D1715765}"/>
+                <a16:creationId xmlns:a16="http://schemas.microsoft.com/office/drawing/2014/main" xmlns="" id="{7C5B2BEB-F822-4CAE-9AC6-2DA2D1715765}"/>
               </a:ext>
             </a:extLst>
           </p:cNvPr>
@@ -23300,7 +23607,7 @@
           <p:cNvPr id="33" name="Rectángulo 32">
             <a:extLst>
               <a:ext uri="{FF2B5EF4-FFF2-40B4-BE49-F238E27FC236}">
-                <a16:creationId xmlns:a16="http://schemas.microsoft.com/office/drawing/2014/main" id="{6FF9FBC9-95FD-47C6-8A41-22C735457845}"/>
+                <a16:creationId xmlns:a16="http://schemas.microsoft.com/office/drawing/2014/main" xmlns="" id="{6FF9FBC9-95FD-47C6-8A41-22C735457845}"/>
               </a:ext>
             </a:extLst>
           </p:cNvPr>
@@ -23335,7 +23642,7 @@
           <p:cNvPr id="34" name="Rectángulo 33">
             <a:extLst>
               <a:ext uri="{FF2B5EF4-FFF2-40B4-BE49-F238E27FC236}">
-                <a16:creationId xmlns:a16="http://schemas.microsoft.com/office/drawing/2014/main" id="{E8ECB42A-D853-4341-B265-CD6160092F29}"/>
+                <a16:creationId xmlns:a16="http://schemas.microsoft.com/office/drawing/2014/main" xmlns="" id="{E8ECB42A-D853-4341-B265-CD6160092F29}"/>
               </a:ext>
             </a:extLst>
           </p:cNvPr>
@@ -23370,7 +23677,7 @@
           <p:cNvPr id="6146" name="Picture 2" descr="Resultado de imagen de word">
             <a:extLst>
               <a:ext uri="{FF2B5EF4-FFF2-40B4-BE49-F238E27FC236}">
-                <a16:creationId xmlns:a16="http://schemas.microsoft.com/office/drawing/2014/main" id="{3768DC67-F2A4-4354-BD5F-A9522732F052}"/>
+                <a16:creationId xmlns:a16="http://schemas.microsoft.com/office/drawing/2014/main" xmlns="" id="{3768DC67-F2A4-4354-BD5F-A9522732F052}"/>
               </a:ext>
             </a:extLst>
           </p:cNvPr>
@@ -23417,7 +23724,7 @@
           <p:cNvPr id="6148" name="Picture 4" descr="https://www.rstudio.com/wp-content/uploads/2017/05/rmarkdown.png">
             <a:extLst>
               <a:ext uri="{FF2B5EF4-FFF2-40B4-BE49-F238E27FC236}">
-                <a16:creationId xmlns:a16="http://schemas.microsoft.com/office/drawing/2014/main" id="{7AC6BE0C-AA0A-4CDA-8862-D3627206C937}"/>
+                <a16:creationId xmlns:a16="http://schemas.microsoft.com/office/drawing/2014/main" xmlns="" id="{7AC6BE0C-AA0A-4CDA-8862-D3627206C937}"/>
               </a:ext>
             </a:extLst>
           </p:cNvPr>
@@ -23464,7 +23771,7 @@
           <p:cNvPr id="24" name="Rectángulo 23">
             <a:extLst>
               <a:ext uri="{FF2B5EF4-FFF2-40B4-BE49-F238E27FC236}">
-                <a16:creationId xmlns:a16="http://schemas.microsoft.com/office/drawing/2014/main" id="{57BE7AA4-877F-4E16-873A-84A912DFD76B}"/>
+                <a16:creationId xmlns:a16="http://schemas.microsoft.com/office/drawing/2014/main" xmlns="" id="{57BE7AA4-877F-4E16-873A-84A912DFD76B}"/>
               </a:ext>
             </a:extLst>
           </p:cNvPr>
@@ -23499,7 +23806,7 @@
           <p:cNvPr id="27" name="Flecha: doblada hacia arriba 26">
             <a:extLst>
               <a:ext uri="{FF2B5EF4-FFF2-40B4-BE49-F238E27FC236}">
-                <a16:creationId xmlns:a16="http://schemas.microsoft.com/office/drawing/2014/main" id="{F4E46941-B308-4392-8BB3-383106B7FEE0}"/>
+                <a16:creationId xmlns:a16="http://schemas.microsoft.com/office/drawing/2014/main" xmlns="" id="{F4E46941-B308-4392-8BB3-383106B7FEE0}"/>
               </a:ext>
             </a:extLst>
           </p:cNvPr>
@@ -23557,7 +23864,7 @@
           <p:cNvPr id="36" name="Picture 2" descr="D:\workarea\epa_explorer\mem\logo\logo epa explorer final BN.png">
             <a:extLst>
               <a:ext uri="{FF2B5EF4-FFF2-40B4-BE49-F238E27FC236}">
-                <a16:creationId xmlns:a16="http://schemas.microsoft.com/office/drawing/2014/main" id="{67176D6D-E45B-4EA2-A47C-274DF883F742}"/>
+                <a16:creationId xmlns:a16="http://schemas.microsoft.com/office/drawing/2014/main" xmlns="" id="{67176D6D-E45B-4EA2-A47C-274DF883F742}"/>
               </a:ext>
             </a:extLst>
           </p:cNvPr>
@@ -23604,7 +23911,7 @@
           <p:cNvPr id="40" name="Picture 2" descr="D:\workarea\epa_explorer\mem\logo\logo epa explorer final.png">
             <a:extLst>
               <a:ext uri="{FF2B5EF4-FFF2-40B4-BE49-F238E27FC236}">
-                <a16:creationId xmlns:a16="http://schemas.microsoft.com/office/drawing/2014/main" id="{D5BE74E7-F240-4C78-9717-64A4598E4FDC}"/>
+                <a16:creationId xmlns:a16="http://schemas.microsoft.com/office/drawing/2014/main" xmlns="" id="{D5BE74E7-F240-4C78-9717-64A4598E4FDC}"/>
               </a:ext>
             </a:extLst>
           </p:cNvPr>
@@ -23651,7 +23958,7 @@
           <p:cNvPr id="41" name="Rectángulo 40">
             <a:extLst>
               <a:ext uri="{FF2B5EF4-FFF2-40B4-BE49-F238E27FC236}">
-                <a16:creationId xmlns:a16="http://schemas.microsoft.com/office/drawing/2014/main" id="{403237E2-1924-4BA2-BBA4-4565E81AD899}"/>
+                <a16:creationId xmlns:a16="http://schemas.microsoft.com/office/drawing/2014/main" xmlns="" id="{403237E2-1924-4BA2-BBA4-4565E81AD899}"/>
               </a:ext>
             </a:extLst>
           </p:cNvPr>
@@ -24197,7 +24504,7 @@
           <p:cNvPr id="20" name="Rectángulo 19">
             <a:extLst>
               <a:ext uri="{FF2B5EF4-FFF2-40B4-BE49-F238E27FC236}">
-                <a16:creationId xmlns:a16="http://schemas.microsoft.com/office/drawing/2014/main" id="{CD0886FD-50B9-4E9D-B0EA-5EEDED178288}"/>
+                <a16:creationId xmlns:a16="http://schemas.microsoft.com/office/drawing/2014/main" xmlns="" id="{CD0886FD-50B9-4E9D-B0EA-5EEDED178288}"/>
               </a:ext>
             </a:extLst>
           </p:cNvPr>
@@ -24278,7 +24585,7 @@
           <p:cNvPr id="8" name="Rectángulo 7">
             <a:extLst>
               <a:ext uri="{FF2B5EF4-FFF2-40B4-BE49-F238E27FC236}">
-                <a16:creationId xmlns:a16="http://schemas.microsoft.com/office/drawing/2014/main" id="{3365B518-1976-400F-ACE6-F662ABABAB95}"/>
+                <a16:creationId xmlns:a16="http://schemas.microsoft.com/office/drawing/2014/main" xmlns="" id="{3365B518-1976-400F-ACE6-F662ABABAB95}"/>
               </a:ext>
             </a:extLst>
           </p:cNvPr>
@@ -24330,7 +24637,7 @@
           <p:cNvPr id="10" name="Tabla 9">
             <a:extLst>
               <a:ext uri="{FF2B5EF4-FFF2-40B4-BE49-F238E27FC236}">
-                <a16:creationId xmlns:a16="http://schemas.microsoft.com/office/drawing/2014/main" id="{0B80F54A-D1C0-4138-8BD5-636181E387A2}"/>
+                <a16:creationId xmlns:a16="http://schemas.microsoft.com/office/drawing/2014/main" xmlns="" id="{0B80F54A-D1C0-4138-8BD5-636181E387A2}"/>
               </a:ext>
             </a:extLst>
           </p:cNvPr>
@@ -24359,14 +24666,14 @@
                 <a:gridCol w="3729229">
                   <a:extLst>
                     <a:ext uri="{9D8B030D-6E8A-4147-A177-3AD203B41FA5}">
-                      <a16:colId xmlns:a16="http://schemas.microsoft.com/office/drawing/2014/main" val="1347896834"/>
+                      <a16:colId xmlns:a16="http://schemas.microsoft.com/office/drawing/2014/main" xmlns="" val="1347896834"/>
                     </a:ext>
                   </a:extLst>
                 </a:gridCol>
                 <a:gridCol w="703071">
                   <a:extLst>
                     <a:ext uri="{9D8B030D-6E8A-4147-A177-3AD203B41FA5}">
-                      <a16:colId xmlns:a16="http://schemas.microsoft.com/office/drawing/2014/main" val="972821047"/>
+                      <a16:colId xmlns:a16="http://schemas.microsoft.com/office/drawing/2014/main" xmlns="" val="972821047"/>
                     </a:ext>
                   </a:extLst>
                 </a:gridCol>
@@ -24446,7 +24753,7 @@
                 </a:tc>
                 <a:extLst>
                   <a:ext uri="{0D108BD9-81ED-4DB2-BD59-A6C34878D82A}">
-                    <a16:rowId xmlns:a16="http://schemas.microsoft.com/office/drawing/2014/main" val="862195207"/>
+                    <a16:rowId xmlns:a16="http://schemas.microsoft.com/office/drawing/2014/main" xmlns="" val="862195207"/>
                   </a:ext>
                 </a:extLst>
               </a:tr>
@@ -24459,7 +24766,7 @@
           <p:cNvPr id="15" name="Picture 6" descr="Resultado de imagen de universidad de cádiz">
             <a:extLst>
               <a:ext uri="{FF2B5EF4-FFF2-40B4-BE49-F238E27FC236}">
-                <a16:creationId xmlns:a16="http://schemas.microsoft.com/office/drawing/2014/main" id="{5DA46BA3-376C-4565-B1AC-2DE4AB4CF661}"/>
+                <a16:creationId xmlns:a16="http://schemas.microsoft.com/office/drawing/2014/main" xmlns="" id="{5DA46BA3-376C-4565-B1AC-2DE4AB4CF661}"/>
               </a:ext>
             </a:extLst>
           </p:cNvPr>
@@ -24506,7 +24813,7 @@
           <p:cNvPr id="11" name="Marcador de contenido 2">
             <a:extLst>
               <a:ext uri="{FF2B5EF4-FFF2-40B4-BE49-F238E27FC236}">
-                <a16:creationId xmlns:a16="http://schemas.microsoft.com/office/drawing/2014/main" id="{215DF987-C7B6-4842-A6A9-B13C74518C7A}"/>
+                <a16:creationId xmlns:a16="http://schemas.microsoft.com/office/drawing/2014/main" xmlns="" id="{215DF987-C7B6-4842-A6A9-B13C74518C7A}"/>
               </a:ext>
             </a:extLst>
           </p:cNvPr>
@@ -24520,26 +24827,79 @@
         <p:spPr>
           <a:xfrm>
             <a:off x="2658009" y="1291274"/>
-            <a:ext cx="7307923" cy="4382639"/>
+            <a:ext cx="8092053" cy="4382639"/>
           </a:xfrm>
         </p:spPr>
         <p:txBody>
           <a:bodyPr>
-            <a:normAutofit/>
+            <a:normAutofit fontScale="70000" lnSpcReduction="20000"/>
           </a:bodyPr>
           <a:lstStyle/>
           <a:p>
-            <a:pPr marL="457200" indent="-457200">
-              <a:lnSpc>
-                <a:spcPct val="200000"/>
-              </a:lnSpc>
-              <a:buFont typeface="+mj-lt"/>
-              <a:buAutoNum type="arabicPeriod"/>
-            </a:pPr>
+            <a:r>
+              <a:rPr lang="es-ES" sz="2400" cap="none" dirty="0" smtClean="0"/>
+              <a:t>1</a:t>
+            </a:r>
             <a:r>
               <a:rPr lang="es-ES" sz="2400" cap="none" dirty="0"/>
-              <a:t>Actualización a ultimo paquete de datos de la EPA.</a:t>
-            </a:r>
+              <a:t>.- Actualizar para incluir el trimestre 2017T2.</a:t>
+            </a:r>
+          </a:p>
+          <a:p>
+            <a:endParaRPr lang="es-ES" sz="2400" cap="none" dirty="0"/>
+          </a:p>
+          <a:p>
+            <a:r>
+              <a:rPr lang="es-ES" sz="2400" cap="none" dirty="0"/>
+              <a:t>2.- ¿Distribución de la cantidad de meses desde la </a:t>
+            </a:r>
+            <a:r>
+              <a:rPr lang="es-ES" sz="2400" cap="none" dirty="0" smtClean="0"/>
+              <a:t>renovación </a:t>
+            </a:r>
+            <a:r>
+              <a:rPr lang="es-ES" sz="2400" cap="none" dirty="0"/>
+              <a:t>del contrato?</a:t>
+            </a:r>
+          </a:p>
+          <a:p>
+            <a:r>
+              <a:rPr lang="es-ES" sz="2400" cap="none" dirty="0"/>
+              <a:t>    ¿Como varia el numero de horas pactadas por contrato entre hombres y mujeres?</a:t>
+            </a:r>
+          </a:p>
+          <a:p>
+            <a:r>
+              <a:rPr lang="es-ES" sz="2400" cap="none" dirty="0"/>
+              <a:t>    ¿Diferencias entre la edad de fin de estudios dependiendo del nivel de estudio?</a:t>
+            </a:r>
+          </a:p>
+          <a:p>
+            <a:endParaRPr lang="es-ES" sz="2400" cap="none" dirty="0"/>
+          </a:p>
+          <a:p>
+            <a:r>
+              <a:rPr lang="es-ES" sz="2400" cap="none" dirty="0"/>
+              <a:t>3.- Dos variables: ¿Comparar Horas pactadas con horas que </a:t>
+            </a:r>
+            <a:r>
+              <a:rPr lang="es-ES" sz="2400" cap="none" dirty="0" smtClean="0"/>
+              <a:t>desearía </a:t>
+            </a:r>
+            <a:r>
+              <a:rPr lang="es-ES" sz="2400" cap="none" dirty="0"/>
+              <a:t>trabajar?</a:t>
+            </a:r>
+          </a:p>
+          <a:p>
+            <a:endParaRPr lang="es-ES" sz="2400" cap="none" dirty="0"/>
+          </a:p>
+          <a:p>
+            <a:r>
+              <a:rPr lang="es-ES" sz="2400" cap="none" dirty="0"/>
+              <a:t>?.- Generar nota de prensa del periodo 2016T3.</a:t>
+            </a:r>
+            <a:endParaRPr lang="es-ES" sz="2400" cap="none" dirty="0"/>
           </a:p>
         </p:txBody>
       </p:sp>
@@ -24548,7 +24908,7 @@
           <p:cNvPr id="19" name="Rectángulo 18">
             <a:extLst>
               <a:ext uri="{FF2B5EF4-FFF2-40B4-BE49-F238E27FC236}">
-                <a16:creationId xmlns:a16="http://schemas.microsoft.com/office/drawing/2014/main" id="{737AC91C-A97C-4753-B578-E6FF7601A338}"/>
+                <a16:creationId xmlns:a16="http://schemas.microsoft.com/office/drawing/2014/main" xmlns="" id="{737AC91C-A97C-4753-B578-E6FF7601A338}"/>
               </a:ext>
             </a:extLst>
           </p:cNvPr>
@@ -24730,7 +25090,7 @@
           <p:cNvPr id="21" name="Picture 2" descr="D:\workarea\epa_explorer\mem\logo\logo epa explorer final.png">
             <a:extLst>
               <a:ext uri="{FF2B5EF4-FFF2-40B4-BE49-F238E27FC236}">
-                <a16:creationId xmlns:a16="http://schemas.microsoft.com/office/drawing/2014/main" id="{D38EB139-30F4-4D84-9262-E5C593FD4038}"/>
+                <a16:creationId xmlns:a16="http://schemas.microsoft.com/office/drawing/2014/main" xmlns="" id="{D38EB139-30F4-4D84-9262-E5C593FD4038}"/>
               </a:ext>
             </a:extLst>
           </p:cNvPr>
@@ -24794,6 +25154,13 @@
       </p:transition>
     </mc:Fallback>
   </mc:AlternateContent>
+  <p:timing>
+    <p:tnLst>
+      <p:par>
+        <p:cTn id="1" dur="indefinite" restart="never" nodeType="tmRoot"/>
+      </p:par>
+    </p:tnLst>
+  </p:timing>
 </p:sld>
 </file>
 
@@ -24819,7 +25186,7 @@
           <p:cNvPr id="15" name="Rectángulo 14">
             <a:extLst>
               <a:ext uri="{FF2B5EF4-FFF2-40B4-BE49-F238E27FC236}">
-                <a16:creationId xmlns:a16="http://schemas.microsoft.com/office/drawing/2014/main" id="{2C7E9994-A18A-446F-88BA-91D6ECB4D938}"/>
+                <a16:creationId xmlns:a16="http://schemas.microsoft.com/office/drawing/2014/main" xmlns="" id="{2C7E9994-A18A-446F-88BA-91D6ECB4D938}"/>
               </a:ext>
             </a:extLst>
           </p:cNvPr>
@@ -25055,14 +25422,14 @@
                 <a:gridCol w="3729229">
                   <a:extLst>
                     <a:ext uri="{9D8B030D-6E8A-4147-A177-3AD203B41FA5}">
-                      <a16:colId xmlns:a16="http://schemas.microsoft.com/office/drawing/2014/main" val="1347896834"/>
+                      <a16:colId xmlns:a16="http://schemas.microsoft.com/office/drawing/2014/main" xmlns="" val="1347896834"/>
                     </a:ext>
                   </a:extLst>
                 </a:gridCol>
                 <a:gridCol w="703071">
                   <a:extLst>
                     <a:ext uri="{9D8B030D-6E8A-4147-A177-3AD203B41FA5}">
-                      <a16:colId xmlns:a16="http://schemas.microsoft.com/office/drawing/2014/main" val="972821047"/>
+                      <a16:colId xmlns:a16="http://schemas.microsoft.com/office/drawing/2014/main" xmlns="" val="972821047"/>
                     </a:ext>
                   </a:extLst>
                 </a:gridCol>
@@ -25142,7 +25509,7 @@
                 </a:tc>
                 <a:extLst>
                   <a:ext uri="{0D108BD9-81ED-4DB2-BD59-A6C34878D82A}">
-                    <a16:rowId xmlns:a16="http://schemas.microsoft.com/office/drawing/2014/main" val="862195207"/>
+                    <a16:rowId xmlns:a16="http://schemas.microsoft.com/office/drawing/2014/main" xmlns="" val="862195207"/>
                   </a:ext>
                 </a:extLst>
               </a:tr>
@@ -25155,7 +25522,7 @@
           <p:cNvPr id="10" name="Rectángulo 9">
             <a:extLst>
               <a:ext uri="{FF2B5EF4-FFF2-40B4-BE49-F238E27FC236}">
-                <a16:creationId xmlns:a16="http://schemas.microsoft.com/office/drawing/2014/main" id="{B42F3719-3AF8-400E-8893-4B1A0E48646E}"/>
+                <a16:creationId xmlns:a16="http://schemas.microsoft.com/office/drawing/2014/main" xmlns="" id="{B42F3719-3AF8-400E-8893-4B1A0E48646E}"/>
               </a:ext>
             </a:extLst>
           </p:cNvPr>
@@ -25333,7 +25700,7 @@
           <p:cNvPr id="14" name="Picture 6" descr="Resultado de imagen de universidad de cádiz">
             <a:extLst>
               <a:ext uri="{FF2B5EF4-FFF2-40B4-BE49-F238E27FC236}">
-                <a16:creationId xmlns:a16="http://schemas.microsoft.com/office/drawing/2014/main" id="{39529BEF-3C5E-4413-9EC8-EB577F6C28C8}"/>
+                <a16:creationId xmlns:a16="http://schemas.microsoft.com/office/drawing/2014/main" xmlns="" id="{39529BEF-3C5E-4413-9EC8-EB577F6C28C8}"/>
               </a:ext>
             </a:extLst>
           </p:cNvPr>
@@ -25380,7 +25747,7 @@
           <p:cNvPr id="16" name="Picture 2" descr="D:\workarea\epa_explorer\mem\logo\logo epa explorer final.png">
             <a:extLst>
               <a:ext uri="{FF2B5EF4-FFF2-40B4-BE49-F238E27FC236}">
-                <a16:creationId xmlns:a16="http://schemas.microsoft.com/office/drawing/2014/main" id="{D9B7C317-423F-457E-9605-4D4746C5F3A1}"/>
+                <a16:creationId xmlns:a16="http://schemas.microsoft.com/office/drawing/2014/main" xmlns="" id="{D9B7C317-423F-457E-9605-4D4746C5F3A1}"/>
               </a:ext>
             </a:extLst>
           </p:cNvPr>
@@ -25469,7 +25836,7 @@
           <p:cNvPr id="21" name="Rectángulo 20">
             <a:extLst>
               <a:ext uri="{FF2B5EF4-FFF2-40B4-BE49-F238E27FC236}">
-                <a16:creationId xmlns:a16="http://schemas.microsoft.com/office/drawing/2014/main" id="{2E2760DD-3B8D-4095-8AD5-D39112B49DE8}"/>
+                <a16:creationId xmlns:a16="http://schemas.microsoft.com/office/drawing/2014/main" xmlns="" id="{ADF890A8-AD3C-4FF7-B367-4275582ECB2B}"/>
               </a:ext>
             </a:extLst>
           </p:cNvPr>
@@ -25521,7 +25888,7 @@
           <p:cNvPr id="17" name="Título 1">
             <a:extLst>
               <a:ext uri="{FF2B5EF4-FFF2-40B4-BE49-F238E27FC236}">
-                <a16:creationId xmlns:a16="http://schemas.microsoft.com/office/drawing/2014/main" id="{E6BDCEEE-1383-41DE-8109-024FFC9938E2}"/>
+                <a16:creationId xmlns:a16="http://schemas.microsoft.com/office/drawing/2014/main" xmlns="" id="{E6BDCEEE-1383-41DE-8109-024FFC9938E2}"/>
               </a:ext>
             </a:extLst>
           </p:cNvPr>
@@ -25566,7 +25933,7 @@
           <a:p>
             <a:r>
               <a:rPr lang="es-ES" dirty="0"/>
-              <a:t>Valoración Personal</a:t>
+              <a:t>Ampliaciones Futuras</a:t>
             </a:r>
           </a:p>
         </p:txBody>
@@ -25576,7 +25943,7 @@
           <p:cNvPr id="107" name="Rectángulo 106">
             <a:extLst>
               <a:ext uri="{FF2B5EF4-FFF2-40B4-BE49-F238E27FC236}">
-                <a16:creationId xmlns:a16="http://schemas.microsoft.com/office/drawing/2014/main" id="{15FAE631-960C-4000-926E-688120063C9D}"/>
+                <a16:creationId xmlns:a16="http://schemas.microsoft.com/office/drawing/2014/main" xmlns="" id="{15FAE631-960C-4000-926E-688120063C9D}"/>
               </a:ext>
             </a:extLst>
           </p:cNvPr>
@@ -25585,8 +25952,8 @@
         </p:nvSpPr>
         <p:spPr>
           <a:xfrm>
-            <a:off x="3595360" y="1857517"/>
-            <a:ext cx="6782184" cy="2862322"/>
+            <a:off x="3595360" y="1857526"/>
+            <a:ext cx="7264424" cy="2862322"/>
           </a:xfrm>
           <a:prstGeom prst="rect">
             <a:avLst/>
@@ -25607,7 +25974,7 @@
             </a:pPr>
             <a:r>
               <a:rPr lang="es-ES" sz="2400" dirty="0"/>
-              <a:t>Objetivos cumplidos</a:t>
+              <a:t>Generalizar a otras fuentes de datos</a:t>
             </a:r>
           </a:p>
           <a:p>
@@ -25620,7 +25987,7 @@
             </a:pPr>
             <a:r>
               <a:rPr lang="es-ES" sz="2400" dirty="0"/>
-              <a:t>Descubrimiento y exploración de R y Shiny</a:t>
+              <a:t>Inclusión de otros algoritmos de aprendizaje máquina</a:t>
             </a:r>
           </a:p>
           <a:p>
@@ -25633,7 +26000,7 @@
             </a:pPr>
             <a:r>
               <a:rPr lang="es-ES" sz="2400" dirty="0"/>
-              <a:t>Valor de la información</a:t>
+              <a:t>Inclusión de más tipos de informes</a:t>
             </a:r>
           </a:p>
           <a:p>
@@ -25646,7 +26013,7 @@
             </a:pPr>
             <a:r>
               <a:rPr lang="es-ES" sz="2400" dirty="0"/>
-              <a:t>Aplicabilidad en el ámbito profesional</a:t>
+              <a:t>Sistema de gestión de usuarios</a:t>
             </a:r>
           </a:p>
           <a:p>
@@ -25659,17 +26026,18 @@
             </a:pPr>
             <a:r>
               <a:rPr lang="es-ES" sz="2400" dirty="0"/>
-              <a:t>Satisfacción personal</a:t>
-            </a:r>
+              <a:t>Gestión de proceso en paralelo</a:t>
+            </a:r>
+            <a:endParaRPr lang="es-ES" sz="2400" u="sng" dirty="0"/>
           </a:p>
         </p:txBody>
       </p:sp>
       <p:sp>
         <p:nvSpPr>
-          <p:cNvPr id="11" name="Rectángulo 10">
+          <p:cNvPr id="10" name="Rectángulo 9">
             <a:extLst>
               <a:ext uri="{FF2B5EF4-FFF2-40B4-BE49-F238E27FC236}">
-                <a16:creationId xmlns:a16="http://schemas.microsoft.com/office/drawing/2014/main" id="{836597AA-4245-4515-BEE1-A1BB26D3D7BF}"/>
+                <a16:creationId xmlns:a16="http://schemas.microsoft.com/office/drawing/2014/main" xmlns="" id="{5A299A68-D55D-420F-8DDF-3CCC24400298}"/>
               </a:ext>
             </a:extLst>
           </p:cNvPr>
@@ -25718,10 +26086,10 @@
       </p:sp>
       <p:graphicFrame>
         <p:nvGraphicFramePr>
-          <p:cNvPr id="14" name="Tabla 13">
+          <p:cNvPr id="12" name="Tabla 11">
             <a:extLst>
               <a:ext uri="{FF2B5EF4-FFF2-40B4-BE49-F238E27FC236}">
-                <a16:creationId xmlns:a16="http://schemas.microsoft.com/office/drawing/2014/main" id="{3D53E60A-A0FE-49DC-B6CD-531A420087A0}"/>
+                <a16:creationId xmlns:a16="http://schemas.microsoft.com/office/drawing/2014/main" xmlns="" id="{B537FA3E-A8E2-46E0-8A19-CABAFB3E48CD}"/>
               </a:ext>
             </a:extLst>
           </p:cNvPr>
@@ -25750,14 +26118,14 @@
                 <a:gridCol w="3729229">
                   <a:extLst>
                     <a:ext uri="{9D8B030D-6E8A-4147-A177-3AD203B41FA5}">
-                      <a16:colId xmlns:a16="http://schemas.microsoft.com/office/drawing/2014/main" val="1347896834"/>
+                      <a16:colId xmlns:a16="http://schemas.microsoft.com/office/drawing/2014/main" xmlns="" val="1347896834"/>
                     </a:ext>
                   </a:extLst>
                 </a:gridCol>
                 <a:gridCol w="703071">
                   <a:extLst>
                     <a:ext uri="{9D8B030D-6E8A-4147-A177-3AD203B41FA5}">
-                      <a16:colId xmlns:a16="http://schemas.microsoft.com/office/drawing/2014/main" val="972821047"/>
+                      <a16:colId xmlns:a16="http://schemas.microsoft.com/office/drawing/2014/main" xmlns="" val="972821047"/>
                     </a:ext>
                   </a:extLst>
                 </a:gridCol>
@@ -25837,7 +26205,7 @@
                 </a:tc>
                 <a:extLst>
                   <a:ext uri="{0D108BD9-81ED-4DB2-BD59-A6C34878D82A}">
-                    <a16:rowId xmlns:a16="http://schemas.microsoft.com/office/drawing/2014/main" val="862195207"/>
+                    <a16:rowId xmlns:a16="http://schemas.microsoft.com/office/drawing/2014/main" xmlns="" val="862195207"/>
                   </a:ext>
                 </a:extLst>
               </a:tr>
@@ -25847,10 +26215,10 @@
       </p:graphicFrame>
       <p:pic>
         <p:nvPicPr>
-          <p:cNvPr id="16" name="Picture 6" descr="Resultado de imagen de universidad de cádiz">
+          <p:cNvPr id="14" name="Picture 6" descr="Resultado de imagen de universidad de cádiz">
             <a:extLst>
               <a:ext uri="{FF2B5EF4-FFF2-40B4-BE49-F238E27FC236}">
-                <a16:creationId xmlns:a16="http://schemas.microsoft.com/office/drawing/2014/main" id="{C128B24E-4601-4941-AADE-2406FB351386}"/>
+                <a16:creationId xmlns:a16="http://schemas.microsoft.com/office/drawing/2014/main" xmlns="" id="{E4E7C6BE-FD87-498F-8828-B8A7A233FDAF}"/>
               </a:ext>
             </a:extLst>
           </p:cNvPr>
@@ -25897,7 +26265,7 @@
           <p:cNvPr id="20" name="Rectángulo 19">
             <a:extLst>
               <a:ext uri="{FF2B5EF4-FFF2-40B4-BE49-F238E27FC236}">
-                <a16:creationId xmlns:a16="http://schemas.microsoft.com/office/drawing/2014/main" id="{A7EA5563-284D-4B8B-9D79-6EB4408A0C3B}"/>
+                <a16:creationId xmlns:a16="http://schemas.microsoft.com/office/drawing/2014/main" xmlns="" id="{89A4FAF5-4621-42BD-81F0-1B644D0D9CC9}"/>
               </a:ext>
             </a:extLst>
           </p:cNvPr>
@@ -26079,7 +26447,7 @@
           <p:cNvPr id="22" name="Picture 2" descr="D:\workarea\epa_explorer\mem\logo\logo epa explorer final.png">
             <a:extLst>
               <a:ext uri="{FF2B5EF4-FFF2-40B4-BE49-F238E27FC236}">
-                <a16:creationId xmlns:a16="http://schemas.microsoft.com/office/drawing/2014/main" id="{EB64AB63-5832-4B37-B1A5-32DF3E98B226}"/>
+                <a16:creationId xmlns:a16="http://schemas.microsoft.com/office/drawing/2014/main" xmlns="" id="{8536E697-A014-41EB-8640-44784A61EB43}"/>
               </a:ext>
             </a:extLst>
           </p:cNvPr>
@@ -26124,7 +26492,7 @@
     </p:spTree>
     <p:extLst>
       <p:ext uri="{BB962C8B-B14F-4D97-AF65-F5344CB8AC3E}">
-        <p14:creationId xmlns:p14="http://schemas.microsoft.com/office/powerpoint/2010/main" val="1377118423"/>
+        <p14:creationId xmlns:p14="http://schemas.microsoft.com/office/powerpoint/2010/main" val="1120392230"/>
       </p:ext>
     </p:extLst>
   </p:cSld>
@@ -26143,6 +26511,13 @@
       </p:transition>
     </mc:Fallback>
   </mc:AlternateContent>
+  <p:timing>
+    <p:tnLst>
+      <p:par>
+        <p:cTn id="1" dur="indefinite" restart="never" nodeType="tmRoot"/>
+      </p:par>
+    </p:tnLst>
+  </p:timing>
 </p:sld>
 </file>
 
@@ -26168,7 +26543,7 @@
           <p:cNvPr id="21" name="Rectángulo 20">
             <a:extLst>
               <a:ext uri="{FF2B5EF4-FFF2-40B4-BE49-F238E27FC236}">
-                <a16:creationId xmlns:a16="http://schemas.microsoft.com/office/drawing/2014/main" id="{ADF890A8-AD3C-4FF7-B367-4275582ECB2B}"/>
+                <a16:creationId xmlns:a16="http://schemas.microsoft.com/office/drawing/2014/main" xmlns="" id="{2E2760DD-3B8D-4095-8AD5-D39112B49DE8}"/>
               </a:ext>
             </a:extLst>
           </p:cNvPr>
@@ -26220,7 +26595,7 @@
           <p:cNvPr id="17" name="Título 1">
             <a:extLst>
               <a:ext uri="{FF2B5EF4-FFF2-40B4-BE49-F238E27FC236}">
-                <a16:creationId xmlns:a16="http://schemas.microsoft.com/office/drawing/2014/main" id="{E6BDCEEE-1383-41DE-8109-024FFC9938E2}"/>
+                <a16:creationId xmlns:a16="http://schemas.microsoft.com/office/drawing/2014/main" xmlns="" id="{E6BDCEEE-1383-41DE-8109-024FFC9938E2}"/>
               </a:ext>
             </a:extLst>
           </p:cNvPr>
@@ -26265,7 +26640,7 @@
           <a:p>
             <a:r>
               <a:rPr lang="es-ES" dirty="0"/>
-              <a:t>Ampliaciones Futuras</a:t>
+              <a:t>Valoración Personal</a:t>
             </a:r>
           </a:p>
         </p:txBody>
@@ -26275,7 +26650,7 @@
           <p:cNvPr id="107" name="Rectángulo 106">
             <a:extLst>
               <a:ext uri="{FF2B5EF4-FFF2-40B4-BE49-F238E27FC236}">
-                <a16:creationId xmlns:a16="http://schemas.microsoft.com/office/drawing/2014/main" id="{15FAE631-960C-4000-926E-688120063C9D}"/>
+                <a16:creationId xmlns:a16="http://schemas.microsoft.com/office/drawing/2014/main" xmlns="" id="{15FAE631-960C-4000-926E-688120063C9D}"/>
               </a:ext>
             </a:extLst>
           </p:cNvPr>
@@ -26284,8 +26659,8 @@
         </p:nvSpPr>
         <p:spPr>
           <a:xfrm>
-            <a:off x="3595360" y="1857526"/>
-            <a:ext cx="7264424" cy="2862322"/>
+            <a:off x="3595360" y="1857517"/>
+            <a:ext cx="6782184" cy="2862322"/>
           </a:xfrm>
           <a:prstGeom prst="rect">
             <a:avLst/>
@@ -26306,7 +26681,7 @@
             </a:pPr>
             <a:r>
               <a:rPr lang="es-ES" sz="2400" dirty="0"/>
-              <a:t>Generalizar a otras fuentes de datos</a:t>
+              <a:t>Objetivos cumplidos</a:t>
             </a:r>
           </a:p>
           <a:p>
@@ -26319,7 +26694,7 @@
             </a:pPr>
             <a:r>
               <a:rPr lang="es-ES" sz="2400" dirty="0"/>
-              <a:t>Inclusión de otros algoritmos de aprendizaje máquina</a:t>
+              <a:t>Descubrimiento y exploración de R y Shiny</a:t>
             </a:r>
           </a:p>
           <a:p>
@@ -26332,7 +26707,7 @@
             </a:pPr>
             <a:r>
               <a:rPr lang="es-ES" sz="2400" dirty="0"/>
-              <a:t>Inclusión de más tipos de informes</a:t>
+              <a:t>Valor de la información</a:t>
             </a:r>
           </a:p>
           <a:p>
@@ -26345,7 +26720,7 @@
             </a:pPr>
             <a:r>
               <a:rPr lang="es-ES" sz="2400" dirty="0"/>
-              <a:t>Sistema de gestión de usuarios</a:t>
+              <a:t>Aplicabilidad en el ámbito profesional</a:t>
             </a:r>
           </a:p>
           <a:p>
@@ -26358,18 +26733,17 @@
             </a:pPr>
             <a:r>
               <a:rPr lang="es-ES" sz="2400" dirty="0"/>
-              <a:t>Gestión de proceso en paralelo</a:t>
-            </a:r>
-            <a:endParaRPr lang="es-ES" sz="2400" u="sng" dirty="0"/>
+              <a:t>Satisfacción personal</a:t>
+            </a:r>
           </a:p>
         </p:txBody>
       </p:sp>
       <p:sp>
         <p:nvSpPr>
-          <p:cNvPr id="10" name="Rectángulo 9">
+          <p:cNvPr id="11" name="Rectángulo 10">
             <a:extLst>
               <a:ext uri="{FF2B5EF4-FFF2-40B4-BE49-F238E27FC236}">
-                <a16:creationId xmlns:a16="http://schemas.microsoft.com/office/drawing/2014/main" id="{5A299A68-D55D-420F-8DDF-3CCC24400298}"/>
+                <a16:creationId xmlns:a16="http://schemas.microsoft.com/office/drawing/2014/main" xmlns="" id="{836597AA-4245-4515-BEE1-A1BB26D3D7BF}"/>
               </a:ext>
             </a:extLst>
           </p:cNvPr>
@@ -26418,10 +26792,10 @@
       </p:sp>
       <p:graphicFrame>
         <p:nvGraphicFramePr>
-          <p:cNvPr id="12" name="Tabla 11">
+          <p:cNvPr id="14" name="Tabla 13">
             <a:extLst>
               <a:ext uri="{FF2B5EF4-FFF2-40B4-BE49-F238E27FC236}">
-                <a16:creationId xmlns:a16="http://schemas.microsoft.com/office/drawing/2014/main" id="{B537FA3E-A8E2-46E0-8A19-CABAFB3E48CD}"/>
+                <a16:creationId xmlns:a16="http://schemas.microsoft.com/office/drawing/2014/main" xmlns="" id="{3D53E60A-A0FE-49DC-B6CD-531A420087A0}"/>
               </a:ext>
             </a:extLst>
           </p:cNvPr>
@@ -26450,14 +26824,14 @@
                 <a:gridCol w="3729229">
                   <a:extLst>
                     <a:ext uri="{9D8B030D-6E8A-4147-A177-3AD203B41FA5}">
-                      <a16:colId xmlns:a16="http://schemas.microsoft.com/office/drawing/2014/main" val="1347896834"/>
+                      <a16:colId xmlns:a16="http://schemas.microsoft.com/office/drawing/2014/main" xmlns="" val="1347896834"/>
                     </a:ext>
                   </a:extLst>
                 </a:gridCol>
                 <a:gridCol w="703071">
                   <a:extLst>
                     <a:ext uri="{9D8B030D-6E8A-4147-A177-3AD203B41FA5}">
-                      <a16:colId xmlns:a16="http://schemas.microsoft.com/office/drawing/2014/main" val="972821047"/>
+                      <a16:colId xmlns:a16="http://schemas.microsoft.com/office/drawing/2014/main" xmlns="" val="972821047"/>
                     </a:ext>
                   </a:extLst>
                 </a:gridCol>
@@ -26537,7 +26911,7 @@
                 </a:tc>
                 <a:extLst>
                   <a:ext uri="{0D108BD9-81ED-4DB2-BD59-A6C34878D82A}">
-                    <a16:rowId xmlns:a16="http://schemas.microsoft.com/office/drawing/2014/main" val="862195207"/>
+                    <a16:rowId xmlns:a16="http://schemas.microsoft.com/office/drawing/2014/main" xmlns="" val="862195207"/>
                   </a:ext>
                 </a:extLst>
               </a:tr>
@@ -26547,10 +26921,10 @@
       </p:graphicFrame>
       <p:pic>
         <p:nvPicPr>
-          <p:cNvPr id="14" name="Picture 6" descr="Resultado de imagen de universidad de cádiz">
+          <p:cNvPr id="16" name="Picture 6" descr="Resultado de imagen de universidad de cádiz">
             <a:extLst>
               <a:ext uri="{FF2B5EF4-FFF2-40B4-BE49-F238E27FC236}">
-                <a16:creationId xmlns:a16="http://schemas.microsoft.com/office/drawing/2014/main" id="{E4E7C6BE-FD87-498F-8828-B8A7A233FDAF}"/>
+                <a16:creationId xmlns:a16="http://schemas.microsoft.com/office/drawing/2014/main" xmlns="" id="{C128B24E-4601-4941-AADE-2406FB351386}"/>
               </a:ext>
             </a:extLst>
           </p:cNvPr>
@@ -26597,7 +26971,7 @@
           <p:cNvPr id="20" name="Rectángulo 19">
             <a:extLst>
               <a:ext uri="{FF2B5EF4-FFF2-40B4-BE49-F238E27FC236}">
-                <a16:creationId xmlns:a16="http://schemas.microsoft.com/office/drawing/2014/main" id="{89A4FAF5-4621-42BD-81F0-1B644D0D9CC9}"/>
+                <a16:creationId xmlns:a16="http://schemas.microsoft.com/office/drawing/2014/main" xmlns="" id="{A7EA5563-284D-4B8B-9D79-6EB4408A0C3B}"/>
               </a:ext>
             </a:extLst>
           </p:cNvPr>
@@ -26779,7 +27153,7 @@
           <p:cNvPr id="22" name="Picture 2" descr="D:\workarea\epa_explorer\mem\logo\logo epa explorer final.png">
             <a:extLst>
               <a:ext uri="{FF2B5EF4-FFF2-40B4-BE49-F238E27FC236}">
-                <a16:creationId xmlns:a16="http://schemas.microsoft.com/office/drawing/2014/main" id="{8536E697-A014-41EB-8640-44784A61EB43}"/>
+                <a16:creationId xmlns:a16="http://schemas.microsoft.com/office/drawing/2014/main" xmlns="" id="{EB64AB63-5832-4B37-B1A5-32DF3E98B226}"/>
               </a:ext>
             </a:extLst>
           </p:cNvPr>
@@ -26824,7 +27198,7 @@
     </p:spTree>
     <p:extLst>
       <p:ext uri="{BB962C8B-B14F-4D97-AF65-F5344CB8AC3E}">
-        <p14:creationId xmlns:p14="http://schemas.microsoft.com/office/powerpoint/2010/main" val="1120392230"/>
+        <p14:creationId xmlns:p14="http://schemas.microsoft.com/office/powerpoint/2010/main" val="1377118423"/>
       </p:ext>
     </p:extLst>
   </p:cSld>
@@ -26843,6 +27217,13 @@
       </p:transition>
     </mc:Fallback>
   </mc:AlternateContent>
+  <p:timing>
+    <p:tnLst>
+      <p:par>
+        <p:cTn id="1" dur="indefinite" restart="never" nodeType="tmRoot"/>
+      </p:par>
+    </p:tnLst>
+  </p:timing>
 </p:sld>
 </file>
 
@@ -27242,7 +27623,7 @@
           <p:cNvPr id="6" name="Picture 6" descr="Resultado de imagen de universidad de cádiz">
             <a:extLst>
               <a:ext uri="{FF2B5EF4-FFF2-40B4-BE49-F238E27FC236}">
-                <a16:creationId xmlns:a16="http://schemas.microsoft.com/office/drawing/2014/main" id="{3981C21F-EA93-4B20-AFC6-CA6FAA193929}"/>
+                <a16:creationId xmlns:a16="http://schemas.microsoft.com/office/drawing/2014/main" xmlns="" id="{3981C21F-EA93-4B20-AFC6-CA6FAA193929}"/>
               </a:ext>
             </a:extLst>
           </p:cNvPr>
@@ -27306,6 +27687,13 @@
       </p:transition>
     </mc:Fallback>
   </mc:AlternateContent>
+  <p:timing>
+    <p:tnLst>
+      <p:par>
+        <p:cTn id="1" dur="indefinite" restart="never" nodeType="tmRoot"/>
+      </p:par>
+    </p:tnLst>
+  </p:timing>
 </p:sld>
 </file>
 
@@ -27402,7 +27790,7 @@
           <p:cNvPr id="21" name="Rectángulo 20">
             <a:extLst>
               <a:ext uri="{FF2B5EF4-FFF2-40B4-BE49-F238E27FC236}">
-                <a16:creationId xmlns:a16="http://schemas.microsoft.com/office/drawing/2014/main" id="{EC2E23E2-0A07-49A8-90EB-2030ADE6E044}"/>
+                <a16:creationId xmlns:a16="http://schemas.microsoft.com/office/drawing/2014/main" xmlns="" id="{EC2E23E2-0A07-49A8-90EB-2030ADE6E044}"/>
               </a:ext>
             </a:extLst>
           </p:cNvPr>
@@ -27483,7 +27871,7 @@
           <p:cNvPr id="11" name="Rectángulo 10">
             <a:extLst>
               <a:ext uri="{FF2B5EF4-FFF2-40B4-BE49-F238E27FC236}">
-                <a16:creationId xmlns:a16="http://schemas.microsoft.com/office/drawing/2014/main" id="{974242C8-7D53-4777-BAFD-D39AE36DB37A}"/>
+                <a16:creationId xmlns:a16="http://schemas.microsoft.com/office/drawing/2014/main" xmlns="" id="{974242C8-7D53-4777-BAFD-D39AE36DB37A}"/>
               </a:ext>
             </a:extLst>
           </p:cNvPr>
@@ -27611,7 +27999,7 @@
           <p:cNvPr id="10" name="Rectángulo 9">
             <a:extLst>
               <a:ext uri="{FF2B5EF4-FFF2-40B4-BE49-F238E27FC236}">
-                <a16:creationId xmlns:a16="http://schemas.microsoft.com/office/drawing/2014/main" id="{F72E42AB-F28D-48CD-867A-BA39DCBCA4B9}"/>
+                <a16:creationId xmlns:a16="http://schemas.microsoft.com/office/drawing/2014/main" xmlns="" id="{F72E42AB-F28D-48CD-867A-BA39DCBCA4B9}"/>
               </a:ext>
             </a:extLst>
           </p:cNvPr>
@@ -27663,7 +28051,7 @@
           <p:cNvPr id="12" name="Tabla 11">
             <a:extLst>
               <a:ext uri="{FF2B5EF4-FFF2-40B4-BE49-F238E27FC236}">
-                <a16:creationId xmlns:a16="http://schemas.microsoft.com/office/drawing/2014/main" id="{8E30230A-A720-4D59-991C-B92A84641AEB}"/>
+                <a16:creationId xmlns:a16="http://schemas.microsoft.com/office/drawing/2014/main" xmlns="" id="{8E30230A-A720-4D59-991C-B92A84641AEB}"/>
               </a:ext>
             </a:extLst>
           </p:cNvPr>
@@ -27688,14 +28076,14 @@
                 <a:gridCol w="3729229">
                   <a:extLst>
                     <a:ext uri="{9D8B030D-6E8A-4147-A177-3AD203B41FA5}">
-                      <a16:colId xmlns:a16="http://schemas.microsoft.com/office/drawing/2014/main" val="1347896834"/>
+                      <a16:colId xmlns:a16="http://schemas.microsoft.com/office/drawing/2014/main" xmlns="" val="1347896834"/>
                     </a:ext>
                   </a:extLst>
                 </a:gridCol>
                 <a:gridCol w="703071">
                   <a:extLst>
                     <a:ext uri="{9D8B030D-6E8A-4147-A177-3AD203B41FA5}">
-                      <a16:colId xmlns:a16="http://schemas.microsoft.com/office/drawing/2014/main" val="972821047"/>
+                      <a16:colId xmlns:a16="http://schemas.microsoft.com/office/drawing/2014/main" xmlns="" val="972821047"/>
                     </a:ext>
                   </a:extLst>
                 </a:gridCol>
@@ -27775,7 +28163,7 @@
                 </a:tc>
                 <a:extLst>
                   <a:ext uri="{0D108BD9-81ED-4DB2-BD59-A6C34878D82A}">
-                    <a16:rowId xmlns:a16="http://schemas.microsoft.com/office/drawing/2014/main" val="862195207"/>
+                    <a16:rowId xmlns:a16="http://schemas.microsoft.com/office/drawing/2014/main" xmlns="" val="862195207"/>
                   </a:ext>
                 </a:extLst>
               </a:tr>
@@ -27788,7 +28176,7 @@
           <p:cNvPr id="17" name="Picture 6" descr="Resultado de imagen de universidad de cádiz">
             <a:extLst>
               <a:ext uri="{FF2B5EF4-FFF2-40B4-BE49-F238E27FC236}">
-                <a16:creationId xmlns:a16="http://schemas.microsoft.com/office/drawing/2014/main" id="{9CFE5ACB-A3AB-4673-9D97-968EC583EB7B}"/>
+                <a16:creationId xmlns:a16="http://schemas.microsoft.com/office/drawing/2014/main" xmlns="" id="{9CFE5ACB-A3AB-4673-9D97-968EC583EB7B}"/>
               </a:ext>
             </a:extLst>
           </p:cNvPr>
@@ -27835,7 +28223,7 @@
           <p:cNvPr id="20" name="Rectángulo 19">
             <a:extLst>
               <a:ext uri="{FF2B5EF4-FFF2-40B4-BE49-F238E27FC236}">
-                <a16:creationId xmlns:a16="http://schemas.microsoft.com/office/drawing/2014/main" id="{416005A7-6801-41A5-88AF-84E02ABC4307}"/>
+                <a16:creationId xmlns:a16="http://schemas.microsoft.com/office/drawing/2014/main" xmlns="" id="{416005A7-6801-41A5-88AF-84E02ABC4307}"/>
               </a:ext>
             </a:extLst>
           </p:cNvPr>
@@ -28013,7 +28401,7 @@
           <p:cNvPr id="22" name="Picture 2" descr="D:\workarea\epa_explorer\mem\logo\logo epa explorer final.png">
             <a:extLst>
               <a:ext uri="{FF2B5EF4-FFF2-40B4-BE49-F238E27FC236}">
-                <a16:creationId xmlns:a16="http://schemas.microsoft.com/office/drawing/2014/main" id="{91171306-BC52-4BBF-90A4-8496230461B5}"/>
+                <a16:creationId xmlns:a16="http://schemas.microsoft.com/office/drawing/2014/main" xmlns="" id="{91171306-BC52-4BBF-90A4-8496230461B5}"/>
               </a:ext>
             </a:extLst>
           </p:cNvPr>
@@ -28221,7 +28609,7 @@
           <p:cNvPr id="14" name="Picture 6" descr="Resultado de imagen de universidad de cádiz">
             <a:extLst>
               <a:ext uri="{FF2B5EF4-FFF2-40B4-BE49-F238E27FC236}">
-                <a16:creationId xmlns:a16="http://schemas.microsoft.com/office/drawing/2014/main" id="{39529BEF-3C5E-4413-9EC8-EB577F6C28C8}"/>
+                <a16:creationId xmlns:a16="http://schemas.microsoft.com/office/drawing/2014/main" xmlns="" id="{39529BEF-3C5E-4413-9EC8-EB577F6C28C8}"/>
               </a:ext>
             </a:extLst>
           </p:cNvPr>
@@ -28268,7 +28656,7 @@
           <p:cNvPr id="11" name="Imagen 10" descr="http://4.bp.blogspot.com/-CvXxYE7_JsA/UuKqs_M7JDI/AAAAAAAAe6A/VICe26G_2tA/s1600/cuela_EDICRT20140123_0001_3.jpg">
             <a:extLst>
               <a:ext uri="{FF2B5EF4-FFF2-40B4-BE49-F238E27FC236}">
-                <a16:creationId xmlns:a16="http://schemas.microsoft.com/office/drawing/2014/main" id="{59FED557-1645-4D56-B8D2-3FF938F3C5A6}"/>
+                <a16:creationId xmlns:a16="http://schemas.microsoft.com/office/drawing/2014/main" xmlns="" id="{59FED557-1645-4D56-B8D2-3FF938F3C5A6}"/>
               </a:ext>
             </a:extLst>
           </p:cNvPr>
@@ -28309,7 +28697,7 @@
           <p:cNvPr id="15" name="Tabla 14">
             <a:extLst>
               <a:ext uri="{FF2B5EF4-FFF2-40B4-BE49-F238E27FC236}">
-                <a16:creationId xmlns:a16="http://schemas.microsoft.com/office/drawing/2014/main" id="{EABF5660-1AE0-4327-9C42-42FCF338A3C8}"/>
+                <a16:creationId xmlns:a16="http://schemas.microsoft.com/office/drawing/2014/main" xmlns="" id="{EABF5660-1AE0-4327-9C42-42FCF338A3C8}"/>
               </a:ext>
             </a:extLst>
           </p:cNvPr>
@@ -28338,14 +28726,14 @@
                 <a:gridCol w="3729229">
                   <a:extLst>
                     <a:ext uri="{9D8B030D-6E8A-4147-A177-3AD203B41FA5}">
-                      <a16:colId xmlns:a16="http://schemas.microsoft.com/office/drawing/2014/main" val="1347896834"/>
+                      <a16:colId xmlns:a16="http://schemas.microsoft.com/office/drawing/2014/main" xmlns="" val="1347896834"/>
                     </a:ext>
                   </a:extLst>
                 </a:gridCol>
                 <a:gridCol w="703071">
                   <a:extLst>
                     <a:ext uri="{9D8B030D-6E8A-4147-A177-3AD203B41FA5}">
-                      <a16:colId xmlns:a16="http://schemas.microsoft.com/office/drawing/2014/main" val="972821047"/>
+                      <a16:colId xmlns:a16="http://schemas.microsoft.com/office/drawing/2014/main" xmlns="" val="972821047"/>
                     </a:ext>
                   </a:extLst>
                 </a:gridCol>
@@ -28425,7 +28813,7 @@
                 </a:tc>
                 <a:extLst>
                   <a:ext uri="{0D108BD9-81ED-4DB2-BD59-A6C34878D82A}">
-                    <a16:rowId xmlns:a16="http://schemas.microsoft.com/office/drawing/2014/main" val="862195207"/>
+                    <a16:rowId xmlns:a16="http://schemas.microsoft.com/office/drawing/2014/main" xmlns="" val="862195207"/>
                   </a:ext>
                 </a:extLst>
               </a:tr>
@@ -28601,7 +28989,7 @@
           <p:cNvPr id="14" name="Picture 6" descr="Resultado de imagen de universidad de cádiz">
             <a:extLst>
               <a:ext uri="{FF2B5EF4-FFF2-40B4-BE49-F238E27FC236}">
-                <a16:creationId xmlns:a16="http://schemas.microsoft.com/office/drawing/2014/main" id="{39529BEF-3C5E-4413-9EC8-EB577F6C28C8}"/>
+                <a16:creationId xmlns:a16="http://schemas.microsoft.com/office/drawing/2014/main" xmlns="" id="{39529BEF-3C5E-4413-9EC8-EB577F6C28C8}"/>
               </a:ext>
             </a:extLst>
           </p:cNvPr>
@@ -28648,7 +29036,7 @@
           <p:cNvPr id="16" name="Tabla 15">
             <a:extLst>
               <a:ext uri="{FF2B5EF4-FFF2-40B4-BE49-F238E27FC236}">
-                <a16:creationId xmlns:a16="http://schemas.microsoft.com/office/drawing/2014/main" id="{9B1C7611-ED20-4E62-BD2E-4AF759F380F5}"/>
+                <a16:creationId xmlns:a16="http://schemas.microsoft.com/office/drawing/2014/main" xmlns="" id="{9B1C7611-ED20-4E62-BD2E-4AF759F380F5}"/>
               </a:ext>
             </a:extLst>
           </p:cNvPr>
@@ -28673,14 +29061,14 @@
                 <a:gridCol w="3729229">
                   <a:extLst>
                     <a:ext uri="{9D8B030D-6E8A-4147-A177-3AD203B41FA5}">
-                      <a16:colId xmlns:a16="http://schemas.microsoft.com/office/drawing/2014/main" val="1347896834"/>
+                      <a16:colId xmlns:a16="http://schemas.microsoft.com/office/drawing/2014/main" xmlns="" val="1347896834"/>
                     </a:ext>
                   </a:extLst>
                 </a:gridCol>
                 <a:gridCol w="703071">
                   <a:extLst>
                     <a:ext uri="{9D8B030D-6E8A-4147-A177-3AD203B41FA5}">
-                      <a16:colId xmlns:a16="http://schemas.microsoft.com/office/drawing/2014/main" val="972821047"/>
+                      <a16:colId xmlns:a16="http://schemas.microsoft.com/office/drawing/2014/main" xmlns="" val="972821047"/>
                     </a:ext>
                   </a:extLst>
                 </a:gridCol>
@@ -28760,7 +29148,7 @@
                 </a:tc>
                 <a:extLst>
                   <a:ext uri="{0D108BD9-81ED-4DB2-BD59-A6C34878D82A}">
-                    <a16:rowId xmlns:a16="http://schemas.microsoft.com/office/drawing/2014/main" val="862195207"/>
+                    <a16:rowId xmlns:a16="http://schemas.microsoft.com/office/drawing/2014/main" xmlns="" val="862195207"/>
                   </a:ext>
                 </a:extLst>
               </a:tr>
@@ -28773,7 +29161,7 @@
           <p:cNvPr id="11" name="Imagen 10">
             <a:extLst>
               <a:ext uri="{FF2B5EF4-FFF2-40B4-BE49-F238E27FC236}">
-                <a16:creationId xmlns:a16="http://schemas.microsoft.com/office/drawing/2014/main" id="{00289454-8DE3-4A97-B3F3-02F0874C1A82}"/>
+                <a16:creationId xmlns:a16="http://schemas.microsoft.com/office/drawing/2014/main" xmlns="" id="{00289454-8DE3-4A97-B3F3-02F0874C1A82}"/>
               </a:ext>
             </a:extLst>
           </p:cNvPr>
@@ -28814,7 +29202,7 @@
           <p:cNvPr id="12" name="Rectángulo 11">
             <a:extLst>
               <a:ext uri="{FF2B5EF4-FFF2-40B4-BE49-F238E27FC236}">
-                <a16:creationId xmlns:a16="http://schemas.microsoft.com/office/drawing/2014/main" id="{35E83367-7C7B-4F54-9C68-35A0C1320A2E}"/>
+                <a16:creationId xmlns:a16="http://schemas.microsoft.com/office/drawing/2014/main" xmlns="" id="{35E83367-7C7B-4F54-9C68-35A0C1320A2E}"/>
               </a:ext>
             </a:extLst>
           </p:cNvPr>
@@ -29042,7 +29430,7 @@
           <p:cNvPr id="21" name="Rectángulo 20">
             <a:extLst>
               <a:ext uri="{FF2B5EF4-FFF2-40B4-BE49-F238E27FC236}">
-                <a16:creationId xmlns:a16="http://schemas.microsoft.com/office/drawing/2014/main" id="{9A1D0A6D-5001-4EE2-8CF0-926E99C37858}"/>
+                <a16:creationId xmlns:a16="http://schemas.microsoft.com/office/drawing/2014/main" xmlns="" id="{9A1D0A6D-5001-4EE2-8CF0-926E99C37858}"/>
               </a:ext>
             </a:extLst>
           </p:cNvPr>
@@ -29094,7 +29482,7 @@
           <p:cNvPr id="11" name="Imagen 10" descr="http://littleactuary.github.io/images/shiny_structure.png">
             <a:extLst>
               <a:ext uri="{FF2B5EF4-FFF2-40B4-BE49-F238E27FC236}">
-                <a16:creationId xmlns:a16="http://schemas.microsoft.com/office/drawing/2014/main" id="{5966AF96-0FAB-41B4-83B8-FE9261E2A338}"/>
+                <a16:creationId xmlns:a16="http://schemas.microsoft.com/office/drawing/2014/main" xmlns="" id="{5966AF96-0FAB-41B4-83B8-FE9261E2A338}"/>
               </a:ext>
             </a:extLst>
           </p:cNvPr>
@@ -29135,7 +29523,7 @@
           <p:cNvPr id="12" name="Título 1">
             <a:extLst>
               <a:ext uri="{FF2B5EF4-FFF2-40B4-BE49-F238E27FC236}">
-                <a16:creationId xmlns:a16="http://schemas.microsoft.com/office/drawing/2014/main" id="{57F65F59-F259-4B5D-9A76-51A66291F843}"/>
+                <a16:creationId xmlns:a16="http://schemas.microsoft.com/office/drawing/2014/main" xmlns="" id="{57F65F59-F259-4B5D-9A76-51A66291F843}"/>
               </a:ext>
             </a:extLst>
           </p:cNvPr>
@@ -29170,7 +29558,7 @@
           <p:cNvPr id="10" name="Rectángulo 9">
             <a:extLst>
               <a:ext uri="{FF2B5EF4-FFF2-40B4-BE49-F238E27FC236}">
-                <a16:creationId xmlns:a16="http://schemas.microsoft.com/office/drawing/2014/main" id="{9B727071-191E-45C8-B3B5-30768C7CFD07}"/>
+                <a16:creationId xmlns:a16="http://schemas.microsoft.com/office/drawing/2014/main" xmlns="" id="{9B727071-191E-45C8-B3B5-30768C7CFD07}"/>
               </a:ext>
             </a:extLst>
           </p:cNvPr>
@@ -29222,7 +29610,7 @@
           <p:cNvPr id="15" name="Tabla 14">
             <a:extLst>
               <a:ext uri="{FF2B5EF4-FFF2-40B4-BE49-F238E27FC236}">
-                <a16:creationId xmlns:a16="http://schemas.microsoft.com/office/drawing/2014/main" id="{38DA847F-4438-48C1-BE17-8D806CBF1183}"/>
+                <a16:creationId xmlns:a16="http://schemas.microsoft.com/office/drawing/2014/main" xmlns="" id="{38DA847F-4438-48C1-BE17-8D806CBF1183}"/>
               </a:ext>
             </a:extLst>
           </p:cNvPr>
@@ -29251,14 +29639,14 @@
                 <a:gridCol w="3729229">
                   <a:extLst>
                     <a:ext uri="{9D8B030D-6E8A-4147-A177-3AD203B41FA5}">
-                      <a16:colId xmlns:a16="http://schemas.microsoft.com/office/drawing/2014/main" val="1347896834"/>
+                      <a16:colId xmlns:a16="http://schemas.microsoft.com/office/drawing/2014/main" xmlns="" val="1347896834"/>
                     </a:ext>
                   </a:extLst>
                 </a:gridCol>
                 <a:gridCol w="703071">
                   <a:extLst>
                     <a:ext uri="{9D8B030D-6E8A-4147-A177-3AD203B41FA5}">
-                      <a16:colId xmlns:a16="http://schemas.microsoft.com/office/drawing/2014/main" val="972821047"/>
+                      <a16:colId xmlns:a16="http://schemas.microsoft.com/office/drawing/2014/main" xmlns="" val="972821047"/>
                     </a:ext>
                   </a:extLst>
                 </a:gridCol>
@@ -29338,7 +29726,7 @@
                 </a:tc>
                 <a:extLst>
                   <a:ext uri="{0D108BD9-81ED-4DB2-BD59-A6C34878D82A}">
-                    <a16:rowId xmlns:a16="http://schemas.microsoft.com/office/drawing/2014/main" val="862195207"/>
+                    <a16:rowId xmlns:a16="http://schemas.microsoft.com/office/drawing/2014/main" xmlns="" val="862195207"/>
                   </a:ext>
                 </a:extLst>
               </a:tr>
@@ -29351,7 +29739,7 @@
           <p:cNvPr id="18" name="Rectángulo 17">
             <a:extLst>
               <a:ext uri="{FF2B5EF4-FFF2-40B4-BE49-F238E27FC236}">
-                <a16:creationId xmlns:a16="http://schemas.microsoft.com/office/drawing/2014/main" id="{CFD57DBD-3AE3-4051-A311-C3F791965D57}"/>
+                <a16:creationId xmlns:a16="http://schemas.microsoft.com/office/drawing/2014/main" xmlns="" id="{CFD57DBD-3AE3-4051-A311-C3F791965D57}"/>
               </a:ext>
             </a:extLst>
           </p:cNvPr>
@@ -29532,7 +29920,7 @@
           <p:cNvPr id="19" name="Picture 6" descr="Resultado de imagen de universidad de cádiz">
             <a:extLst>
               <a:ext uri="{FF2B5EF4-FFF2-40B4-BE49-F238E27FC236}">
-                <a16:creationId xmlns:a16="http://schemas.microsoft.com/office/drawing/2014/main" id="{434DC278-D2A5-439D-B332-E760A857984F}"/>
+                <a16:creationId xmlns:a16="http://schemas.microsoft.com/office/drawing/2014/main" xmlns="" id="{434DC278-D2A5-439D-B332-E760A857984F}"/>
               </a:ext>
             </a:extLst>
           </p:cNvPr>
@@ -29579,7 +29967,7 @@
           <p:cNvPr id="20" name="Título 1">
             <a:extLst>
               <a:ext uri="{FF2B5EF4-FFF2-40B4-BE49-F238E27FC236}">
-                <a16:creationId xmlns:a16="http://schemas.microsoft.com/office/drawing/2014/main" id="{750B4B42-43A8-4B19-9A68-F2EB51762FF0}"/>
+                <a16:creationId xmlns:a16="http://schemas.microsoft.com/office/drawing/2014/main" xmlns="" id="{750B4B42-43A8-4B19-9A68-F2EB51762FF0}"/>
               </a:ext>
             </a:extLst>
           </p:cNvPr>
@@ -29803,7 +30191,7 @@
           <p:cNvPr id="14" name="Picture 6" descr="Resultado de imagen de universidad de cádiz">
             <a:extLst>
               <a:ext uri="{FF2B5EF4-FFF2-40B4-BE49-F238E27FC236}">
-                <a16:creationId xmlns:a16="http://schemas.microsoft.com/office/drawing/2014/main" id="{39529BEF-3C5E-4413-9EC8-EB577F6C28C8}"/>
+                <a16:creationId xmlns:a16="http://schemas.microsoft.com/office/drawing/2014/main" xmlns="" id="{39529BEF-3C5E-4413-9EC8-EB577F6C28C8}"/>
               </a:ext>
             </a:extLst>
           </p:cNvPr>
@@ -29850,7 +30238,7 @@
           <p:cNvPr id="16" name="Tabla 15">
             <a:extLst>
               <a:ext uri="{FF2B5EF4-FFF2-40B4-BE49-F238E27FC236}">
-                <a16:creationId xmlns:a16="http://schemas.microsoft.com/office/drawing/2014/main" id="{9B1C7611-ED20-4E62-BD2E-4AF759F380F5}"/>
+                <a16:creationId xmlns:a16="http://schemas.microsoft.com/office/drawing/2014/main" xmlns="" id="{9B1C7611-ED20-4E62-BD2E-4AF759F380F5}"/>
               </a:ext>
             </a:extLst>
           </p:cNvPr>
@@ -29875,14 +30263,14 @@
                 <a:gridCol w="3729229">
                   <a:extLst>
                     <a:ext uri="{9D8B030D-6E8A-4147-A177-3AD203B41FA5}">
-                      <a16:colId xmlns:a16="http://schemas.microsoft.com/office/drawing/2014/main" val="1347896834"/>
+                      <a16:colId xmlns:a16="http://schemas.microsoft.com/office/drawing/2014/main" xmlns="" val="1347896834"/>
                     </a:ext>
                   </a:extLst>
                 </a:gridCol>
                 <a:gridCol w="703071">
                   <a:extLst>
                     <a:ext uri="{9D8B030D-6E8A-4147-A177-3AD203B41FA5}">
-                      <a16:colId xmlns:a16="http://schemas.microsoft.com/office/drawing/2014/main" val="972821047"/>
+                      <a16:colId xmlns:a16="http://schemas.microsoft.com/office/drawing/2014/main" xmlns="" val="972821047"/>
                     </a:ext>
                   </a:extLst>
                 </a:gridCol>
@@ -29962,7 +30350,7 @@
                 </a:tc>
                 <a:extLst>
                   <a:ext uri="{0D108BD9-81ED-4DB2-BD59-A6C34878D82A}">
-                    <a16:rowId xmlns:a16="http://schemas.microsoft.com/office/drawing/2014/main" val="862195207"/>
+                    <a16:rowId xmlns:a16="http://schemas.microsoft.com/office/drawing/2014/main" xmlns="" val="862195207"/>
                   </a:ext>
                 </a:extLst>
               </a:tr>
@@ -29975,7 +30363,7 @@
           <p:cNvPr id="15" name="Imagen 14">
             <a:extLst>
               <a:ext uri="{FF2B5EF4-FFF2-40B4-BE49-F238E27FC236}">
-                <a16:creationId xmlns:a16="http://schemas.microsoft.com/office/drawing/2014/main" id="{EB66C198-C161-4BB0-A7CE-87037EABF90C}"/>
+                <a16:creationId xmlns:a16="http://schemas.microsoft.com/office/drawing/2014/main" xmlns="" id="{EB66C198-C161-4BB0-A7CE-87037EABF90C}"/>
               </a:ext>
             </a:extLst>
           </p:cNvPr>
@@ -30016,7 +30404,7 @@
           <p:cNvPr id="11" name="Rectángulo 10">
             <a:extLst>
               <a:ext uri="{FF2B5EF4-FFF2-40B4-BE49-F238E27FC236}">
-                <a16:creationId xmlns:a16="http://schemas.microsoft.com/office/drawing/2014/main" id="{A95C38C1-0531-4C59-B723-DEEDDFF82CCD}"/>
+                <a16:creationId xmlns:a16="http://schemas.microsoft.com/office/drawing/2014/main" xmlns="" id="{A95C38C1-0531-4C59-B723-DEEDDFF82CCD}"/>
               </a:ext>
             </a:extLst>
           </p:cNvPr>
@@ -30244,7 +30632,7 @@
           <p:cNvPr id="20" name="Rectángulo 19">
             <a:extLst>
               <a:ext uri="{FF2B5EF4-FFF2-40B4-BE49-F238E27FC236}">
-                <a16:creationId xmlns:a16="http://schemas.microsoft.com/office/drawing/2014/main" id="{8C9327A4-C13B-4524-BEDE-8F8FD05B009F}"/>
+                <a16:creationId xmlns:a16="http://schemas.microsoft.com/office/drawing/2014/main" xmlns="" id="{8C9327A4-C13B-4524-BEDE-8F8FD05B009F}"/>
               </a:ext>
             </a:extLst>
           </p:cNvPr>
@@ -30325,7 +30713,7 @@
           <p:cNvPr id="11" name="Imagen 10">
             <a:extLst>
               <a:ext uri="{FF2B5EF4-FFF2-40B4-BE49-F238E27FC236}">
-                <a16:creationId xmlns:a16="http://schemas.microsoft.com/office/drawing/2014/main" id="{3E1898F8-C579-48B2-94A3-C062839A6E78}"/>
+                <a16:creationId xmlns:a16="http://schemas.microsoft.com/office/drawing/2014/main" xmlns="" id="{3E1898F8-C579-48B2-94A3-C062839A6E78}"/>
               </a:ext>
             </a:extLst>
           </p:cNvPr>
@@ -30364,7 +30752,7 @@
           <p:cNvPr id="10" name="Rectángulo 9">
             <a:extLst>
               <a:ext uri="{FF2B5EF4-FFF2-40B4-BE49-F238E27FC236}">
-                <a16:creationId xmlns:a16="http://schemas.microsoft.com/office/drawing/2014/main" id="{6BEADDCA-3B7B-49D5-8771-692E4B2FF2C6}"/>
+                <a16:creationId xmlns:a16="http://schemas.microsoft.com/office/drawing/2014/main" xmlns="" id="{6BEADDCA-3B7B-49D5-8771-692E4B2FF2C6}"/>
               </a:ext>
             </a:extLst>
           </p:cNvPr>
@@ -30416,7 +30804,7 @@
           <p:cNvPr id="12" name="Tabla 11">
             <a:extLst>
               <a:ext uri="{FF2B5EF4-FFF2-40B4-BE49-F238E27FC236}">
-                <a16:creationId xmlns:a16="http://schemas.microsoft.com/office/drawing/2014/main" id="{797AF702-C81A-4353-B55D-9081AFC0E1D6}"/>
+                <a16:creationId xmlns:a16="http://schemas.microsoft.com/office/drawing/2014/main" xmlns="" id="{797AF702-C81A-4353-B55D-9081AFC0E1D6}"/>
               </a:ext>
             </a:extLst>
           </p:cNvPr>
@@ -30445,14 +30833,14 @@
                 <a:gridCol w="3729229">
                   <a:extLst>
                     <a:ext uri="{9D8B030D-6E8A-4147-A177-3AD203B41FA5}">
-                      <a16:colId xmlns:a16="http://schemas.microsoft.com/office/drawing/2014/main" val="1347896834"/>
+                      <a16:colId xmlns:a16="http://schemas.microsoft.com/office/drawing/2014/main" xmlns="" val="1347896834"/>
                     </a:ext>
                   </a:extLst>
                 </a:gridCol>
                 <a:gridCol w="703071">
                   <a:extLst>
                     <a:ext uri="{9D8B030D-6E8A-4147-A177-3AD203B41FA5}">
-                      <a16:colId xmlns:a16="http://schemas.microsoft.com/office/drawing/2014/main" val="972821047"/>
+                      <a16:colId xmlns:a16="http://schemas.microsoft.com/office/drawing/2014/main" xmlns="" val="972821047"/>
                     </a:ext>
                   </a:extLst>
                 </a:gridCol>
@@ -30532,7 +30920,7 @@
                 </a:tc>
                 <a:extLst>
                   <a:ext uri="{0D108BD9-81ED-4DB2-BD59-A6C34878D82A}">
-                    <a16:rowId xmlns:a16="http://schemas.microsoft.com/office/drawing/2014/main" val="862195207"/>
+                    <a16:rowId xmlns:a16="http://schemas.microsoft.com/office/drawing/2014/main" xmlns="" val="862195207"/>
                   </a:ext>
                 </a:extLst>
               </a:tr>
@@ -30545,7 +30933,7 @@
           <p:cNvPr id="17" name="Rectángulo 16">
             <a:extLst>
               <a:ext uri="{FF2B5EF4-FFF2-40B4-BE49-F238E27FC236}">
-                <a16:creationId xmlns:a16="http://schemas.microsoft.com/office/drawing/2014/main" id="{36E7C83E-DC7F-4505-AC3D-6AD042E687B3}"/>
+                <a16:creationId xmlns:a16="http://schemas.microsoft.com/office/drawing/2014/main" xmlns="" id="{36E7C83E-DC7F-4505-AC3D-6AD042E687B3}"/>
               </a:ext>
             </a:extLst>
           </p:cNvPr>
@@ -30726,7 +31114,7 @@
           <p:cNvPr id="18" name="Picture 6" descr="Resultado de imagen de universidad de cádiz">
             <a:extLst>
               <a:ext uri="{FF2B5EF4-FFF2-40B4-BE49-F238E27FC236}">
-                <a16:creationId xmlns:a16="http://schemas.microsoft.com/office/drawing/2014/main" id="{057B07AD-03E5-4BA6-9F21-34993E2B776B}"/>
+                <a16:creationId xmlns:a16="http://schemas.microsoft.com/office/drawing/2014/main" xmlns="" id="{057B07AD-03E5-4BA6-9F21-34993E2B776B}"/>
               </a:ext>
             </a:extLst>
           </p:cNvPr>
@@ -30773,7 +31161,7 @@
           <p:cNvPr id="19" name="Título 1">
             <a:extLst>
               <a:ext uri="{FF2B5EF4-FFF2-40B4-BE49-F238E27FC236}">
-                <a16:creationId xmlns:a16="http://schemas.microsoft.com/office/drawing/2014/main" id="{F4074471-76A6-4630-886A-2BF04AB1C5A0}"/>
+                <a16:creationId xmlns:a16="http://schemas.microsoft.com/office/drawing/2014/main" xmlns="" id="{F4074471-76A6-4630-886A-2BF04AB1C5A0}"/>
               </a:ext>
             </a:extLst>
           </p:cNvPr>
@@ -30876,7 +31264,7 @@
           <p:cNvPr id="21" name="Rectángulo 20">
             <a:extLst>
               <a:ext uri="{FF2B5EF4-FFF2-40B4-BE49-F238E27FC236}">
-                <a16:creationId xmlns:a16="http://schemas.microsoft.com/office/drawing/2014/main" id="{5931FCED-9213-4C93-8909-30F31086D7E6}"/>
+                <a16:creationId xmlns:a16="http://schemas.microsoft.com/office/drawing/2014/main" xmlns="" id="{5931FCED-9213-4C93-8909-30F31086D7E6}"/>
               </a:ext>
             </a:extLst>
           </p:cNvPr>
@@ -30955,7 +31343,7 @@
           <p:cNvPr id="12" name="Imagen 11" descr="Evolución de los datos de las últimas Encuestas de Población Activa del INE">
             <a:extLst>
               <a:ext uri="{FF2B5EF4-FFF2-40B4-BE49-F238E27FC236}">
-                <a16:creationId xmlns:a16="http://schemas.microsoft.com/office/drawing/2014/main" id="{CA917D79-4190-4E71-BA5C-F083702B4DAF}"/>
+                <a16:creationId xmlns:a16="http://schemas.microsoft.com/office/drawing/2014/main" xmlns="" id="{CA917D79-4190-4E71-BA5C-F083702B4DAF}"/>
               </a:ext>
             </a:extLst>
           </p:cNvPr>
@@ -30996,7 +31384,7 @@
           <p:cNvPr id="11" name="Rectángulo 10">
             <a:extLst>
               <a:ext uri="{FF2B5EF4-FFF2-40B4-BE49-F238E27FC236}">
-                <a16:creationId xmlns:a16="http://schemas.microsoft.com/office/drawing/2014/main" id="{8F072A1F-E831-47CC-93E5-5B409650656C}"/>
+                <a16:creationId xmlns:a16="http://schemas.microsoft.com/office/drawing/2014/main" xmlns="" id="{8F072A1F-E831-47CC-93E5-5B409650656C}"/>
               </a:ext>
             </a:extLst>
           </p:cNvPr>
@@ -31048,7 +31436,7 @@
           <p:cNvPr id="15" name="Tabla 14">
             <a:extLst>
               <a:ext uri="{FF2B5EF4-FFF2-40B4-BE49-F238E27FC236}">
-                <a16:creationId xmlns:a16="http://schemas.microsoft.com/office/drawing/2014/main" id="{EE256DC2-4F5D-432C-BAEF-D6DC5461CB5D}"/>
+                <a16:creationId xmlns:a16="http://schemas.microsoft.com/office/drawing/2014/main" xmlns="" id="{EE256DC2-4F5D-432C-BAEF-D6DC5461CB5D}"/>
               </a:ext>
             </a:extLst>
           </p:cNvPr>
@@ -31077,14 +31465,14 @@
                 <a:gridCol w="3729229">
                   <a:extLst>
                     <a:ext uri="{9D8B030D-6E8A-4147-A177-3AD203B41FA5}">
-                      <a16:colId xmlns:a16="http://schemas.microsoft.com/office/drawing/2014/main" val="1347896834"/>
+                      <a16:colId xmlns:a16="http://schemas.microsoft.com/office/drawing/2014/main" xmlns="" val="1347896834"/>
                     </a:ext>
                   </a:extLst>
                 </a:gridCol>
                 <a:gridCol w="703071">
                   <a:extLst>
                     <a:ext uri="{9D8B030D-6E8A-4147-A177-3AD203B41FA5}">
-                      <a16:colId xmlns:a16="http://schemas.microsoft.com/office/drawing/2014/main" val="972821047"/>
+                      <a16:colId xmlns:a16="http://schemas.microsoft.com/office/drawing/2014/main" xmlns="" val="972821047"/>
                     </a:ext>
                   </a:extLst>
                 </a:gridCol>
@@ -31164,7 +31552,7 @@
                 </a:tc>
                 <a:extLst>
                   <a:ext uri="{0D108BD9-81ED-4DB2-BD59-A6C34878D82A}">
-                    <a16:rowId xmlns:a16="http://schemas.microsoft.com/office/drawing/2014/main" val="862195207"/>
+                    <a16:rowId xmlns:a16="http://schemas.microsoft.com/office/drawing/2014/main" xmlns="" val="862195207"/>
                   </a:ext>
                 </a:extLst>
               </a:tr>
@@ -31177,7 +31565,7 @@
           <p:cNvPr id="18" name="Picture 6" descr="Resultado de imagen de universidad de cádiz">
             <a:extLst>
               <a:ext uri="{FF2B5EF4-FFF2-40B4-BE49-F238E27FC236}">
-                <a16:creationId xmlns:a16="http://schemas.microsoft.com/office/drawing/2014/main" id="{10FF9D16-5A77-48D3-A30E-6CE80D66864B}"/>
+                <a16:creationId xmlns:a16="http://schemas.microsoft.com/office/drawing/2014/main" xmlns="" id="{10FF9D16-5A77-48D3-A30E-6CE80D66864B}"/>
               </a:ext>
             </a:extLst>
           </p:cNvPr>
@@ -31224,7 +31612,7 @@
           <p:cNvPr id="16" name="Rectángulo 15">
             <a:extLst>
               <a:ext uri="{FF2B5EF4-FFF2-40B4-BE49-F238E27FC236}">
-                <a16:creationId xmlns:a16="http://schemas.microsoft.com/office/drawing/2014/main" id="{6B3DE4C6-AA75-4120-AF7C-4559CF946ADC}"/>
+                <a16:creationId xmlns:a16="http://schemas.microsoft.com/office/drawing/2014/main" xmlns="" id="{6B3DE4C6-AA75-4120-AF7C-4559CF946ADC}"/>
               </a:ext>
             </a:extLst>
           </p:cNvPr>
@@ -31406,7 +31794,7 @@
           <p:cNvPr id="22" name="Picture 2" descr="D:\workarea\epa_explorer\mem\logo\logo epa explorer final.png">
             <a:extLst>
               <a:ext uri="{FF2B5EF4-FFF2-40B4-BE49-F238E27FC236}">
-                <a16:creationId xmlns:a16="http://schemas.microsoft.com/office/drawing/2014/main" id="{874E07C0-6537-45BD-9ABB-6E441FF67F04}"/>
+                <a16:creationId xmlns:a16="http://schemas.microsoft.com/office/drawing/2014/main" xmlns="" id="{874E07C0-6537-45BD-9ABB-6E441FF67F04}"/>
               </a:ext>
             </a:extLst>
           </p:cNvPr>
@@ -31495,7 +31883,7 @@
           <p:cNvPr id="20" name="Rectángulo 19">
             <a:extLst>
               <a:ext uri="{FF2B5EF4-FFF2-40B4-BE49-F238E27FC236}">
-                <a16:creationId xmlns:a16="http://schemas.microsoft.com/office/drawing/2014/main" id="{907293A4-E76A-4C5C-BB70-1E468396DD65}"/>
+                <a16:creationId xmlns:a16="http://schemas.microsoft.com/office/drawing/2014/main" xmlns="" id="{907293A4-E76A-4C5C-BB70-1E468396DD65}"/>
               </a:ext>
             </a:extLst>
           </p:cNvPr>
@@ -31576,7 +31964,7 @@
           <p:cNvPr id="10" name="Imagen 9">
             <a:extLst>
               <a:ext uri="{FF2B5EF4-FFF2-40B4-BE49-F238E27FC236}">
-                <a16:creationId xmlns:a16="http://schemas.microsoft.com/office/drawing/2014/main" id="{B9F62473-4127-4BAF-9D44-D9A2457C8905}"/>
+                <a16:creationId xmlns:a16="http://schemas.microsoft.com/office/drawing/2014/main" xmlns="" id="{B9F62473-4127-4BAF-9D44-D9A2457C8905}"/>
               </a:ext>
             </a:extLst>
           </p:cNvPr>
@@ -31617,7 +32005,7 @@
           <p:cNvPr id="12" name="Rectángulo 11">
             <a:extLst>
               <a:ext uri="{FF2B5EF4-FFF2-40B4-BE49-F238E27FC236}">
-                <a16:creationId xmlns:a16="http://schemas.microsoft.com/office/drawing/2014/main" id="{726DB863-006A-489F-8EC6-8D152003EB92}"/>
+                <a16:creationId xmlns:a16="http://schemas.microsoft.com/office/drawing/2014/main" xmlns="" id="{726DB863-006A-489F-8EC6-8D152003EB92}"/>
               </a:ext>
             </a:extLst>
           </p:cNvPr>
@@ -31669,7 +32057,7 @@
           <p:cNvPr id="15" name="Tabla 14">
             <a:extLst>
               <a:ext uri="{FF2B5EF4-FFF2-40B4-BE49-F238E27FC236}">
-                <a16:creationId xmlns:a16="http://schemas.microsoft.com/office/drawing/2014/main" id="{2A98A0C9-1D66-4248-AF0C-B296558735C6}"/>
+                <a16:creationId xmlns:a16="http://schemas.microsoft.com/office/drawing/2014/main" xmlns="" id="{2A98A0C9-1D66-4248-AF0C-B296558735C6}"/>
               </a:ext>
             </a:extLst>
           </p:cNvPr>
@@ -31698,14 +32086,14 @@
                 <a:gridCol w="3729229">
                   <a:extLst>
                     <a:ext uri="{9D8B030D-6E8A-4147-A177-3AD203B41FA5}">
-                      <a16:colId xmlns:a16="http://schemas.microsoft.com/office/drawing/2014/main" val="1347896834"/>
+                      <a16:colId xmlns:a16="http://schemas.microsoft.com/office/drawing/2014/main" xmlns="" val="1347896834"/>
                     </a:ext>
                   </a:extLst>
                 </a:gridCol>
                 <a:gridCol w="703071">
                   <a:extLst>
                     <a:ext uri="{9D8B030D-6E8A-4147-A177-3AD203B41FA5}">
-                      <a16:colId xmlns:a16="http://schemas.microsoft.com/office/drawing/2014/main" val="972821047"/>
+                      <a16:colId xmlns:a16="http://schemas.microsoft.com/office/drawing/2014/main" xmlns="" val="972821047"/>
                     </a:ext>
                   </a:extLst>
                 </a:gridCol>
@@ -31785,7 +32173,7 @@
                 </a:tc>
                 <a:extLst>
                   <a:ext uri="{0D108BD9-81ED-4DB2-BD59-A6C34878D82A}">
-                    <a16:rowId xmlns:a16="http://schemas.microsoft.com/office/drawing/2014/main" val="862195207"/>
+                    <a16:rowId xmlns:a16="http://schemas.microsoft.com/office/drawing/2014/main" xmlns="" val="862195207"/>
                   </a:ext>
                 </a:extLst>
               </a:tr>
@@ -31798,7 +32186,7 @@
           <p:cNvPr id="17" name="Rectángulo 16">
             <a:extLst>
               <a:ext uri="{FF2B5EF4-FFF2-40B4-BE49-F238E27FC236}">
-                <a16:creationId xmlns:a16="http://schemas.microsoft.com/office/drawing/2014/main" id="{FD06E0A1-540E-432D-8A08-CD459D12BCBE}"/>
+                <a16:creationId xmlns:a16="http://schemas.microsoft.com/office/drawing/2014/main" xmlns="" id="{FD06E0A1-540E-432D-8A08-CD459D12BCBE}"/>
               </a:ext>
             </a:extLst>
           </p:cNvPr>
@@ -31979,7 +32367,7 @@
           <p:cNvPr id="18" name="Picture 6" descr="Resultado de imagen de universidad de cádiz">
             <a:extLst>
               <a:ext uri="{FF2B5EF4-FFF2-40B4-BE49-F238E27FC236}">
-                <a16:creationId xmlns:a16="http://schemas.microsoft.com/office/drawing/2014/main" id="{FEE25DC6-3401-4106-9FFE-0E9FDB2A0817}"/>
+                <a16:creationId xmlns:a16="http://schemas.microsoft.com/office/drawing/2014/main" xmlns="" id="{FEE25DC6-3401-4106-9FFE-0E9FDB2A0817}"/>
               </a:ext>
             </a:extLst>
           </p:cNvPr>
@@ -32026,7 +32414,7 @@
           <p:cNvPr id="19" name="Título 1">
             <a:extLst>
               <a:ext uri="{FF2B5EF4-FFF2-40B4-BE49-F238E27FC236}">
-                <a16:creationId xmlns:a16="http://schemas.microsoft.com/office/drawing/2014/main" id="{FF4C4F21-9332-4A9F-9715-8CE46D3E8EF6}"/>
+                <a16:creationId xmlns:a16="http://schemas.microsoft.com/office/drawing/2014/main" xmlns="" id="{FF4C4F21-9332-4A9F-9715-8CE46D3E8EF6}"/>
               </a:ext>
             </a:extLst>
           </p:cNvPr>
@@ -32129,7 +32517,7 @@
           <p:cNvPr id="20" name="Rectángulo 19">
             <a:extLst>
               <a:ext uri="{FF2B5EF4-FFF2-40B4-BE49-F238E27FC236}">
-                <a16:creationId xmlns:a16="http://schemas.microsoft.com/office/drawing/2014/main" id="{050599C0-E849-44BE-88C4-F7E7A1766C12}"/>
+                <a16:creationId xmlns:a16="http://schemas.microsoft.com/office/drawing/2014/main" xmlns="" id="{050599C0-E849-44BE-88C4-F7E7A1766C12}"/>
               </a:ext>
             </a:extLst>
           </p:cNvPr>
@@ -32210,7 +32598,7 @@
           <p:cNvPr id="11" name="Imagen 10">
             <a:extLst>
               <a:ext uri="{FF2B5EF4-FFF2-40B4-BE49-F238E27FC236}">
-                <a16:creationId xmlns:a16="http://schemas.microsoft.com/office/drawing/2014/main" id="{C5ECB09B-88E8-45E0-9950-212B0D5DBA46}"/>
+                <a16:creationId xmlns:a16="http://schemas.microsoft.com/office/drawing/2014/main" xmlns="" id="{C5ECB09B-88E8-45E0-9950-212B0D5DBA46}"/>
               </a:ext>
             </a:extLst>
           </p:cNvPr>
@@ -32251,7 +32639,7 @@
           <p:cNvPr id="10" name="Rectángulo 9">
             <a:extLst>
               <a:ext uri="{FF2B5EF4-FFF2-40B4-BE49-F238E27FC236}">
-                <a16:creationId xmlns:a16="http://schemas.microsoft.com/office/drawing/2014/main" id="{D7520D41-22DD-4D2C-9DD0-F6A50EAC74A1}"/>
+                <a16:creationId xmlns:a16="http://schemas.microsoft.com/office/drawing/2014/main" xmlns="" id="{D7520D41-22DD-4D2C-9DD0-F6A50EAC74A1}"/>
               </a:ext>
             </a:extLst>
           </p:cNvPr>
@@ -32303,7 +32691,7 @@
           <p:cNvPr id="12" name="Tabla 11">
             <a:extLst>
               <a:ext uri="{FF2B5EF4-FFF2-40B4-BE49-F238E27FC236}">
-                <a16:creationId xmlns:a16="http://schemas.microsoft.com/office/drawing/2014/main" id="{5A72C6E3-85F9-40AA-BD47-3DF3B133293F}"/>
+                <a16:creationId xmlns:a16="http://schemas.microsoft.com/office/drawing/2014/main" xmlns="" id="{5A72C6E3-85F9-40AA-BD47-3DF3B133293F}"/>
               </a:ext>
             </a:extLst>
           </p:cNvPr>
@@ -32332,14 +32720,14 @@
                 <a:gridCol w="3729229">
                   <a:extLst>
                     <a:ext uri="{9D8B030D-6E8A-4147-A177-3AD203B41FA5}">
-                      <a16:colId xmlns:a16="http://schemas.microsoft.com/office/drawing/2014/main" val="1347896834"/>
+                      <a16:colId xmlns:a16="http://schemas.microsoft.com/office/drawing/2014/main" xmlns="" val="1347896834"/>
                     </a:ext>
                   </a:extLst>
                 </a:gridCol>
                 <a:gridCol w="703071">
                   <a:extLst>
                     <a:ext uri="{9D8B030D-6E8A-4147-A177-3AD203B41FA5}">
-                      <a16:colId xmlns:a16="http://schemas.microsoft.com/office/drawing/2014/main" val="972821047"/>
+                      <a16:colId xmlns:a16="http://schemas.microsoft.com/office/drawing/2014/main" xmlns="" val="972821047"/>
                     </a:ext>
                   </a:extLst>
                 </a:gridCol>
@@ -32419,7 +32807,7 @@
                 </a:tc>
                 <a:extLst>
                   <a:ext uri="{0D108BD9-81ED-4DB2-BD59-A6C34878D82A}">
-                    <a16:rowId xmlns:a16="http://schemas.microsoft.com/office/drawing/2014/main" val="862195207"/>
+                    <a16:rowId xmlns:a16="http://schemas.microsoft.com/office/drawing/2014/main" xmlns="" val="862195207"/>
                   </a:ext>
                 </a:extLst>
               </a:tr>
@@ -32432,7 +32820,7 @@
           <p:cNvPr id="17" name="Rectángulo 16">
             <a:extLst>
               <a:ext uri="{FF2B5EF4-FFF2-40B4-BE49-F238E27FC236}">
-                <a16:creationId xmlns:a16="http://schemas.microsoft.com/office/drawing/2014/main" id="{4223DCC3-34D4-483A-8B19-07FBF96E129B}"/>
+                <a16:creationId xmlns:a16="http://schemas.microsoft.com/office/drawing/2014/main" xmlns="" id="{4223DCC3-34D4-483A-8B19-07FBF96E129B}"/>
               </a:ext>
             </a:extLst>
           </p:cNvPr>
@@ -32613,7 +33001,7 @@
           <p:cNvPr id="18" name="Picture 6" descr="Resultado de imagen de universidad de cádiz">
             <a:extLst>
               <a:ext uri="{FF2B5EF4-FFF2-40B4-BE49-F238E27FC236}">
-                <a16:creationId xmlns:a16="http://schemas.microsoft.com/office/drawing/2014/main" id="{84E45C54-F9B0-410F-8909-C3B2746D89EA}"/>
+                <a16:creationId xmlns:a16="http://schemas.microsoft.com/office/drawing/2014/main" xmlns="" id="{84E45C54-F9B0-410F-8909-C3B2746D89EA}"/>
               </a:ext>
             </a:extLst>
           </p:cNvPr>
@@ -32660,7 +33048,7 @@
           <p:cNvPr id="19" name="Título 1">
             <a:extLst>
               <a:ext uri="{FF2B5EF4-FFF2-40B4-BE49-F238E27FC236}">
-                <a16:creationId xmlns:a16="http://schemas.microsoft.com/office/drawing/2014/main" id="{DA4F4AF2-A515-42FE-A873-8E33F859AD4A}"/>
+                <a16:creationId xmlns:a16="http://schemas.microsoft.com/office/drawing/2014/main" xmlns="" id="{DA4F4AF2-A515-42FE-A873-8E33F859AD4A}"/>
               </a:ext>
             </a:extLst>
           </p:cNvPr>
@@ -32763,7 +33151,7 @@
           <p:cNvPr id="21" name="Rectángulo 20">
             <a:extLst>
               <a:ext uri="{FF2B5EF4-FFF2-40B4-BE49-F238E27FC236}">
-                <a16:creationId xmlns:a16="http://schemas.microsoft.com/office/drawing/2014/main" id="{907927EC-F164-4815-8098-6B6BEFB7ECA5}"/>
+                <a16:creationId xmlns:a16="http://schemas.microsoft.com/office/drawing/2014/main" xmlns="" id="{907927EC-F164-4815-8098-6B6BEFB7ECA5}"/>
               </a:ext>
             </a:extLst>
           </p:cNvPr>
@@ -32842,7 +33230,7 @@
           <p:cNvPr id="12" name="Imagen 11">
             <a:extLst>
               <a:ext uri="{FF2B5EF4-FFF2-40B4-BE49-F238E27FC236}">
-                <a16:creationId xmlns:a16="http://schemas.microsoft.com/office/drawing/2014/main" id="{6D62F2C1-8F2C-4AAC-87F1-9BC8B3E74173}"/>
+                <a16:creationId xmlns:a16="http://schemas.microsoft.com/office/drawing/2014/main" xmlns="" id="{6D62F2C1-8F2C-4AAC-87F1-9BC8B3E74173}"/>
               </a:ext>
             </a:extLst>
           </p:cNvPr>
@@ -32883,7 +33271,7 @@
           <p:cNvPr id="10" name="Rectángulo 9">
             <a:extLst>
               <a:ext uri="{FF2B5EF4-FFF2-40B4-BE49-F238E27FC236}">
-                <a16:creationId xmlns:a16="http://schemas.microsoft.com/office/drawing/2014/main" id="{E61AF71F-1254-4749-A2F8-89C01E3143E8}"/>
+                <a16:creationId xmlns:a16="http://schemas.microsoft.com/office/drawing/2014/main" xmlns="" id="{E61AF71F-1254-4749-A2F8-89C01E3143E8}"/>
               </a:ext>
             </a:extLst>
           </p:cNvPr>
@@ -32935,7 +33323,7 @@
           <p:cNvPr id="15" name="Tabla 14">
             <a:extLst>
               <a:ext uri="{FF2B5EF4-FFF2-40B4-BE49-F238E27FC236}">
-                <a16:creationId xmlns:a16="http://schemas.microsoft.com/office/drawing/2014/main" id="{3B4D4509-E467-452B-9923-1D8A0D4886DA}"/>
+                <a16:creationId xmlns:a16="http://schemas.microsoft.com/office/drawing/2014/main" xmlns="" id="{3B4D4509-E467-452B-9923-1D8A0D4886DA}"/>
               </a:ext>
             </a:extLst>
           </p:cNvPr>
@@ -32964,14 +33352,14 @@
                 <a:gridCol w="3729229">
                   <a:extLst>
                     <a:ext uri="{9D8B030D-6E8A-4147-A177-3AD203B41FA5}">
-                      <a16:colId xmlns:a16="http://schemas.microsoft.com/office/drawing/2014/main" val="1347896834"/>
+                      <a16:colId xmlns:a16="http://schemas.microsoft.com/office/drawing/2014/main" xmlns="" val="1347896834"/>
                     </a:ext>
                   </a:extLst>
                 </a:gridCol>
                 <a:gridCol w="703071">
                   <a:extLst>
                     <a:ext uri="{9D8B030D-6E8A-4147-A177-3AD203B41FA5}">
-                      <a16:colId xmlns:a16="http://schemas.microsoft.com/office/drawing/2014/main" val="972821047"/>
+                      <a16:colId xmlns:a16="http://schemas.microsoft.com/office/drawing/2014/main" xmlns="" val="972821047"/>
                     </a:ext>
                   </a:extLst>
                 </a:gridCol>
@@ -33051,7 +33439,7 @@
                 </a:tc>
                 <a:extLst>
                   <a:ext uri="{0D108BD9-81ED-4DB2-BD59-A6C34878D82A}">
-                    <a16:rowId xmlns:a16="http://schemas.microsoft.com/office/drawing/2014/main" val="862195207"/>
+                    <a16:rowId xmlns:a16="http://schemas.microsoft.com/office/drawing/2014/main" xmlns="" val="862195207"/>
                   </a:ext>
                 </a:extLst>
               </a:tr>
@@ -33064,7 +33452,7 @@
           <p:cNvPr id="18" name="Picture 6" descr="Resultado de imagen de universidad de cádiz">
             <a:extLst>
               <a:ext uri="{FF2B5EF4-FFF2-40B4-BE49-F238E27FC236}">
-                <a16:creationId xmlns:a16="http://schemas.microsoft.com/office/drawing/2014/main" id="{81CF7D27-F963-46A8-ACB3-DAD486BB821C}"/>
+                <a16:creationId xmlns:a16="http://schemas.microsoft.com/office/drawing/2014/main" xmlns="" id="{81CF7D27-F963-46A8-ACB3-DAD486BB821C}"/>
               </a:ext>
             </a:extLst>
           </p:cNvPr>
@@ -33111,7 +33499,7 @@
           <p:cNvPr id="16" name="Rectángulo 15">
             <a:extLst>
               <a:ext uri="{FF2B5EF4-FFF2-40B4-BE49-F238E27FC236}">
-                <a16:creationId xmlns:a16="http://schemas.microsoft.com/office/drawing/2014/main" id="{C2E3B61C-8414-412B-90CC-9B4B78C3EB1A}"/>
+                <a16:creationId xmlns:a16="http://schemas.microsoft.com/office/drawing/2014/main" xmlns="" id="{C2E3B61C-8414-412B-90CC-9B4B78C3EB1A}"/>
               </a:ext>
             </a:extLst>
           </p:cNvPr>
@@ -33293,7 +33681,7 @@
           <p:cNvPr id="22" name="Picture 2" descr="D:\workarea\epa_explorer\mem\logo\logo epa explorer final.png">
             <a:extLst>
               <a:ext uri="{FF2B5EF4-FFF2-40B4-BE49-F238E27FC236}">
-                <a16:creationId xmlns:a16="http://schemas.microsoft.com/office/drawing/2014/main" id="{EB90D6DA-4616-4472-A13D-C7BF178B7866}"/>
+                <a16:creationId xmlns:a16="http://schemas.microsoft.com/office/drawing/2014/main" xmlns="" id="{EB90D6DA-4616-4472-A13D-C7BF178B7866}"/>
               </a:ext>
             </a:extLst>
           </p:cNvPr>
@@ -33357,6 +33745,13 @@
       </p:transition>
     </mc:Fallback>
   </mc:AlternateContent>
+  <p:timing>
+    <p:tnLst>
+      <p:par>
+        <p:cTn id="1" dur="indefinite" restart="never" nodeType="tmRoot"/>
+      </p:par>
+    </p:tnLst>
+  </p:timing>
 </p:sld>
 </file>
 
@@ -33382,7 +33777,7 @@
           <p:cNvPr id="22" name="Rectángulo 21">
             <a:extLst>
               <a:ext uri="{FF2B5EF4-FFF2-40B4-BE49-F238E27FC236}">
-                <a16:creationId xmlns:a16="http://schemas.microsoft.com/office/drawing/2014/main" id="{0550EB8F-615B-4427-AFF6-7FAB7969CC19}"/>
+                <a16:creationId xmlns:a16="http://schemas.microsoft.com/office/drawing/2014/main" xmlns="" id="{0550EB8F-615B-4427-AFF6-7FAB7969CC19}"/>
               </a:ext>
             </a:extLst>
           </p:cNvPr>
@@ -33463,7 +33858,7 @@
           <p:cNvPr id="11" name="Rectángulo 10">
             <a:extLst>
               <a:ext uri="{FF2B5EF4-FFF2-40B4-BE49-F238E27FC236}">
-                <a16:creationId xmlns:a16="http://schemas.microsoft.com/office/drawing/2014/main" id="{974242C8-7D53-4777-BAFD-D39AE36DB37A}"/>
+                <a16:creationId xmlns:a16="http://schemas.microsoft.com/office/drawing/2014/main" xmlns="" id="{974242C8-7D53-4777-BAFD-D39AE36DB37A}"/>
               </a:ext>
             </a:extLst>
           </p:cNvPr>
@@ -33504,7 +33899,7 @@
           <p:cNvPr id="10" name="Rectángulo 9">
             <a:extLst>
               <a:ext uri="{FF2B5EF4-FFF2-40B4-BE49-F238E27FC236}">
-                <a16:creationId xmlns:a16="http://schemas.microsoft.com/office/drawing/2014/main" id="{F72E42AB-F28D-48CD-867A-BA39DCBCA4B9}"/>
+                <a16:creationId xmlns:a16="http://schemas.microsoft.com/office/drawing/2014/main" xmlns="" id="{F72E42AB-F28D-48CD-867A-BA39DCBCA4B9}"/>
               </a:ext>
             </a:extLst>
           </p:cNvPr>
@@ -33556,7 +33951,7 @@
           <p:cNvPr id="12" name="Tabla 11">
             <a:extLst>
               <a:ext uri="{FF2B5EF4-FFF2-40B4-BE49-F238E27FC236}">
-                <a16:creationId xmlns:a16="http://schemas.microsoft.com/office/drawing/2014/main" id="{8E30230A-A720-4D59-991C-B92A84641AEB}"/>
+                <a16:creationId xmlns:a16="http://schemas.microsoft.com/office/drawing/2014/main" xmlns="" id="{8E30230A-A720-4D59-991C-B92A84641AEB}"/>
               </a:ext>
             </a:extLst>
           </p:cNvPr>
@@ -33585,14 +33980,14 @@
                 <a:gridCol w="3729229">
                   <a:extLst>
                     <a:ext uri="{9D8B030D-6E8A-4147-A177-3AD203B41FA5}">
-                      <a16:colId xmlns:a16="http://schemas.microsoft.com/office/drawing/2014/main" val="1347896834"/>
+                      <a16:colId xmlns:a16="http://schemas.microsoft.com/office/drawing/2014/main" xmlns="" val="1347896834"/>
                     </a:ext>
                   </a:extLst>
                 </a:gridCol>
                 <a:gridCol w="703071">
                   <a:extLst>
                     <a:ext uri="{9D8B030D-6E8A-4147-A177-3AD203B41FA5}">
-                      <a16:colId xmlns:a16="http://schemas.microsoft.com/office/drawing/2014/main" val="972821047"/>
+                      <a16:colId xmlns:a16="http://schemas.microsoft.com/office/drawing/2014/main" xmlns="" val="972821047"/>
                     </a:ext>
                   </a:extLst>
                 </a:gridCol>
@@ -33672,7 +34067,7 @@
                 </a:tc>
                 <a:extLst>
                   <a:ext uri="{0D108BD9-81ED-4DB2-BD59-A6C34878D82A}">
-                    <a16:rowId xmlns:a16="http://schemas.microsoft.com/office/drawing/2014/main" val="862195207"/>
+                    <a16:rowId xmlns:a16="http://schemas.microsoft.com/office/drawing/2014/main" xmlns="" val="862195207"/>
                   </a:ext>
                 </a:extLst>
               </a:tr>
@@ -33685,7 +34080,7 @@
           <p:cNvPr id="17" name="Picture 6" descr="Resultado de imagen de universidad de cádiz">
             <a:extLst>
               <a:ext uri="{FF2B5EF4-FFF2-40B4-BE49-F238E27FC236}">
-                <a16:creationId xmlns:a16="http://schemas.microsoft.com/office/drawing/2014/main" id="{9CFE5ACB-A3AB-4673-9D97-968EC583EB7B}"/>
+                <a16:creationId xmlns:a16="http://schemas.microsoft.com/office/drawing/2014/main" xmlns="" id="{9CFE5ACB-A3AB-4673-9D97-968EC583EB7B}"/>
               </a:ext>
             </a:extLst>
           </p:cNvPr>
@@ -33732,7 +34127,7 @@
           <p:cNvPr id="13" name="Rectángulo 12">
             <a:extLst>
               <a:ext uri="{FF2B5EF4-FFF2-40B4-BE49-F238E27FC236}">
-                <a16:creationId xmlns:a16="http://schemas.microsoft.com/office/drawing/2014/main" id="{60CE9BEE-3F25-484E-9169-C245C436D472}"/>
+                <a16:creationId xmlns:a16="http://schemas.microsoft.com/office/drawing/2014/main" xmlns="" id="{60CE9BEE-3F25-484E-9169-C245C436D472}"/>
               </a:ext>
             </a:extLst>
           </p:cNvPr>
@@ -33776,7 +34171,15 @@
             </a:pPr>
             <a:r>
               <a:rPr lang="es-ES" sz="2400" dirty="0"/>
-              <a:t>Interpretar, almacenar, procesar y normalizar los datos</a:t>
+              <a:t>Interpretar, </a:t>
+            </a:r>
+            <a:r>
+              <a:rPr lang="es-ES" sz="2400" dirty="0" smtClean="0"/>
+              <a:t>almacenar y procesar los </a:t>
+            </a:r>
+            <a:r>
+              <a:rPr lang="es-ES" sz="2400" dirty="0"/>
+              <a:t>datos</a:t>
             </a:r>
           </a:p>
           <a:p>
@@ -33841,7 +34244,15 @@
             </a:pPr>
             <a:r>
               <a:rPr lang="es-ES" sz="2400" dirty="0"/>
-              <a:t>Interfaz en entorno web: atractiva, visual y amigable.</a:t>
+              <a:t>Interfaz en entorno web: atractiva, </a:t>
+            </a:r>
+            <a:r>
+              <a:rPr lang="es-ES" sz="2400" dirty="0" smtClean="0"/>
+              <a:t>intuitiva y </a:t>
+            </a:r>
+            <a:r>
+              <a:rPr lang="es-ES" sz="2400" dirty="0"/>
+              <a:t>amigable.</a:t>
             </a:r>
           </a:p>
           <a:p>
@@ -33861,7 +34272,7 @@
           <p:cNvPr id="21" name="Rectángulo 20">
             <a:extLst>
               <a:ext uri="{FF2B5EF4-FFF2-40B4-BE49-F238E27FC236}">
-                <a16:creationId xmlns:a16="http://schemas.microsoft.com/office/drawing/2014/main" id="{20878F0A-FE90-49BC-8BAE-6D12D3D8818B}"/>
+                <a16:creationId xmlns:a16="http://schemas.microsoft.com/office/drawing/2014/main" xmlns="" id="{20878F0A-FE90-49BC-8BAE-6D12D3D8818B}"/>
               </a:ext>
             </a:extLst>
           </p:cNvPr>
@@ -34043,7 +34454,7 @@
           <p:cNvPr id="23" name="Picture 2" descr="D:\workarea\epa_explorer\mem\logo\logo epa explorer final.png">
             <a:extLst>
               <a:ext uri="{FF2B5EF4-FFF2-40B4-BE49-F238E27FC236}">
-                <a16:creationId xmlns:a16="http://schemas.microsoft.com/office/drawing/2014/main" id="{0EDB1B90-726B-4D9F-B707-A5D6072B063E}"/>
+                <a16:creationId xmlns:a16="http://schemas.microsoft.com/office/drawing/2014/main" xmlns="" id="{0EDB1B90-726B-4D9F-B707-A5D6072B063E}"/>
               </a:ext>
             </a:extLst>
           </p:cNvPr>
@@ -34218,7 +34629,7 @@
           <p:cNvPr id="23" name="Rectángulo 22">
             <a:extLst>
               <a:ext uri="{FF2B5EF4-FFF2-40B4-BE49-F238E27FC236}">
-                <a16:creationId xmlns:a16="http://schemas.microsoft.com/office/drawing/2014/main" id="{57978FC9-0EA5-44C4-95CE-139782C4EFFF}"/>
+                <a16:creationId xmlns:a16="http://schemas.microsoft.com/office/drawing/2014/main" xmlns="" id="{57978FC9-0EA5-44C4-95CE-139782C4EFFF}"/>
               </a:ext>
             </a:extLst>
           </p:cNvPr>
@@ -34297,7 +34708,7 @@
           <p:cNvPr id="11" name="Imagen 10">
             <a:extLst>
               <a:ext uri="{FF2B5EF4-FFF2-40B4-BE49-F238E27FC236}">
-                <a16:creationId xmlns:a16="http://schemas.microsoft.com/office/drawing/2014/main" id="{B3DA47E8-33AC-4F00-8C14-6F03F0C5C285}"/>
+                <a16:creationId xmlns:a16="http://schemas.microsoft.com/office/drawing/2014/main" xmlns="" id="{B3DA47E8-33AC-4F00-8C14-6F03F0C5C285}"/>
               </a:ext>
             </a:extLst>
           </p:cNvPr>
@@ -34326,7 +34737,7 @@
           <p:cNvPr id="10" name="Rectángulo 9">
             <a:extLst>
               <a:ext uri="{FF2B5EF4-FFF2-40B4-BE49-F238E27FC236}">
-                <a16:creationId xmlns:a16="http://schemas.microsoft.com/office/drawing/2014/main" id="{DC43B3C9-52A7-46C4-B5E7-EDD8E6E10F01}"/>
+                <a16:creationId xmlns:a16="http://schemas.microsoft.com/office/drawing/2014/main" xmlns="" id="{DC43B3C9-52A7-46C4-B5E7-EDD8E6E10F01}"/>
               </a:ext>
             </a:extLst>
           </p:cNvPr>
@@ -34378,7 +34789,7 @@
           <p:cNvPr id="15" name="Tabla 14">
             <a:extLst>
               <a:ext uri="{FF2B5EF4-FFF2-40B4-BE49-F238E27FC236}">
-                <a16:creationId xmlns:a16="http://schemas.microsoft.com/office/drawing/2014/main" id="{6BF6D068-732B-4E05-8F5D-A3D4AC5F4FEF}"/>
+                <a16:creationId xmlns:a16="http://schemas.microsoft.com/office/drawing/2014/main" xmlns="" id="{6BF6D068-732B-4E05-8F5D-A3D4AC5F4FEF}"/>
               </a:ext>
             </a:extLst>
           </p:cNvPr>
@@ -34407,14 +34818,14 @@
                 <a:gridCol w="3729229">
                   <a:extLst>
                     <a:ext uri="{9D8B030D-6E8A-4147-A177-3AD203B41FA5}">
-                      <a16:colId xmlns:a16="http://schemas.microsoft.com/office/drawing/2014/main" val="1347896834"/>
+                      <a16:colId xmlns:a16="http://schemas.microsoft.com/office/drawing/2014/main" xmlns="" val="1347896834"/>
                     </a:ext>
                   </a:extLst>
                 </a:gridCol>
                 <a:gridCol w="703071">
                   <a:extLst>
                     <a:ext uri="{9D8B030D-6E8A-4147-A177-3AD203B41FA5}">
-                      <a16:colId xmlns:a16="http://schemas.microsoft.com/office/drawing/2014/main" val="972821047"/>
+                      <a16:colId xmlns:a16="http://schemas.microsoft.com/office/drawing/2014/main" xmlns="" val="972821047"/>
                     </a:ext>
                   </a:extLst>
                 </a:gridCol>
@@ -34494,7 +34905,7 @@
                 </a:tc>
                 <a:extLst>
                   <a:ext uri="{0D108BD9-81ED-4DB2-BD59-A6C34878D82A}">
-                    <a16:rowId xmlns:a16="http://schemas.microsoft.com/office/drawing/2014/main" val="862195207"/>
+                    <a16:rowId xmlns:a16="http://schemas.microsoft.com/office/drawing/2014/main" xmlns="" val="862195207"/>
                   </a:ext>
                 </a:extLst>
               </a:tr>
@@ -34507,7 +34918,7 @@
           <p:cNvPr id="18" name="Picture 6" descr="Resultado de imagen de universidad de cádiz">
             <a:extLst>
               <a:ext uri="{FF2B5EF4-FFF2-40B4-BE49-F238E27FC236}">
-                <a16:creationId xmlns:a16="http://schemas.microsoft.com/office/drawing/2014/main" id="{67C05CE7-76D9-4446-97FA-E9F496730ECA}"/>
+                <a16:creationId xmlns:a16="http://schemas.microsoft.com/office/drawing/2014/main" xmlns="" id="{67C05CE7-76D9-4446-97FA-E9F496730ECA}"/>
               </a:ext>
             </a:extLst>
           </p:cNvPr>
@@ -34554,7 +34965,7 @@
           <p:cNvPr id="22" name="Rectángulo 21">
             <a:extLst>
               <a:ext uri="{FF2B5EF4-FFF2-40B4-BE49-F238E27FC236}">
-                <a16:creationId xmlns:a16="http://schemas.microsoft.com/office/drawing/2014/main" id="{7ECD0DA8-41F5-44A5-AA14-CCD8F90EAC8F}"/>
+                <a16:creationId xmlns:a16="http://schemas.microsoft.com/office/drawing/2014/main" xmlns="" id="{7ECD0DA8-41F5-44A5-AA14-CCD8F90EAC8F}"/>
               </a:ext>
             </a:extLst>
           </p:cNvPr>
@@ -34736,7 +35147,7 @@
           <p:cNvPr id="24" name="Picture 2" descr="D:\workarea\epa_explorer\mem\logo\logo epa explorer final.png">
             <a:extLst>
               <a:ext uri="{FF2B5EF4-FFF2-40B4-BE49-F238E27FC236}">
-                <a16:creationId xmlns:a16="http://schemas.microsoft.com/office/drawing/2014/main" id="{AC2300B1-BB38-4D34-87C5-707D216ED964}"/>
+                <a16:creationId xmlns:a16="http://schemas.microsoft.com/office/drawing/2014/main" xmlns="" id="{AC2300B1-BB38-4D34-87C5-707D216ED964}"/>
               </a:ext>
             </a:extLst>
           </p:cNvPr>
@@ -34800,6 +35211,13 @@
       </p:transition>
     </mc:Fallback>
   </mc:AlternateContent>
+  <p:timing>
+    <p:tnLst>
+      <p:par>
+        <p:cTn id="1" dur="indefinite" restart="never" nodeType="tmRoot"/>
+      </p:par>
+    </p:tnLst>
+  </p:timing>
 </p:sld>
 </file>
 
@@ -34825,7 +35243,7 @@
           <p:cNvPr id="22" name="Rectángulo 21">
             <a:extLst>
               <a:ext uri="{FF2B5EF4-FFF2-40B4-BE49-F238E27FC236}">
-                <a16:creationId xmlns:a16="http://schemas.microsoft.com/office/drawing/2014/main" id="{D6CF92E1-AF5A-4F62-A3FA-205FFD00D9B5}"/>
+                <a16:creationId xmlns:a16="http://schemas.microsoft.com/office/drawing/2014/main" xmlns="" id="{D6CF92E1-AF5A-4F62-A3FA-205FFD00D9B5}"/>
               </a:ext>
             </a:extLst>
           </p:cNvPr>
@@ -34904,7 +35322,7 @@
           <p:cNvPr id="3" name="Imagen 2">
             <a:extLst>
               <a:ext uri="{FF2B5EF4-FFF2-40B4-BE49-F238E27FC236}">
-                <a16:creationId xmlns:a16="http://schemas.microsoft.com/office/drawing/2014/main" id="{F4577A6F-2E79-4E7B-B255-1BFED77A8714}"/>
+                <a16:creationId xmlns:a16="http://schemas.microsoft.com/office/drawing/2014/main" xmlns="" id="{F4577A6F-2E79-4E7B-B255-1BFED77A8714}"/>
               </a:ext>
             </a:extLst>
           </p:cNvPr>
@@ -34933,7 +35351,7 @@
           <p:cNvPr id="10" name="Rectángulo 9">
             <a:extLst>
               <a:ext uri="{FF2B5EF4-FFF2-40B4-BE49-F238E27FC236}">
-                <a16:creationId xmlns:a16="http://schemas.microsoft.com/office/drawing/2014/main" id="{BD56EC65-BD02-4A70-B83F-62310DCD42BB}"/>
+                <a16:creationId xmlns:a16="http://schemas.microsoft.com/office/drawing/2014/main" xmlns="" id="{BD56EC65-BD02-4A70-B83F-62310DCD42BB}"/>
               </a:ext>
             </a:extLst>
           </p:cNvPr>
@@ -34985,7 +35403,7 @@
           <p:cNvPr id="11" name="Tabla 10">
             <a:extLst>
               <a:ext uri="{FF2B5EF4-FFF2-40B4-BE49-F238E27FC236}">
-                <a16:creationId xmlns:a16="http://schemas.microsoft.com/office/drawing/2014/main" id="{8F804D16-0E55-43BF-8B5E-BB77162D921F}"/>
+                <a16:creationId xmlns:a16="http://schemas.microsoft.com/office/drawing/2014/main" xmlns="" id="{8F804D16-0E55-43BF-8B5E-BB77162D921F}"/>
               </a:ext>
             </a:extLst>
           </p:cNvPr>
@@ -35014,14 +35432,14 @@
                 <a:gridCol w="3729229">
                   <a:extLst>
                     <a:ext uri="{9D8B030D-6E8A-4147-A177-3AD203B41FA5}">
-                      <a16:colId xmlns:a16="http://schemas.microsoft.com/office/drawing/2014/main" val="1347896834"/>
+                      <a16:colId xmlns:a16="http://schemas.microsoft.com/office/drawing/2014/main" xmlns="" val="1347896834"/>
                     </a:ext>
                   </a:extLst>
                 </a:gridCol>
                 <a:gridCol w="703071">
                   <a:extLst>
                     <a:ext uri="{9D8B030D-6E8A-4147-A177-3AD203B41FA5}">
-                      <a16:colId xmlns:a16="http://schemas.microsoft.com/office/drawing/2014/main" val="972821047"/>
+                      <a16:colId xmlns:a16="http://schemas.microsoft.com/office/drawing/2014/main" xmlns="" val="972821047"/>
                     </a:ext>
                   </a:extLst>
                 </a:gridCol>
@@ -35101,7 +35519,7 @@
                 </a:tc>
                 <a:extLst>
                   <a:ext uri="{0D108BD9-81ED-4DB2-BD59-A6C34878D82A}">
-                    <a16:rowId xmlns:a16="http://schemas.microsoft.com/office/drawing/2014/main" val="862195207"/>
+                    <a16:rowId xmlns:a16="http://schemas.microsoft.com/office/drawing/2014/main" xmlns="" val="862195207"/>
                   </a:ext>
                 </a:extLst>
               </a:tr>
@@ -35114,7 +35532,7 @@
           <p:cNvPr id="16" name="Picture 6" descr="Resultado de imagen de universidad de cádiz">
             <a:extLst>
               <a:ext uri="{FF2B5EF4-FFF2-40B4-BE49-F238E27FC236}">
-                <a16:creationId xmlns:a16="http://schemas.microsoft.com/office/drawing/2014/main" id="{F68FBD5A-0051-4D71-A988-1784117F67FF}"/>
+                <a16:creationId xmlns:a16="http://schemas.microsoft.com/office/drawing/2014/main" xmlns="" id="{F68FBD5A-0051-4D71-A988-1784117F67FF}"/>
               </a:ext>
             </a:extLst>
           </p:cNvPr>
@@ -35161,7 +35579,7 @@
           <p:cNvPr id="21" name="Rectángulo 20">
             <a:extLst>
               <a:ext uri="{FF2B5EF4-FFF2-40B4-BE49-F238E27FC236}">
-                <a16:creationId xmlns:a16="http://schemas.microsoft.com/office/drawing/2014/main" id="{949AF706-D96D-4BF4-AB1B-5038661A2C39}"/>
+                <a16:creationId xmlns:a16="http://schemas.microsoft.com/office/drawing/2014/main" xmlns="" id="{949AF706-D96D-4BF4-AB1B-5038661A2C39}"/>
               </a:ext>
             </a:extLst>
           </p:cNvPr>
@@ -35343,7 +35761,7 @@
           <p:cNvPr id="23" name="Picture 2" descr="D:\workarea\epa_explorer\mem\logo\logo epa explorer final.png">
             <a:extLst>
               <a:ext uri="{FF2B5EF4-FFF2-40B4-BE49-F238E27FC236}">
-                <a16:creationId xmlns:a16="http://schemas.microsoft.com/office/drawing/2014/main" id="{69595DE9-3586-4AE8-9FE9-30EE51D42E06}"/>
+                <a16:creationId xmlns:a16="http://schemas.microsoft.com/office/drawing/2014/main" xmlns="" id="{69595DE9-3586-4AE8-9FE9-30EE51D42E06}"/>
               </a:ext>
             </a:extLst>
           </p:cNvPr>
@@ -35432,7 +35850,7 @@
           <p:cNvPr id="21" name="Rectángulo 20">
             <a:extLst>
               <a:ext uri="{FF2B5EF4-FFF2-40B4-BE49-F238E27FC236}">
-                <a16:creationId xmlns:a16="http://schemas.microsoft.com/office/drawing/2014/main" id="{DE979716-BB6B-4225-849C-BBCF6D95E2B6}"/>
+                <a16:creationId xmlns:a16="http://schemas.microsoft.com/office/drawing/2014/main" xmlns="" id="{DE979716-BB6B-4225-849C-BBCF6D95E2B6}"/>
               </a:ext>
             </a:extLst>
           </p:cNvPr>
@@ -35513,7 +35931,7 @@
           <p:cNvPr id="12" name="Imagen 11" descr="http://3.bp.blogspot.com/-ODVA-vjGrKU/VCD0aPHTrlI/AAAAAAAAAF8/cQ6kgjSO8Xc/s1600/Modelo%2BIterativo.png">
             <a:extLst>
               <a:ext uri="{FF2B5EF4-FFF2-40B4-BE49-F238E27FC236}">
-                <a16:creationId xmlns:a16="http://schemas.microsoft.com/office/drawing/2014/main" id="{B70E04E2-3808-41D5-8434-113EE5C7CE42}"/>
+                <a16:creationId xmlns:a16="http://schemas.microsoft.com/office/drawing/2014/main" xmlns="" id="{B70E04E2-3808-41D5-8434-113EE5C7CE42}"/>
               </a:ext>
             </a:extLst>
           </p:cNvPr>
@@ -35554,7 +35972,7 @@
           <p:cNvPr id="10" name="Rectángulo 9">
             <a:extLst>
               <a:ext uri="{FF2B5EF4-FFF2-40B4-BE49-F238E27FC236}">
-                <a16:creationId xmlns:a16="http://schemas.microsoft.com/office/drawing/2014/main" id="{BC60AC0D-4196-43F8-9BC3-1CBB0A77BF95}"/>
+                <a16:creationId xmlns:a16="http://schemas.microsoft.com/office/drawing/2014/main" xmlns="" id="{BC60AC0D-4196-43F8-9BC3-1CBB0A77BF95}"/>
               </a:ext>
             </a:extLst>
           </p:cNvPr>
@@ -35606,7 +36024,7 @@
           <p:cNvPr id="15" name="Tabla 14">
             <a:extLst>
               <a:ext uri="{FF2B5EF4-FFF2-40B4-BE49-F238E27FC236}">
-                <a16:creationId xmlns:a16="http://schemas.microsoft.com/office/drawing/2014/main" id="{4E42434B-C29D-4CA6-913B-EF6D13D4550E}"/>
+                <a16:creationId xmlns:a16="http://schemas.microsoft.com/office/drawing/2014/main" xmlns="" id="{4E42434B-C29D-4CA6-913B-EF6D13D4550E}"/>
               </a:ext>
             </a:extLst>
           </p:cNvPr>
@@ -35635,14 +36053,14 @@
                 <a:gridCol w="3729229">
                   <a:extLst>
                     <a:ext uri="{9D8B030D-6E8A-4147-A177-3AD203B41FA5}">
-                      <a16:colId xmlns:a16="http://schemas.microsoft.com/office/drawing/2014/main" val="1347896834"/>
+                      <a16:colId xmlns:a16="http://schemas.microsoft.com/office/drawing/2014/main" xmlns="" val="1347896834"/>
                     </a:ext>
                   </a:extLst>
                 </a:gridCol>
                 <a:gridCol w="703071">
                   <a:extLst>
                     <a:ext uri="{9D8B030D-6E8A-4147-A177-3AD203B41FA5}">
-                      <a16:colId xmlns:a16="http://schemas.microsoft.com/office/drawing/2014/main" val="972821047"/>
+                      <a16:colId xmlns:a16="http://schemas.microsoft.com/office/drawing/2014/main" xmlns="" val="972821047"/>
                     </a:ext>
                   </a:extLst>
                 </a:gridCol>
@@ -35722,7 +36140,7 @@
                 </a:tc>
                 <a:extLst>
                   <a:ext uri="{0D108BD9-81ED-4DB2-BD59-A6C34878D82A}">
-                    <a16:rowId xmlns:a16="http://schemas.microsoft.com/office/drawing/2014/main" val="862195207"/>
+                    <a16:rowId xmlns:a16="http://schemas.microsoft.com/office/drawing/2014/main" xmlns="" val="862195207"/>
                   </a:ext>
                 </a:extLst>
               </a:tr>
@@ -35735,7 +36153,7 @@
           <p:cNvPr id="18" name="Picture 6" descr="Resultado de imagen de universidad de cádiz">
             <a:extLst>
               <a:ext uri="{FF2B5EF4-FFF2-40B4-BE49-F238E27FC236}">
-                <a16:creationId xmlns:a16="http://schemas.microsoft.com/office/drawing/2014/main" id="{7517955D-E128-4CEE-B04B-EEBDCF3F241A}"/>
+                <a16:creationId xmlns:a16="http://schemas.microsoft.com/office/drawing/2014/main" xmlns="" id="{7517955D-E128-4CEE-B04B-EEBDCF3F241A}"/>
               </a:ext>
             </a:extLst>
           </p:cNvPr>
@@ -35782,7 +36200,7 @@
           <p:cNvPr id="16" name="Rectángulo 15">
             <a:extLst>
               <a:ext uri="{FF2B5EF4-FFF2-40B4-BE49-F238E27FC236}">
-                <a16:creationId xmlns:a16="http://schemas.microsoft.com/office/drawing/2014/main" id="{BEBB56AF-A0A9-44C6-A03C-6127F786749B}"/>
+                <a16:creationId xmlns:a16="http://schemas.microsoft.com/office/drawing/2014/main" xmlns="" id="{BEBB56AF-A0A9-44C6-A03C-6127F786749B}"/>
               </a:ext>
             </a:extLst>
           </p:cNvPr>
@@ -35968,7 +36386,7 @@
           <p:cNvPr id="22" name="Picture 2" descr="D:\workarea\epa_explorer\mem\logo\logo epa explorer final.png">
             <a:extLst>
               <a:ext uri="{FF2B5EF4-FFF2-40B4-BE49-F238E27FC236}">
-                <a16:creationId xmlns:a16="http://schemas.microsoft.com/office/drawing/2014/main" id="{70A6C5A1-5496-479B-B765-9A48563CA0A2}"/>
+                <a16:creationId xmlns:a16="http://schemas.microsoft.com/office/drawing/2014/main" xmlns="" id="{70A6C5A1-5496-479B-B765-9A48563CA0A2}"/>
               </a:ext>
             </a:extLst>
           </p:cNvPr>
@@ -36032,6 +36450,13 @@
       </p:transition>
     </mc:Fallback>
   </mc:AlternateContent>
+  <p:timing>
+    <p:tnLst>
+      <p:par>
+        <p:cTn id="1" dur="indefinite" restart="never" nodeType="tmRoot"/>
+      </p:par>
+    </p:tnLst>
+  </p:timing>
 </p:sld>
 </file>
 
@@ -36057,7 +36482,7 @@
           <p:cNvPr id="21" name="Rectángulo 20">
             <a:extLst>
               <a:ext uri="{FF2B5EF4-FFF2-40B4-BE49-F238E27FC236}">
-                <a16:creationId xmlns:a16="http://schemas.microsoft.com/office/drawing/2014/main" id="{8E070362-FF56-4DEE-A259-484E5C1C6F19}"/>
+                <a16:creationId xmlns:a16="http://schemas.microsoft.com/office/drawing/2014/main" xmlns="" id="{8E070362-FF56-4DEE-A259-484E5C1C6F19}"/>
               </a:ext>
             </a:extLst>
           </p:cNvPr>
@@ -36133,53 +36558,12 @@
           </a:p>
         </p:txBody>
       </p:sp>
-      <p:pic>
-        <p:nvPicPr>
-          <p:cNvPr id="15" name="Imagen 14">
+      <p:sp>
+        <p:nvSpPr>
+          <p:cNvPr id="10" name="Rectángulo 9">
             <a:extLst>
               <a:ext uri="{FF2B5EF4-FFF2-40B4-BE49-F238E27FC236}">
-                <a16:creationId xmlns:a16="http://schemas.microsoft.com/office/drawing/2014/main" id="{2EF9A8BF-3178-4296-ACD8-4DE4B9A3F0CE}"/>
-              </a:ext>
-            </a:extLst>
-          </p:cNvPr>
-          <p:cNvPicPr>
-            <a:picLocks noChangeAspect="1"/>
-          </p:cNvPicPr>
-          <p:nvPr/>
-        </p:nvPicPr>
-        <p:blipFill>
-          <a:blip r:embed="rId3">
-            <a:extLst>
-              <a:ext uri="{28A0092B-C50C-407E-A947-70E740481C1C}">
-                <a14:useLocalDpi xmlns:a14="http://schemas.microsoft.com/office/drawing/2010/main" val="0"/>
-              </a:ext>
-            </a:extLst>
-          </a:blip>
-          <a:srcRect/>
-          <a:stretch>
-            <a:fillRect/>
-          </a:stretch>
-        </p:blipFill>
-        <p:spPr bwMode="auto">
-          <a:xfrm>
-            <a:off x="3557195" y="1265336"/>
-            <a:ext cx="6694866" cy="4431477"/>
-          </a:xfrm>
-          <a:prstGeom prst="rect">
-            <a:avLst/>
-          </a:prstGeom>
-          <a:noFill/>
-          <a:ln>
-            <a:noFill/>
-          </a:ln>
-        </p:spPr>
-      </p:pic>
-      <p:sp>
-        <p:nvSpPr>
-          <p:cNvPr id="10" name="Rectángulo 9">
-            <a:extLst>
-              <a:ext uri="{FF2B5EF4-FFF2-40B4-BE49-F238E27FC236}">
-                <a16:creationId xmlns:a16="http://schemas.microsoft.com/office/drawing/2014/main" id="{6EA308CA-9C3C-4659-B1AB-0C6BF0F780BC}"/>
+                <a16:creationId xmlns:a16="http://schemas.microsoft.com/office/drawing/2014/main" xmlns="" id="{6EA308CA-9C3C-4659-B1AB-0C6BF0F780BC}"/>
               </a:ext>
             </a:extLst>
           </p:cNvPr>
@@ -36231,7 +36615,7 @@
           <p:cNvPr id="12" name="Tabla 11">
             <a:extLst>
               <a:ext uri="{FF2B5EF4-FFF2-40B4-BE49-F238E27FC236}">
-                <a16:creationId xmlns:a16="http://schemas.microsoft.com/office/drawing/2014/main" id="{B910092A-A255-4547-BB17-E12335125EAB}"/>
+                <a16:creationId xmlns:a16="http://schemas.microsoft.com/office/drawing/2014/main" xmlns="" id="{B910092A-A255-4547-BB17-E12335125EAB}"/>
               </a:ext>
             </a:extLst>
           </p:cNvPr>
@@ -36260,14 +36644,14 @@
                 <a:gridCol w="3729229">
                   <a:extLst>
                     <a:ext uri="{9D8B030D-6E8A-4147-A177-3AD203B41FA5}">
-                      <a16:colId xmlns:a16="http://schemas.microsoft.com/office/drawing/2014/main" val="1347896834"/>
+                      <a16:colId xmlns:a16="http://schemas.microsoft.com/office/drawing/2014/main" xmlns="" val="1347896834"/>
                     </a:ext>
                   </a:extLst>
                 </a:gridCol>
                 <a:gridCol w="703071">
                   <a:extLst>
                     <a:ext uri="{9D8B030D-6E8A-4147-A177-3AD203B41FA5}">
-                      <a16:colId xmlns:a16="http://schemas.microsoft.com/office/drawing/2014/main" val="972821047"/>
+                      <a16:colId xmlns:a16="http://schemas.microsoft.com/office/drawing/2014/main" xmlns="" val="972821047"/>
                     </a:ext>
                   </a:extLst>
                 </a:gridCol>
@@ -36347,7 +36731,7 @@
                 </a:tc>
                 <a:extLst>
                   <a:ext uri="{0D108BD9-81ED-4DB2-BD59-A6C34878D82A}">
-                    <a16:rowId xmlns:a16="http://schemas.microsoft.com/office/drawing/2014/main" val="862195207"/>
+                    <a16:rowId xmlns:a16="http://schemas.microsoft.com/office/drawing/2014/main" xmlns="" val="862195207"/>
                   </a:ext>
                 </a:extLst>
               </a:tr>
@@ -36360,7 +36744,7 @@
           <p:cNvPr id="18" name="Picture 6" descr="Resultado de imagen de universidad de cádiz">
             <a:extLst>
               <a:ext uri="{FF2B5EF4-FFF2-40B4-BE49-F238E27FC236}">
-                <a16:creationId xmlns:a16="http://schemas.microsoft.com/office/drawing/2014/main" id="{235394A8-7844-4EC3-9194-3553A9D21F88}"/>
+                <a16:creationId xmlns:a16="http://schemas.microsoft.com/office/drawing/2014/main" xmlns="" id="{235394A8-7844-4EC3-9194-3553A9D21F88}"/>
               </a:ext>
             </a:extLst>
           </p:cNvPr>
@@ -36370,7 +36754,7 @@
           <p:nvPr/>
         </p:nvPicPr>
         <p:blipFill>
-          <a:blip r:embed="rId4">
+          <a:blip r:embed="rId3">
             <a:extLst>
               <a:ext uri="{28A0092B-C50C-407E-A947-70E740481C1C}">
                 <a14:useLocalDpi xmlns:a14="http://schemas.microsoft.com/office/drawing/2010/main" val="0"/>
@@ -36407,7 +36791,7 @@
           <p:cNvPr id="16" name="Rectángulo 15">
             <a:extLst>
               <a:ext uri="{FF2B5EF4-FFF2-40B4-BE49-F238E27FC236}">
-                <a16:creationId xmlns:a16="http://schemas.microsoft.com/office/drawing/2014/main" id="{24095E69-3816-4D95-AA39-92E9652A65A4}"/>
+                <a16:creationId xmlns:a16="http://schemas.microsoft.com/office/drawing/2014/main" xmlns="" id="{24095E69-3816-4D95-AA39-92E9652A65A4}"/>
               </a:ext>
             </a:extLst>
           </p:cNvPr>
@@ -36593,7 +36977,7 @@
           <p:cNvPr id="22" name="Picture 2" descr="D:\workarea\epa_explorer\mem\logo\logo epa explorer final.png">
             <a:extLst>
               <a:ext uri="{FF2B5EF4-FFF2-40B4-BE49-F238E27FC236}">
-                <a16:creationId xmlns:a16="http://schemas.microsoft.com/office/drawing/2014/main" id="{235AD57F-9787-42F2-8FE5-1A351F218407}"/>
+                <a16:creationId xmlns:a16="http://schemas.microsoft.com/office/drawing/2014/main" xmlns="" id="{235AD57F-9787-42F2-8FE5-1A351F218407}"/>
               </a:ext>
             </a:extLst>
           </p:cNvPr>
@@ -36603,7 +36987,7 @@
           <p:nvPr/>
         </p:nvPicPr>
         <p:blipFill>
-          <a:blip r:embed="rId5">
+          <a:blip r:embed="rId4">
             <a:extLst>
               <a:ext uri="{28A0092B-C50C-407E-A947-70E740481C1C}">
                 <a14:useLocalDpi xmlns:a14="http://schemas.microsoft.com/office/drawing/2010/main" val="0"/>
@@ -36635,6 +37019,987 @@
           </a:extLst>
         </p:spPr>
       </p:pic>
+      <p:graphicFrame>
+        <p:nvGraphicFramePr>
+          <p:cNvPr id="13" name="Tabla 7">
+            <a:extLst>
+              <a:ext uri="{FF2B5EF4-FFF2-40B4-BE49-F238E27FC236}">
+                <a16:creationId xmlns:a16="http://schemas.microsoft.com/office/drawing/2014/main" xmlns="" id="{9024CE8E-A5EA-4441-BAEC-7F1EDF93547E}"/>
+              </a:ext>
+            </a:extLst>
+          </p:cNvPr>
+          <p:cNvGraphicFramePr>
+            <a:graphicFrameLocks noGrp="1"/>
+          </p:cNvGraphicFramePr>
+          <p:nvPr>
+            <p:extLst>
+              <p:ext uri="{D42A27DB-BD31-4B8C-83A1-F6EECF244321}">
+                <p14:modId xmlns:p14="http://schemas.microsoft.com/office/powerpoint/2010/main" val="2816816360"/>
+              </p:ext>
+            </p:extLst>
+          </p:nvPr>
+        </p:nvGraphicFramePr>
+        <p:xfrm>
+          <a:off x="2977111" y="1219396"/>
+          <a:ext cx="8030857" cy="4389120"/>
+        </p:xfrm>
+        <a:graphic>
+          <a:graphicData uri="http://schemas.openxmlformats.org/drawingml/2006/table">
+            <a:tbl>
+              <a:tblPr firstRow="1" firstCol="1" bandRow="1">
+                <a:tableStyleId>{9D7B26C5-4107-4FEC-AEDC-1716B250A1EF}</a:tableStyleId>
+              </a:tblPr>
+              <a:tblGrid>
+                <a:gridCol w="4291196">
+                  <a:extLst>
+                    <a:ext uri="{9D8B030D-6E8A-4147-A177-3AD203B41FA5}">
+                      <a16:colId xmlns:a16="http://schemas.microsoft.com/office/drawing/2014/main" xmlns="" val="3756444116"/>
+                    </a:ext>
+                  </a:extLst>
+                </a:gridCol>
+                <a:gridCol w="1981200">
+                  <a:extLst>
+                    <a:ext uri="{9D8B030D-6E8A-4147-A177-3AD203B41FA5}">
+                      <a16:colId xmlns:a16="http://schemas.microsoft.com/office/drawing/2014/main" xmlns="" val="661221149"/>
+                    </a:ext>
+                  </a:extLst>
+                </a:gridCol>
+                <a:gridCol w="1758461"/>
+              </a:tblGrid>
+              <a:tr h="375709">
+                <a:tc>
+                  <a:txBody>
+                    <a:bodyPr/>
+                    <a:lstStyle/>
+                    <a:p>
+                      <a:pPr marL="0" algn="ctr">
+                        <a:lnSpc>
+                          <a:spcPct val="200000"/>
+                        </a:lnSpc>
+                        <a:spcBef>
+                          <a:spcPts val="600"/>
+                        </a:spcBef>
+                        <a:spcAft>
+                          <a:spcPts val="600"/>
+                        </a:spcAft>
+                      </a:pPr>
+                      <a:r>
+                        <a:rPr lang="es-ES" sz="1600" b="1" kern="1200" dirty="0" smtClean="0">
+                          <a:solidFill>
+                            <a:schemeClr val="tx1"/>
+                          </a:solidFill>
+                          <a:effectLst/>
+                          <a:latin typeface="+mn-lt"/>
+                          <a:ea typeface="+mn-ea"/>
+                          <a:cs typeface="+mn-cs"/>
+                        </a:rPr>
+                        <a:t>Iteraciones</a:t>
+                      </a:r>
+                      <a:endParaRPr lang="es-ES" sz="1600" b="1" kern="1200" dirty="0">
+                        <a:solidFill>
+                          <a:schemeClr val="tx1"/>
+                        </a:solidFill>
+                        <a:effectLst/>
+                        <a:latin typeface="+mn-lt"/>
+                        <a:ea typeface="+mn-ea"/>
+                        <a:cs typeface="+mn-cs"/>
+                      </a:endParaRPr>
+                    </a:p>
+                  </a:txBody>
+                  <a:tcPr marL="68580" marR="68580" marT="0" marB="0"/>
+                </a:tc>
+                <a:tc>
+                  <a:txBody>
+                    <a:bodyPr/>
+                    <a:lstStyle/>
+                    <a:p>
+                      <a:pPr marL="0" algn="ctr">
+                        <a:lnSpc>
+                          <a:spcPct val="200000"/>
+                        </a:lnSpc>
+                        <a:spcBef>
+                          <a:spcPts val="600"/>
+                        </a:spcBef>
+                        <a:spcAft>
+                          <a:spcPts val="600"/>
+                        </a:spcAft>
+                      </a:pPr>
+                      <a:r>
+                        <a:rPr lang="es-ES" sz="1600" b="1" kern="1200" dirty="0">
+                          <a:solidFill>
+                            <a:schemeClr val="tx1"/>
+                          </a:solidFill>
+                          <a:effectLst/>
+                          <a:latin typeface="+mn-lt"/>
+                          <a:ea typeface="+mn-ea"/>
+                          <a:cs typeface="+mn-cs"/>
+                        </a:rPr>
+                        <a:t>Estimados</a:t>
+                      </a:r>
+                    </a:p>
+                  </a:txBody>
+                  <a:tcPr marL="68580" marR="68580" marT="0" marB="0"/>
+                </a:tc>
+                <a:tc>
+                  <a:txBody>
+                    <a:bodyPr/>
+                    <a:lstStyle/>
+                    <a:p>
+                      <a:pPr marL="0" algn="ctr">
+                        <a:lnSpc>
+                          <a:spcPct val="200000"/>
+                        </a:lnSpc>
+                        <a:spcBef>
+                          <a:spcPts val="600"/>
+                        </a:spcBef>
+                        <a:spcAft>
+                          <a:spcPts val="600"/>
+                        </a:spcAft>
+                      </a:pPr>
+                      <a:r>
+                        <a:rPr lang="es-ES" sz="1600" b="1" kern="1200" dirty="0">
+                          <a:solidFill>
+                            <a:schemeClr val="tx1"/>
+                          </a:solidFill>
+                          <a:effectLst/>
+                          <a:latin typeface="+mn-lt"/>
+                          <a:ea typeface="+mn-ea"/>
+                          <a:cs typeface="+mn-cs"/>
+                        </a:rPr>
+                        <a:t>Reales</a:t>
+                      </a:r>
+                    </a:p>
+                  </a:txBody>
+                  <a:tcPr marL="68580" marR="68580" marT="0" marB="0"/>
+                </a:tc>
+                <a:extLst>
+                  <a:ext uri="{0D108BD9-81ED-4DB2-BD59-A6C34878D82A}">
+                    <a16:rowId xmlns:a16="http://schemas.microsoft.com/office/drawing/2014/main" xmlns="" val="2432673530"/>
+                  </a:ext>
+                </a:extLst>
+              </a:tr>
+              <a:tr h="375709">
+                <a:tc>
+                  <a:txBody>
+                    <a:bodyPr/>
+                    <a:lstStyle/>
+                    <a:p>
+                      <a:pPr marL="0">
+                        <a:lnSpc>
+                          <a:spcPct val="200000"/>
+                        </a:lnSpc>
+                        <a:spcBef>
+                          <a:spcPts val="600"/>
+                        </a:spcBef>
+                        <a:spcAft>
+                          <a:spcPts val="600"/>
+                        </a:spcAft>
+                      </a:pPr>
+                      <a:r>
+                        <a:rPr lang="es-ES" sz="1600" b="1" kern="1200" dirty="0">
+                          <a:solidFill>
+                            <a:schemeClr val="tx1"/>
+                          </a:solidFill>
+                          <a:effectLst/>
+                          <a:latin typeface="+mn-lt"/>
+                          <a:ea typeface="+mn-ea"/>
+                          <a:cs typeface="+mn-cs"/>
+                        </a:rPr>
+                        <a:t>Iteración 1º: Interpretación de los datos</a:t>
+                      </a:r>
+                    </a:p>
+                  </a:txBody>
+                  <a:tcPr marL="68580" marR="68580" marT="0" marB="0"/>
+                </a:tc>
+                <a:tc>
+                  <a:txBody>
+                    <a:bodyPr/>
+                    <a:lstStyle/>
+                    <a:p>
+                      <a:pPr marL="0" algn="ctr">
+                        <a:lnSpc>
+                          <a:spcPct val="200000"/>
+                        </a:lnSpc>
+                        <a:spcBef>
+                          <a:spcPts val="600"/>
+                        </a:spcBef>
+                        <a:spcAft>
+                          <a:spcPts val="600"/>
+                        </a:spcAft>
+                      </a:pPr>
+                      <a:r>
+                        <a:rPr lang="es-ES" sz="1600" kern="1200" dirty="0">
+                          <a:solidFill>
+                            <a:schemeClr val="tx1"/>
+                          </a:solidFill>
+                          <a:effectLst/>
+                          <a:latin typeface="+mn-lt"/>
+                          <a:ea typeface="+mn-ea"/>
+                          <a:cs typeface="+mn-cs"/>
+                        </a:rPr>
+                        <a:t>50</a:t>
+                      </a:r>
+                    </a:p>
+                  </a:txBody>
+                  <a:tcPr marL="68580" marR="68580" marT="0" marB="0"/>
+                </a:tc>
+                <a:tc>
+                  <a:txBody>
+                    <a:bodyPr/>
+                    <a:lstStyle/>
+                    <a:p>
+                      <a:pPr marL="0" algn="ctr">
+                        <a:lnSpc>
+                          <a:spcPct val="200000"/>
+                        </a:lnSpc>
+                        <a:spcBef>
+                          <a:spcPts val="600"/>
+                        </a:spcBef>
+                        <a:spcAft>
+                          <a:spcPts val="600"/>
+                        </a:spcAft>
+                      </a:pPr>
+                      <a:r>
+                        <a:rPr lang="es-ES" sz="1600" kern="1200">
+                          <a:solidFill>
+                            <a:schemeClr val="tx1"/>
+                          </a:solidFill>
+                          <a:effectLst/>
+                          <a:latin typeface="+mn-lt"/>
+                          <a:ea typeface="+mn-ea"/>
+                          <a:cs typeface="+mn-cs"/>
+                        </a:rPr>
+                        <a:t>60 (+10)</a:t>
+                      </a:r>
+                    </a:p>
+                  </a:txBody>
+                  <a:tcPr marL="68580" marR="68580" marT="0" marB="0"/>
+                </a:tc>
+                <a:extLst>
+                  <a:ext uri="{0D108BD9-81ED-4DB2-BD59-A6C34878D82A}">
+                    <a16:rowId xmlns:a16="http://schemas.microsoft.com/office/drawing/2014/main" xmlns="" val="4115906051"/>
+                  </a:ext>
+                </a:extLst>
+              </a:tr>
+              <a:tr h="375709">
+                <a:tc>
+                  <a:txBody>
+                    <a:bodyPr/>
+                    <a:lstStyle/>
+                    <a:p>
+                      <a:pPr marL="0">
+                        <a:lnSpc>
+                          <a:spcPct val="200000"/>
+                        </a:lnSpc>
+                        <a:spcBef>
+                          <a:spcPts val="600"/>
+                        </a:spcBef>
+                        <a:spcAft>
+                          <a:spcPts val="600"/>
+                        </a:spcAft>
+                      </a:pPr>
+                      <a:r>
+                        <a:rPr lang="es-ES" sz="1600" b="1" kern="1200" dirty="0">
+                          <a:solidFill>
+                            <a:schemeClr val="tx1"/>
+                          </a:solidFill>
+                          <a:effectLst/>
+                          <a:latin typeface="+mn-lt"/>
+                          <a:ea typeface="+mn-ea"/>
+                          <a:cs typeface="+mn-cs"/>
+                        </a:rPr>
+                        <a:t>Iteración 2º: Diseño de la base de datos</a:t>
+                      </a:r>
+                    </a:p>
+                  </a:txBody>
+                  <a:tcPr marL="68580" marR="68580" marT="0" marB="0"/>
+                </a:tc>
+                <a:tc>
+                  <a:txBody>
+                    <a:bodyPr/>
+                    <a:lstStyle/>
+                    <a:p>
+                      <a:pPr marL="0" algn="ctr">
+                        <a:lnSpc>
+                          <a:spcPct val="200000"/>
+                        </a:lnSpc>
+                        <a:spcBef>
+                          <a:spcPts val="600"/>
+                        </a:spcBef>
+                        <a:spcAft>
+                          <a:spcPts val="600"/>
+                        </a:spcAft>
+                      </a:pPr>
+                      <a:r>
+                        <a:rPr lang="es-ES" sz="1600" kern="1200" dirty="0">
+                          <a:solidFill>
+                            <a:schemeClr val="tx1"/>
+                          </a:solidFill>
+                          <a:effectLst/>
+                          <a:latin typeface="+mn-lt"/>
+                          <a:ea typeface="+mn-ea"/>
+                          <a:cs typeface="+mn-cs"/>
+                        </a:rPr>
+                        <a:t>25</a:t>
+                      </a:r>
+                    </a:p>
+                  </a:txBody>
+                  <a:tcPr marL="68580" marR="68580" marT="0" marB="0"/>
+                </a:tc>
+                <a:tc>
+                  <a:txBody>
+                    <a:bodyPr/>
+                    <a:lstStyle/>
+                    <a:p>
+                      <a:pPr marL="0" algn="ctr">
+                        <a:lnSpc>
+                          <a:spcPct val="200000"/>
+                        </a:lnSpc>
+                        <a:spcBef>
+                          <a:spcPts val="600"/>
+                        </a:spcBef>
+                        <a:spcAft>
+                          <a:spcPts val="600"/>
+                        </a:spcAft>
+                      </a:pPr>
+                      <a:r>
+                        <a:rPr lang="es-ES" sz="1600" kern="1200">
+                          <a:solidFill>
+                            <a:schemeClr val="tx1"/>
+                          </a:solidFill>
+                          <a:effectLst/>
+                          <a:latin typeface="+mn-lt"/>
+                          <a:ea typeface="+mn-ea"/>
+                          <a:cs typeface="+mn-cs"/>
+                        </a:rPr>
+                        <a:t>30 (+5)</a:t>
+                      </a:r>
+                    </a:p>
+                  </a:txBody>
+                  <a:tcPr marL="68580" marR="68580" marT="0" marB="0"/>
+                </a:tc>
+                <a:extLst>
+                  <a:ext uri="{0D108BD9-81ED-4DB2-BD59-A6C34878D82A}">
+                    <a16:rowId xmlns:a16="http://schemas.microsoft.com/office/drawing/2014/main" xmlns="" val="538078724"/>
+                  </a:ext>
+                </a:extLst>
+              </a:tr>
+              <a:tr h="375709">
+                <a:tc>
+                  <a:txBody>
+                    <a:bodyPr/>
+                    <a:lstStyle/>
+                    <a:p>
+                      <a:pPr marL="0">
+                        <a:lnSpc>
+                          <a:spcPct val="200000"/>
+                        </a:lnSpc>
+                        <a:spcBef>
+                          <a:spcPts val="600"/>
+                        </a:spcBef>
+                        <a:spcAft>
+                          <a:spcPts val="600"/>
+                        </a:spcAft>
+                      </a:pPr>
+                      <a:r>
+                        <a:rPr lang="es-ES" sz="1600" b="1" kern="1200" dirty="0">
+                          <a:solidFill>
+                            <a:schemeClr val="tx1"/>
+                          </a:solidFill>
+                          <a:effectLst/>
+                          <a:latin typeface="+mn-lt"/>
+                          <a:ea typeface="+mn-ea"/>
+                          <a:cs typeface="+mn-cs"/>
+                        </a:rPr>
+                        <a:t>Iteración 3º: Análisis Exploratorio de Datos</a:t>
+                      </a:r>
+                    </a:p>
+                  </a:txBody>
+                  <a:tcPr marL="68580" marR="68580" marT="0" marB="0"/>
+                </a:tc>
+                <a:tc>
+                  <a:txBody>
+                    <a:bodyPr/>
+                    <a:lstStyle/>
+                    <a:p>
+                      <a:pPr marL="0" algn="ctr">
+                        <a:lnSpc>
+                          <a:spcPct val="200000"/>
+                        </a:lnSpc>
+                        <a:spcBef>
+                          <a:spcPts val="600"/>
+                        </a:spcBef>
+                        <a:spcAft>
+                          <a:spcPts val="600"/>
+                        </a:spcAft>
+                      </a:pPr>
+                      <a:r>
+                        <a:rPr lang="es-ES" sz="1600" kern="1200" dirty="0">
+                          <a:solidFill>
+                            <a:schemeClr val="tx1"/>
+                          </a:solidFill>
+                          <a:effectLst/>
+                          <a:latin typeface="+mn-lt"/>
+                          <a:ea typeface="+mn-ea"/>
+                          <a:cs typeface="+mn-cs"/>
+                        </a:rPr>
+                        <a:t>35</a:t>
+                      </a:r>
+                    </a:p>
+                  </a:txBody>
+                  <a:tcPr marL="68580" marR="68580" marT="0" marB="0"/>
+                </a:tc>
+                <a:tc>
+                  <a:txBody>
+                    <a:bodyPr/>
+                    <a:lstStyle/>
+                    <a:p>
+                      <a:pPr marL="0" algn="ctr">
+                        <a:lnSpc>
+                          <a:spcPct val="200000"/>
+                        </a:lnSpc>
+                        <a:spcBef>
+                          <a:spcPts val="600"/>
+                        </a:spcBef>
+                        <a:spcAft>
+                          <a:spcPts val="600"/>
+                        </a:spcAft>
+                      </a:pPr>
+                      <a:r>
+                        <a:rPr lang="es-ES" sz="1600" kern="1200">
+                          <a:solidFill>
+                            <a:schemeClr val="tx1"/>
+                          </a:solidFill>
+                          <a:effectLst/>
+                          <a:latin typeface="+mn-lt"/>
+                          <a:ea typeface="+mn-ea"/>
+                          <a:cs typeface="+mn-cs"/>
+                        </a:rPr>
+                        <a:t>38 (+3)</a:t>
+                      </a:r>
+                    </a:p>
+                  </a:txBody>
+                  <a:tcPr marL="68580" marR="68580" marT="0" marB="0"/>
+                </a:tc>
+              </a:tr>
+              <a:tr h="375709">
+                <a:tc>
+                  <a:txBody>
+                    <a:bodyPr/>
+                    <a:lstStyle/>
+                    <a:p>
+                      <a:pPr marL="0">
+                        <a:lnSpc>
+                          <a:spcPct val="200000"/>
+                        </a:lnSpc>
+                        <a:spcBef>
+                          <a:spcPts val="600"/>
+                        </a:spcBef>
+                        <a:spcAft>
+                          <a:spcPts val="600"/>
+                        </a:spcAft>
+                      </a:pPr>
+                      <a:r>
+                        <a:rPr lang="es-ES" sz="1600" b="1" kern="1200" dirty="0">
+                          <a:solidFill>
+                            <a:schemeClr val="tx1"/>
+                          </a:solidFill>
+                          <a:effectLst/>
+                          <a:latin typeface="+mn-lt"/>
+                          <a:ea typeface="+mn-ea"/>
+                          <a:cs typeface="+mn-cs"/>
+                        </a:rPr>
+                        <a:t>Iteración 4º: Motor para exportación documental</a:t>
+                      </a:r>
+                    </a:p>
+                  </a:txBody>
+                  <a:tcPr marL="68580" marR="68580" marT="0" marB="0"/>
+                </a:tc>
+                <a:tc>
+                  <a:txBody>
+                    <a:bodyPr/>
+                    <a:lstStyle/>
+                    <a:p>
+                      <a:pPr marL="0" algn="ctr">
+                        <a:lnSpc>
+                          <a:spcPct val="200000"/>
+                        </a:lnSpc>
+                        <a:spcBef>
+                          <a:spcPts val="600"/>
+                        </a:spcBef>
+                        <a:spcAft>
+                          <a:spcPts val="600"/>
+                        </a:spcAft>
+                      </a:pPr>
+                      <a:r>
+                        <a:rPr lang="es-ES" sz="1600" kern="1200" dirty="0">
+                          <a:solidFill>
+                            <a:schemeClr val="tx1"/>
+                          </a:solidFill>
+                          <a:effectLst/>
+                          <a:latin typeface="+mn-lt"/>
+                          <a:ea typeface="+mn-ea"/>
+                          <a:cs typeface="+mn-cs"/>
+                        </a:rPr>
+                        <a:t>30</a:t>
+                      </a:r>
+                    </a:p>
+                  </a:txBody>
+                  <a:tcPr marL="68580" marR="68580" marT="0" marB="0"/>
+                </a:tc>
+                <a:tc>
+                  <a:txBody>
+                    <a:bodyPr/>
+                    <a:lstStyle/>
+                    <a:p>
+                      <a:pPr marL="0" algn="ctr">
+                        <a:lnSpc>
+                          <a:spcPct val="200000"/>
+                        </a:lnSpc>
+                        <a:spcBef>
+                          <a:spcPts val="600"/>
+                        </a:spcBef>
+                        <a:spcAft>
+                          <a:spcPts val="600"/>
+                        </a:spcAft>
+                      </a:pPr>
+                      <a:r>
+                        <a:rPr lang="es-ES" sz="1600" kern="1200" dirty="0">
+                          <a:solidFill>
+                            <a:schemeClr val="tx1"/>
+                          </a:solidFill>
+                          <a:effectLst/>
+                          <a:latin typeface="+mn-lt"/>
+                          <a:ea typeface="+mn-ea"/>
+                          <a:cs typeface="+mn-cs"/>
+                        </a:rPr>
+                        <a:t>36 (+6)</a:t>
+                      </a:r>
+                    </a:p>
+                  </a:txBody>
+                  <a:tcPr marL="68580" marR="68580" marT="0" marB="0"/>
+                </a:tc>
+              </a:tr>
+              <a:tr h="375709">
+                <a:tc>
+                  <a:txBody>
+                    <a:bodyPr/>
+                    <a:lstStyle/>
+                    <a:p>
+                      <a:pPr marL="0">
+                        <a:lnSpc>
+                          <a:spcPct val="200000"/>
+                        </a:lnSpc>
+                        <a:spcBef>
+                          <a:spcPts val="600"/>
+                        </a:spcBef>
+                        <a:spcAft>
+                          <a:spcPts val="600"/>
+                        </a:spcAft>
+                      </a:pPr>
+                      <a:r>
+                        <a:rPr lang="es-ES" sz="1600" b="1" kern="1200" dirty="0">
+                          <a:solidFill>
+                            <a:schemeClr val="tx1"/>
+                          </a:solidFill>
+                          <a:effectLst/>
+                          <a:latin typeface="+mn-lt"/>
+                          <a:ea typeface="+mn-ea"/>
+                          <a:cs typeface="+mn-cs"/>
+                        </a:rPr>
+                        <a:t>Iteración 5º: Actualización de la Base de Datos</a:t>
+                      </a:r>
+                    </a:p>
+                  </a:txBody>
+                  <a:tcPr marL="68580" marR="68580" marT="0" marB="0"/>
+                </a:tc>
+                <a:tc>
+                  <a:txBody>
+                    <a:bodyPr/>
+                    <a:lstStyle/>
+                    <a:p>
+                      <a:pPr marL="0" algn="ctr">
+                        <a:lnSpc>
+                          <a:spcPct val="200000"/>
+                        </a:lnSpc>
+                        <a:spcBef>
+                          <a:spcPts val="600"/>
+                        </a:spcBef>
+                        <a:spcAft>
+                          <a:spcPts val="600"/>
+                        </a:spcAft>
+                      </a:pPr>
+                      <a:r>
+                        <a:rPr lang="es-ES" sz="1600" kern="1200" dirty="0">
+                          <a:solidFill>
+                            <a:schemeClr val="tx1"/>
+                          </a:solidFill>
+                          <a:effectLst/>
+                          <a:latin typeface="+mn-lt"/>
+                          <a:ea typeface="+mn-ea"/>
+                          <a:cs typeface="+mn-cs"/>
+                        </a:rPr>
+                        <a:t>20</a:t>
+                      </a:r>
+                    </a:p>
+                  </a:txBody>
+                  <a:tcPr marL="68580" marR="68580" marT="0" marB="0"/>
+                </a:tc>
+                <a:tc>
+                  <a:txBody>
+                    <a:bodyPr/>
+                    <a:lstStyle/>
+                    <a:p>
+                      <a:pPr marL="0" algn="ctr">
+                        <a:lnSpc>
+                          <a:spcPct val="200000"/>
+                        </a:lnSpc>
+                        <a:spcBef>
+                          <a:spcPts val="600"/>
+                        </a:spcBef>
+                        <a:spcAft>
+                          <a:spcPts val="600"/>
+                        </a:spcAft>
+                      </a:pPr>
+                      <a:r>
+                        <a:rPr lang="es-ES" sz="1600" kern="1200">
+                          <a:solidFill>
+                            <a:schemeClr val="tx1"/>
+                          </a:solidFill>
+                          <a:effectLst/>
+                          <a:latin typeface="+mn-lt"/>
+                          <a:ea typeface="+mn-ea"/>
+                          <a:cs typeface="+mn-cs"/>
+                        </a:rPr>
+                        <a:t>22 (+2)</a:t>
+                      </a:r>
+                    </a:p>
+                  </a:txBody>
+                  <a:tcPr marL="68580" marR="68580" marT="0" marB="0"/>
+                </a:tc>
+              </a:tr>
+              <a:tr h="375709">
+                <a:tc>
+                  <a:txBody>
+                    <a:bodyPr/>
+                    <a:lstStyle/>
+                    <a:p>
+                      <a:pPr marL="0">
+                        <a:lnSpc>
+                          <a:spcPct val="200000"/>
+                        </a:lnSpc>
+                        <a:spcBef>
+                          <a:spcPts val="600"/>
+                        </a:spcBef>
+                        <a:spcAft>
+                          <a:spcPts val="600"/>
+                        </a:spcAft>
+                      </a:pPr>
+                      <a:r>
+                        <a:rPr lang="es-ES" sz="1600" b="1" kern="1200" dirty="0">
+                          <a:solidFill>
+                            <a:schemeClr val="tx1"/>
+                          </a:solidFill>
+                          <a:effectLst/>
+                          <a:latin typeface="+mn-lt"/>
+                          <a:ea typeface="+mn-ea"/>
+                          <a:cs typeface="+mn-cs"/>
+                        </a:rPr>
+                        <a:t>Iteración 6º: Reglas de Asociación</a:t>
+                      </a:r>
+                    </a:p>
+                  </a:txBody>
+                  <a:tcPr marL="68580" marR="68580" marT="0" marB="0"/>
+                </a:tc>
+                <a:tc>
+                  <a:txBody>
+                    <a:bodyPr/>
+                    <a:lstStyle/>
+                    <a:p>
+                      <a:pPr marL="0" algn="ctr">
+                        <a:lnSpc>
+                          <a:spcPct val="200000"/>
+                        </a:lnSpc>
+                        <a:spcBef>
+                          <a:spcPts val="600"/>
+                        </a:spcBef>
+                        <a:spcAft>
+                          <a:spcPts val="600"/>
+                        </a:spcAft>
+                      </a:pPr>
+                      <a:r>
+                        <a:rPr lang="es-ES" sz="1600" kern="1200" dirty="0">
+                          <a:solidFill>
+                            <a:schemeClr val="tx1"/>
+                          </a:solidFill>
+                          <a:effectLst/>
+                          <a:latin typeface="+mn-lt"/>
+                          <a:ea typeface="+mn-ea"/>
+                          <a:cs typeface="+mn-cs"/>
+                        </a:rPr>
+                        <a:t>15</a:t>
+                      </a:r>
+                    </a:p>
+                  </a:txBody>
+                  <a:tcPr marL="68580" marR="68580" marT="0" marB="0"/>
+                </a:tc>
+                <a:tc>
+                  <a:txBody>
+                    <a:bodyPr/>
+                    <a:lstStyle/>
+                    <a:p>
+                      <a:pPr marL="0" algn="ctr">
+                        <a:lnSpc>
+                          <a:spcPct val="200000"/>
+                        </a:lnSpc>
+                        <a:spcBef>
+                          <a:spcPts val="600"/>
+                        </a:spcBef>
+                        <a:spcAft>
+                          <a:spcPts val="600"/>
+                        </a:spcAft>
+                      </a:pPr>
+                      <a:r>
+                        <a:rPr lang="es-ES" sz="1600" kern="1200" dirty="0">
+                          <a:solidFill>
+                            <a:schemeClr val="tx1"/>
+                          </a:solidFill>
+                          <a:effectLst/>
+                          <a:latin typeface="+mn-lt"/>
+                          <a:ea typeface="+mn-ea"/>
+                          <a:cs typeface="+mn-cs"/>
+                        </a:rPr>
+                        <a:t>17 (+2)</a:t>
+                      </a:r>
+                    </a:p>
+                  </a:txBody>
+                  <a:tcPr marL="68580" marR="68580" marT="0" marB="0"/>
+                </a:tc>
+                <a:extLst>
+                  <a:ext uri="{0D108BD9-81ED-4DB2-BD59-A6C34878D82A}">
+                    <a16:rowId xmlns:a16="http://schemas.microsoft.com/office/drawing/2014/main" xmlns="" val="2583863154"/>
+                  </a:ext>
+                </a:extLst>
+              </a:tr>
+              <a:tr h="375709">
+                <a:tc>
+                  <a:txBody>
+                    <a:bodyPr/>
+                    <a:lstStyle/>
+                    <a:p>
+                      <a:pPr marL="0" algn="just">
+                        <a:lnSpc>
+                          <a:spcPct val="200000"/>
+                        </a:lnSpc>
+                        <a:spcBef>
+                          <a:spcPts val="600"/>
+                        </a:spcBef>
+                        <a:spcAft>
+                          <a:spcPts val="600"/>
+                        </a:spcAft>
+                      </a:pPr>
+                      <a:r>
+                        <a:rPr lang="es-ES" sz="1600" b="1" kern="1200" dirty="0">
+                          <a:solidFill>
+                            <a:schemeClr val="tx1"/>
+                          </a:solidFill>
+                          <a:effectLst/>
+                          <a:latin typeface="+mn-lt"/>
+                          <a:ea typeface="+mn-ea"/>
+                          <a:cs typeface="+mn-cs"/>
+                        </a:rPr>
+                        <a:t>Iteración 7º: Técnicas de Agrupamiento</a:t>
+                      </a:r>
+                    </a:p>
+                  </a:txBody>
+                  <a:tcPr marL="68580" marR="68580" marT="0" marB="0"/>
+                </a:tc>
+                <a:tc>
+                  <a:txBody>
+                    <a:bodyPr/>
+                    <a:lstStyle/>
+                    <a:p>
+                      <a:pPr marL="0" algn="ctr">
+                        <a:lnSpc>
+                          <a:spcPct val="200000"/>
+                        </a:lnSpc>
+                        <a:spcBef>
+                          <a:spcPts val="600"/>
+                        </a:spcBef>
+                        <a:spcAft>
+                          <a:spcPts val="600"/>
+                        </a:spcAft>
+                      </a:pPr>
+                      <a:r>
+                        <a:rPr lang="es-ES" sz="1600" kern="1200" dirty="0">
+                          <a:solidFill>
+                            <a:schemeClr val="tx1"/>
+                          </a:solidFill>
+                          <a:effectLst/>
+                          <a:latin typeface="+mn-lt"/>
+                          <a:ea typeface="+mn-ea"/>
+                          <a:cs typeface="+mn-cs"/>
+                        </a:rPr>
+                        <a:t>15</a:t>
+                      </a:r>
+                    </a:p>
+                  </a:txBody>
+                  <a:tcPr marL="68580" marR="68580" marT="0" marB="0"/>
+                </a:tc>
+                <a:tc>
+                  <a:txBody>
+                    <a:bodyPr/>
+                    <a:lstStyle/>
+                    <a:p>
+                      <a:pPr marL="0" algn="ctr">
+                        <a:lnSpc>
+                          <a:spcPct val="200000"/>
+                        </a:lnSpc>
+                        <a:spcBef>
+                          <a:spcPts val="600"/>
+                        </a:spcBef>
+                        <a:spcAft>
+                          <a:spcPts val="600"/>
+                        </a:spcAft>
+                      </a:pPr>
+                      <a:r>
+                        <a:rPr lang="es-ES" sz="1600" kern="1200" dirty="0">
+                          <a:solidFill>
+                            <a:schemeClr val="tx1"/>
+                          </a:solidFill>
+                          <a:effectLst/>
+                          <a:latin typeface="+mn-lt"/>
+                          <a:ea typeface="+mn-ea"/>
+                          <a:cs typeface="+mn-cs"/>
+                        </a:rPr>
+                        <a:t>16 (+1)</a:t>
+                      </a:r>
+                    </a:p>
+                  </a:txBody>
+                  <a:tcPr marL="68580" marR="68580" marT="0" marB="0"/>
+                </a:tc>
+                <a:extLst>
+                  <a:ext uri="{0D108BD9-81ED-4DB2-BD59-A6C34878D82A}">
+                    <a16:rowId xmlns:a16="http://schemas.microsoft.com/office/drawing/2014/main" xmlns="" val="1665298459"/>
+                  </a:ext>
+                </a:extLst>
+              </a:tr>
+              <a:tr h="375709">
+                <a:tc>
+                  <a:txBody>
+                    <a:bodyPr/>
+                    <a:lstStyle/>
+                    <a:p>
+                      <a:pPr marL="0" algn="just">
+                        <a:lnSpc>
+                          <a:spcPct val="200000"/>
+                        </a:lnSpc>
+                        <a:spcBef>
+                          <a:spcPts val="600"/>
+                        </a:spcBef>
+                        <a:spcAft>
+                          <a:spcPts val="600"/>
+                        </a:spcAft>
+                      </a:pPr>
+                      <a:r>
+                        <a:rPr lang="es-ES" sz="1600" dirty="0" smtClean="0">
+                          <a:effectLst/>
+                        </a:rPr>
+                        <a:t>Totales</a:t>
+                      </a:r>
+                      <a:endParaRPr lang="es-ES" sz="1600" dirty="0">
+                        <a:effectLst/>
+                        <a:latin typeface="Cambria" panose="02040503050406030204" pitchFamily="18" charset="0"/>
+                        <a:ea typeface="Calibri" panose="020F0502020204030204" pitchFamily="34" charset="0"/>
+                        <a:cs typeface="URWPalladioL-Bold"/>
+                      </a:endParaRPr>
+                    </a:p>
+                  </a:txBody>
+                  <a:tcPr marL="68580" marR="68580" marT="0" marB="0"/>
+                </a:tc>
+                <a:tc>
+                  <a:txBody>
+                    <a:bodyPr/>
+                    <a:lstStyle/>
+                    <a:p>
+                      <a:pPr marL="0" algn="ctr">
+                        <a:lnSpc>
+                          <a:spcPct val="200000"/>
+                        </a:lnSpc>
+                        <a:spcBef>
+                          <a:spcPts val="600"/>
+                        </a:spcBef>
+                        <a:spcAft>
+                          <a:spcPts val="600"/>
+                        </a:spcAft>
+                      </a:pPr>
+                      <a:r>
+                        <a:rPr lang="es-ES" sz="1600" dirty="0" smtClean="0">
+                          <a:effectLst/>
+                        </a:rPr>
+                        <a:t>190 días</a:t>
+                      </a:r>
+                      <a:endParaRPr lang="es-ES" sz="1600" dirty="0">
+                        <a:effectLst/>
+                        <a:latin typeface="Cambria" panose="02040503050406030204" pitchFamily="18" charset="0"/>
+                        <a:ea typeface="Calibri" panose="020F0502020204030204" pitchFamily="34" charset="0"/>
+                        <a:cs typeface="URWPalladioL-Bold"/>
+                      </a:endParaRPr>
+                    </a:p>
+                  </a:txBody>
+                  <a:tcPr marL="68580" marR="68580" marT="0" marB="0"/>
+                </a:tc>
+                <a:tc>
+                  <a:txBody>
+                    <a:bodyPr/>
+                    <a:lstStyle/>
+                    <a:p>
+                      <a:pPr marL="0" algn="ctr" defTabSz="914400" rtl="0" eaLnBrk="1" latinLnBrk="0" hangingPunct="1">
+                        <a:lnSpc>
+                          <a:spcPct val="200000"/>
+                        </a:lnSpc>
+                        <a:spcBef>
+                          <a:spcPts val="600"/>
+                        </a:spcBef>
+                        <a:spcAft>
+                          <a:spcPts val="600"/>
+                        </a:spcAft>
+                      </a:pPr>
+                      <a:r>
+                        <a:rPr lang="es-ES_tradnl" sz="1600" kern="1200" dirty="0" smtClean="0">
+                          <a:solidFill>
+                            <a:schemeClr val="tx1"/>
+                          </a:solidFill>
+                          <a:effectLst/>
+                          <a:latin typeface="+mn-lt"/>
+                          <a:ea typeface="+mn-ea"/>
+                          <a:cs typeface="+mn-cs"/>
+                        </a:rPr>
+                        <a:t>219 días</a:t>
+                      </a:r>
+                      <a:endParaRPr lang="es-ES" sz="1600" kern="1200" dirty="0">
+                        <a:solidFill>
+                          <a:schemeClr val="tx1"/>
+                        </a:solidFill>
+                        <a:effectLst/>
+                        <a:latin typeface="+mn-lt"/>
+                        <a:ea typeface="+mn-ea"/>
+                        <a:cs typeface="+mn-cs"/>
+                      </a:endParaRPr>
+                    </a:p>
+                  </a:txBody>
+                  <a:tcPr marL="68580" marR="68580" marT="0" marB="0"/>
+                </a:tc>
+                <a:extLst>
+                  <a:ext uri="{0D108BD9-81ED-4DB2-BD59-A6C34878D82A}">
+                    <a16:rowId xmlns:a16="http://schemas.microsoft.com/office/drawing/2014/main" xmlns="" val="333326071"/>
+                  </a:ext>
+                </a:extLst>
+              </a:tr>
+            </a:tbl>
+          </a:graphicData>
+        </a:graphic>
+      </p:graphicFrame>
     </p:spTree>
     <p:extLst>
       <p:ext uri="{BB962C8B-B14F-4D97-AF65-F5344CB8AC3E}">
@@ -36657,6 +38022,13 @@
       </p:transition>
     </mc:Fallback>
   </mc:AlternateContent>
+  <p:timing>
+    <p:tnLst>
+      <p:par>
+        <p:cTn id="1" dur="indefinite" restart="never" nodeType="tmRoot"/>
+      </p:par>
+    </p:tnLst>
+  </p:timing>
 </p:sld>
 </file>
 
@@ -36918,7 +38290,7 @@
   <a:extraClrSchemeLst/>
   <a:extLst>
     <a:ext uri="{05A4C25C-085E-4340-85A3-A5531E510DB2}">
-      <thm15:themeFamily xmlns:thm15="http://schemas.microsoft.com/office/thememl/2012/main" name="Droplet" id="{8984A317-299A-4E50-B45D-BFC9EDE2337A}" vid="{A633B6A3-9E7F-4C10-9C98-2517A3134361}"/>
+      <thm15:themeFamily xmlns:thm15="http://schemas.microsoft.com/office/thememl/2012/main" xmlns="" name="Droplet" id="{8984A317-299A-4E50-B45D-BFC9EDE2337A}" vid="{A633B6A3-9E7F-4C10-9C98-2517A3134361}"/>
     </a:ext>
   </a:extLst>
 </a:theme>
@@ -37213,7 +38585,7 @@
   <a:extraClrSchemeLst/>
   <a:extLst>
     <a:ext uri="{05A4C25C-085E-4340-85A3-A5531E510DB2}">
-      <thm15:themeFamily xmlns:thm15="http://schemas.microsoft.com/office/thememl/2012/main" name="Office Theme" id="{62F939B6-93AF-4DB8-9C6B-D6C7DFDC589F}" vid="{4A3C46E8-61CC-4603-A589-7422A47A8E4A}"/>
+      <thm15:themeFamily xmlns:thm15="http://schemas.microsoft.com/office/thememl/2012/main" xmlns="" name="Office Theme" id="{62F939B6-93AF-4DB8-9C6B-D6C7DFDC589F}" vid="{4A3C46E8-61CC-4603-A589-7422A47A8E4A}"/>
     </a:ext>
   </a:extLst>
 </a:theme>
@@ -37508,7 +38880,7 @@
   <a:extraClrSchemeLst/>
   <a:extLst>
     <a:ext uri="{05A4C25C-085E-4340-85A3-A5531E510DB2}">
-      <thm15:themeFamily xmlns:thm15="http://schemas.microsoft.com/office/thememl/2012/main" name="Office Theme" id="{62F939B6-93AF-4DB8-9C6B-D6C7DFDC589F}" vid="{4A3C46E8-61CC-4603-A589-7422A47A8E4A}"/>
+      <thm15:themeFamily xmlns:thm15="http://schemas.microsoft.com/office/thememl/2012/main" xmlns="" name="Office Theme" id="{62F939B6-93AF-4DB8-9C6B-D6C7DFDC589F}" vid="{4A3C46E8-61CC-4603-A589-7422A47A8E4A}"/>
     </a:ext>
   </a:extLst>
 </a:theme>
